--- a/Work_In_Progress/CS/SPMP_Presentation_Erik_Modified.pptx
+++ b/Work_In_Progress/CS/SPMP_Presentation_Erik_Modified.pptx
@@ -131,7 +131,7 @@
   </p:defaultTextStyle>
   <p:extLst>
     <p:ext uri="{EFAFB233-063F-42B5-8137-9DF3F51BA10A}">
-      <p15:sldGuideLst xmlns:p15="http://schemas.microsoft.com/office/powerpoint/2012/main"/>
+      <p15:sldGuideLst xmlns:p15="http://schemas.microsoft.com/office/powerpoint/2012/main" xmlns=""/>
     </p:ext>
   </p:extLst>
 </p:presentation>
@@ -629,8 +629,64 @@
             </a:r>
             <a:r>
               <a:rPr lang="en-US" baseline="0" dirty="0"/>
-              <a:t> be using throughout the entirety of the project we felt as though we need to justify them:</a:t>
-            </a:r>
+              <a:t> be using throughout the entirety of the project we felt as though we need to justify them</a:t>
+            </a:r>
+            <a:r>
+              <a:rPr lang="en-US" baseline="0" dirty="0" smtClean="0"/>
+              <a:t>:</a:t>
+            </a:r>
+          </a:p>
+          <a:p>
+            <a:r>
+              <a:rPr lang="en-US" b="1" dirty="0" smtClean="0"/>
+              <a:t>Slack</a:t>
+            </a:r>
+            <a:r>
+              <a:rPr lang="en-US" dirty="0" smtClean="0"/>
+              <a:t>:  Free, previous experience, intuitive, better organization than a group text, log all conversation, mobile app </a:t>
+            </a:r>
+          </a:p>
+          <a:p>
+            <a:r>
+              <a:rPr lang="en-US" b="1" dirty="0" err="1" smtClean="0"/>
+              <a:t>Wrike</a:t>
+            </a:r>
+            <a:r>
+              <a:rPr lang="en-US" dirty="0" smtClean="0"/>
+              <a:t>: Free, previous experience, easy to assign tasks, keeps you notified, mobile app</a:t>
+            </a:r>
+          </a:p>
+          <a:p>
+            <a:r>
+              <a:rPr lang="en-US" b="1" dirty="0" smtClean="0"/>
+              <a:t>Toggl</a:t>
+            </a:r>
+            <a:r>
+              <a:rPr lang="en-US" dirty="0" smtClean="0"/>
+              <a:t>: Free, previous experience, mobile app, reports(team functionality depends on this), time collection for team.</a:t>
+            </a:r>
+          </a:p>
+          <a:p>
+            <a:r>
+              <a:rPr lang="en-US" b="1" dirty="0" smtClean="0"/>
+              <a:t>GitHub</a:t>
+            </a:r>
+            <a:r>
+              <a:rPr lang="en-US" dirty="0" smtClean="0"/>
+              <a:t>: Free, ubiquitous, mature, retention of historical versions of artifacts.</a:t>
+            </a:r>
+          </a:p>
+          <a:p>
+            <a:r>
+              <a:rPr lang="en-US" b="1" dirty="0" smtClean="0"/>
+              <a:t>Microsoft Project</a:t>
+            </a:r>
+            <a:r>
+              <a:rPr lang="en-US" dirty="0" smtClean="0"/>
+              <a:t>: Most accessible way to build task network diagram.</a:t>
+            </a:r>
+          </a:p>
+          <a:p>
             <a:endParaRPr lang="en-US" dirty="0"/>
           </a:p>
         </p:txBody>
@@ -1445,7 +1501,21 @@
           <a:bodyPr/>
           <a:lstStyle/>
           <a:p>
-            <a:endParaRPr lang="en-US" sz="1200" b="1" u="sng" kern="1200" baseline="0" dirty="0">
+            <a:r>
+              <a:rPr lang="en-US" sz="1200" b="0" u="none" kern="1200" baseline="0" dirty="0" smtClean="0">
+                <a:solidFill>
+                  <a:schemeClr val="tx1"/>
+                </a:solidFill>
+                <a:effectLst/>
+                <a:latin typeface="+mn-lt"/>
+                <a:ea typeface="+mn-ea"/>
+                <a:cs typeface="+mn-cs"/>
+              </a:rPr>
+              <a:t>EJ</a:t>
+            </a:r>
+          </a:p>
+          <a:p>
+            <a:endParaRPr lang="en-US" sz="1200" b="0" u="none" kern="1200" baseline="0" dirty="0" smtClean="0">
               <a:solidFill>
                 <a:schemeClr val="tx1"/>
               </a:solidFill>
@@ -1456,10 +1526,19 @@
             </a:endParaRPr>
           </a:p>
           <a:p>
-            <a:br>
-              <a:rPr lang="en-US" dirty="0"/>
-            </a:br>
-            <a:endParaRPr lang="en-US" sz="1200" b="1" u="sng" kern="1200" dirty="0">
+            <a:r>
+              <a:rPr lang="en-US" sz="1200" b="0" u="none" kern="1200" baseline="0" dirty="0" smtClean="0">
+                <a:solidFill>
+                  <a:schemeClr val="tx1"/>
+                </a:solidFill>
+                <a:effectLst/>
+                <a:latin typeface="+mn-lt"/>
+                <a:ea typeface="+mn-ea"/>
+                <a:cs typeface="+mn-cs"/>
+              </a:rPr>
+              <a:t>Based on time-tracking in Toggl, and rounding any ‘partial hours’ up to full hours.</a:t>
+            </a:r>
+            <a:endParaRPr lang="en-US" sz="1200" b="0" u="none" kern="1200" baseline="0" dirty="0">
               <a:solidFill>
                 <a:schemeClr val="tx1"/>
               </a:solidFill>
@@ -1470,11 +1549,14 @@
             </a:endParaRPr>
           </a:p>
           <a:p>
-            <a:pPr marL="457200" lvl="1" indent="0">
-              <a:buFont typeface="Arial" panose="020B0604020202020204" pitchFamily="34" charset="0"/>
-              <a:buNone/>
-            </a:pPr>
-            <a:endParaRPr lang="en-US" sz="1200" b="1" u="sng" kern="1200" baseline="0" dirty="0">
+            <a:r>
+              <a:rPr lang="en-US" dirty="0"/>
+              <a:t/>
+            </a:r>
+            <a:br>
+              <a:rPr lang="en-US" dirty="0"/>
+            </a:br>
+            <a:endParaRPr lang="en-US" sz="1200" b="1" u="sng" kern="1200" dirty="0">
               <a:solidFill>
                 <a:schemeClr val="tx1"/>
               </a:solidFill>
@@ -1567,34 +1649,148 @@
           <a:lstStyle/>
           <a:p>
             <a:r>
-              <a:rPr lang="en-US" sz="1200" b="1" u="sng" kern="1200" dirty="0">
-                <a:solidFill>
-                  <a:schemeClr val="tx1"/>
-                </a:solidFill>
-                <a:effectLst/>
-                <a:latin typeface="+mn-lt"/>
-                <a:ea typeface="+mn-ea"/>
-                <a:cs typeface="+mn-cs"/>
-              </a:rPr>
-              <a:t>Estimation Selection Rationale</a:t>
-            </a:r>
-          </a:p>
-          <a:p>
-            <a:r>
-              <a:rPr lang="en-US" sz="1200" b="0" i="0" kern="1200" dirty="0">
-                <a:solidFill>
-                  <a:schemeClr val="tx1"/>
-                </a:solidFill>
-                <a:effectLst/>
-                <a:latin typeface="+mn-lt"/>
-                <a:ea typeface="+mn-ea"/>
-                <a:cs typeface="+mn-cs"/>
-              </a:rPr>
-              <a:t>We determined that we had spent 116 hours thus far within the time that we began working together up until today's date (2/6/2017 – 2/24/2017).  We then determined the number of days left until the final project is due – 4 days left in February, 31 days in March, due on the 28th of April = 63 days.  We then divided the total number of days left by the number of days we had been working on the project:  63 / 18, to arrive at 3.5.  We then multiplied this number by 117, to arrive at 409.5 hours.  We added 116 to this number (the amount of time spent so far) and arrived at 525.5 hours.  The closest to this number was the Task Estimate, which is still off by 126.5 hours.  Therefore, we rejected the other Estimates and went with 525.5 person-hours.</a:t>
-            </a:r>
-          </a:p>
-          <a:p>
-            <a:endParaRPr lang="en-US" dirty="0"/>
+              <a:rPr lang="en-US" dirty="0" smtClean="0"/>
+              <a:t>EJ</a:t>
+            </a:r>
+          </a:p>
+          <a:p>
+            <a:endParaRPr lang="en-US" dirty="0" smtClean="0"/>
+          </a:p>
+          <a:p>
+            <a:pPr marL="0" marR="0" indent="0" algn="l" defTabSz="914400" rtl="0" eaLnBrk="1" fontAlgn="auto" latinLnBrk="0" hangingPunct="1">
+              <a:lnSpc>
+                <a:spcPct val="100000"/>
+              </a:lnSpc>
+              <a:spcBef>
+                <a:spcPts val="0"/>
+              </a:spcBef>
+              <a:spcAft>
+                <a:spcPts val="0"/>
+              </a:spcAft>
+              <a:buClrTx/>
+              <a:buSzTx/>
+              <a:buFontTx/>
+              <a:buNone/>
+              <a:tabLst/>
+              <a:defRPr/>
+            </a:pPr>
+            <a:r>
+              <a:rPr lang="en-US" b="1" dirty="0" smtClean="0"/>
+              <a:t>Why switch? </a:t>
+            </a:r>
+            <a:r>
+              <a:rPr lang="en-US" dirty="0" smtClean="0"/>
+              <a:t>Switch to tasks estimate and tweak it based on findings and calculations based on findings from task one.</a:t>
+            </a:r>
+          </a:p>
+          <a:p>
+            <a:pPr marL="628650" marR="0" lvl="1" indent="-171450" algn="l" defTabSz="914400" rtl="0" eaLnBrk="1" fontAlgn="auto" latinLnBrk="0" hangingPunct="1">
+              <a:lnSpc>
+                <a:spcPct val="100000"/>
+              </a:lnSpc>
+              <a:spcBef>
+                <a:spcPts val="0"/>
+              </a:spcBef>
+              <a:spcAft>
+                <a:spcPts val="0"/>
+              </a:spcAft>
+              <a:buClrTx/>
+              <a:buSzTx/>
+              <a:buFont typeface="Arial" panose="020B0604020202020204" pitchFamily="34" charset="0"/>
+              <a:buChar char="•"/>
+              <a:tabLst/>
+              <a:defRPr/>
+            </a:pPr>
+            <a:r>
+              <a:rPr lang="en-US" dirty="0" smtClean="0"/>
+              <a:t>Original</a:t>
+            </a:r>
+            <a:r>
+              <a:rPr lang="en-US" baseline="0" dirty="0" smtClean="0"/>
+              <a:t> selection was strange heuristic based on average hours spent per day based on person-hours up until today</a:t>
+            </a:r>
+            <a:endParaRPr lang="en-US" dirty="0" smtClean="0"/>
+          </a:p>
+          <a:p>
+            <a:pPr marL="628650" marR="0" lvl="1" indent="-171450" algn="l" defTabSz="914400" rtl="0" eaLnBrk="1" fontAlgn="auto" latinLnBrk="0" hangingPunct="1">
+              <a:lnSpc>
+                <a:spcPct val="100000"/>
+              </a:lnSpc>
+              <a:spcBef>
+                <a:spcPts val="0"/>
+              </a:spcBef>
+              <a:spcAft>
+                <a:spcPts val="0"/>
+              </a:spcAft>
+              <a:buClrTx/>
+              <a:buSzTx/>
+              <a:buFont typeface="Arial" panose="020B0604020202020204" pitchFamily="34" charset="0"/>
+              <a:buChar char="•"/>
+              <a:tabLst/>
+              <a:defRPr/>
+            </a:pPr>
+            <a:r>
+              <a:rPr lang="en-US" dirty="0" smtClean="0"/>
+              <a:t>(vs</a:t>
+            </a:r>
+            <a:r>
+              <a:rPr lang="en-US" baseline="0" dirty="0" smtClean="0"/>
+              <a:t> FPE) </a:t>
+            </a:r>
+            <a:r>
+              <a:rPr lang="en-US" dirty="0" smtClean="0"/>
+              <a:t>Closest estimate to actual (function</a:t>
+            </a:r>
+            <a:r>
+              <a:rPr lang="en-US" baseline="0" dirty="0" smtClean="0"/>
+              <a:t> point seems way off)</a:t>
+            </a:r>
+          </a:p>
+          <a:p>
+            <a:pPr marL="628650" marR="0" lvl="1" indent="-171450" algn="l" defTabSz="914400" rtl="0" eaLnBrk="1" fontAlgn="auto" latinLnBrk="0" hangingPunct="1">
+              <a:lnSpc>
+                <a:spcPct val="100000"/>
+              </a:lnSpc>
+              <a:spcBef>
+                <a:spcPts val="0"/>
+              </a:spcBef>
+              <a:spcAft>
+                <a:spcPts val="0"/>
+              </a:spcAft>
+              <a:buClrTx/>
+              <a:buSzTx/>
+              <a:buFont typeface="Arial" panose="020B0604020202020204" pitchFamily="34" charset="0"/>
+              <a:buChar char="•"/>
+              <a:tabLst/>
+              <a:defRPr/>
+            </a:pPr>
+            <a:r>
+              <a:rPr lang="en-US" baseline="0" dirty="0" smtClean="0"/>
+              <a:t>(vs LOC) Able to estimate based on task difficulty vs. just an hours-per-day average, better estimates for individual pieces of project</a:t>
+            </a:r>
+          </a:p>
+          <a:p>
+            <a:pPr marL="628650" marR="0" lvl="1" indent="-171450" algn="l" defTabSz="914400" rtl="0" eaLnBrk="1" fontAlgn="auto" latinLnBrk="0" hangingPunct="1">
+              <a:lnSpc>
+                <a:spcPct val="100000"/>
+              </a:lnSpc>
+              <a:spcBef>
+                <a:spcPts val="0"/>
+              </a:spcBef>
+              <a:spcAft>
+                <a:spcPts val="0"/>
+              </a:spcAft>
+              <a:buClrTx/>
+              <a:buSzTx/>
+              <a:buFont typeface="Arial" panose="020B0604020202020204" pitchFamily="34" charset="0"/>
+              <a:buChar char="•"/>
+              <a:tabLst/>
+              <a:defRPr/>
+            </a:pPr>
+            <a:r>
+              <a:rPr lang="en-US" baseline="0" dirty="0" smtClean="0"/>
+              <a:t>(vs Both) Tasks more adjustable based on new information</a:t>
+            </a:r>
           </a:p>
         </p:txBody>
       </p:sp>
@@ -1615,7 +1811,7 @@
           <a:p>
             <a:fld id="{B621E0F3-BCE5-4552-9E75-AD4D9ACB2A2B}" type="slidenum">
               <a:rPr lang="en-US" smtClean="0"/>
-              <a:t>15</a:t>
+              <a:t>14</a:t>
             </a:fld>
             <a:endParaRPr lang="en-US"/>
           </a:p>
@@ -1624,7 +1820,7 @@
     </p:spTree>
     <p:extLst>
       <p:ext uri="{BB962C8B-B14F-4D97-AF65-F5344CB8AC3E}">
-        <p14:creationId xmlns:p14="http://schemas.microsoft.com/office/powerpoint/2010/main" val="886688131"/>
+        <p14:creationId xmlns:p14="http://schemas.microsoft.com/office/powerpoint/2010/main" val="2526573166"/>
       </p:ext>
     </p:extLst>
   </p:cSld>
@@ -1679,151 +1875,118 @@
           <a:lstStyle/>
           <a:p>
             <a:r>
-              <a:rPr lang="en-US" dirty="0"/>
-              <a:t>CS</a:t>
-            </a:r>
-          </a:p>
-          <a:p>
-            <a:r>
-              <a:rPr lang="en-US" dirty="0"/>
+              <a:rPr lang="en-US" sz="1200" b="1" i="0" u="sng" kern="1200" dirty="0" smtClean="0">
+                <a:solidFill>
+                  <a:schemeClr val="tx1"/>
+                </a:solidFill>
+                <a:effectLst/>
+                <a:latin typeface="+mn-lt"/>
+                <a:ea typeface="+mn-ea"/>
+                <a:cs typeface="+mn-cs"/>
+              </a:rPr>
+              <a:t>EJ</a:t>
+            </a:r>
+          </a:p>
+          <a:p>
+            <a:endParaRPr lang="en-US" sz="1200" b="0" i="0" u="none" kern="1200" dirty="0" smtClean="0">
+              <a:solidFill>
+                <a:schemeClr val="tx1"/>
+              </a:solidFill>
+              <a:effectLst/>
+              <a:latin typeface="+mn-lt"/>
+              <a:ea typeface="+mn-ea"/>
+              <a:cs typeface="+mn-cs"/>
+            </a:endParaRPr>
+          </a:p>
+          <a:p>
+            <a:r>
+              <a:rPr lang="en-US" sz="1200" b="1" i="0" u="none" kern="1200" dirty="0" smtClean="0">
+                <a:solidFill>
+                  <a:schemeClr val="tx1"/>
+                </a:solidFill>
+                <a:effectLst/>
+                <a:latin typeface="+mn-lt"/>
+                <a:ea typeface="+mn-ea"/>
+                <a:cs typeface="+mn-cs"/>
+              </a:rPr>
+              <a:t>LOC</a:t>
+            </a:r>
+            <a:r>
+              <a:rPr lang="en-US" sz="1200" b="0" i="0" u="none" kern="1200" baseline="0" dirty="0" smtClean="0">
+                <a:solidFill>
+                  <a:schemeClr val="tx1"/>
+                </a:solidFill>
+                <a:effectLst/>
+                <a:latin typeface="+mn-lt"/>
+                <a:ea typeface="+mn-ea"/>
+                <a:cs typeface="+mn-cs"/>
+              </a:rPr>
+              <a:t> – No real changes, still based on function decomposition diagram</a:t>
+            </a:r>
+          </a:p>
+          <a:p>
+            <a:r>
+              <a:rPr lang="en-US" sz="1200" b="1" i="0" u="none" kern="1200" baseline="0" dirty="0" smtClean="0">
+                <a:solidFill>
+                  <a:schemeClr val="tx1"/>
+                </a:solidFill>
+                <a:effectLst/>
+                <a:latin typeface="+mn-lt"/>
+                <a:ea typeface="+mn-ea"/>
+                <a:cs typeface="+mn-cs"/>
+              </a:rPr>
+              <a:t>FPE</a:t>
+            </a:r>
+            <a:r>
+              <a:rPr lang="en-US" sz="1200" b="0" i="0" u="none" kern="1200" baseline="0" dirty="0" smtClean="0">
+                <a:solidFill>
+                  <a:schemeClr val="tx1"/>
+                </a:solidFill>
+                <a:effectLst/>
+                <a:latin typeface="+mn-lt"/>
+                <a:ea typeface="+mn-ea"/>
+                <a:cs typeface="+mn-cs"/>
+              </a:rPr>
+              <a:t> – Changes based on knowledge gleaned from use case summary &amp; specs and more in-depth thought about program functionality</a:t>
+            </a:r>
+          </a:p>
+          <a:p>
+            <a:r>
+              <a:rPr lang="en-US" sz="1200" b="1" i="0" u="none" kern="1200" baseline="0" dirty="0" smtClean="0">
+                <a:solidFill>
+                  <a:schemeClr val="tx1"/>
+                </a:solidFill>
+                <a:effectLst/>
+                <a:latin typeface="+mn-lt"/>
+                <a:ea typeface="+mn-ea"/>
+                <a:cs typeface="+mn-cs"/>
+              </a:rPr>
               <a:t>Tasks</a:t>
             </a:r>
             <a:r>
-              <a:rPr lang="en-US" baseline="0" dirty="0"/>
-              <a:t> that were easy will be tasks that took the less amount of time to complete based on reports from </a:t>
-            </a:r>
-            <a:r>
-              <a:rPr lang="en-US" baseline="0" dirty="0" err="1"/>
-              <a:t>toggl</a:t>
-            </a:r>
-            <a:r>
-              <a:rPr lang="en-US" baseline="0" dirty="0"/>
-              <a:t>:</a:t>
-            </a:r>
-          </a:p>
-          <a:p>
-            <a:endParaRPr lang="en-US" baseline="0" dirty="0"/>
-          </a:p>
-          <a:p>
-            <a:r>
-              <a:rPr lang="en-US" b="1" u="sng" baseline="0" dirty="0"/>
-              <a:t>1.2 Project Scope: </a:t>
-            </a:r>
-            <a:r>
-              <a:rPr lang="en-US" b="0" u="none" baseline="0" dirty="0"/>
-              <a:t>Laying out the team skillsets helped to identify exclusions such as using a flat-file system vs a database</a:t>
-            </a:r>
-            <a:endParaRPr lang="en-US" b="1" u="sng" baseline="0" dirty="0"/>
-          </a:p>
-          <a:p>
-            <a:endParaRPr lang="en-US" baseline="0" dirty="0"/>
-          </a:p>
-          <a:p>
-            <a:r>
-              <a:rPr lang="en-US" b="1" u="sng" baseline="0" dirty="0"/>
-              <a:t>1.4 Performance/Behavior Constraints: </a:t>
-            </a:r>
-            <a:r>
-              <a:rPr lang="en-US" b="0" u="none" baseline="0" dirty="0"/>
-              <a:t>Thinking about reasonable expectations of functionality </a:t>
-            </a:r>
-          </a:p>
-          <a:p>
-            <a:endParaRPr lang="en-US" b="0" u="none" baseline="0" dirty="0"/>
-          </a:p>
-          <a:p>
-            <a:r>
-              <a:rPr lang="en-US" b="1" u="sng" baseline="0" dirty="0"/>
-              <a:t>1.5 Management and Technical Constraints:</a:t>
-            </a:r>
-            <a:r>
-              <a:rPr lang="en-US" b="0" u="none" baseline="0" dirty="0"/>
-              <a:t> </a:t>
-            </a:r>
-          </a:p>
-          <a:p>
-            <a:r>
-              <a:rPr lang="en-US" b="1" u="sng" baseline="0" dirty="0"/>
-              <a:t>Management constraints: </a:t>
-            </a:r>
-            <a:r>
-              <a:rPr lang="en-US" b="0" u="none" baseline="0" dirty="0"/>
-              <a:t>Constraints are based on individual schedules and exceptions to team members availability.</a:t>
-            </a:r>
-          </a:p>
-          <a:p>
-            <a:r>
-              <a:rPr lang="en-US" b="0" u="none" baseline="0" dirty="0"/>
-              <a:t>Compared to the technical </a:t>
-            </a:r>
-            <a:r>
-              <a:rPr lang="en-US" b="0" u="none" baseline="0" dirty="0" err="1"/>
-              <a:t>constaints</a:t>
-            </a:r>
-            <a:r>
-              <a:rPr lang="en-US" b="0" u="none" baseline="0" dirty="0"/>
-              <a:t> </a:t>
-            </a:r>
-          </a:p>
-          <a:p>
-            <a:r>
-              <a:rPr lang="en-US" b="1" u="sng" baseline="0" dirty="0"/>
-              <a:t>Technical constraints: </a:t>
-            </a:r>
-            <a:r>
-              <a:rPr lang="en-US" b="0" u="none" baseline="0" dirty="0"/>
-              <a:t>Knowing the kinds of language we will be programming in and based on team skillset.</a:t>
-            </a:r>
-          </a:p>
-          <a:p>
-            <a:endParaRPr lang="en-US" b="0" u="none" baseline="0" dirty="0"/>
-          </a:p>
-          <a:p>
-            <a:r>
-              <a:rPr lang="en-US" b="1" u="sng" baseline="0" dirty="0"/>
-              <a:t>2.1 Historical Data for Estimates: </a:t>
-            </a:r>
-            <a:r>
-              <a:rPr lang="en-US" b="0" u="none" baseline="0" dirty="0"/>
-              <a:t>Deciding what sources to use as historical data </a:t>
-            </a:r>
-            <a:r>
-              <a:rPr lang="en-US" b="0" u="none" baseline="0" dirty="0" err="1"/>
-              <a:t>i.e</a:t>
-            </a:r>
-            <a:r>
-              <a:rPr lang="en-US" b="0" u="none" baseline="0" dirty="0"/>
-              <a:t> Erik’s current job, programs that are from CIS 200 and up (excluding labs b/c we did not feel they were very representative of an individuals work)</a:t>
-            </a:r>
-          </a:p>
-          <a:p>
-            <a:endParaRPr lang="en-US" b="0" u="none" baseline="0" dirty="0"/>
-          </a:p>
-          <a:p>
-            <a:r>
-              <a:rPr lang="en-US" b="1" u="sng" baseline="0" dirty="0"/>
-              <a:t>2.5 Project Resources:</a:t>
-            </a:r>
-            <a:r>
-              <a:rPr lang="en-US" b="0" u="none" baseline="0" dirty="0"/>
-              <a:t> Because we started having team meetings as earlier as possible we were able to have tools established before the SPMP was assigned.  Something that was hard to establish but worked well for us.</a:t>
-            </a:r>
-          </a:p>
-          <a:p>
-            <a:endParaRPr lang="en-US" b="0" u="none" baseline="0" dirty="0"/>
-          </a:p>
-          <a:p>
-            <a:r>
-              <a:rPr lang="en-US" b="1" u="sng" baseline="0" dirty="0"/>
-              <a:t>4.1 Project task set: </a:t>
-            </a:r>
-            <a:r>
-              <a:rPr lang="en-US" b="0" u="none" baseline="0" dirty="0"/>
-              <a:t>A communication plan was already in action by the time the SPMP was assigned making it easier to decide what the next steps of action would be. </a:t>
-            </a:r>
-          </a:p>
-          <a:p>
-            <a:endParaRPr lang="en-US" b="0" u="none" baseline="0" dirty="0"/>
+              <a:rPr lang="en-US" sz="1200" b="0" i="0" u="none" kern="1200" baseline="0" dirty="0" smtClean="0">
+                <a:solidFill>
+                  <a:schemeClr val="tx1"/>
+                </a:solidFill>
+                <a:effectLst/>
+                <a:latin typeface="+mn-lt"/>
+                <a:ea typeface="+mn-ea"/>
+                <a:cs typeface="+mn-cs"/>
+              </a:rPr>
+              <a:t> – Changes based on knowledge gleaned from completion of phase 1 &amp; use case</a:t>
+            </a:r>
+            <a:endParaRPr lang="en-US" sz="1200" b="0" i="0" u="none" kern="1200" dirty="0">
+              <a:solidFill>
+                <a:schemeClr val="tx1"/>
+              </a:solidFill>
+              <a:effectLst/>
+              <a:latin typeface="+mn-lt"/>
+              <a:ea typeface="+mn-ea"/>
+              <a:cs typeface="+mn-cs"/>
+            </a:endParaRPr>
+          </a:p>
+          <a:p>
+            <a:endParaRPr lang="en-US" dirty="0"/>
           </a:p>
         </p:txBody>
       </p:sp>
@@ -1844,7 +2007,7 @@
           <a:p>
             <a:fld id="{B621E0F3-BCE5-4552-9E75-AD4D9ACB2A2B}" type="slidenum">
               <a:rPr lang="en-US" smtClean="0"/>
-              <a:t>16</a:t>
+              <a:t>15</a:t>
             </a:fld>
             <a:endParaRPr lang="en-US"/>
           </a:p>
@@ -1853,7 +2016,7 @@
     </p:spTree>
     <p:extLst>
       <p:ext uri="{BB962C8B-B14F-4D97-AF65-F5344CB8AC3E}">
-        <p14:creationId xmlns:p14="http://schemas.microsoft.com/office/powerpoint/2010/main" val="3402795072"/>
+        <p14:creationId xmlns:p14="http://schemas.microsoft.com/office/powerpoint/2010/main" val="886688131"/>
       </p:ext>
     </p:extLst>
   </p:cSld>
@@ -1907,565 +2070,143 @@
           <a:bodyPr/>
           <a:lstStyle/>
           <a:p>
-            <a:pPr marL="0" marR="0" lvl="0" indent="0" algn="l" defTabSz="914400" rtl="0" eaLnBrk="1" fontAlgn="auto" latinLnBrk="0" hangingPunct="1">
-              <a:lnSpc>
-                <a:spcPct val="100000"/>
-              </a:lnSpc>
-              <a:spcBef>
-                <a:spcPts val="0"/>
-              </a:spcBef>
-              <a:spcAft>
-                <a:spcPts val="0"/>
-              </a:spcAft>
-              <a:buClrTx/>
-              <a:buSzTx/>
-              <a:buFontTx/>
-              <a:buNone/>
-              <a:tabLst/>
-              <a:defRPr/>
-            </a:pPr>
             <a:r>
               <a:rPr lang="en-US" dirty="0"/>
               <a:t>CS</a:t>
             </a:r>
           </a:p>
           <a:p>
-            <a:pPr marL="0" marR="0" lvl="0" indent="0" algn="l" defTabSz="914400" rtl="0" eaLnBrk="1" fontAlgn="auto" latinLnBrk="0" hangingPunct="1">
-              <a:lnSpc>
-                <a:spcPct val="100000"/>
-              </a:lnSpc>
-              <a:spcBef>
-                <a:spcPts val="0"/>
-              </a:spcBef>
-              <a:spcAft>
-                <a:spcPts val="0"/>
-              </a:spcAft>
-              <a:buClrTx/>
-              <a:buSzTx/>
-              <a:buFontTx/>
-              <a:buNone/>
-              <a:tabLst/>
-              <a:defRPr/>
-            </a:pPr>
             <a:r>
               <a:rPr lang="en-US" dirty="0"/>
               <a:t>Tasks</a:t>
             </a:r>
             <a:r>
               <a:rPr lang="en-US" baseline="0" dirty="0"/>
-              <a:t> that were hard will be tasks that took the less amount of time to complete based on reports from Toggl:</a:t>
-            </a:r>
-          </a:p>
-          <a:p>
-            <a:pPr marL="0" marR="0" lvl="0" indent="0" algn="l" defTabSz="914400" rtl="0" eaLnBrk="1" fontAlgn="auto" latinLnBrk="0" hangingPunct="1">
-              <a:lnSpc>
-                <a:spcPct val="100000"/>
-              </a:lnSpc>
-              <a:spcBef>
-                <a:spcPts val="0"/>
-              </a:spcBef>
-              <a:spcAft>
-                <a:spcPts val="0"/>
-              </a:spcAft>
-              <a:buClrTx/>
-              <a:buSzTx/>
-              <a:buFontTx/>
-              <a:buNone/>
-              <a:tabLst/>
-              <a:defRPr/>
-            </a:pPr>
+              <a:t> that were easy will be tasks that took the less amount of time to complete based on reports from </a:t>
+            </a:r>
+            <a:r>
+              <a:rPr lang="en-US" baseline="0" dirty="0" err="1"/>
+              <a:t>toggl</a:t>
+            </a:r>
+            <a:r>
+              <a:rPr lang="en-US" baseline="0" dirty="0"/>
+              <a:t>:</a:t>
+            </a:r>
+          </a:p>
+          <a:p>
             <a:endParaRPr lang="en-US" baseline="0" dirty="0"/>
           </a:p>
           <a:p>
-            <a:pPr marL="0" marR="0" lvl="0" indent="0" algn="l" defTabSz="914400" rtl="0" eaLnBrk="1" fontAlgn="auto" latinLnBrk="0" hangingPunct="1">
-              <a:lnSpc>
-                <a:spcPct val="100000"/>
-              </a:lnSpc>
-              <a:spcBef>
-                <a:spcPts val="0"/>
-              </a:spcBef>
-              <a:spcAft>
-                <a:spcPts val="0"/>
-              </a:spcAft>
-              <a:buClrTx/>
-              <a:buSzTx/>
-              <a:buFontTx/>
-              <a:buNone/>
-              <a:tabLst/>
-              <a:defRPr/>
-            </a:pPr>
-            <a:r>
-              <a:rPr lang="en-US" b="1" u="sng" dirty="0"/>
-              <a:t>Document merging and formatting </a:t>
-            </a:r>
-          </a:p>
-          <a:p>
-            <a:pPr marL="0" marR="0" lvl="0" indent="0" algn="l" defTabSz="914400" rtl="0" eaLnBrk="1" fontAlgn="auto" latinLnBrk="0" hangingPunct="1">
-              <a:lnSpc>
-                <a:spcPct val="100000"/>
-              </a:lnSpc>
-              <a:spcBef>
-                <a:spcPts val="0"/>
-              </a:spcBef>
-              <a:spcAft>
-                <a:spcPts val="0"/>
-              </a:spcAft>
-              <a:buClrTx/>
-              <a:buSzTx/>
-              <a:buFont typeface="Arial" panose="020B0604020202020204" pitchFamily="34" charset="0"/>
-              <a:buNone/>
-              <a:tabLst/>
-              <a:defRPr/>
-            </a:pPr>
-            <a:r>
-              <a:rPr lang="en-US" b="0" u="none" dirty="0"/>
-              <a:t>There</a:t>
+            <a:r>
+              <a:rPr lang="en-US" b="1" u="sng" baseline="0" dirty="0"/>
+              <a:t>1.2 Project Scope: </a:t>
             </a:r>
             <a:r>
               <a:rPr lang="en-US" b="0" u="none" baseline="0" dirty="0"/>
-              <a:t> was no style template or discussed format of how the final SPMP would look. So everyone end up using different formats, fonts and bullet points making it harder and a waste of time when we had to put all the documents together.</a:t>
-            </a:r>
-          </a:p>
-          <a:p>
-            <a:pPr marL="0" marR="0" lvl="0" indent="0" algn="l" defTabSz="914400" rtl="0" eaLnBrk="1" fontAlgn="auto" latinLnBrk="0" hangingPunct="1">
-              <a:lnSpc>
-                <a:spcPct val="100000"/>
-              </a:lnSpc>
-              <a:spcBef>
-                <a:spcPts val="0"/>
-              </a:spcBef>
-              <a:spcAft>
-                <a:spcPts val="0"/>
-              </a:spcAft>
-              <a:buClrTx/>
-              <a:buSzTx/>
-              <a:buFont typeface="Arial" panose="020B0604020202020204" pitchFamily="34" charset="0"/>
-              <a:buNone/>
-              <a:tabLst/>
-              <a:defRPr/>
-            </a:pPr>
+              <a:t>Laying out the team skillsets helped to identify exclusions such as using a flat-file system vs a </a:t>
+            </a:r>
+            <a:r>
+              <a:rPr lang="en-US" b="0" u="none" baseline="0" dirty="0" smtClean="0"/>
+              <a:t>database; INCLUSIONS AND EXCLUSIONS.</a:t>
+            </a:r>
             <a:endParaRPr lang="en-US" b="1" u="sng" baseline="0" dirty="0"/>
           </a:p>
           <a:p>
-            <a:pPr marL="0" marR="0" lvl="0" indent="0" algn="l" defTabSz="914400" rtl="0" eaLnBrk="1" fontAlgn="auto" latinLnBrk="0" hangingPunct="1">
-              <a:lnSpc>
-                <a:spcPct val="100000"/>
-              </a:lnSpc>
-              <a:spcBef>
-                <a:spcPts val="0"/>
-              </a:spcBef>
-              <a:spcAft>
-                <a:spcPts val="0"/>
-              </a:spcAft>
-              <a:buClrTx/>
-              <a:buSzTx/>
-              <a:buFont typeface="Arial" panose="020B0604020202020204" pitchFamily="34" charset="0"/>
-              <a:buNone/>
-              <a:tabLst/>
-              <a:defRPr/>
-            </a:pPr>
+            <a:endParaRPr lang="en-US" baseline="0" dirty="0"/>
+          </a:p>
+          <a:p>
             <a:r>
               <a:rPr lang="en-US" b="1" u="sng" baseline="0" dirty="0"/>
-              <a:t>1.3 Functional Decomposition</a:t>
-            </a:r>
-          </a:p>
-          <a:p>
-            <a:pPr marL="0" marR="0" lvl="0" indent="0" algn="l" defTabSz="914400" rtl="0" eaLnBrk="1" fontAlgn="auto" latinLnBrk="0" hangingPunct="1">
-              <a:lnSpc>
-                <a:spcPct val="100000"/>
-              </a:lnSpc>
-              <a:spcBef>
-                <a:spcPts val="0"/>
-              </a:spcBef>
-              <a:spcAft>
-                <a:spcPts val="0"/>
-              </a:spcAft>
-              <a:buClrTx/>
-              <a:buSzTx/>
-              <a:buFont typeface="Arial" panose="020B0604020202020204" pitchFamily="34" charset="0"/>
-              <a:buNone/>
-              <a:tabLst/>
-              <a:defRPr/>
-            </a:pPr>
-            <a:r>
-              <a:rPr lang="en-US" dirty="0"/>
-              <a:t>Defining the general functionality not the process. Thinking of</a:t>
-            </a:r>
-            <a:r>
-              <a:rPr lang="en-US" baseline="0" dirty="0"/>
-              <a:t> it</a:t>
-            </a:r>
-            <a:r>
-              <a:rPr lang="en-US" dirty="0"/>
-              <a:t> at</a:t>
-            </a:r>
-            <a:r>
-              <a:rPr lang="en-US" baseline="0" dirty="0"/>
-              <a:t> a high enough level that did not discuss implementation details. This took some discussion to be able to grasp that concept. Also involved some emails to Steiner </a:t>
-            </a:r>
-          </a:p>
-          <a:p>
-            <a:pPr marL="0" marR="0" lvl="0" indent="0" algn="l" defTabSz="914400" rtl="0" eaLnBrk="1" fontAlgn="auto" latinLnBrk="0" hangingPunct="1">
-              <a:lnSpc>
-                <a:spcPct val="100000"/>
-              </a:lnSpc>
-              <a:spcBef>
-                <a:spcPts val="0"/>
-              </a:spcBef>
-              <a:spcAft>
-                <a:spcPts val="0"/>
-              </a:spcAft>
-              <a:buClrTx/>
-              <a:buSzTx/>
-              <a:buFont typeface="Arial" panose="020B0604020202020204" pitchFamily="34" charset="0"/>
-              <a:buNone/>
-              <a:tabLst/>
-              <a:defRPr/>
-            </a:pPr>
-            <a:endParaRPr lang="en-US" baseline="0" dirty="0"/>
-          </a:p>
-          <a:p>
-            <a:pPr marL="0" marR="0" lvl="0" indent="0" algn="l" defTabSz="914400" rtl="0" eaLnBrk="1" fontAlgn="auto" latinLnBrk="0" hangingPunct="1">
-              <a:lnSpc>
-                <a:spcPct val="100000"/>
-              </a:lnSpc>
-              <a:spcBef>
-                <a:spcPts val="0"/>
-              </a:spcBef>
-              <a:spcAft>
-                <a:spcPts val="0"/>
-              </a:spcAft>
-              <a:buClrTx/>
-              <a:buSzTx/>
-              <a:buFont typeface="Arial" panose="020B0604020202020204" pitchFamily="34" charset="0"/>
-              <a:buNone/>
-              <a:tabLst/>
-              <a:defRPr/>
-            </a:pPr>
+              <a:t>1.4 Performance/Behavior Constraints: </a:t>
+            </a:r>
+            <a:r>
+              <a:rPr lang="en-US" b="0" u="none" baseline="0" dirty="0"/>
+              <a:t>Thinking about reasonable expectations of functionality </a:t>
+            </a:r>
+          </a:p>
+          <a:p>
+            <a:endParaRPr lang="en-US" b="0" u="none" baseline="0" dirty="0"/>
+          </a:p>
+          <a:p>
             <a:r>
               <a:rPr lang="en-US" b="1" u="sng" baseline="0" dirty="0"/>
-              <a:t>2.3 </a:t>
-            </a:r>
-            <a:r>
-              <a:rPr lang="en-US" dirty="0"/>
-              <a:t>Estimation Techniques Applied and Results</a:t>
-            </a:r>
-            <a:endParaRPr lang="en-US" b="1" u="sng" baseline="0" dirty="0"/>
-          </a:p>
-          <a:p>
-            <a:pPr marL="0" marR="0" lvl="0" indent="0" algn="l" defTabSz="914400" rtl="0" eaLnBrk="1" fontAlgn="auto" latinLnBrk="0" hangingPunct="1">
-              <a:lnSpc>
-                <a:spcPct val="100000"/>
-              </a:lnSpc>
-              <a:spcBef>
-                <a:spcPts val="0"/>
-              </a:spcBef>
-              <a:spcAft>
-                <a:spcPts val="0"/>
-              </a:spcAft>
-              <a:buClrTx/>
-              <a:buSzTx/>
-              <a:buFont typeface="Arial" panose="020B0604020202020204" pitchFamily="34" charset="0"/>
-              <a:buNone/>
-              <a:tabLst/>
-              <a:defRPr/>
-            </a:pPr>
+              <a:t>1.5 Management and Technical Constraints:</a:t>
+            </a:r>
             <a:r>
               <a:rPr lang="en-US" b="0" u="none" baseline="0" dirty="0"/>
-              <a:t>Lines of code: Deciding on the methodology. We spent time discussing which individual projects we would include in our individual LOC Estimates. Then how we would get our teams average LOC/hour from that. We determined a way to find estimates for each method but it turned out to be harder than anticipated.</a:t>
-            </a:r>
-          </a:p>
-          <a:p>
-            <a:pPr marL="0" marR="0" lvl="0" indent="0" algn="l" defTabSz="914400" rtl="0" eaLnBrk="1" fontAlgn="auto" latinLnBrk="0" hangingPunct="1">
-              <a:lnSpc>
-                <a:spcPct val="100000"/>
-              </a:lnSpc>
-              <a:spcBef>
-                <a:spcPts val="0"/>
-              </a:spcBef>
-              <a:spcAft>
-                <a:spcPts val="0"/>
-              </a:spcAft>
-              <a:buClrTx/>
-              <a:buSzTx/>
-              <a:buFont typeface="Arial" panose="020B0604020202020204" pitchFamily="34" charset="0"/>
-              <a:buNone/>
-              <a:tabLst/>
-              <a:defRPr/>
-            </a:pPr>
+              <a:t> </a:t>
+            </a:r>
+          </a:p>
+          <a:p>
+            <a:r>
+              <a:rPr lang="en-US" b="1" u="sng" baseline="0" dirty="0"/>
+              <a:t>Management constraints: </a:t>
+            </a:r>
+            <a:r>
+              <a:rPr lang="en-US" b="0" u="none" baseline="0" dirty="0"/>
+              <a:t>Constraints are based on individual schedules and exceptions to team members availability.</a:t>
+            </a:r>
+          </a:p>
+          <a:p>
+            <a:r>
+              <a:rPr lang="en-US" b="0" u="none" baseline="0" dirty="0"/>
+              <a:t>Compared to the technical </a:t>
+            </a:r>
+            <a:r>
+              <a:rPr lang="en-US" b="0" u="none" baseline="0" dirty="0" err="1"/>
+              <a:t>constaints</a:t>
+            </a:r>
+            <a:r>
+              <a:rPr lang="en-US" b="0" u="none" baseline="0" dirty="0"/>
+              <a:t> </a:t>
+            </a:r>
+          </a:p>
+          <a:p>
+            <a:r>
+              <a:rPr lang="en-US" b="1" u="sng" baseline="0" dirty="0"/>
+              <a:t>Technical constraints: </a:t>
+            </a:r>
+            <a:r>
+              <a:rPr lang="en-US" b="0" u="none" baseline="0" dirty="0"/>
+              <a:t>Knowing the kinds of language we will be programming in and based on team skillset.</a:t>
+            </a:r>
+          </a:p>
+          <a:p>
             <a:endParaRPr lang="en-US" b="0" u="none" baseline="0" dirty="0"/>
           </a:p>
           <a:p>
-            <a:pPr marL="0" marR="0" lvl="0" indent="0" algn="l" defTabSz="914400" rtl="0" eaLnBrk="1" fontAlgn="auto" latinLnBrk="0" hangingPunct="1">
-              <a:lnSpc>
-                <a:spcPct val="100000"/>
-              </a:lnSpc>
-              <a:spcBef>
-                <a:spcPts val="0"/>
-              </a:spcBef>
-              <a:spcAft>
-                <a:spcPts val="0"/>
-              </a:spcAft>
-              <a:buClrTx/>
-              <a:buSzTx/>
-              <a:buFont typeface="Arial" panose="020B0604020202020204" pitchFamily="34" charset="0"/>
-              <a:buNone/>
-              <a:tabLst/>
-              <a:defRPr/>
-            </a:pPr>
             <a:r>
               <a:rPr lang="en-US" b="1" u="sng" baseline="0" dirty="0"/>
-              <a:t>2.4 Reconciled Estimate</a:t>
-            </a:r>
-          </a:p>
-          <a:p>
-            <a:pPr marL="0" marR="0" lvl="0" indent="0" algn="l" defTabSz="914400" rtl="0" eaLnBrk="1" fontAlgn="auto" latinLnBrk="0" hangingPunct="1">
-              <a:lnSpc>
-                <a:spcPct val="100000"/>
-              </a:lnSpc>
-              <a:spcBef>
-                <a:spcPts val="0"/>
-              </a:spcBef>
-              <a:spcAft>
-                <a:spcPts val="0"/>
-              </a:spcAft>
-              <a:buClrTx/>
-              <a:buSzTx/>
-              <a:buFont typeface="Arial" panose="020B0604020202020204" pitchFamily="34" charset="0"/>
-              <a:buNone/>
-              <a:tabLst/>
-              <a:defRPr/>
-            </a:pPr>
+              <a:t>2.1 Historical Data for Estimates: </a:t>
+            </a:r>
             <a:r>
               <a:rPr lang="en-US" b="0" u="none" baseline="0" dirty="0"/>
-              <a:t>Deciding on which estimate (LOC, FP, Task) would be the final estimation for how long we think the project would take. Then deciding not to use any of them because we did not feel they where represented of the time we feel it would take.</a:t>
-            </a:r>
-          </a:p>
-          <a:p>
-            <a:pPr marL="0" marR="0" lvl="0" indent="0" algn="l" defTabSz="914400" rtl="0" eaLnBrk="1" fontAlgn="auto" latinLnBrk="0" hangingPunct="1">
-              <a:lnSpc>
-                <a:spcPct val="100000"/>
-              </a:lnSpc>
-              <a:spcBef>
-                <a:spcPts val="0"/>
-              </a:spcBef>
-              <a:spcAft>
-                <a:spcPts val="0"/>
-              </a:spcAft>
-              <a:buClrTx/>
-              <a:buSzTx/>
-              <a:buFont typeface="Arial" panose="020B0604020202020204" pitchFamily="34" charset="0"/>
-              <a:buNone/>
-              <a:tabLst/>
-              <a:defRPr/>
-            </a:pPr>
+              <a:t>Deciding what sources to use as historical data </a:t>
+            </a:r>
+            <a:r>
+              <a:rPr lang="en-US" b="0" u="none" baseline="0" dirty="0" err="1"/>
+              <a:t>i.e</a:t>
+            </a:r>
+            <a:r>
+              <a:rPr lang="en-US" b="0" u="none" baseline="0" dirty="0"/>
+              <a:t> Erik’s current job, programs that are from CIS 200 and up (excluding labs b/c we did not feel they were very representative of an individuals work)</a:t>
+            </a:r>
+          </a:p>
+          <a:p>
             <a:endParaRPr lang="en-US" b="0" u="none" baseline="0" dirty="0"/>
           </a:p>
           <a:p>
-            <a:pPr marL="0" marR="0" lvl="0" indent="0" algn="l" defTabSz="914400" rtl="0" eaLnBrk="1" fontAlgn="auto" latinLnBrk="0" hangingPunct="1">
-              <a:lnSpc>
-                <a:spcPct val="100000"/>
-              </a:lnSpc>
-              <a:spcBef>
-                <a:spcPts val="0"/>
-              </a:spcBef>
-              <a:spcAft>
-                <a:spcPts val="0"/>
-              </a:spcAft>
-              <a:buClrTx/>
-              <a:buSzTx/>
-              <a:buFont typeface="Arial" panose="020B0604020202020204" pitchFamily="34" charset="0"/>
-              <a:buNone/>
-              <a:tabLst/>
-              <a:defRPr/>
-            </a:pPr>
             <a:r>
               <a:rPr lang="en-US" b="1" u="sng" baseline="0" dirty="0"/>
-              <a:t>4.2 Task Network Diagram</a:t>
-            </a:r>
+              <a:t>4.1 Project task set: </a:t>
+            </a:r>
+            <a:r>
+              <a:rPr lang="en-US" b="0" u="none" baseline="0" dirty="0"/>
+              <a:t>A communication plan was already in action by the time the SPMP was assigned making it easier to decide what the next steps of action would be. </a:t>
+            </a:r>
+          </a:p>
+          <a:p>
             <a:endParaRPr lang="en-US" b="0" u="none" baseline="0" dirty="0"/>
-          </a:p>
-          <a:p>
-            <a:pPr marL="0" marR="0" lvl="0" indent="0" algn="l" defTabSz="914400" rtl="0" eaLnBrk="1" fontAlgn="auto" latinLnBrk="0" hangingPunct="1">
-              <a:lnSpc>
-                <a:spcPct val="100000"/>
-              </a:lnSpc>
-              <a:spcBef>
-                <a:spcPts val="0"/>
-              </a:spcBef>
-              <a:spcAft>
-                <a:spcPts val="0"/>
-              </a:spcAft>
-              <a:buClrTx/>
-              <a:buSzTx/>
-              <a:buFont typeface="Arial" panose="020B0604020202020204" pitchFamily="34" charset="0"/>
-              <a:buNone/>
-              <a:tabLst/>
-              <a:defRPr/>
-            </a:pPr>
-            <a:r>
-              <a:rPr lang="en-US" b="0" u="none" baseline="0" dirty="0"/>
-              <a:t>Deciding if </a:t>
-            </a:r>
-            <a:r>
-              <a:rPr lang="en-US" b="0" u="none" baseline="0" dirty="0" err="1"/>
-              <a:t>wrike</a:t>
-            </a:r>
-            <a:r>
-              <a:rPr lang="en-US" b="0" u="none" baseline="0" dirty="0"/>
-              <a:t> would be the best tool to display the TND. Upon further discussion and investigation of </a:t>
-            </a:r>
-            <a:r>
-              <a:rPr lang="en-US" b="0" u="none" baseline="0" dirty="0" err="1"/>
-              <a:t>wrike</a:t>
-            </a:r>
-            <a:r>
-              <a:rPr lang="en-US" b="0" u="none" baseline="0" dirty="0"/>
-              <a:t> it was decided we would assign task to team members through </a:t>
-            </a:r>
-            <a:r>
-              <a:rPr lang="en-US" b="0" u="none" baseline="0" dirty="0" err="1"/>
-              <a:t>wrike</a:t>
-            </a:r>
-            <a:r>
-              <a:rPr lang="en-US" b="0" u="none" baseline="0" dirty="0"/>
-              <a:t> but we will copy that same data into Microsoft Project in order to be able to display the TND and Timeline chart. Doing so was tedious and took a large amount of time.</a:t>
-            </a:r>
-          </a:p>
-          <a:p>
-            <a:pPr marL="0" marR="0" lvl="0" indent="0" algn="l" defTabSz="914400" rtl="0" eaLnBrk="1" fontAlgn="auto" latinLnBrk="0" hangingPunct="1">
-              <a:lnSpc>
-                <a:spcPct val="100000"/>
-              </a:lnSpc>
-              <a:spcBef>
-                <a:spcPts val="0"/>
-              </a:spcBef>
-              <a:spcAft>
-                <a:spcPts val="0"/>
-              </a:spcAft>
-              <a:buClrTx/>
-              <a:buSzTx/>
-              <a:buFont typeface="Arial" panose="020B0604020202020204" pitchFamily="34" charset="0"/>
-              <a:buNone/>
-              <a:tabLst/>
-              <a:defRPr/>
-            </a:pPr>
-            <a:endParaRPr lang="en-US" b="0" u="none" baseline="0" dirty="0"/>
-          </a:p>
-          <a:p>
-            <a:pPr marL="0" marR="0" lvl="0" indent="0" algn="l" defTabSz="914400" rtl="0" eaLnBrk="1" fontAlgn="auto" latinLnBrk="0" hangingPunct="1">
-              <a:lnSpc>
-                <a:spcPct val="100000"/>
-              </a:lnSpc>
-              <a:spcBef>
-                <a:spcPts val="0"/>
-              </a:spcBef>
-              <a:spcAft>
-                <a:spcPts val="0"/>
-              </a:spcAft>
-              <a:buClrTx/>
-              <a:buSzTx/>
-              <a:buFont typeface="Arial" panose="020B0604020202020204" pitchFamily="34" charset="0"/>
-              <a:buNone/>
-              <a:tabLst/>
-              <a:defRPr/>
-            </a:pPr>
-            <a:r>
-              <a:rPr lang="en-US" b="1" u="sng" baseline="0" dirty="0"/>
-              <a:t>3.0 Risk Mitigation</a:t>
-            </a:r>
-          </a:p>
-          <a:p>
-            <a:pPr marL="0" marR="0" lvl="0" indent="0" algn="l" defTabSz="914400" rtl="0" eaLnBrk="1" fontAlgn="auto" latinLnBrk="0" hangingPunct="1">
-              <a:lnSpc>
-                <a:spcPct val="100000"/>
-              </a:lnSpc>
-              <a:spcBef>
-                <a:spcPts val="0"/>
-              </a:spcBef>
-              <a:spcAft>
-                <a:spcPts val="0"/>
-              </a:spcAft>
-              <a:buClrTx/>
-              <a:buSzTx/>
-              <a:buFont typeface="Arial" panose="020B0604020202020204" pitchFamily="34" charset="0"/>
-              <a:buNone/>
-              <a:tabLst/>
-              <a:defRPr/>
-            </a:pPr>
-            <a:r>
-              <a:rPr lang="en-US" b="0" u="none" baseline="0" dirty="0"/>
-              <a:t>There were items that were not accounted for. Such as weather, mid-terms, and when people are sick. </a:t>
-            </a:r>
-          </a:p>
-          <a:p>
-            <a:pPr marL="0" marR="0" lvl="0" indent="0" algn="l" defTabSz="914400" rtl="0" eaLnBrk="1" fontAlgn="auto" latinLnBrk="0" hangingPunct="1">
-              <a:lnSpc>
-                <a:spcPct val="100000"/>
-              </a:lnSpc>
-              <a:spcBef>
-                <a:spcPts val="0"/>
-              </a:spcBef>
-              <a:spcAft>
-                <a:spcPts val="0"/>
-              </a:spcAft>
-              <a:buClrTx/>
-              <a:buSzTx/>
-              <a:buFont typeface="Arial" panose="020B0604020202020204" pitchFamily="34" charset="0"/>
-              <a:buNone/>
-              <a:tabLst/>
-              <a:defRPr/>
-            </a:pPr>
-            <a:r>
-              <a:rPr lang="en-US" b="0" u="none" baseline="0" dirty="0"/>
-              <a:t>Discussion of possible risks and how to mitigate those risks took about an 1 hour to come to agreed upon decisions. </a:t>
-            </a:r>
-          </a:p>
-          <a:p>
-            <a:pPr marL="0" marR="0" lvl="0" indent="0" algn="l" defTabSz="914400" rtl="0" eaLnBrk="1" fontAlgn="auto" latinLnBrk="0" hangingPunct="1">
-              <a:lnSpc>
-                <a:spcPct val="100000"/>
-              </a:lnSpc>
-              <a:spcBef>
-                <a:spcPts val="0"/>
-              </a:spcBef>
-              <a:spcAft>
-                <a:spcPts val="0"/>
-              </a:spcAft>
-              <a:buClrTx/>
-              <a:buSzTx/>
-              <a:buFont typeface="Arial" panose="020B0604020202020204" pitchFamily="34" charset="0"/>
-              <a:buNone/>
-              <a:tabLst/>
-              <a:defRPr/>
-            </a:pPr>
-            <a:r>
-              <a:rPr lang="en-US" b="1" u="sng" baseline="0" dirty="0"/>
-              <a:t>SQA</a:t>
-            </a:r>
-          </a:p>
-          <a:p>
-            <a:pPr marL="0" marR="0" lvl="0" indent="0" algn="l" defTabSz="914400" rtl="0" eaLnBrk="1" fontAlgn="auto" latinLnBrk="0" hangingPunct="1">
-              <a:lnSpc>
-                <a:spcPct val="100000"/>
-              </a:lnSpc>
-              <a:spcBef>
-                <a:spcPts val="0"/>
-              </a:spcBef>
-              <a:spcAft>
-                <a:spcPts val="0"/>
-              </a:spcAft>
-              <a:buClrTx/>
-              <a:buSzTx/>
-              <a:buFont typeface="Arial" panose="020B0604020202020204" pitchFamily="34" charset="0"/>
-              <a:buNone/>
-              <a:tabLst/>
-              <a:defRPr/>
-            </a:pPr>
-            <a:r>
-              <a:rPr lang="en-US" b="0" u="none" baseline="0" dirty="0"/>
-              <a:t>Because it was the last section of the SPMP, this required a lot of reviewing and cross checking across all other documents to make sure the contents within it were accurate and valid. Traceability. </a:t>
-            </a:r>
           </a:p>
         </p:txBody>
       </p:sp>
@@ -2486,7 +2227,7 @@
           <a:p>
             <a:fld id="{B621E0F3-BCE5-4552-9E75-AD4D9ACB2A2B}" type="slidenum">
               <a:rPr lang="en-US" smtClean="0"/>
-              <a:t>17</a:t>
+              <a:t>16</a:t>
             </a:fld>
             <a:endParaRPr lang="en-US"/>
           </a:p>
@@ -2495,7 +2236,7 @@
     </p:spTree>
     <p:extLst>
       <p:ext uri="{BB962C8B-B14F-4D97-AF65-F5344CB8AC3E}">
-        <p14:creationId xmlns:p14="http://schemas.microsoft.com/office/powerpoint/2010/main" val="3573805196"/>
+        <p14:creationId xmlns:p14="http://schemas.microsoft.com/office/powerpoint/2010/main" val="3402795072"/>
       </p:ext>
     </p:extLst>
   </p:cSld>
@@ -2549,108 +2290,671 @@
           <a:bodyPr/>
           <a:lstStyle/>
           <a:p>
-            <a:pPr marL="0" indent="0">
-              <a:buNone/>
-            </a:pPr>
+            <a:pPr marL="0" marR="0" lvl="0" indent="0" algn="l" defTabSz="914400" rtl="0" eaLnBrk="1" fontAlgn="auto" latinLnBrk="0" hangingPunct="1">
+              <a:lnSpc>
+                <a:spcPct val="100000"/>
+              </a:lnSpc>
+              <a:spcBef>
+                <a:spcPts val="0"/>
+              </a:spcBef>
+              <a:spcAft>
+                <a:spcPts val="0"/>
+              </a:spcAft>
+              <a:buClrTx/>
+              <a:buSzTx/>
+              <a:buFontTx/>
+              <a:buNone/>
+              <a:tabLst/>
+              <a:defRPr/>
+            </a:pPr>
+            <a:r>
+              <a:rPr lang="en-US" dirty="0"/>
+              <a:t>CS</a:t>
+            </a:r>
+          </a:p>
+          <a:p>
+            <a:pPr marL="0" marR="0" lvl="0" indent="0" algn="l" defTabSz="914400" rtl="0" eaLnBrk="1" fontAlgn="auto" latinLnBrk="0" hangingPunct="1">
+              <a:lnSpc>
+                <a:spcPct val="100000"/>
+              </a:lnSpc>
+              <a:spcBef>
+                <a:spcPts val="0"/>
+              </a:spcBef>
+              <a:spcAft>
+                <a:spcPts val="0"/>
+              </a:spcAft>
+              <a:buClrTx/>
+              <a:buSzTx/>
+              <a:buFontTx/>
+              <a:buNone/>
+              <a:tabLst/>
+              <a:defRPr/>
+            </a:pPr>
+            <a:r>
+              <a:rPr lang="en-US" dirty="0"/>
+              <a:t>Tasks</a:t>
+            </a:r>
+            <a:r>
+              <a:rPr lang="en-US" baseline="0" dirty="0"/>
+              <a:t> that were hard will be tasks that took the less amount of time to complete based on reports from Toggl:</a:t>
+            </a:r>
+          </a:p>
+          <a:p>
+            <a:pPr marL="0" marR="0" lvl="0" indent="0" algn="l" defTabSz="914400" rtl="0" eaLnBrk="1" fontAlgn="auto" latinLnBrk="0" hangingPunct="1">
+              <a:lnSpc>
+                <a:spcPct val="100000"/>
+              </a:lnSpc>
+              <a:spcBef>
+                <a:spcPts val="0"/>
+              </a:spcBef>
+              <a:spcAft>
+                <a:spcPts val="0"/>
+              </a:spcAft>
+              <a:buClrTx/>
+              <a:buSzTx/>
+              <a:buFont typeface="Arial" panose="020B0604020202020204" pitchFamily="34" charset="0"/>
+              <a:buNone/>
+              <a:tabLst/>
+              <a:defRPr/>
+            </a:pPr>
+            <a:endParaRPr lang="en-US" b="1" u="sng" baseline="0" dirty="0"/>
+          </a:p>
+          <a:p>
+            <a:pPr marL="0" marR="0" lvl="0" indent="0" algn="l" defTabSz="914400" rtl="0" eaLnBrk="1" fontAlgn="auto" latinLnBrk="0" hangingPunct="1">
+              <a:lnSpc>
+                <a:spcPct val="100000"/>
+              </a:lnSpc>
+              <a:spcBef>
+                <a:spcPts val="0"/>
+              </a:spcBef>
+              <a:spcAft>
+                <a:spcPts val="0"/>
+              </a:spcAft>
+              <a:buClrTx/>
+              <a:buSzTx/>
+              <a:buFont typeface="Arial" panose="020B0604020202020204" pitchFamily="34" charset="0"/>
+              <a:buNone/>
+              <a:tabLst/>
+              <a:defRPr/>
+            </a:pPr>
+            <a:r>
+              <a:rPr lang="en-US" b="1" u="sng" baseline="0" dirty="0"/>
+              <a:t>1.3 Functional Decomposition</a:t>
+            </a:r>
+          </a:p>
+          <a:p>
+            <a:pPr marL="0" marR="0" lvl="0" indent="0" algn="l" defTabSz="914400" rtl="0" eaLnBrk="1" fontAlgn="auto" latinLnBrk="0" hangingPunct="1">
+              <a:lnSpc>
+                <a:spcPct val="100000"/>
+              </a:lnSpc>
+              <a:spcBef>
+                <a:spcPts val="0"/>
+              </a:spcBef>
+              <a:spcAft>
+                <a:spcPts val="0"/>
+              </a:spcAft>
+              <a:buClrTx/>
+              <a:buSzTx/>
+              <a:buFont typeface="Arial" panose="020B0604020202020204" pitchFamily="34" charset="0"/>
+              <a:buNone/>
+              <a:tabLst/>
+              <a:defRPr/>
+            </a:pPr>
+            <a:r>
+              <a:rPr lang="en-US" dirty="0"/>
+              <a:t>Defining the general functionality not the process. Thinking of</a:t>
+            </a:r>
+            <a:r>
+              <a:rPr lang="en-US" baseline="0" dirty="0"/>
+              <a:t> it</a:t>
+            </a:r>
+            <a:r>
+              <a:rPr lang="en-US" dirty="0"/>
+              <a:t> at</a:t>
+            </a:r>
+            <a:r>
+              <a:rPr lang="en-US" baseline="0" dirty="0"/>
+              <a:t> a high enough level that did not discuss implementation details. This took some discussion to be able to grasp that concept. Also involved some emails to Steiner </a:t>
+            </a:r>
+          </a:p>
+          <a:p>
+            <a:pPr marL="0" marR="0" lvl="0" indent="0" algn="l" defTabSz="914400" rtl="0" eaLnBrk="1" fontAlgn="auto" latinLnBrk="0" hangingPunct="1">
+              <a:lnSpc>
+                <a:spcPct val="100000"/>
+              </a:lnSpc>
+              <a:spcBef>
+                <a:spcPts val="0"/>
+              </a:spcBef>
+              <a:spcAft>
+                <a:spcPts val="0"/>
+              </a:spcAft>
+              <a:buClrTx/>
+              <a:buSzTx/>
+              <a:buFont typeface="Arial" panose="020B0604020202020204" pitchFamily="34" charset="0"/>
+              <a:buNone/>
+              <a:tabLst/>
+              <a:defRPr/>
+            </a:pPr>
+            <a:endParaRPr lang="en-US" baseline="0" dirty="0"/>
+          </a:p>
+          <a:p>
+            <a:pPr marL="0" marR="0" lvl="0" indent="0" algn="l" defTabSz="914400" rtl="0" eaLnBrk="1" fontAlgn="auto" latinLnBrk="0" hangingPunct="1">
+              <a:lnSpc>
+                <a:spcPct val="100000"/>
+              </a:lnSpc>
+              <a:spcBef>
+                <a:spcPts val="0"/>
+              </a:spcBef>
+              <a:spcAft>
+                <a:spcPts val="0"/>
+              </a:spcAft>
+              <a:buClrTx/>
+              <a:buSzTx/>
+              <a:buFont typeface="Arial" panose="020B0604020202020204" pitchFamily="34" charset="0"/>
+              <a:buNone/>
+              <a:tabLst/>
+              <a:defRPr/>
+            </a:pPr>
+            <a:r>
+              <a:rPr lang="en-US" b="1" u="sng" baseline="0" dirty="0"/>
+              <a:t>2.3 </a:t>
+            </a:r>
             <a:r>
               <a:rPr lang="en-US" b="1" u="sng" dirty="0"/>
-              <a:t>CS</a:t>
-            </a:r>
-          </a:p>
-          <a:p>
-            <a:pPr marL="0" indent="0">
-              <a:buNone/>
-            </a:pPr>
-            <a:r>
-              <a:rPr lang="en-US" b="1" u="sng" dirty="0"/>
-              <a:t>Checking Slack once a day:</a:t>
-            </a:r>
-          </a:p>
-          <a:p>
-            <a:pPr marL="628650" lvl="1" indent="-171450">
+              <a:t>Estimation Techniques Applied and Results</a:t>
+            </a:r>
+            <a:endParaRPr lang="en-US" b="1" u="sng" baseline="0" dirty="0"/>
+          </a:p>
+          <a:p>
+            <a:pPr marL="0" marR="0" lvl="0" indent="0" algn="l" defTabSz="914400" rtl="0" eaLnBrk="1" fontAlgn="auto" latinLnBrk="0" hangingPunct="1">
+              <a:lnSpc>
+                <a:spcPct val="100000"/>
+              </a:lnSpc>
+              <a:spcBef>
+                <a:spcPts val="0"/>
+              </a:spcBef>
+              <a:spcAft>
+                <a:spcPts val="0"/>
+              </a:spcAft>
+              <a:buClrTx/>
+              <a:buSzTx/>
               <a:buFont typeface="Arial" panose="020B0604020202020204" pitchFamily="34" charset="0"/>
-              <a:buChar char="•"/>
-            </a:pPr>
-            <a:r>
-              <a:rPr lang="en-US" dirty="0"/>
-              <a:t>Requiring Team members to check Slack at least once per day to stay up to date with project discussions.</a:t>
-            </a:r>
-          </a:p>
-          <a:p>
-            <a:pPr marL="0" indent="0">
-              <a:buNone/>
-            </a:pPr>
-            <a:r>
-              <a:rPr lang="en-US" b="1" u="sng" dirty="0"/>
-              <a:t>Establish meeting dates: </a:t>
-            </a:r>
-            <a:r>
-              <a:rPr lang="en-US" dirty="0"/>
-              <a:t>Recurring in-person meetings on Sundays</a:t>
-            </a:r>
-          </a:p>
-          <a:p>
-            <a:pPr marL="628650" lvl="1" indent="-171450">
+              <a:buNone/>
+              <a:tabLst/>
+              <a:defRPr/>
+            </a:pPr>
+            <a:r>
+              <a:rPr lang="en-US" b="0" u="none" baseline="0" dirty="0"/>
+              <a:t>Lines of code: Deciding on the methodology. We spent time discussing which individual projects we would include in our individual LOC Estimates. Then how we would get our teams average LOC/hour from that. We determined a way to find estimates for each method but it turned out to be harder than anticipated.</a:t>
+            </a:r>
+          </a:p>
+          <a:p>
+            <a:pPr marL="0" marR="0" lvl="0" indent="0" algn="l" defTabSz="914400" rtl="0" eaLnBrk="1" fontAlgn="auto" latinLnBrk="0" hangingPunct="1">
+              <a:lnSpc>
+                <a:spcPct val="100000"/>
+              </a:lnSpc>
+              <a:spcBef>
+                <a:spcPts val="0"/>
+              </a:spcBef>
+              <a:spcAft>
+                <a:spcPts val="0"/>
+              </a:spcAft>
+              <a:buClrTx/>
+              <a:buSzTx/>
               <a:buFont typeface="Arial" panose="020B0604020202020204" pitchFamily="34" charset="0"/>
-              <a:buChar char="•"/>
-            </a:pPr>
-            <a:r>
-              <a:rPr lang="en-US" dirty="0"/>
-              <a:t>Slack channel “</a:t>
-            </a:r>
-            <a:r>
-              <a:rPr lang="en-US" dirty="0" err="1"/>
-              <a:t>meeting_minutes</a:t>
-            </a:r>
-            <a:r>
-              <a:rPr lang="en-US" dirty="0"/>
-              <a:t>” contained an overview of the discussions from in-person meetings.</a:t>
-            </a:r>
-          </a:p>
-          <a:p>
-            <a:pPr marL="0" indent="0">
-              <a:buNone/>
-            </a:pPr>
-            <a:r>
-              <a:rPr lang="en-US" b="1" u="sng" dirty="0"/>
-              <a:t>General Availability Doc</a:t>
-            </a:r>
-            <a:r>
-              <a:rPr lang="en-US" dirty="0"/>
-              <a:t>:</a:t>
-            </a:r>
-          </a:p>
-          <a:p>
-            <a:pPr marL="628650" lvl="1" indent="-171450">
+              <a:buNone/>
+              <a:tabLst/>
+              <a:defRPr/>
+            </a:pPr>
+            <a:endParaRPr lang="en-US" b="0" u="none" baseline="0" dirty="0"/>
+          </a:p>
+          <a:p>
+            <a:pPr marL="0" marR="0" lvl="0" indent="0" algn="l" defTabSz="914400" rtl="0" eaLnBrk="1" fontAlgn="auto" latinLnBrk="0" hangingPunct="1">
+              <a:lnSpc>
+                <a:spcPct val="100000"/>
+              </a:lnSpc>
+              <a:spcBef>
+                <a:spcPts val="0"/>
+              </a:spcBef>
+              <a:spcAft>
+                <a:spcPts val="0"/>
+              </a:spcAft>
+              <a:buClrTx/>
+              <a:buSzTx/>
               <a:buFont typeface="Arial" panose="020B0604020202020204" pitchFamily="34" charset="0"/>
-              <a:buChar char="•"/>
-            </a:pPr>
-            <a:r>
-              <a:rPr lang="en-US" dirty="0"/>
-              <a:t>Requiring team members to fill in their general availability during the week.</a:t>
-            </a:r>
-          </a:p>
-          <a:p>
-            <a:pPr marL="0" indent="0">
-              <a:buNone/>
-            </a:pPr>
-            <a:r>
-              <a:rPr lang="en-US" b="1" u="sng" dirty="0"/>
-              <a:t>Exceptions Calendar:</a:t>
-            </a:r>
-          </a:p>
-          <a:p>
-            <a:pPr marL="628650" lvl="1" indent="-171450">
+              <a:buNone/>
+              <a:tabLst/>
+              <a:defRPr/>
+            </a:pPr>
+            <a:r>
+              <a:rPr lang="en-US" b="1" u="sng" baseline="0" dirty="0"/>
+              <a:t>2.4 Reconciled Estimate</a:t>
+            </a:r>
+          </a:p>
+          <a:p>
+            <a:pPr marL="0" marR="0" lvl="0" indent="0" algn="l" defTabSz="914400" rtl="0" eaLnBrk="1" fontAlgn="auto" latinLnBrk="0" hangingPunct="1">
+              <a:lnSpc>
+                <a:spcPct val="100000"/>
+              </a:lnSpc>
+              <a:spcBef>
+                <a:spcPts val="0"/>
+              </a:spcBef>
+              <a:spcAft>
+                <a:spcPts val="0"/>
+              </a:spcAft>
+              <a:buClrTx/>
+              <a:buSzTx/>
               <a:buFont typeface="Arial" panose="020B0604020202020204" pitchFamily="34" charset="0"/>
-              <a:buChar char="•"/>
-            </a:pPr>
-            <a:r>
-              <a:rPr lang="en-US" dirty="0"/>
-              <a:t>If team member had a change to their general availability and were not available on a specific say, they has to report it to this calendar.</a:t>
-            </a:r>
-          </a:p>
-          <a:p>
-            <a:endParaRPr lang="en-US" dirty="0"/>
+              <a:buNone/>
+              <a:tabLst/>
+              <a:defRPr/>
+            </a:pPr>
+            <a:r>
+              <a:rPr lang="en-US" b="0" u="none" baseline="0" dirty="0"/>
+              <a:t>Deciding on which estimate (LOC, FP, Task) would be the final estimation for how long we think the project would take. Then deciding not to use any of them because we did not feel they where represented of the time we feel it would take</a:t>
+            </a:r>
+            <a:r>
+              <a:rPr lang="en-US" b="0" u="none" baseline="0" dirty="0" smtClean="0"/>
+              <a:t>.</a:t>
+            </a:r>
+          </a:p>
+          <a:p>
+            <a:pPr marL="0" marR="0" lvl="0" indent="0" algn="l" defTabSz="914400" rtl="0" eaLnBrk="1" fontAlgn="auto" latinLnBrk="0" hangingPunct="1">
+              <a:lnSpc>
+                <a:spcPct val="100000"/>
+              </a:lnSpc>
+              <a:spcBef>
+                <a:spcPts val="0"/>
+              </a:spcBef>
+              <a:spcAft>
+                <a:spcPts val="0"/>
+              </a:spcAft>
+              <a:buClrTx/>
+              <a:buSzTx/>
+              <a:buFont typeface="Arial" panose="020B0604020202020204" pitchFamily="34" charset="0"/>
+              <a:buNone/>
+              <a:tabLst/>
+              <a:defRPr/>
+            </a:pPr>
+            <a:endParaRPr lang="en-US" b="0" u="none" baseline="0" dirty="0" smtClean="0"/>
+          </a:p>
+          <a:p>
+            <a:pPr marL="0" marR="0" lvl="0" indent="0" algn="l" defTabSz="914400" rtl="0" eaLnBrk="1" fontAlgn="auto" latinLnBrk="0" hangingPunct="1">
+              <a:lnSpc>
+                <a:spcPct val="100000"/>
+              </a:lnSpc>
+              <a:spcBef>
+                <a:spcPts val="0"/>
+              </a:spcBef>
+              <a:spcAft>
+                <a:spcPts val="0"/>
+              </a:spcAft>
+              <a:buClrTx/>
+              <a:buSzTx/>
+              <a:buFont typeface="Arial" panose="020B0604020202020204" pitchFamily="34" charset="0"/>
+              <a:buNone/>
+              <a:tabLst/>
+              <a:defRPr/>
+            </a:pPr>
+            <a:endParaRPr lang="en-US" b="0" u="none" baseline="0" dirty="0" smtClean="0"/>
+          </a:p>
+          <a:p>
+            <a:pPr marL="0" marR="0" lvl="0" indent="0" algn="l" defTabSz="914400" rtl="0" eaLnBrk="1" fontAlgn="auto" latinLnBrk="0" hangingPunct="1">
+              <a:lnSpc>
+                <a:spcPct val="100000"/>
+              </a:lnSpc>
+              <a:spcBef>
+                <a:spcPts val="0"/>
+              </a:spcBef>
+              <a:spcAft>
+                <a:spcPts val="0"/>
+              </a:spcAft>
+              <a:buClrTx/>
+              <a:buSzTx/>
+              <a:buFont typeface="Arial" panose="020B0604020202020204" pitchFamily="34" charset="0"/>
+              <a:buNone/>
+              <a:tabLst/>
+              <a:defRPr/>
+            </a:pPr>
+            <a:r>
+              <a:rPr lang="en-US" b="1" u="sng" baseline="0" dirty="0" smtClean="0"/>
+              <a:t>3.0 Risk Mitigation</a:t>
+            </a:r>
+          </a:p>
+          <a:p>
+            <a:pPr marL="0" marR="0" lvl="0" indent="0" algn="l" defTabSz="914400" rtl="0" eaLnBrk="1" fontAlgn="auto" latinLnBrk="0" hangingPunct="1">
+              <a:lnSpc>
+                <a:spcPct val="100000"/>
+              </a:lnSpc>
+              <a:spcBef>
+                <a:spcPts val="0"/>
+              </a:spcBef>
+              <a:spcAft>
+                <a:spcPts val="0"/>
+              </a:spcAft>
+              <a:buClrTx/>
+              <a:buSzTx/>
+              <a:buFont typeface="Arial" panose="020B0604020202020204" pitchFamily="34" charset="0"/>
+              <a:buNone/>
+              <a:tabLst/>
+              <a:defRPr/>
+            </a:pPr>
+            <a:r>
+              <a:rPr lang="en-US" b="0" u="none" baseline="0" dirty="0" smtClean="0"/>
+              <a:t>There were items that were not accounted for. Such as weather, mid-terms, and when people are sick. </a:t>
+            </a:r>
+          </a:p>
+          <a:p>
+            <a:pPr marL="0" marR="0" lvl="0" indent="0" algn="l" defTabSz="914400" rtl="0" eaLnBrk="1" fontAlgn="auto" latinLnBrk="0" hangingPunct="1">
+              <a:lnSpc>
+                <a:spcPct val="100000"/>
+              </a:lnSpc>
+              <a:spcBef>
+                <a:spcPts val="0"/>
+              </a:spcBef>
+              <a:spcAft>
+                <a:spcPts val="0"/>
+              </a:spcAft>
+              <a:buClrTx/>
+              <a:buSzTx/>
+              <a:buFont typeface="Arial" panose="020B0604020202020204" pitchFamily="34" charset="0"/>
+              <a:buNone/>
+              <a:tabLst/>
+              <a:defRPr/>
+            </a:pPr>
+            <a:r>
+              <a:rPr lang="en-US" b="0" u="none" baseline="0" dirty="0" smtClean="0"/>
+              <a:t>Discussion of possible risks and how to mitigate those risks took about an 1 hour to come to agreed upon decisions. </a:t>
+            </a:r>
+          </a:p>
+          <a:p>
+            <a:pPr marL="0" marR="0" lvl="0" indent="0" algn="l" defTabSz="914400" rtl="0" eaLnBrk="1" fontAlgn="auto" latinLnBrk="0" hangingPunct="1">
+              <a:lnSpc>
+                <a:spcPct val="100000"/>
+              </a:lnSpc>
+              <a:spcBef>
+                <a:spcPts val="0"/>
+              </a:spcBef>
+              <a:spcAft>
+                <a:spcPts val="0"/>
+              </a:spcAft>
+              <a:buClrTx/>
+              <a:buSzTx/>
+              <a:buFont typeface="Arial" panose="020B0604020202020204" pitchFamily="34" charset="0"/>
+              <a:buNone/>
+              <a:tabLst/>
+              <a:defRPr/>
+            </a:pPr>
+            <a:endParaRPr lang="en-US" b="0" u="none" baseline="0" dirty="0"/>
+          </a:p>
+          <a:p>
+            <a:pPr marL="0" marR="0" lvl="0" indent="0" algn="l" defTabSz="914400" rtl="0" eaLnBrk="1" fontAlgn="auto" latinLnBrk="0" hangingPunct="1">
+              <a:lnSpc>
+                <a:spcPct val="100000"/>
+              </a:lnSpc>
+              <a:spcBef>
+                <a:spcPts val="0"/>
+              </a:spcBef>
+              <a:spcAft>
+                <a:spcPts val="0"/>
+              </a:spcAft>
+              <a:buClrTx/>
+              <a:buSzTx/>
+              <a:buFont typeface="Arial" panose="020B0604020202020204" pitchFamily="34" charset="0"/>
+              <a:buNone/>
+              <a:tabLst/>
+              <a:defRPr/>
+            </a:pPr>
+            <a:endParaRPr lang="en-US" b="0" u="none" baseline="0" dirty="0"/>
+          </a:p>
+          <a:p>
+            <a:pPr marL="0" marR="0" lvl="0" indent="0" algn="l" defTabSz="914400" rtl="0" eaLnBrk="1" fontAlgn="auto" latinLnBrk="0" hangingPunct="1">
+              <a:lnSpc>
+                <a:spcPct val="100000"/>
+              </a:lnSpc>
+              <a:spcBef>
+                <a:spcPts val="0"/>
+              </a:spcBef>
+              <a:spcAft>
+                <a:spcPts val="0"/>
+              </a:spcAft>
+              <a:buClrTx/>
+              <a:buSzTx/>
+              <a:buFont typeface="Arial" panose="020B0604020202020204" pitchFamily="34" charset="0"/>
+              <a:buNone/>
+              <a:tabLst/>
+              <a:defRPr/>
+            </a:pPr>
+            <a:r>
+              <a:rPr lang="en-US" b="1" u="sng" baseline="0" dirty="0"/>
+              <a:t>4.2 Task Network Diagram</a:t>
+            </a:r>
+            <a:endParaRPr lang="en-US" b="0" u="none" baseline="0" dirty="0"/>
+          </a:p>
+          <a:p>
+            <a:pPr marL="0" marR="0" lvl="0" indent="0" algn="l" defTabSz="914400" rtl="0" eaLnBrk="1" fontAlgn="auto" latinLnBrk="0" hangingPunct="1">
+              <a:lnSpc>
+                <a:spcPct val="100000"/>
+              </a:lnSpc>
+              <a:spcBef>
+                <a:spcPts val="0"/>
+              </a:spcBef>
+              <a:spcAft>
+                <a:spcPts val="0"/>
+              </a:spcAft>
+              <a:buClrTx/>
+              <a:buSzTx/>
+              <a:buFont typeface="Arial" panose="020B0604020202020204" pitchFamily="34" charset="0"/>
+              <a:buNone/>
+              <a:tabLst/>
+              <a:defRPr/>
+            </a:pPr>
+            <a:r>
+              <a:rPr lang="en-US" b="0" u="none" baseline="0" dirty="0"/>
+              <a:t>Deciding if </a:t>
+            </a:r>
+            <a:r>
+              <a:rPr lang="en-US" b="0" u="none" baseline="0" dirty="0" err="1"/>
+              <a:t>wrike</a:t>
+            </a:r>
+            <a:r>
+              <a:rPr lang="en-US" b="0" u="none" baseline="0" dirty="0"/>
+              <a:t> would be the best tool to display the TND. Upon further discussion and investigation of </a:t>
+            </a:r>
+            <a:r>
+              <a:rPr lang="en-US" b="0" u="none" baseline="0" dirty="0" err="1"/>
+              <a:t>wrike</a:t>
+            </a:r>
+            <a:r>
+              <a:rPr lang="en-US" b="0" u="none" baseline="0" dirty="0"/>
+              <a:t> it was decided we would assign task to team members through </a:t>
+            </a:r>
+            <a:r>
+              <a:rPr lang="en-US" b="0" u="none" baseline="0" dirty="0" err="1"/>
+              <a:t>wrike</a:t>
+            </a:r>
+            <a:r>
+              <a:rPr lang="en-US" b="0" u="none" baseline="0" dirty="0"/>
+              <a:t> but we will copy that same data into Microsoft Project in order to be able to display the TND and Timeline chart. Doing so was tedious and took a large amount of time.</a:t>
+            </a:r>
+          </a:p>
+          <a:p>
+            <a:pPr marL="0" marR="0" lvl="0" indent="0" algn="l" defTabSz="914400" rtl="0" eaLnBrk="1" fontAlgn="auto" latinLnBrk="0" hangingPunct="1">
+              <a:lnSpc>
+                <a:spcPct val="100000"/>
+              </a:lnSpc>
+              <a:spcBef>
+                <a:spcPts val="0"/>
+              </a:spcBef>
+              <a:spcAft>
+                <a:spcPts val="0"/>
+              </a:spcAft>
+              <a:buClrTx/>
+              <a:buSzTx/>
+              <a:buFont typeface="Arial" panose="020B0604020202020204" pitchFamily="34" charset="0"/>
+              <a:buNone/>
+              <a:tabLst/>
+              <a:defRPr/>
+            </a:pPr>
+            <a:endParaRPr lang="en-US" b="0" u="none" baseline="0" dirty="0"/>
+          </a:p>
+          <a:p>
+            <a:pPr marL="0" marR="0" lvl="0" indent="0" algn="l" defTabSz="914400" rtl="0" eaLnBrk="1" fontAlgn="auto" latinLnBrk="0" hangingPunct="1">
+              <a:lnSpc>
+                <a:spcPct val="100000"/>
+              </a:lnSpc>
+              <a:spcBef>
+                <a:spcPts val="0"/>
+              </a:spcBef>
+              <a:spcAft>
+                <a:spcPts val="0"/>
+              </a:spcAft>
+              <a:buClrTx/>
+              <a:buSzTx/>
+              <a:buFont typeface="Arial" panose="020B0604020202020204" pitchFamily="34" charset="0"/>
+              <a:buNone/>
+              <a:tabLst/>
+              <a:defRPr/>
+            </a:pPr>
+            <a:r>
+              <a:rPr lang="en-US" b="1" u="sng" baseline="0" dirty="0" smtClean="0"/>
+              <a:t>6.1 SQA</a:t>
+            </a:r>
+            <a:endParaRPr lang="en-US" b="1" u="sng" baseline="0" dirty="0"/>
+          </a:p>
+          <a:p>
+            <a:pPr marL="0" marR="0" lvl="0" indent="0" algn="l" defTabSz="914400" rtl="0" eaLnBrk="1" fontAlgn="auto" latinLnBrk="0" hangingPunct="1">
+              <a:lnSpc>
+                <a:spcPct val="100000"/>
+              </a:lnSpc>
+              <a:spcBef>
+                <a:spcPts val="0"/>
+              </a:spcBef>
+              <a:spcAft>
+                <a:spcPts val="0"/>
+              </a:spcAft>
+              <a:buClrTx/>
+              <a:buSzTx/>
+              <a:buFont typeface="Arial" panose="020B0604020202020204" pitchFamily="34" charset="0"/>
+              <a:buNone/>
+              <a:tabLst/>
+              <a:defRPr/>
+            </a:pPr>
+            <a:r>
+              <a:rPr lang="en-US" b="0" u="none" baseline="0" dirty="0"/>
+              <a:t>Because it was the last section of the SPMP, this required a lot of reviewing and cross checking across all other documents to make sure the contents within it were accurate and valid. Traceability. </a:t>
+            </a:r>
+            <a:endParaRPr lang="en-US" b="0" u="none" baseline="0" dirty="0" smtClean="0"/>
+          </a:p>
+          <a:p>
+            <a:pPr marL="0" marR="0" lvl="0" indent="0" algn="l" defTabSz="914400" rtl="0" eaLnBrk="1" fontAlgn="auto" latinLnBrk="0" hangingPunct="1">
+              <a:lnSpc>
+                <a:spcPct val="100000"/>
+              </a:lnSpc>
+              <a:spcBef>
+                <a:spcPts val="0"/>
+              </a:spcBef>
+              <a:spcAft>
+                <a:spcPts val="0"/>
+              </a:spcAft>
+              <a:buClrTx/>
+              <a:buSzTx/>
+              <a:buFont typeface="Arial" panose="020B0604020202020204" pitchFamily="34" charset="0"/>
+              <a:buNone/>
+              <a:tabLst/>
+              <a:defRPr/>
+            </a:pPr>
+            <a:endParaRPr lang="en-US" b="0" u="none" baseline="0" dirty="0" smtClean="0"/>
+          </a:p>
+          <a:p>
+            <a:pPr marL="0" marR="0" lvl="0" indent="0" algn="l" defTabSz="914400" rtl="0" eaLnBrk="1" fontAlgn="auto" latinLnBrk="0" hangingPunct="1">
+              <a:lnSpc>
+                <a:spcPct val="100000"/>
+              </a:lnSpc>
+              <a:spcBef>
+                <a:spcPts val="0"/>
+              </a:spcBef>
+              <a:spcAft>
+                <a:spcPts val="0"/>
+              </a:spcAft>
+              <a:buClrTx/>
+              <a:buSzTx/>
+              <a:buFontTx/>
+              <a:buNone/>
+              <a:tabLst/>
+              <a:defRPr/>
+            </a:pPr>
+            <a:endParaRPr lang="en-US" baseline="0" dirty="0" smtClean="0"/>
+          </a:p>
+          <a:p>
+            <a:pPr marL="0" marR="0" lvl="0" indent="0" algn="l" defTabSz="914400" rtl="0" eaLnBrk="1" fontAlgn="auto" latinLnBrk="0" hangingPunct="1">
+              <a:lnSpc>
+                <a:spcPct val="100000"/>
+              </a:lnSpc>
+              <a:spcBef>
+                <a:spcPts val="0"/>
+              </a:spcBef>
+              <a:spcAft>
+                <a:spcPts val="0"/>
+              </a:spcAft>
+              <a:buClrTx/>
+              <a:buSzTx/>
+              <a:buFontTx/>
+              <a:buNone/>
+              <a:tabLst/>
+              <a:defRPr/>
+            </a:pPr>
+            <a:r>
+              <a:rPr lang="en-US" b="1" u="sng" dirty="0" smtClean="0"/>
+              <a:t>Document merging and formatting </a:t>
+            </a:r>
+          </a:p>
+          <a:p>
+            <a:pPr marL="0" marR="0" lvl="0" indent="0" algn="l" defTabSz="914400" rtl="0" eaLnBrk="1" fontAlgn="auto" latinLnBrk="0" hangingPunct="1">
+              <a:lnSpc>
+                <a:spcPct val="100000"/>
+              </a:lnSpc>
+              <a:spcBef>
+                <a:spcPts val="0"/>
+              </a:spcBef>
+              <a:spcAft>
+                <a:spcPts val="0"/>
+              </a:spcAft>
+              <a:buClrTx/>
+              <a:buSzTx/>
+              <a:buFont typeface="Arial" panose="020B0604020202020204" pitchFamily="34" charset="0"/>
+              <a:buNone/>
+              <a:tabLst/>
+              <a:defRPr/>
+            </a:pPr>
+            <a:r>
+              <a:rPr lang="en-US" b="0" u="none" dirty="0" smtClean="0"/>
+              <a:t>There</a:t>
+            </a:r>
+            <a:r>
+              <a:rPr lang="en-US" b="0" u="none" baseline="0" dirty="0" smtClean="0"/>
+              <a:t> was no style template or discussed format of how the final SPMP would look. So everyone end up using different formats, fonts and bullet points making it harder and a waste of time when we had to put all the documents together.</a:t>
+            </a:r>
+          </a:p>
+          <a:p>
+            <a:pPr marL="0" marR="0" lvl="0" indent="0" algn="l" defTabSz="914400" rtl="0" eaLnBrk="1" fontAlgn="auto" latinLnBrk="0" hangingPunct="1">
+              <a:lnSpc>
+                <a:spcPct val="100000"/>
+              </a:lnSpc>
+              <a:spcBef>
+                <a:spcPts val="0"/>
+              </a:spcBef>
+              <a:spcAft>
+                <a:spcPts val="0"/>
+              </a:spcAft>
+              <a:buClrTx/>
+              <a:buSzTx/>
+              <a:buFont typeface="Arial" panose="020B0604020202020204" pitchFamily="34" charset="0"/>
+              <a:buNone/>
+              <a:tabLst/>
+              <a:defRPr/>
+            </a:pPr>
+            <a:endParaRPr lang="en-US" b="0" u="none" baseline="0" dirty="0"/>
           </a:p>
         </p:txBody>
       </p:sp>
@@ -2671,7 +2975,7 @@
           <a:p>
             <a:fld id="{B621E0F3-BCE5-4552-9E75-AD4D9ACB2A2B}" type="slidenum">
               <a:rPr lang="en-US" smtClean="0"/>
-              <a:t>18</a:t>
+              <a:t>17</a:t>
             </a:fld>
             <a:endParaRPr lang="en-US"/>
           </a:p>
@@ -2680,7 +2984,7 @@
     </p:spTree>
     <p:extLst>
       <p:ext uri="{BB962C8B-B14F-4D97-AF65-F5344CB8AC3E}">
-        <p14:creationId xmlns:p14="http://schemas.microsoft.com/office/powerpoint/2010/main" val="3316633356"/>
+        <p14:creationId xmlns:p14="http://schemas.microsoft.com/office/powerpoint/2010/main" val="3573805196"/>
       </p:ext>
     </p:extLst>
   </p:cSld>
@@ -2734,22 +3038,8 @@
           <a:bodyPr/>
           <a:lstStyle/>
           <a:p>
-            <a:pPr marL="0" marR="0" lvl="0" indent="0" algn="l" defTabSz="914400" rtl="0" eaLnBrk="1" fontAlgn="auto" latinLnBrk="0" hangingPunct="1">
-              <a:lnSpc>
-                <a:spcPct val="100000"/>
-              </a:lnSpc>
-              <a:spcBef>
-                <a:spcPts val="0"/>
-              </a:spcBef>
-              <a:spcAft>
-                <a:spcPts val="0"/>
-              </a:spcAft>
-              <a:buClrTx/>
-              <a:buSzTx/>
-              <a:buFontTx/>
-              <a:buNone/>
-              <a:tabLst/>
-              <a:defRPr/>
+            <a:pPr marL="0" indent="0">
+              <a:buNone/>
             </a:pPr>
             <a:r>
               <a:rPr lang="en-US" b="1" u="sng" dirty="0"/>
@@ -2757,88 +3047,45 @@
             </a:r>
           </a:p>
           <a:p>
-            <a:pPr marL="0" marR="0" lvl="0" indent="0" algn="l" defTabSz="914400" rtl="0" eaLnBrk="1" fontAlgn="auto" latinLnBrk="0" hangingPunct="1">
-              <a:lnSpc>
-                <a:spcPct val="100000"/>
-              </a:lnSpc>
-              <a:spcBef>
-                <a:spcPts val="0"/>
-              </a:spcBef>
-              <a:spcAft>
-                <a:spcPts val="0"/>
-              </a:spcAft>
-              <a:buClrTx/>
-              <a:buSzTx/>
-              <a:buFontTx/>
-              <a:buNone/>
-              <a:tabLst/>
-              <a:defRPr/>
+            <a:pPr marL="0" indent="0">
+              <a:buNone/>
             </a:pPr>
             <a:r>
               <a:rPr lang="en-US" b="1" u="sng" dirty="0"/>
-              <a:t>Slack:</a:t>
-            </a:r>
-            <a:r>
-              <a:rPr lang="en-US" b="1" u="sng" baseline="0" dirty="0"/>
-              <a:t> </a:t>
-            </a:r>
-          </a:p>
-          <a:p>
-            <a:pPr marL="171450" marR="0" lvl="0" indent="-171450" algn="l" defTabSz="914400" rtl="0" eaLnBrk="1" fontAlgn="auto" latinLnBrk="0" hangingPunct="1">
-              <a:lnSpc>
-                <a:spcPct val="100000"/>
-              </a:lnSpc>
-              <a:spcBef>
-                <a:spcPts val="0"/>
-              </a:spcBef>
-              <a:spcAft>
-                <a:spcPts val="0"/>
-              </a:spcAft>
-              <a:buClrTx/>
-              <a:buSzTx/>
+              <a:t>Checking Slack once a day:</a:t>
+            </a:r>
+          </a:p>
+          <a:p>
+            <a:pPr marL="628650" lvl="1" indent="-171450">
               <a:buFont typeface="Arial" panose="020B0604020202020204" pitchFamily="34" charset="0"/>
               <a:buChar char="•"/>
-              <a:tabLst/>
-              <a:defRPr/>
-            </a:pPr>
-            <a:r>
-              <a:rPr lang="en-US" u="none" dirty="0"/>
-              <a:t>Notification</a:t>
-            </a:r>
+            </a:pPr>
             <a:r>
               <a:rPr lang="en-US" dirty="0"/>
-              <a:t> of a change to the repository of either non-source  code or source code files must be communicated to the other team members through Slack.  </a:t>
-            </a:r>
-          </a:p>
-          <a:p>
-            <a:pPr marL="171450" marR="0" lvl="0" indent="-171450" algn="l" defTabSz="914400" rtl="0" eaLnBrk="1" fontAlgn="auto" latinLnBrk="0" hangingPunct="1">
-              <a:lnSpc>
-                <a:spcPct val="100000"/>
-              </a:lnSpc>
-              <a:spcBef>
-                <a:spcPts val="0"/>
-              </a:spcBef>
-              <a:spcAft>
-                <a:spcPts val="0"/>
-              </a:spcAft>
-              <a:buClrTx/>
-              <a:buSzTx/>
+              <a:t>Requiring Team members to check Slack at least once per day to stay up to date with project discussions.</a:t>
+            </a:r>
+          </a:p>
+          <a:p>
+            <a:pPr marL="0" indent="0">
+              <a:buNone/>
+            </a:pPr>
+            <a:r>
+              <a:rPr lang="en-US" b="1" u="sng" dirty="0"/>
+              <a:t>Establish meeting dates: </a:t>
+            </a:r>
+            <a:r>
+              <a:rPr lang="en-US" dirty="0"/>
+              <a:t>Recurring in-person meetings on Sundays</a:t>
+            </a:r>
+          </a:p>
+          <a:p>
+            <a:pPr marL="628650" lvl="1" indent="-171450">
               <a:buFont typeface="Arial" panose="020B0604020202020204" pitchFamily="34" charset="0"/>
               <a:buChar char="•"/>
-              <a:tabLst/>
-              <a:defRPr/>
-            </a:pPr>
-            <a:r>
-              <a:rPr lang="en-US" b="1" dirty="0" err="1"/>
-              <a:t>Meeting_minutes</a:t>
-            </a:r>
-            <a:r>
-              <a:rPr lang="en-US" b="1" dirty="0"/>
-              <a:t> channel: </a:t>
-            </a:r>
+            </a:pPr>
             <a:r>
               <a:rPr lang="en-US" dirty="0"/>
-              <a:t>Any changes discussed during in person meetings will be transcribed into </a:t>
+              <a:t>Slack channel “</a:t>
             </a:r>
             <a:r>
               <a:rPr lang="en-US" dirty="0" err="1"/>
@@ -2846,191 +3093,109 @@
             </a:r>
             <a:r>
               <a:rPr lang="en-US" dirty="0"/>
-              <a:t> and posted onto Slack.</a:t>
-            </a:r>
-          </a:p>
-          <a:p>
-            <a:pPr marL="0" marR="0" lvl="0" indent="0" algn="l" defTabSz="914400" rtl="0" eaLnBrk="1" fontAlgn="auto" latinLnBrk="0" hangingPunct="1">
-              <a:lnSpc>
-                <a:spcPct val="100000"/>
-              </a:lnSpc>
-              <a:spcBef>
-                <a:spcPts val="0"/>
-              </a:spcBef>
-              <a:spcAft>
-                <a:spcPts val="0"/>
-              </a:spcAft>
-              <a:buClrTx/>
-              <a:buSzTx/>
-              <a:buFontTx/>
-              <a:buNone/>
-              <a:tabLst/>
-              <a:defRPr/>
-            </a:pPr>
+              <a:t>” contained an overview of the discussions from in-person meetings.</a:t>
+            </a:r>
+          </a:p>
+          <a:p>
+            <a:pPr marL="0" indent="0">
+              <a:buNone/>
+            </a:pPr>
+            <a:r>
+              <a:rPr lang="en-US" b="1" u="sng" dirty="0"/>
+              <a:t>General Availability Doc</a:t>
+            </a:r>
+            <a:r>
+              <a:rPr lang="en-US" dirty="0"/>
+              <a:t>:</a:t>
+            </a:r>
+          </a:p>
+          <a:p>
+            <a:pPr marL="628650" lvl="1" indent="-171450">
+              <a:buFont typeface="Arial" panose="020B0604020202020204" pitchFamily="34" charset="0"/>
+              <a:buChar char="•"/>
+            </a:pPr>
+            <a:r>
+              <a:rPr lang="en-US" dirty="0"/>
+              <a:t>Requiring team members to fill in their general availability during the week.</a:t>
+            </a:r>
+          </a:p>
+          <a:p>
+            <a:pPr marL="0" indent="0">
+              <a:buNone/>
+            </a:pPr>
+            <a:r>
+              <a:rPr lang="en-US" b="1" u="sng" dirty="0"/>
+              <a:t>Exceptions Calendar:</a:t>
+            </a:r>
+          </a:p>
+          <a:p>
+            <a:pPr marL="628650" lvl="1" indent="-171450">
+              <a:buFont typeface="Arial" panose="020B0604020202020204" pitchFamily="34" charset="0"/>
+              <a:buChar char="•"/>
+            </a:pPr>
+            <a:r>
+              <a:rPr lang="en-US" dirty="0"/>
+              <a:t>If team member had </a:t>
+            </a:r>
+            <a:r>
+              <a:rPr lang="en-US" dirty="0" smtClean="0"/>
+              <a:t>no changes </a:t>
+            </a:r>
+            <a:r>
+              <a:rPr lang="en-US" dirty="0"/>
+              <a:t>to their general availability </a:t>
+            </a:r>
+            <a:r>
+              <a:rPr lang="en-US" dirty="0" smtClean="0"/>
+              <a:t>but </a:t>
+            </a:r>
+            <a:r>
+              <a:rPr lang="en-US" dirty="0"/>
+              <a:t>were </a:t>
+            </a:r>
+            <a:r>
+              <a:rPr lang="en-US" dirty="0" smtClean="0"/>
+              <a:t>unavailable </a:t>
+            </a:r>
+            <a:r>
+              <a:rPr lang="en-US" dirty="0"/>
+              <a:t>on a specific </a:t>
+            </a:r>
+            <a:r>
+              <a:rPr lang="en-US" dirty="0" smtClean="0"/>
+              <a:t>day</a:t>
+            </a:r>
+            <a:r>
+              <a:rPr lang="en-US" dirty="0"/>
+              <a:t>, they </a:t>
+            </a:r>
+            <a:r>
+              <a:rPr lang="en-US" dirty="0" smtClean="0"/>
+              <a:t>were</a:t>
+            </a:r>
+            <a:r>
+              <a:rPr lang="en-US" baseline="0" dirty="0" smtClean="0"/>
+              <a:t> required</a:t>
+            </a:r>
+            <a:r>
+              <a:rPr lang="en-US" dirty="0" smtClean="0"/>
+              <a:t> </a:t>
+            </a:r>
+            <a:r>
+              <a:rPr lang="en-US" dirty="0"/>
+              <a:t>to report it to this </a:t>
+            </a:r>
+            <a:r>
+              <a:rPr lang="en-US" dirty="0" smtClean="0"/>
+              <a:t>calendar</a:t>
+            </a:r>
+            <a:r>
+              <a:rPr lang="en-US" baseline="0" dirty="0" smtClean="0"/>
+              <a:t> by Sunday at 7 PM.</a:t>
+            </a:r>
             <a:endParaRPr lang="en-US" dirty="0"/>
           </a:p>
           <a:p>
-            <a:pPr marL="0" marR="0" lvl="0" indent="0" algn="l" defTabSz="914400" rtl="0" eaLnBrk="1" fontAlgn="auto" latinLnBrk="0" hangingPunct="1">
-              <a:lnSpc>
-                <a:spcPct val="100000"/>
-              </a:lnSpc>
-              <a:spcBef>
-                <a:spcPts val="0"/>
-              </a:spcBef>
-              <a:spcAft>
-                <a:spcPts val="0"/>
-              </a:spcAft>
-              <a:buClrTx/>
-              <a:buSzTx/>
-              <a:buFontTx/>
-              <a:buNone/>
-              <a:tabLst/>
-              <a:defRPr/>
-            </a:pPr>
-            <a:r>
-              <a:rPr lang="en-US" b="1" u="sng" dirty="0"/>
-              <a:t>Source</a:t>
-            </a:r>
-            <a:r>
-              <a:rPr lang="en-US" b="1" u="sng" baseline="0" dirty="0"/>
-              <a:t> code: </a:t>
-            </a:r>
-          </a:p>
-          <a:p>
-            <a:pPr marL="0" marR="0" lvl="0" indent="0" algn="l" defTabSz="914400" rtl="0" eaLnBrk="1" fontAlgn="auto" latinLnBrk="0" hangingPunct="1">
-              <a:lnSpc>
-                <a:spcPct val="100000"/>
-              </a:lnSpc>
-              <a:spcBef>
-                <a:spcPts val="0"/>
-              </a:spcBef>
-              <a:spcAft>
-                <a:spcPts val="0"/>
-              </a:spcAft>
-              <a:buClrTx/>
-              <a:buSzTx/>
-              <a:buFontTx/>
-              <a:buNone/>
-              <a:tabLst/>
-              <a:defRPr/>
-            </a:pPr>
-            <a:r>
-              <a:rPr lang="en-US" b="0" u="none" baseline="0" dirty="0"/>
-              <a:t>W</a:t>
-            </a:r>
-            <a:r>
-              <a:rPr lang="en-US" baseline="0" dirty="0"/>
-              <a:t>ill require one administrator review in order to commit to master branch. When uploading new source code files it will be uploaded to a separate protected branch.  In this separate branch team members will be able to upload changed files without having to worry about affecting the master branch. The master branch will act as the baseline for all artifacts. Protected branches by default require at least one review before committing to the master.</a:t>
-            </a:r>
-          </a:p>
-          <a:p>
-            <a:pPr marL="0" marR="0" lvl="0" indent="0" algn="l" defTabSz="914400" rtl="0" eaLnBrk="1" fontAlgn="auto" latinLnBrk="0" hangingPunct="1">
-              <a:lnSpc>
-                <a:spcPct val="100000"/>
-              </a:lnSpc>
-              <a:spcBef>
-                <a:spcPts val="0"/>
-              </a:spcBef>
-              <a:spcAft>
-                <a:spcPts val="0"/>
-              </a:spcAft>
-              <a:buClrTx/>
-              <a:buSzTx/>
-              <a:buFontTx/>
-              <a:buNone/>
-              <a:tabLst/>
-              <a:defRPr/>
-            </a:pPr>
-            <a:endParaRPr lang="en-US" baseline="0" dirty="0"/>
-          </a:p>
-          <a:p>
-            <a:pPr marL="0" marR="0" lvl="0" indent="0" algn="l" defTabSz="914400" rtl="0" eaLnBrk="1" fontAlgn="auto" latinLnBrk="0" hangingPunct="1">
-              <a:lnSpc>
-                <a:spcPct val="100000"/>
-              </a:lnSpc>
-              <a:spcBef>
-                <a:spcPts val="0"/>
-              </a:spcBef>
-              <a:spcAft>
-                <a:spcPts val="0"/>
-              </a:spcAft>
-              <a:buClrTx/>
-              <a:buSzTx/>
-              <a:buFontTx/>
-              <a:buNone/>
-              <a:tabLst/>
-              <a:defRPr/>
-            </a:pPr>
-            <a:r>
-              <a:rPr lang="en-US" b="1" u="sng" baseline="0" dirty="0"/>
-              <a:t>Non-source code: </a:t>
-            </a:r>
-          </a:p>
-          <a:p>
-            <a:pPr marL="0" marR="0" lvl="0" indent="0" algn="l" defTabSz="914400" rtl="0" eaLnBrk="1" fontAlgn="auto" latinLnBrk="0" hangingPunct="1">
-              <a:lnSpc>
-                <a:spcPct val="100000"/>
-              </a:lnSpc>
-              <a:spcBef>
-                <a:spcPts val="0"/>
-              </a:spcBef>
-              <a:spcAft>
-                <a:spcPts val="0"/>
-              </a:spcAft>
-              <a:buClrTx/>
-              <a:buSzTx/>
-              <a:buFontTx/>
-              <a:buNone/>
-              <a:tabLst/>
-              <a:defRPr/>
-            </a:pPr>
-            <a:r>
-              <a:rPr lang="en-US" b="0" u="none" baseline="0" dirty="0"/>
-              <a:t>Files that are non-source code can be uploaded directly to the master branch without review. Files that are still in progress will have an _ in the title.  Those without a “_” will be assumed to be 100% complete.</a:t>
-            </a:r>
-          </a:p>
-          <a:p>
-            <a:pPr marL="0" marR="0" lvl="0" indent="0" algn="l" defTabSz="914400" rtl="0" eaLnBrk="1" fontAlgn="auto" latinLnBrk="0" hangingPunct="1">
-              <a:lnSpc>
-                <a:spcPct val="100000"/>
-              </a:lnSpc>
-              <a:spcBef>
-                <a:spcPts val="0"/>
-              </a:spcBef>
-              <a:spcAft>
-                <a:spcPts val="0"/>
-              </a:spcAft>
-              <a:buClrTx/>
-              <a:buSzTx/>
-              <a:buFontTx/>
-              <a:buNone/>
-              <a:tabLst/>
-              <a:defRPr/>
-            </a:pPr>
-            <a:endParaRPr lang="en-US" b="0" u="none" baseline="0" dirty="0"/>
-          </a:p>
-          <a:p>
-            <a:pPr marL="0" marR="0" lvl="0" indent="0" algn="l" defTabSz="914400" rtl="0" eaLnBrk="1" fontAlgn="auto" latinLnBrk="0" hangingPunct="1">
-              <a:lnSpc>
-                <a:spcPct val="100000"/>
-              </a:lnSpc>
-              <a:spcBef>
-                <a:spcPts val="0"/>
-              </a:spcBef>
-              <a:spcAft>
-                <a:spcPts val="0"/>
-              </a:spcAft>
-              <a:buClrTx/>
-              <a:buSzTx/>
-              <a:buFontTx/>
-              <a:buNone/>
-              <a:tabLst/>
-              <a:defRPr/>
-            </a:pPr>
-            <a:r>
-              <a:rPr lang="en-US" b="0" u="none" baseline="0" dirty="0"/>
-              <a:t>As far as the non-source code part, that method has been working and we did notify each other on slack whenever there was a new file uploaded. There were problems such as the formatting, that were brought to our attention because of this, but the method it’s self is a good starting place </a:t>
-            </a:r>
             <a:endParaRPr lang="en-US" dirty="0"/>
           </a:p>
         </p:txBody>
@@ -3052,7 +3217,7 @@
           <a:p>
             <a:fld id="{B621E0F3-BCE5-4552-9E75-AD4D9ACB2A2B}" type="slidenum">
               <a:rPr lang="en-US" smtClean="0"/>
-              <a:t>19</a:t>
+              <a:t>18</a:t>
             </a:fld>
             <a:endParaRPr lang="en-US"/>
           </a:p>
@@ -3061,7 +3226,7 @@
     </p:spTree>
     <p:extLst>
       <p:ext uri="{BB962C8B-B14F-4D97-AF65-F5344CB8AC3E}">
-        <p14:creationId xmlns:p14="http://schemas.microsoft.com/office/powerpoint/2010/main" val="2185845843"/>
+        <p14:creationId xmlns:p14="http://schemas.microsoft.com/office/powerpoint/2010/main" val="3316633356"/>
       </p:ext>
     </p:extLst>
   </p:cSld>
@@ -3115,107 +3280,6 @@
           <a:bodyPr/>
           <a:lstStyle/>
           <a:p>
-            <a:r>
-              <a:rPr lang="en-US" b="1" u="sng" dirty="0"/>
-              <a:t>CS</a:t>
-            </a:r>
-          </a:p>
-          <a:p>
-            <a:r>
-              <a:rPr lang="en-US" b="1" u="sng" dirty="0"/>
-              <a:t>Early</a:t>
-            </a:r>
-            <a:r>
-              <a:rPr lang="en-US" b="1" u="sng" baseline="0" dirty="0"/>
-              <a:t> start:  </a:t>
-            </a:r>
-          </a:p>
-          <a:p>
-            <a:pPr marL="171450" indent="-171450">
-              <a:buFont typeface="Arial" panose="020B0604020202020204" pitchFamily="34" charset="0"/>
-              <a:buChar char="•"/>
-            </a:pPr>
-            <a:r>
-              <a:rPr lang="en-US" baseline="0" dirty="0"/>
-              <a:t>Before the we chose teams, </a:t>
-            </a:r>
-            <a:r>
-              <a:rPr lang="en-US" baseline="0" dirty="0" err="1"/>
-              <a:t>Durwin</a:t>
-            </a:r>
-            <a:r>
-              <a:rPr lang="en-US" baseline="0" dirty="0"/>
-              <a:t> and Erik had discussed tools. We also had a small meeting the same day teams were chosen and had meetings since then.</a:t>
-            </a:r>
-          </a:p>
-          <a:p>
-            <a:pPr marL="171450" indent="-171450">
-              <a:buFont typeface="Arial" panose="020B0604020202020204" pitchFamily="34" charset="0"/>
-              <a:buChar char="•"/>
-            </a:pPr>
-            <a:r>
-              <a:rPr lang="en-US" baseline="0" dirty="0"/>
-              <a:t>Through these meetings we were able to minimize the time spent deciding on a meeting location and  on the methods of communication before the SPMP was assigned.</a:t>
-            </a:r>
-          </a:p>
-          <a:p>
-            <a:endParaRPr lang="en-US" baseline="0" dirty="0"/>
-          </a:p>
-          <a:p>
-            <a:r>
-              <a:rPr lang="en-US" b="1" u="sng" baseline="0" dirty="0"/>
-              <a:t>Establishing in-person meetings: </a:t>
-            </a:r>
-          </a:p>
-          <a:p>
-            <a:pPr marL="171450" indent="-171450">
-              <a:buFont typeface="Arial" panose="020B0604020202020204" pitchFamily="34" charset="0"/>
-              <a:buChar char="•"/>
-            </a:pPr>
-            <a:r>
-              <a:rPr lang="en-US" baseline="0" dirty="0"/>
-              <a:t>Setting up required in-person meetings allowed us to discuss tools, skillsets and assign any tasks we knew we could expect on the SPMP</a:t>
-            </a:r>
-          </a:p>
-          <a:p>
-            <a:r>
-              <a:rPr lang="en-US" baseline="0" dirty="0"/>
-              <a:t>		     </a:t>
-            </a:r>
-            <a:endParaRPr lang="en-US" dirty="0"/>
-          </a:p>
-          <a:p>
-            <a:r>
-              <a:rPr lang="en-US" b="1" u="sng" dirty="0"/>
-              <a:t>Selection</a:t>
-            </a:r>
-            <a:r>
-              <a:rPr lang="en-US" b="1" u="sng" baseline="0" dirty="0"/>
-              <a:t> of time tracking tool: </a:t>
-            </a:r>
-          </a:p>
-          <a:p>
-            <a:pPr marL="171450" indent="-171450">
-              <a:buFont typeface="Arial" panose="020B0604020202020204" pitchFamily="34" charset="0"/>
-              <a:buChar char="•"/>
-            </a:pPr>
-            <a:r>
-              <a:rPr lang="en-US" b="0" u="none" baseline="0" dirty="0"/>
-              <a:t>H</a:t>
-            </a:r>
-            <a:r>
-              <a:rPr lang="en-US" dirty="0"/>
-              <a:t>elped</a:t>
-            </a:r>
-            <a:r>
-              <a:rPr lang="en-US" baseline="0" dirty="0"/>
-              <a:t> with determining the Estimates. Using the reports generated in Toggl, we were able to see which tasks were taking up the most time and effort and individual times. We were able to assign tasks based on each persons individual time.</a:t>
-            </a:r>
-          </a:p>
-          <a:p>
-            <a:endParaRPr lang="en-US" baseline="0" dirty="0"/>
-          </a:p>
-          <a:p>
             <a:pPr marL="0" marR="0" lvl="0" indent="0" algn="l" defTabSz="914400" rtl="0" eaLnBrk="1" fontAlgn="auto" latinLnBrk="0" hangingPunct="1">
               <a:lnSpc>
                 <a:spcPct val="100000"/>
@@ -3234,8 +3298,35 @@
               <a:defRPr/>
             </a:pPr>
             <a:r>
+              <a:rPr lang="en-US" b="1" u="sng" dirty="0"/>
+              <a:t>CS</a:t>
+            </a:r>
+          </a:p>
+          <a:p>
+            <a:pPr marL="0" marR="0" lvl="0" indent="0" algn="l" defTabSz="914400" rtl="0" eaLnBrk="1" fontAlgn="auto" latinLnBrk="0" hangingPunct="1">
+              <a:lnSpc>
+                <a:spcPct val="100000"/>
+              </a:lnSpc>
+              <a:spcBef>
+                <a:spcPts val="0"/>
+              </a:spcBef>
+              <a:spcAft>
+                <a:spcPts val="0"/>
+              </a:spcAft>
+              <a:buClrTx/>
+              <a:buSzTx/>
+              <a:buFontTx/>
+              <a:buNone/>
+              <a:tabLst/>
+              <a:defRPr/>
+            </a:pPr>
+            <a:r>
+              <a:rPr lang="en-US" b="1" u="sng" dirty="0"/>
+              <a:t>Slack:</a:t>
+            </a:r>
+            <a:r>
               <a:rPr lang="en-US" b="1" u="sng" baseline="0" dirty="0"/>
-              <a:t>Training tools: </a:t>
+              <a:t> </a:t>
             </a:r>
           </a:p>
           <a:p>
@@ -3257,114 +3348,272 @@
               <a:defRPr/>
             </a:pPr>
             <a:r>
-              <a:rPr lang="en-US" baseline="0" dirty="0"/>
-              <a:t>Checking out the tools and tracking task time. Since only one team member had prior experience with a majority of the tools, it was necessary that the other team members became acquainted with the tools and understood the terminology that came with each one </a:t>
-            </a:r>
-            <a:r>
-              <a:rPr lang="en-US" baseline="0" dirty="0" err="1"/>
-              <a:t>i.e</a:t>
-            </a:r>
-            <a:r>
-              <a:rPr lang="en-US" baseline="0" dirty="0"/>
-              <a:t> committing to master on GitHub</a:t>
-            </a:r>
-          </a:p>
-          <a:p>
-            <a:endParaRPr lang="en-US" baseline="0" dirty="0"/>
-          </a:p>
-          <a:p>
-            <a:r>
-              <a:rPr lang="en-US" b="1" u="sng" baseline="0" dirty="0"/>
-              <a:t>Team communication: </a:t>
-            </a:r>
-          </a:p>
-          <a:p>
-            <a:pPr marL="171450" indent="-171450">
+              <a:rPr lang="en-US" b="1" u="none" dirty="0"/>
+              <a:t>Notification</a:t>
+            </a:r>
+            <a:r>
+              <a:rPr lang="en-US" dirty="0"/>
+              <a:t> of a change to the repository of either non-source  code or source code files must be communicated to the other team members through Slack.  </a:t>
+            </a:r>
+          </a:p>
+          <a:p>
+            <a:pPr marL="171450" marR="0" lvl="0" indent="-171450" algn="l" defTabSz="914400" rtl="0" eaLnBrk="1" fontAlgn="auto" latinLnBrk="0" hangingPunct="1">
+              <a:lnSpc>
+                <a:spcPct val="100000"/>
+              </a:lnSpc>
+              <a:spcBef>
+                <a:spcPts val="0"/>
+              </a:spcBef>
+              <a:spcAft>
+                <a:spcPts val="0"/>
+              </a:spcAft>
+              <a:buClrTx/>
+              <a:buSzTx/>
               <a:buFont typeface="Arial" panose="020B0604020202020204" pitchFamily="34" charset="0"/>
               <a:buChar char="•"/>
-            </a:pPr>
-            <a:r>
-              <a:rPr lang="en-US" baseline="0" dirty="0"/>
-              <a:t>All team members were required to sign off on meeting minutes and check slack at least once per day. Whenever a team member had questions or concerns regarding the SPMP, those questions or concerns were always heard and discussed or answered by either another team member, Project Manager or Steiner </a:t>
-            </a:r>
-          </a:p>
-          <a:p>
-            <a:endParaRPr lang="en-US" baseline="0" dirty="0"/>
-          </a:p>
-          <a:p>
-            <a:r>
-              <a:rPr lang="en-US" b="1" u="sng" baseline="0" dirty="0"/>
-              <a:t>Risk Mitigation: </a:t>
-            </a:r>
-          </a:p>
-          <a:p>
-            <a:pPr marL="171450" indent="-171450">
+              <a:tabLst/>
+              <a:defRPr/>
+            </a:pPr>
+            <a:r>
+              <a:rPr lang="en-US" b="1" dirty="0" err="1"/>
+              <a:t>Meeting_minutes</a:t>
+            </a:r>
+            <a:r>
+              <a:rPr lang="en-US" b="1" dirty="0"/>
+              <a:t> channel: </a:t>
+            </a:r>
+            <a:r>
+              <a:rPr lang="en-US" dirty="0"/>
+              <a:t>Any changes discussed during in person meetings will be transcribed into </a:t>
+            </a:r>
+            <a:r>
+              <a:rPr lang="en-US" dirty="0" err="1"/>
+              <a:t>meeting_minutes</a:t>
+            </a:r>
+            <a:r>
+              <a:rPr lang="en-US" dirty="0"/>
+              <a:t> and posted onto Slack.</a:t>
+            </a:r>
+          </a:p>
+          <a:p>
+            <a:pPr marL="0" marR="0" lvl="0" indent="0" algn="l" defTabSz="914400" rtl="0" eaLnBrk="1" fontAlgn="auto" latinLnBrk="0" hangingPunct="1">
+              <a:lnSpc>
+                <a:spcPct val="100000"/>
+              </a:lnSpc>
+              <a:spcBef>
+                <a:spcPts val="0"/>
+              </a:spcBef>
+              <a:spcAft>
+                <a:spcPts val="0"/>
+              </a:spcAft>
+              <a:buClrTx/>
+              <a:buSzTx/>
+              <a:buFontTx/>
+              <a:buNone/>
+              <a:tabLst/>
+              <a:defRPr/>
+            </a:pPr>
+            <a:endParaRPr lang="en-US" dirty="0"/>
+          </a:p>
+          <a:p>
+            <a:pPr marL="0" marR="0" lvl="0" indent="0" algn="l" defTabSz="914400" rtl="0" eaLnBrk="1" fontAlgn="auto" latinLnBrk="0" hangingPunct="1">
+              <a:lnSpc>
+                <a:spcPct val="100000"/>
+              </a:lnSpc>
+              <a:spcBef>
+                <a:spcPts val="0"/>
+              </a:spcBef>
+              <a:spcAft>
+                <a:spcPts val="0"/>
+              </a:spcAft>
+              <a:buClrTx/>
+              <a:buSzTx/>
+              <a:buFontTx/>
+              <a:buNone/>
+              <a:tabLst/>
+              <a:defRPr/>
+            </a:pPr>
+            <a:r>
+              <a:rPr lang="en-US" b="1" u="sng" dirty="0" err="1" smtClean="0"/>
+              <a:t>Github</a:t>
+            </a:r>
+            <a:r>
+              <a:rPr lang="en-US" b="1" u="sng" dirty="0" smtClean="0"/>
+              <a:t>:</a:t>
+            </a:r>
+          </a:p>
+          <a:p>
+            <a:pPr marL="171450" marR="0" lvl="0" indent="-171450" algn="l" defTabSz="914400" rtl="0" eaLnBrk="1" fontAlgn="auto" latinLnBrk="0" hangingPunct="1">
+              <a:lnSpc>
+                <a:spcPct val="100000"/>
+              </a:lnSpc>
+              <a:spcBef>
+                <a:spcPts val="0"/>
+              </a:spcBef>
+              <a:spcAft>
+                <a:spcPts val="0"/>
+              </a:spcAft>
+              <a:buClrTx/>
+              <a:buSzTx/>
               <a:buFont typeface="Arial" panose="020B0604020202020204" pitchFamily="34" charset="0"/>
               <a:buChar char="•"/>
-            </a:pPr>
+              <a:tabLst/>
+              <a:defRPr/>
+            </a:pPr>
+            <a:r>
+              <a:rPr lang="en-US" b="1" u="sng" dirty="0" smtClean="0"/>
+              <a:t>Source</a:t>
+            </a:r>
+            <a:r>
+              <a:rPr lang="en-US" b="1" u="sng" baseline="0" dirty="0" smtClean="0"/>
+              <a:t> </a:t>
+            </a:r>
+            <a:r>
+              <a:rPr lang="en-US" b="1" u="sng" baseline="0" dirty="0"/>
+              <a:t>code: </a:t>
+            </a:r>
+          </a:p>
+          <a:p>
+            <a:pPr marL="0" marR="0" lvl="0" indent="0" algn="l" defTabSz="914400" rtl="0" eaLnBrk="1" fontAlgn="auto" latinLnBrk="0" hangingPunct="1">
+              <a:lnSpc>
+                <a:spcPct val="100000"/>
+              </a:lnSpc>
+              <a:spcBef>
+                <a:spcPts val="0"/>
+              </a:spcBef>
+              <a:spcAft>
+                <a:spcPts val="0"/>
+              </a:spcAft>
+              <a:buClrTx/>
+              <a:buSzTx/>
+              <a:buFont typeface="Arial" panose="020B0604020202020204" pitchFamily="34" charset="0"/>
+              <a:buNone/>
+              <a:tabLst/>
+              <a:defRPr/>
+            </a:pPr>
+            <a:r>
+              <a:rPr lang="en-US" b="0" u="none" baseline="0" dirty="0"/>
+              <a:t>W</a:t>
+            </a:r>
             <a:r>
               <a:rPr lang="en-US" baseline="0" dirty="0"/>
-              <a:t>When our primary meeting location (the library ) was not open or closed early. Our risk mitigation plan was put into action and told us to met at our secondary meeting location, </a:t>
-            </a:r>
-            <a:r>
-              <a:rPr lang="en-US" baseline="0" dirty="0" err="1"/>
-              <a:t>biggby</a:t>
+              <a:t>ill require one </a:t>
+            </a:r>
+            <a:r>
+              <a:rPr lang="en-US" baseline="0" dirty="0" smtClean="0"/>
+              <a:t>administrator (Cindy or Erik) </a:t>
             </a:r>
             <a:r>
               <a:rPr lang="en-US" baseline="0" dirty="0"/>
-              <a:t>. The </a:t>
-            </a:r>
-            <a:r>
-              <a:rPr lang="en-US" baseline="0" dirty="0" err="1"/>
-              <a:t>biggby</a:t>
-            </a:r>
-            <a:r>
-              <a:rPr lang="en-US" baseline="0" dirty="0"/>
-              <a:t> we chose was the midpoint from where all team members live so it was the obvious choice.</a:t>
-            </a:r>
-          </a:p>
-          <a:p>
-            <a:pPr marL="0" indent="0">
-              <a:buFont typeface="Arial" panose="020B0604020202020204" pitchFamily="34" charset="0"/>
-              <a:buNone/>
-            </a:pPr>
-            <a:endParaRPr lang="en-US" baseline="0" dirty="0"/>
-          </a:p>
-          <a:p>
-            <a:pPr marL="0" indent="0">
-              <a:buFont typeface="Arial" panose="020B0604020202020204" pitchFamily="34" charset="0"/>
-              <a:buNone/>
-            </a:pPr>
-            <a:r>
-              <a:rPr lang="en-US" b="1" u="sng" baseline="0" dirty="0"/>
-              <a:t>Setting milestones for ourselves</a:t>
-            </a:r>
-          </a:p>
-          <a:p>
-            <a:pPr marL="171450" indent="-171450">
+              <a:t>review in order to commit to master branch. When uploading new source code files it will be uploaded to a separate protected branch.  In this separate branch team members will be able to upload changed files without having to worry about affecting the master branch. The master branch will act as the baseline for all artifacts. Protected branches by default require at least one review before committing to the master.</a:t>
+            </a:r>
+          </a:p>
+          <a:p>
+            <a:pPr marL="171450" marR="0" lvl="0" indent="-171450" algn="l" defTabSz="914400" rtl="0" eaLnBrk="1" fontAlgn="auto" latinLnBrk="0" hangingPunct="1">
+              <a:lnSpc>
+                <a:spcPct val="100000"/>
+              </a:lnSpc>
+              <a:spcBef>
+                <a:spcPts val="0"/>
+              </a:spcBef>
+              <a:spcAft>
+                <a:spcPts val="0"/>
+              </a:spcAft>
+              <a:buClrTx/>
+              <a:buSzTx/>
               <a:buFont typeface="Arial" panose="020B0604020202020204" pitchFamily="34" charset="0"/>
               <a:buChar char="•"/>
-            </a:pPr>
+              <a:tabLst/>
+              <a:defRPr/>
+            </a:pPr>
+            <a:endParaRPr lang="en-US" baseline="0" dirty="0"/>
+          </a:p>
+          <a:p>
+            <a:pPr marL="171450" marR="0" lvl="0" indent="-171450" algn="l" defTabSz="914400" rtl="0" eaLnBrk="1" fontAlgn="auto" latinLnBrk="0" hangingPunct="1">
+              <a:lnSpc>
+                <a:spcPct val="100000"/>
+              </a:lnSpc>
+              <a:spcBef>
+                <a:spcPts val="0"/>
+              </a:spcBef>
+              <a:spcAft>
+                <a:spcPts val="0"/>
+              </a:spcAft>
+              <a:buClrTx/>
+              <a:buSzTx/>
+              <a:buFont typeface="Arial" panose="020B0604020202020204" pitchFamily="34" charset="0"/>
+              <a:buChar char="•"/>
+              <a:tabLst/>
+              <a:defRPr/>
+            </a:pPr>
+            <a:r>
+              <a:rPr lang="en-US" b="1" u="sng" baseline="0" dirty="0" smtClean="0"/>
+              <a:t>Other artifacts: </a:t>
+            </a:r>
+          </a:p>
+          <a:p>
+            <a:pPr marL="0" marR="0" lvl="0" indent="0" algn="l" defTabSz="914400" rtl="0" eaLnBrk="1" fontAlgn="auto" latinLnBrk="0" hangingPunct="1">
+              <a:lnSpc>
+                <a:spcPct val="100000"/>
+              </a:lnSpc>
+              <a:spcBef>
+                <a:spcPts val="0"/>
+              </a:spcBef>
+              <a:spcAft>
+                <a:spcPts val="0"/>
+              </a:spcAft>
+              <a:buClrTx/>
+              <a:buSzTx/>
+              <a:buFont typeface="Arial" panose="020B0604020202020204" pitchFamily="34" charset="0"/>
+              <a:buNone/>
+              <a:tabLst/>
+              <a:defRPr/>
+            </a:pPr>
+            <a:r>
+              <a:rPr lang="en-US" b="0" u="none" baseline="0" dirty="0" smtClean="0"/>
+              <a:t>Files </a:t>
+            </a:r>
             <a:r>
               <a:rPr lang="en-US" b="0" u="none" baseline="0" dirty="0"/>
-              <a:t>Motivated us to start working but we all started working on assigned task the night before our “self-set” milestone </a:t>
-            </a:r>
-          </a:p>
-          <a:p>
-            <a:pPr marL="1371600" lvl="3" indent="0">
+              <a:t>that are non-source code can be uploaded directly to the master branch without </a:t>
+            </a:r>
+            <a:r>
+              <a:rPr lang="en-US" b="0" u="none" baseline="0" dirty="0" smtClean="0"/>
+              <a:t>review during part 1 of SPMP. </a:t>
+            </a:r>
+            <a:r>
+              <a:rPr lang="en-US" b="0" u="none" baseline="0" dirty="0"/>
+              <a:t>Files that are still in progress will have an _ in the title.  Those without a “_” will be assumed to be 100% complete</a:t>
+            </a:r>
+            <a:r>
+              <a:rPr lang="en-US" b="0" u="none" baseline="0" dirty="0" smtClean="0"/>
+              <a:t>.</a:t>
+            </a:r>
+            <a:endParaRPr lang="en-US" b="0" u="none" baseline="0" dirty="0"/>
+          </a:p>
+          <a:p>
+            <a:pPr marL="171450" marR="0" lvl="0" indent="-171450" algn="l" defTabSz="914400" rtl="0" eaLnBrk="1" fontAlgn="auto" latinLnBrk="0" hangingPunct="1">
+              <a:lnSpc>
+                <a:spcPct val="100000"/>
+              </a:lnSpc>
+              <a:spcBef>
+                <a:spcPts val="0"/>
+              </a:spcBef>
+              <a:spcAft>
+                <a:spcPts val="0"/>
+              </a:spcAft>
+              <a:buClrTx/>
+              <a:buSzTx/>
               <a:buFont typeface="Arial" panose="020B0604020202020204" pitchFamily="34" charset="0"/>
-              <a:buNone/>
+              <a:buChar char="•"/>
+              <a:tabLst/>
+              <a:defRPr/>
             </a:pPr>
             <a:r>
               <a:rPr lang="en-US" b="0" u="none" baseline="0" dirty="0"/>
-              <a:t>This last point will transition into the next slide </a:t>
-            </a:r>
-          </a:p>
-          <a:p>
-            <a:endParaRPr lang="en-US" baseline="0" dirty="0"/>
-          </a:p>
-          <a:p>
-            <a:endParaRPr lang="en-US" baseline="0" dirty="0"/>
+              <a:t>As far as the non-source code part, that method has been working and we did notify each other on slack whenever there was a new file uploaded. There were problems such as the formatting, that were brought to our attention because of this, but the method it’s self is a good starting place </a:t>
+            </a:r>
+            <a:endParaRPr lang="en-US" dirty="0"/>
           </a:p>
         </p:txBody>
       </p:sp>
@@ -3385,7 +3634,7 @@
           <a:p>
             <a:fld id="{B621E0F3-BCE5-4552-9E75-AD4D9ACB2A2B}" type="slidenum">
               <a:rPr lang="en-US" smtClean="0"/>
-              <a:t>20</a:t>
+              <a:t>19</a:t>
             </a:fld>
             <a:endParaRPr lang="en-US"/>
           </a:p>
@@ -3394,7 +3643,7 @@
     </p:spTree>
     <p:extLst>
       <p:ext uri="{BB962C8B-B14F-4D97-AF65-F5344CB8AC3E}">
-        <p14:creationId xmlns:p14="http://schemas.microsoft.com/office/powerpoint/2010/main" val="1228246"/>
+        <p14:creationId xmlns:p14="http://schemas.microsoft.com/office/powerpoint/2010/main" val="2185845843"/>
       </p:ext>
     </p:extLst>
   </p:cSld>
@@ -3540,6 +3789,107 @@
           <a:bodyPr/>
           <a:lstStyle/>
           <a:p>
+            <a:r>
+              <a:rPr lang="en-US" b="1" u="sng" dirty="0"/>
+              <a:t>CS</a:t>
+            </a:r>
+          </a:p>
+          <a:p>
+            <a:r>
+              <a:rPr lang="en-US" b="1" u="sng" dirty="0"/>
+              <a:t>Early</a:t>
+            </a:r>
+            <a:r>
+              <a:rPr lang="en-US" b="1" u="sng" baseline="0" dirty="0"/>
+              <a:t> start:  </a:t>
+            </a:r>
+          </a:p>
+          <a:p>
+            <a:pPr marL="171450" indent="-171450">
+              <a:buFont typeface="Arial" panose="020B0604020202020204" pitchFamily="34" charset="0"/>
+              <a:buChar char="•"/>
+            </a:pPr>
+            <a:r>
+              <a:rPr lang="en-US" baseline="0" dirty="0"/>
+              <a:t>Before the we chose teams, </a:t>
+            </a:r>
+            <a:r>
+              <a:rPr lang="en-US" baseline="0" dirty="0" err="1"/>
+              <a:t>Durwin</a:t>
+            </a:r>
+            <a:r>
+              <a:rPr lang="en-US" baseline="0" dirty="0"/>
+              <a:t> and Erik had discussed tools. We also had a small meeting the same day teams were chosen and had meetings since then.</a:t>
+            </a:r>
+          </a:p>
+          <a:p>
+            <a:pPr marL="171450" indent="-171450">
+              <a:buFont typeface="Arial" panose="020B0604020202020204" pitchFamily="34" charset="0"/>
+              <a:buChar char="•"/>
+            </a:pPr>
+            <a:r>
+              <a:rPr lang="en-US" baseline="0" dirty="0"/>
+              <a:t>Through these meetings we were able to minimize the time spent deciding on a meeting location and  on the methods of communication before the SPMP was assigned.</a:t>
+            </a:r>
+          </a:p>
+          <a:p>
+            <a:endParaRPr lang="en-US" baseline="0" dirty="0"/>
+          </a:p>
+          <a:p>
+            <a:r>
+              <a:rPr lang="en-US" b="1" u="sng" baseline="0" dirty="0"/>
+              <a:t>Establishing in-person meetings: </a:t>
+            </a:r>
+          </a:p>
+          <a:p>
+            <a:pPr marL="171450" indent="-171450">
+              <a:buFont typeface="Arial" panose="020B0604020202020204" pitchFamily="34" charset="0"/>
+              <a:buChar char="•"/>
+            </a:pPr>
+            <a:r>
+              <a:rPr lang="en-US" baseline="0" dirty="0"/>
+              <a:t>Setting up required in-person meetings allowed us to discuss tools, skillsets and assign any tasks we knew we could expect on the SPMP</a:t>
+            </a:r>
+          </a:p>
+          <a:p>
+            <a:r>
+              <a:rPr lang="en-US" baseline="0" dirty="0"/>
+              <a:t>		     </a:t>
+            </a:r>
+            <a:endParaRPr lang="en-US" dirty="0"/>
+          </a:p>
+          <a:p>
+            <a:r>
+              <a:rPr lang="en-US" b="1" u="sng" dirty="0"/>
+              <a:t>Selection</a:t>
+            </a:r>
+            <a:r>
+              <a:rPr lang="en-US" b="1" u="sng" baseline="0" dirty="0"/>
+              <a:t> of time tracking tool: </a:t>
+            </a:r>
+          </a:p>
+          <a:p>
+            <a:pPr marL="171450" indent="-171450">
+              <a:buFont typeface="Arial" panose="020B0604020202020204" pitchFamily="34" charset="0"/>
+              <a:buChar char="•"/>
+            </a:pPr>
+            <a:r>
+              <a:rPr lang="en-US" b="0" u="none" baseline="0" dirty="0"/>
+              <a:t>H</a:t>
+            </a:r>
+            <a:r>
+              <a:rPr lang="en-US" dirty="0"/>
+              <a:t>elped</a:t>
+            </a:r>
+            <a:r>
+              <a:rPr lang="en-US" baseline="0" dirty="0"/>
+              <a:t> with determining the Estimates. Using the reports generated in Toggl, we were able to see which tasks were taking up the most time and effort and individual times. We were able to assign tasks based on each persons individual time.</a:t>
+            </a:r>
+          </a:p>
+          <a:p>
+            <a:endParaRPr lang="en-US" baseline="0" dirty="0"/>
+          </a:p>
+          <a:p>
             <a:pPr marL="0" marR="0" lvl="0" indent="0" algn="l" defTabSz="914400" rtl="0" eaLnBrk="1" fontAlgn="auto" latinLnBrk="0" hangingPunct="1">
               <a:lnSpc>
                 <a:spcPct val="100000"/>
@@ -3558,12 +3908,12 @@
               <a:defRPr/>
             </a:pPr>
             <a:r>
-              <a:rPr lang="en-US" b="1" u="sng" dirty="0"/>
-              <a:t>Documentation and Formatting Method of SPMP</a:t>
-            </a:r>
-          </a:p>
-          <a:p>
-            <a:pPr marL="0" marR="0" lvl="0" indent="0" algn="l" defTabSz="914400" rtl="0" eaLnBrk="1" fontAlgn="auto" latinLnBrk="0" hangingPunct="1">
+              <a:rPr lang="en-US" b="1" u="sng" baseline="0" dirty="0"/>
+              <a:t>Training tools: </a:t>
+            </a:r>
+          </a:p>
+          <a:p>
+            <a:pPr marL="171450" marR="0" lvl="0" indent="-171450" algn="l" defTabSz="914400" rtl="0" eaLnBrk="1" fontAlgn="auto" latinLnBrk="0" hangingPunct="1">
               <a:lnSpc>
                 <a:spcPct val="100000"/>
               </a:lnSpc>
@@ -3575,335 +3925,120 @@
               </a:spcAft>
               <a:buClrTx/>
               <a:buSzTx/>
-              <a:buFontTx/>
-              <a:buNone/>
+              <a:buFont typeface="Arial" panose="020B0604020202020204" pitchFamily="34" charset="0"/>
+              <a:buChar char="•"/>
               <a:tabLst/>
               <a:defRPr/>
             </a:pPr>
             <a:r>
+              <a:rPr lang="en-US" baseline="0" dirty="0"/>
+              <a:t>Checking out the tools and tracking task time. Since only one team member had prior experience with a majority of the tools, it was necessary that the other team members became acquainted with the tools and understood the terminology that came with each one </a:t>
+            </a:r>
+            <a:r>
+              <a:rPr lang="en-US" baseline="0" dirty="0" err="1"/>
+              <a:t>i.e</a:t>
+            </a:r>
+            <a:r>
+              <a:rPr lang="en-US" baseline="0" dirty="0"/>
+              <a:t> committing to master on GitHub</a:t>
+            </a:r>
+          </a:p>
+          <a:p>
+            <a:endParaRPr lang="en-US" baseline="0" dirty="0"/>
+          </a:p>
+          <a:p>
+            <a:r>
+              <a:rPr lang="en-US" b="1" u="sng" baseline="0" dirty="0"/>
+              <a:t>Team communication: </a:t>
+            </a:r>
+          </a:p>
+          <a:p>
+            <a:pPr marL="171450" indent="-171450">
+              <a:buFont typeface="Arial" panose="020B0604020202020204" pitchFamily="34" charset="0"/>
+              <a:buChar char="•"/>
+            </a:pPr>
+            <a:r>
+              <a:rPr lang="en-US" baseline="0" dirty="0"/>
+              <a:t>All team members were required to sign off on meeting minutes and check slack at least once per day. Whenever a team member had questions or concerns regarding the SPMP, those questions or concerns were always heard and discussed or answered by either another team member, Project Manager or Steiner </a:t>
+            </a:r>
+          </a:p>
+          <a:p>
+            <a:endParaRPr lang="en-US" baseline="0" dirty="0"/>
+          </a:p>
+          <a:p>
+            <a:r>
+              <a:rPr lang="en-US" b="1" u="sng" baseline="0" dirty="0"/>
+              <a:t>Risk Mitigation: </a:t>
+            </a:r>
+          </a:p>
+          <a:p>
+            <a:pPr marL="171450" indent="-171450">
+              <a:buFont typeface="Arial" panose="020B0604020202020204" pitchFamily="34" charset="0"/>
+              <a:buChar char="•"/>
+            </a:pPr>
+            <a:r>
+              <a:rPr lang="en-US" baseline="0" dirty="0"/>
+              <a:t>When our primary meeting location (the library ) was not open or closed early. Our risk mitigation plan was put into action and told us to met at our secondary meeting location, </a:t>
+            </a:r>
+            <a:r>
+              <a:rPr lang="en-US" baseline="0" dirty="0" err="1"/>
+              <a:t>biggby</a:t>
+            </a:r>
+            <a:r>
+              <a:rPr lang="en-US" baseline="0" dirty="0"/>
+              <a:t>. The </a:t>
+            </a:r>
+            <a:r>
+              <a:rPr lang="en-US" baseline="0" dirty="0" err="1"/>
+              <a:t>biggby</a:t>
+            </a:r>
+            <a:r>
+              <a:rPr lang="en-US" baseline="0" dirty="0"/>
+              <a:t> we chose was the midpoint from where all team members live so it was the obvious choice.</a:t>
+            </a:r>
+          </a:p>
+          <a:p>
+            <a:pPr marL="0" indent="0">
+              <a:buFont typeface="Arial" panose="020B0604020202020204" pitchFamily="34" charset="0"/>
+              <a:buNone/>
+            </a:pPr>
+            <a:endParaRPr lang="en-US" baseline="0" dirty="0"/>
+          </a:p>
+          <a:p>
+            <a:pPr marL="0" indent="0">
+              <a:buFont typeface="Arial" panose="020B0604020202020204" pitchFamily="34" charset="0"/>
+              <a:buNone/>
+            </a:pPr>
+            <a:r>
+              <a:rPr lang="en-US" b="1" u="sng" baseline="0" dirty="0"/>
+              <a:t>Setting milestones for ourselves</a:t>
+            </a:r>
+          </a:p>
+          <a:p>
+            <a:pPr marL="171450" indent="-171450">
+              <a:buFont typeface="Arial" panose="020B0604020202020204" pitchFamily="34" charset="0"/>
+              <a:buChar char="•"/>
+            </a:pPr>
+            <a:r>
               <a:rPr lang="en-US" b="0" u="none" baseline="0" dirty="0"/>
-              <a:t>Not deciding on a format style earlier.</a:t>
-            </a:r>
-          </a:p>
-          <a:p>
-            <a:pPr marL="0" marR="0" lvl="0" indent="0" algn="l" defTabSz="914400" rtl="0" eaLnBrk="1" fontAlgn="auto" latinLnBrk="0" hangingPunct="1">
-              <a:lnSpc>
-                <a:spcPct val="100000"/>
-              </a:lnSpc>
-              <a:spcBef>
-                <a:spcPts val="0"/>
-              </a:spcBef>
-              <a:spcAft>
-                <a:spcPts val="0"/>
-              </a:spcAft>
-              <a:buClrTx/>
-              <a:buSzTx/>
-              <a:buFontTx/>
-              <a:buNone/>
-              <a:tabLst/>
-              <a:defRPr/>
-            </a:pPr>
-            <a:endParaRPr lang="en-US" b="1" u="sng" dirty="0"/>
-          </a:p>
-          <a:p>
-            <a:pPr marL="0" marR="0" lvl="0" indent="0" algn="l" defTabSz="914400" rtl="0" eaLnBrk="1" fontAlgn="auto" latinLnBrk="0" hangingPunct="1">
-              <a:lnSpc>
-                <a:spcPct val="100000"/>
-              </a:lnSpc>
-              <a:spcBef>
-                <a:spcPts val="0"/>
-              </a:spcBef>
-              <a:spcAft>
-                <a:spcPts val="0"/>
-              </a:spcAft>
-              <a:buClrTx/>
-              <a:buSzTx/>
-              <a:buFontTx/>
-              <a:buNone/>
-              <a:tabLst/>
-              <a:defRPr/>
-            </a:pPr>
-            <a:r>
-              <a:rPr lang="en-US" b="1" u="sng" dirty="0"/>
-              <a:t>Reviewing method</a:t>
-            </a:r>
-          </a:p>
-          <a:p>
-            <a:pPr marL="0" marR="0" lvl="0" indent="0" algn="l" defTabSz="914400" rtl="0" eaLnBrk="1" fontAlgn="auto" latinLnBrk="0" hangingPunct="1">
-              <a:lnSpc>
-                <a:spcPct val="100000"/>
-              </a:lnSpc>
-              <a:spcBef>
-                <a:spcPts val="0"/>
-              </a:spcBef>
-              <a:spcAft>
-                <a:spcPts val="0"/>
-              </a:spcAft>
-              <a:buClrTx/>
-              <a:buSzTx/>
-              <a:buFontTx/>
-              <a:buNone/>
-              <a:tabLst/>
-              <a:defRPr/>
-            </a:pPr>
-            <a:r>
-              <a:rPr lang="en-US" b="0" u="none" dirty="0"/>
-              <a:t>Asking other team member</a:t>
-            </a:r>
+              <a:t>Motivated us to start working but we all started working on assigned task the night before our “self-set” milestone </a:t>
+            </a:r>
+          </a:p>
+          <a:p>
+            <a:pPr marL="1371600" lvl="3" indent="0">
+              <a:buFont typeface="Arial" panose="020B0604020202020204" pitchFamily="34" charset="0"/>
+              <a:buNone/>
+            </a:pPr>
             <a:r>
               <a:rPr lang="en-US" b="0" u="none" baseline="0" dirty="0"/>
-              <a:t>s to review things but not knowing which document to review first based on dependencies and priority</a:t>
-            </a:r>
-          </a:p>
-          <a:p>
-            <a:pPr marL="0" marR="0" lvl="0" indent="0" algn="l" defTabSz="914400" rtl="0" eaLnBrk="1" fontAlgn="auto" latinLnBrk="0" hangingPunct="1">
-              <a:lnSpc>
-                <a:spcPct val="100000"/>
-              </a:lnSpc>
-              <a:spcBef>
-                <a:spcPts val="0"/>
-              </a:spcBef>
-              <a:spcAft>
-                <a:spcPts val="0"/>
-              </a:spcAft>
-              <a:buClrTx/>
-              <a:buSzTx/>
-              <a:buFontTx/>
-              <a:buNone/>
-              <a:tabLst/>
-              <a:defRPr/>
-            </a:pPr>
-            <a:endParaRPr lang="en-US" b="0" u="none" baseline="0" dirty="0"/>
-          </a:p>
-          <a:p>
-            <a:pPr marL="0" marR="0" lvl="0" indent="0" algn="l" defTabSz="914400" rtl="0" eaLnBrk="1" fontAlgn="auto" latinLnBrk="0" hangingPunct="1">
-              <a:lnSpc>
-                <a:spcPct val="100000"/>
-              </a:lnSpc>
-              <a:spcBef>
-                <a:spcPts val="0"/>
-              </a:spcBef>
-              <a:spcAft>
-                <a:spcPts val="0"/>
-              </a:spcAft>
-              <a:buClrTx/>
-              <a:buSzTx/>
-              <a:buFontTx/>
-              <a:buNone/>
-              <a:tabLst/>
-              <a:defRPr/>
-            </a:pPr>
-            <a:r>
-              <a:rPr lang="en-US" b="1" u="sng" baseline="0" dirty="0"/>
-              <a:t>Wrike</a:t>
-            </a:r>
-          </a:p>
-          <a:p>
-            <a:pPr marL="0" marR="0" lvl="0" indent="0" algn="l" defTabSz="914400" rtl="0" eaLnBrk="1" fontAlgn="auto" latinLnBrk="0" hangingPunct="1">
-              <a:lnSpc>
-                <a:spcPct val="100000"/>
-              </a:lnSpc>
-              <a:spcBef>
-                <a:spcPts val="0"/>
-              </a:spcBef>
-              <a:spcAft>
-                <a:spcPts val="0"/>
-              </a:spcAft>
-              <a:buClrTx/>
-              <a:buSzTx/>
-              <a:buFontTx/>
-              <a:buNone/>
-              <a:tabLst/>
-              <a:defRPr/>
-            </a:pPr>
-            <a:r>
-              <a:rPr lang="en-US" b="0" u="none" baseline="0" dirty="0"/>
-              <a:t>We intended to use Wrike as a replacement tool for Microsoft Project because not all team member were accessible to it. The point of Wrike was to assign tasks to team members. For the first half of the project, that functionality of Wrike was not utilized because instead team members would just check meeting minutes (where assigned tasks were also mentioned because tasks were usually assigned during in-person meetings) Wrike only contained the SPMP tasks but not the little tasks in between such as sending emails, uploading </a:t>
-            </a:r>
-            <a:r>
-              <a:rPr lang="en-US" b="0" u="none" baseline="0" dirty="0" err="1"/>
-              <a:t>meeting_minutes</a:t>
-            </a:r>
-            <a:r>
-              <a:rPr lang="en-US" b="0" u="none" baseline="0" dirty="0"/>
-              <a:t> or progress reports.</a:t>
-            </a:r>
-          </a:p>
-          <a:p>
-            <a:pPr marL="0" marR="0" lvl="0" indent="0" algn="l" defTabSz="914400" rtl="0" eaLnBrk="1" fontAlgn="auto" latinLnBrk="0" hangingPunct="1">
-              <a:lnSpc>
-                <a:spcPct val="100000"/>
-              </a:lnSpc>
-              <a:spcBef>
-                <a:spcPts val="0"/>
-              </a:spcBef>
-              <a:spcAft>
-                <a:spcPts val="0"/>
-              </a:spcAft>
-              <a:buClrTx/>
-              <a:buSzTx/>
-              <a:buFontTx/>
-              <a:buNone/>
-              <a:tabLst/>
-              <a:defRPr/>
-            </a:pPr>
-            <a:endParaRPr lang="en-US" b="0" u="none" baseline="0" dirty="0"/>
-          </a:p>
-          <a:p>
-            <a:pPr marL="0" marR="0" lvl="0" indent="0" algn="l" defTabSz="914400" rtl="0" eaLnBrk="1" fontAlgn="auto" latinLnBrk="0" hangingPunct="1">
-              <a:lnSpc>
-                <a:spcPct val="100000"/>
-              </a:lnSpc>
-              <a:spcBef>
-                <a:spcPts val="0"/>
-              </a:spcBef>
-              <a:spcAft>
-                <a:spcPts val="0"/>
-              </a:spcAft>
-              <a:buClrTx/>
-              <a:buSzTx/>
-              <a:buFontTx/>
-              <a:buNone/>
-              <a:tabLst/>
-              <a:defRPr/>
-            </a:pPr>
-            <a:r>
-              <a:rPr lang="en-US" b="1" u="sng" dirty="0"/>
-              <a:t>Assigning tasks without checking dependences </a:t>
-            </a:r>
-          </a:p>
-          <a:p>
-            <a:pPr marL="0" marR="0" lvl="0" indent="0" algn="l" defTabSz="914400" rtl="0" eaLnBrk="1" fontAlgn="auto" latinLnBrk="0" hangingPunct="1">
-              <a:lnSpc>
-                <a:spcPct val="100000"/>
-              </a:lnSpc>
-              <a:spcBef>
-                <a:spcPts val="0"/>
-              </a:spcBef>
-              <a:spcAft>
-                <a:spcPts val="0"/>
-              </a:spcAft>
-              <a:buClrTx/>
-              <a:buSzTx/>
-              <a:buFontTx/>
-              <a:buNone/>
-              <a:tabLst/>
-              <a:defRPr/>
-            </a:pPr>
-            <a:r>
-              <a:rPr lang="en-US" b="0" u="none" dirty="0"/>
-              <a:t>Not properly</a:t>
-            </a:r>
-            <a:r>
-              <a:rPr lang="en-US" b="0" u="none" baseline="0" dirty="0"/>
-              <a:t> checking the dependency of one task to another, put other people behind and cased a shift in work load for one person.</a:t>
-            </a:r>
-          </a:p>
-          <a:p>
-            <a:pPr marL="0" marR="0" lvl="0" indent="0" algn="l" defTabSz="914400" rtl="0" eaLnBrk="1" fontAlgn="auto" latinLnBrk="0" hangingPunct="1">
-              <a:lnSpc>
-                <a:spcPct val="100000"/>
-              </a:lnSpc>
-              <a:spcBef>
-                <a:spcPts val="0"/>
-              </a:spcBef>
-              <a:spcAft>
-                <a:spcPts val="0"/>
-              </a:spcAft>
-              <a:buClrTx/>
-              <a:buSzTx/>
-              <a:buFontTx/>
-              <a:buNone/>
-              <a:tabLst/>
-              <a:defRPr/>
-            </a:pPr>
-            <a:endParaRPr lang="en-US" b="0" u="none" baseline="0" dirty="0"/>
-          </a:p>
-          <a:p>
-            <a:pPr marL="0" marR="0" lvl="0" indent="0" algn="l" defTabSz="914400" rtl="0" eaLnBrk="1" fontAlgn="auto" latinLnBrk="0" hangingPunct="1">
-              <a:lnSpc>
-                <a:spcPct val="100000"/>
-              </a:lnSpc>
-              <a:spcBef>
-                <a:spcPts val="0"/>
-              </a:spcBef>
-              <a:spcAft>
-                <a:spcPts val="0"/>
-              </a:spcAft>
-              <a:buClrTx/>
-              <a:buSzTx/>
-              <a:buFontTx/>
-              <a:buNone/>
-              <a:tabLst/>
-              <a:defRPr/>
-            </a:pPr>
-            <a:r>
-              <a:rPr lang="en-US" b="1" u="sng" baseline="0" dirty="0"/>
-              <a:t>Communication With Project Managers</a:t>
-            </a:r>
-          </a:p>
-          <a:p>
-            <a:pPr marL="0" marR="0" lvl="0" indent="0" algn="l" defTabSz="914400" rtl="0" eaLnBrk="1" fontAlgn="auto" latinLnBrk="0" hangingPunct="1">
-              <a:lnSpc>
-                <a:spcPct val="100000"/>
-              </a:lnSpc>
-              <a:spcBef>
-                <a:spcPts val="0"/>
-              </a:spcBef>
-              <a:spcAft>
-                <a:spcPts val="0"/>
-              </a:spcAft>
-              <a:buClrTx/>
-              <a:buSzTx/>
-              <a:buFontTx/>
-              <a:buNone/>
-              <a:tabLst/>
-              <a:defRPr/>
-            </a:pPr>
-            <a:r>
-              <a:rPr lang="en-US" b="0" u="none" baseline="0" dirty="0"/>
-              <a:t>We added them onto our groups on Slack, Wrike, and GitHub. We did not add them to the general availability or exception calendar. But we asked them if they would be able to join us for our weekly Sunday meetings and they said that for the most part yes. At the end of Part1 we realized that the c</a:t>
-            </a:r>
-            <a:r>
-              <a:rPr lang="en-US" dirty="0"/>
-              <a:t>ommunication process was</a:t>
-            </a:r>
-            <a:r>
-              <a:rPr lang="en-US" baseline="0" dirty="0"/>
-              <a:t> not w</a:t>
-            </a:r>
-            <a:r>
-              <a:rPr lang="en-US" dirty="0"/>
-              <a:t>ell defined.</a:t>
-            </a:r>
-            <a:r>
-              <a:rPr lang="en-US" baseline="0" dirty="0"/>
-              <a:t> We did not assign specific tasks to them and they did not know when or which parts of the SPMP to check first, they also were not told where to leave comments and feedback which in turn could be the reason why we felt we did not received adequate feedback.</a:t>
-            </a:r>
-            <a:endParaRPr lang="en-US" b="0" u="none" dirty="0"/>
-          </a:p>
-          <a:p>
-            <a:pPr marL="0" marR="0" lvl="0" indent="0" algn="l" defTabSz="914400" rtl="0" eaLnBrk="1" fontAlgn="auto" latinLnBrk="0" hangingPunct="1">
-              <a:lnSpc>
-                <a:spcPct val="100000"/>
-              </a:lnSpc>
-              <a:spcBef>
-                <a:spcPts val="0"/>
-              </a:spcBef>
-              <a:spcAft>
-                <a:spcPts val="0"/>
-              </a:spcAft>
-              <a:buClrTx/>
-              <a:buSzTx/>
-              <a:buFontTx/>
-              <a:buNone/>
-              <a:tabLst/>
-              <a:defRPr/>
-            </a:pPr>
-            <a:endParaRPr lang="en-US" b="0" u="none" dirty="0"/>
-          </a:p>
-          <a:p>
-            <a:endParaRPr lang="en-US" b="1" dirty="0"/>
+              <a:t>This last point will transition into the next slide </a:t>
+            </a:r>
+          </a:p>
+          <a:p>
+            <a:endParaRPr lang="en-US" baseline="0" dirty="0"/>
+          </a:p>
+          <a:p>
+            <a:endParaRPr lang="en-US" baseline="0" dirty="0"/>
           </a:p>
         </p:txBody>
       </p:sp>
@@ -3924,7 +4059,7 @@
           <a:p>
             <a:fld id="{B621E0F3-BCE5-4552-9E75-AD4D9ACB2A2B}" type="slidenum">
               <a:rPr lang="en-US" smtClean="0"/>
-              <a:t>21</a:t>
+              <a:t>20</a:t>
             </a:fld>
             <a:endParaRPr lang="en-US"/>
           </a:p>
@@ -3933,7 +4068,7 @@
     </p:spTree>
     <p:extLst>
       <p:ext uri="{BB962C8B-B14F-4D97-AF65-F5344CB8AC3E}">
-        <p14:creationId xmlns:p14="http://schemas.microsoft.com/office/powerpoint/2010/main" val="3678601128"/>
+        <p14:creationId xmlns:p14="http://schemas.microsoft.com/office/powerpoint/2010/main" val="1228246"/>
       </p:ext>
     </p:extLst>
   </p:cSld>
@@ -3987,158 +4122,421 @@
           <a:bodyPr/>
           <a:lstStyle/>
           <a:p>
-            <a:r>
-              <a:rPr lang="en-US" b="1" u="sng" dirty="0"/>
-              <a:t>Documentation</a:t>
-            </a:r>
+            <a:pPr marL="0" marR="0" lvl="0" indent="0" algn="l" defTabSz="914400" rtl="0" eaLnBrk="1" fontAlgn="auto" latinLnBrk="0" hangingPunct="1">
+              <a:lnSpc>
+                <a:spcPct val="100000"/>
+              </a:lnSpc>
+              <a:spcBef>
+                <a:spcPts val="0"/>
+              </a:spcBef>
+              <a:spcAft>
+                <a:spcPts val="0"/>
+              </a:spcAft>
+              <a:buClrTx/>
+              <a:buSzTx/>
+              <a:buFontTx/>
+              <a:buNone/>
+              <a:tabLst/>
+              <a:defRPr/>
+            </a:pPr>
+            <a:r>
+              <a:rPr lang="en-US" b="0" u="none" dirty="0" smtClean="0"/>
+              <a:t>CS</a:t>
+            </a:r>
+          </a:p>
+          <a:p>
+            <a:pPr marL="0" marR="0" lvl="0" indent="0" algn="l" defTabSz="914400" rtl="0" eaLnBrk="1" fontAlgn="auto" latinLnBrk="0" hangingPunct="1">
+              <a:lnSpc>
+                <a:spcPct val="100000"/>
+              </a:lnSpc>
+              <a:spcBef>
+                <a:spcPts val="0"/>
+              </a:spcBef>
+              <a:spcAft>
+                <a:spcPts val="0"/>
+              </a:spcAft>
+              <a:buClrTx/>
+              <a:buSzTx/>
+              <a:buFontTx/>
+              <a:buNone/>
+              <a:tabLst/>
+              <a:defRPr/>
+            </a:pPr>
+            <a:endParaRPr lang="en-US" b="1" u="sng" dirty="0" smtClean="0"/>
+          </a:p>
+          <a:p>
+            <a:pPr marL="0" marR="0" lvl="0" indent="0" algn="l" defTabSz="914400" rtl="0" eaLnBrk="1" fontAlgn="auto" latinLnBrk="0" hangingPunct="1">
+              <a:lnSpc>
+                <a:spcPct val="100000"/>
+              </a:lnSpc>
+              <a:spcBef>
+                <a:spcPts val="0"/>
+              </a:spcBef>
+              <a:spcAft>
+                <a:spcPts val="0"/>
+              </a:spcAft>
+              <a:buClrTx/>
+              <a:buSzTx/>
+              <a:buFontTx/>
+              <a:buNone/>
+              <a:tabLst/>
+              <a:defRPr/>
+            </a:pPr>
+            <a:r>
+              <a:rPr lang="en-US" b="1" u="sng" dirty="0" smtClean="0"/>
+              <a:t>SPMP Formatting and Style</a:t>
+            </a:r>
+            <a:endParaRPr lang="en-US" b="1" u="sng" dirty="0"/>
+          </a:p>
+          <a:p>
+            <a:pPr marL="0" marR="0" lvl="0" indent="0" algn="l" defTabSz="914400" rtl="0" eaLnBrk="1" fontAlgn="auto" latinLnBrk="0" hangingPunct="1">
+              <a:lnSpc>
+                <a:spcPct val="100000"/>
+              </a:lnSpc>
+              <a:spcBef>
+                <a:spcPts val="0"/>
+              </a:spcBef>
+              <a:spcAft>
+                <a:spcPts val="0"/>
+              </a:spcAft>
+              <a:buClrTx/>
+              <a:buSzTx/>
+              <a:buFontTx/>
+              <a:buNone/>
+              <a:tabLst/>
+              <a:defRPr/>
+            </a:pPr>
+            <a:r>
+              <a:rPr lang="en-US" b="0" u="none" baseline="0" dirty="0"/>
+              <a:t>Not deciding on a format style earlier.</a:t>
+            </a:r>
+          </a:p>
+          <a:p>
+            <a:pPr marL="0" marR="0" lvl="0" indent="0" algn="l" defTabSz="914400" rtl="0" eaLnBrk="1" fontAlgn="auto" latinLnBrk="0" hangingPunct="1">
+              <a:lnSpc>
+                <a:spcPct val="100000"/>
+              </a:lnSpc>
+              <a:spcBef>
+                <a:spcPts val="0"/>
+              </a:spcBef>
+              <a:spcAft>
+                <a:spcPts val="0"/>
+              </a:spcAft>
+              <a:buClrTx/>
+              <a:buSzTx/>
+              <a:buFontTx/>
+              <a:buNone/>
+              <a:tabLst/>
+              <a:defRPr/>
+            </a:pPr>
+            <a:endParaRPr lang="en-US" b="1" u="sng" dirty="0"/>
+          </a:p>
+          <a:p>
+            <a:pPr marL="0" marR="0" lvl="0" indent="0" algn="l" defTabSz="914400" rtl="0" eaLnBrk="1" fontAlgn="auto" latinLnBrk="0" hangingPunct="1">
+              <a:lnSpc>
+                <a:spcPct val="100000"/>
+              </a:lnSpc>
+              <a:spcBef>
+                <a:spcPts val="0"/>
+              </a:spcBef>
+              <a:spcAft>
+                <a:spcPts val="0"/>
+              </a:spcAft>
+              <a:buClrTx/>
+              <a:buSzTx/>
+              <a:buFontTx/>
+              <a:buNone/>
+              <a:tabLst/>
+              <a:defRPr/>
+            </a:pPr>
+            <a:r>
+              <a:rPr lang="en-US" b="1" u="sng" dirty="0" smtClean="0"/>
+              <a:t>Artifact Review Method</a:t>
+            </a:r>
+            <a:endParaRPr lang="en-US" b="1" u="sng" dirty="0"/>
+          </a:p>
+          <a:p>
+            <a:pPr marL="0" marR="0" lvl="0" indent="0" algn="l" defTabSz="914400" rtl="0" eaLnBrk="1" fontAlgn="auto" latinLnBrk="0" hangingPunct="1">
+              <a:lnSpc>
+                <a:spcPct val="100000"/>
+              </a:lnSpc>
+              <a:spcBef>
+                <a:spcPts val="0"/>
+              </a:spcBef>
+              <a:spcAft>
+                <a:spcPts val="0"/>
+              </a:spcAft>
+              <a:buClrTx/>
+              <a:buSzTx/>
+              <a:buFontTx/>
+              <a:buNone/>
+              <a:tabLst/>
+              <a:defRPr/>
+            </a:pPr>
+            <a:r>
+              <a:rPr lang="en-US" b="0" u="none" dirty="0"/>
+              <a:t>Asking other team member</a:t>
+            </a:r>
+            <a:r>
+              <a:rPr lang="en-US" b="0" u="none" baseline="0" dirty="0"/>
+              <a:t>s to review things but not knowing which document to review first based on dependencies and priority</a:t>
+            </a:r>
+          </a:p>
+          <a:p>
+            <a:pPr marL="0" marR="0" lvl="0" indent="0" algn="l" defTabSz="914400" rtl="0" eaLnBrk="1" fontAlgn="auto" latinLnBrk="0" hangingPunct="1">
+              <a:lnSpc>
+                <a:spcPct val="100000"/>
+              </a:lnSpc>
+              <a:spcBef>
+                <a:spcPts val="0"/>
+              </a:spcBef>
+              <a:spcAft>
+                <a:spcPts val="0"/>
+              </a:spcAft>
+              <a:buClrTx/>
+              <a:buSzTx/>
+              <a:buFontTx/>
+              <a:buNone/>
+              <a:tabLst/>
+              <a:defRPr/>
+            </a:pPr>
+            <a:endParaRPr lang="en-US" b="0" u="none" baseline="0" dirty="0"/>
+          </a:p>
+          <a:p>
+            <a:pPr marL="0" marR="0" lvl="0" indent="0" algn="l" defTabSz="914400" rtl="0" eaLnBrk="1" fontAlgn="auto" latinLnBrk="0" hangingPunct="1">
+              <a:lnSpc>
+                <a:spcPct val="100000"/>
+              </a:lnSpc>
+              <a:spcBef>
+                <a:spcPts val="0"/>
+              </a:spcBef>
+              <a:spcAft>
+                <a:spcPts val="0"/>
+              </a:spcAft>
+              <a:buClrTx/>
+              <a:buSzTx/>
+              <a:buFontTx/>
+              <a:buNone/>
+              <a:tabLst/>
+              <a:defRPr/>
+            </a:pPr>
+            <a:r>
+              <a:rPr lang="en-US" b="1" u="sng" baseline="0" dirty="0" err="1" smtClean="0"/>
+              <a:t>Wrike</a:t>
+            </a:r>
+            <a:r>
+              <a:rPr lang="en-US" b="1" u="sng" baseline="0" dirty="0" smtClean="0"/>
+              <a:t> under-utilized</a:t>
+            </a:r>
+            <a:endParaRPr lang="en-US" b="1" u="sng" baseline="0" dirty="0"/>
+          </a:p>
+          <a:p>
+            <a:pPr marL="0" marR="0" lvl="0" indent="0" algn="l" defTabSz="914400" rtl="0" eaLnBrk="1" fontAlgn="auto" latinLnBrk="0" hangingPunct="1">
+              <a:lnSpc>
+                <a:spcPct val="100000"/>
+              </a:lnSpc>
+              <a:spcBef>
+                <a:spcPts val="0"/>
+              </a:spcBef>
+              <a:spcAft>
+                <a:spcPts val="0"/>
+              </a:spcAft>
+              <a:buClrTx/>
+              <a:buSzTx/>
+              <a:buFontTx/>
+              <a:buNone/>
+              <a:tabLst/>
+              <a:defRPr/>
+            </a:pPr>
+            <a:r>
+              <a:rPr lang="en-US" b="0" u="none" baseline="0" dirty="0"/>
+              <a:t>We intended to use Wrike as a replacement tool for Microsoft Project because not all team member were accessible to it. The point of Wrike was to assign tasks to team members. For the first half of the project, that functionality of Wrike was not utilized because instead team members would just check meeting minutes (where assigned tasks were also mentioned because tasks were usually assigned during in-person meetings) Wrike only contained the SPMP tasks but not the little tasks in between such as sending emails, uploading </a:t>
+            </a:r>
+            <a:r>
+              <a:rPr lang="en-US" b="0" u="none" baseline="0" dirty="0" err="1"/>
+              <a:t>meeting_minutes</a:t>
+            </a:r>
+            <a:r>
+              <a:rPr lang="en-US" b="0" u="none" baseline="0" dirty="0"/>
+              <a:t> or progress reports.</a:t>
+            </a:r>
+          </a:p>
+          <a:p>
+            <a:pPr marL="0" marR="0" lvl="0" indent="0" algn="l" defTabSz="914400" rtl="0" eaLnBrk="1" fontAlgn="auto" latinLnBrk="0" hangingPunct="1">
+              <a:lnSpc>
+                <a:spcPct val="100000"/>
+              </a:lnSpc>
+              <a:spcBef>
+                <a:spcPts val="0"/>
+              </a:spcBef>
+              <a:spcAft>
+                <a:spcPts val="0"/>
+              </a:spcAft>
+              <a:buClrTx/>
+              <a:buSzTx/>
+              <a:buFontTx/>
+              <a:buNone/>
+              <a:tabLst/>
+              <a:defRPr/>
+            </a:pPr>
+            <a:endParaRPr lang="en-US" b="0" u="none" baseline="0" dirty="0"/>
+          </a:p>
+          <a:p>
+            <a:pPr marL="0" marR="0" lvl="0" indent="0" algn="l" defTabSz="914400" rtl="0" eaLnBrk="1" fontAlgn="auto" latinLnBrk="0" hangingPunct="1">
+              <a:lnSpc>
+                <a:spcPct val="100000"/>
+              </a:lnSpc>
+              <a:spcBef>
+                <a:spcPts val="0"/>
+              </a:spcBef>
+              <a:spcAft>
+                <a:spcPts val="0"/>
+              </a:spcAft>
+              <a:buClrTx/>
+              <a:buSzTx/>
+              <a:buFontTx/>
+              <a:buNone/>
+              <a:tabLst/>
+              <a:defRPr/>
+            </a:pPr>
+            <a:r>
+              <a:rPr lang="en-US" b="1" u="sng" dirty="0" smtClean="0"/>
+              <a:t>Dependencies not established early</a:t>
+            </a:r>
+            <a:endParaRPr lang="en-US" b="1" u="sng" dirty="0"/>
+          </a:p>
+          <a:p>
+            <a:pPr marL="0" marR="0" lvl="0" indent="0" algn="l" defTabSz="914400" rtl="0" eaLnBrk="1" fontAlgn="auto" latinLnBrk="0" hangingPunct="1">
+              <a:lnSpc>
+                <a:spcPct val="100000"/>
+              </a:lnSpc>
+              <a:spcBef>
+                <a:spcPts val="0"/>
+              </a:spcBef>
+              <a:spcAft>
+                <a:spcPts val="0"/>
+              </a:spcAft>
+              <a:buClrTx/>
+              <a:buSzTx/>
+              <a:buFontTx/>
+              <a:buNone/>
+              <a:tabLst/>
+              <a:defRPr/>
+            </a:pPr>
+            <a:r>
+              <a:rPr lang="en-US" b="0" u="none" dirty="0"/>
+              <a:t>Not properly</a:t>
+            </a:r>
+            <a:r>
+              <a:rPr lang="en-US" b="0" u="none" baseline="0" dirty="0"/>
+              <a:t> checking the dependency of one task to another, put other people behind and cased a shift in work load for one person.</a:t>
+            </a:r>
+          </a:p>
+          <a:p>
+            <a:pPr marL="0" marR="0" lvl="0" indent="0" algn="l" defTabSz="914400" rtl="0" eaLnBrk="1" fontAlgn="auto" latinLnBrk="0" hangingPunct="1">
+              <a:lnSpc>
+                <a:spcPct val="100000"/>
+              </a:lnSpc>
+              <a:spcBef>
+                <a:spcPts val="0"/>
+              </a:spcBef>
+              <a:spcAft>
+                <a:spcPts val="0"/>
+              </a:spcAft>
+              <a:buClrTx/>
+              <a:buSzTx/>
+              <a:buFontTx/>
+              <a:buNone/>
+              <a:tabLst/>
+              <a:defRPr/>
+            </a:pPr>
+            <a:endParaRPr lang="en-US" b="0" u="none" baseline="0" dirty="0"/>
+          </a:p>
+          <a:p>
+            <a:pPr marL="0" marR="0" lvl="0" indent="0" algn="l" defTabSz="914400" rtl="0" eaLnBrk="1" fontAlgn="auto" latinLnBrk="0" hangingPunct="1">
+              <a:lnSpc>
+                <a:spcPct val="100000"/>
+              </a:lnSpc>
+              <a:spcBef>
+                <a:spcPts val="0"/>
+              </a:spcBef>
+              <a:spcAft>
+                <a:spcPts val="0"/>
+              </a:spcAft>
+              <a:buClrTx/>
+              <a:buSzTx/>
+              <a:buFontTx/>
+              <a:buNone/>
+              <a:tabLst/>
+              <a:defRPr/>
+            </a:pPr>
             <a:r>
               <a:rPr lang="en-US" b="1" u="sng" baseline="0" dirty="0"/>
-              <a:t> method</a:t>
-            </a:r>
-            <a:endParaRPr lang="en-US" b="0" u="none" baseline="0" dirty="0"/>
-          </a:p>
-          <a:p>
-            <a:r>
-              <a:rPr lang="en-US" b="0" u="none" dirty="0"/>
-              <a:t>Deciding</a:t>
-            </a:r>
+              <a:t>Communication With Project Managers</a:t>
+            </a:r>
+          </a:p>
+          <a:p>
+            <a:pPr marL="0" marR="0" lvl="0" indent="0" algn="l" defTabSz="914400" rtl="0" eaLnBrk="1" fontAlgn="auto" latinLnBrk="0" hangingPunct="1">
+              <a:lnSpc>
+                <a:spcPct val="100000"/>
+              </a:lnSpc>
+              <a:spcBef>
+                <a:spcPts val="0"/>
+              </a:spcBef>
+              <a:spcAft>
+                <a:spcPts val="0"/>
+              </a:spcAft>
+              <a:buClrTx/>
+              <a:buSzTx/>
+              <a:buFontTx/>
+              <a:buNone/>
+              <a:tabLst/>
+              <a:defRPr/>
+            </a:pPr>
             <a:r>
               <a:rPr lang="en-US" b="0" u="none" baseline="0" dirty="0"/>
-              <a:t> on a format for documents i.e. what type of bullet points are we going to use, layout of page. </a:t>
-            </a:r>
-          </a:p>
-          <a:p>
-            <a:endParaRPr lang="en-US" b="0" u="none" baseline="0" dirty="0"/>
-          </a:p>
-          <a:p>
-            <a:r>
-              <a:rPr lang="en-US" b="1" u="sng" baseline="0" dirty="0"/>
-              <a:t>Organize Repository </a:t>
-            </a:r>
-          </a:p>
-          <a:p>
-            <a:pPr marL="171450" indent="-171450">
-              <a:buFont typeface="Arial" panose="020B0604020202020204" pitchFamily="34" charset="0"/>
-              <a:buChar char="•"/>
-            </a:pPr>
-            <a:r>
-              <a:rPr lang="en-US" b="0" u="none" baseline="0" dirty="0"/>
-              <a:t>Moved all documents dealing with Phase 1 into Phase_1 folder</a:t>
-            </a:r>
-          </a:p>
-          <a:p>
-            <a:pPr marL="171450" indent="-171450">
-              <a:buFont typeface="Arial" panose="020B0604020202020204" pitchFamily="34" charset="0"/>
-              <a:buChar char="•"/>
-            </a:pPr>
-            <a:r>
-              <a:rPr lang="en-US" b="0" u="none" baseline="0" dirty="0"/>
-              <a:t>Created a folder "Phase 1" inside Documentation for Phase 1 items </a:t>
-            </a:r>
-          </a:p>
-          <a:p>
-            <a:pPr marL="171450" indent="-171450">
-              <a:buFont typeface="Arial" panose="020B0604020202020204" pitchFamily="34" charset="0"/>
-              <a:buChar char="•"/>
-            </a:pPr>
-            <a:r>
-              <a:rPr lang="en-US" b="0" u="none" baseline="0" dirty="0"/>
-              <a:t>Within Phase 1, moved individual components of the SPMP to </a:t>
-            </a:r>
-            <a:r>
-              <a:rPr lang="en-US" b="0" u="none" baseline="0" dirty="0" err="1"/>
-              <a:t>Individual_Components</a:t>
-            </a:r>
-            <a:r>
-              <a:rPr lang="en-US" b="0" u="none" baseline="0" dirty="0"/>
-              <a:t> and left the SPMP directly inside Phase_1 </a:t>
-            </a:r>
-          </a:p>
-          <a:p>
-            <a:pPr marL="171450" indent="-171450">
-              <a:buFont typeface="Arial" panose="020B0604020202020204" pitchFamily="34" charset="0"/>
-              <a:buChar char="•"/>
-            </a:pPr>
-            <a:r>
-              <a:rPr lang="en-US" b="0" u="none" baseline="0" dirty="0"/>
-              <a:t>Created "</a:t>
-            </a:r>
-            <a:r>
-              <a:rPr lang="en-US" b="0" u="none" baseline="0" dirty="0" err="1"/>
-              <a:t>Work_In_Progress</a:t>
-            </a:r>
-            <a:r>
-              <a:rPr lang="en-US" b="0" u="none" baseline="0" dirty="0"/>
-              <a:t>" folder to be used for documentation and source you are presently working on</a:t>
-            </a:r>
-          </a:p>
-          <a:p>
-            <a:pPr marL="171450" indent="-171450">
-              <a:buFont typeface="Arial" panose="020B0604020202020204" pitchFamily="34" charset="0"/>
-              <a:buChar char="•"/>
-            </a:pPr>
-            <a:r>
-              <a:rPr lang="en-US" b="0" u="none" baseline="0" dirty="0"/>
-              <a:t>Created a folder for each team member by their initials inside "</a:t>
-            </a:r>
-            <a:r>
-              <a:rPr lang="en-US" b="0" u="none" baseline="0" dirty="0" err="1"/>
-              <a:t>Work_In_Progress</a:t>
-            </a:r>
-            <a:r>
-              <a:rPr lang="en-US" b="0" u="none" baseline="0" dirty="0"/>
-              <a:t>"</a:t>
-            </a:r>
-          </a:p>
-          <a:p>
-            <a:endParaRPr lang="en-US" b="0" u="sng" dirty="0"/>
-          </a:p>
-          <a:p>
-            <a:r>
-              <a:rPr lang="en-US" b="1" u="sng" dirty="0"/>
-              <a:t>Review</a:t>
-            </a:r>
-            <a:r>
-              <a:rPr lang="en-US" b="1" u="sng" baseline="0" dirty="0"/>
-              <a:t> Method</a:t>
-            </a:r>
-          </a:p>
-          <a:p>
-            <a:r>
-              <a:rPr lang="en-US" b="0" u="none" baseline="0" dirty="0"/>
-              <a:t>The team has voted on using the “review” functionality on Microsoft Word to provide critiques on documents of other team members. To avoid overwriting the original, team members must make sure to save their document that contains critiques to a different name. If the document has a major dependency then the document should be reviewed first by the successor and the Project Managers.</a:t>
-            </a:r>
-          </a:p>
-          <a:p>
-            <a:endParaRPr lang="en-US" b="0" u="none" baseline="0" dirty="0"/>
-          </a:p>
-          <a:p>
-            <a:r>
-              <a:rPr lang="en-US" b="1" u="sng" baseline="0" dirty="0"/>
-              <a:t>Communication with Project Managers</a:t>
-            </a:r>
-          </a:p>
-          <a:p>
-            <a:r>
-              <a:rPr lang="en-US" b="0" u="none" baseline="0" dirty="0"/>
-              <a:t>Assign the Project Managers task on Wrike. Sending reminder messages about the tasks they were assigned. Add them to the general availability sheet to be aware of when they are free. Also include them in the Expectation Calendar so they can add in days they know they will not be available. </a:t>
-            </a:r>
-          </a:p>
-          <a:p>
-            <a:endParaRPr lang="en-US" b="0" u="none" baseline="0" dirty="0"/>
-          </a:p>
-          <a:p>
-            <a:r>
-              <a:rPr lang="en-US" b="1" u="sng" baseline="0" dirty="0"/>
-              <a:t>Utilize Wrike More</a:t>
-            </a:r>
-          </a:p>
-          <a:p>
-            <a:r>
-              <a:rPr lang="en-US" b="0" u="none" baseline="0" dirty="0"/>
-              <a:t>Assign tasks for every task that was assigned during in-person meetings. Add in due dates and approximate time due. Set tasks as completed once they are completed. </a:t>
+              <a:t>We added them onto our groups on Slack, Wrike, and GitHub. We did not add them to the general availability or exception calendar. But we asked them if they would be able to join us for our weekly Sunday meetings and they said that for the most part yes. At the end of Part1 we realized that the c</a:t>
+            </a:r>
+            <a:r>
+              <a:rPr lang="en-US" dirty="0"/>
+              <a:t>ommunication process was</a:t>
+            </a:r>
+            <a:r>
+              <a:rPr lang="en-US" baseline="0" dirty="0"/>
+              <a:t> not w</a:t>
+            </a:r>
+            <a:r>
+              <a:rPr lang="en-US" dirty="0"/>
+              <a:t>ell defined.</a:t>
+            </a:r>
+            <a:r>
+              <a:rPr lang="en-US" baseline="0" dirty="0"/>
+              <a:t> We did not assign specific tasks to them and they did not know when or which parts of the SPMP to check first, they also were not told where to leave comments and feedback which in turn could be the reason why we felt we did not received adequate feedback.</a:t>
             </a:r>
             <a:endParaRPr lang="en-US" b="0" u="none" dirty="0"/>
+          </a:p>
+          <a:p>
+            <a:pPr marL="0" marR="0" lvl="0" indent="0" algn="l" defTabSz="914400" rtl="0" eaLnBrk="1" fontAlgn="auto" latinLnBrk="0" hangingPunct="1">
+              <a:lnSpc>
+                <a:spcPct val="100000"/>
+              </a:lnSpc>
+              <a:spcBef>
+                <a:spcPts val="0"/>
+              </a:spcBef>
+              <a:spcAft>
+                <a:spcPts val="0"/>
+              </a:spcAft>
+              <a:buClrTx/>
+              <a:buSzTx/>
+              <a:buFontTx/>
+              <a:buNone/>
+              <a:tabLst/>
+              <a:defRPr/>
+            </a:pPr>
+            <a:endParaRPr lang="en-US" b="0" u="none" dirty="0"/>
+          </a:p>
+          <a:p>
+            <a:endParaRPr lang="en-US" b="1" dirty="0"/>
           </a:p>
         </p:txBody>
       </p:sp>
@@ -4159,7 +4557,7 @@
           <a:p>
             <a:fld id="{B621E0F3-BCE5-4552-9E75-AD4D9ACB2A2B}" type="slidenum">
               <a:rPr lang="en-US" smtClean="0"/>
-              <a:t>22</a:t>
+              <a:t>21</a:t>
             </a:fld>
             <a:endParaRPr lang="en-US"/>
           </a:p>
@@ -4168,7 +4566,7 @@
     </p:spTree>
     <p:extLst>
       <p:ext uri="{BB962C8B-B14F-4D97-AF65-F5344CB8AC3E}">
-        <p14:creationId xmlns:p14="http://schemas.microsoft.com/office/powerpoint/2010/main" val="3815410767"/>
+        <p14:creationId xmlns:p14="http://schemas.microsoft.com/office/powerpoint/2010/main" val="3678601128"/>
       </p:ext>
     </p:extLst>
   </p:cSld>
@@ -4222,7 +4620,392 @@
           <a:bodyPr/>
           <a:lstStyle/>
           <a:p>
-            <a:endParaRPr lang="en-US" dirty="0"/>
+            <a:r>
+              <a:rPr lang="en-US" b="0" u="none" dirty="0" smtClean="0"/>
+              <a:t>CS</a:t>
+            </a:r>
+          </a:p>
+          <a:p>
+            <a:endParaRPr lang="en-US" b="1" u="sng" dirty="0" smtClean="0"/>
+          </a:p>
+          <a:p>
+            <a:r>
+              <a:rPr lang="en-US" b="1" u="sng" dirty="0" smtClean="0"/>
+              <a:t>Artifact format standards</a:t>
+            </a:r>
+            <a:endParaRPr lang="en-US" b="0" u="none" baseline="0" dirty="0"/>
+          </a:p>
+          <a:p>
+            <a:r>
+              <a:rPr lang="en-US" b="0" u="none" dirty="0"/>
+              <a:t>Deciding</a:t>
+            </a:r>
+            <a:r>
+              <a:rPr lang="en-US" b="0" u="none" baseline="0" dirty="0"/>
+              <a:t> on a format for documents i.e. what type of bullet points are we going to use, layout of page. </a:t>
+            </a:r>
+            <a:r>
+              <a:rPr lang="en-US" b="0" u="none" baseline="0" dirty="0" smtClean="0"/>
+              <a:t>(Style guide)</a:t>
+            </a:r>
+            <a:endParaRPr lang="en-US" b="0" u="none" baseline="0" dirty="0"/>
+          </a:p>
+          <a:p>
+            <a:endParaRPr lang="en-US" b="0" u="none" baseline="0" dirty="0" smtClean="0"/>
+          </a:p>
+          <a:p>
+            <a:r>
+              <a:rPr lang="en-US" b="1" u="sng" dirty="0" smtClean="0"/>
+              <a:t>Establish artifact review</a:t>
+            </a:r>
+            <a:r>
+              <a:rPr lang="en-US" b="1" u="sng" baseline="0" dirty="0" smtClean="0"/>
+              <a:t> method</a:t>
+            </a:r>
+          </a:p>
+          <a:p>
+            <a:r>
+              <a:rPr lang="en-US" b="0" u="none" baseline="0" dirty="0" smtClean="0"/>
+              <a:t>The team has voted on using the “review” functionality on Microsoft Word to provide critiques on documents of other team members. To avoid overwriting the original, team members must make sure to save their document that contains critiques to a different name. If the document has a major dependency then the document should be reviewed first by the successor and the Project Managers.</a:t>
+            </a:r>
+          </a:p>
+          <a:p>
+            <a:endParaRPr lang="en-US" b="0" u="none" baseline="0" dirty="0" smtClean="0"/>
+          </a:p>
+          <a:p>
+            <a:r>
+              <a:rPr lang="en-US" b="1" u="sng" baseline="0" dirty="0" smtClean="0"/>
+              <a:t>Use </a:t>
+            </a:r>
+            <a:r>
+              <a:rPr lang="en-US" b="1" u="sng" baseline="0" dirty="0" err="1" smtClean="0"/>
+              <a:t>Wrike</a:t>
+            </a:r>
+            <a:r>
+              <a:rPr lang="en-US" b="1" u="sng" baseline="0" dirty="0" smtClean="0"/>
+              <a:t> More</a:t>
+            </a:r>
+          </a:p>
+          <a:p>
+            <a:r>
+              <a:rPr lang="en-US" b="0" u="none" baseline="0" dirty="0" smtClean="0"/>
+              <a:t>Assign tasks for every task that was assigned during in-person meetings. Add in due dates and approximate time due. Set tasks as completed once they are completed. </a:t>
+            </a:r>
+            <a:endParaRPr lang="en-US" b="0" u="none" dirty="0" smtClean="0"/>
+          </a:p>
+          <a:p>
+            <a:endParaRPr lang="en-US" b="0" u="none" baseline="0" dirty="0"/>
+          </a:p>
+          <a:p>
+            <a:r>
+              <a:rPr lang="en-US" b="1" u="sng" baseline="0" dirty="0" smtClean="0"/>
+              <a:t>Reorganize </a:t>
+            </a:r>
+            <a:r>
+              <a:rPr lang="en-US" b="1" u="sng" baseline="0" dirty="0"/>
+              <a:t>r</a:t>
+            </a:r>
+            <a:r>
+              <a:rPr lang="en-US" b="1" u="sng" baseline="0" dirty="0" smtClean="0"/>
+              <a:t>epository </a:t>
+            </a:r>
+            <a:endParaRPr lang="en-US" b="1" u="sng" baseline="0" dirty="0"/>
+          </a:p>
+          <a:p>
+            <a:pPr marL="171450" indent="-171450">
+              <a:buFont typeface="Arial" panose="020B0604020202020204" pitchFamily="34" charset="0"/>
+              <a:buChar char="•"/>
+            </a:pPr>
+            <a:r>
+              <a:rPr lang="en-US" b="0" u="none" baseline="0" dirty="0"/>
+              <a:t>Moved all documents dealing with Phase 1 into Phase_1 folder</a:t>
+            </a:r>
+          </a:p>
+          <a:p>
+            <a:pPr marL="171450" indent="-171450">
+              <a:buFont typeface="Arial" panose="020B0604020202020204" pitchFamily="34" charset="0"/>
+              <a:buChar char="•"/>
+            </a:pPr>
+            <a:r>
+              <a:rPr lang="en-US" b="0" u="none" baseline="0" dirty="0"/>
+              <a:t>Created a folder "Phase 1" inside Documentation for Phase 1 items </a:t>
+            </a:r>
+          </a:p>
+          <a:p>
+            <a:pPr marL="171450" indent="-171450">
+              <a:buFont typeface="Arial" panose="020B0604020202020204" pitchFamily="34" charset="0"/>
+              <a:buChar char="•"/>
+            </a:pPr>
+            <a:r>
+              <a:rPr lang="en-US" b="0" u="none" baseline="0" dirty="0"/>
+              <a:t>Within Phase 1, moved individual components of the SPMP to </a:t>
+            </a:r>
+            <a:r>
+              <a:rPr lang="en-US" b="0" u="none" baseline="0" dirty="0" err="1"/>
+              <a:t>Individual_Components</a:t>
+            </a:r>
+            <a:r>
+              <a:rPr lang="en-US" b="0" u="none" baseline="0" dirty="0"/>
+              <a:t> and left the SPMP directly inside Phase_1 </a:t>
+            </a:r>
+          </a:p>
+          <a:p>
+            <a:pPr marL="171450" indent="-171450">
+              <a:buFont typeface="Arial" panose="020B0604020202020204" pitchFamily="34" charset="0"/>
+              <a:buChar char="•"/>
+            </a:pPr>
+            <a:r>
+              <a:rPr lang="en-US" b="0" u="none" baseline="0" dirty="0"/>
+              <a:t>Created "</a:t>
+            </a:r>
+            <a:r>
+              <a:rPr lang="en-US" b="0" u="none" baseline="0" dirty="0" err="1"/>
+              <a:t>Work_In_Progress</a:t>
+            </a:r>
+            <a:r>
+              <a:rPr lang="en-US" b="0" u="none" baseline="0" dirty="0"/>
+              <a:t>" folder to be used for documentation and source you are presently working on</a:t>
+            </a:r>
+          </a:p>
+          <a:p>
+            <a:pPr marL="171450" indent="-171450">
+              <a:buFont typeface="Arial" panose="020B0604020202020204" pitchFamily="34" charset="0"/>
+              <a:buChar char="•"/>
+            </a:pPr>
+            <a:r>
+              <a:rPr lang="en-US" b="0" u="none" baseline="0" dirty="0"/>
+              <a:t>Created a folder for each team member by their initials inside "</a:t>
+            </a:r>
+            <a:r>
+              <a:rPr lang="en-US" b="0" u="none" baseline="0" dirty="0" err="1"/>
+              <a:t>Work_In_Progress</a:t>
+            </a:r>
+            <a:r>
+              <a:rPr lang="en-US" b="0" u="none" baseline="0" dirty="0"/>
+              <a:t>"</a:t>
+            </a:r>
+          </a:p>
+          <a:p>
+            <a:endParaRPr lang="en-US" b="0" u="sng" dirty="0"/>
+          </a:p>
+          <a:p>
+            <a:endParaRPr lang="en-US" b="0" u="none" baseline="0" dirty="0"/>
+          </a:p>
+          <a:p>
+            <a:r>
+              <a:rPr lang="en-US" b="1" u="sng" baseline="0" dirty="0" smtClean="0"/>
+              <a:t>Formalize PM communication</a:t>
+            </a:r>
+            <a:endParaRPr lang="en-US" b="1" u="sng" baseline="0" dirty="0"/>
+          </a:p>
+          <a:p>
+            <a:r>
+              <a:rPr lang="en-US" b="0" u="none" baseline="0" dirty="0"/>
+              <a:t>Assign the Project Managers task on Wrike. Sending reminder messages about the tasks they were assigned. Add them to the general availability sheet to be aware of when they are free. Also include them in the Expectation Calendar so they can add in days they know they will not be available. </a:t>
+            </a:r>
+          </a:p>
+          <a:p>
+            <a:endParaRPr lang="en-US" b="0" u="none" baseline="0" dirty="0"/>
+          </a:p>
+        </p:txBody>
+      </p:sp>
+      <p:sp>
+        <p:nvSpPr>
+          <p:cNvPr id="4" name="Slide Number Placeholder 3"/>
+          <p:cNvSpPr>
+            <a:spLocks noGrp="1"/>
+          </p:cNvSpPr>
+          <p:nvPr>
+            <p:ph type="sldNum" sz="quarter" idx="10"/>
+          </p:nvPr>
+        </p:nvSpPr>
+        <p:spPr/>
+        <p:txBody>
+          <a:bodyPr/>
+          <a:lstStyle/>
+          <a:p>
+            <a:fld id="{B621E0F3-BCE5-4552-9E75-AD4D9ACB2A2B}" type="slidenum">
+              <a:rPr lang="en-US" smtClean="0"/>
+              <a:t>22</a:t>
+            </a:fld>
+            <a:endParaRPr lang="en-US"/>
+          </a:p>
+        </p:txBody>
+      </p:sp>
+    </p:spTree>
+    <p:extLst>
+      <p:ext uri="{BB962C8B-B14F-4D97-AF65-F5344CB8AC3E}">
+        <p14:creationId xmlns:p14="http://schemas.microsoft.com/office/powerpoint/2010/main" val="3815410767"/>
+      </p:ext>
+    </p:extLst>
+  </p:cSld>
+  <p:clrMapOvr>
+    <a:masterClrMapping/>
+  </p:clrMapOvr>
+</p:notes>
+</file>
+
+<file path=ppt/notesSlides/notesSlide23.xml><?xml version="1.0" encoding="utf-8"?>
+<p:notes xmlns:a="http://schemas.openxmlformats.org/drawingml/2006/main" xmlns:r="http://schemas.openxmlformats.org/officeDocument/2006/relationships" xmlns:p="http://schemas.openxmlformats.org/presentationml/2006/main">
+  <p:cSld>
+    <p:spTree>
+      <p:nvGrpSpPr>
+        <p:cNvPr id="1" name=""/>
+        <p:cNvGrpSpPr/>
+        <p:nvPr/>
+      </p:nvGrpSpPr>
+      <p:grpSpPr>
+        <a:xfrm>
+          <a:off x="0" y="0"/>
+          <a:ext cx="0" cy="0"/>
+          <a:chOff x="0" y="0"/>
+          <a:chExt cx="0" cy="0"/>
+        </a:xfrm>
+      </p:grpSpPr>
+      <p:sp>
+        <p:nvSpPr>
+          <p:cNvPr id="2" name="Slide Image Placeholder 1"/>
+          <p:cNvSpPr>
+            <a:spLocks noGrp="1" noRot="1" noChangeAspect="1"/>
+          </p:cNvSpPr>
+          <p:nvPr>
+            <p:ph type="sldImg"/>
+          </p:nvPr>
+        </p:nvSpPr>
+        <p:spPr/>
+      </p:sp>
+      <p:sp>
+        <p:nvSpPr>
+          <p:cNvPr id="3" name="Notes Placeholder 2"/>
+          <p:cNvSpPr>
+            <a:spLocks noGrp="1"/>
+          </p:cNvSpPr>
+          <p:nvPr>
+            <p:ph type="body" idx="1"/>
+          </p:nvPr>
+        </p:nvSpPr>
+        <p:spPr/>
+        <p:txBody>
+          <a:bodyPr/>
+          <a:lstStyle/>
+          <a:p>
+            <a:r>
+              <a:rPr lang="en-US" dirty="0" smtClean="0"/>
+              <a:t>CS &amp; EJ</a:t>
+            </a:r>
+          </a:p>
+          <a:p>
+            <a:endParaRPr lang="en-US" dirty="0" smtClean="0"/>
+          </a:p>
+          <a:p>
+            <a:pPr marL="171450" indent="-171450">
+              <a:buFont typeface="Arial" panose="020B0604020202020204" pitchFamily="34" charset="0"/>
+              <a:buChar char="•"/>
+            </a:pPr>
+            <a:r>
+              <a:rPr lang="en-US" sz="1200" b="1" i="1" dirty="0" smtClean="0">
+                <a:solidFill>
+                  <a:srgbClr val="00B050"/>
+                </a:solidFill>
+              </a:rPr>
+              <a:t>CS - Assign </a:t>
+            </a:r>
+            <a:r>
+              <a:rPr lang="en-US" b="1" dirty="0" smtClean="0"/>
+              <a:t>– </a:t>
+            </a:r>
+            <a:r>
+              <a:rPr lang="en-US" b="0" dirty="0" smtClean="0"/>
+              <a:t>In part one it</a:t>
+            </a:r>
+            <a:r>
+              <a:rPr lang="en-US" b="0" baseline="0" dirty="0" smtClean="0"/>
+              <a:t> took a while to assign tasks, in part 2 up until now we have taken great pains to assign tasks as soon as it is known what will need to be done.</a:t>
+            </a:r>
+          </a:p>
+          <a:p>
+            <a:pPr marL="171450" indent="-171450">
+              <a:buFont typeface="Arial" panose="020B0604020202020204" pitchFamily="34" charset="0"/>
+              <a:buChar char="•"/>
+            </a:pPr>
+            <a:r>
+              <a:rPr lang="en-US" b="1" dirty="0" smtClean="0"/>
+              <a:t>EJ – Dependencies</a:t>
+            </a:r>
+            <a:r>
+              <a:rPr lang="en-US" b="1" baseline="0" dirty="0" smtClean="0"/>
+              <a:t> – </a:t>
+            </a:r>
+            <a:r>
+              <a:rPr lang="en-US" b="0" baseline="0" dirty="0" smtClean="0"/>
+              <a:t>In part one, because we did not adequately take dependencies into account for documents, some team members were waiting on a single team member in order to get their documents done.  Specifically, the estimates section.  Pieces of this section were assigned to three different people.  This resulted in a situation where we had to do a lot of last minute work</a:t>
+            </a:r>
+          </a:p>
+          <a:p>
+            <a:pPr marL="171450" indent="-171450">
+              <a:buFont typeface="Arial" panose="020B0604020202020204" pitchFamily="34" charset="0"/>
+              <a:buChar char="•"/>
+            </a:pPr>
+            <a:r>
+              <a:rPr lang="en-US" b="1" i="1" baseline="0" dirty="0" smtClean="0"/>
+              <a:t>CS – Review Artifacts/Tasks with PMs earlier</a:t>
+            </a:r>
+            <a:r>
+              <a:rPr lang="en-US" b="1" baseline="0" dirty="0" smtClean="0"/>
+              <a:t> </a:t>
+            </a:r>
+            <a:r>
+              <a:rPr lang="en-US" b="0" baseline="0" dirty="0" smtClean="0"/>
+              <a:t>– This actually bit us already in Part 2.  We took a while to generate the Part 2 artifacts, and weren’t able to get them to our PMs until Sunday.  On Sunday we determined that we had done everything mostly correct, but there were still some decent changes to make.  We also found that one of the diagrams wasn’t nearly what we expected after reviewing with PMs and checking the book (Use Case Diagram from UC Summary).  </a:t>
+            </a:r>
+            <a:r>
+              <a:rPr lang="en-US" b="1" i="1" baseline="0" dirty="0" smtClean="0"/>
+              <a:t>(Use own words?)</a:t>
+            </a:r>
+          </a:p>
+          <a:p>
+            <a:pPr marL="171450" indent="-171450">
+              <a:buFont typeface="Arial" panose="020B0604020202020204" pitchFamily="34" charset="0"/>
+              <a:buChar char="•"/>
+            </a:pPr>
+            <a:r>
+              <a:rPr lang="en-US" b="1" i="0" baseline="0" dirty="0" smtClean="0"/>
+              <a:t>EJ – Establish formal communication process with PMs </a:t>
+            </a:r>
+            <a:r>
+              <a:rPr lang="en-US" b="0" i="0" baseline="0" dirty="0" smtClean="0"/>
+              <a:t>– Presently we have an informal ‘please check Slack once per day’ which works somewhat tenuously.  We plan on changing the process so we can have a confirmed once-per-day visit and an acknowledgment that they have received and acknowledged any communications intended for them and understand any tasks they have been assigned or requested information on.</a:t>
+            </a:r>
+          </a:p>
+          <a:p>
+            <a:pPr marL="171450" indent="-171450">
+              <a:buFont typeface="Arial" panose="020B0604020202020204" pitchFamily="34" charset="0"/>
+              <a:buChar char="•"/>
+            </a:pPr>
+            <a:r>
+              <a:rPr lang="en-US" b="1" i="1" baseline="0" dirty="0" smtClean="0"/>
+              <a:t>CS – Formatting</a:t>
+            </a:r>
+            <a:r>
+              <a:rPr lang="en-US" b="0" i="1" baseline="0" dirty="0" smtClean="0"/>
+              <a:t> – </a:t>
+            </a:r>
+            <a:r>
+              <a:rPr lang="en-US" b="0" i="0" baseline="0" dirty="0" smtClean="0"/>
+              <a:t>Establish style guides, and preliminary code style guides, as well as procedures on how to deal with preexisting templates that have their </a:t>
+            </a:r>
+            <a:r>
+              <a:rPr lang="en-US" b="0" i="0" baseline="0" smtClean="0"/>
+              <a:t>own style.</a:t>
+            </a:r>
+            <a:endParaRPr lang="en-US" b="1" i="0" baseline="0" dirty="0" smtClean="0"/>
+          </a:p>
+          <a:p>
+            <a:pPr marL="171450" indent="-171450">
+              <a:buFont typeface="Arial" panose="020B0604020202020204" pitchFamily="34" charset="0"/>
+              <a:buChar char="•"/>
+            </a:pPr>
+            <a:endParaRPr lang="en-US" b="1" i="1" dirty="0"/>
           </a:p>
         </p:txBody>
       </p:sp>
@@ -4307,9 +5090,10 @@
           <a:lstStyle/>
           <a:p>
             <a:r>
-              <a:rPr lang="en-US" dirty="0"/>
+              <a:rPr lang="en-US" dirty="0" smtClean="0"/>
               <a:t>EJ</a:t>
             </a:r>
+            <a:endParaRPr lang="en-US" dirty="0"/>
           </a:p>
         </p:txBody>
       </p:sp>
@@ -5561,12 +6345,20 @@
               <a:defRPr/>
             </a:pPr>
             <a:r>
-              <a:rPr lang="en-US" b="1" u="sng" dirty="0"/>
-              <a:t>Team: Frequently</a:t>
-            </a:r>
-            <a:r>
-              <a:rPr lang="en-US" b="1" u="sng" baseline="0" dirty="0"/>
-              <a:t> out of stock or over stock: </a:t>
+              <a:rPr lang="en-US" b="1" u="sng" dirty="0" smtClean="0"/>
+              <a:t>Dynamic item reorder quantity adjustment (</a:t>
+            </a:r>
+            <a:r>
+              <a:rPr lang="en-US" b="1" u="sng" dirty="0" err="1" smtClean="0"/>
+              <a:t>AccuStock</a:t>
+            </a:r>
+            <a:r>
+              <a:rPr lang="en-US" b="1" u="sng" dirty="0" smtClean="0"/>
+              <a:t>)</a:t>
+            </a:r>
+            <a:r>
+              <a:rPr lang="en-US" b="1" u="sng" baseline="0" dirty="0" smtClean="0"/>
+              <a:t>: </a:t>
             </a:r>
             <a:r>
               <a:rPr lang="en-US" b="0" u="none" dirty="0"/>
@@ -5574,8 +6366,13 @@
             </a:r>
             <a:r>
               <a:rPr lang="en-US" dirty="0"/>
-              <a:t> we run out of stock of an item frequently, have system order more than the default upon reorder, and if we never run out of stock by X units, have system order less than the default. This will be based on an item threshold that has been increased/decreased</a:t>
-            </a:r>
+              <a:t> we run out of stock of an item frequently, have system order more than the default upon reorder, and if we never run out of stock by X units, have system order less than the default. This will be based on an item threshold that has been </a:t>
+            </a:r>
+            <a:r>
+              <a:rPr lang="en-US" dirty="0" smtClean="0"/>
+              <a:t>increased/decreased.</a:t>
+            </a:r>
+            <a:endParaRPr lang="en-US" dirty="0"/>
           </a:p>
           <a:p>
             <a:pPr marL="0" marR="0" lvl="0" indent="0" algn="l" defTabSz="914400" rtl="0" eaLnBrk="1" fontAlgn="auto" latinLnBrk="0" hangingPunct="1">
@@ -5616,11 +6413,11 @@
               <a:defRPr/>
             </a:pPr>
             <a:r>
-              <a:rPr lang="en-US" b="1" u="sng" dirty="0"/>
-              <a:t>A company:</a:t>
-            </a:r>
-            <a:r>
-              <a:rPr lang="en-US" b="1" u="sng" baseline="0" dirty="0"/>
+              <a:rPr lang="en-US" b="1" u="sng" dirty="0" smtClean="0"/>
+              <a:t>Company-wide sales (per-item):</a:t>
+            </a:r>
+            <a:r>
+              <a:rPr lang="en-US" b="1" u="sng" baseline="0" dirty="0" smtClean="0"/>
               <a:t> </a:t>
             </a:r>
             <a:r>
@@ -5700,8 +6497,37 @@
               <a:defRPr/>
             </a:pPr>
             <a:r>
+              <a:rPr lang="en-US" b="1" u="sng" dirty="0" smtClean="0"/>
+              <a:t>Customer</a:t>
+            </a:r>
+            <a:r>
+              <a:rPr lang="en-US" b="1" u="sng" baseline="0" dirty="0" smtClean="0"/>
+              <a:t> refill eligibility</a:t>
+            </a:r>
+            <a:r>
+              <a:rPr lang="en-US" b="1" u="sng" dirty="0" smtClean="0"/>
+              <a:t>:</a:t>
+            </a:r>
+            <a:r>
+              <a:rPr lang="en-US" b="1" u="sng" baseline="0" dirty="0" smtClean="0"/>
+              <a:t> </a:t>
+            </a:r>
+            <a:r>
+              <a:rPr lang="en-US" dirty="0"/>
+              <a:t>Based off the refill date of the customer's last order, check all of their prescriptions and see if any are eligible for refill, and if so, display a message to indicate to the cashier to ask the customer if they want that prescription refilled</a:t>
+            </a:r>
+          </a:p>
+          <a:p>
+            <a:endParaRPr lang="en-US" dirty="0"/>
+          </a:p>
+          <a:p>
+            <a:r>
+              <a:rPr lang="en-US" b="1" u="sng" dirty="0" smtClean="0"/>
+              <a:t>Customer Coupons</a:t>
+            </a:r>
+            <a:r>
               <a:rPr lang="en-US" b="1" u="sng" dirty="0"/>
-              <a:t>Eligibility:</a:t>
+              <a:t>:</a:t>
             </a:r>
             <a:r>
               <a:rPr lang="en-US" b="1" u="sng" baseline="0" dirty="0"/>
@@ -5709,27 +6535,16 @@
             </a:r>
             <a:r>
               <a:rPr lang="en-US" dirty="0"/>
-              <a:t>Based off the refill date of the customer's last order, check all of their prescriptions and see if any are eligible for refill, and if so, display a message to indicate to the cashier to ask the customer if they want that prescription refilled</a:t>
-            </a:r>
-          </a:p>
-          <a:p>
-            <a:endParaRPr lang="en-US" dirty="0"/>
-          </a:p>
-          <a:p>
-            <a:r>
-              <a:rPr lang="en-US" b="1" u="sng" dirty="0"/>
-              <a:t>Coupons:</a:t>
-            </a:r>
-            <a:r>
-              <a:rPr lang="en-US" b="1" u="sng" baseline="0" dirty="0"/>
-              <a:t> </a:t>
-            </a:r>
-            <a:r>
-              <a:rPr lang="en-US" dirty="0"/>
-              <a:t>Customer coupons that provide a discount whole order</a:t>
-            </a:r>
-          </a:p>
-          <a:p>
+              <a:t>Customer coupons that provide a </a:t>
+            </a:r>
+            <a:r>
+              <a:rPr lang="en-US" dirty="0" smtClean="0"/>
+              <a:t>percent</a:t>
+            </a:r>
+            <a:r>
+              <a:rPr lang="en-US" baseline="0" dirty="0" smtClean="0"/>
+              <a:t> discount across the entire order</a:t>
+            </a:r>
             <a:endParaRPr lang="en-US" b="1" dirty="0"/>
           </a:p>
         </p:txBody>
@@ -5829,8 +6644,16 @@
               <a:buChar char="•"/>
             </a:pPr>
             <a:r>
+              <a:rPr lang="en-US" b="1" dirty="0" smtClean="0"/>
+              <a:t>Programming Language: </a:t>
+            </a:r>
+            <a:r>
+              <a:rPr lang="en-US" dirty="0" smtClean="0"/>
+              <a:t>The </a:t>
+            </a:r>
+            <a:r>
               <a:rPr lang="en-US" dirty="0"/>
-              <a:t>The team is most familiar with C++.</a:t>
+              <a:t>team is most familiar with C++.</a:t>
             </a:r>
           </a:p>
           <a:p>
@@ -5848,6 +6671,54 @@
               <a:buFont typeface="Arial" panose="020B0604020202020204" pitchFamily="34" charset="0"/>
               <a:buChar char="•"/>
             </a:pPr>
+            <a:r>
+              <a:rPr lang="en-US" sz="1200" b="1" kern="1200" dirty="0" smtClean="0">
+                <a:solidFill>
+                  <a:schemeClr val="tx1"/>
+                </a:solidFill>
+                <a:effectLst/>
+                <a:latin typeface="+mn-lt"/>
+                <a:ea typeface="+mn-ea"/>
+                <a:cs typeface="+mn-cs"/>
+              </a:rPr>
+              <a:t>Program Interface</a:t>
+            </a:r>
+            <a:r>
+              <a:rPr lang="en-US" sz="1200" kern="1200" dirty="0" smtClean="0">
+                <a:solidFill>
+                  <a:schemeClr val="tx1"/>
+                </a:solidFill>
+                <a:effectLst/>
+                <a:latin typeface="+mn-lt"/>
+                <a:ea typeface="+mn-ea"/>
+                <a:cs typeface="+mn-cs"/>
+              </a:rPr>
+              <a:t>:</a:t>
+            </a:r>
+            <a:r>
+              <a:rPr lang="en-US" sz="1200" kern="1200" baseline="0" dirty="0" smtClean="0">
+                <a:solidFill>
+                  <a:schemeClr val="tx1"/>
+                </a:solidFill>
+                <a:effectLst/>
+                <a:latin typeface="+mn-lt"/>
+                <a:ea typeface="+mn-ea"/>
+                <a:cs typeface="+mn-cs"/>
+              </a:rPr>
+              <a:t>  </a:t>
+            </a:r>
+            <a:r>
+              <a:rPr lang="en-US" sz="1200" kern="1200" dirty="0" smtClean="0">
+                <a:solidFill>
+                  <a:schemeClr val="tx1"/>
+                </a:solidFill>
+                <a:effectLst/>
+                <a:latin typeface="+mn-lt"/>
+                <a:ea typeface="+mn-ea"/>
+                <a:cs typeface="+mn-cs"/>
+              </a:rPr>
+              <a:t>The </a:t>
+            </a:r>
             <a:r>
               <a:rPr lang="en-US" sz="1200" kern="1200" dirty="0">
                 <a:solidFill>
@@ -5858,10 +6729,80 @@
                 <a:ea typeface="+mn-ea"/>
                 <a:cs typeface="+mn-cs"/>
               </a:rPr>
-              <a:t>The program will use a command window as its input/output source due to our skill set limitations as well. </a:t>
-            </a:r>
-          </a:p>
-          <a:p>
+              <a:t>program will use a </a:t>
+            </a:r>
+            <a:r>
+              <a:rPr lang="en-US" sz="1200" kern="1200" dirty="0" smtClean="0">
+                <a:solidFill>
+                  <a:schemeClr val="tx1"/>
+                </a:solidFill>
+                <a:effectLst/>
+                <a:latin typeface="+mn-lt"/>
+                <a:ea typeface="+mn-ea"/>
+                <a:cs typeface="+mn-cs"/>
+              </a:rPr>
+              <a:t>text-driven</a:t>
+            </a:r>
+            <a:r>
+              <a:rPr lang="en-US" sz="1200" kern="1200" baseline="0" dirty="0" smtClean="0">
+                <a:solidFill>
+                  <a:schemeClr val="tx1"/>
+                </a:solidFill>
+                <a:effectLst/>
+                <a:latin typeface="+mn-lt"/>
+                <a:ea typeface="+mn-ea"/>
+                <a:cs typeface="+mn-cs"/>
+              </a:rPr>
+              <a:t> menu system </a:t>
+            </a:r>
+            <a:r>
+              <a:rPr lang="en-US" sz="1200" kern="1200" dirty="0" smtClean="0">
+                <a:solidFill>
+                  <a:schemeClr val="tx1"/>
+                </a:solidFill>
+                <a:effectLst/>
+                <a:latin typeface="+mn-lt"/>
+                <a:ea typeface="+mn-ea"/>
+                <a:cs typeface="+mn-cs"/>
+              </a:rPr>
+              <a:t>reading and writing from the command line </a:t>
+            </a:r>
+            <a:r>
+              <a:rPr lang="en-US" sz="1200" kern="1200" dirty="0">
+                <a:solidFill>
+                  <a:schemeClr val="tx1"/>
+                </a:solidFill>
+                <a:effectLst/>
+                <a:latin typeface="+mn-lt"/>
+                <a:ea typeface="+mn-ea"/>
+                <a:cs typeface="+mn-cs"/>
+              </a:rPr>
+              <a:t>as its input/output source due to our skill set limitations as well. </a:t>
+            </a:r>
+          </a:p>
+          <a:p>
+            <a:pPr marL="171450" indent="-171450">
+              <a:buFont typeface="Arial" panose="020B0604020202020204" pitchFamily="34" charset="0"/>
+              <a:buChar char="•"/>
+            </a:pPr>
+            <a:r>
+              <a:rPr lang="en-US" b="1" dirty="0" smtClean="0"/>
+              <a:t>Offline Data Storage</a:t>
+            </a:r>
+            <a:r>
+              <a:rPr lang="en-US" dirty="0" smtClean="0"/>
+              <a:t>:</a:t>
+            </a:r>
+            <a:r>
+              <a:rPr lang="en-US" baseline="0" dirty="0" smtClean="0"/>
+              <a:t>  The program will use flat files to store data offline, due to only two members having experience with databases, and nobody having experience integrating databases into C++.</a:t>
+            </a:r>
+          </a:p>
+          <a:p>
+            <a:pPr marL="171450" indent="-171450">
+              <a:buFont typeface="Arial" panose="020B0604020202020204" pitchFamily="34" charset="0"/>
+              <a:buChar char="•"/>
+            </a:pPr>
             <a:endParaRPr lang="en-US" dirty="0"/>
           </a:p>
         </p:txBody>
@@ -9343,7 +10284,7 @@
   </p:txStyles>
   <p:extLst>
     <p:ext uri="{27BBF7A9-308A-43DC-89C8-2F10F3537804}">
-      <p15:sldGuideLst xmlns:p15="http://schemas.microsoft.com/office/powerpoint/2012/main"/>
+      <p15:sldGuideLst xmlns:p15="http://schemas.microsoft.com/office/powerpoint/2012/main" xmlns=""/>
     </p:ext>
   </p:extLst>
 </p:sldMaster>
@@ -9516,9 +10457,10 @@
               <a:rPr lang="en-US" dirty="0"/>
             </a:br>
             <a:r>
-              <a:rPr lang="en-US" sz="2800" dirty="0"/>
-              <a:t>Justification of Tools</a:t>
-            </a:r>
+              <a:rPr lang="en-US" sz="2800" dirty="0" smtClean="0"/>
+              <a:t>Why these tools?</a:t>
+            </a:r>
+            <a:endParaRPr lang="en-US" sz="2800" dirty="0"/>
           </a:p>
         </p:txBody>
       </p:sp>
@@ -9540,33 +10482,35 @@
           <a:lstStyle/>
           <a:p>
             <a:r>
-              <a:rPr lang="en-US" dirty="0"/>
-              <a:t>Slack:  Free, previous experience, intuitive, better organization than a group text, log all conversation, mobile app </a:t>
-            </a:r>
-          </a:p>
-          <a:p>
-            <a:r>
-              <a:rPr lang="en-US" dirty="0"/>
-              <a:t>Wrike: Free, previous experience, easy to assign tasks, keeps you notified, mobile app</a:t>
-            </a:r>
-          </a:p>
-          <a:p>
-            <a:r>
-              <a:rPr lang="en-US" dirty="0"/>
-              <a:t>Toggl: Free, previous experience, mobile app, reports(team functionality depends on this), time collection for team.</a:t>
-            </a:r>
-          </a:p>
-          <a:p>
-            <a:r>
-              <a:rPr lang="en-US" dirty="0"/>
-              <a:t>GitHub: Free, ubiquitous, mature, retention of historical versions of artifacts.</a:t>
-            </a:r>
-          </a:p>
-          <a:p>
-            <a:r>
-              <a:rPr lang="en-US" dirty="0"/>
-              <a:t>Microsoft Project: Most accessible way to build task network diagram.</a:t>
-            </a:r>
+              <a:rPr lang="en-US" dirty="0" smtClean="0"/>
+              <a:t>Slack</a:t>
+            </a:r>
+          </a:p>
+          <a:p>
+            <a:r>
+              <a:rPr lang="en-US" dirty="0" err="1" smtClean="0"/>
+              <a:t>Wrike</a:t>
+            </a:r>
+            <a:endParaRPr lang="en-US" dirty="0" smtClean="0"/>
+          </a:p>
+          <a:p>
+            <a:r>
+              <a:rPr lang="en-US" dirty="0" smtClean="0"/>
+              <a:t>Toggl</a:t>
+            </a:r>
+          </a:p>
+          <a:p>
+            <a:r>
+              <a:rPr lang="en-US" dirty="0" smtClean="0"/>
+              <a:t>GitHub</a:t>
+            </a:r>
+          </a:p>
+          <a:p>
+            <a:r>
+              <a:rPr lang="en-US" dirty="0" smtClean="0"/>
+              <a:t>Microsoft Project</a:t>
+            </a:r>
+            <a:endParaRPr lang="en-US" dirty="0"/>
           </a:p>
         </p:txBody>
       </p:sp>
@@ -9708,8 +10652,13 @@
             </a:br>
             <a:r>
               <a:rPr lang="en-US" sz="2800" dirty="0"/>
-              <a:t>Overall Project initial </a:t>
-            </a:r>
+              <a:t>Overall Project </a:t>
+            </a:r>
+            <a:r>
+              <a:rPr lang="en-US" sz="2800" dirty="0" smtClean="0"/>
+              <a:t>Initial Estimate</a:t>
+            </a:r>
+            <a:endParaRPr lang="en-US" sz="2800" dirty="0"/>
           </a:p>
         </p:txBody>
       </p:sp>
@@ -9839,6 +10788,11 @@
               <a:rPr lang="en-US" sz="2800" dirty="0"/>
               <a:t>Actual Part 1 </a:t>
             </a:r>
+            <a:r>
+              <a:rPr lang="en-US" sz="2800" dirty="0" smtClean="0"/>
+              <a:t> Time Spent</a:t>
+            </a:r>
+            <a:endParaRPr lang="en-US" sz="2800" dirty="0"/>
           </a:p>
         </p:txBody>
       </p:sp>
@@ -9956,15 +10910,25 @@
           <a:lstStyle/>
           <a:p>
             <a:r>
-              <a:rPr lang="en-US" dirty="0"/>
-              <a:t>Switch to tasks estimate and tweak it based on findings and calculations based on findings from task one.</a:t>
-            </a:r>
-          </a:p>
-          <a:p>
-            <a:r>
-              <a:rPr lang="en-US" dirty="0"/>
-              <a:t>Tasks are more adjustable based on new information</a:t>
-            </a:r>
+              <a:rPr lang="en-US" dirty="0" smtClean="0"/>
+              <a:t>New Estimation Method:  Tasks</a:t>
+            </a:r>
+          </a:p>
+          <a:p>
+            <a:r>
+              <a:rPr lang="en-US" dirty="0" smtClean="0"/>
+              <a:t>Part 2 Estimate (Tasks):  238 Hours</a:t>
+            </a:r>
+          </a:p>
+          <a:p>
+            <a:endParaRPr lang="en-US" dirty="0" smtClean="0"/>
+          </a:p>
+          <a:p>
+            <a:r>
+              <a:rPr lang="en-US" dirty="0" smtClean="0"/>
+              <a:t>Why switch?</a:t>
+            </a:r>
+            <a:endParaRPr lang="en-US" dirty="0"/>
           </a:p>
         </p:txBody>
       </p:sp>
@@ -10022,7 +10986,15 @@
             </a:br>
             <a:r>
               <a:rPr lang="en-US" sz="2800" dirty="0"/>
-              <a:t>New Overall project Estimate </a:t>
+              <a:t>New Overall </a:t>
+            </a:r>
+            <a:r>
+              <a:rPr lang="en-US" sz="2800" dirty="0" smtClean="0"/>
+              <a:t>Project </a:t>
+            </a:r>
+            <a:r>
+              <a:rPr lang="en-US" sz="2800" dirty="0"/>
+              <a:t>Estimate </a:t>
             </a:r>
           </a:p>
         </p:txBody>
@@ -10042,7 +11014,40 @@
           <a:bodyPr/>
           <a:lstStyle/>
           <a:p>
+            <a:r>
+              <a:rPr lang="en-US" dirty="0" smtClean="0"/>
+              <a:t>Overall </a:t>
+            </a:r>
+            <a:r>
+              <a:rPr lang="en-US" dirty="0"/>
+              <a:t>Estimate (LOC):  </a:t>
+            </a:r>
+            <a:r>
+              <a:rPr lang="en-US" dirty="0" smtClean="0"/>
+              <a:t>116 Hours (no change)</a:t>
+            </a:r>
             <a:endParaRPr lang="en-US" dirty="0"/>
+          </a:p>
+          <a:p>
+            <a:r>
+              <a:rPr lang="en-US" dirty="0" smtClean="0"/>
+              <a:t>Overall </a:t>
+            </a:r>
+            <a:r>
+              <a:rPr lang="en-US" dirty="0"/>
+              <a:t>Estimate (FPE):  808 </a:t>
+            </a:r>
+            <a:r>
+              <a:rPr lang="en-US" dirty="0" smtClean="0"/>
+              <a:t>Hours</a:t>
+            </a:r>
+          </a:p>
+          <a:p>
+            <a:r>
+              <a:rPr lang="en-US" b="1" dirty="0" smtClean="0"/>
+              <a:t>Overall Estimate (Tasks):  538 Hours</a:t>
+            </a:r>
+            <a:endParaRPr lang="en-US" b="1" dirty="0"/>
           </a:p>
         </p:txBody>
       </p:sp>
@@ -10100,8 +11105,13 @@
             </a:br>
             <a:r>
               <a:rPr lang="en-US" sz="2800" dirty="0"/>
-              <a:t>What was easiest</a:t>
-            </a:r>
+              <a:t>What was </a:t>
+            </a:r>
+            <a:r>
+              <a:rPr lang="en-US" sz="2800" dirty="0" smtClean="0"/>
+              <a:t>easiest?</a:t>
+            </a:r>
+            <a:endParaRPr lang="en-US" sz="2800" dirty="0"/>
           </a:p>
         </p:txBody>
       </p:sp>
@@ -10124,20 +11134,22 @@
           <a:p>
             <a:r>
               <a:rPr lang="en-US" dirty="0"/>
-              <a:t>1.2 Project scope</a:t>
-            </a:r>
-          </a:p>
-          <a:p>
-            <a:pPr lvl="1"/>
+              <a:t>1.2 Project </a:t>
+            </a:r>
+            <a:r>
+              <a:rPr lang="en-US" dirty="0" smtClean="0"/>
+              <a:t>Scope</a:t>
+            </a:r>
+            <a:endParaRPr lang="en-US" dirty="0"/>
+          </a:p>
+          <a:p>
+            <a:r>
+              <a:rPr lang="en-US" dirty="0" smtClean="0"/>
+              <a:t>1.4 </a:t>
+            </a:r>
             <a:r>
               <a:rPr lang="en-US" dirty="0"/>
-              <a:t>Inclusions and exclusions</a:t>
-            </a:r>
-          </a:p>
-          <a:p>
-            <a:r>
-              <a:rPr lang="en-US" dirty="0"/>
-              <a:t>1.4 Performance/Behavior Constraints</a:t>
+              <a:t>Performance/Behavior Constraints</a:t>
             </a:r>
           </a:p>
           <a:p>
@@ -10154,15 +11166,18 @@
           </a:p>
           <a:p>
             <a:r>
+              <a:rPr lang="en-US" dirty="0" smtClean="0"/>
+              <a:t>4.1 </a:t>
+            </a:r>
+            <a:r>
               <a:rPr lang="en-US" dirty="0"/>
-              <a:t>2.5 Project Resources </a:t>
-            </a:r>
-          </a:p>
-          <a:p>
-            <a:r>
-              <a:rPr lang="en-US" dirty="0"/>
-              <a:t>4.1 Project task set</a:t>
-            </a:r>
+              <a:t>Project </a:t>
+            </a:r>
+            <a:r>
+              <a:rPr lang="en-US" dirty="0" smtClean="0"/>
+              <a:t>Task Set</a:t>
+            </a:r>
+            <a:endParaRPr lang="en-US" dirty="0"/>
           </a:p>
         </p:txBody>
       </p:sp>
@@ -10220,8 +11235,13 @@
             </a:br>
             <a:r>
               <a:rPr lang="en-US" sz="2800" dirty="0"/>
-              <a:t>What was hardest</a:t>
-            </a:r>
+              <a:t>What was </a:t>
+            </a:r>
+            <a:r>
+              <a:rPr lang="en-US" sz="2800" dirty="0" smtClean="0"/>
+              <a:t>hardest?</a:t>
+            </a:r>
+            <a:endParaRPr lang="en-US" sz="2800" dirty="0"/>
           </a:p>
         </p:txBody>
       </p:sp>
@@ -10241,45 +11261,74 @@
           <a:lstStyle/>
           <a:p>
             <a:r>
+              <a:rPr lang="en-US" dirty="0" smtClean="0"/>
+              <a:t>1.3 </a:t>
+            </a:r>
+            <a:r>
+              <a:rPr lang="en-US" dirty="0"/>
+              <a:t>Functional Decomposition </a:t>
+            </a:r>
+            <a:r>
+              <a:rPr lang="en-US" dirty="0" smtClean="0"/>
+              <a:t>(multiple iterations)</a:t>
+            </a:r>
+            <a:endParaRPr lang="en-US" dirty="0"/>
+          </a:p>
+          <a:p>
+            <a:r>
+              <a:rPr lang="en-US" dirty="0"/>
+              <a:t>2.3 Estimation Techniques Applied and Results</a:t>
+            </a:r>
+          </a:p>
+          <a:p>
+            <a:r>
+              <a:rPr lang="en-US" dirty="0"/>
+              <a:t>2.4 Reconciled Estimate</a:t>
+            </a:r>
+          </a:p>
+          <a:p>
+            <a:r>
+              <a:rPr lang="en-US" dirty="0"/>
+              <a:t>3.0 Risk </a:t>
+            </a:r>
+            <a:r>
+              <a:rPr lang="en-US" dirty="0" smtClean="0"/>
+              <a:t>Management</a:t>
+            </a:r>
+            <a:endParaRPr lang="en-US" dirty="0" smtClean="0"/>
+          </a:p>
+          <a:p>
+            <a:r>
+              <a:rPr lang="en-US" dirty="0" smtClean="0"/>
+              <a:t>4.2 </a:t>
+            </a:r>
+            <a:r>
+              <a:rPr lang="en-US" dirty="0"/>
+              <a:t>Task </a:t>
+            </a:r>
+            <a:r>
+              <a:rPr lang="en-US" dirty="0" smtClean="0"/>
+              <a:t>Network Diagram</a:t>
+            </a:r>
+            <a:endParaRPr lang="en-US" dirty="0"/>
+          </a:p>
+          <a:p>
+            <a:r>
+              <a:rPr lang="en-US" dirty="0" smtClean="0"/>
+              <a:t>6.1  Software Quality Analysis</a:t>
+            </a:r>
+          </a:p>
+          <a:p>
+            <a:r>
               <a:rPr lang="en-US" dirty="0"/>
               <a:t>Document merging and formatting </a:t>
             </a:r>
           </a:p>
           <a:p>
-            <a:r>
-              <a:rPr lang="en-US" dirty="0"/>
-              <a:t>1.3 Functional Decomposition (add in before and after )</a:t>
-            </a:r>
-          </a:p>
-          <a:p>
-            <a:r>
-              <a:rPr lang="en-US" dirty="0"/>
-              <a:t>2.3 Estimation Techniques Applied and Results</a:t>
-            </a:r>
-          </a:p>
-          <a:p>
-            <a:r>
-              <a:rPr lang="en-US" dirty="0"/>
-              <a:t>2.4 Reconciled Estimate</a:t>
-            </a:r>
-          </a:p>
-          <a:p>
-            <a:r>
-              <a:rPr lang="en-US" dirty="0"/>
-              <a:t>4.2 Task network diagram</a:t>
-            </a:r>
-          </a:p>
-          <a:p>
-            <a:r>
-              <a:rPr lang="en-US" dirty="0"/>
-              <a:t>Risk management</a:t>
-            </a:r>
-          </a:p>
-          <a:p>
-            <a:r>
-              <a:rPr lang="en-US" dirty="0"/>
-              <a:t>SQA</a:t>
-            </a:r>
+            <a:pPr marL="45720" indent="0">
+              <a:buNone/>
+            </a:pPr>
+            <a:endParaRPr lang="en-US" dirty="0"/>
           </a:p>
         </p:txBody>
       </p:sp>
@@ -10359,29 +11408,49 @@
             <a:pPr marL="342900" indent="-342900"/>
             <a:r>
               <a:rPr lang="en-US" dirty="0"/>
-              <a:t>Checking Slack once a day</a:t>
-            </a:r>
+              <a:t>Checking Slack </a:t>
+            </a:r>
+            <a:r>
+              <a:rPr lang="en-US" dirty="0" smtClean="0"/>
+              <a:t>once per day</a:t>
+            </a:r>
+            <a:endParaRPr lang="en-US" dirty="0"/>
           </a:p>
           <a:p>
             <a:pPr marL="342900" indent="-342900"/>
             <a:r>
               <a:rPr lang="en-US" dirty="0"/>
-              <a:t>Establish meeting dates: Recurring in-person meetings on Sundays</a:t>
-            </a:r>
+              <a:t>Establish </a:t>
+            </a:r>
+            <a:r>
+              <a:rPr lang="en-US" dirty="0" smtClean="0"/>
+              <a:t>meetings</a:t>
+            </a:r>
+            <a:endParaRPr lang="en-US" dirty="0"/>
           </a:p>
           <a:p>
             <a:pPr marL="342900" indent="-342900"/>
             <a:r>
               <a:rPr lang="en-US" dirty="0"/>
-              <a:t>General Availability Doc</a:t>
-            </a:r>
+              <a:t>General Availability </a:t>
+            </a:r>
+            <a:r>
+              <a:rPr lang="en-US" dirty="0" smtClean="0"/>
+              <a:t>Doc</a:t>
+            </a:r>
+            <a:endParaRPr lang="en-US" dirty="0"/>
           </a:p>
           <a:p>
             <a:pPr marL="342900" indent="-342900"/>
             <a:r>
               <a:rPr lang="en-US" dirty="0"/>
-              <a:t>Exceptions Calendar</a:t>
-            </a:r>
+              <a:t>Exceptions </a:t>
+            </a:r>
+            <a:r>
+              <a:rPr lang="en-US" dirty="0" smtClean="0"/>
+              <a:t>Calendar</a:t>
+            </a:r>
+            <a:endParaRPr lang="en-US" dirty="0"/>
           </a:p>
         </p:txBody>
       </p:sp>
@@ -10452,9 +11521,6 @@
           <a:bodyPr/>
           <a:lstStyle/>
           <a:p>
-            <a:pPr marL="45720" indent="0">
-              <a:buNone/>
-            </a:pPr>
             <a:r>
               <a:rPr lang="en-US" b="1" u="sng" dirty="0"/>
               <a:t>Slack: </a:t>
@@ -10463,62 +11529,47 @@
           <a:p>
             <a:pPr lvl="1"/>
             <a:r>
+              <a:rPr lang="en-US" dirty="0" smtClean="0"/>
+              <a:t>Notifications</a:t>
+            </a:r>
+            <a:endParaRPr lang="en-US" dirty="0"/>
+          </a:p>
+          <a:p>
+            <a:pPr lvl="1"/>
+            <a:r>
+              <a:rPr lang="en-US" dirty="0" err="1"/>
+              <a:t>Meeting_minutes</a:t>
+            </a:r>
+            <a:r>
               <a:rPr lang="en-US" dirty="0"/>
-              <a:t>Notify team members of changes to the repository through Slack. </a:t>
+              <a:t> </a:t>
+            </a:r>
+            <a:r>
+              <a:rPr lang="en-US" dirty="0" smtClean="0"/>
+              <a:t>channel</a:t>
+            </a:r>
+            <a:endParaRPr lang="en-US" u="sng" dirty="0"/>
+          </a:p>
+          <a:p>
+            <a:r>
+              <a:rPr lang="en-US" b="1" u="sng" dirty="0" smtClean="0"/>
+              <a:t>GitHub:</a:t>
             </a:r>
           </a:p>
           <a:p>
             <a:pPr lvl="1"/>
             <a:r>
-              <a:rPr lang="en-US" b="1" dirty="0" err="1"/>
-              <a:t>Meeting_minutes</a:t>
-            </a:r>
-            <a:r>
-              <a:rPr lang="en-US" b="1" dirty="0"/>
-              <a:t> channel: </a:t>
-            </a:r>
-            <a:r>
-              <a:rPr lang="en-US" dirty="0"/>
-              <a:t>Any changes discussed during in person meetings will be transcribed into </a:t>
-            </a:r>
-            <a:r>
-              <a:rPr lang="en-US" dirty="0" err="1"/>
-              <a:t>meeting_minutes</a:t>
-            </a:r>
-            <a:r>
-              <a:rPr lang="en-US" dirty="0"/>
-              <a:t> and posted onto Slack.</a:t>
-            </a:r>
-          </a:p>
-          <a:p>
-            <a:pPr marL="45720" indent="0">
-              <a:buNone/>
-            </a:pPr>
-            <a:r>
-              <a:rPr lang="en-US" b="1" u="sng" dirty="0"/>
-              <a:t>GitHub:</a:t>
-            </a:r>
-          </a:p>
-          <a:p>
-            <a:r>
-              <a:rPr lang="en-US" b="1" dirty="0"/>
-              <a:t>Source code: </a:t>
-            </a:r>
-            <a:r>
-              <a:rPr lang="en-US" dirty="0"/>
-              <a:t>Will require one administrator review from either Cindy or Erik in order to commit to the master branch. </a:t>
-            </a:r>
-          </a:p>
-          <a:p>
-            <a:r>
-              <a:rPr lang="en-US" b="1" dirty="0"/>
-              <a:t>Non-source code(documents): </a:t>
-            </a:r>
-            <a:r>
-              <a:rPr lang="en-US" dirty="0"/>
-              <a:t>Non-source code files will be located on the master branch and will not require review from administrator during part 1 of the SPMP.</a:t>
-            </a:r>
-            <a:endParaRPr lang="en-US" b="1" dirty="0"/>
+              <a:rPr lang="en-US" dirty="0" smtClean="0"/>
+              <a:t>Source code</a:t>
+            </a:r>
+          </a:p>
+          <a:p>
+            <a:pPr lvl="1"/>
+            <a:r>
+              <a:rPr lang="en-US" dirty="0" smtClean="0"/>
+              <a:t>Other artifacts</a:t>
+            </a:r>
+            <a:endParaRPr lang="en-US" dirty="0"/>
           </a:p>
         </p:txBody>
       </p:sp>
@@ -10754,33 +11805,46 @@
           <a:lstStyle/>
           <a:p>
             <a:r>
+              <a:rPr lang="en-US" dirty="0" smtClean="0"/>
+              <a:t>SPMP formatting and style</a:t>
+            </a:r>
+            <a:endParaRPr lang="en-US" dirty="0"/>
+          </a:p>
+          <a:p>
+            <a:r>
+              <a:rPr lang="en-US" dirty="0" smtClean="0"/>
+              <a:t>Artifact review method</a:t>
+            </a:r>
+            <a:endParaRPr lang="en-US" dirty="0"/>
+          </a:p>
+          <a:p>
+            <a:r>
+              <a:rPr lang="en-US" dirty="0" err="1" smtClean="0"/>
+              <a:t>Wrike</a:t>
+            </a:r>
+            <a:r>
+              <a:rPr lang="en-US" dirty="0" smtClean="0"/>
+              <a:t> under-utilized</a:t>
+            </a:r>
+            <a:endParaRPr lang="en-US" dirty="0"/>
+          </a:p>
+          <a:p>
+            <a:r>
+              <a:rPr lang="en-US" dirty="0" smtClean="0"/>
+              <a:t>Dependencies not established early </a:t>
+            </a:r>
+            <a:endParaRPr lang="en-US" dirty="0"/>
+          </a:p>
+          <a:p>
+            <a:r>
               <a:rPr lang="en-US" dirty="0"/>
-              <a:t>Documentation and Formatting Method of SPMP</a:t>
-            </a:r>
-          </a:p>
-          <a:p>
-            <a:r>
-              <a:rPr lang="en-US" dirty="0"/>
-              <a:t>Reviewing method</a:t>
-            </a:r>
-          </a:p>
-          <a:p>
-            <a:r>
-              <a:rPr lang="en-US" dirty="0"/>
-              <a:t>Wrike </a:t>
-            </a:r>
-          </a:p>
-          <a:p>
-            <a:r>
-              <a:rPr lang="en-US" dirty="0"/>
-              <a:t>Assigning tasks without checking dependences </a:t>
-            </a:r>
-          </a:p>
-          <a:p>
-            <a:r>
-              <a:rPr lang="en-US" dirty="0"/>
-              <a:t>Communication with Project Managers</a:t>
-            </a:r>
+              <a:t>Communication with </a:t>
+            </a:r>
+            <a:r>
+              <a:rPr lang="en-US" dirty="0" smtClean="0"/>
+              <a:t>PMs</a:t>
+            </a:r>
+            <a:endParaRPr lang="en-US" dirty="0"/>
           </a:p>
           <a:p>
             <a:endParaRPr lang="en-US" dirty="0"/>
@@ -10855,33 +11919,49 @@
           <a:lstStyle/>
           <a:p>
             <a:r>
+              <a:rPr lang="en-US" dirty="0" smtClean="0"/>
+              <a:t>Artifact format standards</a:t>
+            </a:r>
+            <a:endParaRPr lang="en-US" dirty="0"/>
+          </a:p>
+          <a:p>
+            <a:r>
+              <a:rPr lang="en-US" dirty="0" smtClean="0"/>
+              <a:t>Establish artifact </a:t>
+            </a:r>
+            <a:r>
               <a:rPr lang="en-US" dirty="0"/>
-              <a:t>Documentation method</a:t>
-            </a:r>
-          </a:p>
-          <a:p>
-            <a:r>
-              <a:rPr lang="en-US" dirty="0"/>
-              <a:t>Organize Repository </a:t>
-            </a:r>
-          </a:p>
-          <a:p>
-            <a:r>
-              <a:rPr lang="en-US" dirty="0"/>
-              <a:t>Review method</a:t>
-            </a:r>
-          </a:p>
-          <a:p>
-            <a:r>
-              <a:rPr lang="en-US" dirty="0"/>
-              <a:t>Communication with Project Managers</a:t>
-            </a:r>
-          </a:p>
-          <a:p>
-            <a:r>
-              <a:rPr lang="en-US" dirty="0"/>
-              <a:t>Utilize Wrike more</a:t>
-            </a:r>
+              <a:t>review method</a:t>
+            </a:r>
+          </a:p>
+          <a:p>
+            <a:r>
+              <a:rPr lang="en-US" dirty="0" smtClean="0"/>
+              <a:t>Use </a:t>
+            </a:r>
+            <a:r>
+              <a:rPr lang="en-US" dirty="0" err="1" smtClean="0"/>
+              <a:t>Wrike</a:t>
+            </a:r>
+            <a:r>
+              <a:rPr lang="en-US" dirty="0" smtClean="0"/>
+              <a:t> more</a:t>
+            </a:r>
+            <a:endParaRPr lang="en-US" dirty="0"/>
+          </a:p>
+          <a:p>
+            <a:r>
+              <a:rPr lang="en-US" dirty="0" smtClean="0"/>
+              <a:t>Reorganize repository</a:t>
+            </a:r>
+            <a:endParaRPr lang="en-US" dirty="0"/>
+          </a:p>
+          <a:p>
+            <a:r>
+              <a:rPr lang="en-US" dirty="0" smtClean="0"/>
+              <a:t>Formalize PM communication</a:t>
+            </a:r>
+            <a:endParaRPr lang="en-US" dirty="0"/>
           </a:p>
         </p:txBody>
       </p:sp>
@@ -10927,12 +12007,18 @@
         </p:nvSpPr>
         <p:spPr/>
         <p:txBody>
-          <a:bodyPr/>
+          <a:bodyPr>
+            <a:normAutofit fontScale="90000"/>
+          </a:bodyPr>
           <a:lstStyle/>
           <a:p>
             <a:r>
+              <a:rPr lang="en-US" dirty="0" smtClean="0"/>
+              <a:t>What would we do differently from Part 1?</a:t>
+            </a:r>
+            <a:r>
               <a:rPr lang="en-US" dirty="0"/>
-              <a:t>Do differently than in Part 1</a:t>
+              <a:t/>
             </a:r>
             <a:br>
               <a:rPr lang="en-US" dirty="0"/>
@@ -10956,45 +12042,42 @@
           <a:bodyPr/>
           <a:lstStyle/>
           <a:p>
-            <a:pPr marL="45720" indent="0">
-              <a:buNone/>
-            </a:pPr>
             <a:r>
               <a:rPr lang="en-US" dirty="0"/>
-              <a:t>Assign tasks quicker</a:t>
-            </a:r>
-          </a:p>
-          <a:p>
-            <a:pPr marL="45720" indent="0">
-              <a:buNone/>
-            </a:pPr>
+              <a:t>Assign tasks </a:t>
+            </a:r>
+            <a:r>
+              <a:rPr lang="en-US" dirty="0" smtClean="0"/>
+              <a:t>more quickly</a:t>
+            </a:r>
+            <a:endParaRPr lang="en-US" dirty="0"/>
+          </a:p>
+          <a:p>
+            <a:r>
+              <a:rPr lang="en-US" dirty="0" smtClean="0"/>
+              <a:t>Establish dependencies earlier</a:t>
+            </a:r>
+            <a:endParaRPr lang="en-US" dirty="0"/>
+          </a:p>
+          <a:p>
+            <a:r>
+              <a:rPr lang="en-US" dirty="0" smtClean="0"/>
+              <a:t>Review artifacts/tasks with PMs earlier</a:t>
+            </a:r>
+            <a:endParaRPr lang="en-US" dirty="0"/>
+          </a:p>
+          <a:p>
             <a:r>
               <a:rPr lang="en-US" dirty="0"/>
-              <a:t>Call out dependencies early on</a:t>
-            </a:r>
-          </a:p>
-          <a:p>
-            <a:pPr marL="45720" indent="0">
-              <a:buNone/>
-            </a:pPr>
-            <a:r>
-              <a:rPr lang="en-US" dirty="0"/>
-              <a:t>Have more time to review stuff</a:t>
-            </a:r>
-          </a:p>
-          <a:p>
-            <a:pPr marL="45720" indent="0">
-              <a:buNone/>
-            </a:pPr>
-            <a:r>
-              <a:rPr lang="en-US" dirty="0"/>
-              <a:t>Establish communication with Project Managers. </a:t>
-            </a:r>
-          </a:p>
-          <a:p>
-            <a:pPr marL="45720" indent="0">
-              <a:buNone/>
-            </a:pPr>
+              <a:t>Establish </a:t>
+            </a:r>
+            <a:r>
+              <a:rPr lang="en-US" dirty="0" smtClean="0"/>
+              <a:t>formal communication process with PMs</a:t>
+            </a:r>
+            <a:endParaRPr lang="en-US" dirty="0"/>
+          </a:p>
+          <a:p>
             <a:r>
               <a:rPr lang="en-US" dirty="0"/>
               <a:t>Formatting </a:t>
@@ -11116,7 +12199,7 @@
               </a:buClr>
             </a:pPr>
             <a:r>
-              <a:rPr lang="en-US" sz="3800" dirty="0"/>
+              <a:rPr lang="en-US" sz="3800" dirty="0" smtClean="0"/>
               <a:t>Language of choice: C++ </a:t>
             </a:r>
           </a:p>
@@ -11127,16 +12210,8 @@
               </a:buClr>
             </a:pPr>
             <a:r>
-              <a:rPr lang="en-US" sz="3800" dirty="0"/>
-              <a:t>Other languages: VBScript, Bash, Windows Batch, </a:t>
-            </a:r>
-            <a:r>
-              <a:rPr lang="en-US" sz="3800" dirty="0" err="1"/>
-              <a:t>Javascript</a:t>
-            </a:r>
-            <a:r>
-              <a:rPr lang="en-US" sz="3800" dirty="0"/>
-              <a:t>, C#</a:t>
+              <a:rPr lang="en-US" sz="3800" dirty="0" smtClean="0"/>
+              <a:t>Other languages: VBScript, BASH, Windows Batch, JavaScript, C#</a:t>
             </a:r>
           </a:p>
           <a:p>
@@ -11146,7 +12221,7 @@
               </a:buClr>
             </a:pPr>
             <a:r>
-              <a:rPr lang="en-US" sz="3800" dirty="0"/>
+              <a:rPr lang="en-US" sz="3800" dirty="0" smtClean="0"/>
               <a:t>Strengths: Project management experience, CS research experience, detail-oriented.</a:t>
             </a:r>
           </a:p>
@@ -11157,12 +12232,16 @@
               </a:buClr>
             </a:pPr>
             <a:r>
-              <a:rPr lang="en-US" sz="3800" dirty="0" err="1"/>
+              <a:rPr lang="en-US" sz="3800" dirty="0" err="1" smtClean="0"/>
               <a:t>Durwin</a:t>
             </a:r>
             <a:r>
+              <a:rPr lang="en-US" sz="3800" dirty="0" smtClean="0"/>
+              <a:t> </a:t>
+            </a:r>
+            <a:r>
               <a:rPr lang="en-US" sz="3800" dirty="0"/>
-              <a:t> Johnson</a:t>
+              <a:t>Johnson</a:t>
             </a:r>
           </a:p>
           <a:p>
@@ -11172,7 +12251,7 @@
               </a:buClr>
             </a:pPr>
             <a:r>
-              <a:rPr lang="en-US" sz="3800" dirty="0"/>
+              <a:rPr lang="en-US" sz="3800" dirty="0" smtClean="0"/>
               <a:t>Language of choice: C++</a:t>
             </a:r>
           </a:p>
@@ -11183,7 +12262,7 @@
               </a:buClr>
             </a:pPr>
             <a:r>
-              <a:rPr lang="en-US" sz="3800" dirty="0"/>
+              <a:rPr lang="en-US" sz="3800" dirty="0" smtClean="0"/>
               <a:t>Other languages:  lesser degrees of c#, visual basic, and Java</a:t>
             </a:r>
           </a:p>
@@ -11194,7 +12273,7 @@
               </a:buClr>
             </a:pPr>
             <a:r>
-              <a:rPr lang="en-US" sz="3800" dirty="0"/>
+              <a:rPr lang="en-US" sz="3800" dirty="0" smtClean="0"/>
               <a:t>Strengths: Detail-oriented, planning, problem solver.</a:t>
             </a:r>
           </a:p>
@@ -11205,8 +12284,12 @@
               </a:buClr>
             </a:pPr>
             <a:r>
+              <a:rPr lang="en-US" sz="3800" dirty="0" smtClean="0"/>
+              <a:t>Alex </a:t>
+            </a:r>
+            <a:r>
               <a:rPr lang="en-US" sz="3800" dirty="0"/>
-              <a:t>Alex Pope </a:t>
+              <a:t>Pope </a:t>
             </a:r>
           </a:p>
           <a:p>
@@ -11431,8 +12514,26 @@
             </a:pPr>
             <a:r>
               <a:rPr lang="en-US" dirty="0"/>
-              <a:t>• Programming Languages: JavaScript, C++ , Python,  Java</a:t>
-            </a:r>
+              <a:t>• Programming Languages: JavaScript, C++ , Python,  </a:t>
+            </a:r>
+            <a:r>
+              <a:rPr lang="en-US" dirty="0" smtClean="0"/>
+              <a:t>Java</a:t>
+            </a:r>
+          </a:p>
+          <a:p>
+            <a:pPr lvl="1"/>
+            <a:r>
+              <a:rPr lang="en-US" dirty="0" smtClean="0"/>
+              <a:t>Currently does web development</a:t>
+            </a:r>
+          </a:p>
+          <a:p>
+            <a:pPr lvl="1"/>
+            <a:endParaRPr lang="en-US" sz="2000" dirty="0" smtClean="0"/>
+          </a:p>
+          <a:p>
+            <a:pPr lvl="1"/>
             <a:endParaRPr lang="en-US" sz="2000" dirty="0"/>
           </a:p>
         </p:txBody>
@@ -11675,7 +12776,7 @@
           <p:nvPr>
             <p:extLst>
               <p:ext uri="{D42A27DB-BD31-4B8C-83A1-F6EECF244321}">
-                <p14:modId xmlns:p14="http://schemas.microsoft.com/office/powerpoint/2010/main" val="3090152501"/>
+                <p14:modId xmlns:p14="http://schemas.microsoft.com/office/powerpoint/2010/main" val="1550022465"/>
               </p:ext>
             </p:extLst>
           </p:nvPr>
@@ -11694,21 +12795,21 @@
                 <a:gridCol w="4063296">
                   <a:extLst>
                     <a:ext uri="{9D8B030D-6E8A-4147-A177-3AD203B41FA5}">
-                      <a16:colId xmlns:a16="http://schemas.microsoft.com/office/drawing/2014/main" val="1152663379"/>
+                      <a16:colId xmlns:a16="http://schemas.microsoft.com/office/drawing/2014/main" xmlns="" val="1152663379"/>
                     </a:ext>
                   </a:extLst>
                 </a:gridCol>
                 <a:gridCol w="4063296">
                   <a:extLst>
                     <a:ext uri="{9D8B030D-6E8A-4147-A177-3AD203B41FA5}">
-                      <a16:colId xmlns:a16="http://schemas.microsoft.com/office/drawing/2014/main" val="4093988358"/>
+                      <a16:colId xmlns:a16="http://schemas.microsoft.com/office/drawing/2014/main" xmlns="" val="4093988358"/>
                     </a:ext>
                   </a:extLst>
                 </a:gridCol>
                 <a:gridCol w="4063296">
                   <a:extLst>
                     <a:ext uri="{9D8B030D-6E8A-4147-A177-3AD203B41FA5}">
-                      <a16:colId xmlns:a16="http://schemas.microsoft.com/office/drawing/2014/main" val="3060563141"/>
+                      <a16:colId xmlns:a16="http://schemas.microsoft.com/office/drawing/2014/main" xmlns="" val="3060563141"/>
                     </a:ext>
                   </a:extLst>
                 </a:gridCol>
@@ -11780,7 +12881,7 @@
                 </a:tc>
                 <a:extLst>
                   <a:ext uri="{0D108BD9-81ED-4DB2-BD59-A6C34878D82A}">
-                    <a16:rowId xmlns:a16="http://schemas.microsoft.com/office/drawing/2014/main" val="915339384"/>
+                    <a16:rowId xmlns:a16="http://schemas.microsoft.com/office/drawing/2014/main" xmlns="" val="915339384"/>
                   </a:ext>
                 </a:extLst>
               </a:tr>
@@ -11842,7 +12943,51 @@
                             <a:schemeClr val="tx1"/>
                           </a:solidFill>
                         </a:rPr>
-                        <a:t> development team’s tasks.</a:t>
+                        <a:t> development team’s </a:t>
+                      </a:r>
+                      <a:r>
+                        <a:rPr lang="en-US" sz="1600" baseline="0" dirty="0" smtClean="0">
+                          <a:solidFill>
+                            <a:schemeClr val="tx1"/>
+                          </a:solidFill>
+                        </a:rPr>
+                        <a:t>tasks</a:t>
+                      </a:r>
+                    </a:p>
+                    <a:p>
+                      <a:pPr marL="285750" indent="-285750">
+                        <a:buFont typeface="Arial" panose="020B0604020202020204" pitchFamily="34" charset="0"/>
+                        <a:buChar char="•"/>
+                      </a:pPr>
+                      <a:r>
+                        <a:rPr lang="en-US" sz="1600" baseline="0" dirty="0" smtClean="0">
+                          <a:solidFill>
+                            <a:schemeClr val="tx1"/>
+                          </a:solidFill>
+                        </a:rPr>
+                        <a:t>Transcribing meeting minutes</a:t>
+                      </a:r>
+                    </a:p>
+                    <a:p>
+                      <a:pPr marL="285750" indent="-285750">
+                        <a:buFont typeface="Arial" panose="020B0604020202020204" pitchFamily="34" charset="0"/>
+                        <a:buChar char="•"/>
+                      </a:pPr>
+                      <a:r>
+                        <a:rPr lang="en-US" sz="1600" baseline="0" dirty="0" smtClean="0">
+                          <a:solidFill>
+                            <a:schemeClr val="tx1"/>
+                          </a:solidFill>
+                        </a:rPr>
+                        <a:t>Submitting </a:t>
+                      </a:r>
+                      <a:r>
+                        <a:rPr lang="en-US" sz="1600" baseline="0" dirty="0">
+                          <a:solidFill>
+                            <a:schemeClr val="tx1"/>
+                          </a:solidFill>
+                        </a:rPr>
+                        <a:t>Progress report to customer and Project Managers</a:t>
                       </a:r>
                     </a:p>
                     <a:p>
@@ -11856,43 +13001,28 @@
                             <a:schemeClr val="tx1"/>
                           </a:solidFill>
                         </a:rPr>
-                        <a:t>Transcribing meeting minutes.</a:t>
+                        <a:t>Team signoffs on </a:t>
                       </a:r>
-                    </a:p>
-                    <a:p>
-                      <a:pPr marL="285750" indent="-285750">
-                        <a:buFont typeface="Arial" panose="020B0604020202020204" pitchFamily="34" charset="0"/>
-                        <a:buChar char="•"/>
-                      </a:pPr>
                       <a:r>
-                        <a:rPr lang="en-US" sz="1600" baseline="0" dirty="0">
+                        <a:rPr lang="en-US" sz="1600" baseline="0" dirty="0" smtClean="0">
                           <a:solidFill>
                             <a:schemeClr val="tx1"/>
                           </a:solidFill>
                         </a:rPr>
-                        <a:t>Submitting Progress report to customer and Project Managers</a:t>
+                        <a:t>artifacts</a:t>
                       </a:r>
-                    </a:p>
-                    <a:p>
-                      <a:pPr marL="285750" indent="-285750">
-                        <a:buFont typeface="Arial" panose="020B0604020202020204" pitchFamily="34" charset="0"/>
-                        <a:buChar char="•"/>
-                      </a:pPr>
-                      <a:r>
-                        <a:rPr lang="en-US" sz="1600" baseline="0" dirty="0">
-                          <a:solidFill>
-                            <a:schemeClr val="tx1"/>
-                          </a:solidFill>
-                        </a:rPr>
-                        <a:t>Team signoffs on artifacts.</a:t>
-                      </a:r>
+                      <a:endParaRPr lang="en-US" sz="1600" baseline="0" dirty="0">
+                        <a:solidFill>
+                          <a:schemeClr val="tx1"/>
+                        </a:solidFill>
+                      </a:endParaRPr>
                     </a:p>
                   </a:txBody>
                   <a:tcPr/>
                 </a:tc>
                 <a:extLst>
                   <a:ext uri="{0D108BD9-81ED-4DB2-BD59-A6C34878D82A}">
-                    <a16:rowId xmlns:a16="http://schemas.microsoft.com/office/drawing/2014/main" val="818094390"/>
+                    <a16:rowId xmlns:a16="http://schemas.microsoft.com/office/drawing/2014/main" xmlns="" val="818094390"/>
                   </a:ext>
                 </a:extLst>
               </a:tr>
@@ -12033,7 +13163,7 @@
                 </a:tc>
                 <a:extLst>
                   <a:ext uri="{0D108BD9-81ED-4DB2-BD59-A6C34878D82A}">
-                    <a16:rowId xmlns:a16="http://schemas.microsoft.com/office/drawing/2014/main" val="3081298328"/>
+                    <a16:rowId xmlns:a16="http://schemas.microsoft.com/office/drawing/2014/main" xmlns="" val="3081298328"/>
                   </a:ext>
                 </a:extLst>
               </a:tr>
@@ -12124,7 +13254,7 @@
                 </a:tc>
                 <a:extLst>
                   <a:ext uri="{0D108BD9-81ED-4DB2-BD59-A6C34878D82A}">
-                    <a16:rowId xmlns:a16="http://schemas.microsoft.com/office/drawing/2014/main" val="2889210439"/>
+                    <a16:rowId xmlns:a16="http://schemas.microsoft.com/office/drawing/2014/main" xmlns="" val="2889210439"/>
                   </a:ext>
                 </a:extLst>
               </a:tr>
@@ -12207,7 +13337,7 @@
                 </a:tc>
                 <a:extLst>
                   <a:ext uri="{0D108BD9-81ED-4DB2-BD59-A6C34878D82A}">
-                    <a16:rowId xmlns:a16="http://schemas.microsoft.com/office/drawing/2014/main" val="594971708"/>
+                    <a16:rowId xmlns:a16="http://schemas.microsoft.com/office/drawing/2014/main" xmlns="" val="594971708"/>
                   </a:ext>
                 </a:extLst>
               </a:tr>
@@ -12334,7 +13464,15 @@
                             <a:schemeClr val="tx1"/>
                           </a:solidFill>
                         </a:rPr>
-                        <a:t>Provide guidance and recommendations with all aspects of project.</a:t>
+                        <a:t>Provide guidance and recommendations with all aspects of </a:t>
+                      </a:r>
+                      <a:r>
+                        <a:rPr lang="en-US" sz="1600" baseline="0" dirty="0" smtClean="0">
+                          <a:solidFill>
+                            <a:schemeClr val="tx1"/>
+                          </a:solidFill>
+                        </a:rPr>
+                        <a:t>project</a:t>
                       </a:r>
                       <a:endParaRPr lang="en-US" sz="1600" dirty="0">
                         <a:solidFill>
@@ -12347,7 +13485,7 @@
                 </a:tc>
                 <a:extLst>
                   <a:ext uri="{0D108BD9-81ED-4DB2-BD59-A6C34878D82A}">
-                    <a16:rowId xmlns:a16="http://schemas.microsoft.com/office/drawing/2014/main" val="2512481468"/>
+                    <a16:rowId xmlns:a16="http://schemas.microsoft.com/office/drawing/2014/main" xmlns="" val="2512481468"/>
                   </a:ext>
                 </a:extLst>
               </a:tr>
@@ -12439,7 +13577,7 @@
                 </a:tc>
                 <a:extLst>
                   <a:ext uri="{0D108BD9-81ED-4DB2-BD59-A6C34878D82A}">
-                    <a16:rowId xmlns:a16="http://schemas.microsoft.com/office/drawing/2014/main" val="100471134"/>
+                    <a16:rowId xmlns:a16="http://schemas.microsoft.com/office/drawing/2014/main" xmlns="" val="100471134"/>
                   </a:ext>
                 </a:extLst>
               </a:tr>
@@ -12526,9 +13664,18 @@
           </a:p>
           <a:p>
             <a:r>
-              <a:rPr lang="en-US" dirty="0"/>
-              <a:t>Frequently out of stock or over stock of an item, have system order more or less, respectively, than the default upon reorder.</a:t>
-            </a:r>
+              <a:rPr lang="en-US" dirty="0" smtClean="0"/>
+              <a:t>Dynamic item reorder quantity adjustment (</a:t>
+            </a:r>
+            <a:r>
+              <a:rPr lang="en-US" dirty="0" err="1" smtClean="0"/>
+              <a:t>AccuStock</a:t>
+            </a:r>
+            <a:r>
+              <a:rPr lang="en-US" dirty="0" smtClean="0"/>
+              <a:t>)</a:t>
+            </a:r>
+            <a:endParaRPr lang="en-US" dirty="0"/>
           </a:p>
           <a:p>
             <a:pPr marL="45720" indent="0">
@@ -12541,26 +13688,46 @@
           </a:p>
           <a:p>
             <a:r>
+              <a:rPr lang="en-US" dirty="0" smtClean="0"/>
+              <a:t>Company-wide sales discount (per-item) – </a:t>
+            </a:r>
+            <a:r>
               <a:rPr lang="en-US" dirty="0"/>
-              <a:t>A company-wide sale on a particular item – Alex Pope</a:t>
+              <a:t>Alex Pope</a:t>
             </a:r>
           </a:p>
           <a:p>
             <a:r>
               <a:rPr lang="en-US" dirty="0"/>
-              <a:t>Coupled (related) items  - Erik Johnson </a:t>
-            </a:r>
-          </a:p>
-          <a:p>
+              <a:t>Coupled </a:t>
+            </a:r>
+            <a:r>
+              <a:rPr lang="en-US" dirty="0" smtClean="0"/>
+              <a:t>items  </a:t>
+            </a:r>
             <a:r>
               <a:rPr lang="en-US" dirty="0"/>
-              <a:t>Customer eligibility for refilled on other prescriptions based off refill date. –Cindy Samano</a:t>
-            </a:r>
-          </a:p>
-          <a:p>
+              <a:t>- Erik Johnson </a:t>
+            </a:r>
+          </a:p>
+          <a:p>
+            <a:r>
+              <a:rPr lang="en-US" dirty="0" smtClean="0"/>
+              <a:t>Customer refill eligibility </a:t>
+            </a:r>
             <a:r>
               <a:rPr lang="en-US" dirty="0"/>
-              <a:t>Customer coupons that provide a discount (whole order)– </a:t>
+              <a:t>–Cindy Samano</a:t>
+            </a:r>
+          </a:p>
+          <a:p>
+            <a:r>
+              <a:rPr lang="en-US" dirty="0"/>
+              <a:t>Customer </a:t>
+            </a:r>
+            <a:r>
+              <a:rPr lang="en-US" dirty="0" smtClean="0"/>
+              <a:t>coupons – </a:t>
             </a:r>
             <a:r>
               <a:rPr lang="en-US" dirty="0" err="1"/>
@@ -12642,26 +13809,46 @@
           <a:p>
             <a:r>
               <a:rPr lang="en-US" dirty="0"/>
-              <a:t>Programming language: C++</a:t>
-            </a:r>
-          </a:p>
-          <a:p>
+              <a:t>Programming </a:t>
+            </a:r>
+            <a:r>
+              <a:rPr lang="en-US" dirty="0" smtClean="0"/>
+              <a:t>language: C++</a:t>
+            </a:r>
+            <a:endParaRPr lang="en-US" dirty="0"/>
+          </a:p>
+          <a:p>
+            <a:r>
+              <a:rPr lang="en-US" dirty="0" smtClean="0"/>
+              <a:t>Compiler</a:t>
+            </a:r>
             <a:r>
               <a:rPr lang="en-US" dirty="0"/>
-              <a:t>Complier: Visual Studio </a:t>
-            </a:r>
-          </a:p>
-          <a:p>
-            <a:r>
-              <a:rPr lang="en-US" dirty="0"/>
-              <a:t>The program will use command line interface</a:t>
-            </a:r>
-          </a:p>
-          <a:p>
-            <a:r>
-              <a:rPr lang="en-US" dirty="0"/>
-              <a:t>Will not be using a database, will be using flat-files.</a:t>
-            </a:r>
+              <a:t>: Visual </a:t>
+            </a:r>
+            <a:r>
+              <a:rPr lang="en-US" dirty="0" smtClean="0"/>
+              <a:t>Studio 2015</a:t>
+            </a:r>
+            <a:endParaRPr lang="en-US" dirty="0"/>
+          </a:p>
+          <a:p>
+            <a:r>
+              <a:rPr lang="en-US" dirty="0" smtClean="0"/>
+              <a:t>Program Interface:  Command line</a:t>
+            </a:r>
+            <a:endParaRPr lang="en-US" dirty="0"/>
+          </a:p>
+          <a:p>
+            <a:r>
+              <a:rPr lang="en-US" dirty="0" smtClean="0"/>
+              <a:t>Offline data storage:  </a:t>
+            </a:r>
+            <a:r>
+              <a:rPr lang="en-US" dirty="0" smtClean="0"/>
+              <a:t>Flat Files</a:t>
+            </a:r>
+            <a:endParaRPr lang="en-US" dirty="0"/>
           </a:p>
         </p:txBody>
       </p:sp>
@@ -12718,9 +13905,10 @@
               <a:rPr lang="en-US" dirty="0"/>
             </a:br>
             <a:r>
-              <a:rPr lang="en-US" sz="2800" dirty="0"/>
-              <a:t>Tools used</a:t>
-            </a:r>
+              <a:rPr lang="en-US" sz="2800" dirty="0" smtClean="0"/>
+              <a:t>Tools Used</a:t>
+            </a:r>
+            <a:endParaRPr lang="en-US" sz="2800" dirty="0"/>
           </a:p>
         </p:txBody>
       </p:sp>
@@ -12750,46 +13938,53 @@
           <a:p>
             <a:pPr lvl="1"/>
             <a:r>
+              <a:rPr lang="en-US" dirty="0" smtClean="0"/>
+              <a:t>Slack</a:t>
+            </a:r>
+          </a:p>
+          <a:p>
+            <a:pPr lvl="1"/>
+            <a:r>
+              <a:rPr lang="en-US" dirty="0" smtClean="0"/>
+              <a:t>Google Docs and Google Calendar</a:t>
+            </a:r>
+          </a:p>
+          <a:p>
+            <a:pPr marL="0" indent="0">
+              <a:buNone/>
+            </a:pPr>
+            <a:r>
+              <a:rPr lang="en-US" dirty="0" smtClean="0"/>
+              <a:t>Organization </a:t>
+            </a:r>
+            <a:r>
               <a:rPr lang="en-US" dirty="0"/>
-              <a:t>Slack: Main method of communication between team members.</a:t>
+              <a:t>tools:</a:t>
             </a:r>
           </a:p>
           <a:p>
             <a:pPr lvl="1"/>
             <a:r>
-              <a:rPr lang="en-US" dirty="0"/>
-              <a:t>Google Docs and Google Calendar</a:t>
-            </a:r>
-          </a:p>
-          <a:p>
-            <a:pPr marL="0" indent="0">
-              <a:buNone/>
-            </a:pPr>
-            <a:r>
-              <a:rPr lang="en-US" dirty="0"/>
-              <a:t>Organization tools:</a:t>
-            </a:r>
+              <a:rPr lang="en-US" dirty="0" err="1" smtClean="0"/>
+              <a:t>Wrike</a:t>
+            </a:r>
+            <a:endParaRPr lang="en-US" dirty="0" smtClean="0"/>
           </a:p>
           <a:p>
             <a:pPr lvl="1"/>
             <a:r>
-              <a:rPr lang="en-US" dirty="0"/>
-              <a:t>Wrike Project Management: Used to assign tasks to both team members and Project Managers.</a:t>
-            </a:r>
+              <a:rPr lang="en-US" dirty="0" smtClean="0"/>
+              <a:t>Microsoft Project</a:t>
+            </a:r>
+            <a:endParaRPr lang="en-US" dirty="0"/>
           </a:p>
           <a:p>
             <a:pPr lvl="1"/>
             <a:r>
-              <a:rPr lang="en-US" dirty="0"/>
-              <a:t>Microsoft project: Used to create the network diagram and timeline chart.</a:t>
-            </a:r>
-          </a:p>
-          <a:p>
-            <a:pPr lvl="1"/>
-            <a:r>
-              <a:rPr lang="en-US" dirty="0"/>
-              <a:t>GitHub: Used for versioning of documents.</a:t>
-            </a:r>
+              <a:rPr lang="en-US" dirty="0" smtClean="0"/>
+              <a:t>GitHub</a:t>
+            </a:r>
+            <a:endParaRPr lang="en-US" dirty="0"/>
           </a:p>
           <a:p>
             <a:pPr marL="0" indent="0">
@@ -12803,9 +13998,10 @@
           <a:p>
             <a:pPr lvl="1"/>
             <a:r>
-              <a:rPr lang="en-US" dirty="0"/>
-              <a:t>Toggl: Used to keep track of time on tasks and meetings.</a:t>
-            </a:r>
+              <a:rPr lang="en-US" dirty="0" smtClean="0"/>
+              <a:t>Toggl</a:t>
+            </a:r>
+            <a:endParaRPr lang="en-US" dirty="0"/>
           </a:p>
         </p:txBody>
       </p:sp>
@@ -13053,7 +14249,7 @@
   <a:extraClrSchemeLst/>
   <a:extLst>
     <a:ext uri="{05A4C25C-085E-4340-85A3-A5531E510DB2}">
-      <thm15:themeFamily xmlns:thm15="http://schemas.microsoft.com/office/thememl/2012/main" name="Basis" id="{5665723A-49BA-4B57-8411-A56F8F207965}" vid="{ACC63D00-1EE0-4159-BF5A-6FF02000B710}"/>
+      <thm15:themeFamily xmlns:thm15="http://schemas.microsoft.com/office/thememl/2012/main" xmlns="" name="Basis" id="{5665723A-49BA-4B57-8411-A56F8F207965}" vid="{ACC63D00-1EE0-4159-BF5A-6FF02000B710}"/>
     </a:ext>
   </a:extLst>
 </a:theme>
@@ -13348,7 +14544,7 @@
   <a:extraClrSchemeLst/>
   <a:extLst>
     <a:ext uri="{05A4C25C-085E-4340-85A3-A5531E510DB2}">
-      <thm15:themeFamily xmlns:thm15="http://schemas.microsoft.com/office/thememl/2012/main" name="Office Theme" id="{62F939B6-93AF-4DB8-9C6B-D6C7DFDC589F}" vid="{4A3C46E8-61CC-4603-A589-7422A47A8E4A}"/>
+      <thm15:themeFamily xmlns:thm15="http://schemas.microsoft.com/office/thememl/2012/main" xmlns="" name="Office Theme" id="{62F939B6-93AF-4DB8-9C6B-D6C7DFDC589F}" vid="{4A3C46E8-61CC-4603-A589-7422A47A8E4A}"/>
     </a:ext>
   </a:extLst>
 </a:theme>

--- a/Work_In_Progress/CS/SPMP_Presentation_Erik_Modified.pptx
+++ b/Work_In_Progress/CS/SPMP_Presentation_Erik_Modified.pptx
@@ -131,7 +131,21 @@
   </p:defaultTextStyle>
   <p:extLst>
     <p:ext uri="{EFAFB233-063F-42B5-8137-9DF3F51BA10A}">
-      <p15:sldGuideLst xmlns:p15="http://schemas.microsoft.com/office/powerpoint/2012/main" xmlns=""/>
+      <p15:sldGuideLst xmlns:p15="http://schemas.microsoft.com/office/powerpoint/2012/main">
+        <p15:guide id="1" orient="horz" pos="2160">
+          <p15:clr>
+            <a:srgbClr val="A4A3A4"/>
+          </p15:clr>
+        </p15:guide>
+        <p15:guide id="2" pos="3840">
+          <p15:clr>
+            <a:srgbClr val="A4A3A4"/>
+          </p15:clr>
+        </p15:guide>
+      </p15:sldGuideLst>
+    </p:ext>
+    <p:ext uri="{2D200454-40CA-4A62-9FC3-DE9A4176ACB9}">
+      <p15:notesGuideLst xmlns:p15="http://schemas.microsoft.com/office/powerpoint/2012/main"/>
     </p:ext>
   </p:extLst>
 </p:presentation>
@@ -629,60 +643,56 @@
             </a:r>
             <a:r>
               <a:rPr lang="en-US" baseline="0" dirty="0"/>
-              <a:t> be using throughout the entirety of the project we felt as though we need to justify them</a:t>
-            </a:r>
-            <a:r>
-              <a:rPr lang="en-US" baseline="0" dirty="0" smtClean="0"/>
-              <a:t>:</a:t>
-            </a:r>
-          </a:p>
-          <a:p>
-            <a:r>
-              <a:rPr lang="en-US" b="1" dirty="0" smtClean="0"/>
+              <a:t> be using throughout the entirety of the project we felt as though we need to justify them:</a:t>
+            </a:r>
+          </a:p>
+          <a:p>
+            <a:r>
+              <a:rPr lang="en-US" b="1" dirty="0"/>
               <a:t>Slack</a:t>
             </a:r>
             <a:r>
-              <a:rPr lang="en-US" dirty="0" smtClean="0"/>
+              <a:rPr lang="en-US" dirty="0"/>
               <a:t>:  Free, previous experience, intuitive, better organization than a group text, log all conversation, mobile app </a:t>
             </a:r>
           </a:p>
           <a:p>
             <a:r>
-              <a:rPr lang="en-US" b="1" dirty="0" err="1" smtClean="0"/>
+              <a:rPr lang="en-US" b="1" dirty="0" err="1"/>
               <a:t>Wrike</a:t>
             </a:r>
             <a:r>
-              <a:rPr lang="en-US" dirty="0" smtClean="0"/>
+              <a:rPr lang="en-US" dirty="0"/>
               <a:t>: Free, previous experience, easy to assign tasks, keeps you notified, mobile app</a:t>
             </a:r>
           </a:p>
           <a:p>
             <a:r>
-              <a:rPr lang="en-US" b="1" dirty="0" smtClean="0"/>
+              <a:rPr lang="en-US" b="1" dirty="0"/>
               <a:t>Toggl</a:t>
             </a:r>
             <a:r>
-              <a:rPr lang="en-US" dirty="0" smtClean="0"/>
+              <a:rPr lang="en-US" dirty="0"/>
               <a:t>: Free, previous experience, mobile app, reports(team functionality depends on this), time collection for team.</a:t>
             </a:r>
           </a:p>
           <a:p>
             <a:r>
-              <a:rPr lang="en-US" b="1" dirty="0" smtClean="0"/>
+              <a:rPr lang="en-US" b="1" dirty="0"/>
               <a:t>GitHub</a:t>
             </a:r>
             <a:r>
-              <a:rPr lang="en-US" dirty="0" smtClean="0"/>
+              <a:rPr lang="en-US" dirty="0"/>
               <a:t>: Free, ubiquitous, mature, retention of historical versions of artifacts.</a:t>
             </a:r>
           </a:p>
           <a:p>
             <a:r>
-              <a:rPr lang="en-US" b="1" dirty="0" smtClean="0"/>
+              <a:rPr lang="en-US" b="1" dirty="0"/>
               <a:t>Microsoft Project</a:t>
             </a:r>
             <a:r>
-              <a:rPr lang="en-US" dirty="0" smtClean="0"/>
+              <a:rPr lang="en-US" dirty="0"/>
               <a:t>: Most accessible way to build task network diagram.</a:t>
             </a:r>
           </a:p>
@@ -1502,7 +1512,7 @@
           <a:lstStyle/>
           <a:p>
             <a:r>
-              <a:rPr lang="en-US" sz="1200" b="0" u="none" kern="1200" baseline="0" dirty="0" smtClean="0">
+              <a:rPr lang="en-US" sz="1200" b="0" u="none" kern="1200" baseline="0" dirty="0">
                 <a:solidFill>
                   <a:schemeClr val="tx1"/>
                 </a:solidFill>
@@ -1515,7 +1525,7 @@
             </a:r>
           </a:p>
           <a:p>
-            <a:endParaRPr lang="en-US" sz="1200" b="0" u="none" kern="1200" baseline="0" dirty="0" smtClean="0">
+            <a:endParaRPr lang="en-US" sz="1200" b="0" u="none" kern="1200" baseline="0" dirty="0">
               <a:solidFill>
                 <a:schemeClr val="tx1"/>
               </a:solidFill>
@@ -1527,7 +1537,7 @@
           </a:p>
           <a:p>
             <a:r>
-              <a:rPr lang="en-US" sz="1200" b="0" u="none" kern="1200" baseline="0" dirty="0" smtClean="0">
+              <a:rPr lang="en-US" sz="1200" b="0" u="none" kern="1200" baseline="0" dirty="0">
                 <a:solidFill>
                   <a:schemeClr val="tx1"/>
                 </a:solidFill>
@@ -1538,21 +1548,8 @@
               </a:rPr>
               <a:t>Based on time-tracking in Toggl, and rounding any ‘partial hours’ up to full hours.</a:t>
             </a:r>
-            <a:endParaRPr lang="en-US" sz="1200" b="0" u="none" kern="1200" baseline="0" dirty="0">
-              <a:solidFill>
-                <a:schemeClr val="tx1"/>
-              </a:solidFill>
-              <a:effectLst/>
-              <a:latin typeface="+mn-lt"/>
-              <a:ea typeface="+mn-ea"/>
-              <a:cs typeface="+mn-cs"/>
-            </a:endParaRPr>
-          </a:p>
-          <a:p>
-            <a:r>
-              <a:rPr lang="en-US" dirty="0"/>
-              <a:t/>
-            </a:r>
+          </a:p>
+          <a:p>
             <a:br>
               <a:rPr lang="en-US" dirty="0"/>
             </a:br>
@@ -1649,12 +1646,12 @@
           <a:lstStyle/>
           <a:p>
             <a:r>
-              <a:rPr lang="en-US" dirty="0" smtClean="0"/>
+              <a:rPr lang="en-US" dirty="0"/>
               <a:t>EJ</a:t>
             </a:r>
           </a:p>
           <a:p>
-            <a:endParaRPr lang="en-US" dirty="0" smtClean="0"/>
+            <a:endParaRPr lang="en-US" dirty="0"/>
           </a:p>
           <a:p>
             <a:pPr marL="0" marR="0" indent="0" algn="l" defTabSz="914400" rtl="0" eaLnBrk="1" fontAlgn="auto" latinLnBrk="0" hangingPunct="1">
@@ -1675,11 +1672,11 @@
               <a:defRPr/>
             </a:pPr>
             <a:r>
-              <a:rPr lang="en-US" b="1" dirty="0" smtClean="0"/>
+              <a:rPr lang="en-US" b="1" dirty="0"/>
               <a:t>Why switch? </a:t>
             </a:r>
             <a:r>
-              <a:rPr lang="en-US" dirty="0" smtClean="0"/>
+              <a:rPr lang="en-US" dirty="0"/>
               <a:t>Switch to tasks estimate and tweak it based on findings and calculations based on findings from task one.</a:t>
             </a:r>
           </a:p>
@@ -1702,14 +1699,14 @@
               <a:defRPr/>
             </a:pPr>
             <a:r>
-              <a:rPr lang="en-US" dirty="0" smtClean="0"/>
+              <a:rPr lang="en-US" dirty="0"/>
               <a:t>Original</a:t>
             </a:r>
             <a:r>
-              <a:rPr lang="en-US" baseline="0" dirty="0" smtClean="0"/>
+              <a:rPr lang="en-US" baseline="0" dirty="0"/>
               <a:t> selection was strange heuristic based on average hours spent per day based on person-hours up until today</a:t>
             </a:r>
-            <a:endParaRPr lang="en-US" dirty="0" smtClean="0"/>
+            <a:endParaRPr lang="en-US" dirty="0"/>
           </a:p>
           <a:p>
             <a:pPr marL="628650" marR="0" lvl="1" indent="-171450" algn="l" defTabSz="914400" rtl="0" eaLnBrk="1" fontAlgn="auto" latinLnBrk="0" hangingPunct="1">
@@ -1730,19 +1727,19 @@
               <a:defRPr/>
             </a:pPr>
             <a:r>
-              <a:rPr lang="en-US" dirty="0" smtClean="0"/>
+              <a:rPr lang="en-US" dirty="0"/>
               <a:t>(vs</a:t>
             </a:r>
             <a:r>
-              <a:rPr lang="en-US" baseline="0" dirty="0" smtClean="0"/>
+              <a:rPr lang="en-US" baseline="0" dirty="0"/>
               <a:t> FPE) </a:t>
             </a:r>
             <a:r>
-              <a:rPr lang="en-US" dirty="0" smtClean="0"/>
+              <a:rPr lang="en-US" dirty="0"/>
               <a:t>Closest estimate to actual (function</a:t>
             </a:r>
             <a:r>
-              <a:rPr lang="en-US" baseline="0" dirty="0" smtClean="0"/>
+              <a:rPr lang="en-US" baseline="0" dirty="0"/>
               <a:t> point seems way off)</a:t>
             </a:r>
           </a:p>
@@ -1765,7 +1762,7 @@
               <a:defRPr/>
             </a:pPr>
             <a:r>
-              <a:rPr lang="en-US" baseline="0" dirty="0" smtClean="0"/>
+              <a:rPr lang="en-US" baseline="0" dirty="0"/>
               <a:t>(vs LOC) Able to estimate based on task difficulty vs. just an hours-per-day average, better estimates for individual pieces of project</a:t>
             </a:r>
           </a:p>
@@ -1788,7 +1785,7 @@
               <a:defRPr/>
             </a:pPr>
             <a:r>
-              <a:rPr lang="en-US" baseline="0" dirty="0" smtClean="0"/>
+              <a:rPr lang="en-US" baseline="0" dirty="0"/>
               <a:t>(vs Both) Tasks more adjustable based on new information</a:t>
             </a:r>
           </a:p>
@@ -1875,7 +1872,7 @@
           <a:lstStyle/>
           <a:p>
             <a:r>
-              <a:rPr lang="en-US" sz="1200" b="1" i="0" u="sng" kern="1200" dirty="0" smtClean="0">
+              <a:rPr lang="en-US" sz="1200" b="1" i="0" u="sng" kern="1200" dirty="0">
                 <a:solidFill>
                   <a:schemeClr val="tx1"/>
                 </a:solidFill>
@@ -1888,7 +1885,7 @@
             </a:r>
           </a:p>
           <a:p>
-            <a:endParaRPr lang="en-US" sz="1200" b="0" i="0" u="none" kern="1200" dirty="0" smtClean="0">
+            <a:endParaRPr lang="en-US" sz="1200" b="0" i="0" u="none" kern="1200" dirty="0">
               <a:solidFill>
                 <a:schemeClr val="tx1"/>
               </a:solidFill>
@@ -1900,7 +1897,7 @@
           </a:p>
           <a:p>
             <a:r>
-              <a:rPr lang="en-US" sz="1200" b="1" i="0" u="none" kern="1200" dirty="0" smtClean="0">
+              <a:rPr lang="en-US" sz="1200" b="1" i="0" u="none" kern="1200" dirty="0">
                 <a:solidFill>
                   <a:schemeClr val="tx1"/>
                 </a:solidFill>
@@ -1912,7 +1909,7 @@
               <a:t>LOC</a:t>
             </a:r>
             <a:r>
-              <a:rPr lang="en-US" sz="1200" b="0" i="0" u="none" kern="1200" baseline="0" dirty="0" smtClean="0">
+              <a:rPr lang="en-US" sz="1200" b="0" i="0" u="none" kern="1200" baseline="0" dirty="0">
                 <a:solidFill>
                   <a:schemeClr val="tx1"/>
                 </a:solidFill>
@@ -1926,7 +1923,7 @@
           </a:p>
           <a:p>
             <a:r>
-              <a:rPr lang="en-US" sz="1200" b="1" i="0" u="none" kern="1200" baseline="0" dirty="0" smtClean="0">
+              <a:rPr lang="en-US" sz="1200" b="1" i="0" u="none" kern="1200" baseline="0" dirty="0">
                 <a:solidFill>
                   <a:schemeClr val="tx1"/>
                 </a:solidFill>
@@ -1938,7 +1935,7 @@
               <a:t>FPE</a:t>
             </a:r>
             <a:r>
-              <a:rPr lang="en-US" sz="1200" b="0" i="0" u="none" kern="1200" baseline="0" dirty="0" smtClean="0">
+              <a:rPr lang="en-US" sz="1200" b="0" i="0" u="none" kern="1200" baseline="0" dirty="0">
                 <a:solidFill>
                   <a:schemeClr val="tx1"/>
                 </a:solidFill>
@@ -1952,7 +1949,7 @@
           </a:p>
           <a:p>
             <a:r>
-              <a:rPr lang="en-US" sz="1200" b="1" i="0" u="none" kern="1200" baseline="0" dirty="0" smtClean="0">
+              <a:rPr lang="en-US" sz="1200" b="1" i="0" u="none" kern="1200" baseline="0" dirty="0">
                 <a:solidFill>
                   <a:schemeClr val="tx1"/>
                 </a:solidFill>
@@ -1964,7 +1961,7 @@
               <a:t>Tasks</a:t>
             </a:r>
             <a:r>
-              <a:rPr lang="en-US" sz="1200" b="0" i="0" u="none" kern="1200" baseline="0" dirty="0" smtClean="0">
+              <a:rPr lang="en-US" sz="1200" b="0" i="0" u="none" kern="1200" baseline="0" dirty="0">
                 <a:solidFill>
                   <a:schemeClr val="tx1"/>
                 </a:solidFill>
@@ -2103,11 +2100,7 @@
             </a:r>
             <a:r>
               <a:rPr lang="en-US" b="0" u="none" baseline="0" dirty="0"/>
-              <a:t>Laying out the team skillsets helped to identify exclusions such as using a flat-file system vs a </a:t>
-            </a:r>
-            <a:r>
-              <a:rPr lang="en-US" b="0" u="none" baseline="0" dirty="0" smtClean="0"/>
-              <a:t>database; INCLUSIONS AND EXCLUSIONS.</a:t>
+              <a:t>Laying out the team skillsets helped to identify exclusions such as using a flat-file system vs a database; INCLUSIONS AND EXCLUSIONS.</a:t>
             </a:r>
             <a:endParaRPr lang="en-US" b="1" u="sng" baseline="0" dirty="0"/>
           </a:p>
@@ -2551,11 +2544,7 @@
             </a:pPr>
             <a:r>
               <a:rPr lang="en-US" b="0" u="none" baseline="0" dirty="0"/>
-              <a:t>Deciding on which estimate (LOC, FP, Task) would be the final estimation for how long we think the project would take. Then deciding not to use any of them because we did not feel they where represented of the time we feel it would take</a:t>
-            </a:r>
-            <a:r>
-              <a:rPr lang="en-US" b="0" u="none" baseline="0" dirty="0" smtClean="0"/>
-              <a:t>.</a:t>
+              <a:t>Deciding on which estimate (LOC, FP, Task) would be the final estimation for how long we think the project would take. Then deciding not to use any of them because we did not feel they where representative of the time we feel it would take.</a:t>
             </a:r>
           </a:p>
           <a:p>
@@ -2576,7 +2565,7 @@
               <a:tabLst/>
               <a:defRPr/>
             </a:pPr>
-            <a:endParaRPr lang="en-US" b="0" u="none" baseline="0" dirty="0" smtClean="0"/>
+            <a:endParaRPr lang="en-US" b="0" u="none" baseline="0" dirty="0"/>
           </a:p>
           <a:p>
             <a:pPr marL="0" marR="0" lvl="0" indent="0" algn="l" defTabSz="914400" rtl="0" eaLnBrk="1" fontAlgn="auto" latinLnBrk="0" hangingPunct="1">
@@ -2596,7 +2585,7 @@
               <a:tabLst/>
               <a:defRPr/>
             </a:pPr>
-            <a:endParaRPr lang="en-US" b="0" u="none" baseline="0" dirty="0" smtClean="0"/>
+            <a:endParaRPr lang="en-US" b="0" u="none" baseline="0" dirty="0"/>
           </a:p>
           <a:p>
             <a:pPr marL="0" marR="0" lvl="0" indent="0" algn="l" defTabSz="914400" rtl="0" eaLnBrk="1" fontAlgn="auto" latinLnBrk="0" hangingPunct="1">
@@ -2617,7 +2606,7 @@
               <a:defRPr/>
             </a:pPr>
             <a:r>
-              <a:rPr lang="en-US" b="1" u="sng" baseline="0" dirty="0" smtClean="0"/>
+              <a:rPr lang="en-US" b="1" u="sng" baseline="0" dirty="0"/>
               <a:t>3.0 Risk Mitigation</a:t>
             </a:r>
           </a:p>
@@ -2640,7 +2629,7 @@
               <a:defRPr/>
             </a:pPr>
             <a:r>
-              <a:rPr lang="en-US" b="0" u="none" baseline="0" dirty="0" smtClean="0"/>
+              <a:rPr lang="en-US" b="0" u="none" baseline="0" dirty="0"/>
               <a:t>There were items that were not accounted for. Such as weather, mid-terms, and when people are sick. </a:t>
             </a:r>
           </a:p>
@@ -2663,7 +2652,7 @@
               <a:defRPr/>
             </a:pPr>
             <a:r>
-              <a:rPr lang="en-US" b="0" u="none" baseline="0" dirty="0" smtClean="0"/>
+              <a:rPr lang="en-US" b="0" u="none" baseline="0" dirty="0"/>
               <a:t>Discussion of possible risks and how to mitigate those risks took about an 1 hour to come to agreed upon decisions. </a:t>
             </a:r>
           </a:p>
@@ -2817,10 +2806,9 @@
               <a:defRPr/>
             </a:pPr>
             <a:r>
-              <a:rPr lang="en-US" b="1" u="sng" baseline="0" dirty="0" smtClean="0"/>
+              <a:rPr lang="en-US" b="1" u="sng" baseline="0" dirty="0"/>
               <a:t>6.1 SQA</a:t>
             </a:r>
-            <a:endParaRPr lang="en-US" b="1" u="sng" baseline="0" dirty="0"/>
           </a:p>
           <a:p>
             <a:pPr marL="0" marR="0" lvl="0" indent="0" algn="l" defTabSz="914400" rtl="0" eaLnBrk="1" fontAlgn="auto" latinLnBrk="0" hangingPunct="1">
@@ -2844,7 +2832,6 @@
               <a:rPr lang="en-US" b="0" u="none" baseline="0" dirty="0"/>
               <a:t>Because it was the last section of the SPMP, this required a lot of reviewing and cross checking across all other documents to make sure the contents within it were accurate and valid. Traceability. </a:t>
             </a:r>
-            <a:endParaRPr lang="en-US" b="0" u="none" baseline="0" dirty="0" smtClean="0"/>
           </a:p>
           <a:p>
             <a:pPr marL="0" marR="0" lvl="0" indent="0" algn="l" defTabSz="914400" rtl="0" eaLnBrk="1" fontAlgn="auto" latinLnBrk="0" hangingPunct="1">
@@ -2864,7 +2851,7 @@
               <a:tabLst/>
               <a:defRPr/>
             </a:pPr>
-            <a:endParaRPr lang="en-US" b="0" u="none" baseline="0" dirty="0" smtClean="0"/>
+            <a:endParaRPr lang="en-US" b="0" u="none" baseline="0" dirty="0"/>
           </a:p>
           <a:p>
             <a:pPr marL="0" marR="0" lvl="0" indent="0" algn="l" defTabSz="914400" rtl="0" eaLnBrk="1" fontAlgn="auto" latinLnBrk="0" hangingPunct="1">
@@ -2884,7 +2871,7 @@
               <a:tabLst/>
               <a:defRPr/>
             </a:pPr>
-            <a:endParaRPr lang="en-US" baseline="0" dirty="0" smtClean="0"/>
+            <a:endParaRPr lang="en-US" baseline="0" dirty="0"/>
           </a:p>
           <a:p>
             <a:pPr marL="0" marR="0" lvl="0" indent="0" algn="l" defTabSz="914400" rtl="0" eaLnBrk="1" fontAlgn="auto" latinLnBrk="0" hangingPunct="1">
@@ -2905,7 +2892,7 @@
               <a:defRPr/>
             </a:pPr>
             <a:r>
-              <a:rPr lang="en-US" b="1" u="sng" dirty="0" smtClean="0"/>
+              <a:rPr lang="en-US" b="1" u="sng" dirty="0"/>
               <a:t>Document merging and formatting </a:t>
             </a:r>
           </a:p>
@@ -2928,11 +2915,11 @@
               <a:defRPr/>
             </a:pPr>
             <a:r>
-              <a:rPr lang="en-US" b="0" u="none" dirty="0" smtClean="0"/>
+              <a:rPr lang="en-US" b="0" u="none" dirty="0"/>
               <a:t>There</a:t>
             </a:r>
             <a:r>
-              <a:rPr lang="en-US" b="0" u="none" baseline="0" dirty="0" smtClean="0"/>
+              <a:rPr lang="en-US" b="0" u="none" baseline="0" dirty="0"/>
               <a:t> was no style template or discussed format of how the final SPMP would look. So everyone end up using different formats, fonts and bullet points making it harder and a waste of time when we had to put all the documents together.</a:t>
             </a:r>
           </a:p>
@@ -3135,62 +3122,18 @@
             </a:pPr>
             <a:r>
               <a:rPr lang="en-US" dirty="0"/>
-              <a:t>If team member had </a:t>
-            </a:r>
-            <a:r>
-              <a:rPr lang="en-US" dirty="0" smtClean="0"/>
-              <a:t>no changes </a:t>
-            </a:r>
-            <a:r>
-              <a:rPr lang="en-US" dirty="0"/>
-              <a:t>to their general availability </a:t>
-            </a:r>
-            <a:r>
-              <a:rPr lang="en-US" dirty="0" smtClean="0"/>
-              <a:t>but </a:t>
-            </a:r>
-            <a:r>
-              <a:rPr lang="en-US" dirty="0"/>
-              <a:t>were </a:t>
-            </a:r>
-            <a:r>
-              <a:rPr lang="en-US" dirty="0" smtClean="0"/>
-              <a:t>unavailable </a:t>
-            </a:r>
-            <a:r>
-              <a:rPr lang="en-US" dirty="0"/>
-              <a:t>on a specific </a:t>
-            </a:r>
-            <a:r>
-              <a:rPr lang="en-US" dirty="0" smtClean="0"/>
-              <a:t>day</a:t>
-            </a:r>
-            <a:r>
-              <a:rPr lang="en-US" dirty="0"/>
-              <a:t>, they </a:t>
-            </a:r>
-            <a:r>
-              <a:rPr lang="en-US" dirty="0" smtClean="0"/>
-              <a:t>were</a:t>
-            </a:r>
-            <a:r>
-              <a:rPr lang="en-US" baseline="0" dirty="0" smtClean="0"/>
+              <a:t>If team member had no changes to their general availability but were unavailable on a specific day, they were</a:t>
+            </a:r>
+            <a:r>
+              <a:rPr lang="en-US" baseline="0" dirty="0"/>
               <a:t> required</a:t>
             </a:r>
             <a:r>
-              <a:rPr lang="en-US" dirty="0" smtClean="0"/>
-              <a:t> </a:t>
-            </a:r>
-            <a:r>
-              <a:rPr lang="en-US" dirty="0"/>
-              <a:t>to report it to this </a:t>
-            </a:r>
-            <a:r>
-              <a:rPr lang="en-US" dirty="0" smtClean="0"/>
-              <a:t>calendar</a:t>
-            </a:r>
-            <a:r>
-              <a:rPr lang="en-US" baseline="0" dirty="0" smtClean="0"/>
+              <a:rPr lang="en-US" dirty="0"/>
+              <a:t> to report it to this calendar</a:t>
+            </a:r>
+            <a:r>
+              <a:rPr lang="en-US" baseline="0" dirty="0"/>
               <a:t> by Sunday at 7 PM.</a:t>
             </a:r>
             <a:endParaRPr lang="en-US" dirty="0"/>
@@ -3434,11 +3377,11 @@
               <a:defRPr/>
             </a:pPr>
             <a:r>
-              <a:rPr lang="en-US" b="1" u="sng" dirty="0" err="1" smtClean="0"/>
+              <a:rPr lang="en-US" b="1" u="sng" dirty="0" err="1"/>
               <a:t>Github</a:t>
             </a:r>
             <a:r>
-              <a:rPr lang="en-US" b="1" u="sng" dirty="0" smtClean="0"/>
+              <a:rPr lang="en-US" b="1" u="sng" dirty="0"/>
               <a:t>:</a:t>
             </a:r>
           </a:p>
@@ -3461,16 +3404,12 @@
               <a:defRPr/>
             </a:pPr>
             <a:r>
-              <a:rPr lang="en-US" b="1" u="sng" dirty="0" smtClean="0"/>
+              <a:rPr lang="en-US" b="1" u="sng" dirty="0"/>
               <a:t>Source</a:t>
             </a:r>
             <a:r>
-              <a:rPr lang="en-US" b="1" u="sng" baseline="0" dirty="0" smtClean="0"/>
-              <a:t> </a:t>
-            </a:r>
-            <a:r>
               <a:rPr lang="en-US" b="1" u="sng" baseline="0" dirty="0"/>
-              <a:t>code: </a:t>
+              <a:t> code: </a:t>
             </a:r>
           </a:p>
           <a:p>
@@ -3497,15 +3436,7 @@
             </a:r>
             <a:r>
               <a:rPr lang="en-US" baseline="0" dirty="0"/>
-              <a:t>ill require one </a:t>
-            </a:r>
-            <a:r>
-              <a:rPr lang="en-US" baseline="0" dirty="0" smtClean="0"/>
-              <a:t>administrator (Cindy or Erik) </a:t>
-            </a:r>
-            <a:r>
-              <a:rPr lang="en-US" baseline="0" dirty="0"/>
-              <a:t>review in order to commit to master branch. When uploading new source code files it will be uploaded to a separate protected branch.  In this separate branch team members will be able to upload changed files without having to worry about affecting the master branch. The master branch will act as the baseline for all artifacts. Protected branches by default require at least one review before committing to the master.</a:t>
+              <a:t>ill require one administrator (Cindy or Erik) review in order to commit to master branch. When uploading new source code files it will be uploaded to a separate protected branch.  In this separate branch team members will be able to upload changed files without having to worry about affecting the master branch. The master branch will act as the baseline for all artifacts. Protected branches by default require at least one review before committing to the master.</a:t>
             </a:r>
           </a:p>
           <a:p>
@@ -3547,7 +3478,7 @@
               <a:defRPr/>
             </a:pPr>
             <a:r>
-              <a:rPr lang="en-US" b="1" u="sng" baseline="0" dirty="0" smtClean="0"/>
+              <a:rPr lang="en-US" b="1" u="sng" baseline="0" dirty="0"/>
               <a:t>Other artifacts: </a:t>
             </a:r>
           </a:p>
@@ -3570,26 +3501,9 @@
               <a:defRPr/>
             </a:pPr>
             <a:r>
-              <a:rPr lang="en-US" b="0" u="none" baseline="0" dirty="0" smtClean="0"/>
-              <a:t>Files </a:t>
-            </a:r>
-            <a:r>
               <a:rPr lang="en-US" b="0" u="none" baseline="0" dirty="0"/>
-              <a:t>that are non-source code can be uploaded directly to the master branch without </a:t>
-            </a:r>
-            <a:r>
-              <a:rPr lang="en-US" b="0" u="none" baseline="0" dirty="0" smtClean="0"/>
-              <a:t>review during part 1 of SPMP. </a:t>
-            </a:r>
-            <a:r>
-              <a:rPr lang="en-US" b="0" u="none" baseline="0" dirty="0"/>
-              <a:t>Files that are still in progress will have an _ in the title.  Those without a “_” will be assumed to be 100% complete</a:t>
-            </a:r>
-            <a:r>
-              <a:rPr lang="en-US" b="0" u="none" baseline="0" dirty="0" smtClean="0"/>
-              <a:t>.</a:t>
-            </a:r>
-            <a:endParaRPr lang="en-US" b="0" u="none" baseline="0" dirty="0"/>
+              <a:t>Files that are non-source code can be uploaded directly to the master branch without review during part 1 of SPMP. Files that are still in progress will have an _ in the title.  Those without a “_” will be assumed to be 100% complete.</a:t>
+            </a:r>
           </a:p>
           <a:p>
             <a:pPr marL="171450" marR="0" lvl="0" indent="-171450" algn="l" defTabSz="914400" rtl="0" eaLnBrk="1" fontAlgn="auto" latinLnBrk="0" hangingPunct="1">
@@ -3699,12 +3613,60 @@
           <a:p>
             <a:r>
               <a:rPr lang="en-US" dirty="0"/>
-              <a:t>EJ Name from</a:t>
+              <a:t>EJ </a:t>
+            </a:r>
+          </a:p>
+          <a:p>
+            <a:r>
+              <a:rPr lang="en-US" dirty="0"/>
+              <a:t>Name from</a:t>
             </a:r>
             <a:r>
               <a:rPr lang="en-US" baseline="0" dirty="0"/>
               <a:t> left to right</a:t>
             </a:r>
+          </a:p>
+          <a:p>
+            <a:pPr marL="0" marR="0" lvl="0" indent="0" algn="l" defTabSz="914400" rtl="0" eaLnBrk="1" fontAlgn="auto" latinLnBrk="0" hangingPunct="1">
+              <a:lnSpc>
+                <a:spcPct val="100000"/>
+              </a:lnSpc>
+              <a:spcBef>
+                <a:spcPts val="0"/>
+              </a:spcBef>
+              <a:spcAft>
+                <a:spcPts val="0"/>
+              </a:spcAft>
+              <a:buClrTx/>
+              <a:buSzTx/>
+              <a:buFontTx/>
+              <a:buNone/>
+              <a:tabLst/>
+              <a:defRPr/>
+            </a:pPr>
+            <a:r>
+              <a:rPr lang="en-US" baseline="0" dirty="0" err="1"/>
+              <a:t>Durwin</a:t>
+            </a:r>
+            <a:r>
+              <a:rPr lang="en-US" baseline="0" dirty="0"/>
+              <a:t> Johnson, Cindy Samano, Alex Pope, Erik Johnson, </a:t>
+            </a:r>
+            <a:r>
+              <a:rPr lang="en-US" dirty="0" err="1"/>
+              <a:t>Wenhao</a:t>
+            </a:r>
+            <a:r>
+              <a:rPr lang="en-US" dirty="0"/>
+              <a:t> Zhang, Reggie </a:t>
+            </a:r>
+            <a:r>
+              <a:rPr lang="en-US" dirty="0" err="1"/>
+              <a:t>Jirigesu</a:t>
+            </a:r>
+            <a:endParaRPr lang="en-US" dirty="0"/>
+          </a:p>
+          <a:p>
             <a:endParaRPr lang="en-US" dirty="0"/>
           </a:p>
         </p:txBody>
@@ -4140,7 +4102,7 @@
               <a:defRPr/>
             </a:pPr>
             <a:r>
-              <a:rPr lang="en-US" b="0" u="none" dirty="0" smtClean="0"/>
+              <a:rPr lang="en-US" b="0" u="none" dirty="0"/>
               <a:t>CS</a:t>
             </a:r>
           </a:p>
@@ -4162,7 +4124,7 @@
               <a:tabLst/>
               <a:defRPr/>
             </a:pPr>
-            <a:endParaRPr lang="en-US" b="1" u="sng" dirty="0" smtClean="0"/>
+            <a:endParaRPr lang="en-US" b="1" u="sng" dirty="0"/>
           </a:p>
           <a:p>
             <a:pPr marL="0" marR="0" lvl="0" indent="0" algn="l" defTabSz="914400" rtl="0" eaLnBrk="1" fontAlgn="auto" latinLnBrk="0" hangingPunct="1">
@@ -4183,10 +4145,9 @@
               <a:defRPr/>
             </a:pPr>
             <a:r>
-              <a:rPr lang="en-US" b="1" u="sng" dirty="0" smtClean="0"/>
+              <a:rPr lang="en-US" b="1" u="sng" dirty="0"/>
               <a:t>SPMP Formatting and Style</a:t>
             </a:r>
-            <a:endParaRPr lang="en-US" b="1" u="sng" dirty="0"/>
           </a:p>
           <a:p>
             <a:pPr marL="0" marR="0" lvl="0" indent="0" algn="l" defTabSz="914400" rtl="0" eaLnBrk="1" fontAlgn="auto" latinLnBrk="0" hangingPunct="1">
@@ -4250,10 +4211,9 @@
               <a:defRPr/>
             </a:pPr>
             <a:r>
-              <a:rPr lang="en-US" b="1" u="sng" dirty="0" smtClean="0"/>
+              <a:rPr lang="en-US" b="1" u="sng" dirty="0"/>
               <a:t>Artifact Review Method</a:t>
             </a:r>
-            <a:endParaRPr lang="en-US" b="1" u="sng" dirty="0"/>
           </a:p>
           <a:p>
             <a:pPr marL="0" marR="0" lvl="0" indent="0" algn="l" defTabSz="914400" rtl="0" eaLnBrk="1" fontAlgn="auto" latinLnBrk="0" hangingPunct="1">
@@ -4321,14 +4281,13 @@
               <a:defRPr/>
             </a:pPr>
             <a:r>
-              <a:rPr lang="en-US" b="1" u="sng" baseline="0" dirty="0" err="1" smtClean="0"/>
+              <a:rPr lang="en-US" b="1" u="sng" baseline="0" dirty="0" err="1"/>
               <a:t>Wrike</a:t>
             </a:r>
             <a:r>
-              <a:rPr lang="en-US" b="1" u="sng" baseline="0" dirty="0" smtClean="0"/>
+              <a:rPr lang="en-US" b="1" u="sng" baseline="0" dirty="0"/>
               <a:t> under-utilized</a:t>
             </a:r>
-            <a:endParaRPr lang="en-US" b="1" u="sng" baseline="0" dirty="0"/>
           </a:p>
           <a:p>
             <a:pPr marL="0" marR="0" lvl="0" indent="0" algn="l" defTabSz="914400" rtl="0" eaLnBrk="1" fontAlgn="auto" latinLnBrk="0" hangingPunct="1">
@@ -4400,10 +4359,9 @@
               <a:defRPr/>
             </a:pPr>
             <a:r>
-              <a:rPr lang="en-US" b="1" u="sng" dirty="0" smtClean="0"/>
+              <a:rPr lang="en-US" b="1" u="sng" dirty="0"/>
               <a:t>Dependencies not established early</a:t>
             </a:r>
-            <a:endParaRPr lang="en-US" b="1" u="sng" dirty="0"/>
           </a:p>
           <a:p>
             <a:pPr marL="0" marR="0" lvl="0" indent="0" algn="l" defTabSz="914400" rtl="0" eaLnBrk="1" fontAlgn="auto" latinLnBrk="0" hangingPunct="1">
@@ -4621,16 +4579,16 @@
           <a:lstStyle/>
           <a:p>
             <a:r>
-              <a:rPr lang="en-US" b="0" u="none" dirty="0" smtClean="0"/>
+              <a:rPr lang="en-US" b="0" u="none" dirty="0"/>
               <a:t>CS</a:t>
             </a:r>
           </a:p>
           <a:p>
-            <a:endParaRPr lang="en-US" b="1" u="sng" dirty="0" smtClean="0"/>
-          </a:p>
-          <a:p>
-            <a:r>
-              <a:rPr lang="en-US" b="1" u="sng" dirty="0" smtClean="0"/>
+            <a:endParaRPr lang="en-US" b="1" u="sng" dirty="0"/>
+          </a:p>
+          <a:p>
+            <a:r>
+              <a:rPr lang="en-US" b="1" u="sng" dirty="0"/>
               <a:t>Artifact format standards</a:t>
             </a:r>
             <a:endParaRPr lang="en-US" b="0" u="none" baseline="0" dirty="0"/>
@@ -4642,74 +4600,60 @@
             </a:r>
             <a:r>
               <a:rPr lang="en-US" b="0" u="none" baseline="0" dirty="0"/>
-              <a:t> on a format for documents i.e. what type of bullet points are we going to use, layout of page. </a:t>
-            </a:r>
-            <a:r>
-              <a:rPr lang="en-US" b="0" u="none" baseline="0" dirty="0" smtClean="0"/>
-              <a:t>(Style guide)</a:t>
-            </a:r>
+              <a:t> on a format for documents i.e. what type of bullet points are we going to use, layout of page. (Style guide)</a:t>
+            </a:r>
+          </a:p>
+          <a:p>
             <a:endParaRPr lang="en-US" b="0" u="none" baseline="0" dirty="0"/>
           </a:p>
           <a:p>
-            <a:endParaRPr lang="en-US" b="0" u="none" baseline="0" dirty="0" smtClean="0"/>
-          </a:p>
-          <a:p>
-            <a:r>
-              <a:rPr lang="en-US" b="1" u="sng" dirty="0" smtClean="0"/>
+            <a:r>
+              <a:rPr lang="en-US" b="1" u="sng" dirty="0"/>
               <a:t>Establish artifact review</a:t>
             </a:r>
             <a:r>
-              <a:rPr lang="en-US" b="1" u="sng" baseline="0" dirty="0" smtClean="0"/>
+              <a:rPr lang="en-US" b="1" u="sng" baseline="0" dirty="0"/>
               <a:t> method</a:t>
             </a:r>
           </a:p>
           <a:p>
             <a:r>
-              <a:rPr lang="en-US" b="0" u="none" baseline="0" dirty="0" smtClean="0"/>
+              <a:rPr lang="en-US" b="0" u="none" baseline="0" dirty="0"/>
               <a:t>The team has voted on using the “review” functionality on Microsoft Word to provide critiques on documents of other team members. To avoid overwriting the original, team members must make sure to save their document that contains critiques to a different name. If the document has a major dependency then the document should be reviewed first by the successor and the Project Managers.</a:t>
             </a:r>
           </a:p>
           <a:p>
-            <a:endParaRPr lang="en-US" b="0" u="none" baseline="0" dirty="0" smtClean="0"/>
-          </a:p>
-          <a:p>
-            <a:r>
-              <a:rPr lang="en-US" b="1" u="sng" baseline="0" dirty="0" smtClean="0"/>
+            <a:endParaRPr lang="en-US" b="0" u="none" baseline="0" dirty="0"/>
+          </a:p>
+          <a:p>
+            <a:r>
+              <a:rPr lang="en-US" b="1" u="sng" baseline="0" dirty="0"/>
               <a:t>Use </a:t>
             </a:r>
             <a:r>
-              <a:rPr lang="en-US" b="1" u="sng" baseline="0" dirty="0" err="1" smtClean="0"/>
+              <a:rPr lang="en-US" b="1" u="sng" baseline="0" dirty="0" err="1"/>
               <a:t>Wrike</a:t>
             </a:r>
             <a:r>
-              <a:rPr lang="en-US" b="1" u="sng" baseline="0" dirty="0" smtClean="0"/>
+              <a:rPr lang="en-US" b="1" u="sng" baseline="0" dirty="0"/>
               <a:t> More</a:t>
             </a:r>
           </a:p>
           <a:p>
             <a:r>
-              <a:rPr lang="en-US" b="0" u="none" baseline="0" dirty="0" smtClean="0"/>
+              <a:rPr lang="en-US" b="0" u="none" baseline="0" dirty="0"/>
               <a:t>Assign tasks for every task that was assigned during in-person meetings. Add in due dates and approximate time due. Set tasks as completed once they are completed. </a:t>
             </a:r>
-            <a:endParaRPr lang="en-US" b="0" u="none" dirty="0" smtClean="0"/>
+            <a:endParaRPr lang="en-US" b="0" u="none" dirty="0"/>
           </a:p>
           <a:p>
             <a:endParaRPr lang="en-US" b="0" u="none" baseline="0" dirty="0"/>
           </a:p>
           <a:p>
             <a:r>
-              <a:rPr lang="en-US" b="1" u="sng" baseline="0" dirty="0" smtClean="0"/>
-              <a:t>Reorganize </a:t>
-            </a:r>
-            <a:r>
               <a:rPr lang="en-US" b="1" u="sng" baseline="0" dirty="0"/>
-              <a:t>r</a:t>
-            </a:r>
-            <a:r>
-              <a:rPr lang="en-US" b="1" u="sng" baseline="0" dirty="0" smtClean="0"/>
-              <a:t>epository </a:t>
-            </a:r>
-            <a:endParaRPr lang="en-US" b="1" u="sng" baseline="0" dirty="0"/>
+              <a:t>Reorganize repository </a:t>
+            </a:r>
           </a:p>
           <a:p>
             <a:pPr marL="171450" indent="-171450">
@@ -4793,10 +4737,9 @@
           </a:p>
           <a:p>
             <a:r>
-              <a:rPr lang="en-US" b="1" u="sng" baseline="0" dirty="0" smtClean="0"/>
+              <a:rPr lang="en-US" b="1" u="sng" baseline="0" dirty="0"/>
               <a:t>Formalize PM communication</a:t>
             </a:r>
-            <a:endParaRPr lang="en-US" b="1" u="sng" baseline="0" dirty="0"/>
           </a:p>
           <a:p>
             <a:r>
@@ -4890,12 +4833,12 @@
           <a:lstStyle/>
           <a:p>
             <a:r>
-              <a:rPr lang="en-US" dirty="0" smtClean="0"/>
+              <a:rPr lang="en-US" dirty="0"/>
               <a:t>CS &amp; EJ</a:t>
             </a:r>
           </a:p>
           <a:p>
-            <a:endParaRPr lang="en-US" dirty="0" smtClean="0"/>
+            <a:endParaRPr lang="en-US" dirty="0"/>
           </a:p>
           <a:p>
             <a:pPr marL="171450" indent="-171450">
@@ -4903,7 +4846,7 @@
               <a:buChar char="•"/>
             </a:pPr>
             <a:r>
-              <a:rPr lang="en-US" sz="1200" b="1" i="1" dirty="0" smtClean="0">
+              <a:rPr lang="en-US" sz="1200" b="1" i="1" dirty="0">
                 <a:solidFill>
                   <a:srgbClr val="00B050"/>
                 </a:solidFill>
@@ -4911,15 +4854,15 @@
               <a:t>CS - Assign </a:t>
             </a:r>
             <a:r>
-              <a:rPr lang="en-US" b="1" dirty="0" smtClean="0"/>
+              <a:rPr lang="en-US" b="1" dirty="0"/>
               <a:t>– </a:t>
             </a:r>
             <a:r>
-              <a:rPr lang="en-US" b="0" dirty="0" smtClean="0"/>
+              <a:rPr lang="en-US" b="0" dirty="0"/>
               <a:t>In part one it</a:t>
             </a:r>
             <a:r>
-              <a:rPr lang="en-US" b="0" baseline="0" dirty="0" smtClean="0"/>
+              <a:rPr lang="en-US" b="0" baseline="0" dirty="0"/>
               <a:t> took a while to assign tasks, in part 2 up until now we have taken great pains to assign tasks as soon as it is known what will need to be done.</a:t>
             </a:r>
           </a:p>
@@ -4929,15 +4872,15 @@
               <a:buChar char="•"/>
             </a:pPr>
             <a:r>
-              <a:rPr lang="en-US" b="1" dirty="0" smtClean="0"/>
+              <a:rPr lang="en-US" b="1" dirty="0"/>
               <a:t>EJ – Dependencies</a:t>
             </a:r>
             <a:r>
-              <a:rPr lang="en-US" b="1" baseline="0" dirty="0" smtClean="0"/>
+              <a:rPr lang="en-US" b="1" baseline="0" dirty="0"/>
               <a:t> – </a:t>
             </a:r>
             <a:r>
-              <a:rPr lang="en-US" b="0" baseline="0" dirty="0" smtClean="0"/>
+              <a:rPr lang="en-US" b="0" baseline="0" dirty="0"/>
               <a:t>In part one, because we did not adequately take dependencies into account for documents, some team members were waiting on a single team member in order to get their documents done.  Specifically, the estimates section.  Pieces of this section were assigned to three different people.  This resulted in a situation where we had to do a lot of last minute work</a:t>
             </a:r>
           </a:p>
@@ -4947,19 +4890,19 @@
               <a:buChar char="•"/>
             </a:pPr>
             <a:r>
-              <a:rPr lang="en-US" b="1" i="1" baseline="0" dirty="0" smtClean="0"/>
+              <a:rPr lang="en-US" b="1" i="1" baseline="0" dirty="0"/>
               <a:t>CS – Review Artifacts/Tasks with PMs earlier</a:t>
             </a:r>
             <a:r>
-              <a:rPr lang="en-US" b="1" baseline="0" dirty="0" smtClean="0"/>
+              <a:rPr lang="en-US" b="1" baseline="0" dirty="0"/>
               <a:t> </a:t>
             </a:r>
             <a:r>
-              <a:rPr lang="en-US" b="0" baseline="0" dirty="0" smtClean="0"/>
+              <a:rPr lang="en-US" b="0" baseline="0" dirty="0"/>
               <a:t>– This actually bit us already in Part 2.  We took a while to generate the Part 2 artifacts, and weren’t able to get them to our PMs until Sunday.  On Sunday we determined that we had done everything mostly correct, but there were still some decent changes to make.  We also found that one of the diagrams wasn’t nearly what we expected after reviewing with PMs and checking the book (Use Case Diagram from UC Summary).  </a:t>
             </a:r>
             <a:r>
-              <a:rPr lang="en-US" b="1" i="1" baseline="0" dirty="0" smtClean="0"/>
+              <a:rPr lang="en-US" b="1" i="1" baseline="0" dirty="0"/>
               <a:t>(Use own words?)</a:t>
             </a:r>
           </a:p>
@@ -4969,11 +4912,11 @@
               <a:buChar char="•"/>
             </a:pPr>
             <a:r>
-              <a:rPr lang="en-US" b="1" i="0" baseline="0" dirty="0" smtClean="0"/>
+              <a:rPr lang="en-US" b="1" i="0" baseline="0" dirty="0"/>
               <a:t>EJ – Establish formal communication process with PMs </a:t>
             </a:r>
             <a:r>
-              <a:rPr lang="en-US" b="0" i="0" baseline="0" dirty="0" smtClean="0"/>
+              <a:rPr lang="en-US" b="0" i="0" baseline="0" dirty="0"/>
               <a:t>– Presently we have an informal ‘please check Slack once per day’ which works somewhat tenuously.  We plan on changing the process so we can have a confirmed once-per-day visit and an acknowledgment that they have received and acknowledged any communications intended for them and understand any tasks they have been assigned or requested information on.</a:t>
             </a:r>
           </a:p>
@@ -4983,22 +4926,22 @@
               <a:buChar char="•"/>
             </a:pPr>
             <a:r>
-              <a:rPr lang="en-US" b="1" i="1" baseline="0" dirty="0" smtClean="0"/>
+              <a:rPr lang="en-US" b="1" i="1" baseline="0" dirty="0"/>
               <a:t>CS – Formatting</a:t>
             </a:r>
             <a:r>
-              <a:rPr lang="en-US" b="0" i="1" baseline="0" dirty="0" smtClean="0"/>
+              <a:rPr lang="en-US" b="0" i="1" baseline="0" dirty="0"/>
               <a:t> – </a:t>
             </a:r>
             <a:r>
-              <a:rPr lang="en-US" b="0" i="0" baseline="0" dirty="0" smtClean="0"/>
+              <a:rPr lang="en-US" b="0" i="0" baseline="0" dirty="0"/>
               <a:t>Establish style guides, and preliminary code style guides, as well as procedures on how to deal with preexisting templates that have their </a:t>
             </a:r>
             <a:r>
-              <a:rPr lang="en-US" b="0" i="0" baseline="0" smtClean="0"/>
+              <a:rPr lang="en-US" b="0" i="0" baseline="0"/>
               <a:t>own style.</a:t>
             </a:r>
-            <a:endParaRPr lang="en-US" b="1" i="0" baseline="0" dirty="0" smtClean="0"/>
+            <a:endParaRPr lang="en-US" b="1" i="0" baseline="0" dirty="0"/>
           </a:p>
           <a:p>
             <a:pPr marL="171450" indent="-171450">
@@ -5090,10 +5033,9 @@
           <a:lstStyle/>
           <a:p>
             <a:r>
-              <a:rPr lang="en-US" dirty="0" smtClean="0"/>
+              <a:rPr lang="en-US" dirty="0"/>
               <a:t>EJ</a:t>
             </a:r>
-            <a:endParaRPr lang="en-US" dirty="0"/>
           </a:p>
         </p:txBody>
       </p:sp>
@@ -6345,19 +6287,19 @@
               <a:defRPr/>
             </a:pPr>
             <a:r>
-              <a:rPr lang="en-US" b="1" u="sng" dirty="0" smtClean="0"/>
+              <a:rPr lang="en-US" b="1" u="sng" dirty="0"/>
               <a:t>Dynamic item reorder quantity adjustment (</a:t>
             </a:r>
             <a:r>
-              <a:rPr lang="en-US" b="1" u="sng" dirty="0" err="1" smtClean="0"/>
+              <a:rPr lang="en-US" b="1" u="sng" dirty="0" err="1"/>
               <a:t>AccuStock</a:t>
             </a:r>
             <a:r>
-              <a:rPr lang="en-US" b="1" u="sng" dirty="0" smtClean="0"/>
+              <a:rPr lang="en-US" b="1" u="sng" dirty="0"/>
               <a:t>)</a:t>
             </a:r>
             <a:r>
-              <a:rPr lang="en-US" b="1" u="sng" baseline="0" dirty="0" smtClean="0"/>
+              <a:rPr lang="en-US" b="1" u="sng" baseline="0" dirty="0"/>
               <a:t>: </a:t>
             </a:r>
             <a:r>
@@ -6366,13 +6308,8 @@
             </a:r>
             <a:r>
               <a:rPr lang="en-US" dirty="0"/>
-              <a:t> we run out of stock of an item frequently, have system order more than the default upon reorder, and if we never run out of stock by X units, have system order less than the default. This will be based on an item threshold that has been </a:t>
-            </a:r>
-            <a:r>
-              <a:rPr lang="en-US" dirty="0" smtClean="0"/>
-              <a:t>increased/decreased.</a:t>
-            </a:r>
-            <a:endParaRPr lang="en-US" dirty="0"/>
+              <a:t> we run out of stock of an item frequently, have system order more than the default upon reorder, and if we never run out of stock by X units, have system order less than the default. This will be based on an item threshold that has been increased/decreased.</a:t>
+            </a:r>
           </a:p>
           <a:p>
             <a:pPr marL="0" marR="0" lvl="0" indent="0" algn="l" defTabSz="914400" rtl="0" eaLnBrk="1" fontAlgn="auto" latinLnBrk="0" hangingPunct="1">
@@ -6413,11 +6350,11 @@
               <a:defRPr/>
             </a:pPr>
             <a:r>
-              <a:rPr lang="en-US" b="1" u="sng" dirty="0" smtClean="0"/>
+              <a:rPr lang="en-US" b="1" u="sng" dirty="0"/>
               <a:t>Company-wide sales (per-item):</a:t>
             </a:r>
             <a:r>
-              <a:rPr lang="en-US" b="1" u="sng" baseline="0" dirty="0" smtClean="0"/>
+              <a:rPr lang="en-US" b="1" u="sng" baseline="0" dirty="0"/>
               <a:t> </a:t>
             </a:r>
             <a:r>
@@ -6497,33 +6434,12 @@
               <a:defRPr/>
             </a:pPr>
             <a:r>
-              <a:rPr lang="en-US" b="1" u="sng" dirty="0" smtClean="0"/>
+              <a:rPr lang="en-US" b="1" u="sng" dirty="0"/>
               <a:t>Customer</a:t>
             </a:r>
             <a:r>
-              <a:rPr lang="en-US" b="1" u="sng" baseline="0" dirty="0" smtClean="0"/>
+              <a:rPr lang="en-US" b="1" u="sng" baseline="0" dirty="0"/>
               <a:t> refill eligibility</a:t>
-            </a:r>
-            <a:r>
-              <a:rPr lang="en-US" b="1" u="sng" dirty="0" smtClean="0"/>
-              <a:t>:</a:t>
-            </a:r>
-            <a:r>
-              <a:rPr lang="en-US" b="1" u="sng" baseline="0" dirty="0" smtClean="0"/>
-              <a:t> </a:t>
-            </a:r>
-            <a:r>
-              <a:rPr lang="en-US" dirty="0"/>
-              <a:t>Based off the refill date of the customer's last order, check all of their prescriptions and see if any are eligible for refill, and if so, display a message to indicate to the cashier to ask the customer if they want that prescription refilled</a:t>
-            </a:r>
-          </a:p>
-          <a:p>
-            <a:endParaRPr lang="en-US" dirty="0"/>
-          </a:p>
-          <a:p>
-            <a:r>
-              <a:rPr lang="en-US" b="1" u="sng" dirty="0" smtClean="0"/>
-              <a:t>Customer Coupons</a:t>
             </a:r>
             <a:r>
               <a:rPr lang="en-US" b="1" u="sng" dirty="0"/>
@@ -6535,14 +6451,27 @@
             </a:r>
             <a:r>
               <a:rPr lang="en-US" dirty="0"/>
-              <a:t>Customer coupons that provide a </a:t>
-            </a:r>
-            <a:r>
-              <a:rPr lang="en-US" dirty="0" smtClean="0"/>
-              <a:t>percent</a:t>
-            </a:r>
-            <a:r>
-              <a:rPr lang="en-US" baseline="0" dirty="0" smtClean="0"/>
+              <a:t>Based off the refill date of the customer's last order, check all of their prescriptions and see if any are eligible for refill, and if so, display a message to indicate to the cashier to ask the customer if they want that prescription refilled</a:t>
+            </a:r>
+          </a:p>
+          <a:p>
+            <a:endParaRPr lang="en-US" dirty="0"/>
+          </a:p>
+          <a:p>
+            <a:r>
+              <a:rPr lang="en-US" b="1" u="sng" dirty="0"/>
+              <a:t>Customer Coupons:</a:t>
+            </a:r>
+            <a:r>
+              <a:rPr lang="en-US" b="1" u="sng" baseline="0" dirty="0"/>
+              <a:t> </a:t>
+            </a:r>
+            <a:r>
+              <a:rPr lang="en-US" dirty="0"/>
+              <a:t>Customer coupons that provide a percent</a:t>
+            </a:r>
+            <a:r>
+              <a:rPr lang="en-US" baseline="0" dirty="0"/>
               <a:t> discount across the entire order</a:t>
             </a:r>
             <a:endParaRPr lang="en-US" b="1" dirty="0"/>
@@ -6644,16 +6573,12 @@
               <a:buChar char="•"/>
             </a:pPr>
             <a:r>
-              <a:rPr lang="en-US" b="1" dirty="0" smtClean="0"/>
+              <a:rPr lang="en-US" b="1" dirty="0"/>
               <a:t>Programming Language: </a:t>
             </a:r>
             <a:r>
-              <a:rPr lang="en-US" dirty="0" smtClean="0"/>
-              <a:t>The </a:t>
-            </a:r>
-            <a:r>
-              <a:rPr lang="en-US" dirty="0"/>
-              <a:t>team is most familiar with C++.</a:t>
+              <a:rPr lang="en-US" dirty="0"/>
+              <a:t>The team is most familiar with C++.</a:t>
             </a:r>
           </a:p>
           <a:p>
@@ -6672,7 +6597,7 @@
               <a:buChar char="•"/>
             </a:pPr>
             <a:r>
-              <a:rPr lang="en-US" sz="1200" b="1" kern="1200" dirty="0" smtClean="0">
+              <a:rPr lang="en-US" sz="1200" b="1" kern="1200" dirty="0">
                 <a:solidFill>
                   <a:schemeClr val="tx1"/>
                 </a:solidFill>
@@ -6684,7 +6609,7 @@
               <a:t>Program Interface</a:t>
             </a:r>
             <a:r>
-              <a:rPr lang="en-US" sz="1200" kern="1200" dirty="0" smtClean="0">
+              <a:rPr lang="en-US" sz="1200" kern="1200" dirty="0">
                 <a:solidFill>
                   <a:schemeClr val="tx1"/>
                 </a:solidFill>
@@ -6696,7 +6621,7 @@
               <a:t>:</a:t>
             </a:r>
             <a:r>
-              <a:rPr lang="en-US" sz="1200" kern="1200" baseline="0" dirty="0" smtClean="0">
+              <a:rPr lang="en-US" sz="1200" kern="1200" baseline="0" dirty="0">
                 <a:solidFill>
                   <a:schemeClr val="tx1"/>
                 </a:solidFill>
@@ -6708,18 +6633,6 @@
               <a:t>  </a:t>
             </a:r>
             <a:r>
-              <a:rPr lang="en-US" sz="1200" kern="1200" dirty="0" smtClean="0">
-                <a:solidFill>
-                  <a:schemeClr val="tx1"/>
-                </a:solidFill>
-                <a:effectLst/>
-                <a:latin typeface="+mn-lt"/>
-                <a:ea typeface="+mn-ea"/>
-                <a:cs typeface="+mn-cs"/>
-              </a:rPr>
-              <a:t>The </a:t>
-            </a:r>
-            <a:r>
               <a:rPr lang="en-US" sz="1200" kern="1200" dirty="0">
                 <a:solidFill>
                   <a:schemeClr val="tx1"/>
@@ -6729,22 +6642,10 @@
                 <a:ea typeface="+mn-ea"/>
                 <a:cs typeface="+mn-cs"/>
               </a:rPr>
-              <a:t>program will use a </a:t>
-            </a:r>
-            <a:r>
-              <a:rPr lang="en-US" sz="1200" kern="1200" dirty="0" smtClean="0">
-                <a:solidFill>
-                  <a:schemeClr val="tx1"/>
-                </a:solidFill>
-                <a:effectLst/>
-                <a:latin typeface="+mn-lt"/>
-                <a:ea typeface="+mn-ea"/>
-                <a:cs typeface="+mn-cs"/>
-              </a:rPr>
-              <a:t>text-driven</a:t>
-            </a:r>
-            <a:r>
-              <a:rPr lang="en-US" sz="1200" kern="1200" baseline="0" dirty="0" smtClean="0">
+              <a:t>The program will use a text-driven</a:t>
+            </a:r>
+            <a:r>
+              <a:rPr lang="en-US" sz="1200" kern="1200" baseline="0" dirty="0">
                 <a:solidFill>
                   <a:schemeClr val="tx1"/>
                 </a:solidFill>
@@ -6756,18 +6657,6 @@
               <a:t> menu system </a:t>
             </a:r>
             <a:r>
-              <a:rPr lang="en-US" sz="1200" kern="1200" dirty="0" smtClean="0">
-                <a:solidFill>
-                  <a:schemeClr val="tx1"/>
-                </a:solidFill>
-                <a:effectLst/>
-                <a:latin typeface="+mn-lt"/>
-                <a:ea typeface="+mn-ea"/>
-                <a:cs typeface="+mn-cs"/>
-              </a:rPr>
-              <a:t>reading and writing from the command line </a:t>
-            </a:r>
-            <a:r>
               <a:rPr lang="en-US" sz="1200" kern="1200" dirty="0">
                 <a:solidFill>
                   <a:schemeClr val="tx1"/>
@@ -6777,7 +6666,7 @@
                 <a:ea typeface="+mn-ea"/>
                 <a:cs typeface="+mn-cs"/>
               </a:rPr>
-              <a:t>as its input/output source due to our skill set limitations as well. </a:t>
+              <a:t>reading and writing from the command line as its input/output source due to our skill set limitations as well. </a:t>
             </a:r>
           </a:p>
           <a:p>
@@ -6786,15 +6675,15 @@
               <a:buChar char="•"/>
             </a:pPr>
             <a:r>
-              <a:rPr lang="en-US" b="1" dirty="0" smtClean="0"/>
+              <a:rPr lang="en-US" b="1" dirty="0"/>
               <a:t>Offline Data Storage</a:t>
             </a:r>
             <a:r>
-              <a:rPr lang="en-US" dirty="0" smtClean="0"/>
+              <a:rPr lang="en-US" dirty="0"/>
               <a:t>:</a:t>
             </a:r>
             <a:r>
-              <a:rPr lang="en-US" baseline="0" dirty="0" smtClean="0"/>
+              <a:rPr lang="en-US" baseline="0" dirty="0"/>
               <a:t>  The program will use flat files to store data offline, due to only two members having experience with databases, and nobody having experience integrating databases into C++.</a:t>
             </a:r>
           </a:p>
@@ -10284,7 +10173,7 @@
   </p:txStyles>
   <p:extLst>
     <p:ext uri="{27BBF7A9-308A-43DC-89C8-2F10F3537804}">
-      <p15:sldGuideLst xmlns:p15="http://schemas.microsoft.com/office/powerpoint/2012/main" xmlns=""/>
+      <p15:sldGuideLst xmlns:p15="http://schemas.microsoft.com/office/powerpoint/2012/main"/>
     </p:ext>
   </p:extLst>
 </p:sldMaster>
@@ -10457,10 +10346,9 @@
               <a:rPr lang="en-US" dirty="0"/>
             </a:br>
             <a:r>
-              <a:rPr lang="en-US" sz="2800" dirty="0" smtClean="0"/>
+              <a:rPr lang="en-US" sz="2800" dirty="0"/>
               <a:t>Why these tools?</a:t>
             </a:r>
-            <a:endParaRPr lang="en-US" sz="2800" dirty="0"/>
           </a:p>
         </p:txBody>
       </p:sp>
@@ -10482,35 +10370,34 @@
           <a:lstStyle/>
           <a:p>
             <a:r>
-              <a:rPr lang="en-US" dirty="0" smtClean="0"/>
+              <a:rPr lang="en-US" dirty="0"/>
               <a:t>Slack</a:t>
             </a:r>
           </a:p>
           <a:p>
             <a:r>
-              <a:rPr lang="en-US" dirty="0" err="1" smtClean="0"/>
+              <a:rPr lang="en-US" dirty="0" err="1"/>
               <a:t>Wrike</a:t>
             </a:r>
-            <a:endParaRPr lang="en-US" dirty="0" smtClean="0"/>
-          </a:p>
-          <a:p>
-            <a:r>
-              <a:rPr lang="en-US" dirty="0" smtClean="0"/>
+            <a:endParaRPr lang="en-US" dirty="0"/>
+          </a:p>
+          <a:p>
+            <a:r>
+              <a:rPr lang="en-US" dirty="0"/>
               <a:t>Toggl</a:t>
             </a:r>
           </a:p>
           <a:p>
             <a:r>
-              <a:rPr lang="en-US" dirty="0" smtClean="0"/>
+              <a:rPr lang="en-US" dirty="0"/>
               <a:t>GitHub</a:t>
             </a:r>
           </a:p>
           <a:p>
             <a:r>
-              <a:rPr lang="en-US" dirty="0" smtClean="0"/>
+              <a:rPr lang="en-US" dirty="0"/>
               <a:t>Microsoft Project</a:t>
             </a:r>
-            <a:endParaRPr lang="en-US" dirty="0"/>
           </a:p>
         </p:txBody>
       </p:sp>
@@ -10652,13 +10539,8 @@
             </a:br>
             <a:r>
               <a:rPr lang="en-US" sz="2800" dirty="0"/>
-              <a:t>Overall Project </a:t>
-            </a:r>
-            <a:r>
-              <a:rPr lang="en-US" sz="2800" dirty="0" smtClean="0"/>
-              <a:t>Initial Estimate</a:t>
-            </a:r>
-            <a:endParaRPr lang="en-US" sz="2800" dirty="0"/>
+              <a:t>Overall Project Initial Estimate</a:t>
+            </a:r>
           </a:p>
         </p:txBody>
       </p:sp>
@@ -10786,13 +10668,8 @@
             </a:br>
             <a:r>
               <a:rPr lang="en-US" sz="2800" dirty="0"/>
-              <a:t>Actual Part 1 </a:t>
-            </a:r>
-            <a:r>
-              <a:rPr lang="en-US" sz="2800" dirty="0" smtClean="0"/>
-              <a:t> Time Spent</a:t>
-            </a:r>
-            <a:endParaRPr lang="en-US" sz="2800" dirty="0"/>
+              <a:t>Actual Part 1  Time Spent</a:t>
+            </a:r>
           </a:p>
         </p:txBody>
       </p:sp>
@@ -10910,25 +10787,24 @@
           <a:lstStyle/>
           <a:p>
             <a:r>
-              <a:rPr lang="en-US" dirty="0" smtClean="0"/>
+              <a:rPr lang="en-US" dirty="0"/>
               <a:t>New Estimation Method:  Tasks</a:t>
             </a:r>
           </a:p>
           <a:p>
             <a:r>
-              <a:rPr lang="en-US" dirty="0" smtClean="0"/>
+              <a:rPr lang="en-US" dirty="0"/>
               <a:t>Part 2 Estimate (Tasks):  238 Hours</a:t>
             </a:r>
           </a:p>
           <a:p>
-            <a:endParaRPr lang="en-US" dirty="0" smtClean="0"/>
-          </a:p>
-          <a:p>
-            <a:r>
-              <a:rPr lang="en-US" dirty="0" smtClean="0"/>
+            <a:endParaRPr lang="en-US" dirty="0"/>
+          </a:p>
+          <a:p>
+            <a:r>
+              <a:rPr lang="en-US" dirty="0"/>
               <a:t>Why switch?</a:t>
             </a:r>
-            <a:endParaRPr lang="en-US" dirty="0"/>
           </a:p>
         </p:txBody>
       </p:sp>
@@ -10986,15 +10862,7 @@
             </a:br>
             <a:r>
               <a:rPr lang="en-US" sz="2800" dirty="0"/>
-              <a:t>New Overall </a:t>
-            </a:r>
-            <a:r>
-              <a:rPr lang="en-US" sz="2800" dirty="0" smtClean="0"/>
-              <a:t>Project </a:t>
-            </a:r>
-            <a:r>
-              <a:rPr lang="en-US" sz="2800" dirty="0"/>
-              <a:t>Estimate </a:t>
+              <a:t>New Overall Project Estimate </a:t>
             </a:r>
           </a:p>
         </p:txBody>
@@ -11015,39 +10883,21 @@
           <a:lstStyle/>
           <a:p>
             <a:r>
-              <a:rPr lang="en-US" dirty="0" smtClean="0"/>
-              <a:t>Overall </a:t>
-            </a:r>
-            <a:r>
-              <a:rPr lang="en-US" dirty="0"/>
-              <a:t>Estimate (LOC):  </a:t>
-            </a:r>
-            <a:r>
-              <a:rPr lang="en-US" dirty="0" smtClean="0"/>
-              <a:t>116 Hours (no change)</a:t>
-            </a:r>
-            <a:endParaRPr lang="en-US" dirty="0"/>
-          </a:p>
-          <a:p>
-            <a:r>
-              <a:rPr lang="en-US" dirty="0" smtClean="0"/>
-              <a:t>Overall </a:t>
-            </a:r>
-            <a:r>
-              <a:rPr lang="en-US" dirty="0"/>
-              <a:t>Estimate (FPE):  808 </a:t>
-            </a:r>
-            <a:r>
-              <a:rPr lang="en-US" dirty="0" smtClean="0"/>
-              <a:t>Hours</a:t>
-            </a:r>
-          </a:p>
-          <a:p>
-            <a:r>
-              <a:rPr lang="en-US" b="1" dirty="0" smtClean="0"/>
+              <a:rPr lang="en-US" dirty="0"/>
+              <a:t>Overall Estimate (LOC):  116 Hours (no change)</a:t>
+            </a:r>
+          </a:p>
+          <a:p>
+            <a:r>
+              <a:rPr lang="en-US" dirty="0"/>
+              <a:t>Overall Estimate (FPE):  808 Hours</a:t>
+            </a:r>
+          </a:p>
+          <a:p>
+            <a:r>
+              <a:rPr lang="en-US" b="1" dirty="0"/>
               <a:t>Overall Estimate (Tasks):  538 Hours</a:t>
             </a:r>
-            <a:endParaRPr lang="en-US" b="1" dirty="0"/>
           </a:p>
         </p:txBody>
       </p:sp>
@@ -11105,13 +10955,8 @@
             </a:br>
             <a:r>
               <a:rPr lang="en-US" sz="2800" dirty="0"/>
-              <a:t>What was </a:t>
-            </a:r>
-            <a:r>
-              <a:rPr lang="en-US" sz="2800" dirty="0" smtClean="0"/>
-              <a:t>easiest?</a:t>
-            </a:r>
-            <a:endParaRPr lang="en-US" sz="2800" dirty="0"/>
+              <a:t>What was easiest?</a:t>
+            </a:r>
           </a:p>
         </p:txBody>
       </p:sp>
@@ -11134,22 +10979,13 @@
           <a:p>
             <a:r>
               <a:rPr lang="en-US" dirty="0"/>
-              <a:t>1.2 Project </a:t>
-            </a:r>
-            <a:r>
-              <a:rPr lang="en-US" dirty="0" smtClean="0"/>
-              <a:t>Scope</a:t>
-            </a:r>
-            <a:endParaRPr lang="en-US" dirty="0"/>
-          </a:p>
-          <a:p>
-            <a:r>
-              <a:rPr lang="en-US" dirty="0" smtClean="0"/>
-              <a:t>1.4 </a:t>
-            </a:r>
-            <a:r>
-              <a:rPr lang="en-US" dirty="0"/>
-              <a:t>Performance/Behavior Constraints</a:t>
+              <a:t>1.2 Project Scope</a:t>
+            </a:r>
+          </a:p>
+          <a:p>
+            <a:r>
+              <a:rPr lang="en-US" dirty="0"/>
+              <a:t>1.4 Performance/Behavior Constraints</a:t>
             </a:r>
           </a:p>
           <a:p>
@@ -11166,18 +11002,9 @@
           </a:p>
           <a:p>
             <a:r>
-              <a:rPr lang="en-US" dirty="0" smtClean="0"/>
-              <a:t>4.1 </a:t>
-            </a:r>
-            <a:r>
-              <a:rPr lang="en-US" dirty="0"/>
-              <a:t>Project </a:t>
-            </a:r>
-            <a:r>
-              <a:rPr lang="en-US" dirty="0" smtClean="0"/>
-              <a:t>Task Set</a:t>
-            </a:r>
-            <a:endParaRPr lang="en-US" dirty="0"/>
+              <a:rPr lang="en-US" dirty="0"/>
+              <a:t>4.1 Project Task Set</a:t>
+            </a:r>
           </a:p>
         </p:txBody>
       </p:sp>
@@ -11235,13 +11062,8 @@
             </a:br>
             <a:r>
               <a:rPr lang="en-US" sz="2800" dirty="0"/>
-              <a:t>What was </a:t>
-            </a:r>
-            <a:r>
-              <a:rPr lang="en-US" sz="2800" dirty="0" smtClean="0"/>
-              <a:t>hardest?</a:t>
-            </a:r>
-            <a:endParaRPr lang="en-US" sz="2800" dirty="0"/>
+              <a:t>What was hardest?</a:t>
+            </a:r>
           </a:p>
         </p:txBody>
       </p:sp>
@@ -11261,77 +11083,102 @@
           <a:lstStyle/>
           <a:p>
             <a:r>
-              <a:rPr lang="en-US" dirty="0" smtClean="0"/>
-              <a:t>1.3 </a:t>
-            </a:r>
-            <a:r>
-              <a:rPr lang="en-US" dirty="0"/>
-              <a:t>Functional Decomposition </a:t>
-            </a:r>
-            <a:r>
-              <a:rPr lang="en-US" dirty="0" smtClean="0"/>
-              <a:t>(multiple iterations)</a:t>
-            </a:r>
+              <a:rPr lang="en-US" dirty="0"/>
+              <a:t>1.3 Functional Decomposition (multiple iterations)</a:t>
+            </a:r>
+          </a:p>
+          <a:p>
+            <a:r>
+              <a:rPr lang="en-US" dirty="0"/>
+              <a:t>2.3 Estimation Techniques Applied and Results</a:t>
+            </a:r>
+          </a:p>
+          <a:p>
+            <a:r>
+              <a:rPr lang="en-US" dirty="0"/>
+              <a:t>2.4 Reconciled Estimate</a:t>
+            </a:r>
+          </a:p>
+          <a:p>
+            <a:r>
+              <a:rPr lang="en-US" dirty="0"/>
+              <a:t>3.0 Risk Management</a:t>
+            </a:r>
+          </a:p>
+          <a:p>
+            <a:r>
+              <a:rPr lang="en-US" dirty="0"/>
+              <a:t>4.2 Task Network Diagram</a:t>
+            </a:r>
+          </a:p>
+          <a:p>
+            <a:r>
+              <a:rPr lang="en-US" dirty="0"/>
+              <a:t>6.1  Software Quality Analysis</a:t>
+            </a:r>
+          </a:p>
+          <a:p>
+            <a:r>
+              <a:rPr lang="en-US" dirty="0"/>
+              <a:t>Document merging and formatting </a:t>
+            </a:r>
+          </a:p>
+          <a:p>
+            <a:pPr marL="45720" indent="0">
+              <a:buNone/>
+            </a:pPr>
             <a:endParaRPr lang="en-US" dirty="0"/>
           </a:p>
-          <a:p>
-            <a:r>
-              <a:rPr lang="en-US" dirty="0"/>
-              <a:t>2.3 Estimation Techniques Applied and Results</a:t>
-            </a:r>
-          </a:p>
-          <a:p>
-            <a:r>
-              <a:rPr lang="en-US" dirty="0"/>
-              <a:t>2.4 Reconciled Estimate</a:t>
-            </a:r>
-          </a:p>
-          <a:p>
-            <a:r>
-              <a:rPr lang="en-US" dirty="0"/>
-              <a:t>3.0 Risk </a:t>
-            </a:r>
-            <a:r>
-              <a:rPr lang="en-US" dirty="0" smtClean="0"/>
-              <a:t>Management</a:t>
-            </a:r>
-            <a:endParaRPr lang="en-US" dirty="0" smtClean="0"/>
-          </a:p>
-          <a:p>
-            <a:r>
-              <a:rPr lang="en-US" dirty="0" smtClean="0"/>
-              <a:t>4.2 </a:t>
-            </a:r>
-            <a:r>
-              <a:rPr lang="en-US" dirty="0"/>
-              <a:t>Task </a:t>
-            </a:r>
-            <a:r>
-              <a:rPr lang="en-US" dirty="0" smtClean="0"/>
-              <a:t>Network Diagram</a:t>
-            </a:r>
-            <a:endParaRPr lang="en-US" dirty="0"/>
-          </a:p>
-          <a:p>
-            <a:r>
-              <a:rPr lang="en-US" dirty="0" smtClean="0"/>
-              <a:t>6.1  Software Quality Analysis</a:t>
-            </a:r>
-          </a:p>
-          <a:p>
-            <a:r>
-              <a:rPr lang="en-US" dirty="0"/>
-              <a:t>Document merging and formatting </a:t>
-            </a:r>
-          </a:p>
-          <a:p>
-            <a:pPr marL="45720" indent="0">
-              <a:buNone/>
-            </a:pPr>
-            <a:endParaRPr lang="en-US" dirty="0"/>
-          </a:p>
-        </p:txBody>
-      </p:sp>
+        </p:txBody>
+      </p:sp>
+      <p:pic>
+        <p:nvPicPr>
+          <p:cNvPr id="6" name="Picture 5"/>
+          <p:cNvPicPr>
+            <a:picLocks noChangeAspect="1"/>
+          </p:cNvPicPr>
+          <p:nvPr/>
+        </p:nvPicPr>
+        <p:blipFill>
+          <a:blip r:embed="rId3"/>
+          <a:stretch>
+            <a:fillRect/>
+          </a:stretch>
+        </p:blipFill>
+        <p:spPr>
+          <a:xfrm>
+            <a:off x="4013200" y="340971"/>
+            <a:ext cx="8010013" cy="1774419"/>
+          </a:xfrm>
+          <a:prstGeom prst="rect">
+            <a:avLst/>
+          </a:prstGeom>
+        </p:spPr>
+      </p:pic>
+      <p:pic>
+        <p:nvPicPr>
+          <p:cNvPr id="8" name="Picture 7"/>
+          <p:cNvPicPr>
+            <a:picLocks noChangeAspect="1"/>
+          </p:cNvPicPr>
+          <p:nvPr/>
+        </p:nvPicPr>
+        <p:blipFill>
+          <a:blip r:embed="rId4"/>
+          <a:stretch>
+            <a:fillRect/>
+          </a:stretch>
+        </p:blipFill>
+        <p:spPr>
+          <a:xfrm>
+            <a:off x="6209071" y="340971"/>
+            <a:ext cx="5132440" cy="1750555"/>
+          </a:xfrm>
+          <a:prstGeom prst="rect">
+            <a:avLst/>
+          </a:prstGeom>
+        </p:spPr>
+      </p:pic>
     </p:spTree>
     <p:extLst>
       <p:ext uri="{BB962C8B-B14F-4D97-AF65-F5344CB8AC3E}">
@@ -11342,6 +11189,216 @@
   <p:clrMapOvr>
     <a:masterClrMapping/>
   </p:clrMapOvr>
+  <p:timing>
+    <p:tnLst>
+      <p:par>
+        <p:cTn id="1" dur="indefinite" restart="never" nodeType="tmRoot">
+          <p:childTnLst>
+            <p:seq concurrent="1" nextAc="seek">
+              <p:cTn id="2" dur="indefinite" nodeType="mainSeq">
+                <p:childTnLst>
+                  <p:par>
+                    <p:cTn id="3" fill="hold">
+                      <p:stCondLst>
+                        <p:cond delay="indefinite"/>
+                      </p:stCondLst>
+                      <p:childTnLst>
+                        <p:par>
+                          <p:cTn id="4" fill="hold">
+                            <p:stCondLst>
+                              <p:cond delay="0"/>
+                            </p:stCondLst>
+                            <p:childTnLst>
+                              <p:par>
+                                <p:cTn id="5" presetID="1" presetClass="entr" presetSubtype="0" fill="hold" nodeType="clickEffect">
+                                  <p:stCondLst>
+                                    <p:cond delay="0"/>
+                                  </p:stCondLst>
+                                  <p:childTnLst>
+                                    <p:set>
+                                      <p:cBhvr>
+                                        <p:cTn id="6" dur="1" fill="hold">
+                                          <p:stCondLst>
+                                            <p:cond delay="0"/>
+                                          </p:stCondLst>
+                                        </p:cTn>
+                                        <p:tgtEl>
+                                          <p:spTgt spid="6"/>
+                                        </p:tgtEl>
+                                        <p:attrNameLst>
+                                          <p:attrName>style.visibility</p:attrName>
+                                        </p:attrNameLst>
+                                      </p:cBhvr>
+                                      <p:to>
+                                        <p:strVal val="visible"/>
+                                      </p:to>
+                                    </p:set>
+                                  </p:childTnLst>
+                                </p:cTn>
+                              </p:par>
+                            </p:childTnLst>
+                          </p:cTn>
+                        </p:par>
+                      </p:childTnLst>
+                    </p:cTn>
+                  </p:par>
+                  <p:par>
+                    <p:cTn id="7" fill="hold">
+                      <p:stCondLst>
+                        <p:cond delay="indefinite"/>
+                      </p:stCondLst>
+                      <p:childTnLst>
+                        <p:par>
+                          <p:cTn id="8" fill="hold">
+                            <p:stCondLst>
+                              <p:cond delay="0"/>
+                            </p:stCondLst>
+                            <p:childTnLst>
+                              <p:par>
+                                <p:cTn id="9" presetID="1" presetClass="exit" presetSubtype="0" fill="hold" nodeType="clickEffect">
+                                  <p:stCondLst>
+                                    <p:cond delay="0"/>
+                                  </p:stCondLst>
+                                  <p:childTnLst>
+                                    <p:set>
+                                      <p:cBhvr>
+                                        <p:cTn id="10" dur="1" fill="hold">
+                                          <p:stCondLst>
+                                            <p:cond delay="0"/>
+                                          </p:stCondLst>
+                                        </p:cTn>
+                                        <p:tgtEl>
+                                          <p:spTgt spid="6"/>
+                                        </p:tgtEl>
+                                        <p:attrNameLst>
+                                          <p:attrName>style.visibility</p:attrName>
+                                        </p:attrNameLst>
+                                      </p:cBhvr>
+                                      <p:to>
+                                        <p:strVal val="hidden"/>
+                                      </p:to>
+                                    </p:set>
+                                  </p:childTnLst>
+                                </p:cTn>
+                              </p:par>
+                            </p:childTnLst>
+                          </p:cTn>
+                        </p:par>
+                      </p:childTnLst>
+                    </p:cTn>
+                  </p:par>
+                  <p:par>
+                    <p:cTn id="11" fill="hold">
+                      <p:stCondLst>
+                        <p:cond delay="indefinite"/>
+                      </p:stCondLst>
+                      <p:childTnLst>
+                        <p:par>
+                          <p:cTn id="12" fill="hold">
+                            <p:stCondLst>
+                              <p:cond delay="0"/>
+                            </p:stCondLst>
+                            <p:childTnLst>
+                              <p:par>
+                                <p:cTn id="13" presetID="1" presetClass="entr" presetSubtype="0" fill="hold" nodeType="clickEffect">
+                                  <p:stCondLst>
+                                    <p:cond delay="0"/>
+                                  </p:stCondLst>
+                                  <p:childTnLst>
+                                    <p:set>
+                                      <p:cBhvr>
+                                        <p:cTn id="14" dur="1" fill="hold">
+                                          <p:stCondLst>
+                                            <p:cond delay="0"/>
+                                          </p:stCondLst>
+                                        </p:cTn>
+                                        <p:tgtEl>
+                                          <p:spTgt spid="8"/>
+                                        </p:tgtEl>
+                                        <p:attrNameLst>
+                                          <p:attrName>style.visibility</p:attrName>
+                                        </p:attrNameLst>
+                                      </p:cBhvr>
+                                      <p:to>
+                                        <p:strVal val="visible"/>
+                                      </p:to>
+                                    </p:set>
+                                  </p:childTnLst>
+                                </p:cTn>
+                              </p:par>
+                            </p:childTnLst>
+                          </p:cTn>
+                        </p:par>
+                      </p:childTnLst>
+                    </p:cTn>
+                  </p:par>
+                  <p:par>
+                    <p:cTn id="15" fill="hold">
+                      <p:stCondLst>
+                        <p:cond delay="indefinite"/>
+                      </p:stCondLst>
+                      <p:childTnLst>
+                        <p:par>
+                          <p:cTn id="16" fill="hold">
+                            <p:stCondLst>
+                              <p:cond delay="0"/>
+                            </p:stCondLst>
+                            <p:childTnLst>
+                              <p:par>
+                                <p:cTn id="17" presetID="1" presetClass="exit" presetSubtype="0" fill="hold" nodeType="clickEffect">
+                                  <p:stCondLst>
+                                    <p:cond delay="0"/>
+                                  </p:stCondLst>
+                                  <p:childTnLst>
+                                    <p:set>
+                                      <p:cBhvr>
+                                        <p:cTn id="18" dur="1" fill="hold">
+                                          <p:stCondLst>
+                                            <p:cond delay="0"/>
+                                          </p:stCondLst>
+                                        </p:cTn>
+                                        <p:tgtEl>
+                                          <p:spTgt spid="8"/>
+                                        </p:tgtEl>
+                                        <p:attrNameLst>
+                                          <p:attrName>style.visibility</p:attrName>
+                                        </p:attrNameLst>
+                                      </p:cBhvr>
+                                      <p:to>
+                                        <p:strVal val="hidden"/>
+                                      </p:to>
+                                    </p:set>
+                                  </p:childTnLst>
+                                </p:cTn>
+                              </p:par>
+                            </p:childTnLst>
+                          </p:cTn>
+                        </p:par>
+                      </p:childTnLst>
+                    </p:cTn>
+                  </p:par>
+                </p:childTnLst>
+              </p:cTn>
+              <p:prevCondLst>
+                <p:cond evt="onPrev" delay="0">
+                  <p:tgtEl>
+                    <p:sldTgt/>
+                  </p:tgtEl>
+                </p:cond>
+              </p:prevCondLst>
+              <p:nextCondLst>
+                <p:cond evt="onNext" delay="0">
+                  <p:tgtEl>
+                    <p:sldTgt/>
+                  </p:tgtEl>
+                </p:cond>
+              </p:nextCondLst>
+            </p:seq>
+          </p:childTnLst>
+        </p:cTn>
+      </p:par>
+    </p:tnLst>
+  </p:timing>
 </p:sld>
 </file>
 
@@ -11408,49 +11465,29 @@
             <a:pPr marL="342900" indent="-342900"/>
             <a:r>
               <a:rPr lang="en-US" dirty="0"/>
-              <a:t>Checking Slack </a:t>
-            </a:r>
-            <a:r>
-              <a:rPr lang="en-US" dirty="0" smtClean="0"/>
-              <a:t>once per day</a:t>
-            </a:r>
-            <a:endParaRPr lang="en-US" dirty="0"/>
+              <a:t>Checking Slack once per day</a:t>
+            </a:r>
           </a:p>
           <a:p>
             <a:pPr marL="342900" indent="-342900"/>
             <a:r>
               <a:rPr lang="en-US" dirty="0"/>
-              <a:t>Establish </a:t>
-            </a:r>
-            <a:r>
-              <a:rPr lang="en-US" dirty="0" smtClean="0"/>
-              <a:t>meetings</a:t>
-            </a:r>
-            <a:endParaRPr lang="en-US" dirty="0"/>
+              <a:t>Establish meetings</a:t>
+            </a:r>
           </a:p>
           <a:p>
             <a:pPr marL="342900" indent="-342900"/>
             <a:r>
               <a:rPr lang="en-US" dirty="0"/>
-              <a:t>General Availability </a:t>
-            </a:r>
-            <a:r>
-              <a:rPr lang="en-US" dirty="0" smtClean="0"/>
-              <a:t>Doc</a:t>
-            </a:r>
-            <a:endParaRPr lang="en-US" dirty="0"/>
+              <a:t>General Availability Doc</a:t>
+            </a:r>
           </a:p>
           <a:p>
             <a:pPr marL="342900" indent="-342900"/>
             <a:r>
               <a:rPr lang="en-US" dirty="0"/>
-              <a:t>Exceptions </a:t>
-            </a:r>
-            <a:r>
-              <a:rPr lang="en-US" dirty="0" smtClean="0"/>
-              <a:t>Calendar</a:t>
-            </a:r>
-            <a:endParaRPr lang="en-US" dirty="0"/>
+              <a:t>Exceptions Calendar</a:t>
+            </a:r>
           </a:p>
         </p:txBody>
       </p:sp>
@@ -11529,10 +11566,9 @@
           <a:p>
             <a:pPr lvl="1"/>
             <a:r>
-              <a:rPr lang="en-US" dirty="0" smtClean="0"/>
+              <a:rPr lang="en-US" dirty="0"/>
               <a:t>Notifications</a:t>
             </a:r>
-            <a:endParaRPr lang="en-US" dirty="0"/>
           </a:p>
           <a:p>
             <a:pPr lvl="1"/>
@@ -11542,34 +11578,29 @@
             </a:r>
             <a:r>
               <a:rPr lang="en-US" dirty="0"/>
-              <a:t> </a:t>
-            </a:r>
-            <a:r>
-              <a:rPr lang="en-US" dirty="0" smtClean="0"/>
-              <a:t>channel</a:t>
+              <a:t> channel</a:t>
             </a:r>
             <a:endParaRPr lang="en-US" u="sng" dirty="0"/>
           </a:p>
           <a:p>
             <a:r>
-              <a:rPr lang="en-US" b="1" u="sng" dirty="0" smtClean="0"/>
+              <a:rPr lang="en-US" b="1" u="sng" dirty="0"/>
               <a:t>GitHub:</a:t>
             </a:r>
           </a:p>
           <a:p>
             <a:pPr lvl="1"/>
             <a:r>
-              <a:rPr lang="en-US" dirty="0" smtClean="0"/>
+              <a:rPr lang="en-US" dirty="0"/>
               <a:t>Source code</a:t>
             </a:r>
           </a:p>
           <a:p>
             <a:pPr lvl="1"/>
             <a:r>
-              <a:rPr lang="en-US" dirty="0" smtClean="0"/>
+              <a:rPr lang="en-US" dirty="0"/>
               <a:t>Other artifacts</a:t>
             </a:r>
-            <a:endParaRPr lang="en-US" dirty="0"/>
           </a:p>
         </p:txBody>
       </p:sp>
@@ -11805,46 +11836,37 @@
           <a:lstStyle/>
           <a:p>
             <a:r>
-              <a:rPr lang="en-US" dirty="0" smtClean="0"/>
+              <a:rPr lang="en-US" dirty="0"/>
               <a:t>SPMP formatting and style</a:t>
             </a:r>
-            <a:endParaRPr lang="en-US" dirty="0"/>
-          </a:p>
-          <a:p>
-            <a:r>
-              <a:rPr lang="en-US" dirty="0" smtClean="0"/>
+          </a:p>
+          <a:p>
+            <a:r>
+              <a:rPr lang="en-US" dirty="0"/>
               <a:t>Artifact review method</a:t>
             </a:r>
-            <a:endParaRPr lang="en-US" dirty="0"/>
-          </a:p>
-          <a:p>
-            <a:r>
-              <a:rPr lang="en-US" dirty="0" err="1" smtClean="0"/>
+          </a:p>
+          <a:p>
+            <a:r>
+              <a:rPr lang="en-US" dirty="0" err="1"/>
               <a:t>Wrike</a:t>
             </a:r>
             <a:r>
-              <a:rPr lang="en-US" dirty="0" smtClean="0"/>
+              <a:rPr lang="en-US" dirty="0"/>
               <a:t> under-utilized</a:t>
             </a:r>
-            <a:endParaRPr lang="en-US" dirty="0"/>
-          </a:p>
-          <a:p>
-            <a:r>
-              <a:rPr lang="en-US" dirty="0" smtClean="0"/>
+          </a:p>
+          <a:p>
+            <a:r>
+              <a:rPr lang="en-US" dirty="0"/>
               <a:t>Dependencies not established early </a:t>
             </a:r>
-            <a:endParaRPr lang="en-US" dirty="0"/>
-          </a:p>
-          <a:p>
-            <a:r>
-              <a:rPr lang="en-US" dirty="0"/>
-              <a:t>Communication with </a:t>
-            </a:r>
-            <a:r>
-              <a:rPr lang="en-US" dirty="0" smtClean="0"/>
-              <a:t>PMs</a:t>
-            </a:r>
-            <a:endParaRPr lang="en-US" dirty="0"/>
+          </a:p>
+          <a:p>
+            <a:r>
+              <a:rPr lang="en-US" dirty="0"/>
+              <a:t>Communication with PMs</a:t>
+            </a:r>
           </a:p>
           <a:p>
             <a:endParaRPr lang="en-US" dirty="0"/>
@@ -11919,49 +11941,41 @@
           <a:lstStyle/>
           <a:p>
             <a:r>
-              <a:rPr lang="en-US" dirty="0" smtClean="0"/>
+              <a:rPr lang="en-US" dirty="0"/>
               <a:t>Artifact format standards</a:t>
             </a:r>
-            <a:endParaRPr lang="en-US" dirty="0"/>
-          </a:p>
-          <a:p>
-            <a:r>
-              <a:rPr lang="en-US" dirty="0" smtClean="0"/>
-              <a:t>Establish artifact </a:t>
-            </a:r>
-            <a:r>
-              <a:rPr lang="en-US" dirty="0"/>
-              <a:t>review method</a:t>
-            </a:r>
-          </a:p>
-          <a:p>
-            <a:r>
-              <a:rPr lang="en-US" dirty="0" smtClean="0"/>
+          </a:p>
+          <a:p>
+            <a:r>
+              <a:rPr lang="en-US" dirty="0"/>
+              <a:t>Establish artifact review method</a:t>
+            </a:r>
+          </a:p>
+          <a:p>
+            <a:r>
+              <a:rPr lang="en-US" dirty="0"/>
               <a:t>Use </a:t>
             </a:r>
             <a:r>
-              <a:rPr lang="en-US" dirty="0" err="1" smtClean="0"/>
+              <a:rPr lang="en-US" dirty="0" err="1"/>
               <a:t>Wrike</a:t>
             </a:r>
             <a:r>
-              <a:rPr lang="en-US" dirty="0" smtClean="0"/>
+              <a:rPr lang="en-US" dirty="0"/>
               <a:t> more</a:t>
             </a:r>
-            <a:endParaRPr lang="en-US" dirty="0"/>
-          </a:p>
-          <a:p>
-            <a:r>
-              <a:rPr lang="en-US" dirty="0" smtClean="0"/>
+          </a:p>
+          <a:p>
+            <a:r>
+              <a:rPr lang="en-US" dirty="0"/>
               <a:t>Reorganize repository</a:t>
             </a:r>
-            <a:endParaRPr lang="en-US" dirty="0"/>
-          </a:p>
-          <a:p>
-            <a:r>
-              <a:rPr lang="en-US" dirty="0" smtClean="0"/>
+          </a:p>
+          <a:p>
+            <a:r>
+              <a:rPr lang="en-US" dirty="0"/>
               <a:t>Formalize PM communication</a:t>
             </a:r>
-            <a:endParaRPr lang="en-US" dirty="0"/>
           </a:p>
         </p:txBody>
       </p:sp>
@@ -12013,12 +12027,8 @@
           <a:lstStyle/>
           <a:p>
             <a:r>
-              <a:rPr lang="en-US" dirty="0" smtClean="0"/>
+              <a:rPr lang="en-US" dirty="0"/>
               <a:t>What would we do differently from Part 1?</a:t>
-            </a:r>
-            <a:r>
-              <a:rPr lang="en-US" dirty="0"/>
-              <a:t/>
             </a:r>
             <a:br>
               <a:rPr lang="en-US" dirty="0"/>
@@ -12044,38 +12054,26 @@
           <a:p>
             <a:r>
               <a:rPr lang="en-US" dirty="0"/>
-              <a:t>Assign tasks </a:t>
-            </a:r>
-            <a:r>
-              <a:rPr lang="en-US" dirty="0" smtClean="0"/>
-              <a:t>more quickly</a:t>
-            </a:r>
-            <a:endParaRPr lang="en-US" dirty="0"/>
-          </a:p>
-          <a:p>
-            <a:r>
-              <a:rPr lang="en-US" dirty="0" smtClean="0"/>
+              <a:t>Assign tasks more quickly</a:t>
+            </a:r>
+          </a:p>
+          <a:p>
+            <a:r>
+              <a:rPr lang="en-US" dirty="0"/>
               <a:t>Establish dependencies earlier</a:t>
             </a:r>
-            <a:endParaRPr lang="en-US" dirty="0"/>
-          </a:p>
-          <a:p>
-            <a:r>
-              <a:rPr lang="en-US" dirty="0" smtClean="0"/>
+          </a:p>
+          <a:p>
+            <a:r>
+              <a:rPr lang="en-US" dirty="0"/>
               <a:t>Review artifacts/tasks with PMs earlier</a:t>
             </a:r>
-            <a:endParaRPr lang="en-US" dirty="0"/>
-          </a:p>
-          <a:p>
-            <a:r>
-              <a:rPr lang="en-US" dirty="0"/>
-              <a:t>Establish </a:t>
-            </a:r>
-            <a:r>
-              <a:rPr lang="en-US" dirty="0" smtClean="0"/>
-              <a:t>formal communication process with PMs</a:t>
-            </a:r>
-            <a:endParaRPr lang="en-US" dirty="0"/>
+          </a:p>
+          <a:p>
+            <a:r>
+              <a:rPr lang="en-US" dirty="0"/>
+              <a:t>Establish formal communication process with PMs</a:t>
+            </a:r>
           </a:p>
           <a:p>
             <a:r>
@@ -12199,7 +12197,7 @@
               </a:buClr>
             </a:pPr>
             <a:r>
-              <a:rPr lang="en-US" sz="3800" dirty="0" smtClean="0"/>
+              <a:rPr lang="en-US" sz="3800" dirty="0"/>
               <a:t>Language of choice: C++ </a:t>
             </a:r>
           </a:p>
@@ -12210,7 +12208,7 @@
               </a:buClr>
             </a:pPr>
             <a:r>
-              <a:rPr lang="en-US" sz="3800" dirty="0" smtClean="0"/>
+              <a:rPr lang="en-US" sz="3800" dirty="0"/>
               <a:t>Other languages: VBScript, BASH, Windows Batch, JavaScript, C#</a:t>
             </a:r>
           </a:p>
@@ -12221,7 +12219,7 @@
               </a:buClr>
             </a:pPr>
             <a:r>
-              <a:rPr lang="en-US" sz="3800" dirty="0" smtClean="0"/>
+              <a:rPr lang="en-US" sz="3800" dirty="0"/>
               <a:t>Strengths: Project management experience, CS research experience, detail-oriented.</a:t>
             </a:r>
           </a:p>
@@ -12232,16 +12230,12 @@
               </a:buClr>
             </a:pPr>
             <a:r>
-              <a:rPr lang="en-US" sz="3800" dirty="0" err="1" smtClean="0"/>
+              <a:rPr lang="en-US" sz="3800" dirty="0" err="1"/>
               <a:t>Durwin</a:t>
             </a:r>
             <a:r>
-              <a:rPr lang="en-US" sz="3800" dirty="0" smtClean="0"/>
-              <a:t> </a:t>
-            </a:r>
-            <a:r>
               <a:rPr lang="en-US" sz="3800" dirty="0"/>
-              <a:t>Johnson</a:t>
+              <a:t> Johnson</a:t>
             </a:r>
           </a:p>
           <a:p>
@@ -12251,7 +12245,7 @@
               </a:buClr>
             </a:pPr>
             <a:r>
-              <a:rPr lang="en-US" sz="3800" dirty="0" smtClean="0"/>
+              <a:rPr lang="en-US" sz="3800" dirty="0"/>
               <a:t>Language of choice: C++</a:t>
             </a:r>
           </a:p>
@@ -12262,7 +12256,7 @@
               </a:buClr>
             </a:pPr>
             <a:r>
-              <a:rPr lang="en-US" sz="3800" dirty="0" smtClean="0"/>
+              <a:rPr lang="en-US" sz="3800" dirty="0"/>
               <a:t>Other languages:  lesser degrees of c#, visual basic, and Java</a:t>
             </a:r>
           </a:p>
@@ -12273,7 +12267,7 @@
               </a:buClr>
             </a:pPr>
             <a:r>
-              <a:rPr lang="en-US" sz="3800" dirty="0" smtClean="0"/>
+              <a:rPr lang="en-US" sz="3800" dirty="0"/>
               <a:t>Strengths: Detail-oriented, planning, problem solver.</a:t>
             </a:r>
           </a:p>
@@ -12284,12 +12278,8 @@
               </a:buClr>
             </a:pPr>
             <a:r>
-              <a:rPr lang="en-US" sz="3800" dirty="0" smtClean="0"/>
-              <a:t>Alex </a:t>
-            </a:r>
-            <a:r>
               <a:rPr lang="en-US" sz="3800" dirty="0"/>
-              <a:t>Pope </a:t>
+              <a:t>Alex Pope </a:t>
             </a:r>
           </a:p>
           <a:p>
@@ -12514,23 +12504,19 @@
             </a:pPr>
             <a:r>
               <a:rPr lang="en-US" dirty="0"/>
-              <a:t>• Programming Languages: JavaScript, C++ , Python,  </a:t>
-            </a:r>
-            <a:r>
-              <a:rPr lang="en-US" dirty="0" smtClean="0"/>
-              <a:t>Java</a:t>
+              <a:t>• Programming Languages: JavaScript, C++ , Python,  Java</a:t>
             </a:r>
           </a:p>
           <a:p>
             <a:pPr lvl="1"/>
             <a:r>
-              <a:rPr lang="en-US" dirty="0" smtClean="0"/>
+              <a:rPr lang="en-US" dirty="0"/>
               <a:t>Currently does web development</a:t>
             </a:r>
           </a:p>
           <a:p>
             <a:pPr lvl="1"/>
-            <a:endParaRPr lang="en-US" sz="2000" dirty="0" smtClean="0"/>
+            <a:endParaRPr lang="en-US" sz="2000" dirty="0"/>
           </a:p>
           <a:p>
             <a:pPr lvl="1"/>
@@ -12795,21 +12781,21 @@
                 <a:gridCol w="4063296">
                   <a:extLst>
                     <a:ext uri="{9D8B030D-6E8A-4147-A177-3AD203B41FA5}">
-                      <a16:colId xmlns:a16="http://schemas.microsoft.com/office/drawing/2014/main" xmlns="" val="1152663379"/>
+                      <a16:colId xmlns:a16="http://schemas.microsoft.com/office/drawing/2014/main" val="1152663379"/>
                     </a:ext>
                   </a:extLst>
                 </a:gridCol>
                 <a:gridCol w="4063296">
                   <a:extLst>
                     <a:ext uri="{9D8B030D-6E8A-4147-A177-3AD203B41FA5}">
-                      <a16:colId xmlns:a16="http://schemas.microsoft.com/office/drawing/2014/main" xmlns="" val="4093988358"/>
+                      <a16:colId xmlns:a16="http://schemas.microsoft.com/office/drawing/2014/main" val="4093988358"/>
                     </a:ext>
                   </a:extLst>
                 </a:gridCol>
                 <a:gridCol w="4063296">
                   <a:extLst>
                     <a:ext uri="{9D8B030D-6E8A-4147-A177-3AD203B41FA5}">
-                      <a16:colId xmlns:a16="http://schemas.microsoft.com/office/drawing/2014/main" xmlns="" val="3060563141"/>
+                      <a16:colId xmlns:a16="http://schemas.microsoft.com/office/drawing/2014/main" val="3060563141"/>
                     </a:ext>
                   </a:extLst>
                 </a:gridCol>
@@ -12881,7 +12867,7 @@
                 </a:tc>
                 <a:extLst>
                   <a:ext uri="{0D108BD9-81ED-4DB2-BD59-A6C34878D82A}">
-                    <a16:rowId xmlns:a16="http://schemas.microsoft.com/office/drawing/2014/main" xmlns="" val="915339384"/>
+                    <a16:rowId xmlns:a16="http://schemas.microsoft.com/office/drawing/2014/main" val="915339384"/>
                   </a:ext>
                 </a:extLst>
               </a:tr>
@@ -12943,15 +12929,7 @@
                             <a:schemeClr val="tx1"/>
                           </a:solidFill>
                         </a:rPr>
-                        <a:t> development team’s </a:t>
-                      </a:r>
-                      <a:r>
-                        <a:rPr lang="en-US" sz="1600" baseline="0" dirty="0" smtClean="0">
-                          <a:solidFill>
-                            <a:schemeClr val="tx1"/>
-                          </a:solidFill>
-                        </a:rPr>
-                        <a:t>tasks</a:t>
+                        <a:t> development team’s tasks</a:t>
                       </a:r>
                     </a:p>
                     <a:p>
@@ -12960,7 +12938,7 @@
                         <a:buChar char="•"/>
                       </a:pPr>
                       <a:r>
-                        <a:rPr lang="en-US" sz="1600" baseline="0" dirty="0" smtClean="0">
+                        <a:rPr lang="en-US" sz="1600" baseline="0" dirty="0">
                           <a:solidFill>
                             <a:schemeClr val="tx1"/>
                           </a:solidFill>
@@ -12974,20 +12952,12 @@
                         <a:buChar char="•"/>
                       </a:pPr>
                       <a:r>
-                        <a:rPr lang="en-US" sz="1600" baseline="0" dirty="0" smtClean="0">
-                          <a:solidFill>
-                            <a:schemeClr val="tx1"/>
-                          </a:solidFill>
-                        </a:rPr>
-                        <a:t>Submitting </a:t>
-                      </a:r>
-                      <a:r>
                         <a:rPr lang="en-US" sz="1600" baseline="0" dirty="0">
                           <a:solidFill>
                             <a:schemeClr val="tx1"/>
                           </a:solidFill>
                         </a:rPr>
-                        <a:t>Progress report to customer and Project Managers</a:t>
+                        <a:t>Submitting Progress report to customer and Project Managers</a:t>
                       </a:r>
                     </a:p>
                     <a:p>
@@ -13001,28 +12971,15 @@
                             <a:schemeClr val="tx1"/>
                           </a:solidFill>
                         </a:rPr>
-                        <a:t>Team signoffs on </a:t>
+                        <a:t>Team signoffs on artifacts</a:t>
                       </a:r>
-                      <a:r>
-                        <a:rPr lang="en-US" sz="1600" baseline="0" dirty="0" smtClean="0">
-                          <a:solidFill>
-                            <a:schemeClr val="tx1"/>
-                          </a:solidFill>
-                        </a:rPr>
-                        <a:t>artifacts</a:t>
-                      </a:r>
-                      <a:endParaRPr lang="en-US" sz="1600" baseline="0" dirty="0">
-                        <a:solidFill>
-                          <a:schemeClr val="tx1"/>
-                        </a:solidFill>
-                      </a:endParaRPr>
                     </a:p>
                   </a:txBody>
                   <a:tcPr/>
                 </a:tc>
                 <a:extLst>
                   <a:ext uri="{0D108BD9-81ED-4DB2-BD59-A6C34878D82A}">
-                    <a16:rowId xmlns:a16="http://schemas.microsoft.com/office/drawing/2014/main" xmlns="" val="818094390"/>
+                    <a16:rowId xmlns:a16="http://schemas.microsoft.com/office/drawing/2014/main" val="818094390"/>
                   </a:ext>
                 </a:extLst>
               </a:tr>
@@ -13163,7 +13120,7 @@
                 </a:tc>
                 <a:extLst>
                   <a:ext uri="{0D108BD9-81ED-4DB2-BD59-A6C34878D82A}">
-                    <a16:rowId xmlns:a16="http://schemas.microsoft.com/office/drawing/2014/main" xmlns="" val="3081298328"/>
+                    <a16:rowId xmlns:a16="http://schemas.microsoft.com/office/drawing/2014/main" val="3081298328"/>
                   </a:ext>
                 </a:extLst>
               </a:tr>
@@ -13254,7 +13211,7 @@
                 </a:tc>
                 <a:extLst>
                   <a:ext uri="{0D108BD9-81ED-4DB2-BD59-A6C34878D82A}">
-                    <a16:rowId xmlns:a16="http://schemas.microsoft.com/office/drawing/2014/main" xmlns="" val="2889210439"/>
+                    <a16:rowId xmlns:a16="http://schemas.microsoft.com/office/drawing/2014/main" val="2889210439"/>
                   </a:ext>
                 </a:extLst>
               </a:tr>
@@ -13337,7 +13294,7 @@
                 </a:tc>
                 <a:extLst>
                   <a:ext uri="{0D108BD9-81ED-4DB2-BD59-A6C34878D82A}">
-                    <a16:rowId xmlns:a16="http://schemas.microsoft.com/office/drawing/2014/main" xmlns="" val="594971708"/>
+                    <a16:rowId xmlns:a16="http://schemas.microsoft.com/office/drawing/2014/main" val="594971708"/>
                   </a:ext>
                 </a:extLst>
               </a:tr>
@@ -13464,15 +13421,7 @@
                             <a:schemeClr val="tx1"/>
                           </a:solidFill>
                         </a:rPr>
-                        <a:t>Provide guidance and recommendations with all aspects of </a:t>
-                      </a:r>
-                      <a:r>
-                        <a:rPr lang="en-US" sz="1600" baseline="0" dirty="0" smtClean="0">
-                          <a:solidFill>
-                            <a:schemeClr val="tx1"/>
-                          </a:solidFill>
-                        </a:rPr>
-                        <a:t>project</a:t>
+                        <a:t>Provide guidance and recommendations with all aspects of project</a:t>
                       </a:r>
                       <a:endParaRPr lang="en-US" sz="1600" dirty="0">
                         <a:solidFill>
@@ -13485,7 +13434,7 @@
                 </a:tc>
                 <a:extLst>
                   <a:ext uri="{0D108BD9-81ED-4DB2-BD59-A6C34878D82A}">
-                    <a16:rowId xmlns:a16="http://schemas.microsoft.com/office/drawing/2014/main" xmlns="" val="2512481468"/>
+                    <a16:rowId xmlns:a16="http://schemas.microsoft.com/office/drawing/2014/main" val="2512481468"/>
                   </a:ext>
                 </a:extLst>
               </a:tr>
@@ -13577,7 +13526,7 @@
                 </a:tc>
                 <a:extLst>
                   <a:ext uri="{0D108BD9-81ED-4DB2-BD59-A6C34878D82A}">
-                    <a16:rowId xmlns:a16="http://schemas.microsoft.com/office/drawing/2014/main" xmlns="" val="100471134"/>
+                    <a16:rowId xmlns:a16="http://schemas.microsoft.com/office/drawing/2014/main" val="100471134"/>
                   </a:ext>
                 </a:extLst>
               </a:tr>
@@ -13664,18 +13613,17 @@
           </a:p>
           <a:p>
             <a:r>
-              <a:rPr lang="en-US" dirty="0" smtClean="0"/>
+              <a:rPr lang="en-US" dirty="0"/>
               <a:t>Dynamic item reorder quantity adjustment (</a:t>
             </a:r>
             <a:r>
-              <a:rPr lang="en-US" dirty="0" err="1" smtClean="0"/>
+              <a:rPr lang="en-US" dirty="0" err="1"/>
               <a:t>AccuStock</a:t>
             </a:r>
             <a:r>
-              <a:rPr lang="en-US" dirty="0" smtClean="0"/>
+              <a:rPr lang="en-US" dirty="0"/>
               <a:t>)</a:t>
             </a:r>
-            <a:endParaRPr lang="en-US" dirty="0"/>
           </a:p>
           <a:p>
             <a:pPr marL="45720" indent="0">
@@ -13688,46 +13636,26 @@
           </a:p>
           <a:p>
             <a:r>
-              <a:rPr lang="en-US" dirty="0" smtClean="0"/>
-              <a:t>Company-wide sales discount (per-item) – </a:t>
-            </a:r>
-            <a:r>
-              <a:rPr lang="en-US" dirty="0"/>
-              <a:t>Alex Pope</a:t>
-            </a:r>
-          </a:p>
-          <a:p>
-            <a:r>
-              <a:rPr lang="en-US" dirty="0"/>
-              <a:t>Coupled </a:t>
-            </a:r>
-            <a:r>
-              <a:rPr lang="en-US" dirty="0" smtClean="0"/>
-              <a:t>items  </a:t>
-            </a:r>
-            <a:r>
-              <a:rPr lang="en-US" dirty="0"/>
-              <a:t>- Erik Johnson </a:t>
-            </a:r>
-          </a:p>
-          <a:p>
-            <a:r>
-              <a:rPr lang="en-US" dirty="0" smtClean="0"/>
-              <a:t>Customer refill eligibility </a:t>
-            </a:r>
-            <a:r>
-              <a:rPr lang="en-US" dirty="0"/>
-              <a:t>–Cindy Samano</a:t>
-            </a:r>
-          </a:p>
-          <a:p>
-            <a:r>
-              <a:rPr lang="en-US" dirty="0"/>
-              <a:t>Customer </a:t>
-            </a:r>
-            <a:r>
-              <a:rPr lang="en-US" dirty="0" smtClean="0"/>
-              <a:t>coupons – </a:t>
+              <a:rPr lang="en-US" dirty="0"/>
+              <a:t>Company-wide sales discount (per-item) – Alex Pope</a:t>
+            </a:r>
+          </a:p>
+          <a:p>
+            <a:r>
+              <a:rPr lang="en-US" dirty="0"/>
+              <a:t>Coupled items  - Erik Johnson </a:t>
+            </a:r>
+          </a:p>
+          <a:p>
+            <a:r>
+              <a:rPr lang="en-US" dirty="0"/>
+              <a:t>Customer refill eligibility –Cindy Samano</a:t>
+            </a:r>
+          </a:p>
+          <a:p>
+            <a:r>
+              <a:rPr lang="en-US" dirty="0"/>
+              <a:t>Customer coupons – </a:t>
             </a:r>
             <a:r>
               <a:rPr lang="en-US" dirty="0" err="1"/>
@@ -13809,46 +13737,26 @@
           <a:p>
             <a:r>
               <a:rPr lang="en-US" dirty="0"/>
-              <a:t>Programming </a:t>
-            </a:r>
-            <a:r>
-              <a:rPr lang="en-US" dirty="0" smtClean="0"/>
-              <a:t>language: C++</a:t>
-            </a:r>
-            <a:endParaRPr lang="en-US" dirty="0"/>
-          </a:p>
-          <a:p>
-            <a:r>
-              <a:rPr lang="en-US" dirty="0" smtClean="0"/>
-              <a:t>Compiler</a:t>
-            </a:r>
-            <a:r>
-              <a:rPr lang="en-US" dirty="0"/>
-              <a:t>: Visual </a:t>
-            </a:r>
-            <a:r>
-              <a:rPr lang="en-US" dirty="0" smtClean="0"/>
-              <a:t>Studio 2015</a:t>
-            </a:r>
-            <a:endParaRPr lang="en-US" dirty="0"/>
-          </a:p>
-          <a:p>
-            <a:r>
-              <a:rPr lang="en-US" dirty="0" smtClean="0"/>
+              <a:t>Programming language: C++</a:t>
+            </a:r>
+          </a:p>
+          <a:p>
+            <a:r>
+              <a:rPr lang="en-US" dirty="0"/>
+              <a:t>Compiler: Visual Studio 2015</a:t>
+            </a:r>
+          </a:p>
+          <a:p>
+            <a:r>
+              <a:rPr lang="en-US" dirty="0"/>
               <a:t>Program Interface:  Command line</a:t>
             </a:r>
-            <a:endParaRPr lang="en-US" dirty="0"/>
-          </a:p>
-          <a:p>
-            <a:r>
-              <a:rPr lang="en-US" dirty="0" smtClean="0"/>
-              <a:t>Offline data storage:  </a:t>
-            </a:r>
-            <a:r>
-              <a:rPr lang="en-US" dirty="0" smtClean="0"/>
-              <a:t>Flat Files</a:t>
-            </a:r>
-            <a:endParaRPr lang="en-US" dirty="0"/>
+          </a:p>
+          <a:p>
+            <a:r>
+              <a:rPr lang="en-US" dirty="0"/>
+              <a:t>Offline data storage:  Flat Files</a:t>
+            </a:r>
           </a:p>
         </p:txBody>
       </p:sp>
@@ -13905,10 +13813,9 @@
               <a:rPr lang="en-US" dirty="0"/>
             </a:br>
             <a:r>
-              <a:rPr lang="en-US" sz="2800" dirty="0" smtClean="0"/>
+              <a:rPr lang="en-US" sz="2800" dirty="0"/>
               <a:t>Tools Used</a:t>
             </a:r>
-            <a:endParaRPr lang="en-US" sz="2800" dirty="0"/>
           </a:p>
         </p:txBody>
       </p:sp>
@@ -13938,14 +13845,14 @@
           <a:p>
             <a:pPr lvl="1"/>
             <a:r>
-              <a:rPr lang="en-US" dirty="0" smtClean="0"/>
+              <a:rPr lang="en-US" dirty="0"/>
               <a:t>Slack</a:t>
             </a:r>
           </a:p>
           <a:p>
             <a:pPr lvl="1"/>
             <a:r>
-              <a:rPr lang="en-US" dirty="0" smtClean="0"/>
+              <a:rPr lang="en-US" dirty="0"/>
               <a:t>Google Docs and Google Calendar</a:t>
             </a:r>
           </a:p>
@@ -13954,37 +13861,31 @@
               <a:buNone/>
             </a:pPr>
             <a:r>
-              <a:rPr lang="en-US" dirty="0" smtClean="0"/>
-              <a:t>Organization </a:t>
-            </a:r>
-            <a:r>
-              <a:rPr lang="en-US" dirty="0"/>
-              <a:t>tools:</a:t>
+              <a:rPr lang="en-US" dirty="0"/>
+              <a:t>Organization tools:</a:t>
             </a:r>
           </a:p>
           <a:p>
             <a:pPr lvl="1"/>
             <a:r>
-              <a:rPr lang="en-US" dirty="0" err="1" smtClean="0"/>
+              <a:rPr lang="en-US" dirty="0" err="1"/>
               <a:t>Wrike</a:t>
             </a:r>
-            <a:endParaRPr lang="en-US" dirty="0" smtClean="0"/>
+            <a:endParaRPr lang="en-US" dirty="0"/>
           </a:p>
           <a:p>
             <a:pPr lvl="1"/>
             <a:r>
-              <a:rPr lang="en-US" dirty="0" smtClean="0"/>
+              <a:rPr lang="en-US" dirty="0"/>
               <a:t>Microsoft Project</a:t>
             </a:r>
-            <a:endParaRPr lang="en-US" dirty="0"/>
           </a:p>
           <a:p>
             <a:pPr lvl="1"/>
             <a:r>
-              <a:rPr lang="en-US" dirty="0" smtClean="0"/>
+              <a:rPr lang="en-US" dirty="0"/>
               <a:t>GitHub</a:t>
             </a:r>
-            <a:endParaRPr lang="en-US" dirty="0"/>
           </a:p>
           <a:p>
             <a:pPr marL="0" indent="0">
@@ -13998,10 +13899,9 @@
           <a:p>
             <a:pPr lvl="1"/>
             <a:r>
-              <a:rPr lang="en-US" dirty="0" smtClean="0"/>
+              <a:rPr lang="en-US" dirty="0"/>
               <a:t>Toggl</a:t>
             </a:r>
-            <a:endParaRPr lang="en-US" dirty="0"/>
           </a:p>
         </p:txBody>
       </p:sp>
@@ -14249,7 +14149,7 @@
   <a:extraClrSchemeLst/>
   <a:extLst>
     <a:ext uri="{05A4C25C-085E-4340-85A3-A5531E510DB2}">
-      <thm15:themeFamily xmlns:thm15="http://schemas.microsoft.com/office/thememl/2012/main" xmlns="" name="Basis" id="{5665723A-49BA-4B57-8411-A56F8F207965}" vid="{ACC63D00-1EE0-4159-BF5A-6FF02000B710}"/>
+      <thm15:themeFamily xmlns:thm15="http://schemas.microsoft.com/office/thememl/2012/main" name="Basis" id="{5665723A-49BA-4B57-8411-A56F8F207965}" vid="{ACC63D00-1EE0-4159-BF5A-6FF02000B710}"/>
     </a:ext>
   </a:extLst>
 </a:theme>
@@ -14544,7 +14444,7 @@
   <a:extraClrSchemeLst/>
   <a:extLst>
     <a:ext uri="{05A4C25C-085E-4340-85A3-A5531E510DB2}">
-      <thm15:themeFamily xmlns:thm15="http://schemas.microsoft.com/office/thememl/2012/main" xmlns="" name="Office Theme" id="{62F939B6-93AF-4DB8-9C6B-D6C7DFDC589F}" vid="{4A3C46E8-61CC-4603-A589-7422A47A8E4A}"/>
+      <thm15:themeFamily xmlns:thm15="http://schemas.microsoft.com/office/thememl/2012/main" name="Office Theme" id="{62F939B6-93AF-4DB8-9C6B-D6C7DFDC589F}" vid="{4A3C46E8-61CC-4603-A589-7422A47A8E4A}"/>
     </a:ext>
   </a:extLst>
 </a:theme>

--- a/Work_In_Progress/CS/SPMP_Presentation_Erik_Modified.pptx
+++ b/Work_In_Progress/CS/SPMP_Presentation_Erik_Modified.pptx
@@ -5,7 +5,7 @@
     <p:sldMasterId id="2147483731" r:id="rId1"/>
   </p:sldMasterIdLst>
   <p:notesMasterIdLst>
-    <p:notesMasterId r:id="rId25"/>
+    <p:notesMasterId r:id="rId24"/>
   </p:notesMasterIdLst>
   <p:sldIdLst>
     <p:sldId id="256" r:id="rId2"/>
@@ -25,12 +25,11 @@
     <p:sldId id="280" r:id="rId16"/>
     <p:sldId id="273" r:id="rId17"/>
     <p:sldId id="274" r:id="rId18"/>
-    <p:sldId id="270" r:id="rId19"/>
-    <p:sldId id="282" r:id="rId20"/>
-    <p:sldId id="260" r:id="rId21"/>
-    <p:sldId id="261" r:id="rId22"/>
-    <p:sldId id="269" r:id="rId23"/>
-    <p:sldId id="283" r:id="rId24"/>
+    <p:sldId id="282" r:id="rId19"/>
+    <p:sldId id="260" r:id="rId20"/>
+    <p:sldId id="261" r:id="rId21"/>
+    <p:sldId id="269" r:id="rId22"/>
+    <p:sldId id="283" r:id="rId23"/>
   </p:sldIdLst>
   <p:sldSz cx="12192000" cy="6858000"/>
   <p:notesSz cx="6858000" cy="9144000"/>
@@ -233,7 +232,7 @@
           <a:p>
             <a:fld id="{ADE42F8C-8B25-4C7D-B938-A4924DE58183}" type="datetimeFigureOut">
               <a:rPr lang="en-US" smtClean="0"/>
-              <a:t>3/5/2017</a:t>
+              <a:t>3/6/2017</a:t>
             </a:fld>
             <a:endParaRPr lang="en-US"/>
           </a:p>
@@ -2764,7 +2763,15 @@
             </a:r>
             <a:r>
               <a:rPr lang="en-US" b="0" u="none" baseline="0" dirty="0"/>
-              <a:t> but we will copy that same data into Microsoft Project in order to be able to display the TND and Timeline chart. Doing so was tedious and took a large amount of time.</a:t>
+              <a:t> but we will copy that same data into Microsoft Project in order to be able to display the TND and Timeline chart. Doing so was tedious and took a large amount of time. Our PM’s provided us with a Product key in order to get access to </a:t>
+            </a:r>
+            <a:r>
+              <a:rPr lang="en-US" b="0" u="none" baseline="0" dirty="0" err="1"/>
+              <a:t>Ms</a:t>
+            </a:r>
+            <a:r>
+              <a:rPr lang="en-US" b="0" u="none" baseline="0" dirty="0"/>
+              <a:t> Project</a:t>
             </a:r>
           </a:p>
           <a:p>
@@ -3025,8 +3032,22 @@
           <a:bodyPr/>
           <a:lstStyle/>
           <a:p>
-            <a:pPr marL="0" indent="0">
-              <a:buNone/>
+            <a:pPr marL="0" marR="0" lvl="0" indent="0" algn="l" defTabSz="914400" rtl="0" eaLnBrk="1" fontAlgn="auto" latinLnBrk="0" hangingPunct="1">
+              <a:lnSpc>
+                <a:spcPct val="100000"/>
+              </a:lnSpc>
+              <a:spcBef>
+                <a:spcPts val="0"/>
+              </a:spcBef>
+              <a:spcAft>
+                <a:spcPts val="0"/>
+              </a:spcAft>
+              <a:buClrTx/>
+              <a:buSzTx/>
+              <a:buFontTx/>
+              <a:buNone/>
+              <a:tabLst/>
+              <a:defRPr/>
             </a:pPr>
             <a:r>
               <a:rPr lang="en-US" b="1" u="sng" dirty="0"/>
@@ -3034,45 +3055,88 @@
             </a:r>
           </a:p>
           <a:p>
-            <a:pPr marL="0" indent="0">
-              <a:buNone/>
+            <a:pPr marL="0" marR="0" lvl="0" indent="0" algn="l" defTabSz="914400" rtl="0" eaLnBrk="1" fontAlgn="auto" latinLnBrk="0" hangingPunct="1">
+              <a:lnSpc>
+                <a:spcPct val="100000"/>
+              </a:lnSpc>
+              <a:spcBef>
+                <a:spcPts val="0"/>
+              </a:spcBef>
+              <a:spcAft>
+                <a:spcPts val="0"/>
+              </a:spcAft>
+              <a:buClrTx/>
+              <a:buSzTx/>
+              <a:buFontTx/>
+              <a:buNone/>
+              <a:tabLst/>
+              <a:defRPr/>
             </a:pPr>
             <a:r>
               <a:rPr lang="en-US" b="1" u="sng" dirty="0"/>
-              <a:t>Checking Slack once a day:</a:t>
-            </a:r>
-          </a:p>
-          <a:p>
-            <a:pPr marL="628650" lvl="1" indent="-171450">
+              <a:t>Slack:</a:t>
+            </a:r>
+            <a:r>
+              <a:rPr lang="en-US" b="1" u="sng" baseline="0" dirty="0"/>
+              <a:t> </a:t>
+            </a:r>
+          </a:p>
+          <a:p>
+            <a:pPr marL="171450" marR="0" lvl="0" indent="-171450" algn="l" defTabSz="914400" rtl="0" eaLnBrk="1" fontAlgn="auto" latinLnBrk="0" hangingPunct="1">
+              <a:lnSpc>
+                <a:spcPct val="100000"/>
+              </a:lnSpc>
+              <a:spcBef>
+                <a:spcPts val="0"/>
+              </a:spcBef>
+              <a:spcAft>
+                <a:spcPts val="0"/>
+              </a:spcAft>
+              <a:buClrTx/>
+              <a:buSzTx/>
               <a:buFont typeface="Arial" panose="020B0604020202020204" pitchFamily="34" charset="0"/>
               <a:buChar char="•"/>
-            </a:pPr>
-            <a:r>
-              <a:rPr lang="en-US" dirty="0"/>
-              <a:t>Requiring Team members to check Slack at least once per day to stay up to date with project discussions.</a:t>
-            </a:r>
-          </a:p>
-          <a:p>
-            <a:pPr marL="0" indent="0">
-              <a:buNone/>
-            </a:pPr>
-            <a:r>
-              <a:rPr lang="en-US" b="1" u="sng" dirty="0"/>
-              <a:t>Establish meeting dates: </a:t>
-            </a:r>
-            <a:r>
-              <a:rPr lang="en-US" dirty="0"/>
-              <a:t>Recurring in-person meetings on Sundays</a:t>
-            </a:r>
-          </a:p>
-          <a:p>
-            <a:pPr marL="628650" lvl="1" indent="-171450">
+              <a:tabLst/>
+              <a:defRPr/>
+            </a:pPr>
+            <a:r>
+              <a:rPr lang="en-US" b="1" u="none" dirty="0"/>
+              <a:t>Notification</a:t>
+            </a:r>
+            <a:r>
+              <a:rPr lang="en-US" dirty="0"/>
+              <a:t> of a change to the repository of either non-source  code or source code files must be communicated to the other team members through Slack.  </a:t>
+            </a:r>
+          </a:p>
+          <a:p>
+            <a:pPr marL="171450" marR="0" lvl="0" indent="-171450" algn="l" defTabSz="914400" rtl="0" eaLnBrk="1" fontAlgn="auto" latinLnBrk="0" hangingPunct="1">
+              <a:lnSpc>
+                <a:spcPct val="100000"/>
+              </a:lnSpc>
+              <a:spcBef>
+                <a:spcPts val="0"/>
+              </a:spcBef>
+              <a:spcAft>
+                <a:spcPts val="0"/>
+              </a:spcAft>
+              <a:buClrTx/>
+              <a:buSzTx/>
               <a:buFont typeface="Arial" panose="020B0604020202020204" pitchFamily="34" charset="0"/>
               <a:buChar char="•"/>
-            </a:pPr>
-            <a:r>
-              <a:rPr lang="en-US" dirty="0"/>
-              <a:t>Slack channel “</a:t>
+              <a:tabLst/>
+              <a:defRPr/>
+            </a:pPr>
+            <a:r>
+              <a:rPr lang="en-US" b="1" dirty="0" err="1"/>
+              <a:t>Meeting_minutes</a:t>
+            </a:r>
+            <a:r>
+              <a:rPr lang="en-US" b="1" dirty="0"/>
+              <a:t> channel: </a:t>
+            </a:r>
+            <a:r>
+              <a:rPr lang="en-US" dirty="0"/>
+              <a:t>Any changes discussed during in person meetings will be transcribed into </a:t>
             </a:r>
             <a:r>
               <a:rPr lang="en-US" dirty="0" err="1"/>
@@ -3080,65 +3144,198 @@
             </a:r>
             <a:r>
               <a:rPr lang="en-US" dirty="0"/>
-              <a:t>” contained an overview of the discussions from in-person meetings.</a:t>
-            </a:r>
-          </a:p>
-          <a:p>
-            <a:pPr marL="0" indent="0">
-              <a:buNone/>
-            </a:pPr>
+              <a:t> and posted onto Slack.</a:t>
+            </a:r>
+          </a:p>
+          <a:p>
+            <a:pPr marL="0" marR="0" lvl="0" indent="0" algn="l" defTabSz="914400" rtl="0" eaLnBrk="1" fontAlgn="auto" latinLnBrk="0" hangingPunct="1">
+              <a:lnSpc>
+                <a:spcPct val="100000"/>
+              </a:lnSpc>
+              <a:spcBef>
+                <a:spcPts val="0"/>
+              </a:spcBef>
+              <a:spcAft>
+                <a:spcPts val="0"/>
+              </a:spcAft>
+              <a:buClrTx/>
+              <a:buSzTx/>
+              <a:buFontTx/>
+              <a:buNone/>
+              <a:tabLst/>
+              <a:defRPr/>
+            </a:pPr>
+            <a:endParaRPr lang="en-US" dirty="0"/>
+          </a:p>
+          <a:p>
+            <a:pPr marL="0" marR="0" lvl="0" indent="0" algn="l" defTabSz="914400" rtl="0" eaLnBrk="1" fontAlgn="auto" latinLnBrk="0" hangingPunct="1">
+              <a:lnSpc>
+                <a:spcPct val="100000"/>
+              </a:lnSpc>
+              <a:spcBef>
+                <a:spcPts val="0"/>
+              </a:spcBef>
+              <a:spcAft>
+                <a:spcPts val="0"/>
+              </a:spcAft>
+              <a:buClrTx/>
+              <a:buSzTx/>
+              <a:buFontTx/>
+              <a:buNone/>
+              <a:tabLst/>
+              <a:defRPr/>
+            </a:pPr>
+            <a:r>
+              <a:rPr lang="en-US" b="1" u="sng" dirty="0" err="1"/>
+              <a:t>Github</a:t>
+            </a:r>
             <a:r>
               <a:rPr lang="en-US" b="1" u="sng" dirty="0"/>
-              <a:t>General Availability Doc</a:t>
-            </a:r>
-            <a:r>
-              <a:rPr lang="en-US" dirty="0"/>
               <a:t>:</a:t>
             </a:r>
           </a:p>
           <a:p>
-            <a:pPr marL="628650" lvl="1" indent="-171450">
+            <a:pPr marL="171450" marR="0" lvl="0" indent="-171450" algn="l" defTabSz="914400" rtl="0" eaLnBrk="1" fontAlgn="auto" latinLnBrk="0" hangingPunct="1">
+              <a:lnSpc>
+                <a:spcPct val="100000"/>
+              </a:lnSpc>
+              <a:spcBef>
+                <a:spcPts val="0"/>
+              </a:spcBef>
+              <a:spcAft>
+                <a:spcPts val="0"/>
+              </a:spcAft>
+              <a:buClrTx/>
+              <a:buSzTx/>
               <a:buFont typeface="Arial" panose="020B0604020202020204" pitchFamily="34" charset="0"/>
               <a:buChar char="•"/>
-            </a:pPr>
-            <a:r>
-              <a:rPr lang="en-US" dirty="0"/>
-              <a:t>Requiring team members to fill in their general availability during the week.</a:t>
-            </a:r>
-          </a:p>
-          <a:p>
-            <a:pPr marL="0" indent="0">
-              <a:buNone/>
+              <a:tabLst/>
+              <a:defRPr/>
             </a:pPr>
             <a:r>
               <a:rPr lang="en-US" b="1" u="sng" dirty="0"/>
-              <a:t>Exceptions Calendar:</a:t>
-            </a:r>
-          </a:p>
-          <a:p>
-            <a:pPr marL="628650" lvl="1" indent="-171450">
+              <a:t>Source</a:t>
+            </a:r>
+            <a:r>
+              <a:rPr lang="en-US" b="1" u="sng" baseline="0" dirty="0"/>
+              <a:t> code: </a:t>
+            </a:r>
+          </a:p>
+          <a:p>
+            <a:pPr marL="0" marR="0" lvl="0" indent="0" algn="l" defTabSz="914400" rtl="0" eaLnBrk="1" fontAlgn="auto" latinLnBrk="0" hangingPunct="1">
+              <a:lnSpc>
+                <a:spcPct val="100000"/>
+              </a:lnSpc>
+              <a:spcBef>
+                <a:spcPts val="0"/>
+              </a:spcBef>
+              <a:spcAft>
+                <a:spcPts val="0"/>
+              </a:spcAft>
+              <a:buClrTx/>
+              <a:buSzTx/>
+              <a:buFont typeface="Arial" panose="020B0604020202020204" pitchFamily="34" charset="0"/>
+              <a:buNone/>
+              <a:tabLst/>
+              <a:defRPr/>
+            </a:pPr>
+            <a:r>
+              <a:rPr lang="en-US" b="0" u="none" baseline="0" dirty="0"/>
+              <a:t>W</a:t>
+            </a:r>
+            <a:r>
+              <a:rPr lang="en-US" baseline="0" dirty="0"/>
+              <a:t>ill require one administrator (Cindy or Erik) review in order to commit to master branch. When uploading new source code files it will be uploaded to a separate protected branch.  In this separate branch team members will be able to upload changed files without having to worry about affecting the master branch. The master branch will act as the baseline for all artifacts. Protected branches by default require at least one review before committing to the master.</a:t>
+            </a:r>
+          </a:p>
+          <a:p>
+            <a:pPr marL="171450" marR="0" lvl="0" indent="-171450" algn="l" defTabSz="914400" rtl="0" eaLnBrk="1" fontAlgn="auto" latinLnBrk="0" hangingPunct="1">
+              <a:lnSpc>
+                <a:spcPct val="100000"/>
+              </a:lnSpc>
+              <a:spcBef>
+                <a:spcPts val="0"/>
+              </a:spcBef>
+              <a:spcAft>
+                <a:spcPts val="0"/>
+              </a:spcAft>
+              <a:buClrTx/>
+              <a:buSzTx/>
               <a:buFont typeface="Arial" panose="020B0604020202020204" pitchFamily="34" charset="0"/>
               <a:buChar char="•"/>
-            </a:pPr>
-            <a:r>
-              <a:rPr lang="en-US" dirty="0"/>
-              <a:t>If team member had no changes to their general availability but were unavailable on a specific day, they were</a:t>
-            </a:r>
-            <a:r>
-              <a:rPr lang="en-US" baseline="0" dirty="0"/>
-              <a:t> required</a:t>
-            </a:r>
-            <a:r>
-              <a:rPr lang="en-US" dirty="0"/>
-              <a:t> to report it to this calendar</a:t>
-            </a:r>
-            <a:r>
-              <a:rPr lang="en-US" baseline="0" dirty="0"/>
-              <a:t> by Sunday at 7 PM.</a:t>
-            </a:r>
-            <a:endParaRPr lang="en-US" dirty="0"/>
-          </a:p>
-          <a:p>
+              <a:tabLst/>
+              <a:defRPr/>
+            </a:pPr>
+            <a:endParaRPr lang="en-US" baseline="0" dirty="0"/>
+          </a:p>
+          <a:p>
+            <a:pPr marL="171450" marR="0" lvl="0" indent="-171450" algn="l" defTabSz="914400" rtl="0" eaLnBrk="1" fontAlgn="auto" latinLnBrk="0" hangingPunct="1">
+              <a:lnSpc>
+                <a:spcPct val="100000"/>
+              </a:lnSpc>
+              <a:spcBef>
+                <a:spcPts val="0"/>
+              </a:spcBef>
+              <a:spcAft>
+                <a:spcPts val="0"/>
+              </a:spcAft>
+              <a:buClrTx/>
+              <a:buSzTx/>
+              <a:buFont typeface="Arial" panose="020B0604020202020204" pitchFamily="34" charset="0"/>
+              <a:buChar char="•"/>
+              <a:tabLst/>
+              <a:defRPr/>
+            </a:pPr>
+            <a:r>
+              <a:rPr lang="en-US" b="1" u="sng" baseline="0" dirty="0"/>
+              <a:t>Other artifacts: </a:t>
+            </a:r>
+          </a:p>
+          <a:p>
+            <a:pPr marL="0" marR="0" lvl="0" indent="0" algn="l" defTabSz="914400" rtl="0" eaLnBrk="1" fontAlgn="auto" latinLnBrk="0" hangingPunct="1">
+              <a:lnSpc>
+                <a:spcPct val="100000"/>
+              </a:lnSpc>
+              <a:spcBef>
+                <a:spcPts val="0"/>
+              </a:spcBef>
+              <a:spcAft>
+                <a:spcPts val="0"/>
+              </a:spcAft>
+              <a:buClrTx/>
+              <a:buSzTx/>
+              <a:buFont typeface="Arial" panose="020B0604020202020204" pitchFamily="34" charset="0"/>
+              <a:buNone/>
+              <a:tabLst/>
+              <a:defRPr/>
+            </a:pPr>
+            <a:r>
+              <a:rPr lang="en-US" b="0" u="none" baseline="0" dirty="0"/>
+              <a:t>Files that are non-source code can be uploaded directly to the master branch without review during part 1 of SPMP. Files that are still in progress will have an _ in the title.  Those without a “_” will be assumed to be 100% complete.</a:t>
+            </a:r>
+          </a:p>
+          <a:p>
+            <a:pPr marL="171450" marR="0" lvl="0" indent="-171450" algn="l" defTabSz="914400" rtl="0" eaLnBrk="1" fontAlgn="auto" latinLnBrk="0" hangingPunct="1">
+              <a:lnSpc>
+                <a:spcPct val="100000"/>
+              </a:lnSpc>
+              <a:spcBef>
+                <a:spcPts val="0"/>
+              </a:spcBef>
+              <a:spcAft>
+                <a:spcPts val="0"/>
+              </a:spcAft>
+              <a:buClrTx/>
+              <a:buSzTx/>
+              <a:buFont typeface="Arial" panose="020B0604020202020204" pitchFamily="34" charset="0"/>
+              <a:buChar char="•"/>
+              <a:tabLst/>
+              <a:defRPr/>
+            </a:pPr>
+            <a:r>
+              <a:rPr lang="en-US" b="0" u="none" baseline="0" dirty="0"/>
+              <a:t>As far as the non-source code part, that method has been working and we did notify each other on slack whenever there was a new file uploaded. There were problems such as the formatting, that were brought to our attention because of this, but the method it’s self is a good starting place </a:t>
+            </a:r>
             <a:endParaRPr lang="en-US" dirty="0"/>
           </a:p>
         </p:txBody>
@@ -3169,7 +3366,7 @@
     </p:spTree>
     <p:extLst>
       <p:ext uri="{BB962C8B-B14F-4D97-AF65-F5344CB8AC3E}">
-        <p14:creationId xmlns:p14="http://schemas.microsoft.com/office/powerpoint/2010/main" val="3316633356"/>
+        <p14:creationId xmlns:p14="http://schemas.microsoft.com/office/powerpoint/2010/main" val="2185845843"/>
       </p:ext>
     </p:extLst>
   </p:cSld>
@@ -3223,6 +3420,107 @@
           <a:bodyPr/>
           <a:lstStyle/>
           <a:p>
+            <a:r>
+              <a:rPr lang="en-US" b="1" u="sng" dirty="0"/>
+              <a:t>CS</a:t>
+            </a:r>
+          </a:p>
+          <a:p>
+            <a:r>
+              <a:rPr lang="en-US" b="1" u="sng" dirty="0"/>
+              <a:t>Early</a:t>
+            </a:r>
+            <a:r>
+              <a:rPr lang="en-US" b="1" u="sng" baseline="0" dirty="0"/>
+              <a:t> start:  </a:t>
+            </a:r>
+          </a:p>
+          <a:p>
+            <a:pPr marL="171450" indent="-171450">
+              <a:buFont typeface="Arial" panose="020B0604020202020204" pitchFamily="34" charset="0"/>
+              <a:buChar char="•"/>
+            </a:pPr>
+            <a:r>
+              <a:rPr lang="en-US" baseline="0" dirty="0"/>
+              <a:t>Before the we chose teams, </a:t>
+            </a:r>
+            <a:r>
+              <a:rPr lang="en-US" baseline="0" dirty="0" err="1"/>
+              <a:t>Durwin</a:t>
+            </a:r>
+            <a:r>
+              <a:rPr lang="en-US" baseline="0" dirty="0"/>
+              <a:t> and Erik had discussed tools. We also had a small meeting the same day teams were chosen and had meetings since then.</a:t>
+            </a:r>
+          </a:p>
+          <a:p>
+            <a:pPr marL="171450" indent="-171450">
+              <a:buFont typeface="Arial" panose="020B0604020202020204" pitchFamily="34" charset="0"/>
+              <a:buChar char="•"/>
+            </a:pPr>
+            <a:r>
+              <a:rPr lang="en-US" baseline="0" dirty="0"/>
+              <a:t>Through these meetings we were able to minimize the time spent deciding on a meeting location and  on the methods of communication before the SPMP was assigned.</a:t>
+            </a:r>
+          </a:p>
+          <a:p>
+            <a:endParaRPr lang="en-US" baseline="0" dirty="0"/>
+          </a:p>
+          <a:p>
+            <a:r>
+              <a:rPr lang="en-US" b="1" u="sng" baseline="0" dirty="0"/>
+              <a:t>Establishing in-person meetings: </a:t>
+            </a:r>
+          </a:p>
+          <a:p>
+            <a:pPr marL="171450" indent="-171450">
+              <a:buFont typeface="Arial" panose="020B0604020202020204" pitchFamily="34" charset="0"/>
+              <a:buChar char="•"/>
+            </a:pPr>
+            <a:r>
+              <a:rPr lang="en-US" baseline="0" dirty="0"/>
+              <a:t>Setting up required in-person meetings allowed us to discuss tools, skillsets and assign any tasks we knew we could expect on the SPMP</a:t>
+            </a:r>
+          </a:p>
+          <a:p>
+            <a:r>
+              <a:rPr lang="en-US" baseline="0" dirty="0"/>
+              <a:t>		     </a:t>
+            </a:r>
+            <a:endParaRPr lang="en-US" dirty="0"/>
+          </a:p>
+          <a:p>
+            <a:r>
+              <a:rPr lang="en-US" b="1" u="sng" dirty="0"/>
+              <a:t>Selection</a:t>
+            </a:r>
+            <a:r>
+              <a:rPr lang="en-US" b="1" u="sng" baseline="0" dirty="0"/>
+              <a:t> of time tracking tool: </a:t>
+            </a:r>
+          </a:p>
+          <a:p>
+            <a:pPr marL="171450" indent="-171450">
+              <a:buFont typeface="Arial" panose="020B0604020202020204" pitchFamily="34" charset="0"/>
+              <a:buChar char="•"/>
+            </a:pPr>
+            <a:r>
+              <a:rPr lang="en-US" b="0" u="none" baseline="0" dirty="0"/>
+              <a:t>H</a:t>
+            </a:r>
+            <a:r>
+              <a:rPr lang="en-US" dirty="0"/>
+              <a:t>elped</a:t>
+            </a:r>
+            <a:r>
+              <a:rPr lang="en-US" baseline="0" dirty="0"/>
+              <a:t> with determining the Estimates. Using the reports generated in Toggl, we were able to see which tasks were taking up the most time and effort and individual times. We were able to assign tasks based on each persons individual time.</a:t>
+            </a:r>
+          </a:p>
+          <a:p>
+            <a:endParaRPr lang="en-US" baseline="0" dirty="0"/>
+          </a:p>
+          <a:p>
             <a:pPr marL="0" marR="0" lvl="0" indent="0" algn="l" defTabSz="914400" rtl="0" eaLnBrk="1" fontAlgn="auto" latinLnBrk="0" hangingPunct="1">
               <a:lnSpc>
                 <a:spcPct val="100000"/>
@@ -3241,35 +3539,8 @@
               <a:defRPr/>
             </a:pPr>
             <a:r>
-              <a:rPr lang="en-US" b="1" u="sng" dirty="0"/>
-              <a:t>CS</a:t>
-            </a:r>
-          </a:p>
-          <a:p>
-            <a:pPr marL="0" marR="0" lvl="0" indent="0" algn="l" defTabSz="914400" rtl="0" eaLnBrk="1" fontAlgn="auto" latinLnBrk="0" hangingPunct="1">
-              <a:lnSpc>
-                <a:spcPct val="100000"/>
-              </a:lnSpc>
-              <a:spcBef>
-                <a:spcPts val="0"/>
-              </a:spcBef>
-              <a:spcAft>
-                <a:spcPts val="0"/>
-              </a:spcAft>
-              <a:buClrTx/>
-              <a:buSzTx/>
-              <a:buFontTx/>
-              <a:buNone/>
-              <a:tabLst/>
-              <a:defRPr/>
-            </a:pPr>
-            <a:r>
-              <a:rPr lang="en-US" b="1" u="sng" dirty="0"/>
-              <a:t>Slack:</a:t>
-            </a:r>
-            <a:r>
               <a:rPr lang="en-US" b="1" u="sng" baseline="0" dirty="0"/>
-              <a:t> </a:t>
+              <a:t>Training tools: </a:t>
             </a:r>
           </a:p>
           <a:p>
@@ -3291,243 +3562,114 @@
               <a:defRPr/>
             </a:pPr>
             <a:r>
-              <a:rPr lang="en-US" b="1" u="none" dirty="0"/>
-              <a:t>Notification</a:t>
-            </a:r>
-            <a:r>
-              <a:rPr lang="en-US" dirty="0"/>
-              <a:t> of a change to the repository of either non-source  code or source code files must be communicated to the other team members through Slack.  </a:t>
-            </a:r>
-          </a:p>
-          <a:p>
-            <a:pPr marL="171450" marR="0" lvl="0" indent="-171450" algn="l" defTabSz="914400" rtl="0" eaLnBrk="1" fontAlgn="auto" latinLnBrk="0" hangingPunct="1">
-              <a:lnSpc>
-                <a:spcPct val="100000"/>
-              </a:lnSpc>
-              <a:spcBef>
-                <a:spcPts val="0"/>
-              </a:spcBef>
-              <a:spcAft>
-                <a:spcPts val="0"/>
-              </a:spcAft>
-              <a:buClrTx/>
-              <a:buSzTx/>
+              <a:rPr lang="en-US" baseline="0" dirty="0"/>
+              <a:t>Checking out the tools and tracking task time. Since only one team member had prior experience with a majority of the tools, it was necessary that the other team members became acquainted with the tools and understood the terminology that came with each one </a:t>
+            </a:r>
+            <a:r>
+              <a:rPr lang="en-US" baseline="0" dirty="0" err="1"/>
+              <a:t>i.e</a:t>
+            </a:r>
+            <a:r>
+              <a:rPr lang="en-US" baseline="0" dirty="0"/>
+              <a:t> committing to master on GitHub</a:t>
+            </a:r>
+          </a:p>
+          <a:p>
+            <a:endParaRPr lang="en-US" baseline="0" dirty="0"/>
+          </a:p>
+          <a:p>
+            <a:r>
+              <a:rPr lang="en-US" b="1" u="sng" baseline="0" dirty="0"/>
+              <a:t>Team communication: </a:t>
+            </a:r>
+          </a:p>
+          <a:p>
+            <a:pPr marL="171450" indent="-171450">
               <a:buFont typeface="Arial" panose="020B0604020202020204" pitchFamily="34" charset="0"/>
               <a:buChar char="•"/>
-              <a:tabLst/>
-              <a:defRPr/>
-            </a:pPr>
-            <a:r>
-              <a:rPr lang="en-US" b="1" dirty="0" err="1"/>
-              <a:t>Meeting_minutes</a:t>
-            </a:r>
-            <a:r>
-              <a:rPr lang="en-US" b="1" dirty="0"/>
-              <a:t> channel: </a:t>
-            </a:r>
-            <a:r>
-              <a:rPr lang="en-US" dirty="0"/>
-              <a:t>Any changes discussed during in person meetings will be transcribed into </a:t>
-            </a:r>
-            <a:r>
-              <a:rPr lang="en-US" dirty="0" err="1"/>
-              <a:t>meeting_minutes</a:t>
-            </a:r>
-            <a:r>
-              <a:rPr lang="en-US" dirty="0"/>
-              <a:t> and posted onto Slack.</a:t>
-            </a:r>
-          </a:p>
-          <a:p>
-            <a:pPr marL="0" marR="0" lvl="0" indent="0" algn="l" defTabSz="914400" rtl="0" eaLnBrk="1" fontAlgn="auto" latinLnBrk="0" hangingPunct="1">
-              <a:lnSpc>
-                <a:spcPct val="100000"/>
-              </a:lnSpc>
-              <a:spcBef>
-                <a:spcPts val="0"/>
-              </a:spcBef>
-              <a:spcAft>
-                <a:spcPts val="0"/>
-              </a:spcAft>
-              <a:buClrTx/>
-              <a:buSzTx/>
-              <a:buFontTx/>
-              <a:buNone/>
-              <a:tabLst/>
-              <a:defRPr/>
-            </a:pPr>
-            <a:endParaRPr lang="en-US" dirty="0"/>
-          </a:p>
-          <a:p>
-            <a:pPr marL="0" marR="0" lvl="0" indent="0" algn="l" defTabSz="914400" rtl="0" eaLnBrk="1" fontAlgn="auto" latinLnBrk="0" hangingPunct="1">
-              <a:lnSpc>
-                <a:spcPct val="100000"/>
-              </a:lnSpc>
-              <a:spcBef>
-                <a:spcPts val="0"/>
-              </a:spcBef>
-              <a:spcAft>
-                <a:spcPts val="0"/>
-              </a:spcAft>
-              <a:buClrTx/>
-              <a:buSzTx/>
-              <a:buFontTx/>
-              <a:buNone/>
-              <a:tabLst/>
-              <a:defRPr/>
-            </a:pPr>
-            <a:r>
-              <a:rPr lang="en-US" b="1" u="sng" dirty="0" err="1"/>
-              <a:t>Github</a:t>
-            </a:r>
-            <a:r>
-              <a:rPr lang="en-US" b="1" u="sng" dirty="0"/>
-              <a:t>:</a:t>
-            </a:r>
-          </a:p>
-          <a:p>
-            <a:pPr marL="171450" marR="0" lvl="0" indent="-171450" algn="l" defTabSz="914400" rtl="0" eaLnBrk="1" fontAlgn="auto" latinLnBrk="0" hangingPunct="1">
-              <a:lnSpc>
-                <a:spcPct val="100000"/>
-              </a:lnSpc>
-              <a:spcBef>
-                <a:spcPts val="0"/>
-              </a:spcBef>
-              <a:spcAft>
-                <a:spcPts val="0"/>
-              </a:spcAft>
-              <a:buClrTx/>
-              <a:buSzTx/>
+            </a:pPr>
+            <a:r>
+              <a:rPr lang="en-US" baseline="0" dirty="0"/>
+              <a:t>All team members were required to sign off on meeting minutes and check slack at least once per day. Whenever a team member had questions or concerns regarding the SPMP, those questions or concerns were always heard and discussed or answered by either another team member, Project Manager or Steiner </a:t>
+            </a:r>
+          </a:p>
+          <a:p>
+            <a:endParaRPr lang="en-US" baseline="0" dirty="0"/>
+          </a:p>
+          <a:p>
+            <a:r>
+              <a:rPr lang="en-US" b="1" u="sng" baseline="0" dirty="0"/>
+              <a:t>Risk Mitigation: </a:t>
+            </a:r>
+          </a:p>
+          <a:p>
+            <a:pPr marL="171450" indent="-171450">
               <a:buFont typeface="Arial" panose="020B0604020202020204" pitchFamily="34" charset="0"/>
               <a:buChar char="•"/>
-              <a:tabLst/>
-              <a:defRPr/>
-            </a:pPr>
-            <a:r>
-              <a:rPr lang="en-US" b="1" u="sng" dirty="0"/>
-              <a:t>Source</a:t>
-            </a:r>
+            </a:pPr>
+            <a:r>
+              <a:rPr lang="en-US" baseline="0" dirty="0"/>
+              <a:t>When our primary meeting location (the library ) was not open or closed early. Our risk mitigation plan was put into action and told us to met at our secondary meeting location, </a:t>
+            </a:r>
+            <a:r>
+              <a:rPr lang="en-US" baseline="0" dirty="0" err="1"/>
+              <a:t>biggby</a:t>
+            </a:r>
+            <a:r>
+              <a:rPr lang="en-US" baseline="0" dirty="0"/>
+              <a:t>. The </a:t>
+            </a:r>
+            <a:r>
+              <a:rPr lang="en-US" baseline="0" dirty="0" err="1"/>
+              <a:t>biggby</a:t>
+            </a:r>
+            <a:r>
+              <a:rPr lang="en-US" baseline="0" dirty="0"/>
+              <a:t> we chose was the midpoint from where all team members live so it was the obvious choice.</a:t>
+            </a:r>
+          </a:p>
+          <a:p>
+            <a:pPr marL="0" indent="0">
+              <a:buFont typeface="Arial" panose="020B0604020202020204" pitchFamily="34" charset="0"/>
+              <a:buNone/>
+            </a:pPr>
+            <a:endParaRPr lang="en-US" baseline="0" dirty="0"/>
+          </a:p>
+          <a:p>
+            <a:pPr marL="0" indent="0">
+              <a:buFont typeface="Arial" panose="020B0604020202020204" pitchFamily="34" charset="0"/>
+              <a:buNone/>
+            </a:pPr>
             <a:r>
               <a:rPr lang="en-US" b="1" u="sng" baseline="0" dirty="0"/>
-              <a:t> code: </a:t>
-            </a:r>
-          </a:p>
-          <a:p>
-            <a:pPr marL="0" marR="0" lvl="0" indent="0" algn="l" defTabSz="914400" rtl="0" eaLnBrk="1" fontAlgn="auto" latinLnBrk="0" hangingPunct="1">
-              <a:lnSpc>
-                <a:spcPct val="100000"/>
-              </a:lnSpc>
-              <a:spcBef>
-                <a:spcPts val="0"/>
-              </a:spcBef>
-              <a:spcAft>
-                <a:spcPts val="0"/>
-              </a:spcAft>
-              <a:buClrTx/>
-              <a:buSzTx/>
-              <a:buFont typeface="Arial" panose="020B0604020202020204" pitchFamily="34" charset="0"/>
-              <a:buNone/>
-              <a:tabLst/>
-              <a:defRPr/>
-            </a:pPr>
-            <a:r>
-              <a:rPr lang="en-US" b="0" u="none" baseline="0" dirty="0"/>
-              <a:t>W</a:t>
-            </a:r>
-            <a:r>
-              <a:rPr lang="en-US" baseline="0" dirty="0"/>
-              <a:t>ill require one administrator (Cindy or Erik) review in order to commit to master branch. When uploading new source code files it will be uploaded to a separate protected branch.  In this separate branch team members will be able to upload changed files without having to worry about affecting the master branch. The master branch will act as the baseline for all artifacts. Protected branches by default require at least one review before committing to the master.</a:t>
-            </a:r>
-          </a:p>
-          <a:p>
-            <a:pPr marL="171450" marR="0" lvl="0" indent="-171450" algn="l" defTabSz="914400" rtl="0" eaLnBrk="1" fontAlgn="auto" latinLnBrk="0" hangingPunct="1">
-              <a:lnSpc>
-                <a:spcPct val="100000"/>
-              </a:lnSpc>
-              <a:spcBef>
-                <a:spcPts val="0"/>
-              </a:spcBef>
-              <a:spcAft>
-                <a:spcPts val="0"/>
-              </a:spcAft>
-              <a:buClrTx/>
-              <a:buSzTx/>
+              <a:t>Setting milestones for ourselves</a:t>
+            </a:r>
+          </a:p>
+          <a:p>
+            <a:pPr marL="171450" indent="-171450">
               <a:buFont typeface="Arial" panose="020B0604020202020204" pitchFamily="34" charset="0"/>
               <a:buChar char="•"/>
-              <a:tabLst/>
-              <a:defRPr/>
-            </a:pPr>
+            </a:pPr>
+            <a:r>
+              <a:rPr lang="en-US" b="0" u="none" baseline="0" dirty="0"/>
+              <a:t>Motivated us to start working but we all started working on assigned task the night before our “self-set” milestone </a:t>
+            </a:r>
+          </a:p>
+          <a:p>
+            <a:pPr marL="1371600" lvl="3" indent="0">
+              <a:buFont typeface="Arial" panose="020B0604020202020204" pitchFamily="34" charset="0"/>
+              <a:buNone/>
+            </a:pPr>
+            <a:r>
+              <a:rPr lang="en-US" b="0" u="none" baseline="0" dirty="0"/>
+              <a:t>This last point will transition into the next slide </a:t>
+            </a:r>
+          </a:p>
+          <a:p>
             <a:endParaRPr lang="en-US" baseline="0" dirty="0"/>
           </a:p>
           <a:p>
-            <a:pPr marL="171450" marR="0" lvl="0" indent="-171450" algn="l" defTabSz="914400" rtl="0" eaLnBrk="1" fontAlgn="auto" latinLnBrk="0" hangingPunct="1">
-              <a:lnSpc>
-                <a:spcPct val="100000"/>
-              </a:lnSpc>
-              <a:spcBef>
-                <a:spcPts val="0"/>
-              </a:spcBef>
-              <a:spcAft>
-                <a:spcPts val="0"/>
-              </a:spcAft>
-              <a:buClrTx/>
-              <a:buSzTx/>
-              <a:buFont typeface="Arial" panose="020B0604020202020204" pitchFamily="34" charset="0"/>
-              <a:buChar char="•"/>
-              <a:tabLst/>
-              <a:defRPr/>
-            </a:pPr>
-            <a:r>
-              <a:rPr lang="en-US" b="1" u="sng" baseline="0" dirty="0"/>
-              <a:t>Other artifacts: </a:t>
-            </a:r>
-          </a:p>
-          <a:p>
-            <a:pPr marL="0" marR="0" lvl="0" indent="0" algn="l" defTabSz="914400" rtl="0" eaLnBrk="1" fontAlgn="auto" latinLnBrk="0" hangingPunct="1">
-              <a:lnSpc>
-                <a:spcPct val="100000"/>
-              </a:lnSpc>
-              <a:spcBef>
-                <a:spcPts val="0"/>
-              </a:spcBef>
-              <a:spcAft>
-                <a:spcPts val="0"/>
-              </a:spcAft>
-              <a:buClrTx/>
-              <a:buSzTx/>
-              <a:buFont typeface="Arial" panose="020B0604020202020204" pitchFamily="34" charset="0"/>
-              <a:buNone/>
-              <a:tabLst/>
-              <a:defRPr/>
-            </a:pPr>
-            <a:r>
-              <a:rPr lang="en-US" b="0" u="none" baseline="0" dirty="0"/>
-              <a:t>Files that are non-source code can be uploaded directly to the master branch without review during part 1 of SPMP. Files that are still in progress will have an _ in the title.  Those without a “_” will be assumed to be 100% complete.</a:t>
-            </a:r>
-          </a:p>
-          <a:p>
-            <a:pPr marL="171450" marR="0" lvl="0" indent="-171450" algn="l" defTabSz="914400" rtl="0" eaLnBrk="1" fontAlgn="auto" latinLnBrk="0" hangingPunct="1">
-              <a:lnSpc>
-                <a:spcPct val="100000"/>
-              </a:lnSpc>
-              <a:spcBef>
-                <a:spcPts val="0"/>
-              </a:spcBef>
-              <a:spcAft>
-                <a:spcPts val="0"/>
-              </a:spcAft>
-              <a:buClrTx/>
-              <a:buSzTx/>
-              <a:buFont typeface="Arial" panose="020B0604020202020204" pitchFamily="34" charset="0"/>
-              <a:buChar char="•"/>
-              <a:tabLst/>
-              <a:defRPr/>
-            </a:pPr>
-            <a:r>
-              <a:rPr lang="en-US" b="0" u="none" baseline="0" dirty="0"/>
-              <a:t>As far as the non-source code part, that method has been working and we did notify each other on slack whenever there was a new file uploaded. There were problems such as the formatting, that were brought to our attention because of this, but the method it’s self is a good starting place </a:t>
-            </a:r>
-            <a:endParaRPr lang="en-US" dirty="0"/>
+            <a:endParaRPr lang="en-US" baseline="0" dirty="0"/>
           </a:p>
         </p:txBody>
       </p:sp>
@@ -3557,7 +3699,7 @@
     </p:spTree>
     <p:extLst>
       <p:ext uri="{BB962C8B-B14F-4D97-AF65-F5344CB8AC3E}">
-        <p14:creationId xmlns:p14="http://schemas.microsoft.com/office/powerpoint/2010/main" val="2185845843"/>
+        <p14:creationId xmlns:p14="http://schemas.microsoft.com/office/powerpoint/2010/main" val="1228246"/>
       </p:ext>
     </p:extLst>
   </p:cSld>
@@ -3751,107 +3893,6 @@
           <a:bodyPr/>
           <a:lstStyle/>
           <a:p>
-            <a:r>
-              <a:rPr lang="en-US" b="1" u="sng" dirty="0"/>
-              <a:t>CS</a:t>
-            </a:r>
-          </a:p>
-          <a:p>
-            <a:r>
-              <a:rPr lang="en-US" b="1" u="sng" dirty="0"/>
-              <a:t>Early</a:t>
-            </a:r>
-            <a:r>
-              <a:rPr lang="en-US" b="1" u="sng" baseline="0" dirty="0"/>
-              <a:t> start:  </a:t>
-            </a:r>
-          </a:p>
-          <a:p>
-            <a:pPr marL="171450" indent="-171450">
-              <a:buFont typeface="Arial" panose="020B0604020202020204" pitchFamily="34" charset="0"/>
-              <a:buChar char="•"/>
-            </a:pPr>
-            <a:r>
-              <a:rPr lang="en-US" baseline="0" dirty="0"/>
-              <a:t>Before the we chose teams, </a:t>
-            </a:r>
-            <a:r>
-              <a:rPr lang="en-US" baseline="0" dirty="0" err="1"/>
-              <a:t>Durwin</a:t>
-            </a:r>
-            <a:r>
-              <a:rPr lang="en-US" baseline="0" dirty="0"/>
-              <a:t> and Erik had discussed tools. We also had a small meeting the same day teams were chosen and had meetings since then.</a:t>
-            </a:r>
-          </a:p>
-          <a:p>
-            <a:pPr marL="171450" indent="-171450">
-              <a:buFont typeface="Arial" panose="020B0604020202020204" pitchFamily="34" charset="0"/>
-              <a:buChar char="•"/>
-            </a:pPr>
-            <a:r>
-              <a:rPr lang="en-US" baseline="0" dirty="0"/>
-              <a:t>Through these meetings we were able to minimize the time spent deciding on a meeting location and  on the methods of communication before the SPMP was assigned.</a:t>
-            </a:r>
-          </a:p>
-          <a:p>
-            <a:endParaRPr lang="en-US" baseline="0" dirty="0"/>
-          </a:p>
-          <a:p>
-            <a:r>
-              <a:rPr lang="en-US" b="1" u="sng" baseline="0" dirty="0"/>
-              <a:t>Establishing in-person meetings: </a:t>
-            </a:r>
-          </a:p>
-          <a:p>
-            <a:pPr marL="171450" indent="-171450">
-              <a:buFont typeface="Arial" panose="020B0604020202020204" pitchFamily="34" charset="0"/>
-              <a:buChar char="•"/>
-            </a:pPr>
-            <a:r>
-              <a:rPr lang="en-US" baseline="0" dirty="0"/>
-              <a:t>Setting up required in-person meetings allowed us to discuss tools, skillsets and assign any tasks we knew we could expect on the SPMP</a:t>
-            </a:r>
-          </a:p>
-          <a:p>
-            <a:r>
-              <a:rPr lang="en-US" baseline="0" dirty="0"/>
-              <a:t>		     </a:t>
-            </a:r>
-            <a:endParaRPr lang="en-US" dirty="0"/>
-          </a:p>
-          <a:p>
-            <a:r>
-              <a:rPr lang="en-US" b="1" u="sng" dirty="0"/>
-              <a:t>Selection</a:t>
-            </a:r>
-            <a:r>
-              <a:rPr lang="en-US" b="1" u="sng" baseline="0" dirty="0"/>
-              <a:t> of time tracking tool: </a:t>
-            </a:r>
-          </a:p>
-          <a:p>
-            <a:pPr marL="171450" indent="-171450">
-              <a:buFont typeface="Arial" panose="020B0604020202020204" pitchFamily="34" charset="0"/>
-              <a:buChar char="•"/>
-            </a:pPr>
-            <a:r>
-              <a:rPr lang="en-US" b="0" u="none" baseline="0" dirty="0"/>
-              <a:t>H</a:t>
-            </a:r>
-            <a:r>
-              <a:rPr lang="en-US" dirty="0"/>
-              <a:t>elped</a:t>
-            </a:r>
-            <a:r>
-              <a:rPr lang="en-US" baseline="0" dirty="0"/>
-              <a:t> with determining the Estimates. Using the reports generated in Toggl, we were able to see which tasks were taking up the most time and effort and individual times. We were able to assign tasks based on each persons individual time.</a:t>
-            </a:r>
-          </a:p>
-          <a:p>
-            <a:endParaRPr lang="en-US" baseline="0" dirty="0"/>
-          </a:p>
-          <a:p>
             <a:pPr marL="0" marR="0" lvl="0" indent="0" algn="l" defTabSz="914400" rtl="0" eaLnBrk="1" fontAlgn="auto" latinLnBrk="0" hangingPunct="1">
               <a:lnSpc>
                 <a:spcPct val="100000"/>
@@ -3870,12 +3911,12 @@
               <a:defRPr/>
             </a:pPr>
             <a:r>
-              <a:rPr lang="en-US" b="1" u="sng" baseline="0" dirty="0"/>
-              <a:t>Training tools: </a:t>
-            </a:r>
-          </a:p>
-          <a:p>
-            <a:pPr marL="171450" marR="0" lvl="0" indent="-171450" algn="l" defTabSz="914400" rtl="0" eaLnBrk="1" fontAlgn="auto" latinLnBrk="0" hangingPunct="1">
+              <a:rPr lang="en-US" b="0" u="none" dirty="0"/>
+              <a:t>CS</a:t>
+            </a:r>
+          </a:p>
+          <a:p>
+            <a:pPr marL="0" marR="0" lvl="0" indent="0" algn="l" defTabSz="914400" rtl="0" eaLnBrk="1" fontAlgn="auto" latinLnBrk="0" hangingPunct="1">
               <a:lnSpc>
                 <a:spcPct val="100000"/>
               </a:lnSpc>
@@ -3887,120 +3928,382 @@
               </a:spcAft>
               <a:buClrTx/>
               <a:buSzTx/>
-              <a:buFont typeface="Arial" panose="020B0604020202020204" pitchFamily="34" charset="0"/>
-              <a:buChar char="•"/>
+              <a:buFontTx/>
+              <a:buNone/>
               <a:tabLst/>
               <a:defRPr/>
             </a:pPr>
+            <a:endParaRPr lang="en-US" b="1" u="sng" dirty="0"/>
+          </a:p>
+          <a:p>
+            <a:pPr marL="0" marR="0" lvl="0" indent="0" algn="l" defTabSz="914400" rtl="0" eaLnBrk="1" fontAlgn="auto" latinLnBrk="0" hangingPunct="1">
+              <a:lnSpc>
+                <a:spcPct val="100000"/>
+              </a:lnSpc>
+              <a:spcBef>
+                <a:spcPts val="0"/>
+              </a:spcBef>
+              <a:spcAft>
+                <a:spcPts val="0"/>
+              </a:spcAft>
+              <a:buClrTx/>
+              <a:buSzTx/>
+              <a:buFontTx/>
+              <a:buNone/>
+              <a:tabLst/>
+              <a:defRPr/>
+            </a:pPr>
+            <a:r>
+              <a:rPr lang="en-US" b="1" u="sng" dirty="0"/>
+              <a:t>SPMP Formatting and Style</a:t>
+            </a:r>
+          </a:p>
+          <a:p>
+            <a:pPr marL="0" marR="0" lvl="0" indent="0" algn="l" defTabSz="914400" rtl="0" eaLnBrk="1" fontAlgn="auto" latinLnBrk="0" hangingPunct="1">
+              <a:lnSpc>
+                <a:spcPct val="100000"/>
+              </a:lnSpc>
+              <a:spcBef>
+                <a:spcPts val="0"/>
+              </a:spcBef>
+              <a:spcAft>
+                <a:spcPts val="0"/>
+              </a:spcAft>
+              <a:buClrTx/>
+              <a:buSzTx/>
+              <a:buFontTx/>
+              <a:buNone/>
+              <a:tabLst/>
+              <a:defRPr/>
+            </a:pPr>
+            <a:r>
+              <a:rPr lang="en-US" b="0" u="none" baseline="0" dirty="0"/>
+              <a:t>Not deciding on a format style earlier.</a:t>
+            </a:r>
+          </a:p>
+          <a:p>
+            <a:pPr marL="0" marR="0" lvl="0" indent="0" algn="l" defTabSz="914400" rtl="0" eaLnBrk="1" fontAlgn="auto" latinLnBrk="0" hangingPunct="1">
+              <a:lnSpc>
+                <a:spcPct val="100000"/>
+              </a:lnSpc>
+              <a:spcBef>
+                <a:spcPts val="0"/>
+              </a:spcBef>
+              <a:spcAft>
+                <a:spcPts val="0"/>
+              </a:spcAft>
+              <a:buClrTx/>
+              <a:buSzTx/>
+              <a:buFontTx/>
+              <a:buNone/>
+              <a:tabLst/>
+              <a:defRPr/>
+            </a:pPr>
+            <a:endParaRPr lang="en-US" b="1" u="sng" dirty="0"/>
+          </a:p>
+          <a:p>
+            <a:pPr marL="0" marR="0" lvl="0" indent="0" algn="l" defTabSz="914400" rtl="0" eaLnBrk="1" fontAlgn="auto" latinLnBrk="0" hangingPunct="1">
+              <a:lnSpc>
+                <a:spcPct val="100000"/>
+              </a:lnSpc>
+              <a:spcBef>
+                <a:spcPts val="0"/>
+              </a:spcBef>
+              <a:spcAft>
+                <a:spcPts val="0"/>
+              </a:spcAft>
+              <a:buClrTx/>
+              <a:buSzTx/>
+              <a:buFontTx/>
+              <a:buNone/>
+              <a:tabLst/>
+              <a:defRPr/>
+            </a:pPr>
+            <a:r>
+              <a:rPr lang="en-US" b="1" u="sng" dirty="0"/>
+              <a:t>Artifact Review Method</a:t>
+            </a:r>
+          </a:p>
+          <a:p>
+            <a:pPr marL="0" marR="0" lvl="0" indent="0" algn="l" defTabSz="914400" rtl="0" eaLnBrk="1" fontAlgn="auto" latinLnBrk="0" hangingPunct="1">
+              <a:lnSpc>
+                <a:spcPct val="100000"/>
+              </a:lnSpc>
+              <a:spcBef>
+                <a:spcPts val="0"/>
+              </a:spcBef>
+              <a:spcAft>
+                <a:spcPts val="0"/>
+              </a:spcAft>
+              <a:buClrTx/>
+              <a:buSzTx/>
+              <a:buFontTx/>
+              <a:buNone/>
+              <a:tabLst/>
+              <a:defRPr/>
+            </a:pPr>
+            <a:r>
+              <a:rPr lang="en-US" b="0" u="none" dirty="0"/>
+              <a:t>Asking other team member</a:t>
+            </a:r>
+            <a:r>
+              <a:rPr lang="en-US" b="0" u="none" baseline="0" dirty="0"/>
+              <a:t>s to review things but not knowing which document to review first based on dependencies and priority</a:t>
+            </a:r>
+          </a:p>
+          <a:p>
+            <a:pPr marL="0" marR="0" lvl="0" indent="0" algn="l" defTabSz="914400" rtl="0" eaLnBrk="1" fontAlgn="auto" latinLnBrk="0" hangingPunct="1">
+              <a:lnSpc>
+                <a:spcPct val="100000"/>
+              </a:lnSpc>
+              <a:spcBef>
+                <a:spcPts val="0"/>
+              </a:spcBef>
+              <a:spcAft>
+                <a:spcPts val="0"/>
+              </a:spcAft>
+              <a:buClrTx/>
+              <a:buSzTx/>
+              <a:buFontTx/>
+              <a:buNone/>
+              <a:tabLst/>
+              <a:defRPr/>
+            </a:pPr>
+            <a:endParaRPr lang="en-US" b="0" u="none" baseline="0" dirty="0"/>
+          </a:p>
+          <a:p>
+            <a:pPr marL="0" marR="0" lvl="0" indent="0" algn="l" defTabSz="914400" rtl="0" eaLnBrk="1" fontAlgn="auto" latinLnBrk="0" hangingPunct="1">
+              <a:lnSpc>
+                <a:spcPct val="100000"/>
+              </a:lnSpc>
+              <a:spcBef>
+                <a:spcPts val="0"/>
+              </a:spcBef>
+              <a:spcAft>
+                <a:spcPts val="0"/>
+              </a:spcAft>
+              <a:buClrTx/>
+              <a:buSzTx/>
+              <a:buFontTx/>
+              <a:buNone/>
+              <a:tabLst/>
+              <a:defRPr/>
+            </a:pPr>
+            <a:r>
+              <a:rPr lang="en-US" b="1" u="sng" baseline="0" dirty="0" err="1"/>
+              <a:t>Wrike</a:t>
+            </a:r>
+            <a:r>
+              <a:rPr lang="en-US" b="1" u="sng" baseline="0" dirty="0"/>
+              <a:t> under-utilized</a:t>
+            </a:r>
+          </a:p>
+          <a:p>
+            <a:pPr marL="0" marR="0" lvl="0" indent="0" algn="l" defTabSz="914400" rtl="0" eaLnBrk="1" fontAlgn="auto" latinLnBrk="0" hangingPunct="1">
+              <a:lnSpc>
+                <a:spcPct val="100000"/>
+              </a:lnSpc>
+              <a:spcBef>
+                <a:spcPts val="0"/>
+              </a:spcBef>
+              <a:spcAft>
+                <a:spcPts val="0"/>
+              </a:spcAft>
+              <a:buClrTx/>
+              <a:buSzTx/>
+              <a:buFontTx/>
+              <a:buNone/>
+              <a:tabLst/>
+              <a:defRPr/>
+            </a:pPr>
+            <a:r>
+              <a:rPr lang="en-US" b="0" u="none" baseline="0" dirty="0"/>
+              <a:t>We intended to use Wrike as a replacement tool for Microsoft Project because not all team member were accessible to it. The point of Wrike was to assign tasks to team members. For the first half of the project, that functionality of Wrike was not utilized because instead team members would just check meeting minutes (where assigned tasks were also mentioned because tasks were usually assigned during in-person meetings) Wrike only contained the SPMP tasks but not the little tasks in between such as sending emails, uploading </a:t>
+            </a:r>
+            <a:r>
+              <a:rPr lang="en-US" b="0" u="none" baseline="0" dirty="0" err="1"/>
+              <a:t>meeting_minutes</a:t>
+            </a:r>
+            <a:r>
+              <a:rPr lang="en-US" b="0" u="none" baseline="0" dirty="0"/>
+              <a:t> or progress reports.</a:t>
+            </a:r>
+          </a:p>
+          <a:p>
+            <a:pPr marL="0" marR="0" lvl="0" indent="0" algn="l" defTabSz="914400" rtl="0" eaLnBrk="1" fontAlgn="auto" latinLnBrk="0" hangingPunct="1">
+              <a:lnSpc>
+                <a:spcPct val="100000"/>
+              </a:lnSpc>
+              <a:spcBef>
+                <a:spcPts val="0"/>
+              </a:spcBef>
+              <a:spcAft>
+                <a:spcPts val="0"/>
+              </a:spcAft>
+              <a:buClrTx/>
+              <a:buSzTx/>
+              <a:buFontTx/>
+              <a:buNone/>
+              <a:tabLst/>
+              <a:defRPr/>
+            </a:pPr>
+            <a:endParaRPr lang="en-US" b="0" u="none" baseline="0" dirty="0"/>
+          </a:p>
+          <a:p>
+            <a:pPr marL="0" marR="0" lvl="0" indent="0" algn="l" defTabSz="914400" rtl="0" eaLnBrk="1" fontAlgn="auto" latinLnBrk="0" hangingPunct="1">
+              <a:lnSpc>
+                <a:spcPct val="100000"/>
+              </a:lnSpc>
+              <a:spcBef>
+                <a:spcPts val="0"/>
+              </a:spcBef>
+              <a:spcAft>
+                <a:spcPts val="0"/>
+              </a:spcAft>
+              <a:buClrTx/>
+              <a:buSzTx/>
+              <a:buFontTx/>
+              <a:buNone/>
+              <a:tabLst/>
+              <a:defRPr/>
+            </a:pPr>
+            <a:r>
+              <a:rPr lang="en-US" b="1" u="sng" dirty="0"/>
+              <a:t>Dependencies not established early</a:t>
+            </a:r>
+          </a:p>
+          <a:p>
+            <a:pPr marL="0" marR="0" lvl="0" indent="0" algn="l" defTabSz="914400" rtl="0" eaLnBrk="1" fontAlgn="auto" latinLnBrk="0" hangingPunct="1">
+              <a:lnSpc>
+                <a:spcPct val="100000"/>
+              </a:lnSpc>
+              <a:spcBef>
+                <a:spcPts val="0"/>
+              </a:spcBef>
+              <a:spcAft>
+                <a:spcPts val="0"/>
+              </a:spcAft>
+              <a:buClrTx/>
+              <a:buSzTx/>
+              <a:buFontTx/>
+              <a:buNone/>
+              <a:tabLst/>
+              <a:defRPr/>
+            </a:pPr>
+            <a:r>
+              <a:rPr lang="en-US" b="0" u="none" dirty="0"/>
+              <a:t>Not properly</a:t>
+            </a:r>
+            <a:r>
+              <a:rPr lang="en-US" b="0" u="none" baseline="0" dirty="0"/>
+              <a:t> checking the dependency of one task to another, put other people behind and cased a shift in work load for one person.</a:t>
+            </a:r>
+          </a:p>
+          <a:p>
+            <a:pPr marL="0" marR="0" lvl="0" indent="0" algn="l" defTabSz="914400" rtl="0" eaLnBrk="1" fontAlgn="auto" latinLnBrk="0" hangingPunct="1">
+              <a:lnSpc>
+                <a:spcPct val="100000"/>
+              </a:lnSpc>
+              <a:spcBef>
+                <a:spcPts val="0"/>
+              </a:spcBef>
+              <a:spcAft>
+                <a:spcPts val="0"/>
+              </a:spcAft>
+              <a:buClrTx/>
+              <a:buSzTx/>
+              <a:buFontTx/>
+              <a:buNone/>
+              <a:tabLst/>
+              <a:defRPr/>
+            </a:pPr>
+            <a:endParaRPr lang="en-US" b="0" u="none" baseline="0" dirty="0"/>
+          </a:p>
+          <a:p>
+            <a:pPr marL="0" marR="0" lvl="0" indent="0" algn="l" defTabSz="914400" rtl="0" eaLnBrk="1" fontAlgn="auto" latinLnBrk="0" hangingPunct="1">
+              <a:lnSpc>
+                <a:spcPct val="100000"/>
+              </a:lnSpc>
+              <a:spcBef>
+                <a:spcPts val="0"/>
+              </a:spcBef>
+              <a:spcAft>
+                <a:spcPts val="0"/>
+              </a:spcAft>
+              <a:buClrTx/>
+              <a:buSzTx/>
+              <a:buFontTx/>
+              <a:buNone/>
+              <a:tabLst/>
+              <a:defRPr/>
+            </a:pPr>
+            <a:r>
+              <a:rPr lang="en-US" b="1" u="sng" baseline="0" dirty="0"/>
+              <a:t>Communication With Project Managers</a:t>
+            </a:r>
+          </a:p>
+          <a:p>
+            <a:pPr marL="0" marR="0" lvl="0" indent="0" algn="l" defTabSz="914400" rtl="0" eaLnBrk="1" fontAlgn="auto" latinLnBrk="0" hangingPunct="1">
+              <a:lnSpc>
+                <a:spcPct val="100000"/>
+              </a:lnSpc>
+              <a:spcBef>
+                <a:spcPts val="0"/>
+              </a:spcBef>
+              <a:spcAft>
+                <a:spcPts val="0"/>
+              </a:spcAft>
+              <a:buClrTx/>
+              <a:buSzTx/>
+              <a:buFontTx/>
+              <a:buNone/>
+              <a:tabLst/>
+              <a:defRPr/>
+            </a:pPr>
+            <a:r>
+              <a:rPr lang="en-US" b="0" u="none" baseline="0" dirty="0"/>
+              <a:t>We added them onto our groups on Slack, Wrike, and GitHub. We did not add them to the general availability or exception calendar. But we asked them if they would be able to join us for our weekly Sunday meetings and they said that for the most part yes. At the end of Part1 we realized that the c</a:t>
+            </a:r>
+            <a:r>
+              <a:rPr lang="en-US" dirty="0"/>
+              <a:t>ommunication process was</a:t>
+            </a:r>
             <a:r>
               <a:rPr lang="en-US" baseline="0" dirty="0"/>
-              <a:t>Checking out the tools and tracking task time. Since only one team member had prior experience with a majority of the tools, it was necessary that the other team members became acquainted with the tools and understood the terminology that came with each one </a:t>
-            </a:r>
-            <a:r>
-              <a:rPr lang="en-US" baseline="0" dirty="0" err="1"/>
-              <a:t>i.e</a:t>
+              <a:t> not w</a:t>
+            </a:r>
+            <a:r>
+              <a:rPr lang="en-US" dirty="0"/>
+              <a:t>ell defined.</a:t>
             </a:r>
             <a:r>
               <a:rPr lang="en-US" baseline="0" dirty="0"/>
-              <a:t> committing to master on GitHub</a:t>
-            </a:r>
-          </a:p>
-          <a:p>
-            <a:endParaRPr lang="en-US" baseline="0" dirty="0"/>
-          </a:p>
-          <a:p>
-            <a:r>
-              <a:rPr lang="en-US" b="1" u="sng" baseline="0" dirty="0"/>
-              <a:t>Team communication: </a:t>
-            </a:r>
-          </a:p>
-          <a:p>
-            <a:pPr marL="171450" indent="-171450">
-              <a:buFont typeface="Arial" panose="020B0604020202020204" pitchFamily="34" charset="0"/>
-              <a:buChar char="•"/>
-            </a:pPr>
-            <a:r>
-              <a:rPr lang="en-US" baseline="0" dirty="0"/>
-              <a:t>All team members were required to sign off on meeting minutes and check slack at least once per day. Whenever a team member had questions or concerns regarding the SPMP, those questions or concerns were always heard and discussed or answered by either another team member, Project Manager or Steiner </a:t>
-            </a:r>
-          </a:p>
-          <a:p>
-            <a:endParaRPr lang="en-US" baseline="0" dirty="0"/>
-          </a:p>
-          <a:p>
-            <a:r>
-              <a:rPr lang="en-US" b="1" u="sng" baseline="0" dirty="0"/>
-              <a:t>Risk Mitigation: </a:t>
-            </a:r>
-          </a:p>
-          <a:p>
-            <a:pPr marL="171450" indent="-171450">
-              <a:buFont typeface="Arial" panose="020B0604020202020204" pitchFamily="34" charset="0"/>
-              <a:buChar char="•"/>
-            </a:pPr>
-            <a:r>
-              <a:rPr lang="en-US" baseline="0" dirty="0"/>
-              <a:t>When our primary meeting location (the library ) was not open or closed early. Our risk mitigation plan was put into action and told us to met at our secondary meeting location, </a:t>
-            </a:r>
-            <a:r>
-              <a:rPr lang="en-US" baseline="0" dirty="0" err="1"/>
-              <a:t>biggby</a:t>
-            </a:r>
-            <a:r>
-              <a:rPr lang="en-US" baseline="0" dirty="0"/>
-              <a:t>. The </a:t>
-            </a:r>
-            <a:r>
-              <a:rPr lang="en-US" baseline="0" dirty="0" err="1"/>
-              <a:t>biggby</a:t>
-            </a:r>
-            <a:r>
-              <a:rPr lang="en-US" baseline="0" dirty="0"/>
-              <a:t> we chose was the midpoint from where all team members live so it was the obvious choice.</a:t>
-            </a:r>
-          </a:p>
-          <a:p>
-            <a:pPr marL="0" indent="0">
-              <a:buFont typeface="Arial" panose="020B0604020202020204" pitchFamily="34" charset="0"/>
-              <a:buNone/>
-            </a:pPr>
-            <a:endParaRPr lang="en-US" baseline="0" dirty="0"/>
-          </a:p>
-          <a:p>
-            <a:pPr marL="0" indent="0">
-              <a:buFont typeface="Arial" panose="020B0604020202020204" pitchFamily="34" charset="0"/>
-              <a:buNone/>
-            </a:pPr>
-            <a:r>
-              <a:rPr lang="en-US" b="1" u="sng" baseline="0" dirty="0"/>
-              <a:t>Setting milestones for ourselves</a:t>
-            </a:r>
-          </a:p>
-          <a:p>
-            <a:pPr marL="171450" indent="-171450">
-              <a:buFont typeface="Arial" panose="020B0604020202020204" pitchFamily="34" charset="0"/>
-              <a:buChar char="•"/>
-            </a:pPr>
-            <a:r>
-              <a:rPr lang="en-US" b="0" u="none" baseline="0" dirty="0"/>
-              <a:t>Motivated us to start working but we all started working on assigned task the night before our “self-set” milestone </a:t>
-            </a:r>
-          </a:p>
-          <a:p>
-            <a:pPr marL="1371600" lvl="3" indent="0">
-              <a:buFont typeface="Arial" panose="020B0604020202020204" pitchFamily="34" charset="0"/>
-              <a:buNone/>
-            </a:pPr>
-            <a:r>
-              <a:rPr lang="en-US" b="0" u="none" baseline="0" dirty="0"/>
-              <a:t>This last point will transition into the next slide </a:t>
-            </a:r>
-          </a:p>
-          <a:p>
-            <a:endParaRPr lang="en-US" baseline="0" dirty="0"/>
-          </a:p>
-          <a:p>
-            <a:endParaRPr lang="en-US" baseline="0" dirty="0"/>
+              <a:t> We did not assign specific tasks to them and they did not know when or which parts of the SPMP to check first, they also were not told where to leave comments and feedback which in turn could be the reason why we felt we did not received adequate feedback.</a:t>
+            </a:r>
+            <a:endParaRPr lang="en-US" b="0" u="none" dirty="0"/>
+          </a:p>
+          <a:p>
+            <a:pPr marL="0" marR="0" lvl="0" indent="0" algn="l" defTabSz="914400" rtl="0" eaLnBrk="1" fontAlgn="auto" latinLnBrk="0" hangingPunct="1">
+              <a:lnSpc>
+                <a:spcPct val="100000"/>
+              </a:lnSpc>
+              <a:spcBef>
+                <a:spcPts val="0"/>
+              </a:spcBef>
+              <a:spcAft>
+                <a:spcPts val="0"/>
+              </a:spcAft>
+              <a:buClrTx/>
+              <a:buSzTx/>
+              <a:buFontTx/>
+              <a:buNone/>
+              <a:tabLst/>
+              <a:defRPr/>
+            </a:pPr>
+            <a:endParaRPr lang="en-US" b="0" u="none" dirty="0"/>
+          </a:p>
+          <a:p>
+            <a:endParaRPr lang="en-US" b="1" dirty="0"/>
           </a:p>
         </p:txBody>
       </p:sp>
@@ -4030,7 +4333,7 @@
     </p:spTree>
     <p:extLst>
       <p:ext uri="{BB962C8B-B14F-4D97-AF65-F5344CB8AC3E}">
-        <p14:creationId xmlns:p14="http://schemas.microsoft.com/office/powerpoint/2010/main" val="1228246"/>
+        <p14:creationId xmlns:p14="http://schemas.microsoft.com/office/powerpoint/2010/main" val="3678601128"/>
       </p:ext>
     </p:extLst>
   </p:cSld>
@@ -4084,417 +4387,177 @@
           <a:bodyPr/>
           <a:lstStyle/>
           <a:p>
-            <a:pPr marL="0" marR="0" lvl="0" indent="0" algn="l" defTabSz="914400" rtl="0" eaLnBrk="1" fontAlgn="auto" latinLnBrk="0" hangingPunct="1">
-              <a:lnSpc>
-                <a:spcPct val="100000"/>
-              </a:lnSpc>
-              <a:spcBef>
-                <a:spcPts val="0"/>
-              </a:spcBef>
-              <a:spcAft>
-                <a:spcPts val="0"/>
-              </a:spcAft>
-              <a:buClrTx/>
-              <a:buSzTx/>
-              <a:buFontTx/>
-              <a:buNone/>
-              <a:tabLst/>
-              <a:defRPr/>
-            </a:pPr>
             <a:r>
               <a:rPr lang="en-US" b="0" u="none" dirty="0"/>
               <a:t>CS</a:t>
             </a:r>
           </a:p>
           <a:p>
-            <a:pPr marL="0" marR="0" lvl="0" indent="0" algn="l" defTabSz="914400" rtl="0" eaLnBrk="1" fontAlgn="auto" latinLnBrk="0" hangingPunct="1">
-              <a:lnSpc>
-                <a:spcPct val="100000"/>
-              </a:lnSpc>
-              <a:spcBef>
-                <a:spcPts val="0"/>
-              </a:spcBef>
-              <a:spcAft>
-                <a:spcPts val="0"/>
-              </a:spcAft>
-              <a:buClrTx/>
-              <a:buSzTx/>
-              <a:buFontTx/>
-              <a:buNone/>
-              <a:tabLst/>
-              <a:defRPr/>
-            </a:pPr>
             <a:endParaRPr lang="en-US" b="1" u="sng" dirty="0"/>
           </a:p>
           <a:p>
-            <a:pPr marL="0" marR="0" lvl="0" indent="0" algn="l" defTabSz="914400" rtl="0" eaLnBrk="1" fontAlgn="auto" latinLnBrk="0" hangingPunct="1">
-              <a:lnSpc>
-                <a:spcPct val="100000"/>
-              </a:lnSpc>
-              <a:spcBef>
-                <a:spcPts val="0"/>
-              </a:spcBef>
-              <a:spcAft>
-                <a:spcPts val="0"/>
-              </a:spcAft>
-              <a:buClrTx/>
-              <a:buSzTx/>
-              <a:buFontTx/>
-              <a:buNone/>
-              <a:tabLst/>
-              <a:defRPr/>
-            </a:pPr>
             <a:r>
               <a:rPr lang="en-US" b="1" u="sng" dirty="0"/>
-              <a:t>SPMP Formatting and Style</a:t>
-            </a:r>
-          </a:p>
-          <a:p>
-            <a:pPr marL="0" marR="0" lvl="0" indent="0" algn="l" defTabSz="914400" rtl="0" eaLnBrk="1" fontAlgn="auto" latinLnBrk="0" hangingPunct="1">
-              <a:lnSpc>
-                <a:spcPct val="100000"/>
-              </a:lnSpc>
-              <a:spcBef>
-                <a:spcPts val="0"/>
-              </a:spcBef>
-              <a:spcAft>
-                <a:spcPts val="0"/>
-              </a:spcAft>
-              <a:buClrTx/>
-              <a:buSzTx/>
-              <a:buFontTx/>
-              <a:buNone/>
-              <a:tabLst/>
-              <a:defRPr/>
-            </a:pPr>
+              <a:t>Artifact format standards</a:t>
+            </a:r>
+            <a:endParaRPr lang="en-US" b="0" u="none" baseline="0" dirty="0"/>
+          </a:p>
+          <a:p>
+            <a:r>
+              <a:rPr lang="en-US" b="0" u="none" dirty="0"/>
+              <a:t>Deciding</a:t>
+            </a:r>
             <a:r>
               <a:rPr lang="en-US" b="0" u="none" baseline="0" dirty="0"/>
-              <a:t>Not deciding on a format style earlier.</a:t>
-            </a:r>
-          </a:p>
-          <a:p>
-            <a:pPr marL="0" marR="0" lvl="0" indent="0" algn="l" defTabSz="914400" rtl="0" eaLnBrk="1" fontAlgn="auto" latinLnBrk="0" hangingPunct="1">
-              <a:lnSpc>
-                <a:spcPct val="100000"/>
-              </a:lnSpc>
-              <a:spcBef>
-                <a:spcPts val="0"/>
-              </a:spcBef>
-              <a:spcAft>
-                <a:spcPts val="0"/>
-              </a:spcAft>
-              <a:buClrTx/>
-              <a:buSzTx/>
-              <a:buFontTx/>
-              <a:buNone/>
-              <a:tabLst/>
-              <a:defRPr/>
-            </a:pPr>
-            <a:endParaRPr lang="en-US" b="1" u="sng" dirty="0"/>
-          </a:p>
-          <a:p>
-            <a:pPr marL="0" marR="0" lvl="0" indent="0" algn="l" defTabSz="914400" rtl="0" eaLnBrk="1" fontAlgn="auto" latinLnBrk="0" hangingPunct="1">
-              <a:lnSpc>
-                <a:spcPct val="100000"/>
-              </a:lnSpc>
-              <a:spcBef>
-                <a:spcPts val="0"/>
-              </a:spcBef>
-              <a:spcAft>
-                <a:spcPts val="0"/>
-              </a:spcAft>
-              <a:buClrTx/>
-              <a:buSzTx/>
-              <a:buFontTx/>
-              <a:buNone/>
-              <a:tabLst/>
-              <a:defRPr/>
-            </a:pPr>
+              <a:t> on a format for documents i.e. what type of bullet points are we going to use, layout of page. (Style guide)</a:t>
+            </a:r>
+          </a:p>
+          <a:p>
+            <a:endParaRPr lang="en-US" b="0" u="none" baseline="0" dirty="0"/>
+          </a:p>
+          <a:p>
             <a:r>
               <a:rPr lang="en-US" b="1" u="sng" dirty="0"/>
-              <a:t>Artifact Review Method</a:t>
-            </a:r>
-          </a:p>
-          <a:p>
-            <a:pPr marL="0" marR="0" lvl="0" indent="0" algn="l" defTabSz="914400" rtl="0" eaLnBrk="1" fontAlgn="auto" latinLnBrk="0" hangingPunct="1">
-              <a:lnSpc>
-                <a:spcPct val="100000"/>
-              </a:lnSpc>
-              <a:spcBef>
-                <a:spcPts val="0"/>
-              </a:spcBef>
-              <a:spcAft>
-                <a:spcPts val="0"/>
-              </a:spcAft>
-              <a:buClrTx/>
-              <a:buSzTx/>
-              <a:buFontTx/>
-              <a:buNone/>
-              <a:tabLst/>
-              <a:defRPr/>
-            </a:pPr>
-            <a:r>
-              <a:rPr lang="en-US" b="0" u="none" dirty="0"/>
-              <a:t>Asking other team member</a:t>
-            </a:r>
+              <a:t>Establish artifact review</a:t>
+            </a:r>
+            <a:r>
+              <a:rPr lang="en-US" b="1" u="sng" baseline="0" dirty="0"/>
+              <a:t> method</a:t>
+            </a:r>
+          </a:p>
+          <a:p>
             <a:r>
               <a:rPr lang="en-US" b="0" u="none" baseline="0" dirty="0"/>
-              <a:t>s to review things but not knowing which document to review first based on dependencies and priority</a:t>
-            </a:r>
-          </a:p>
-          <a:p>
-            <a:pPr marL="0" marR="0" lvl="0" indent="0" algn="l" defTabSz="914400" rtl="0" eaLnBrk="1" fontAlgn="auto" latinLnBrk="0" hangingPunct="1">
-              <a:lnSpc>
-                <a:spcPct val="100000"/>
-              </a:lnSpc>
-              <a:spcBef>
-                <a:spcPts val="0"/>
-              </a:spcBef>
-              <a:spcAft>
-                <a:spcPts val="0"/>
-              </a:spcAft>
-              <a:buClrTx/>
-              <a:buSzTx/>
-              <a:buFontTx/>
-              <a:buNone/>
-              <a:tabLst/>
-              <a:defRPr/>
-            </a:pPr>
+              <a:t>The team has voted on using the “review” functionality on Microsoft Word to provide critiques on documents of other team members. To avoid overwriting the original, team members must make sure to save their document that contains critiques to a different name. If the document has a major dependency then the document should be reviewed first by the successor and the Project Managers.</a:t>
+            </a:r>
+          </a:p>
+          <a:p>
             <a:endParaRPr lang="en-US" b="0" u="none" baseline="0" dirty="0"/>
           </a:p>
           <a:p>
-            <a:pPr marL="0" marR="0" lvl="0" indent="0" algn="l" defTabSz="914400" rtl="0" eaLnBrk="1" fontAlgn="auto" latinLnBrk="0" hangingPunct="1">
-              <a:lnSpc>
-                <a:spcPct val="100000"/>
-              </a:lnSpc>
-              <a:spcBef>
-                <a:spcPts val="0"/>
-              </a:spcBef>
-              <a:spcAft>
-                <a:spcPts val="0"/>
-              </a:spcAft>
-              <a:buClrTx/>
-              <a:buSzTx/>
-              <a:buFontTx/>
-              <a:buNone/>
-              <a:tabLst/>
-              <a:defRPr/>
-            </a:pPr>
+            <a:r>
+              <a:rPr lang="en-US" b="1" u="sng" baseline="0" dirty="0"/>
+              <a:t>Use </a:t>
+            </a:r>
             <a:r>
               <a:rPr lang="en-US" b="1" u="sng" baseline="0" dirty="0" err="1"/>
               <a:t>Wrike</a:t>
             </a:r>
             <a:r>
               <a:rPr lang="en-US" b="1" u="sng" baseline="0" dirty="0"/>
-              <a:t> under-utilized</a:t>
-            </a:r>
-          </a:p>
-          <a:p>
-            <a:pPr marL="0" marR="0" lvl="0" indent="0" algn="l" defTabSz="914400" rtl="0" eaLnBrk="1" fontAlgn="auto" latinLnBrk="0" hangingPunct="1">
-              <a:lnSpc>
-                <a:spcPct val="100000"/>
-              </a:lnSpc>
-              <a:spcBef>
-                <a:spcPts val="0"/>
-              </a:spcBef>
-              <a:spcAft>
-                <a:spcPts val="0"/>
-              </a:spcAft>
-              <a:buClrTx/>
-              <a:buSzTx/>
-              <a:buFontTx/>
-              <a:buNone/>
-              <a:tabLst/>
-              <a:defRPr/>
-            </a:pPr>
+              <a:t> More</a:t>
+            </a:r>
+          </a:p>
+          <a:p>
             <a:r>
               <a:rPr lang="en-US" b="0" u="none" baseline="0" dirty="0"/>
-              <a:t>We intended to use Wrike as a replacement tool for Microsoft Project because not all team member were accessible to it. The point of Wrike was to assign tasks to team members. For the first half of the project, that functionality of Wrike was not utilized because instead team members would just check meeting minutes (where assigned tasks were also mentioned because tasks were usually assigned during in-person meetings) Wrike only contained the SPMP tasks but not the little tasks in between such as sending emails, uploading </a:t>
+              <a:t>Assign tasks for every task that was assigned during in-person meetings. Add in due dates and approximate time due. Set tasks as completed once they are completed. </a:t>
+            </a:r>
+            <a:endParaRPr lang="en-US" b="0" u="none" dirty="0"/>
+          </a:p>
+          <a:p>
+            <a:endParaRPr lang="en-US" b="0" u="none" baseline="0" dirty="0"/>
+          </a:p>
+          <a:p>
+            <a:r>
+              <a:rPr lang="en-US" b="1" u="sng" baseline="0" dirty="0"/>
+              <a:t>Reorganize repository </a:t>
+            </a:r>
+          </a:p>
+          <a:p>
+            <a:pPr marL="171450" indent="-171450">
+              <a:buFont typeface="Arial" panose="020B0604020202020204" pitchFamily="34" charset="0"/>
+              <a:buChar char="•"/>
+            </a:pPr>
+            <a:r>
+              <a:rPr lang="en-US" b="0" u="none" baseline="0" dirty="0"/>
+              <a:t>Moved all documents dealing with Phase 1 into Phase_1 folder</a:t>
+            </a:r>
+          </a:p>
+          <a:p>
+            <a:pPr marL="171450" indent="-171450">
+              <a:buFont typeface="Arial" panose="020B0604020202020204" pitchFamily="34" charset="0"/>
+              <a:buChar char="•"/>
+            </a:pPr>
+            <a:r>
+              <a:rPr lang="en-US" b="0" u="none" baseline="0" dirty="0"/>
+              <a:t>Created a folder "Phase 1" inside Documentation for Phase 1 items </a:t>
+            </a:r>
+          </a:p>
+          <a:p>
+            <a:pPr marL="171450" indent="-171450">
+              <a:buFont typeface="Arial" panose="020B0604020202020204" pitchFamily="34" charset="0"/>
+              <a:buChar char="•"/>
+            </a:pPr>
+            <a:r>
+              <a:rPr lang="en-US" b="0" u="none" baseline="0" dirty="0"/>
+              <a:t>Within Phase 1, moved individual components of the SPMP to </a:t>
             </a:r>
             <a:r>
               <a:rPr lang="en-US" b="0" u="none" baseline="0" dirty="0" err="1"/>
-              <a:t>meeting_minutes</a:t>
+              <a:t>Individual_Components</a:t>
             </a:r>
             <a:r>
               <a:rPr lang="en-US" b="0" u="none" baseline="0" dirty="0"/>
-              <a:t> or progress reports.</a:t>
-            </a:r>
-          </a:p>
-          <a:p>
-            <a:pPr marL="0" marR="0" lvl="0" indent="0" algn="l" defTabSz="914400" rtl="0" eaLnBrk="1" fontAlgn="auto" latinLnBrk="0" hangingPunct="1">
-              <a:lnSpc>
-                <a:spcPct val="100000"/>
-              </a:lnSpc>
-              <a:spcBef>
-                <a:spcPts val="0"/>
-              </a:spcBef>
-              <a:spcAft>
-                <a:spcPts val="0"/>
-              </a:spcAft>
-              <a:buClrTx/>
-              <a:buSzTx/>
-              <a:buFontTx/>
-              <a:buNone/>
-              <a:tabLst/>
-              <a:defRPr/>
-            </a:pPr>
+              <a:t> and left the SPMP directly inside Phase_1 </a:t>
+            </a:r>
+          </a:p>
+          <a:p>
+            <a:pPr marL="171450" indent="-171450">
+              <a:buFont typeface="Arial" panose="020B0604020202020204" pitchFamily="34" charset="0"/>
+              <a:buChar char="•"/>
+            </a:pPr>
+            <a:r>
+              <a:rPr lang="en-US" b="0" u="none" baseline="0" dirty="0"/>
+              <a:t>Created "</a:t>
+            </a:r>
+            <a:r>
+              <a:rPr lang="en-US" b="0" u="none" baseline="0" dirty="0" err="1"/>
+              <a:t>Work_In_Progress</a:t>
+            </a:r>
+            <a:r>
+              <a:rPr lang="en-US" b="0" u="none" baseline="0" dirty="0"/>
+              <a:t>" folder to be used for documentation and source you are presently working on</a:t>
+            </a:r>
+          </a:p>
+          <a:p>
+            <a:pPr marL="171450" indent="-171450">
+              <a:buFont typeface="Arial" panose="020B0604020202020204" pitchFamily="34" charset="0"/>
+              <a:buChar char="•"/>
+            </a:pPr>
+            <a:r>
+              <a:rPr lang="en-US" b="0" u="none" baseline="0" dirty="0"/>
+              <a:t>Created a folder for each team member by their initials inside "</a:t>
+            </a:r>
+            <a:r>
+              <a:rPr lang="en-US" b="0" u="none" baseline="0" dirty="0" err="1"/>
+              <a:t>Work_In_Progress</a:t>
+            </a:r>
+            <a:r>
+              <a:rPr lang="en-US" b="0" u="none" baseline="0" dirty="0"/>
+              <a:t>"</a:t>
+            </a:r>
+          </a:p>
+          <a:p>
+            <a:endParaRPr lang="en-US" b="0" u="sng" dirty="0"/>
+          </a:p>
+          <a:p>
             <a:endParaRPr lang="en-US" b="0" u="none" baseline="0" dirty="0"/>
           </a:p>
           <a:p>
-            <a:pPr marL="0" marR="0" lvl="0" indent="0" algn="l" defTabSz="914400" rtl="0" eaLnBrk="1" fontAlgn="auto" latinLnBrk="0" hangingPunct="1">
-              <a:lnSpc>
-                <a:spcPct val="100000"/>
-              </a:lnSpc>
-              <a:spcBef>
-                <a:spcPts val="0"/>
-              </a:spcBef>
-              <a:spcAft>
-                <a:spcPts val="0"/>
-              </a:spcAft>
-              <a:buClrTx/>
-              <a:buSzTx/>
-              <a:buFontTx/>
-              <a:buNone/>
-              <a:tabLst/>
-              <a:defRPr/>
-            </a:pPr>
-            <a:r>
-              <a:rPr lang="en-US" b="1" u="sng" dirty="0"/>
-              <a:t>Dependencies not established early</a:t>
-            </a:r>
-          </a:p>
-          <a:p>
-            <a:pPr marL="0" marR="0" lvl="0" indent="0" algn="l" defTabSz="914400" rtl="0" eaLnBrk="1" fontAlgn="auto" latinLnBrk="0" hangingPunct="1">
-              <a:lnSpc>
-                <a:spcPct val="100000"/>
-              </a:lnSpc>
-              <a:spcBef>
-                <a:spcPts val="0"/>
-              </a:spcBef>
-              <a:spcAft>
-                <a:spcPts val="0"/>
-              </a:spcAft>
-              <a:buClrTx/>
-              <a:buSzTx/>
-              <a:buFontTx/>
-              <a:buNone/>
-              <a:tabLst/>
-              <a:defRPr/>
-            </a:pPr>
-            <a:r>
-              <a:rPr lang="en-US" b="0" u="none" dirty="0"/>
-              <a:t>Not properly</a:t>
-            </a:r>
+            <a:r>
+              <a:rPr lang="en-US" b="1" u="sng" baseline="0" dirty="0"/>
+              <a:t>Formalize PM communication</a:t>
+            </a:r>
+          </a:p>
+          <a:p>
             <a:r>
               <a:rPr lang="en-US" b="0" u="none" baseline="0" dirty="0"/>
-              <a:t> checking the dependency of one task to another, put other people behind and cased a shift in work load for one person.</a:t>
-            </a:r>
-          </a:p>
-          <a:p>
-            <a:pPr marL="0" marR="0" lvl="0" indent="0" algn="l" defTabSz="914400" rtl="0" eaLnBrk="1" fontAlgn="auto" latinLnBrk="0" hangingPunct="1">
-              <a:lnSpc>
-                <a:spcPct val="100000"/>
-              </a:lnSpc>
-              <a:spcBef>
-                <a:spcPts val="0"/>
-              </a:spcBef>
-              <a:spcAft>
-                <a:spcPts val="0"/>
-              </a:spcAft>
-              <a:buClrTx/>
-              <a:buSzTx/>
-              <a:buFontTx/>
-              <a:buNone/>
-              <a:tabLst/>
-              <a:defRPr/>
-            </a:pPr>
+              <a:t>Assign the Project Managers task on Wrike. Sending reminder messages about the tasks they were assigned. Add them to the general availability sheet to be aware of when they are free. Also include them in the Expectation Calendar so they can add in days they know they will not be available. </a:t>
+            </a:r>
+          </a:p>
+          <a:p>
             <a:endParaRPr lang="en-US" b="0" u="none" baseline="0" dirty="0"/>
-          </a:p>
-          <a:p>
-            <a:pPr marL="0" marR="0" lvl="0" indent="0" algn="l" defTabSz="914400" rtl="0" eaLnBrk="1" fontAlgn="auto" latinLnBrk="0" hangingPunct="1">
-              <a:lnSpc>
-                <a:spcPct val="100000"/>
-              </a:lnSpc>
-              <a:spcBef>
-                <a:spcPts val="0"/>
-              </a:spcBef>
-              <a:spcAft>
-                <a:spcPts val="0"/>
-              </a:spcAft>
-              <a:buClrTx/>
-              <a:buSzTx/>
-              <a:buFontTx/>
-              <a:buNone/>
-              <a:tabLst/>
-              <a:defRPr/>
-            </a:pPr>
-            <a:r>
-              <a:rPr lang="en-US" b="1" u="sng" baseline="0" dirty="0"/>
-              <a:t>Communication With Project Managers</a:t>
-            </a:r>
-          </a:p>
-          <a:p>
-            <a:pPr marL="0" marR="0" lvl="0" indent="0" algn="l" defTabSz="914400" rtl="0" eaLnBrk="1" fontAlgn="auto" latinLnBrk="0" hangingPunct="1">
-              <a:lnSpc>
-                <a:spcPct val="100000"/>
-              </a:lnSpc>
-              <a:spcBef>
-                <a:spcPts val="0"/>
-              </a:spcBef>
-              <a:spcAft>
-                <a:spcPts val="0"/>
-              </a:spcAft>
-              <a:buClrTx/>
-              <a:buSzTx/>
-              <a:buFontTx/>
-              <a:buNone/>
-              <a:tabLst/>
-              <a:defRPr/>
-            </a:pPr>
-            <a:r>
-              <a:rPr lang="en-US" b="0" u="none" baseline="0" dirty="0"/>
-              <a:t>We added them onto our groups on Slack, Wrike, and GitHub. We did not add them to the general availability or exception calendar. But we asked them if they would be able to join us for our weekly Sunday meetings and they said that for the most part yes. At the end of Part1 we realized that the c</a:t>
-            </a:r>
-            <a:r>
-              <a:rPr lang="en-US" dirty="0"/>
-              <a:t>ommunication process was</a:t>
-            </a:r>
-            <a:r>
-              <a:rPr lang="en-US" baseline="0" dirty="0"/>
-              <a:t> not w</a:t>
-            </a:r>
-            <a:r>
-              <a:rPr lang="en-US" dirty="0"/>
-              <a:t>ell defined.</a:t>
-            </a:r>
-            <a:r>
-              <a:rPr lang="en-US" baseline="0" dirty="0"/>
-              <a:t> We did not assign specific tasks to them and they did not know when or which parts of the SPMP to check first, they also were not told where to leave comments and feedback which in turn could be the reason why we felt we did not received adequate feedback.</a:t>
-            </a:r>
-            <a:endParaRPr lang="en-US" b="0" u="none" dirty="0"/>
-          </a:p>
-          <a:p>
-            <a:pPr marL="0" marR="0" lvl="0" indent="0" algn="l" defTabSz="914400" rtl="0" eaLnBrk="1" fontAlgn="auto" latinLnBrk="0" hangingPunct="1">
-              <a:lnSpc>
-                <a:spcPct val="100000"/>
-              </a:lnSpc>
-              <a:spcBef>
-                <a:spcPts val="0"/>
-              </a:spcBef>
-              <a:spcAft>
-                <a:spcPts val="0"/>
-              </a:spcAft>
-              <a:buClrTx/>
-              <a:buSzTx/>
-              <a:buFontTx/>
-              <a:buNone/>
-              <a:tabLst/>
-              <a:defRPr/>
-            </a:pPr>
-            <a:endParaRPr lang="en-US" b="0" u="none" dirty="0"/>
-          </a:p>
-          <a:p>
-            <a:endParaRPr lang="en-US" b="1" dirty="0"/>
           </a:p>
         </p:txBody>
       </p:sp>
@@ -4524,7 +4587,7 @@
     </p:spTree>
     <p:extLst>
       <p:ext uri="{BB962C8B-B14F-4D97-AF65-F5344CB8AC3E}">
-        <p14:creationId xmlns:p14="http://schemas.microsoft.com/office/powerpoint/2010/main" val="3678601128"/>
+        <p14:creationId xmlns:p14="http://schemas.microsoft.com/office/powerpoint/2010/main" val="3815410767"/>
       </p:ext>
     </p:extLst>
   </p:cSld>
@@ -4579,260 +4642,6 @@
           <a:lstStyle/>
           <a:p>
             <a:r>
-              <a:rPr lang="en-US" b="0" u="none" dirty="0"/>
-              <a:t>CS</a:t>
-            </a:r>
-          </a:p>
-          <a:p>
-            <a:endParaRPr lang="en-US" b="1" u="sng" dirty="0"/>
-          </a:p>
-          <a:p>
-            <a:r>
-              <a:rPr lang="en-US" b="1" u="sng" dirty="0"/>
-              <a:t>Artifact format standards</a:t>
-            </a:r>
-            <a:endParaRPr lang="en-US" b="0" u="none" baseline="0" dirty="0"/>
-          </a:p>
-          <a:p>
-            <a:r>
-              <a:rPr lang="en-US" b="0" u="none" dirty="0"/>
-              <a:t>Deciding</a:t>
-            </a:r>
-            <a:r>
-              <a:rPr lang="en-US" b="0" u="none" baseline="0" dirty="0"/>
-              <a:t> on a format for documents i.e. what type of bullet points are we going to use, layout of page. (Style guide)</a:t>
-            </a:r>
-          </a:p>
-          <a:p>
-            <a:endParaRPr lang="en-US" b="0" u="none" baseline="0" dirty="0"/>
-          </a:p>
-          <a:p>
-            <a:r>
-              <a:rPr lang="en-US" b="1" u="sng" dirty="0"/>
-              <a:t>Establish artifact review</a:t>
-            </a:r>
-            <a:r>
-              <a:rPr lang="en-US" b="1" u="sng" baseline="0" dirty="0"/>
-              <a:t> method</a:t>
-            </a:r>
-          </a:p>
-          <a:p>
-            <a:r>
-              <a:rPr lang="en-US" b="0" u="none" baseline="0" dirty="0"/>
-              <a:t>The team has voted on using the “review” functionality on Microsoft Word to provide critiques on documents of other team members. To avoid overwriting the original, team members must make sure to save their document that contains critiques to a different name. If the document has a major dependency then the document should be reviewed first by the successor and the Project Managers.</a:t>
-            </a:r>
-          </a:p>
-          <a:p>
-            <a:endParaRPr lang="en-US" b="0" u="none" baseline="0" dirty="0"/>
-          </a:p>
-          <a:p>
-            <a:r>
-              <a:rPr lang="en-US" b="1" u="sng" baseline="0" dirty="0"/>
-              <a:t>Use </a:t>
-            </a:r>
-            <a:r>
-              <a:rPr lang="en-US" b="1" u="sng" baseline="0" dirty="0" err="1"/>
-              <a:t>Wrike</a:t>
-            </a:r>
-            <a:r>
-              <a:rPr lang="en-US" b="1" u="sng" baseline="0" dirty="0"/>
-              <a:t> More</a:t>
-            </a:r>
-          </a:p>
-          <a:p>
-            <a:r>
-              <a:rPr lang="en-US" b="0" u="none" baseline="0" dirty="0"/>
-              <a:t>Assign tasks for every task that was assigned during in-person meetings. Add in due dates and approximate time due. Set tasks as completed once they are completed. </a:t>
-            </a:r>
-            <a:endParaRPr lang="en-US" b="0" u="none" dirty="0"/>
-          </a:p>
-          <a:p>
-            <a:endParaRPr lang="en-US" b="0" u="none" baseline="0" dirty="0"/>
-          </a:p>
-          <a:p>
-            <a:r>
-              <a:rPr lang="en-US" b="1" u="sng" baseline="0" dirty="0"/>
-              <a:t>Reorganize repository </a:t>
-            </a:r>
-          </a:p>
-          <a:p>
-            <a:pPr marL="171450" indent="-171450">
-              <a:buFont typeface="Arial" panose="020B0604020202020204" pitchFamily="34" charset="0"/>
-              <a:buChar char="•"/>
-            </a:pPr>
-            <a:r>
-              <a:rPr lang="en-US" b="0" u="none" baseline="0" dirty="0"/>
-              <a:t>Moved all documents dealing with Phase 1 into Phase_1 folder</a:t>
-            </a:r>
-          </a:p>
-          <a:p>
-            <a:pPr marL="171450" indent="-171450">
-              <a:buFont typeface="Arial" panose="020B0604020202020204" pitchFamily="34" charset="0"/>
-              <a:buChar char="•"/>
-            </a:pPr>
-            <a:r>
-              <a:rPr lang="en-US" b="0" u="none" baseline="0" dirty="0"/>
-              <a:t>Created a folder "Phase 1" inside Documentation for Phase 1 items </a:t>
-            </a:r>
-          </a:p>
-          <a:p>
-            <a:pPr marL="171450" indent="-171450">
-              <a:buFont typeface="Arial" panose="020B0604020202020204" pitchFamily="34" charset="0"/>
-              <a:buChar char="•"/>
-            </a:pPr>
-            <a:r>
-              <a:rPr lang="en-US" b="0" u="none" baseline="0" dirty="0"/>
-              <a:t>Within Phase 1, moved individual components of the SPMP to </a:t>
-            </a:r>
-            <a:r>
-              <a:rPr lang="en-US" b="0" u="none" baseline="0" dirty="0" err="1"/>
-              <a:t>Individual_Components</a:t>
-            </a:r>
-            <a:r>
-              <a:rPr lang="en-US" b="0" u="none" baseline="0" dirty="0"/>
-              <a:t> and left the SPMP directly inside Phase_1 </a:t>
-            </a:r>
-          </a:p>
-          <a:p>
-            <a:pPr marL="171450" indent="-171450">
-              <a:buFont typeface="Arial" panose="020B0604020202020204" pitchFamily="34" charset="0"/>
-              <a:buChar char="•"/>
-            </a:pPr>
-            <a:r>
-              <a:rPr lang="en-US" b="0" u="none" baseline="0" dirty="0"/>
-              <a:t>Created "</a:t>
-            </a:r>
-            <a:r>
-              <a:rPr lang="en-US" b="0" u="none" baseline="0" dirty="0" err="1"/>
-              <a:t>Work_In_Progress</a:t>
-            </a:r>
-            <a:r>
-              <a:rPr lang="en-US" b="0" u="none" baseline="0" dirty="0"/>
-              <a:t>" folder to be used for documentation and source you are presently working on</a:t>
-            </a:r>
-          </a:p>
-          <a:p>
-            <a:pPr marL="171450" indent="-171450">
-              <a:buFont typeface="Arial" panose="020B0604020202020204" pitchFamily="34" charset="0"/>
-              <a:buChar char="•"/>
-            </a:pPr>
-            <a:r>
-              <a:rPr lang="en-US" b="0" u="none" baseline="0" dirty="0"/>
-              <a:t>Created a folder for each team member by their initials inside "</a:t>
-            </a:r>
-            <a:r>
-              <a:rPr lang="en-US" b="0" u="none" baseline="0" dirty="0" err="1"/>
-              <a:t>Work_In_Progress</a:t>
-            </a:r>
-            <a:r>
-              <a:rPr lang="en-US" b="0" u="none" baseline="0" dirty="0"/>
-              <a:t>"</a:t>
-            </a:r>
-          </a:p>
-          <a:p>
-            <a:endParaRPr lang="en-US" b="0" u="sng" dirty="0"/>
-          </a:p>
-          <a:p>
-            <a:endParaRPr lang="en-US" b="0" u="none" baseline="0" dirty="0"/>
-          </a:p>
-          <a:p>
-            <a:r>
-              <a:rPr lang="en-US" b="1" u="sng" baseline="0" dirty="0"/>
-              <a:t>Formalize PM communication</a:t>
-            </a:r>
-          </a:p>
-          <a:p>
-            <a:r>
-              <a:rPr lang="en-US" b="0" u="none" baseline="0" dirty="0"/>
-              <a:t>Assign the Project Managers task on Wrike. Sending reminder messages about the tasks they were assigned. Add them to the general availability sheet to be aware of when they are free. Also include them in the Expectation Calendar so they can add in days they know they will not be available. </a:t>
-            </a:r>
-          </a:p>
-          <a:p>
-            <a:endParaRPr lang="en-US" b="0" u="none" baseline="0" dirty="0"/>
-          </a:p>
-        </p:txBody>
-      </p:sp>
-      <p:sp>
-        <p:nvSpPr>
-          <p:cNvPr id="4" name="Slide Number Placeholder 3"/>
-          <p:cNvSpPr>
-            <a:spLocks noGrp="1"/>
-          </p:cNvSpPr>
-          <p:nvPr>
-            <p:ph type="sldNum" sz="quarter" idx="10"/>
-          </p:nvPr>
-        </p:nvSpPr>
-        <p:spPr/>
-        <p:txBody>
-          <a:bodyPr/>
-          <a:lstStyle/>
-          <a:p>
-            <a:fld id="{B621E0F3-BCE5-4552-9E75-AD4D9ACB2A2B}" type="slidenum">
-              <a:rPr lang="en-US" smtClean="0"/>
-              <a:t>22</a:t>
-            </a:fld>
-            <a:endParaRPr lang="en-US"/>
-          </a:p>
-        </p:txBody>
-      </p:sp>
-    </p:spTree>
-    <p:extLst>
-      <p:ext uri="{BB962C8B-B14F-4D97-AF65-F5344CB8AC3E}">
-        <p14:creationId xmlns:p14="http://schemas.microsoft.com/office/powerpoint/2010/main" val="3815410767"/>
-      </p:ext>
-    </p:extLst>
-  </p:cSld>
-  <p:clrMapOvr>
-    <a:masterClrMapping/>
-  </p:clrMapOvr>
-</p:notes>
-</file>
-
-<file path=ppt/notesSlides/notesSlide23.xml><?xml version="1.0" encoding="utf-8"?>
-<p:notes xmlns:a="http://schemas.openxmlformats.org/drawingml/2006/main" xmlns:r="http://schemas.openxmlformats.org/officeDocument/2006/relationships" xmlns:p="http://schemas.openxmlformats.org/presentationml/2006/main">
-  <p:cSld>
-    <p:spTree>
-      <p:nvGrpSpPr>
-        <p:cNvPr id="1" name=""/>
-        <p:cNvGrpSpPr/>
-        <p:nvPr/>
-      </p:nvGrpSpPr>
-      <p:grpSpPr>
-        <a:xfrm>
-          <a:off x="0" y="0"/>
-          <a:ext cx="0" cy="0"/>
-          <a:chOff x="0" y="0"/>
-          <a:chExt cx="0" cy="0"/>
-        </a:xfrm>
-      </p:grpSpPr>
-      <p:sp>
-        <p:nvSpPr>
-          <p:cNvPr id="2" name="Slide Image Placeholder 1"/>
-          <p:cNvSpPr>
-            <a:spLocks noGrp="1" noRot="1" noChangeAspect="1"/>
-          </p:cNvSpPr>
-          <p:nvPr>
-            <p:ph type="sldImg"/>
-          </p:nvPr>
-        </p:nvSpPr>
-        <p:spPr/>
-      </p:sp>
-      <p:sp>
-        <p:nvSpPr>
-          <p:cNvPr id="3" name="Notes Placeholder 2"/>
-          <p:cNvSpPr>
-            <a:spLocks noGrp="1"/>
-          </p:cNvSpPr>
-          <p:nvPr>
-            <p:ph type="body" idx="1"/>
-          </p:nvPr>
-        </p:nvSpPr>
-        <p:spPr/>
-        <p:txBody>
-          <a:bodyPr/>
-          <a:lstStyle/>
-          <a:p>
-            <a:r>
               <a:rPr lang="en-US" dirty="0"/>
               <a:t>CS &amp; EJ</a:t>
             </a:r>
@@ -4969,7 +4778,7 @@
           <a:p>
             <a:fld id="{B621E0F3-BCE5-4552-9E75-AD4D9ACB2A2B}" type="slidenum">
               <a:rPr lang="en-US" smtClean="0"/>
-              <a:t>23</a:t>
+              <a:t>22</a:t>
             </a:fld>
             <a:endParaRPr lang="en-US"/>
           </a:p>
@@ -5303,6 +5112,10 @@
             <a:r>
               <a:rPr lang="en-US" b="1" baseline="0" dirty="0"/>
               <a:t> </a:t>
+            </a:r>
+            <a:r>
+              <a:rPr lang="en-US" b="0" baseline="0" dirty="0"/>
+              <a:t>We have never done a project of this scale.</a:t>
             </a:r>
             <a:endParaRPr lang="en-US" b="1" dirty="0"/>
           </a:p>
@@ -7110,7 +6923,7 @@
             <a:fld id="{B61BEF0D-F0BB-DE4B-95CE-6DB70DBA9567}" type="datetimeFigureOut">
               <a:rPr lang="en-US" smtClean="0"/>
               <a:pPr/>
-              <a:t>3/5/2017</a:t>
+              <a:t>3/6/2017</a:t>
             </a:fld>
             <a:endParaRPr lang="en-US" dirty="0"/>
           </a:p>
@@ -7333,7 +7146,7 @@
             <a:fld id="{B61BEF0D-F0BB-DE4B-95CE-6DB70DBA9567}" type="datetimeFigureOut">
               <a:rPr lang="en-US" smtClean="0"/>
               <a:pPr/>
-              <a:t>3/5/2017</a:t>
+              <a:t>3/6/2017</a:t>
             </a:fld>
             <a:endParaRPr lang="en-US" dirty="0"/>
           </a:p>
@@ -7515,7 +7328,7 @@
             <a:fld id="{B61BEF0D-F0BB-DE4B-95CE-6DB70DBA9567}" type="datetimeFigureOut">
               <a:rPr lang="en-US" smtClean="0"/>
               <a:pPr/>
-              <a:t>3/5/2017</a:t>
+              <a:t>3/6/2017</a:t>
             </a:fld>
             <a:endParaRPr lang="en-US" dirty="0"/>
           </a:p>
@@ -7687,7 +7500,7 @@
             <a:fld id="{B61BEF0D-F0BB-DE4B-95CE-6DB70DBA9567}" type="datetimeFigureOut">
               <a:rPr lang="en-US" smtClean="0"/>
               <a:pPr/>
-              <a:t>3/5/2017</a:t>
+              <a:t>3/6/2017</a:t>
             </a:fld>
             <a:endParaRPr lang="en-US" dirty="0"/>
           </a:p>
@@ -7940,7 +7753,7 @@
             <a:fld id="{B61BEF0D-F0BB-DE4B-95CE-6DB70DBA9567}" type="datetimeFigureOut">
               <a:rPr lang="en-US" smtClean="0"/>
               <a:pPr/>
-              <a:t>3/5/2017</a:t>
+              <a:t>3/6/2017</a:t>
             </a:fld>
             <a:endParaRPr lang="en-US" dirty="0"/>
           </a:p>
@@ -8265,7 +8078,7 @@
             <a:fld id="{B61BEF0D-F0BB-DE4B-95CE-6DB70DBA9567}" type="datetimeFigureOut">
               <a:rPr lang="en-US" smtClean="0"/>
               <a:pPr/>
-              <a:t>3/5/2017</a:t>
+              <a:t>3/6/2017</a:t>
             </a:fld>
             <a:endParaRPr lang="en-US" dirty="0"/>
           </a:p>
@@ -8691,7 +8504,7 @@
             <a:fld id="{B61BEF0D-F0BB-DE4B-95CE-6DB70DBA9567}" type="datetimeFigureOut">
               <a:rPr lang="en-US" smtClean="0"/>
               <a:pPr/>
-              <a:t>3/5/2017</a:t>
+              <a:t>3/6/2017</a:t>
             </a:fld>
             <a:endParaRPr lang="en-US" dirty="0"/>
           </a:p>
@@ -8811,7 +8624,7 @@
             <a:fld id="{B61BEF0D-F0BB-DE4B-95CE-6DB70DBA9567}" type="datetimeFigureOut">
               <a:rPr lang="en-US" smtClean="0"/>
               <a:pPr/>
-              <a:t>3/5/2017</a:t>
+              <a:t>3/6/2017</a:t>
             </a:fld>
             <a:endParaRPr lang="en-US" dirty="0"/>
           </a:p>
@@ -8908,7 +8721,7 @@
             <a:fld id="{B61BEF0D-F0BB-DE4B-95CE-6DB70DBA9567}" type="datetimeFigureOut">
               <a:rPr lang="en-US" smtClean="0"/>
               <a:pPr/>
-              <a:t>3/5/2017</a:t>
+              <a:t>3/6/2017</a:t>
             </a:fld>
             <a:endParaRPr lang="en-US" dirty="0"/>
           </a:p>
@@ -9200,7 +9013,7 @@
             <a:fld id="{B61BEF0D-F0BB-DE4B-95CE-6DB70DBA9567}" type="datetimeFigureOut">
               <a:rPr lang="en-US" smtClean="0"/>
               <a:pPr/>
-              <a:t>3/5/2017</a:t>
+              <a:t>3/6/2017</a:t>
             </a:fld>
             <a:endParaRPr lang="en-US" dirty="0"/>
           </a:p>
@@ -9474,7 +9287,7 @@
             <a:fld id="{B61BEF0D-F0BB-DE4B-95CE-6DB70DBA9567}" type="datetimeFigureOut">
               <a:rPr lang="en-US" smtClean="0"/>
               <a:pPr/>
-              <a:t>3/5/2017</a:t>
+              <a:t>3/6/2017</a:t>
             </a:fld>
             <a:endParaRPr lang="en-US" dirty="0"/>
           </a:p>
@@ -9729,7 +9542,7 @@
             <a:fld id="{B61BEF0D-F0BB-DE4B-95CE-6DB70DBA9567}" type="datetimeFigureOut">
               <a:rPr lang="en-US" smtClean="0"/>
               <a:pPr/>
-              <a:t>3/5/2017</a:t>
+              <a:t>3/6/2017</a:t>
             </a:fld>
             <a:endParaRPr lang="en-US" dirty="0"/>
           </a:p>
@@ -11114,7 +10927,7 @@
           <a:p>
             <a:r>
               <a:rPr lang="en-US" dirty="0"/>
-              <a:t>6.1  Software Quality Analysis</a:t>
+              <a:t>6.1  Quality Assurance and Control</a:t>
             </a:r>
           </a:p>
           <a:p>
@@ -11179,6 +10992,237 @@
           </a:prstGeom>
         </p:spPr>
       </p:pic>
+      <p:grpSp>
+        <p:nvGrpSpPr>
+          <p:cNvPr id="22" name="Group 21"/>
+          <p:cNvGrpSpPr/>
+          <p:nvPr/>
+        </p:nvGrpSpPr>
+        <p:grpSpPr>
+          <a:xfrm>
+            <a:off x="353549" y="1822524"/>
+            <a:ext cx="11451771" cy="3897812"/>
+            <a:chOff x="695857" y="2114868"/>
+            <a:chExt cx="8360087" cy="2441892"/>
+          </a:xfrm>
+        </p:grpSpPr>
+        <p:pic>
+          <p:nvPicPr>
+            <p:cNvPr id="23" name="Picture 9" descr="SPMP_TND_2"/>
+            <p:cNvPicPr>
+              <a:picLocks noChangeAspect="1" noChangeArrowheads="1"/>
+            </p:cNvPicPr>
+            <p:nvPr/>
+          </p:nvPicPr>
+          <p:blipFill>
+            <a:blip r:embed="rId5">
+              <a:extLst>
+                <a:ext uri="{28A0092B-C50C-407E-A947-70E740481C1C}">
+                  <a14:useLocalDpi xmlns:a14="http://schemas.microsoft.com/office/drawing/2010/main" val="0"/>
+                </a:ext>
+              </a:extLst>
+            </a:blip>
+            <a:srcRect/>
+            <a:stretch>
+              <a:fillRect/>
+            </a:stretch>
+          </p:blipFill>
+          <p:spPr bwMode="auto">
+            <a:xfrm>
+              <a:off x="2724682" y="2127885"/>
+              <a:ext cx="2990850" cy="2428875"/>
+            </a:xfrm>
+            <a:prstGeom prst="rect">
+              <a:avLst/>
+            </a:prstGeom>
+            <a:noFill/>
+            <a:extLst>
+              <a:ext uri="{909E8E84-426E-40DD-AFC4-6F175D3DCCD1}">
+                <a14:hiddenFill xmlns:a14="http://schemas.microsoft.com/office/drawing/2010/main">
+                  <a:solidFill>
+                    <a:srgbClr val="FFFFFF"/>
+                  </a:solidFill>
+                </a14:hiddenFill>
+              </a:ext>
+            </a:extLst>
+          </p:spPr>
+        </p:pic>
+        <p:pic>
+          <p:nvPicPr>
+            <p:cNvPr id="24" name="Picture 7" descr="SPMP_TND_1"/>
+            <p:cNvPicPr>
+              <a:picLocks noChangeAspect="1" noChangeArrowheads="1"/>
+            </p:cNvPicPr>
+            <p:nvPr/>
+          </p:nvPicPr>
+          <p:blipFill>
+            <a:blip r:embed="rId6">
+              <a:extLst>
+                <a:ext uri="{28A0092B-C50C-407E-A947-70E740481C1C}">
+                  <a14:useLocalDpi xmlns:a14="http://schemas.microsoft.com/office/drawing/2010/main" val="0"/>
+                </a:ext>
+              </a:extLst>
+            </a:blip>
+            <a:srcRect/>
+            <a:stretch>
+              <a:fillRect/>
+            </a:stretch>
+          </p:blipFill>
+          <p:spPr bwMode="auto">
+            <a:xfrm>
+              <a:off x="695857" y="2114868"/>
+              <a:ext cx="2028825" cy="2428875"/>
+            </a:xfrm>
+            <a:prstGeom prst="rect">
+              <a:avLst/>
+            </a:prstGeom>
+            <a:noFill/>
+            <a:extLst>
+              <a:ext uri="{909E8E84-426E-40DD-AFC4-6F175D3DCCD1}">
+                <a14:hiddenFill xmlns:a14="http://schemas.microsoft.com/office/drawing/2010/main">
+                  <a:solidFill>
+                    <a:srgbClr val="FFFFFF"/>
+                  </a:solidFill>
+                </a14:hiddenFill>
+              </a:ext>
+            </a:extLst>
+          </p:spPr>
+        </p:pic>
+        <p:pic>
+          <p:nvPicPr>
+            <p:cNvPr id="25" name="Picture 31" descr="SPMP_TND_3"/>
+            <p:cNvPicPr>
+              <a:picLocks noChangeAspect="1" noChangeArrowheads="1"/>
+            </p:cNvPicPr>
+            <p:nvPr/>
+          </p:nvPicPr>
+          <p:blipFill>
+            <a:blip r:embed="rId7">
+              <a:extLst>
+                <a:ext uri="{28A0092B-C50C-407E-A947-70E740481C1C}">
+                  <a14:useLocalDpi xmlns:a14="http://schemas.microsoft.com/office/drawing/2010/main" val="0"/>
+                </a:ext>
+              </a:extLst>
+            </a:blip>
+            <a:srcRect/>
+            <a:stretch>
+              <a:fillRect/>
+            </a:stretch>
+          </p:blipFill>
+          <p:spPr bwMode="auto">
+            <a:xfrm>
+              <a:off x="5715532" y="3948429"/>
+              <a:ext cx="2581275" cy="352425"/>
+            </a:xfrm>
+            <a:prstGeom prst="rect">
+              <a:avLst/>
+            </a:prstGeom>
+            <a:noFill/>
+            <a:extLst>
+              <a:ext uri="{909E8E84-426E-40DD-AFC4-6F175D3DCCD1}">
+                <a14:hiddenFill xmlns:a14="http://schemas.microsoft.com/office/drawing/2010/main">
+                  <a:solidFill>
+                    <a:srgbClr val="FFFFFF"/>
+                  </a:solidFill>
+                </a14:hiddenFill>
+              </a:ext>
+            </a:extLst>
+          </p:spPr>
+        </p:pic>
+        <p:pic>
+          <p:nvPicPr>
+            <p:cNvPr id="26" name="Picture 29" descr="SPMP_TND_4"/>
+            <p:cNvPicPr>
+              <a:picLocks noChangeAspect="1" noChangeArrowheads="1"/>
+            </p:cNvPicPr>
+            <p:nvPr/>
+          </p:nvPicPr>
+          <p:blipFill>
+            <a:blip r:embed="rId8">
+              <a:extLst>
+                <a:ext uri="{28A0092B-C50C-407E-A947-70E740481C1C}">
+                  <a14:useLocalDpi xmlns:a14="http://schemas.microsoft.com/office/drawing/2010/main" val="0"/>
+                </a:ext>
+              </a:extLst>
+            </a:blip>
+            <a:srcRect/>
+            <a:stretch>
+              <a:fillRect/>
+            </a:stretch>
+          </p:blipFill>
+          <p:spPr bwMode="auto">
+            <a:xfrm>
+              <a:off x="8293944" y="3696652"/>
+              <a:ext cx="762000" cy="657225"/>
+            </a:xfrm>
+            <a:prstGeom prst="rect">
+              <a:avLst/>
+            </a:prstGeom>
+            <a:noFill/>
+            <a:extLst>
+              <a:ext uri="{909E8E84-426E-40DD-AFC4-6F175D3DCCD1}">
+                <a14:hiddenFill xmlns:a14="http://schemas.microsoft.com/office/drawing/2010/main">
+                  <a:solidFill>
+                    <a:srgbClr val="FFFFFF"/>
+                  </a:solidFill>
+                </a14:hiddenFill>
+              </a:ext>
+            </a:extLst>
+          </p:spPr>
+        </p:pic>
+        <p:sp>
+          <p:nvSpPr>
+            <p:cNvPr id="27" name="Rectangle 12"/>
+            <p:cNvSpPr>
+              <a:spLocks noChangeArrowheads="1"/>
+            </p:cNvSpPr>
+            <p:nvPr/>
+          </p:nvSpPr>
+          <p:spPr bwMode="auto">
+            <a:xfrm>
+              <a:off x="2583712" y="2428875"/>
+              <a:ext cx="0" cy="0"/>
+            </a:xfrm>
+            <a:prstGeom prst="rect">
+              <a:avLst/>
+            </a:prstGeom>
+            <a:solidFill>
+              <a:schemeClr val="accent1"/>
+            </a:solidFill>
+            <a:ln w="9525">
+              <a:solidFill>
+                <a:schemeClr val="tx1"/>
+              </a:solidFill>
+              <a:miter lim="800000"/>
+              <a:headEnd/>
+              <a:tailEnd/>
+            </a:ln>
+            <a:effectLst/>
+            <a:extLst>
+              <a:ext uri="{AF507438-7753-43E0-B8FC-AC1667EBCBE1}">
+                <a14:hiddenEffects xmlns:a14="http://schemas.microsoft.com/office/drawing/2010/main">
+                  <a:effectLst>
+                    <a:outerShdw dist="35921" dir="2700000" algn="ctr" rotWithShape="0">
+                      <a:schemeClr val="bg2"/>
+                    </a:outerShdw>
+                  </a:effectLst>
+                </a14:hiddenEffects>
+              </a:ext>
+            </a:extLst>
+          </p:spPr>
+          <p:txBody>
+            <a:bodyPr vert="horz" wrap="square" lIns="91440" tIns="45720" rIns="91440" bIns="45720" numCol="1" anchor="t" anchorCtr="0" compatLnSpc="1">
+              <a:prstTxWarp prst="textNoShape">
+                <a:avLst/>
+              </a:prstTxWarp>
+            </a:bodyPr>
+            <a:lstStyle/>
+            <a:p>
+              <a:endParaRPr lang="en-US"/>
+            </a:p>
+          </p:txBody>
+        </p:sp>
+      </p:grpSp>
     </p:spTree>
     <p:extLst>
       <p:ext uri="{BB962C8B-B14F-4D97-AF65-F5344CB8AC3E}">
@@ -11377,6 +11421,96 @@
                       </p:childTnLst>
                     </p:cTn>
                   </p:par>
+                  <p:par>
+                    <p:cTn id="19" fill="hold">
+                      <p:stCondLst>
+                        <p:cond delay="indefinite"/>
+                      </p:stCondLst>
+                      <p:childTnLst>
+                        <p:par>
+                          <p:cTn id="20" fill="hold">
+                            <p:stCondLst>
+                              <p:cond delay="0"/>
+                            </p:stCondLst>
+                            <p:childTnLst>
+                              <p:par>
+                                <p:cTn id="21" presetID="1" presetClass="entr" presetSubtype="0" fill="hold" nodeType="clickEffect">
+                                  <p:stCondLst>
+                                    <p:cond delay="0"/>
+                                  </p:stCondLst>
+                                  <p:childTnLst>
+                                    <p:set>
+                                      <p:cBhvr>
+                                        <p:cTn id="22" dur="1" fill="hold">
+                                          <p:stCondLst>
+                                            <p:cond delay="0"/>
+                                          </p:stCondLst>
+                                        </p:cTn>
+                                        <p:tgtEl>
+                                          <p:spTgt spid="22"/>
+                                        </p:tgtEl>
+                                        <p:attrNameLst>
+                                          <p:attrName>style.visibility</p:attrName>
+                                        </p:attrNameLst>
+                                      </p:cBhvr>
+                                      <p:to>
+                                        <p:strVal val="visible"/>
+                                      </p:to>
+                                    </p:set>
+                                  </p:childTnLst>
+                                </p:cTn>
+                              </p:par>
+                            </p:childTnLst>
+                          </p:cTn>
+                        </p:par>
+                      </p:childTnLst>
+                    </p:cTn>
+                  </p:par>
+                  <p:par>
+                    <p:cTn id="23" fill="hold">
+                      <p:stCondLst>
+                        <p:cond delay="indefinite"/>
+                      </p:stCondLst>
+                      <p:childTnLst>
+                        <p:par>
+                          <p:cTn id="24" fill="hold">
+                            <p:stCondLst>
+                              <p:cond delay="0"/>
+                            </p:stCondLst>
+                            <p:childTnLst>
+                              <p:par>
+                                <p:cTn id="25" presetID="1" presetClass="exit" presetSubtype="0" fill="hold" nodeType="clickEffect">
+                                  <p:stCondLst>
+                                    <p:cond delay="0"/>
+                                  </p:stCondLst>
+                                  <p:childTnLst>
+                                    <p:set>
+                                      <p:cBhvr>
+                                        <p:cTn id="26" dur="1" fill="hold">
+                                          <p:stCondLst>
+                                            <p:cond delay="0"/>
+                                          </p:stCondLst>
+                                        </p:cTn>
+                                        <p:tgtEl>
+                                          <p:spTgt spid="22"/>
+                                        </p:tgtEl>
+                                        <p:attrNameLst>
+                                          <p:attrName>style.visibility</p:attrName>
+                                        </p:attrNameLst>
+                                      </p:cBhvr>
+                                      <p:to>
+                                        <p:strVal val="hidden"/>
+                                      </p:to>
+                                    </p:set>
+                                  </p:childTnLst>
+                                </p:cTn>
+                              </p:par>
+                            </p:childTnLst>
+                          </p:cTn>
+                        </p:par>
+                      </p:childTnLst>
+                    </p:cTn>
+                  </p:par>
                 </p:childTnLst>
               </p:cTn>
               <p:prevCondLst>
@@ -11436,12 +11570,8 @@
           <a:p>
             <a:r>
               <a:rPr lang="en-US" dirty="0"/>
-              <a:t>Communication Plan</a:t>
-            </a:r>
-            <a:br>
-              <a:rPr lang="en-US" dirty="0"/>
-            </a:br>
-            <a:endParaRPr lang="en-US" sz="2800" dirty="0"/>
+              <a:t>SCM Plan</a:t>
+            </a:r>
           </a:p>
         </p:txBody>
       </p:sp>
@@ -11457,36 +11587,51 @@
         </p:nvSpPr>
         <p:spPr/>
         <p:txBody>
-          <a:bodyPr>
-            <a:normAutofit/>
-          </a:bodyPr>
+          <a:bodyPr/>
           <a:lstStyle/>
           <a:p>
-            <a:pPr marL="342900" indent="-342900"/>
-            <a:r>
-              <a:rPr lang="en-US" dirty="0"/>
-              <a:t>Checking Slack once per day</a:t>
-            </a:r>
-          </a:p>
-          <a:p>
-            <a:pPr marL="342900" indent="-342900"/>
-            <a:r>
-              <a:rPr lang="en-US" dirty="0"/>
-              <a:t>Establish meetings</a:t>
-            </a:r>
-          </a:p>
-          <a:p>
-            <a:pPr marL="342900" indent="-342900"/>
-            <a:r>
-              <a:rPr lang="en-US" dirty="0"/>
-              <a:t>General Availability Doc</a:t>
-            </a:r>
-          </a:p>
-          <a:p>
-            <a:pPr marL="342900" indent="-342900"/>
-            <a:r>
-              <a:rPr lang="en-US" dirty="0"/>
-              <a:t>Exceptions Calendar</a:t>
+            <a:r>
+              <a:rPr lang="en-US" b="1" u="sng" dirty="0"/>
+              <a:t>Slack: </a:t>
+            </a:r>
+          </a:p>
+          <a:p>
+            <a:pPr lvl="1"/>
+            <a:r>
+              <a:rPr lang="en-US" dirty="0"/>
+              <a:t>Notifications</a:t>
+            </a:r>
+          </a:p>
+          <a:p>
+            <a:pPr lvl="1"/>
+            <a:r>
+              <a:rPr lang="en-US" dirty="0" err="1"/>
+              <a:t>Meeting_minutes</a:t>
+            </a:r>
+            <a:r>
+              <a:rPr lang="en-US" dirty="0"/>
+              <a:t> channel</a:t>
+            </a:r>
+            <a:endParaRPr lang="en-US" u="sng" dirty="0"/>
+          </a:p>
+          <a:p>
+            <a:r>
+              <a:rPr lang="en-US" b="1" u="sng" dirty="0"/>
+              <a:t>GitHub:</a:t>
+            </a:r>
+          </a:p>
+          <a:p>
+            <a:pPr lvl="1"/>
+            <a:r>
+              <a:rPr lang="en-US" dirty="0"/>
+              <a:t>Source code</a:t>
+            </a:r>
+          </a:p>
+          <a:p>
+            <a:pPr lvl="1"/>
+            <a:r>
+              <a:rPr lang="en-US" dirty="0"/>
+              <a:t>Other artifacts</a:t>
             </a:r>
           </a:p>
         </p:txBody>
@@ -11494,7 +11639,7 @@
     </p:spTree>
     <p:extLst>
       <p:ext uri="{BB962C8B-B14F-4D97-AF65-F5344CB8AC3E}">
-        <p14:creationId xmlns:p14="http://schemas.microsoft.com/office/powerpoint/2010/main" val="169307868"/>
+        <p14:creationId xmlns:p14="http://schemas.microsoft.com/office/powerpoint/2010/main" val="830225128"/>
       </p:ext>
     </p:extLst>
   </p:cSld>
@@ -11538,7 +11683,7 @@
           <a:p>
             <a:r>
               <a:rPr lang="en-US" dirty="0"/>
-              <a:t>SCM Plan</a:t>
+              <a:t>What worked</a:t>
             </a:r>
           </a:p>
         </p:txBody>
@@ -11559,47 +11704,44 @@
           <a:lstStyle/>
           <a:p>
             <a:r>
-              <a:rPr lang="en-US" b="1" u="sng" dirty="0"/>
-              <a:t>Slack: </a:t>
-            </a:r>
-          </a:p>
-          <a:p>
-            <a:pPr lvl="1"/>
-            <a:r>
-              <a:rPr lang="en-US" dirty="0"/>
-              <a:t>Notifications</a:t>
-            </a:r>
-          </a:p>
-          <a:p>
-            <a:pPr lvl="1"/>
-            <a:r>
-              <a:rPr lang="en-US" dirty="0" err="1"/>
-              <a:t>Meeting_minutes</a:t>
-            </a:r>
-            <a:r>
-              <a:rPr lang="en-US" dirty="0"/>
-              <a:t> channel</a:t>
-            </a:r>
-            <a:endParaRPr lang="en-US" u="sng" dirty="0"/>
-          </a:p>
-          <a:p>
-            <a:r>
-              <a:rPr lang="en-US" b="1" u="sng" dirty="0"/>
-              <a:t>GitHub:</a:t>
-            </a:r>
-          </a:p>
-          <a:p>
-            <a:pPr lvl="1"/>
-            <a:r>
-              <a:rPr lang="en-US" dirty="0"/>
-              <a:t>Source code</a:t>
-            </a:r>
-          </a:p>
-          <a:p>
-            <a:pPr lvl="1"/>
-            <a:r>
-              <a:rPr lang="en-US" dirty="0"/>
-              <a:t>Other artifacts</a:t>
+              <a:rPr lang="en-US" dirty="0"/>
+              <a:t>Early start</a:t>
+            </a:r>
+          </a:p>
+          <a:p>
+            <a:r>
+              <a:rPr lang="en-US" dirty="0"/>
+              <a:t>Establishing in-person meetings</a:t>
+            </a:r>
+          </a:p>
+          <a:p>
+            <a:r>
+              <a:rPr lang="en-US" dirty="0"/>
+              <a:t>Selection of time tracking tool: Toggl</a:t>
+            </a:r>
+          </a:p>
+          <a:p>
+            <a:r>
+              <a:rPr lang="en-US" dirty="0"/>
+              <a:t>Training for tools</a:t>
+            </a:r>
+          </a:p>
+          <a:p>
+            <a:r>
+              <a:rPr lang="en-US" dirty="0"/>
+              <a:t>Team communication </a:t>
+            </a:r>
+          </a:p>
+          <a:p>
+            <a:r>
+              <a:rPr lang="en-US" dirty="0"/>
+              <a:t>Risk management</a:t>
+            </a:r>
+          </a:p>
+          <a:p>
+            <a:r>
+              <a:rPr lang="en-US" dirty="0"/>
+              <a:t>Setting milestones for ourselves </a:t>
             </a:r>
           </a:p>
         </p:txBody>
@@ -11607,7 +11749,7 @@
     </p:spTree>
     <p:extLst>
       <p:ext uri="{BB962C8B-B14F-4D97-AF65-F5344CB8AC3E}">
-        <p14:creationId xmlns:p14="http://schemas.microsoft.com/office/powerpoint/2010/main" val="830225128"/>
+        <p14:creationId xmlns:p14="http://schemas.microsoft.com/office/powerpoint/2010/main" val="1878087913"/>
       </p:ext>
     </p:extLst>
   </p:cSld>
@@ -11705,7 +11847,7 @@
           <a:p>
             <a:r>
               <a:rPr lang="en-US" dirty="0"/>
-              <a:t>What worked</a:t>
+              <a:t>What did not work</a:t>
             </a:r>
           </a:p>
         </p:txBody>
@@ -11727,51 +11869,46 @@
           <a:p>
             <a:r>
               <a:rPr lang="en-US" dirty="0"/>
-              <a:t>Early start</a:t>
-            </a:r>
-          </a:p>
-          <a:p>
-            <a:r>
-              <a:rPr lang="en-US" dirty="0"/>
-              <a:t>Establishing in-person meetings</a:t>
-            </a:r>
-          </a:p>
-          <a:p>
-            <a:r>
-              <a:rPr lang="en-US" dirty="0"/>
-              <a:t>Selection of time tracking tool: Toggl</a:t>
-            </a:r>
-          </a:p>
-          <a:p>
-            <a:r>
-              <a:rPr lang="en-US" dirty="0"/>
-              <a:t>Training for tools</a:t>
-            </a:r>
-          </a:p>
-          <a:p>
-            <a:r>
-              <a:rPr lang="en-US" dirty="0"/>
-              <a:t>Team communication </a:t>
-            </a:r>
-          </a:p>
-          <a:p>
-            <a:r>
-              <a:rPr lang="en-US" dirty="0"/>
-              <a:t>Risk management</a:t>
-            </a:r>
-          </a:p>
-          <a:p>
-            <a:r>
-              <a:rPr lang="en-US" dirty="0"/>
-              <a:t>Setting milestones for ourselves </a:t>
-            </a:r>
+              <a:t>SPMP formatting and style</a:t>
+            </a:r>
+          </a:p>
+          <a:p>
+            <a:r>
+              <a:rPr lang="en-US" dirty="0"/>
+              <a:t>Artifact review method</a:t>
+            </a:r>
+          </a:p>
+          <a:p>
+            <a:r>
+              <a:rPr lang="en-US" dirty="0" err="1"/>
+              <a:t>Wrike</a:t>
+            </a:r>
+            <a:r>
+              <a:rPr lang="en-US" dirty="0"/>
+              <a:t> under-utilized</a:t>
+            </a:r>
+          </a:p>
+          <a:p>
+            <a:r>
+              <a:rPr lang="en-US" dirty="0"/>
+              <a:t>Dependencies not established early </a:t>
+            </a:r>
+          </a:p>
+          <a:p>
+            <a:r>
+              <a:rPr lang="en-US" dirty="0"/>
+              <a:t>Communication with PMs</a:t>
+            </a:r>
+          </a:p>
+          <a:p>
+            <a:endParaRPr lang="en-US" dirty="0"/>
           </a:p>
         </p:txBody>
       </p:sp>
     </p:spTree>
     <p:extLst>
       <p:ext uri="{BB962C8B-B14F-4D97-AF65-F5344CB8AC3E}">
-        <p14:creationId xmlns:p14="http://schemas.microsoft.com/office/powerpoint/2010/main" val="1878087913"/>
+        <p14:creationId xmlns:p14="http://schemas.microsoft.com/office/powerpoint/2010/main" val="4030846354"/>
       </p:ext>
     </p:extLst>
   </p:cSld>
@@ -11815,111 +11952,6 @@
           <a:p>
             <a:r>
               <a:rPr lang="en-US" dirty="0"/>
-              <a:t>What did not work</a:t>
-            </a:r>
-          </a:p>
-        </p:txBody>
-      </p:sp>
-      <p:sp>
-        <p:nvSpPr>
-          <p:cNvPr id="3" name="Content Placeholder 2"/>
-          <p:cNvSpPr>
-            <a:spLocks noGrp="1"/>
-          </p:cNvSpPr>
-          <p:nvPr>
-            <p:ph idx="1"/>
-          </p:nvPr>
-        </p:nvSpPr>
-        <p:spPr/>
-        <p:txBody>
-          <a:bodyPr/>
-          <a:lstStyle/>
-          <a:p>
-            <a:r>
-              <a:rPr lang="en-US" dirty="0"/>
-              <a:t>SPMP formatting and style</a:t>
-            </a:r>
-          </a:p>
-          <a:p>
-            <a:r>
-              <a:rPr lang="en-US" dirty="0"/>
-              <a:t>Artifact review method</a:t>
-            </a:r>
-          </a:p>
-          <a:p>
-            <a:r>
-              <a:rPr lang="en-US" dirty="0" err="1"/>
-              <a:t>Wrike</a:t>
-            </a:r>
-            <a:r>
-              <a:rPr lang="en-US" dirty="0"/>
-              <a:t> under-utilized</a:t>
-            </a:r>
-          </a:p>
-          <a:p>
-            <a:r>
-              <a:rPr lang="en-US" dirty="0"/>
-              <a:t>Dependencies not established early </a:t>
-            </a:r>
-          </a:p>
-          <a:p>
-            <a:r>
-              <a:rPr lang="en-US" dirty="0"/>
-              <a:t>Communication with PMs</a:t>
-            </a:r>
-          </a:p>
-          <a:p>
-            <a:endParaRPr lang="en-US" dirty="0"/>
-          </a:p>
-        </p:txBody>
-      </p:sp>
-    </p:spTree>
-    <p:extLst>
-      <p:ext uri="{BB962C8B-B14F-4D97-AF65-F5344CB8AC3E}">
-        <p14:creationId xmlns:p14="http://schemas.microsoft.com/office/powerpoint/2010/main" val="4030846354"/>
-      </p:ext>
-    </p:extLst>
-  </p:cSld>
-  <p:clrMapOvr>
-    <a:masterClrMapping/>
-  </p:clrMapOvr>
-</p:sld>
-</file>
-
-<file path=ppt/slides/slide22.xml><?xml version="1.0" encoding="utf-8"?>
-<p:sld xmlns:a="http://schemas.openxmlformats.org/drawingml/2006/main" xmlns:r="http://schemas.openxmlformats.org/officeDocument/2006/relationships" xmlns:p="http://schemas.openxmlformats.org/presentationml/2006/main">
-  <p:cSld>
-    <p:spTree>
-      <p:nvGrpSpPr>
-        <p:cNvPr id="1" name=""/>
-        <p:cNvGrpSpPr/>
-        <p:nvPr/>
-      </p:nvGrpSpPr>
-      <p:grpSpPr>
-        <a:xfrm>
-          <a:off x="0" y="0"/>
-          <a:ext cx="0" cy="0"/>
-          <a:chOff x="0" y="0"/>
-          <a:chExt cx="0" cy="0"/>
-        </a:xfrm>
-      </p:grpSpPr>
-      <p:sp>
-        <p:nvSpPr>
-          <p:cNvPr id="2" name="Title 1"/>
-          <p:cNvSpPr>
-            <a:spLocks noGrp="1"/>
-          </p:cNvSpPr>
-          <p:nvPr>
-            <p:ph type="title"/>
-          </p:nvPr>
-        </p:nvSpPr>
-        <p:spPr/>
-        <p:txBody>
-          <a:bodyPr/>
-          <a:lstStyle/>
-          <a:p>
-            <a:r>
-              <a:rPr lang="en-US" dirty="0"/>
               <a:t>Changes for Part 2</a:t>
             </a:r>
           </a:p>
@@ -11992,7 +12024,7 @@
 </p:sld>
 </file>
 
-<file path=ppt/slides/slide23.xml><?xml version="1.0" encoding="utf-8"?>
+<file path=ppt/slides/slide22.xml><?xml version="1.0" encoding="utf-8"?>
 <p:sld xmlns:a="http://schemas.openxmlformats.org/drawingml/2006/main" xmlns:r="http://schemas.openxmlformats.org/officeDocument/2006/relationships" xmlns:p="http://schemas.openxmlformats.org/presentationml/2006/main">
   <p:cSld>
     <p:spTree>
@@ -12300,7 +12332,7 @@
             <a:pPr lvl="1"/>
             <a:r>
               <a:rPr lang="en-US" sz="3800" dirty="0"/>
-              <a:t>Strengths: Organization, .</a:t>
+              <a:t>Strengths: Organization.</a:t>
             </a:r>
           </a:p>
           <a:p>

--- a/Work_In_Progress/CS/SPMP_Presentation_Erik_Modified.pptx
+++ b/Work_In_Progress/CS/SPMP_Presentation_Erik_Modified.pptx
@@ -3,33 +3,35 @@
 <p:presentation xmlns:a="http://schemas.openxmlformats.org/drawingml/2006/main" xmlns:r="http://schemas.openxmlformats.org/officeDocument/2006/relationships" xmlns:p="http://schemas.openxmlformats.org/presentationml/2006/main" autoCompressPictures="0">
   <p:sldMasterIdLst>
     <p:sldMasterId id="2147483731" r:id="rId1"/>
+    <p:sldMasterId id="2147483743" r:id="rId2"/>
   </p:sldMasterIdLst>
   <p:notesMasterIdLst>
-    <p:notesMasterId r:id="rId24"/>
+    <p:notesMasterId r:id="rId26"/>
   </p:notesMasterIdLst>
   <p:sldIdLst>
-    <p:sldId id="256" r:id="rId2"/>
-    <p:sldId id="284" r:id="rId3"/>
-    <p:sldId id="263" r:id="rId4"/>
-    <p:sldId id="266" r:id="rId5"/>
-    <p:sldId id="265" r:id="rId6"/>
-    <p:sldId id="257" r:id="rId7"/>
-    <p:sldId id="275" r:id="rId8"/>
-    <p:sldId id="277" r:id="rId9"/>
-    <p:sldId id="264" r:id="rId10"/>
-    <p:sldId id="259" r:id="rId11"/>
-    <p:sldId id="281" r:id="rId12"/>
-    <p:sldId id="276" r:id="rId13"/>
-    <p:sldId id="278" r:id="rId14"/>
-    <p:sldId id="279" r:id="rId15"/>
-    <p:sldId id="280" r:id="rId16"/>
-    <p:sldId id="273" r:id="rId17"/>
-    <p:sldId id="274" r:id="rId18"/>
-    <p:sldId id="282" r:id="rId19"/>
-    <p:sldId id="260" r:id="rId20"/>
-    <p:sldId id="261" r:id="rId21"/>
-    <p:sldId id="269" r:id="rId22"/>
-    <p:sldId id="283" r:id="rId23"/>
+    <p:sldId id="256" r:id="rId3"/>
+    <p:sldId id="284" r:id="rId4"/>
+    <p:sldId id="263" r:id="rId5"/>
+    <p:sldId id="266" r:id="rId6"/>
+    <p:sldId id="265" r:id="rId7"/>
+    <p:sldId id="257" r:id="rId8"/>
+    <p:sldId id="275" r:id="rId9"/>
+    <p:sldId id="277" r:id="rId10"/>
+    <p:sldId id="264" r:id="rId11"/>
+    <p:sldId id="259" r:id="rId12"/>
+    <p:sldId id="281" r:id="rId13"/>
+    <p:sldId id="276" r:id="rId14"/>
+    <p:sldId id="278" r:id="rId15"/>
+    <p:sldId id="279" r:id="rId16"/>
+    <p:sldId id="280" r:id="rId17"/>
+    <p:sldId id="273" r:id="rId18"/>
+    <p:sldId id="274" r:id="rId19"/>
+    <p:sldId id="285" r:id="rId20"/>
+    <p:sldId id="282" r:id="rId21"/>
+    <p:sldId id="260" r:id="rId22"/>
+    <p:sldId id="261" r:id="rId23"/>
+    <p:sldId id="269" r:id="rId24"/>
+    <p:sldId id="283" r:id="rId25"/>
   </p:sldIdLst>
   <p:sldSz cx="12192000" cy="6858000"/>
   <p:notesSz cx="6858000" cy="9144000"/>
@@ -130,7 +132,7 @@
   </p:defaultTextStyle>
   <p:extLst>
     <p:ext uri="{EFAFB233-063F-42B5-8137-9DF3F51BA10A}">
-      <p15:sldGuideLst xmlns:p15="http://schemas.microsoft.com/office/powerpoint/2012/main">
+      <p15:sldGuideLst xmlns:p15="http://schemas.microsoft.com/office/powerpoint/2012/main" xmlns="">
         <p15:guide id="1" orient="horz" pos="2160">
           <p15:clr>
             <a:srgbClr val="A4A3A4"/>
@@ -144,7 +146,7 @@
       </p15:sldGuideLst>
     </p:ext>
     <p:ext uri="{2D200454-40CA-4A62-9FC3-DE9A4176ACB9}">
-      <p15:notesGuideLst xmlns:p15="http://schemas.microsoft.com/office/powerpoint/2012/main"/>
+      <p15:notesGuideLst xmlns:p15="http://schemas.microsoft.com/office/powerpoint/2012/main" xmlns=""/>
     </p:ext>
   </p:extLst>
 </p:presentation>
@@ -1549,6 +1551,10 @@
             </a:r>
           </a:p>
           <a:p>
+            <a:r>
+              <a:rPr lang="en-US" dirty="0"/>
+              <a:t/>
+            </a:r>
             <a:br>
               <a:rPr lang="en-US" dirty="0"/>
             </a:br>
@@ -3032,22 +3038,8 @@
           <a:bodyPr/>
           <a:lstStyle/>
           <a:p>
-            <a:pPr marL="0" marR="0" lvl="0" indent="0" algn="l" defTabSz="914400" rtl="0" eaLnBrk="1" fontAlgn="auto" latinLnBrk="0" hangingPunct="1">
-              <a:lnSpc>
-                <a:spcPct val="100000"/>
-              </a:lnSpc>
-              <a:spcBef>
-                <a:spcPts val="0"/>
-              </a:spcBef>
-              <a:spcAft>
-                <a:spcPts val="0"/>
-              </a:spcAft>
-              <a:buClrTx/>
-              <a:buSzTx/>
-              <a:buFontTx/>
-              <a:buNone/>
-              <a:tabLst/>
-              <a:defRPr/>
+            <a:pPr marL="0" indent="0">
+              <a:buNone/>
             </a:pPr>
             <a:r>
               <a:rPr lang="en-US" b="1" u="sng" dirty="0"/>
@@ -3055,88 +3047,45 @@
             </a:r>
           </a:p>
           <a:p>
-            <a:pPr marL="0" marR="0" lvl="0" indent="0" algn="l" defTabSz="914400" rtl="0" eaLnBrk="1" fontAlgn="auto" latinLnBrk="0" hangingPunct="1">
-              <a:lnSpc>
-                <a:spcPct val="100000"/>
-              </a:lnSpc>
-              <a:spcBef>
-                <a:spcPts val="0"/>
-              </a:spcBef>
-              <a:spcAft>
-                <a:spcPts val="0"/>
-              </a:spcAft>
-              <a:buClrTx/>
-              <a:buSzTx/>
-              <a:buFontTx/>
-              <a:buNone/>
-              <a:tabLst/>
-              <a:defRPr/>
+            <a:pPr marL="0" indent="0">
+              <a:buNone/>
             </a:pPr>
             <a:r>
               <a:rPr lang="en-US" b="1" u="sng" dirty="0"/>
-              <a:t>Slack:</a:t>
-            </a:r>
-            <a:r>
-              <a:rPr lang="en-US" b="1" u="sng" baseline="0" dirty="0"/>
-              <a:t> </a:t>
-            </a:r>
-          </a:p>
-          <a:p>
-            <a:pPr marL="171450" marR="0" lvl="0" indent="-171450" algn="l" defTabSz="914400" rtl="0" eaLnBrk="1" fontAlgn="auto" latinLnBrk="0" hangingPunct="1">
-              <a:lnSpc>
-                <a:spcPct val="100000"/>
-              </a:lnSpc>
-              <a:spcBef>
-                <a:spcPts val="0"/>
-              </a:spcBef>
-              <a:spcAft>
-                <a:spcPts val="0"/>
-              </a:spcAft>
-              <a:buClrTx/>
-              <a:buSzTx/>
+              <a:t>Checking Slack once a day:</a:t>
+            </a:r>
+          </a:p>
+          <a:p>
+            <a:pPr marL="628650" lvl="1" indent="-171450">
               <a:buFont typeface="Arial" panose="020B0604020202020204" pitchFamily="34" charset="0"/>
               <a:buChar char="•"/>
-              <a:tabLst/>
-              <a:defRPr/>
-            </a:pPr>
-            <a:r>
-              <a:rPr lang="en-US" b="1" u="none" dirty="0"/>
-              <a:t>Notification</a:t>
-            </a:r>
+            </a:pPr>
             <a:r>
               <a:rPr lang="en-US" dirty="0"/>
-              <a:t> of a change to the repository of either non-source  code or source code files must be communicated to the other team members through Slack.  </a:t>
-            </a:r>
-          </a:p>
-          <a:p>
-            <a:pPr marL="171450" marR="0" lvl="0" indent="-171450" algn="l" defTabSz="914400" rtl="0" eaLnBrk="1" fontAlgn="auto" latinLnBrk="0" hangingPunct="1">
-              <a:lnSpc>
-                <a:spcPct val="100000"/>
-              </a:lnSpc>
-              <a:spcBef>
-                <a:spcPts val="0"/>
-              </a:spcBef>
-              <a:spcAft>
-                <a:spcPts val="0"/>
-              </a:spcAft>
-              <a:buClrTx/>
-              <a:buSzTx/>
+              <a:t>Requiring Team members to check Slack at least once per day to stay up to date with project discussions.</a:t>
+            </a:r>
+          </a:p>
+          <a:p>
+            <a:pPr marL="0" indent="0">
+              <a:buNone/>
+            </a:pPr>
+            <a:r>
+              <a:rPr lang="en-US" b="1" u="sng" dirty="0"/>
+              <a:t>Establish meeting dates: </a:t>
+            </a:r>
+            <a:r>
+              <a:rPr lang="en-US" dirty="0"/>
+              <a:t>Recurring in-person meetings on Sundays</a:t>
+            </a:r>
+          </a:p>
+          <a:p>
+            <a:pPr marL="628650" lvl="1" indent="-171450">
               <a:buFont typeface="Arial" panose="020B0604020202020204" pitchFamily="34" charset="0"/>
               <a:buChar char="•"/>
-              <a:tabLst/>
-              <a:defRPr/>
-            </a:pPr>
-            <a:r>
-              <a:rPr lang="en-US" b="1" dirty="0" err="1"/>
-              <a:t>Meeting_minutes</a:t>
-            </a:r>
-            <a:r>
-              <a:rPr lang="en-US" b="1" dirty="0"/>
-              <a:t> channel: </a:t>
-            </a:r>
+            </a:pPr>
             <a:r>
               <a:rPr lang="en-US" dirty="0"/>
-              <a:t>Any changes discussed during in person meetings will be transcribed into </a:t>
+              <a:t>Slack channel “</a:t>
             </a:r>
             <a:r>
               <a:rPr lang="en-US" dirty="0" err="1"/>
@@ -3144,198 +3093,109 @@
             </a:r>
             <a:r>
               <a:rPr lang="en-US" dirty="0"/>
-              <a:t> and posted onto Slack.</a:t>
-            </a:r>
-          </a:p>
-          <a:p>
-            <a:pPr marL="0" marR="0" lvl="0" indent="0" algn="l" defTabSz="914400" rtl="0" eaLnBrk="1" fontAlgn="auto" latinLnBrk="0" hangingPunct="1">
-              <a:lnSpc>
-                <a:spcPct val="100000"/>
-              </a:lnSpc>
-              <a:spcBef>
-                <a:spcPts val="0"/>
-              </a:spcBef>
-              <a:spcAft>
-                <a:spcPts val="0"/>
-              </a:spcAft>
-              <a:buClrTx/>
-              <a:buSzTx/>
-              <a:buFontTx/>
-              <a:buNone/>
-              <a:tabLst/>
-              <a:defRPr/>
-            </a:pPr>
-            <a:endParaRPr lang="en-US" dirty="0"/>
-          </a:p>
-          <a:p>
-            <a:pPr marL="0" marR="0" lvl="0" indent="0" algn="l" defTabSz="914400" rtl="0" eaLnBrk="1" fontAlgn="auto" latinLnBrk="0" hangingPunct="1">
-              <a:lnSpc>
-                <a:spcPct val="100000"/>
-              </a:lnSpc>
-              <a:spcBef>
-                <a:spcPts val="0"/>
-              </a:spcBef>
-              <a:spcAft>
-                <a:spcPts val="0"/>
-              </a:spcAft>
-              <a:buClrTx/>
-              <a:buSzTx/>
-              <a:buFontTx/>
-              <a:buNone/>
-              <a:tabLst/>
-              <a:defRPr/>
-            </a:pPr>
-            <a:r>
-              <a:rPr lang="en-US" b="1" u="sng" dirty="0" err="1"/>
-              <a:t>Github</a:t>
-            </a:r>
+              <a:t>” contained an overview of the discussions from in-person meetings.</a:t>
+            </a:r>
+          </a:p>
+          <a:p>
+            <a:pPr marL="0" indent="0">
+              <a:buNone/>
+            </a:pPr>
             <a:r>
               <a:rPr lang="en-US" b="1" u="sng" dirty="0"/>
+              <a:t>General Availability Doc</a:t>
+            </a:r>
+            <a:r>
+              <a:rPr lang="en-US" dirty="0"/>
               <a:t>:</a:t>
             </a:r>
           </a:p>
           <a:p>
-            <a:pPr marL="171450" marR="0" lvl="0" indent="-171450" algn="l" defTabSz="914400" rtl="0" eaLnBrk="1" fontAlgn="auto" latinLnBrk="0" hangingPunct="1">
-              <a:lnSpc>
-                <a:spcPct val="100000"/>
-              </a:lnSpc>
-              <a:spcBef>
-                <a:spcPts val="0"/>
-              </a:spcBef>
-              <a:spcAft>
-                <a:spcPts val="0"/>
-              </a:spcAft>
-              <a:buClrTx/>
-              <a:buSzTx/>
+            <a:pPr marL="628650" lvl="1" indent="-171450">
               <a:buFont typeface="Arial" panose="020B0604020202020204" pitchFamily="34" charset="0"/>
               <a:buChar char="•"/>
-              <a:tabLst/>
-              <a:defRPr/>
+            </a:pPr>
+            <a:r>
+              <a:rPr lang="en-US" dirty="0"/>
+              <a:t>Requiring team members to fill in their general availability during the week.</a:t>
+            </a:r>
+          </a:p>
+          <a:p>
+            <a:pPr marL="0" indent="0">
+              <a:buNone/>
             </a:pPr>
             <a:r>
               <a:rPr lang="en-US" b="1" u="sng" dirty="0"/>
-              <a:t>Source</a:t>
-            </a:r>
-            <a:r>
-              <a:rPr lang="en-US" b="1" u="sng" baseline="0" dirty="0"/>
-              <a:t> code: </a:t>
-            </a:r>
-          </a:p>
-          <a:p>
-            <a:pPr marL="0" marR="0" lvl="0" indent="0" algn="l" defTabSz="914400" rtl="0" eaLnBrk="1" fontAlgn="auto" latinLnBrk="0" hangingPunct="1">
-              <a:lnSpc>
-                <a:spcPct val="100000"/>
-              </a:lnSpc>
-              <a:spcBef>
-                <a:spcPts val="0"/>
-              </a:spcBef>
-              <a:spcAft>
-                <a:spcPts val="0"/>
-              </a:spcAft>
-              <a:buClrTx/>
-              <a:buSzTx/>
-              <a:buFont typeface="Arial" panose="020B0604020202020204" pitchFamily="34" charset="0"/>
-              <a:buNone/>
-              <a:tabLst/>
-              <a:defRPr/>
-            </a:pPr>
-            <a:r>
-              <a:rPr lang="en-US" b="0" u="none" baseline="0" dirty="0"/>
-              <a:t>W</a:t>
-            </a:r>
-            <a:r>
-              <a:rPr lang="en-US" baseline="0" dirty="0"/>
-              <a:t>ill require one administrator (Cindy or Erik) review in order to commit to master branch. When uploading new source code files it will be uploaded to a separate protected branch.  In this separate branch team members will be able to upload changed files without having to worry about affecting the master branch. The master branch will act as the baseline for all artifacts. Protected branches by default require at least one review before committing to the master.</a:t>
-            </a:r>
-          </a:p>
-          <a:p>
-            <a:pPr marL="171450" marR="0" lvl="0" indent="-171450" algn="l" defTabSz="914400" rtl="0" eaLnBrk="1" fontAlgn="auto" latinLnBrk="0" hangingPunct="1">
-              <a:lnSpc>
-                <a:spcPct val="100000"/>
-              </a:lnSpc>
-              <a:spcBef>
-                <a:spcPts val="0"/>
-              </a:spcBef>
-              <a:spcAft>
-                <a:spcPts val="0"/>
-              </a:spcAft>
-              <a:buClrTx/>
-              <a:buSzTx/>
+              <a:t>Exceptions Calendar:</a:t>
+            </a:r>
+          </a:p>
+          <a:p>
+            <a:pPr marL="628650" lvl="1" indent="-171450">
               <a:buFont typeface="Arial" panose="020B0604020202020204" pitchFamily="34" charset="0"/>
               <a:buChar char="•"/>
-              <a:tabLst/>
-              <a:defRPr/>
-            </a:pPr>
-            <a:endParaRPr lang="en-US" baseline="0" dirty="0"/>
-          </a:p>
-          <a:p>
-            <a:pPr marL="171450" marR="0" lvl="0" indent="-171450" algn="l" defTabSz="914400" rtl="0" eaLnBrk="1" fontAlgn="auto" latinLnBrk="0" hangingPunct="1">
-              <a:lnSpc>
-                <a:spcPct val="100000"/>
-              </a:lnSpc>
-              <a:spcBef>
-                <a:spcPts val="0"/>
-              </a:spcBef>
-              <a:spcAft>
-                <a:spcPts val="0"/>
-              </a:spcAft>
-              <a:buClrTx/>
-              <a:buSzTx/>
-              <a:buFont typeface="Arial" panose="020B0604020202020204" pitchFamily="34" charset="0"/>
-              <a:buChar char="•"/>
-              <a:tabLst/>
-              <a:defRPr/>
-            </a:pPr>
-            <a:r>
-              <a:rPr lang="en-US" b="1" u="sng" baseline="0" dirty="0"/>
-              <a:t>Other artifacts: </a:t>
-            </a:r>
-          </a:p>
-          <a:p>
-            <a:pPr marL="0" marR="0" lvl="0" indent="0" algn="l" defTabSz="914400" rtl="0" eaLnBrk="1" fontAlgn="auto" latinLnBrk="0" hangingPunct="1">
-              <a:lnSpc>
-                <a:spcPct val="100000"/>
-              </a:lnSpc>
-              <a:spcBef>
-                <a:spcPts val="0"/>
-              </a:spcBef>
-              <a:spcAft>
-                <a:spcPts val="0"/>
-              </a:spcAft>
-              <a:buClrTx/>
-              <a:buSzTx/>
-              <a:buFont typeface="Arial" panose="020B0604020202020204" pitchFamily="34" charset="0"/>
-              <a:buNone/>
-              <a:tabLst/>
-              <a:defRPr/>
-            </a:pPr>
-            <a:r>
-              <a:rPr lang="en-US" b="0" u="none" baseline="0" dirty="0"/>
-              <a:t>Files that are non-source code can be uploaded directly to the master branch without review during part 1 of SPMP. Files that are still in progress will have an _ in the title.  Those without a “_” will be assumed to be 100% complete.</a:t>
-            </a:r>
-          </a:p>
-          <a:p>
-            <a:pPr marL="171450" marR="0" lvl="0" indent="-171450" algn="l" defTabSz="914400" rtl="0" eaLnBrk="1" fontAlgn="auto" latinLnBrk="0" hangingPunct="1">
-              <a:lnSpc>
-                <a:spcPct val="100000"/>
-              </a:lnSpc>
-              <a:spcBef>
-                <a:spcPts val="0"/>
-              </a:spcBef>
-              <a:spcAft>
-                <a:spcPts val="0"/>
-              </a:spcAft>
-              <a:buClrTx/>
-              <a:buSzTx/>
-              <a:buFont typeface="Arial" panose="020B0604020202020204" pitchFamily="34" charset="0"/>
-              <a:buChar char="•"/>
-              <a:tabLst/>
-              <a:defRPr/>
-            </a:pPr>
-            <a:r>
-              <a:rPr lang="en-US" b="0" u="none" baseline="0" dirty="0"/>
-              <a:t>As far as the non-source code part, that method has been working and we did notify each other on slack whenever there was a new file uploaded. There were problems such as the formatting, that were brought to our attention because of this, but the method it’s self is a good starting place </a:t>
-            </a:r>
+            </a:pPr>
+            <a:r>
+              <a:rPr lang="en-US" dirty="0"/>
+              <a:t>If team member had </a:t>
+            </a:r>
+            <a:r>
+              <a:rPr lang="en-US" dirty="0" smtClean="0"/>
+              <a:t>no changes </a:t>
+            </a:r>
+            <a:r>
+              <a:rPr lang="en-US" dirty="0"/>
+              <a:t>to their general availability </a:t>
+            </a:r>
+            <a:r>
+              <a:rPr lang="en-US" dirty="0" smtClean="0"/>
+              <a:t>but </a:t>
+            </a:r>
+            <a:r>
+              <a:rPr lang="en-US" dirty="0"/>
+              <a:t>were </a:t>
+            </a:r>
+            <a:r>
+              <a:rPr lang="en-US" dirty="0" smtClean="0"/>
+              <a:t>unavailable </a:t>
+            </a:r>
+            <a:r>
+              <a:rPr lang="en-US" dirty="0"/>
+              <a:t>on a specific </a:t>
+            </a:r>
+            <a:r>
+              <a:rPr lang="en-US" dirty="0" smtClean="0"/>
+              <a:t>day</a:t>
+            </a:r>
+            <a:r>
+              <a:rPr lang="en-US" dirty="0"/>
+              <a:t>, they </a:t>
+            </a:r>
+            <a:r>
+              <a:rPr lang="en-US" dirty="0" smtClean="0"/>
+              <a:t>were</a:t>
+            </a:r>
+            <a:r>
+              <a:rPr lang="en-US" baseline="0" dirty="0" smtClean="0"/>
+              <a:t> required</a:t>
+            </a:r>
+            <a:r>
+              <a:rPr lang="en-US" dirty="0" smtClean="0"/>
+              <a:t> </a:t>
+            </a:r>
+            <a:r>
+              <a:rPr lang="en-US" dirty="0"/>
+              <a:t>to report it to this </a:t>
+            </a:r>
+            <a:r>
+              <a:rPr lang="en-US" dirty="0" smtClean="0"/>
+              <a:t>calendar</a:t>
+            </a:r>
+            <a:r>
+              <a:rPr lang="en-US" baseline="0" dirty="0" smtClean="0"/>
+              <a:t> by Sunday at 7 PM.</a:t>
+            </a:r>
+            <a:endParaRPr lang="en-US" dirty="0"/>
+          </a:p>
+          <a:p>
             <a:endParaRPr lang="en-US" dirty="0"/>
           </a:p>
         </p:txBody>
@@ -3356,17 +3216,26 @@
           <a:lstStyle/>
           <a:p>
             <a:fld id="{B621E0F3-BCE5-4552-9E75-AD4D9ACB2A2B}" type="slidenum">
-              <a:rPr lang="en-US" smtClean="0"/>
+              <a:rPr lang="en-US" smtClean="0">
+                <a:solidFill>
+                  <a:prstClr val="black"/>
+                </a:solidFill>
+              </a:rPr>
+              <a:pPr/>
               <a:t>18</a:t>
             </a:fld>
-            <a:endParaRPr lang="en-US"/>
+            <a:endParaRPr lang="en-US">
+              <a:solidFill>
+                <a:prstClr val="black"/>
+              </a:solidFill>
+            </a:endParaRPr>
           </a:p>
         </p:txBody>
       </p:sp>
     </p:spTree>
     <p:extLst>
       <p:ext uri="{BB962C8B-B14F-4D97-AF65-F5344CB8AC3E}">
-        <p14:creationId xmlns:p14="http://schemas.microsoft.com/office/powerpoint/2010/main" val="2185845843"/>
+        <p14:creationId xmlns:p14="http://schemas.microsoft.com/office/powerpoint/2010/main" val="3316633356"/>
       </p:ext>
     </p:extLst>
   </p:cSld>
@@ -3420,107 +3289,6 @@
           <a:bodyPr/>
           <a:lstStyle/>
           <a:p>
-            <a:r>
-              <a:rPr lang="en-US" b="1" u="sng" dirty="0"/>
-              <a:t>CS</a:t>
-            </a:r>
-          </a:p>
-          <a:p>
-            <a:r>
-              <a:rPr lang="en-US" b="1" u="sng" dirty="0"/>
-              <a:t>Early</a:t>
-            </a:r>
-            <a:r>
-              <a:rPr lang="en-US" b="1" u="sng" baseline="0" dirty="0"/>
-              <a:t> start:  </a:t>
-            </a:r>
-          </a:p>
-          <a:p>
-            <a:pPr marL="171450" indent="-171450">
-              <a:buFont typeface="Arial" panose="020B0604020202020204" pitchFamily="34" charset="0"/>
-              <a:buChar char="•"/>
-            </a:pPr>
-            <a:r>
-              <a:rPr lang="en-US" baseline="0" dirty="0"/>
-              <a:t>Before the we chose teams, </a:t>
-            </a:r>
-            <a:r>
-              <a:rPr lang="en-US" baseline="0" dirty="0" err="1"/>
-              <a:t>Durwin</a:t>
-            </a:r>
-            <a:r>
-              <a:rPr lang="en-US" baseline="0" dirty="0"/>
-              <a:t> and Erik had discussed tools. We also had a small meeting the same day teams were chosen and had meetings since then.</a:t>
-            </a:r>
-          </a:p>
-          <a:p>
-            <a:pPr marL="171450" indent="-171450">
-              <a:buFont typeface="Arial" panose="020B0604020202020204" pitchFamily="34" charset="0"/>
-              <a:buChar char="•"/>
-            </a:pPr>
-            <a:r>
-              <a:rPr lang="en-US" baseline="0" dirty="0"/>
-              <a:t>Through these meetings we were able to minimize the time spent deciding on a meeting location and  on the methods of communication before the SPMP was assigned.</a:t>
-            </a:r>
-          </a:p>
-          <a:p>
-            <a:endParaRPr lang="en-US" baseline="0" dirty="0"/>
-          </a:p>
-          <a:p>
-            <a:r>
-              <a:rPr lang="en-US" b="1" u="sng" baseline="0" dirty="0"/>
-              <a:t>Establishing in-person meetings: </a:t>
-            </a:r>
-          </a:p>
-          <a:p>
-            <a:pPr marL="171450" indent="-171450">
-              <a:buFont typeface="Arial" panose="020B0604020202020204" pitchFamily="34" charset="0"/>
-              <a:buChar char="•"/>
-            </a:pPr>
-            <a:r>
-              <a:rPr lang="en-US" baseline="0" dirty="0"/>
-              <a:t>Setting up required in-person meetings allowed us to discuss tools, skillsets and assign any tasks we knew we could expect on the SPMP</a:t>
-            </a:r>
-          </a:p>
-          <a:p>
-            <a:r>
-              <a:rPr lang="en-US" baseline="0" dirty="0"/>
-              <a:t>		     </a:t>
-            </a:r>
-            <a:endParaRPr lang="en-US" dirty="0"/>
-          </a:p>
-          <a:p>
-            <a:r>
-              <a:rPr lang="en-US" b="1" u="sng" dirty="0"/>
-              <a:t>Selection</a:t>
-            </a:r>
-            <a:r>
-              <a:rPr lang="en-US" b="1" u="sng" baseline="0" dirty="0"/>
-              <a:t> of time tracking tool: </a:t>
-            </a:r>
-          </a:p>
-          <a:p>
-            <a:pPr marL="171450" indent="-171450">
-              <a:buFont typeface="Arial" panose="020B0604020202020204" pitchFamily="34" charset="0"/>
-              <a:buChar char="•"/>
-            </a:pPr>
-            <a:r>
-              <a:rPr lang="en-US" b="0" u="none" baseline="0" dirty="0"/>
-              <a:t>H</a:t>
-            </a:r>
-            <a:r>
-              <a:rPr lang="en-US" dirty="0"/>
-              <a:t>elped</a:t>
-            </a:r>
-            <a:r>
-              <a:rPr lang="en-US" baseline="0" dirty="0"/>
-              <a:t> with determining the Estimates. Using the reports generated in Toggl, we were able to see which tasks were taking up the most time and effort and individual times. We were able to assign tasks based on each persons individual time.</a:t>
-            </a:r>
-          </a:p>
-          <a:p>
-            <a:endParaRPr lang="en-US" baseline="0" dirty="0"/>
-          </a:p>
-          <a:p>
             <a:pPr marL="0" marR="0" lvl="0" indent="0" algn="l" defTabSz="914400" rtl="0" eaLnBrk="1" fontAlgn="auto" latinLnBrk="0" hangingPunct="1">
               <a:lnSpc>
                 <a:spcPct val="100000"/>
@@ -3539,8 +3307,35 @@
               <a:defRPr/>
             </a:pPr>
             <a:r>
+              <a:rPr lang="en-US" b="1" u="sng" dirty="0"/>
+              <a:t>CS</a:t>
+            </a:r>
+          </a:p>
+          <a:p>
+            <a:pPr marL="0" marR="0" lvl="0" indent="0" algn="l" defTabSz="914400" rtl="0" eaLnBrk="1" fontAlgn="auto" latinLnBrk="0" hangingPunct="1">
+              <a:lnSpc>
+                <a:spcPct val="100000"/>
+              </a:lnSpc>
+              <a:spcBef>
+                <a:spcPts val="0"/>
+              </a:spcBef>
+              <a:spcAft>
+                <a:spcPts val="0"/>
+              </a:spcAft>
+              <a:buClrTx/>
+              <a:buSzTx/>
+              <a:buFontTx/>
+              <a:buNone/>
+              <a:tabLst/>
+              <a:defRPr/>
+            </a:pPr>
+            <a:r>
+              <a:rPr lang="en-US" b="1" u="sng" dirty="0"/>
+              <a:t>Slack:</a:t>
+            </a:r>
+            <a:r>
               <a:rPr lang="en-US" b="1" u="sng" baseline="0" dirty="0"/>
-              <a:t>Training tools: </a:t>
+              <a:t> </a:t>
             </a:r>
           </a:p>
           <a:p>
@@ -3562,114 +3357,243 @@
               <a:defRPr/>
             </a:pPr>
             <a:r>
-              <a:rPr lang="en-US" baseline="0" dirty="0"/>
-              <a:t>Checking out the tools and tracking task time. Since only one team member had prior experience with a majority of the tools, it was necessary that the other team members became acquainted with the tools and understood the terminology that came with each one </a:t>
-            </a:r>
-            <a:r>
-              <a:rPr lang="en-US" baseline="0" dirty="0" err="1"/>
-              <a:t>i.e</a:t>
-            </a:r>
-            <a:r>
-              <a:rPr lang="en-US" baseline="0" dirty="0"/>
-              <a:t> committing to master on GitHub</a:t>
-            </a:r>
-          </a:p>
-          <a:p>
-            <a:endParaRPr lang="en-US" baseline="0" dirty="0"/>
-          </a:p>
-          <a:p>
-            <a:r>
-              <a:rPr lang="en-US" b="1" u="sng" baseline="0" dirty="0"/>
-              <a:t>Team communication: </a:t>
-            </a:r>
-          </a:p>
-          <a:p>
-            <a:pPr marL="171450" indent="-171450">
+              <a:rPr lang="en-US" b="1" u="none" dirty="0"/>
+              <a:t>Notification</a:t>
+            </a:r>
+            <a:r>
+              <a:rPr lang="en-US" dirty="0"/>
+              <a:t> of a change to the repository of either non-source  code or source code files must be communicated to the other team members through Slack.  </a:t>
+            </a:r>
+          </a:p>
+          <a:p>
+            <a:pPr marL="171450" marR="0" lvl="0" indent="-171450" algn="l" defTabSz="914400" rtl="0" eaLnBrk="1" fontAlgn="auto" latinLnBrk="0" hangingPunct="1">
+              <a:lnSpc>
+                <a:spcPct val="100000"/>
+              </a:lnSpc>
+              <a:spcBef>
+                <a:spcPts val="0"/>
+              </a:spcBef>
+              <a:spcAft>
+                <a:spcPts val="0"/>
+              </a:spcAft>
+              <a:buClrTx/>
+              <a:buSzTx/>
               <a:buFont typeface="Arial" panose="020B0604020202020204" pitchFamily="34" charset="0"/>
               <a:buChar char="•"/>
-            </a:pPr>
-            <a:r>
-              <a:rPr lang="en-US" baseline="0" dirty="0"/>
-              <a:t>All team members were required to sign off on meeting minutes and check slack at least once per day. Whenever a team member had questions or concerns regarding the SPMP, those questions or concerns were always heard and discussed or answered by either another team member, Project Manager or Steiner </a:t>
-            </a:r>
-          </a:p>
-          <a:p>
-            <a:endParaRPr lang="en-US" baseline="0" dirty="0"/>
-          </a:p>
-          <a:p>
-            <a:r>
-              <a:rPr lang="en-US" b="1" u="sng" baseline="0" dirty="0"/>
-              <a:t>Risk Mitigation: </a:t>
-            </a:r>
-          </a:p>
-          <a:p>
-            <a:pPr marL="171450" indent="-171450">
+              <a:tabLst/>
+              <a:defRPr/>
+            </a:pPr>
+            <a:r>
+              <a:rPr lang="en-US" b="1" dirty="0" err="1"/>
+              <a:t>Meeting_minutes</a:t>
+            </a:r>
+            <a:r>
+              <a:rPr lang="en-US" b="1" dirty="0"/>
+              <a:t> channel: </a:t>
+            </a:r>
+            <a:r>
+              <a:rPr lang="en-US" dirty="0"/>
+              <a:t>Any changes discussed during in person meetings will be transcribed into </a:t>
+            </a:r>
+            <a:r>
+              <a:rPr lang="en-US" dirty="0" err="1"/>
+              <a:t>meeting_minutes</a:t>
+            </a:r>
+            <a:r>
+              <a:rPr lang="en-US" dirty="0"/>
+              <a:t> and posted onto Slack.</a:t>
+            </a:r>
+          </a:p>
+          <a:p>
+            <a:pPr marL="0" marR="0" lvl="0" indent="0" algn="l" defTabSz="914400" rtl="0" eaLnBrk="1" fontAlgn="auto" latinLnBrk="0" hangingPunct="1">
+              <a:lnSpc>
+                <a:spcPct val="100000"/>
+              </a:lnSpc>
+              <a:spcBef>
+                <a:spcPts val="0"/>
+              </a:spcBef>
+              <a:spcAft>
+                <a:spcPts val="0"/>
+              </a:spcAft>
+              <a:buClrTx/>
+              <a:buSzTx/>
+              <a:buFontTx/>
+              <a:buNone/>
+              <a:tabLst/>
+              <a:defRPr/>
+            </a:pPr>
+            <a:endParaRPr lang="en-US" dirty="0"/>
+          </a:p>
+          <a:p>
+            <a:pPr marL="0" marR="0" lvl="0" indent="0" algn="l" defTabSz="914400" rtl="0" eaLnBrk="1" fontAlgn="auto" latinLnBrk="0" hangingPunct="1">
+              <a:lnSpc>
+                <a:spcPct val="100000"/>
+              </a:lnSpc>
+              <a:spcBef>
+                <a:spcPts val="0"/>
+              </a:spcBef>
+              <a:spcAft>
+                <a:spcPts val="0"/>
+              </a:spcAft>
+              <a:buClrTx/>
+              <a:buSzTx/>
+              <a:buFontTx/>
+              <a:buNone/>
+              <a:tabLst/>
+              <a:defRPr/>
+            </a:pPr>
+            <a:r>
+              <a:rPr lang="en-US" b="1" u="sng" dirty="0" err="1"/>
+              <a:t>Github</a:t>
+            </a:r>
+            <a:r>
+              <a:rPr lang="en-US" b="1" u="sng" dirty="0"/>
+              <a:t>:</a:t>
+            </a:r>
+          </a:p>
+          <a:p>
+            <a:pPr marL="171450" marR="0" lvl="0" indent="-171450" algn="l" defTabSz="914400" rtl="0" eaLnBrk="1" fontAlgn="auto" latinLnBrk="0" hangingPunct="1">
+              <a:lnSpc>
+                <a:spcPct val="100000"/>
+              </a:lnSpc>
+              <a:spcBef>
+                <a:spcPts val="0"/>
+              </a:spcBef>
+              <a:spcAft>
+                <a:spcPts val="0"/>
+              </a:spcAft>
+              <a:buClrTx/>
+              <a:buSzTx/>
               <a:buFont typeface="Arial" panose="020B0604020202020204" pitchFamily="34" charset="0"/>
               <a:buChar char="•"/>
-            </a:pPr>
+              <a:tabLst/>
+              <a:defRPr/>
+            </a:pPr>
+            <a:r>
+              <a:rPr lang="en-US" b="1" u="sng" dirty="0"/>
+              <a:t>Source</a:t>
+            </a:r>
+            <a:r>
+              <a:rPr lang="en-US" b="1" u="sng" baseline="0" dirty="0"/>
+              <a:t> code: </a:t>
+            </a:r>
+          </a:p>
+          <a:p>
+            <a:pPr marL="0" marR="0" lvl="0" indent="0" algn="l" defTabSz="914400" rtl="0" eaLnBrk="1" fontAlgn="auto" latinLnBrk="0" hangingPunct="1">
+              <a:lnSpc>
+                <a:spcPct val="100000"/>
+              </a:lnSpc>
+              <a:spcBef>
+                <a:spcPts val="0"/>
+              </a:spcBef>
+              <a:spcAft>
+                <a:spcPts val="0"/>
+              </a:spcAft>
+              <a:buClrTx/>
+              <a:buSzTx/>
+              <a:buFont typeface="Arial" panose="020B0604020202020204" pitchFamily="34" charset="0"/>
+              <a:buNone/>
+              <a:tabLst/>
+              <a:defRPr/>
+            </a:pPr>
+            <a:r>
+              <a:rPr lang="en-US" b="0" u="none" baseline="0" dirty="0"/>
+              <a:t>W</a:t>
+            </a:r>
             <a:r>
               <a:rPr lang="en-US" baseline="0" dirty="0"/>
-              <a:t>When our primary meeting location (the library ) was not open or closed early. Our risk mitigation plan was put into action and told us to met at our secondary meeting location, </a:t>
-            </a:r>
-            <a:r>
-              <a:rPr lang="en-US" baseline="0" dirty="0" err="1"/>
-              <a:t>biggby</a:t>
-            </a:r>
-            <a:r>
-              <a:rPr lang="en-US" baseline="0" dirty="0"/>
-              <a:t>. The </a:t>
-            </a:r>
-            <a:r>
-              <a:rPr lang="en-US" baseline="0" dirty="0" err="1"/>
-              <a:t>biggby</a:t>
-            </a:r>
-            <a:r>
-              <a:rPr lang="en-US" baseline="0" dirty="0"/>
-              <a:t> we chose was the midpoint from where all team members live so it was the obvious choice.</a:t>
-            </a:r>
-          </a:p>
-          <a:p>
-            <a:pPr marL="0" indent="0">
-              <a:buFont typeface="Arial" panose="020B0604020202020204" pitchFamily="34" charset="0"/>
-              <a:buNone/>
-            </a:pPr>
-            <a:endParaRPr lang="en-US" baseline="0" dirty="0"/>
-          </a:p>
-          <a:p>
-            <a:pPr marL="0" indent="0">
-              <a:buFont typeface="Arial" panose="020B0604020202020204" pitchFamily="34" charset="0"/>
-              <a:buNone/>
-            </a:pPr>
-            <a:r>
-              <a:rPr lang="en-US" b="1" u="sng" baseline="0" dirty="0"/>
-              <a:t>Setting milestones for ourselves</a:t>
-            </a:r>
-          </a:p>
-          <a:p>
-            <a:pPr marL="171450" indent="-171450">
+              <a:t>ill require one administrator (Cindy or Erik) review in order to commit to master branch. When uploading new source code files it will be uploaded to a separate protected branch.  In this separate branch team members will be able to upload changed files without having to worry about affecting the master branch. The master branch will act as the baseline for all artifacts. Protected branches by default require at least one review before committing to the master.</a:t>
+            </a:r>
+          </a:p>
+          <a:p>
+            <a:pPr marL="171450" marR="0" lvl="0" indent="-171450" algn="l" defTabSz="914400" rtl="0" eaLnBrk="1" fontAlgn="auto" latinLnBrk="0" hangingPunct="1">
+              <a:lnSpc>
+                <a:spcPct val="100000"/>
+              </a:lnSpc>
+              <a:spcBef>
+                <a:spcPts val="0"/>
+              </a:spcBef>
+              <a:spcAft>
+                <a:spcPts val="0"/>
+              </a:spcAft>
+              <a:buClrTx/>
+              <a:buSzTx/>
               <a:buFont typeface="Arial" panose="020B0604020202020204" pitchFamily="34" charset="0"/>
               <a:buChar char="•"/>
+              <a:tabLst/>
+              <a:defRPr/>
+            </a:pPr>
+            <a:endParaRPr lang="en-US" baseline="0" dirty="0"/>
+          </a:p>
+          <a:p>
+            <a:pPr marL="171450" marR="0" lvl="0" indent="-171450" algn="l" defTabSz="914400" rtl="0" eaLnBrk="1" fontAlgn="auto" latinLnBrk="0" hangingPunct="1">
+              <a:lnSpc>
+                <a:spcPct val="100000"/>
+              </a:lnSpc>
+              <a:spcBef>
+                <a:spcPts val="0"/>
+              </a:spcBef>
+              <a:spcAft>
+                <a:spcPts val="0"/>
+              </a:spcAft>
+              <a:buClrTx/>
+              <a:buSzTx/>
+              <a:buFont typeface="Arial" panose="020B0604020202020204" pitchFamily="34" charset="0"/>
+              <a:buChar char="•"/>
+              <a:tabLst/>
+              <a:defRPr/>
+            </a:pPr>
+            <a:r>
+              <a:rPr lang="en-US" b="1" u="sng" baseline="0" dirty="0"/>
+              <a:t>Other artifacts: </a:t>
+            </a:r>
+          </a:p>
+          <a:p>
+            <a:pPr marL="0" marR="0" lvl="0" indent="0" algn="l" defTabSz="914400" rtl="0" eaLnBrk="1" fontAlgn="auto" latinLnBrk="0" hangingPunct="1">
+              <a:lnSpc>
+                <a:spcPct val="100000"/>
+              </a:lnSpc>
+              <a:spcBef>
+                <a:spcPts val="0"/>
+              </a:spcBef>
+              <a:spcAft>
+                <a:spcPts val="0"/>
+              </a:spcAft>
+              <a:buClrTx/>
+              <a:buSzTx/>
+              <a:buFont typeface="Arial" panose="020B0604020202020204" pitchFamily="34" charset="0"/>
+              <a:buNone/>
+              <a:tabLst/>
+              <a:defRPr/>
             </a:pPr>
             <a:r>
               <a:rPr lang="en-US" b="0" u="none" baseline="0" dirty="0"/>
-              <a:t>Motivated us to start working but we all started working on assigned task the night before our “self-set” milestone </a:t>
-            </a:r>
-          </a:p>
-          <a:p>
-            <a:pPr marL="1371600" lvl="3" indent="0">
+              <a:t>Files that are non-source code can be uploaded directly to the master branch without review during part 1 of SPMP. Files that are still in progress will have an _ in the title.  Those without a “_” will be assumed to be 100% complete.</a:t>
+            </a:r>
+          </a:p>
+          <a:p>
+            <a:pPr marL="171450" marR="0" lvl="0" indent="-171450" algn="l" defTabSz="914400" rtl="0" eaLnBrk="1" fontAlgn="auto" latinLnBrk="0" hangingPunct="1">
+              <a:lnSpc>
+                <a:spcPct val="100000"/>
+              </a:lnSpc>
+              <a:spcBef>
+                <a:spcPts val="0"/>
+              </a:spcBef>
+              <a:spcAft>
+                <a:spcPts val="0"/>
+              </a:spcAft>
+              <a:buClrTx/>
+              <a:buSzTx/>
               <a:buFont typeface="Arial" panose="020B0604020202020204" pitchFamily="34" charset="0"/>
-              <a:buNone/>
+              <a:buChar char="•"/>
+              <a:tabLst/>
+              <a:defRPr/>
             </a:pPr>
             <a:r>
               <a:rPr lang="en-US" b="0" u="none" baseline="0" dirty="0"/>
-              <a:t>This last point will transition into the next slide </a:t>
-            </a:r>
-          </a:p>
-          <a:p>
-            <a:endParaRPr lang="en-US" baseline="0" dirty="0"/>
-          </a:p>
-          <a:p>
-            <a:endParaRPr lang="en-US" baseline="0" dirty="0"/>
+              <a:t>As far as the non-source code part, that method has been working and we did notify each other on slack whenever there was a new file uploaded. There were problems such as the formatting, that were brought to our attention because of this, but the method it’s self is a good starting place </a:t>
+            </a:r>
+            <a:endParaRPr lang="en-US" dirty="0"/>
           </a:p>
         </p:txBody>
       </p:sp>
@@ -3699,7 +3623,7 @@
     </p:spTree>
     <p:extLst>
       <p:ext uri="{BB962C8B-B14F-4D97-AF65-F5344CB8AC3E}">
-        <p14:creationId xmlns:p14="http://schemas.microsoft.com/office/powerpoint/2010/main" val="1228246"/>
+        <p14:creationId xmlns:p14="http://schemas.microsoft.com/office/powerpoint/2010/main" val="2185845843"/>
       </p:ext>
     </p:extLst>
   </p:cSld>
@@ -3893,6 +3817,107 @@
           <a:bodyPr/>
           <a:lstStyle/>
           <a:p>
+            <a:r>
+              <a:rPr lang="en-US" b="1" u="sng" dirty="0"/>
+              <a:t>CS</a:t>
+            </a:r>
+          </a:p>
+          <a:p>
+            <a:r>
+              <a:rPr lang="en-US" b="1" u="sng" dirty="0"/>
+              <a:t>Early</a:t>
+            </a:r>
+            <a:r>
+              <a:rPr lang="en-US" b="1" u="sng" baseline="0" dirty="0"/>
+              <a:t> start:  </a:t>
+            </a:r>
+          </a:p>
+          <a:p>
+            <a:pPr marL="171450" indent="-171450">
+              <a:buFont typeface="Arial" panose="020B0604020202020204" pitchFamily="34" charset="0"/>
+              <a:buChar char="•"/>
+            </a:pPr>
+            <a:r>
+              <a:rPr lang="en-US" baseline="0" dirty="0"/>
+              <a:t>Before the we chose teams, </a:t>
+            </a:r>
+            <a:r>
+              <a:rPr lang="en-US" baseline="0" dirty="0" err="1"/>
+              <a:t>Durwin</a:t>
+            </a:r>
+            <a:r>
+              <a:rPr lang="en-US" baseline="0" dirty="0"/>
+              <a:t> and Erik had discussed tools. We also had a small meeting the same day teams were chosen and had meetings since then.</a:t>
+            </a:r>
+          </a:p>
+          <a:p>
+            <a:pPr marL="171450" indent="-171450">
+              <a:buFont typeface="Arial" panose="020B0604020202020204" pitchFamily="34" charset="0"/>
+              <a:buChar char="•"/>
+            </a:pPr>
+            <a:r>
+              <a:rPr lang="en-US" baseline="0" dirty="0"/>
+              <a:t>Through these meetings we were able to minimize the time spent deciding on a meeting location and  on the methods of communication before the SPMP was assigned.</a:t>
+            </a:r>
+          </a:p>
+          <a:p>
+            <a:endParaRPr lang="en-US" baseline="0" dirty="0"/>
+          </a:p>
+          <a:p>
+            <a:r>
+              <a:rPr lang="en-US" b="1" u="sng" baseline="0" dirty="0"/>
+              <a:t>Establishing in-person meetings: </a:t>
+            </a:r>
+          </a:p>
+          <a:p>
+            <a:pPr marL="171450" indent="-171450">
+              <a:buFont typeface="Arial" panose="020B0604020202020204" pitchFamily="34" charset="0"/>
+              <a:buChar char="•"/>
+            </a:pPr>
+            <a:r>
+              <a:rPr lang="en-US" baseline="0" dirty="0"/>
+              <a:t>Setting up required in-person meetings allowed us to discuss tools, skillsets and assign any tasks we knew we could expect on the SPMP</a:t>
+            </a:r>
+          </a:p>
+          <a:p>
+            <a:r>
+              <a:rPr lang="en-US" baseline="0" dirty="0"/>
+              <a:t>		     </a:t>
+            </a:r>
+            <a:endParaRPr lang="en-US" dirty="0"/>
+          </a:p>
+          <a:p>
+            <a:r>
+              <a:rPr lang="en-US" b="1" u="sng" dirty="0"/>
+              <a:t>Selection</a:t>
+            </a:r>
+            <a:r>
+              <a:rPr lang="en-US" b="1" u="sng" baseline="0" dirty="0"/>
+              <a:t> of time tracking tool: </a:t>
+            </a:r>
+          </a:p>
+          <a:p>
+            <a:pPr marL="171450" indent="-171450">
+              <a:buFont typeface="Arial" panose="020B0604020202020204" pitchFamily="34" charset="0"/>
+              <a:buChar char="•"/>
+            </a:pPr>
+            <a:r>
+              <a:rPr lang="en-US" b="0" u="none" baseline="0" dirty="0"/>
+              <a:t>H</a:t>
+            </a:r>
+            <a:r>
+              <a:rPr lang="en-US" dirty="0"/>
+              <a:t>elped</a:t>
+            </a:r>
+            <a:r>
+              <a:rPr lang="en-US" baseline="0" dirty="0"/>
+              <a:t> with determining the Estimates. Using the reports generated in Toggl, we were able to see which tasks were taking up the most time and effort and individual times. We were able to assign tasks based on each persons individual time.</a:t>
+            </a:r>
+          </a:p>
+          <a:p>
+            <a:endParaRPr lang="en-US" baseline="0" dirty="0"/>
+          </a:p>
+          <a:p>
             <a:pPr marL="0" marR="0" lvl="0" indent="0" algn="l" defTabSz="914400" rtl="0" eaLnBrk="1" fontAlgn="auto" latinLnBrk="0" hangingPunct="1">
               <a:lnSpc>
                 <a:spcPct val="100000"/>
@@ -3911,12 +3936,12 @@
               <a:defRPr/>
             </a:pPr>
             <a:r>
-              <a:rPr lang="en-US" b="0" u="none" dirty="0"/>
-              <a:t>CS</a:t>
-            </a:r>
-          </a:p>
-          <a:p>
-            <a:pPr marL="0" marR="0" lvl="0" indent="0" algn="l" defTabSz="914400" rtl="0" eaLnBrk="1" fontAlgn="auto" latinLnBrk="0" hangingPunct="1">
+              <a:rPr lang="en-US" b="1" u="sng" baseline="0" dirty="0"/>
+              <a:t>Training tools: </a:t>
+            </a:r>
+          </a:p>
+          <a:p>
+            <a:pPr marL="171450" marR="0" lvl="0" indent="-171450" algn="l" defTabSz="914400" rtl="0" eaLnBrk="1" fontAlgn="auto" latinLnBrk="0" hangingPunct="1">
               <a:lnSpc>
                 <a:spcPct val="100000"/>
               </a:lnSpc>
@@ -3928,382 +3953,120 @@
               </a:spcAft>
               <a:buClrTx/>
               <a:buSzTx/>
-              <a:buFontTx/>
-              <a:buNone/>
+              <a:buFont typeface="Arial" panose="020B0604020202020204" pitchFamily="34" charset="0"/>
+              <a:buChar char="•"/>
               <a:tabLst/>
               <a:defRPr/>
             </a:pPr>
-            <a:endParaRPr lang="en-US" b="1" u="sng" dirty="0"/>
-          </a:p>
-          <a:p>
-            <a:pPr marL="0" marR="0" lvl="0" indent="0" algn="l" defTabSz="914400" rtl="0" eaLnBrk="1" fontAlgn="auto" latinLnBrk="0" hangingPunct="1">
-              <a:lnSpc>
-                <a:spcPct val="100000"/>
-              </a:lnSpc>
-              <a:spcBef>
-                <a:spcPts val="0"/>
-              </a:spcBef>
-              <a:spcAft>
-                <a:spcPts val="0"/>
-              </a:spcAft>
-              <a:buClrTx/>
-              <a:buSzTx/>
-              <a:buFontTx/>
-              <a:buNone/>
-              <a:tabLst/>
-              <a:defRPr/>
-            </a:pPr>
-            <a:r>
-              <a:rPr lang="en-US" b="1" u="sng" dirty="0"/>
-              <a:t>SPMP Formatting and Style</a:t>
-            </a:r>
-          </a:p>
-          <a:p>
-            <a:pPr marL="0" marR="0" lvl="0" indent="0" algn="l" defTabSz="914400" rtl="0" eaLnBrk="1" fontAlgn="auto" latinLnBrk="0" hangingPunct="1">
-              <a:lnSpc>
-                <a:spcPct val="100000"/>
-              </a:lnSpc>
-              <a:spcBef>
-                <a:spcPts val="0"/>
-              </a:spcBef>
-              <a:spcAft>
-                <a:spcPts val="0"/>
-              </a:spcAft>
-              <a:buClrTx/>
-              <a:buSzTx/>
-              <a:buFontTx/>
-              <a:buNone/>
-              <a:tabLst/>
-              <a:defRPr/>
+            <a:r>
+              <a:rPr lang="en-US" baseline="0" dirty="0"/>
+              <a:t>Checking out the tools and tracking task time. Since only one team member had prior experience with a majority of the tools, it was necessary that the other team members became acquainted with the tools and understood the terminology that came with each one </a:t>
+            </a:r>
+            <a:r>
+              <a:rPr lang="en-US" baseline="0" dirty="0" err="1"/>
+              <a:t>i.e</a:t>
+            </a:r>
+            <a:r>
+              <a:rPr lang="en-US" baseline="0" dirty="0"/>
+              <a:t> committing to master on GitHub</a:t>
+            </a:r>
+          </a:p>
+          <a:p>
+            <a:endParaRPr lang="en-US" baseline="0" dirty="0"/>
+          </a:p>
+          <a:p>
+            <a:r>
+              <a:rPr lang="en-US" b="1" u="sng" baseline="0" dirty="0"/>
+              <a:t>Team communication: </a:t>
+            </a:r>
+          </a:p>
+          <a:p>
+            <a:pPr marL="171450" indent="-171450">
+              <a:buFont typeface="Arial" panose="020B0604020202020204" pitchFamily="34" charset="0"/>
+              <a:buChar char="•"/>
+            </a:pPr>
+            <a:r>
+              <a:rPr lang="en-US" baseline="0" dirty="0"/>
+              <a:t>All team members were required to sign off on meeting minutes and check slack at least once per day. Whenever a team member had questions or concerns regarding the SPMP, those questions or concerns were always heard and discussed or answered by either another team member, Project Manager or Steiner </a:t>
+            </a:r>
+          </a:p>
+          <a:p>
+            <a:endParaRPr lang="en-US" baseline="0" dirty="0"/>
+          </a:p>
+          <a:p>
+            <a:r>
+              <a:rPr lang="en-US" b="1" u="sng" baseline="0" dirty="0"/>
+              <a:t>Risk Mitigation: </a:t>
+            </a:r>
+          </a:p>
+          <a:p>
+            <a:pPr marL="171450" indent="-171450">
+              <a:buFont typeface="Arial" panose="020B0604020202020204" pitchFamily="34" charset="0"/>
+              <a:buChar char="•"/>
+            </a:pPr>
+            <a:r>
+              <a:rPr lang="en-US" baseline="0" dirty="0"/>
+              <a:t>When our primary meeting location (the library ) was not open or closed early. Our risk mitigation plan was put into action and told us to met at our secondary meeting location, </a:t>
+            </a:r>
+            <a:r>
+              <a:rPr lang="en-US" baseline="0" dirty="0" err="1"/>
+              <a:t>biggby</a:t>
+            </a:r>
+            <a:r>
+              <a:rPr lang="en-US" baseline="0" dirty="0"/>
+              <a:t>. The </a:t>
+            </a:r>
+            <a:r>
+              <a:rPr lang="en-US" baseline="0" dirty="0" err="1"/>
+              <a:t>biggby</a:t>
+            </a:r>
+            <a:r>
+              <a:rPr lang="en-US" baseline="0" dirty="0"/>
+              <a:t> we chose was the midpoint from where all team members live so it was the obvious choice.</a:t>
+            </a:r>
+          </a:p>
+          <a:p>
+            <a:pPr marL="0" indent="0">
+              <a:buFont typeface="Arial" panose="020B0604020202020204" pitchFamily="34" charset="0"/>
+              <a:buNone/>
+            </a:pPr>
+            <a:endParaRPr lang="en-US" baseline="0" dirty="0"/>
+          </a:p>
+          <a:p>
+            <a:pPr marL="0" indent="0">
+              <a:buFont typeface="Arial" panose="020B0604020202020204" pitchFamily="34" charset="0"/>
+              <a:buNone/>
+            </a:pPr>
+            <a:r>
+              <a:rPr lang="en-US" b="1" u="sng" baseline="0" dirty="0"/>
+              <a:t>Setting milestones for ourselves</a:t>
+            </a:r>
+          </a:p>
+          <a:p>
+            <a:pPr marL="171450" indent="-171450">
+              <a:buFont typeface="Arial" panose="020B0604020202020204" pitchFamily="34" charset="0"/>
+              <a:buChar char="•"/>
             </a:pPr>
             <a:r>
               <a:rPr lang="en-US" b="0" u="none" baseline="0" dirty="0"/>
-              <a:t>Not deciding on a format style earlier.</a:t>
-            </a:r>
-          </a:p>
-          <a:p>
-            <a:pPr marL="0" marR="0" lvl="0" indent="0" algn="l" defTabSz="914400" rtl="0" eaLnBrk="1" fontAlgn="auto" latinLnBrk="0" hangingPunct="1">
-              <a:lnSpc>
-                <a:spcPct val="100000"/>
-              </a:lnSpc>
-              <a:spcBef>
-                <a:spcPts val="0"/>
-              </a:spcBef>
-              <a:spcAft>
-                <a:spcPts val="0"/>
-              </a:spcAft>
-              <a:buClrTx/>
-              <a:buSzTx/>
-              <a:buFontTx/>
-              <a:buNone/>
-              <a:tabLst/>
-              <a:defRPr/>
-            </a:pPr>
-            <a:endParaRPr lang="en-US" b="1" u="sng" dirty="0"/>
-          </a:p>
-          <a:p>
-            <a:pPr marL="0" marR="0" lvl="0" indent="0" algn="l" defTabSz="914400" rtl="0" eaLnBrk="1" fontAlgn="auto" latinLnBrk="0" hangingPunct="1">
-              <a:lnSpc>
-                <a:spcPct val="100000"/>
-              </a:lnSpc>
-              <a:spcBef>
-                <a:spcPts val="0"/>
-              </a:spcBef>
-              <a:spcAft>
-                <a:spcPts val="0"/>
-              </a:spcAft>
-              <a:buClrTx/>
-              <a:buSzTx/>
-              <a:buFontTx/>
-              <a:buNone/>
-              <a:tabLst/>
-              <a:defRPr/>
-            </a:pPr>
-            <a:r>
-              <a:rPr lang="en-US" b="1" u="sng" dirty="0"/>
-              <a:t>Artifact Review Method</a:t>
-            </a:r>
-          </a:p>
-          <a:p>
-            <a:pPr marL="0" marR="0" lvl="0" indent="0" algn="l" defTabSz="914400" rtl="0" eaLnBrk="1" fontAlgn="auto" latinLnBrk="0" hangingPunct="1">
-              <a:lnSpc>
-                <a:spcPct val="100000"/>
-              </a:lnSpc>
-              <a:spcBef>
-                <a:spcPts val="0"/>
-              </a:spcBef>
-              <a:spcAft>
-                <a:spcPts val="0"/>
-              </a:spcAft>
-              <a:buClrTx/>
-              <a:buSzTx/>
-              <a:buFontTx/>
-              <a:buNone/>
-              <a:tabLst/>
-              <a:defRPr/>
-            </a:pPr>
-            <a:r>
-              <a:rPr lang="en-US" b="0" u="none" dirty="0"/>
-              <a:t>Asking other team member</a:t>
-            </a:r>
+              <a:t>Motivated us to start working but we all started working on assigned task the night before our “self-set” milestone </a:t>
+            </a:r>
+          </a:p>
+          <a:p>
+            <a:pPr marL="1371600" lvl="3" indent="0">
+              <a:buFont typeface="Arial" panose="020B0604020202020204" pitchFamily="34" charset="0"/>
+              <a:buNone/>
+            </a:pPr>
             <a:r>
               <a:rPr lang="en-US" b="0" u="none" baseline="0" dirty="0"/>
-              <a:t>s to review things but not knowing which document to review first based on dependencies and priority</a:t>
-            </a:r>
-          </a:p>
-          <a:p>
-            <a:pPr marL="0" marR="0" lvl="0" indent="0" algn="l" defTabSz="914400" rtl="0" eaLnBrk="1" fontAlgn="auto" latinLnBrk="0" hangingPunct="1">
-              <a:lnSpc>
-                <a:spcPct val="100000"/>
-              </a:lnSpc>
-              <a:spcBef>
-                <a:spcPts val="0"/>
-              </a:spcBef>
-              <a:spcAft>
-                <a:spcPts val="0"/>
-              </a:spcAft>
-              <a:buClrTx/>
-              <a:buSzTx/>
-              <a:buFontTx/>
-              <a:buNone/>
-              <a:tabLst/>
-              <a:defRPr/>
-            </a:pPr>
-            <a:endParaRPr lang="en-US" b="0" u="none" baseline="0" dirty="0"/>
-          </a:p>
-          <a:p>
-            <a:pPr marL="0" marR="0" lvl="0" indent="0" algn="l" defTabSz="914400" rtl="0" eaLnBrk="1" fontAlgn="auto" latinLnBrk="0" hangingPunct="1">
-              <a:lnSpc>
-                <a:spcPct val="100000"/>
-              </a:lnSpc>
-              <a:spcBef>
-                <a:spcPts val="0"/>
-              </a:spcBef>
-              <a:spcAft>
-                <a:spcPts val="0"/>
-              </a:spcAft>
-              <a:buClrTx/>
-              <a:buSzTx/>
-              <a:buFontTx/>
-              <a:buNone/>
-              <a:tabLst/>
-              <a:defRPr/>
-            </a:pPr>
-            <a:r>
-              <a:rPr lang="en-US" b="1" u="sng" baseline="0" dirty="0" err="1"/>
-              <a:t>Wrike</a:t>
-            </a:r>
-            <a:r>
-              <a:rPr lang="en-US" b="1" u="sng" baseline="0" dirty="0"/>
-              <a:t> under-utilized</a:t>
-            </a:r>
-          </a:p>
-          <a:p>
-            <a:pPr marL="0" marR="0" lvl="0" indent="0" algn="l" defTabSz="914400" rtl="0" eaLnBrk="1" fontAlgn="auto" latinLnBrk="0" hangingPunct="1">
-              <a:lnSpc>
-                <a:spcPct val="100000"/>
-              </a:lnSpc>
-              <a:spcBef>
-                <a:spcPts val="0"/>
-              </a:spcBef>
-              <a:spcAft>
-                <a:spcPts val="0"/>
-              </a:spcAft>
-              <a:buClrTx/>
-              <a:buSzTx/>
-              <a:buFontTx/>
-              <a:buNone/>
-              <a:tabLst/>
-              <a:defRPr/>
-            </a:pPr>
-            <a:r>
-              <a:rPr lang="en-US" b="0" u="none" baseline="0" dirty="0"/>
-              <a:t>We intended to use Wrike as a replacement tool for Microsoft Project because not all team member were accessible to it. The point of Wrike was to assign tasks to team members. For the first half of the project, that functionality of Wrike was not utilized because instead team members would just check meeting minutes (where assigned tasks were also mentioned because tasks were usually assigned during in-person meetings) Wrike only contained the SPMP tasks but not the little tasks in between such as sending emails, uploading </a:t>
-            </a:r>
-            <a:r>
-              <a:rPr lang="en-US" b="0" u="none" baseline="0" dirty="0" err="1"/>
-              <a:t>meeting_minutes</a:t>
-            </a:r>
-            <a:r>
-              <a:rPr lang="en-US" b="0" u="none" baseline="0" dirty="0"/>
-              <a:t> or progress reports.</a:t>
-            </a:r>
-          </a:p>
-          <a:p>
-            <a:pPr marL="0" marR="0" lvl="0" indent="0" algn="l" defTabSz="914400" rtl="0" eaLnBrk="1" fontAlgn="auto" latinLnBrk="0" hangingPunct="1">
-              <a:lnSpc>
-                <a:spcPct val="100000"/>
-              </a:lnSpc>
-              <a:spcBef>
-                <a:spcPts val="0"/>
-              </a:spcBef>
-              <a:spcAft>
-                <a:spcPts val="0"/>
-              </a:spcAft>
-              <a:buClrTx/>
-              <a:buSzTx/>
-              <a:buFontTx/>
-              <a:buNone/>
-              <a:tabLst/>
-              <a:defRPr/>
-            </a:pPr>
-            <a:endParaRPr lang="en-US" b="0" u="none" baseline="0" dirty="0"/>
-          </a:p>
-          <a:p>
-            <a:pPr marL="0" marR="0" lvl="0" indent="0" algn="l" defTabSz="914400" rtl="0" eaLnBrk="1" fontAlgn="auto" latinLnBrk="0" hangingPunct="1">
-              <a:lnSpc>
-                <a:spcPct val="100000"/>
-              </a:lnSpc>
-              <a:spcBef>
-                <a:spcPts val="0"/>
-              </a:spcBef>
-              <a:spcAft>
-                <a:spcPts val="0"/>
-              </a:spcAft>
-              <a:buClrTx/>
-              <a:buSzTx/>
-              <a:buFontTx/>
-              <a:buNone/>
-              <a:tabLst/>
-              <a:defRPr/>
-            </a:pPr>
-            <a:r>
-              <a:rPr lang="en-US" b="1" u="sng" dirty="0"/>
-              <a:t>Dependencies not established early</a:t>
-            </a:r>
-          </a:p>
-          <a:p>
-            <a:pPr marL="0" marR="0" lvl="0" indent="0" algn="l" defTabSz="914400" rtl="0" eaLnBrk="1" fontAlgn="auto" latinLnBrk="0" hangingPunct="1">
-              <a:lnSpc>
-                <a:spcPct val="100000"/>
-              </a:lnSpc>
-              <a:spcBef>
-                <a:spcPts val="0"/>
-              </a:spcBef>
-              <a:spcAft>
-                <a:spcPts val="0"/>
-              </a:spcAft>
-              <a:buClrTx/>
-              <a:buSzTx/>
-              <a:buFontTx/>
-              <a:buNone/>
-              <a:tabLst/>
-              <a:defRPr/>
-            </a:pPr>
-            <a:r>
-              <a:rPr lang="en-US" b="0" u="none" dirty="0"/>
-              <a:t>Not properly</a:t>
-            </a:r>
-            <a:r>
-              <a:rPr lang="en-US" b="0" u="none" baseline="0" dirty="0"/>
-              <a:t> checking the dependency of one task to another, put other people behind and cased a shift in work load for one person.</a:t>
-            </a:r>
-          </a:p>
-          <a:p>
-            <a:pPr marL="0" marR="0" lvl="0" indent="0" algn="l" defTabSz="914400" rtl="0" eaLnBrk="1" fontAlgn="auto" latinLnBrk="0" hangingPunct="1">
-              <a:lnSpc>
-                <a:spcPct val="100000"/>
-              </a:lnSpc>
-              <a:spcBef>
-                <a:spcPts val="0"/>
-              </a:spcBef>
-              <a:spcAft>
-                <a:spcPts val="0"/>
-              </a:spcAft>
-              <a:buClrTx/>
-              <a:buSzTx/>
-              <a:buFontTx/>
-              <a:buNone/>
-              <a:tabLst/>
-              <a:defRPr/>
-            </a:pPr>
-            <a:endParaRPr lang="en-US" b="0" u="none" baseline="0" dirty="0"/>
-          </a:p>
-          <a:p>
-            <a:pPr marL="0" marR="0" lvl="0" indent="0" algn="l" defTabSz="914400" rtl="0" eaLnBrk="1" fontAlgn="auto" latinLnBrk="0" hangingPunct="1">
-              <a:lnSpc>
-                <a:spcPct val="100000"/>
-              </a:lnSpc>
-              <a:spcBef>
-                <a:spcPts val="0"/>
-              </a:spcBef>
-              <a:spcAft>
-                <a:spcPts val="0"/>
-              </a:spcAft>
-              <a:buClrTx/>
-              <a:buSzTx/>
-              <a:buFontTx/>
-              <a:buNone/>
-              <a:tabLst/>
-              <a:defRPr/>
-            </a:pPr>
-            <a:r>
-              <a:rPr lang="en-US" b="1" u="sng" baseline="0" dirty="0"/>
-              <a:t>Communication With Project Managers</a:t>
-            </a:r>
-          </a:p>
-          <a:p>
-            <a:pPr marL="0" marR="0" lvl="0" indent="0" algn="l" defTabSz="914400" rtl="0" eaLnBrk="1" fontAlgn="auto" latinLnBrk="0" hangingPunct="1">
-              <a:lnSpc>
-                <a:spcPct val="100000"/>
-              </a:lnSpc>
-              <a:spcBef>
-                <a:spcPts val="0"/>
-              </a:spcBef>
-              <a:spcAft>
-                <a:spcPts val="0"/>
-              </a:spcAft>
-              <a:buClrTx/>
-              <a:buSzTx/>
-              <a:buFontTx/>
-              <a:buNone/>
-              <a:tabLst/>
-              <a:defRPr/>
-            </a:pPr>
-            <a:r>
-              <a:rPr lang="en-US" b="0" u="none" baseline="0" dirty="0"/>
-              <a:t>We added them onto our groups on Slack, Wrike, and GitHub. We did not add them to the general availability or exception calendar. But we asked them if they would be able to join us for our weekly Sunday meetings and they said that for the most part yes. At the end of Part1 we realized that the c</a:t>
-            </a:r>
-            <a:r>
-              <a:rPr lang="en-US" dirty="0"/>
-              <a:t>ommunication process was</a:t>
-            </a:r>
-            <a:r>
-              <a:rPr lang="en-US" baseline="0" dirty="0"/>
-              <a:t> not w</a:t>
-            </a:r>
-            <a:r>
-              <a:rPr lang="en-US" dirty="0"/>
-              <a:t>ell defined.</a:t>
-            </a:r>
-            <a:r>
-              <a:rPr lang="en-US" baseline="0" dirty="0"/>
-              <a:t> We did not assign specific tasks to them and they did not know when or which parts of the SPMP to check first, they also were not told where to leave comments and feedback which in turn could be the reason why we felt we did not received adequate feedback.</a:t>
-            </a:r>
-            <a:endParaRPr lang="en-US" b="0" u="none" dirty="0"/>
-          </a:p>
-          <a:p>
-            <a:pPr marL="0" marR="0" lvl="0" indent="0" algn="l" defTabSz="914400" rtl="0" eaLnBrk="1" fontAlgn="auto" latinLnBrk="0" hangingPunct="1">
-              <a:lnSpc>
-                <a:spcPct val="100000"/>
-              </a:lnSpc>
-              <a:spcBef>
-                <a:spcPts val="0"/>
-              </a:spcBef>
-              <a:spcAft>
-                <a:spcPts val="0"/>
-              </a:spcAft>
-              <a:buClrTx/>
-              <a:buSzTx/>
-              <a:buFontTx/>
-              <a:buNone/>
-              <a:tabLst/>
-              <a:defRPr/>
-            </a:pPr>
-            <a:endParaRPr lang="en-US" b="0" u="none" dirty="0"/>
-          </a:p>
-          <a:p>
-            <a:endParaRPr lang="en-US" b="1" dirty="0"/>
+              <a:t>This last point will transition into the next slide </a:t>
+            </a:r>
+          </a:p>
+          <a:p>
+            <a:endParaRPr lang="en-US" baseline="0" dirty="0"/>
+          </a:p>
+          <a:p>
+            <a:endParaRPr lang="en-US" baseline="0" dirty="0"/>
           </a:p>
         </p:txBody>
       </p:sp>
@@ -4333,7 +4096,7 @@
     </p:spTree>
     <p:extLst>
       <p:ext uri="{BB962C8B-B14F-4D97-AF65-F5344CB8AC3E}">
-        <p14:creationId xmlns:p14="http://schemas.microsoft.com/office/powerpoint/2010/main" val="3678601128"/>
+        <p14:creationId xmlns:p14="http://schemas.microsoft.com/office/powerpoint/2010/main" val="1228246"/>
       </p:ext>
     </p:extLst>
   </p:cSld>
@@ -4387,177 +4150,417 @@
           <a:bodyPr/>
           <a:lstStyle/>
           <a:p>
+            <a:pPr marL="0" marR="0" lvl="0" indent="0" algn="l" defTabSz="914400" rtl="0" eaLnBrk="1" fontAlgn="auto" latinLnBrk="0" hangingPunct="1">
+              <a:lnSpc>
+                <a:spcPct val="100000"/>
+              </a:lnSpc>
+              <a:spcBef>
+                <a:spcPts val="0"/>
+              </a:spcBef>
+              <a:spcAft>
+                <a:spcPts val="0"/>
+              </a:spcAft>
+              <a:buClrTx/>
+              <a:buSzTx/>
+              <a:buFontTx/>
+              <a:buNone/>
+              <a:tabLst/>
+              <a:defRPr/>
+            </a:pPr>
             <a:r>
               <a:rPr lang="en-US" b="0" u="none" dirty="0"/>
               <a:t>CS</a:t>
             </a:r>
           </a:p>
           <a:p>
+            <a:pPr marL="0" marR="0" lvl="0" indent="0" algn="l" defTabSz="914400" rtl="0" eaLnBrk="1" fontAlgn="auto" latinLnBrk="0" hangingPunct="1">
+              <a:lnSpc>
+                <a:spcPct val="100000"/>
+              </a:lnSpc>
+              <a:spcBef>
+                <a:spcPts val="0"/>
+              </a:spcBef>
+              <a:spcAft>
+                <a:spcPts val="0"/>
+              </a:spcAft>
+              <a:buClrTx/>
+              <a:buSzTx/>
+              <a:buFontTx/>
+              <a:buNone/>
+              <a:tabLst/>
+              <a:defRPr/>
+            </a:pPr>
             <a:endParaRPr lang="en-US" b="1" u="sng" dirty="0"/>
           </a:p>
           <a:p>
+            <a:pPr marL="0" marR="0" lvl="0" indent="0" algn="l" defTabSz="914400" rtl="0" eaLnBrk="1" fontAlgn="auto" latinLnBrk="0" hangingPunct="1">
+              <a:lnSpc>
+                <a:spcPct val="100000"/>
+              </a:lnSpc>
+              <a:spcBef>
+                <a:spcPts val="0"/>
+              </a:spcBef>
+              <a:spcAft>
+                <a:spcPts val="0"/>
+              </a:spcAft>
+              <a:buClrTx/>
+              <a:buSzTx/>
+              <a:buFontTx/>
+              <a:buNone/>
+              <a:tabLst/>
+              <a:defRPr/>
+            </a:pPr>
             <a:r>
               <a:rPr lang="en-US" b="1" u="sng" dirty="0"/>
-              <a:t>Artifact format standards</a:t>
-            </a:r>
+              <a:t>SPMP Formatting and Style</a:t>
+            </a:r>
+          </a:p>
+          <a:p>
+            <a:pPr marL="0" marR="0" lvl="0" indent="0" algn="l" defTabSz="914400" rtl="0" eaLnBrk="1" fontAlgn="auto" latinLnBrk="0" hangingPunct="1">
+              <a:lnSpc>
+                <a:spcPct val="100000"/>
+              </a:lnSpc>
+              <a:spcBef>
+                <a:spcPts val="0"/>
+              </a:spcBef>
+              <a:spcAft>
+                <a:spcPts val="0"/>
+              </a:spcAft>
+              <a:buClrTx/>
+              <a:buSzTx/>
+              <a:buFontTx/>
+              <a:buNone/>
+              <a:tabLst/>
+              <a:defRPr/>
+            </a:pPr>
+            <a:r>
+              <a:rPr lang="en-US" b="0" u="none" baseline="0" dirty="0"/>
+              <a:t>Not deciding on a format style earlier.</a:t>
+            </a:r>
+          </a:p>
+          <a:p>
+            <a:pPr marL="0" marR="0" lvl="0" indent="0" algn="l" defTabSz="914400" rtl="0" eaLnBrk="1" fontAlgn="auto" latinLnBrk="0" hangingPunct="1">
+              <a:lnSpc>
+                <a:spcPct val="100000"/>
+              </a:lnSpc>
+              <a:spcBef>
+                <a:spcPts val="0"/>
+              </a:spcBef>
+              <a:spcAft>
+                <a:spcPts val="0"/>
+              </a:spcAft>
+              <a:buClrTx/>
+              <a:buSzTx/>
+              <a:buFontTx/>
+              <a:buNone/>
+              <a:tabLst/>
+              <a:defRPr/>
+            </a:pPr>
+            <a:endParaRPr lang="en-US" b="1" u="sng" dirty="0"/>
+          </a:p>
+          <a:p>
+            <a:pPr marL="0" marR="0" lvl="0" indent="0" algn="l" defTabSz="914400" rtl="0" eaLnBrk="1" fontAlgn="auto" latinLnBrk="0" hangingPunct="1">
+              <a:lnSpc>
+                <a:spcPct val="100000"/>
+              </a:lnSpc>
+              <a:spcBef>
+                <a:spcPts val="0"/>
+              </a:spcBef>
+              <a:spcAft>
+                <a:spcPts val="0"/>
+              </a:spcAft>
+              <a:buClrTx/>
+              <a:buSzTx/>
+              <a:buFontTx/>
+              <a:buNone/>
+              <a:tabLst/>
+              <a:defRPr/>
+            </a:pPr>
+            <a:r>
+              <a:rPr lang="en-US" b="1" u="sng" dirty="0"/>
+              <a:t>Artifact Review Method</a:t>
+            </a:r>
+          </a:p>
+          <a:p>
+            <a:pPr marL="0" marR="0" lvl="0" indent="0" algn="l" defTabSz="914400" rtl="0" eaLnBrk="1" fontAlgn="auto" latinLnBrk="0" hangingPunct="1">
+              <a:lnSpc>
+                <a:spcPct val="100000"/>
+              </a:lnSpc>
+              <a:spcBef>
+                <a:spcPts val="0"/>
+              </a:spcBef>
+              <a:spcAft>
+                <a:spcPts val="0"/>
+              </a:spcAft>
+              <a:buClrTx/>
+              <a:buSzTx/>
+              <a:buFontTx/>
+              <a:buNone/>
+              <a:tabLst/>
+              <a:defRPr/>
+            </a:pPr>
+            <a:r>
+              <a:rPr lang="en-US" b="0" u="none" dirty="0"/>
+              <a:t>Asking other team member</a:t>
+            </a:r>
+            <a:r>
+              <a:rPr lang="en-US" b="0" u="none" baseline="0" dirty="0"/>
+              <a:t>s to review things but not knowing which document to review first based on dependencies and priority</a:t>
+            </a:r>
+          </a:p>
+          <a:p>
+            <a:pPr marL="0" marR="0" lvl="0" indent="0" algn="l" defTabSz="914400" rtl="0" eaLnBrk="1" fontAlgn="auto" latinLnBrk="0" hangingPunct="1">
+              <a:lnSpc>
+                <a:spcPct val="100000"/>
+              </a:lnSpc>
+              <a:spcBef>
+                <a:spcPts val="0"/>
+              </a:spcBef>
+              <a:spcAft>
+                <a:spcPts val="0"/>
+              </a:spcAft>
+              <a:buClrTx/>
+              <a:buSzTx/>
+              <a:buFontTx/>
+              <a:buNone/>
+              <a:tabLst/>
+              <a:defRPr/>
+            </a:pPr>
             <a:endParaRPr lang="en-US" b="0" u="none" baseline="0" dirty="0"/>
           </a:p>
           <a:p>
-            <a:r>
-              <a:rPr lang="en-US" b="0" u="none" dirty="0"/>
-              <a:t>Deciding</a:t>
-            </a:r>
-            <a:r>
-              <a:rPr lang="en-US" b="0" u="none" baseline="0" dirty="0"/>
-              <a:t> on a format for documents i.e. what type of bullet points are we going to use, layout of page. (Style guide)</a:t>
-            </a:r>
-          </a:p>
-          <a:p>
-            <a:endParaRPr lang="en-US" b="0" u="none" baseline="0" dirty="0"/>
-          </a:p>
-          <a:p>
-            <a:r>
-              <a:rPr lang="en-US" b="1" u="sng" dirty="0"/>
-              <a:t>Establish artifact review</a:t>
-            </a:r>
-            <a:r>
-              <a:rPr lang="en-US" b="1" u="sng" baseline="0" dirty="0"/>
-              <a:t> method</a:t>
-            </a:r>
-          </a:p>
-          <a:p>
-            <a:r>
-              <a:rPr lang="en-US" b="0" u="none" baseline="0" dirty="0"/>
-              <a:t>The team has voted on using the “review” functionality on Microsoft Word to provide critiques on documents of other team members. To avoid overwriting the original, team members must make sure to save their document that contains critiques to a different name. If the document has a major dependency then the document should be reviewed first by the successor and the Project Managers.</a:t>
-            </a:r>
-          </a:p>
-          <a:p>
-            <a:endParaRPr lang="en-US" b="0" u="none" baseline="0" dirty="0"/>
-          </a:p>
-          <a:p>
-            <a:r>
-              <a:rPr lang="en-US" b="1" u="sng" baseline="0" dirty="0"/>
-              <a:t>Use </a:t>
-            </a:r>
+            <a:pPr marL="0" marR="0" lvl="0" indent="0" algn="l" defTabSz="914400" rtl="0" eaLnBrk="1" fontAlgn="auto" latinLnBrk="0" hangingPunct="1">
+              <a:lnSpc>
+                <a:spcPct val="100000"/>
+              </a:lnSpc>
+              <a:spcBef>
+                <a:spcPts val="0"/>
+              </a:spcBef>
+              <a:spcAft>
+                <a:spcPts val="0"/>
+              </a:spcAft>
+              <a:buClrTx/>
+              <a:buSzTx/>
+              <a:buFontTx/>
+              <a:buNone/>
+              <a:tabLst/>
+              <a:defRPr/>
+            </a:pPr>
             <a:r>
               <a:rPr lang="en-US" b="1" u="sng" baseline="0" dirty="0" err="1"/>
               <a:t>Wrike</a:t>
             </a:r>
             <a:r>
               <a:rPr lang="en-US" b="1" u="sng" baseline="0" dirty="0"/>
-              <a:t> More</a:t>
-            </a:r>
-          </a:p>
-          <a:p>
+              <a:t> under-utilized</a:t>
+            </a:r>
+          </a:p>
+          <a:p>
+            <a:pPr marL="0" marR="0" lvl="0" indent="0" algn="l" defTabSz="914400" rtl="0" eaLnBrk="1" fontAlgn="auto" latinLnBrk="0" hangingPunct="1">
+              <a:lnSpc>
+                <a:spcPct val="100000"/>
+              </a:lnSpc>
+              <a:spcBef>
+                <a:spcPts val="0"/>
+              </a:spcBef>
+              <a:spcAft>
+                <a:spcPts val="0"/>
+              </a:spcAft>
+              <a:buClrTx/>
+              <a:buSzTx/>
+              <a:buFontTx/>
+              <a:buNone/>
+              <a:tabLst/>
+              <a:defRPr/>
+            </a:pPr>
             <a:r>
               <a:rPr lang="en-US" b="0" u="none" baseline="0" dirty="0"/>
-              <a:t>Assign tasks for every task that was assigned during in-person meetings. Add in due dates and approximate time due. Set tasks as completed once they are completed. </a:t>
+              <a:t>We intended to use Wrike as a replacement tool for Microsoft Project because not all team member were accessible to it. The point of Wrike was to assign tasks to team members. For the first half of the project, that functionality of Wrike was not utilized because instead team members would just check meeting minutes (where assigned tasks were also mentioned because tasks were usually assigned during in-person meetings) Wrike only contained the SPMP tasks but not the little tasks in between such as sending emails, uploading </a:t>
+            </a:r>
+            <a:r>
+              <a:rPr lang="en-US" b="0" u="none" baseline="0" dirty="0" err="1"/>
+              <a:t>meeting_minutes</a:t>
+            </a:r>
+            <a:r>
+              <a:rPr lang="en-US" b="0" u="none" baseline="0" dirty="0"/>
+              <a:t> or progress reports.</a:t>
+            </a:r>
+          </a:p>
+          <a:p>
+            <a:pPr marL="0" marR="0" lvl="0" indent="0" algn="l" defTabSz="914400" rtl="0" eaLnBrk="1" fontAlgn="auto" latinLnBrk="0" hangingPunct="1">
+              <a:lnSpc>
+                <a:spcPct val="100000"/>
+              </a:lnSpc>
+              <a:spcBef>
+                <a:spcPts val="0"/>
+              </a:spcBef>
+              <a:spcAft>
+                <a:spcPts val="0"/>
+              </a:spcAft>
+              <a:buClrTx/>
+              <a:buSzTx/>
+              <a:buFontTx/>
+              <a:buNone/>
+              <a:tabLst/>
+              <a:defRPr/>
+            </a:pPr>
+            <a:endParaRPr lang="en-US" b="0" u="none" baseline="0" dirty="0"/>
+          </a:p>
+          <a:p>
+            <a:pPr marL="0" marR="0" lvl="0" indent="0" algn="l" defTabSz="914400" rtl="0" eaLnBrk="1" fontAlgn="auto" latinLnBrk="0" hangingPunct="1">
+              <a:lnSpc>
+                <a:spcPct val="100000"/>
+              </a:lnSpc>
+              <a:spcBef>
+                <a:spcPts val="0"/>
+              </a:spcBef>
+              <a:spcAft>
+                <a:spcPts val="0"/>
+              </a:spcAft>
+              <a:buClrTx/>
+              <a:buSzTx/>
+              <a:buFontTx/>
+              <a:buNone/>
+              <a:tabLst/>
+              <a:defRPr/>
+            </a:pPr>
+            <a:r>
+              <a:rPr lang="en-US" b="1" u="sng" dirty="0"/>
+              <a:t>Dependencies not established early</a:t>
+            </a:r>
+          </a:p>
+          <a:p>
+            <a:pPr marL="0" marR="0" lvl="0" indent="0" algn="l" defTabSz="914400" rtl="0" eaLnBrk="1" fontAlgn="auto" latinLnBrk="0" hangingPunct="1">
+              <a:lnSpc>
+                <a:spcPct val="100000"/>
+              </a:lnSpc>
+              <a:spcBef>
+                <a:spcPts val="0"/>
+              </a:spcBef>
+              <a:spcAft>
+                <a:spcPts val="0"/>
+              </a:spcAft>
+              <a:buClrTx/>
+              <a:buSzTx/>
+              <a:buFontTx/>
+              <a:buNone/>
+              <a:tabLst/>
+              <a:defRPr/>
+            </a:pPr>
+            <a:r>
+              <a:rPr lang="en-US" b="0" u="none" dirty="0"/>
+              <a:t>Not properly</a:t>
+            </a:r>
+            <a:r>
+              <a:rPr lang="en-US" b="0" u="none" baseline="0" dirty="0"/>
+              <a:t> checking the dependency of one task to another, put other people behind and cased a shift in work load for one person.</a:t>
+            </a:r>
+          </a:p>
+          <a:p>
+            <a:pPr marL="0" marR="0" lvl="0" indent="0" algn="l" defTabSz="914400" rtl="0" eaLnBrk="1" fontAlgn="auto" latinLnBrk="0" hangingPunct="1">
+              <a:lnSpc>
+                <a:spcPct val="100000"/>
+              </a:lnSpc>
+              <a:spcBef>
+                <a:spcPts val="0"/>
+              </a:spcBef>
+              <a:spcAft>
+                <a:spcPts val="0"/>
+              </a:spcAft>
+              <a:buClrTx/>
+              <a:buSzTx/>
+              <a:buFontTx/>
+              <a:buNone/>
+              <a:tabLst/>
+              <a:defRPr/>
+            </a:pPr>
+            <a:endParaRPr lang="en-US" b="0" u="none" baseline="0" dirty="0"/>
+          </a:p>
+          <a:p>
+            <a:pPr marL="0" marR="0" lvl="0" indent="0" algn="l" defTabSz="914400" rtl="0" eaLnBrk="1" fontAlgn="auto" latinLnBrk="0" hangingPunct="1">
+              <a:lnSpc>
+                <a:spcPct val="100000"/>
+              </a:lnSpc>
+              <a:spcBef>
+                <a:spcPts val="0"/>
+              </a:spcBef>
+              <a:spcAft>
+                <a:spcPts val="0"/>
+              </a:spcAft>
+              <a:buClrTx/>
+              <a:buSzTx/>
+              <a:buFontTx/>
+              <a:buNone/>
+              <a:tabLst/>
+              <a:defRPr/>
+            </a:pPr>
+            <a:r>
+              <a:rPr lang="en-US" b="1" u="sng" baseline="0" dirty="0"/>
+              <a:t>Communication With Project Managers</a:t>
+            </a:r>
+          </a:p>
+          <a:p>
+            <a:pPr marL="0" marR="0" lvl="0" indent="0" algn="l" defTabSz="914400" rtl="0" eaLnBrk="1" fontAlgn="auto" latinLnBrk="0" hangingPunct="1">
+              <a:lnSpc>
+                <a:spcPct val="100000"/>
+              </a:lnSpc>
+              <a:spcBef>
+                <a:spcPts val="0"/>
+              </a:spcBef>
+              <a:spcAft>
+                <a:spcPts val="0"/>
+              </a:spcAft>
+              <a:buClrTx/>
+              <a:buSzTx/>
+              <a:buFontTx/>
+              <a:buNone/>
+              <a:tabLst/>
+              <a:defRPr/>
+            </a:pPr>
+            <a:r>
+              <a:rPr lang="en-US" b="0" u="none" baseline="0" dirty="0"/>
+              <a:t>We added them onto our groups on Slack, Wrike, and GitHub. We did not add them to the general availability or exception calendar. But we asked them if they would be able to join us for our weekly Sunday meetings and they said that for the most part yes. At the end of Part1 we realized that the c</a:t>
+            </a:r>
+            <a:r>
+              <a:rPr lang="en-US" dirty="0"/>
+              <a:t>ommunication process was</a:t>
+            </a:r>
+            <a:r>
+              <a:rPr lang="en-US" baseline="0" dirty="0"/>
+              <a:t> not w</a:t>
+            </a:r>
+            <a:r>
+              <a:rPr lang="en-US" dirty="0"/>
+              <a:t>ell defined.</a:t>
+            </a:r>
+            <a:r>
+              <a:rPr lang="en-US" baseline="0" dirty="0"/>
+              <a:t> We did not assign specific tasks to them and they did not know when or which parts of the SPMP to check first, they also were not told where to leave comments and feedback which in turn could be the reason why we felt we did not received adequate feedback.</a:t>
             </a:r>
             <a:endParaRPr lang="en-US" b="0" u="none" dirty="0"/>
           </a:p>
           <a:p>
-            <a:endParaRPr lang="en-US" b="0" u="none" baseline="0" dirty="0"/>
-          </a:p>
-          <a:p>
-            <a:r>
-              <a:rPr lang="en-US" b="1" u="sng" baseline="0" dirty="0"/>
-              <a:t>Reorganize repository </a:t>
-            </a:r>
-          </a:p>
-          <a:p>
-            <a:pPr marL="171450" indent="-171450">
-              <a:buFont typeface="Arial" panose="020B0604020202020204" pitchFamily="34" charset="0"/>
-              <a:buChar char="•"/>
-            </a:pPr>
-            <a:r>
-              <a:rPr lang="en-US" b="0" u="none" baseline="0" dirty="0"/>
-              <a:t>Moved all documents dealing with Phase 1 into Phase_1 folder</a:t>
-            </a:r>
-          </a:p>
-          <a:p>
-            <a:pPr marL="171450" indent="-171450">
-              <a:buFont typeface="Arial" panose="020B0604020202020204" pitchFamily="34" charset="0"/>
-              <a:buChar char="•"/>
-            </a:pPr>
-            <a:r>
-              <a:rPr lang="en-US" b="0" u="none" baseline="0" dirty="0"/>
-              <a:t>Created a folder "Phase 1" inside Documentation for Phase 1 items </a:t>
-            </a:r>
-          </a:p>
-          <a:p>
-            <a:pPr marL="171450" indent="-171450">
-              <a:buFont typeface="Arial" panose="020B0604020202020204" pitchFamily="34" charset="0"/>
-              <a:buChar char="•"/>
-            </a:pPr>
-            <a:r>
-              <a:rPr lang="en-US" b="0" u="none" baseline="0" dirty="0"/>
-              <a:t>Within Phase 1, moved individual components of the SPMP to </a:t>
-            </a:r>
-            <a:r>
-              <a:rPr lang="en-US" b="0" u="none" baseline="0" dirty="0" err="1"/>
-              <a:t>Individual_Components</a:t>
-            </a:r>
-            <a:r>
-              <a:rPr lang="en-US" b="0" u="none" baseline="0" dirty="0"/>
-              <a:t> and left the SPMP directly inside Phase_1 </a:t>
-            </a:r>
-          </a:p>
-          <a:p>
-            <a:pPr marL="171450" indent="-171450">
-              <a:buFont typeface="Arial" panose="020B0604020202020204" pitchFamily="34" charset="0"/>
-              <a:buChar char="•"/>
-            </a:pPr>
-            <a:r>
-              <a:rPr lang="en-US" b="0" u="none" baseline="0" dirty="0"/>
-              <a:t>Created "</a:t>
-            </a:r>
-            <a:r>
-              <a:rPr lang="en-US" b="0" u="none" baseline="0" dirty="0" err="1"/>
-              <a:t>Work_In_Progress</a:t>
-            </a:r>
-            <a:r>
-              <a:rPr lang="en-US" b="0" u="none" baseline="0" dirty="0"/>
-              <a:t>" folder to be used for documentation and source you are presently working on</a:t>
-            </a:r>
-          </a:p>
-          <a:p>
-            <a:pPr marL="171450" indent="-171450">
-              <a:buFont typeface="Arial" panose="020B0604020202020204" pitchFamily="34" charset="0"/>
-              <a:buChar char="•"/>
-            </a:pPr>
-            <a:r>
-              <a:rPr lang="en-US" b="0" u="none" baseline="0" dirty="0"/>
-              <a:t>Created a folder for each team member by their initials inside "</a:t>
-            </a:r>
-            <a:r>
-              <a:rPr lang="en-US" b="0" u="none" baseline="0" dirty="0" err="1"/>
-              <a:t>Work_In_Progress</a:t>
-            </a:r>
-            <a:r>
-              <a:rPr lang="en-US" b="0" u="none" baseline="0" dirty="0"/>
-              <a:t>"</a:t>
-            </a:r>
-          </a:p>
-          <a:p>
-            <a:endParaRPr lang="en-US" b="0" u="sng" dirty="0"/>
-          </a:p>
-          <a:p>
-            <a:endParaRPr lang="en-US" b="0" u="none" baseline="0" dirty="0"/>
-          </a:p>
-          <a:p>
-            <a:r>
-              <a:rPr lang="en-US" b="1" u="sng" baseline="0" dirty="0"/>
-              <a:t>Formalize PM communication</a:t>
-            </a:r>
-          </a:p>
-          <a:p>
-            <a:r>
-              <a:rPr lang="en-US" b="0" u="none" baseline="0" dirty="0"/>
-              <a:t>Assign the Project Managers task on Wrike. Sending reminder messages about the tasks they were assigned. Add them to the general availability sheet to be aware of when they are free. Also include them in the Expectation Calendar so they can add in days they know they will not be available. </a:t>
-            </a:r>
-          </a:p>
-          <a:p>
-            <a:endParaRPr lang="en-US" b="0" u="none" baseline="0" dirty="0"/>
+            <a:pPr marL="0" marR="0" lvl="0" indent="0" algn="l" defTabSz="914400" rtl="0" eaLnBrk="1" fontAlgn="auto" latinLnBrk="0" hangingPunct="1">
+              <a:lnSpc>
+                <a:spcPct val="100000"/>
+              </a:lnSpc>
+              <a:spcBef>
+                <a:spcPts val="0"/>
+              </a:spcBef>
+              <a:spcAft>
+                <a:spcPts val="0"/>
+              </a:spcAft>
+              <a:buClrTx/>
+              <a:buSzTx/>
+              <a:buFontTx/>
+              <a:buNone/>
+              <a:tabLst/>
+              <a:defRPr/>
+            </a:pPr>
+            <a:endParaRPr lang="en-US" b="0" u="none" dirty="0"/>
+          </a:p>
+          <a:p>
+            <a:endParaRPr lang="en-US" b="1" dirty="0"/>
           </a:p>
         </p:txBody>
       </p:sp>
@@ -4587,7 +4590,7 @@
     </p:spTree>
     <p:extLst>
       <p:ext uri="{BB962C8B-B14F-4D97-AF65-F5344CB8AC3E}">
-        <p14:creationId xmlns:p14="http://schemas.microsoft.com/office/powerpoint/2010/main" val="3815410767"/>
+        <p14:creationId xmlns:p14="http://schemas.microsoft.com/office/powerpoint/2010/main" val="3678601128"/>
       </p:ext>
     </p:extLst>
   </p:cSld>
@@ -4642,6 +4645,260 @@
           <a:lstStyle/>
           <a:p>
             <a:r>
+              <a:rPr lang="en-US" b="0" u="none" dirty="0"/>
+              <a:t>CS</a:t>
+            </a:r>
+          </a:p>
+          <a:p>
+            <a:endParaRPr lang="en-US" b="1" u="sng" dirty="0"/>
+          </a:p>
+          <a:p>
+            <a:r>
+              <a:rPr lang="en-US" b="1" u="sng" dirty="0"/>
+              <a:t>Artifact format standards</a:t>
+            </a:r>
+            <a:endParaRPr lang="en-US" b="0" u="none" baseline="0" dirty="0"/>
+          </a:p>
+          <a:p>
+            <a:r>
+              <a:rPr lang="en-US" b="0" u="none" dirty="0"/>
+              <a:t>Deciding</a:t>
+            </a:r>
+            <a:r>
+              <a:rPr lang="en-US" b="0" u="none" baseline="0" dirty="0"/>
+              <a:t> on a format for documents i.e. what type of bullet points are we going to use, layout of page. (Style guide)</a:t>
+            </a:r>
+          </a:p>
+          <a:p>
+            <a:endParaRPr lang="en-US" b="0" u="none" baseline="0" dirty="0"/>
+          </a:p>
+          <a:p>
+            <a:r>
+              <a:rPr lang="en-US" b="1" u="sng" dirty="0"/>
+              <a:t>Establish artifact review</a:t>
+            </a:r>
+            <a:r>
+              <a:rPr lang="en-US" b="1" u="sng" baseline="0" dirty="0"/>
+              <a:t> method</a:t>
+            </a:r>
+          </a:p>
+          <a:p>
+            <a:r>
+              <a:rPr lang="en-US" b="0" u="none" baseline="0" dirty="0"/>
+              <a:t>The team has voted on using the “review” functionality on Microsoft Word to provide critiques on documents of other team members. To avoid overwriting the original, team members must make sure to save their document that contains critiques to a different name. If the document has a major dependency then the document should be reviewed first by the successor and the Project Managers.</a:t>
+            </a:r>
+          </a:p>
+          <a:p>
+            <a:endParaRPr lang="en-US" b="0" u="none" baseline="0" dirty="0"/>
+          </a:p>
+          <a:p>
+            <a:r>
+              <a:rPr lang="en-US" b="1" u="sng" baseline="0" dirty="0"/>
+              <a:t>Use </a:t>
+            </a:r>
+            <a:r>
+              <a:rPr lang="en-US" b="1" u="sng" baseline="0" dirty="0" err="1"/>
+              <a:t>Wrike</a:t>
+            </a:r>
+            <a:r>
+              <a:rPr lang="en-US" b="1" u="sng" baseline="0" dirty="0"/>
+              <a:t> More</a:t>
+            </a:r>
+          </a:p>
+          <a:p>
+            <a:r>
+              <a:rPr lang="en-US" b="0" u="none" baseline="0" dirty="0"/>
+              <a:t>Assign tasks for every task that was assigned during in-person meetings. Add in due dates and approximate time due. Set tasks as completed once they are completed. </a:t>
+            </a:r>
+            <a:endParaRPr lang="en-US" b="0" u="none" dirty="0"/>
+          </a:p>
+          <a:p>
+            <a:endParaRPr lang="en-US" b="0" u="none" baseline="0" dirty="0"/>
+          </a:p>
+          <a:p>
+            <a:r>
+              <a:rPr lang="en-US" b="1" u="sng" baseline="0" dirty="0"/>
+              <a:t>Reorganize repository </a:t>
+            </a:r>
+          </a:p>
+          <a:p>
+            <a:pPr marL="171450" indent="-171450">
+              <a:buFont typeface="Arial" panose="020B0604020202020204" pitchFamily="34" charset="0"/>
+              <a:buChar char="•"/>
+            </a:pPr>
+            <a:r>
+              <a:rPr lang="en-US" b="0" u="none" baseline="0" dirty="0"/>
+              <a:t>Moved all documents dealing with Phase 1 into Phase_1 folder</a:t>
+            </a:r>
+          </a:p>
+          <a:p>
+            <a:pPr marL="171450" indent="-171450">
+              <a:buFont typeface="Arial" panose="020B0604020202020204" pitchFamily="34" charset="0"/>
+              <a:buChar char="•"/>
+            </a:pPr>
+            <a:r>
+              <a:rPr lang="en-US" b="0" u="none" baseline="0" dirty="0"/>
+              <a:t>Created a folder "Phase 1" inside Documentation for Phase 1 items </a:t>
+            </a:r>
+          </a:p>
+          <a:p>
+            <a:pPr marL="171450" indent="-171450">
+              <a:buFont typeface="Arial" panose="020B0604020202020204" pitchFamily="34" charset="0"/>
+              <a:buChar char="•"/>
+            </a:pPr>
+            <a:r>
+              <a:rPr lang="en-US" b="0" u="none" baseline="0" dirty="0"/>
+              <a:t>Within Phase 1, moved individual components of the SPMP to </a:t>
+            </a:r>
+            <a:r>
+              <a:rPr lang="en-US" b="0" u="none" baseline="0" dirty="0" err="1"/>
+              <a:t>Individual_Components</a:t>
+            </a:r>
+            <a:r>
+              <a:rPr lang="en-US" b="0" u="none" baseline="0" dirty="0"/>
+              <a:t> and left the SPMP directly inside Phase_1 </a:t>
+            </a:r>
+          </a:p>
+          <a:p>
+            <a:pPr marL="171450" indent="-171450">
+              <a:buFont typeface="Arial" panose="020B0604020202020204" pitchFamily="34" charset="0"/>
+              <a:buChar char="•"/>
+            </a:pPr>
+            <a:r>
+              <a:rPr lang="en-US" b="0" u="none" baseline="0" dirty="0"/>
+              <a:t>Created "</a:t>
+            </a:r>
+            <a:r>
+              <a:rPr lang="en-US" b="0" u="none" baseline="0" dirty="0" err="1"/>
+              <a:t>Work_In_Progress</a:t>
+            </a:r>
+            <a:r>
+              <a:rPr lang="en-US" b="0" u="none" baseline="0" dirty="0"/>
+              <a:t>" folder to be used for documentation and source you are presently working on</a:t>
+            </a:r>
+          </a:p>
+          <a:p>
+            <a:pPr marL="171450" indent="-171450">
+              <a:buFont typeface="Arial" panose="020B0604020202020204" pitchFamily="34" charset="0"/>
+              <a:buChar char="•"/>
+            </a:pPr>
+            <a:r>
+              <a:rPr lang="en-US" b="0" u="none" baseline="0" dirty="0"/>
+              <a:t>Created a folder for each team member by their initials inside "</a:t>
+            </a:r>
+            <a:r>
+              <a:rPr lang="en-US" b="0" u="none" baseline="0" dirty="0" err="1"/>
+              <a:t>Work_In_Progress</a:t>
+            </a:r>
+            <a:r>
+              <a:rPr lang="en-US" b="0" u="none" baseline="0" dirty="0"/>
+              <a:t>"</a:t>
+            </a:r>
+          </a:p>
+          <a:p>
+            <a:endParaRPr lang="en-US" b="0" u="sng" dirty="0"/>
+          </a:p>
+          <a:p>
+            <a:endParaRPr lang="en-US" b="0" u="none" baseline="0" dirty="0"/>
+          </a:p>
+          <a:p>
+            <a:r>
+              <a:rPr lang="en-US" b="1" u="sng" baseline="0" dirty="0"/>
+              <a:t>Formalize PM communication</a:t>
+            </a:r>
+          </a:p>
+          <a:p>
+            <a:r>
+              <a:rPr lang="en-US" b="0" u="none" baseline="0" dirty="0"/>
+              <a:t>Assign the Project Managers task on Wrike. Sending reminder messages about the tasks they were assigned. Add them to the general availability sheet to be aware of when they are free. Also include them in the Expectation Calendar so they can add in days they know they will not be available. </a:t>
+            </a:r>
+          </a:p>
+          <a:p>
+            <a:endParaRPr lang="en-US" b="0" u="none" baseline="0" dirty="0"/>
+          </a:p>
+        </p:txBody>
+      </p:sp>
+      <p:sp>
+        <p:nvSpPr>
+          <p:cNvPr id="4" name="Slide Number Placeholder 3"/>
+          <p:cNvSpPr>
+            <a:spLocks noGrp="1"/>
+          </p:cNvSpPr>
+          <p:nvPr>
+            <p:ph type="sldNum" sz="quarter" idx="10"/>
+          </p:nvPr>
+        </p:nvSpPr>
+        <p:spPr/>
+        <p:txBody>
+          <a:bodyPr/>
+          <a:lstStyle/>
+          <a:p>
+            <a:fld id="{B621E0F3-BCE5-4552-9E75-AD4D9ACB2A2B}" type="slidenum">
+              <a:rPr lang="en-US" smtClean="0"/>
+              <a:t>22</a:t>
+            </a:fld>
+            <a:endParaRPr lang="en-US"/>
+          </a:p>
+        </p:txBody>
+      </p:sp>
+    </p:spTree>
+    <p:extLst>
+      <p:ext uri="{BB962C8B-B14F-4D97-AF65-F5344CB8AC3E}">
+        <p14:creationId xmlns:p14="http://schemas.microsoft.com/office/powerpoint/2010/main" val="3815410767"/>
+      </p:ext>
+    </p:extLst>
+  </p:cSld>
+  <p:clrMapOvr>
+    <a:masterClrMapping/>
+  </p:clrMapOvr>
+</p:notes>
+</file>
+
+<file path=ppt/notesSlides/notesSlide23.xml><?xml version="1.0" encoding="utf-8"?>
+<p:notes xmlns:a="http://schemas.openxmlformats.org/drawingml/2006/main" xmlns:r="http://schemas.openxmlformats.org/officeDocument/2006/relationships" xmlns:p="http://schemas.openxmlformats.org/presentationml/2006/main">
+  <p:cSld>
+    <p:spTree>
+      <p:nvGrpSpPr>
+        <p:cNvPr id="1" name=""/>
+        <p:cNvGrpSpPr/>
+        <p:nvPr/>
+      </p:nvGrpSpPr>
+      <p:grpSpPr>
+        <a:xfrm>
+          <a:off x="0" y="0"/>
+          <a:ext cx="0" cy="0"/>
+          <a:chOff x="0" y="0"/>
+          <a:chExt cx="0" cy="0"/>
+        </a:xfrm>
+      </p:grpSpPr>
+      <p:sp>
+        <p:nvSpPr>
+          <p:cNvPr id="2" name="Slide Image Placeholder 1"/>
+          <p:cNvSpPr>
+            <a:spLocks noGrp="1" noRot="1" noChangeAspect="1"/>
+          </p:cNvSpPr>
+          <p:nvPr>
+            <p:ph type="sldImg"/>
+          </p:nvPr>
+        </p:nvSpPr>
+        <p:spPr/>
+      </p:sp>
+      <p:sp>
+        <p:nvSpPr>
+          <p:cNvPr id="3" name="Notes Placeholder 2"/>
+          <p:cNvSpPr>
+            <a:spLocks noGrp="1"/>
+          </p:cNvSpPr>
+          <p:nvPr>
+            <p:ph type="body" idx="1"/>
+          </p:nvPr>
+        </p:nvSpPr>
+        <p:spPr/>
+        <p:txBody>
+          <a:bodyPr/>
+          <a:lstStyle/>
+          <a:p>
+            <a:r>
               <a:rPr lang="en-US" dirty="0"/>
               <a:t>CS &amp; EJ</a:t>
             </a:r>
@@ -4778,7 +5035,7 @@
           <a:p>
             <a:fld id="{B621E0F3-BCE5-4552-9E75-AD4D9ACB2A2B}" type="slidenum">
               <a:rPr lang="en-US" smtClean="0"/>
-              <a:t>22</a:t>
+              <a:t>23</a:t>
             </a:fld>
             <a:endParaRPr lang="en-US"/>
           </a:p>
@@ -7390,6 +7647,2161 @@
 </p:sldLayout>
 </file>
 
+<file path=ppt/slideLayouts/slideLayout12.xml><?xml version="1.0" encoding="utf-8"?>
+<p:sldLayout xmlns:a="http://schemas.openxmlformats.org/drawingml/2006/main" xmlns:r="http://schemas.openxmlformats.org/officeDocument/2006/relationships" xmlns:p="http://schemas.openxmlformats.org/presentationml/2006/main" type="title" preserve="1">
+  <p:cSld name="Title Slide">
+    <p:spTree>
+      <p:nvGrpSpPr>
+        <p:cNvPr id="1" name=""/>
+        <p:cNvGrpSpPr/>
+        <p:nvPr/>
+      </p:nvGrpSpPr>
+      <p:grpSpPr>
+        <a:xfrm>
+          <a:off x="0" y="0"/>
+          <a:ext cx="0" cy="0"/>
+          <a:chOff x="0" y="0"/>
+          <a:chExt cx="0" cy="0"/>
+        </a:xfrm>
+      </p:grpSpPr>
+      <p:sp>
+        <p:nvSpPr>
+          <p:cNvPr id="7" name="Rectangle 6"/>
+          <p:cNvSpPr>
+            <a:spLocks noChangeAspect="1"/>
+          </p:cNvSpPr>
+          <p:nvPr/>
+        </p:nvSpPr>
+        <p:spPr>
+          <a:xfrm>
+            <a:off x="231140" y="243840"/>
+            <a:ext cx="11724640" cy="6377939"/>
+          </a:xfrm>
+          <a:prstGeom prst="rect">
+            <a:avLst/>
+          </a:prstGeom>
+          <a:solidFill>
+            <a:schemeClr val="bg1"/>
+          </a:solidFill>
+          <a:ln w="12700">
+            <a:solidFill>
+              <a:schemeClr val="tx1"/>
+            </a:solidFill>
+          </a:ln>
+        </p:spPr>
+        <p:style>
+          <a:lnRef idx="2">
+            <a:schemeClr val="accent1">
+              <a:shade val="50000"/>
+            </a:schemeClr>
+          </a:lnRef>
+          <a:fillRef idx="1">
+            <a:schemeClr val="accent1"/>
+          </a:fillRef>
+          <a:effectRef idx="0">
+            <a:schemeClr val="accent1"/>
+          </a:effectRef>
+          <a:fontRef idx="minor">
+            <a:schemeClr val="lt1"/>
+          </a:fontRef>
+        </p:style>
+      </p:sp>
+      <p:sp>
+        <p:nvSpPr>
+          <p:cNvPr id="2" name="Title 1"/>
+          <p:cNvSpPr>
+            <a:spLocks noGrp="1"/>
+          </p:cNvSpPr>
+          <p:nvPr>
+            <p:ph type="ctrTitle"/>
+          </p:nvPr>
+        </p:nvSpPr>
+        <p:spPr>
+          <a:xfrm>
+            <a:off x="1109980" y="882376"/>
+            <a:ext cx="9966960" cy="2926080"/>
+          </a:xfrm>
+        </p:spPr>
+        <p:txBody>
+          <a:bodyPr anchor="b">
+            <a:normAutofit/>
+          </a:bodyPr>
+          <a:lstStyle>
+            <a:lvl1pPr algn="ctr">
+              <a:lnSpc>
+                <a:spcPct val="85000"/>
+              </a:lnSpc>
+              <a:defRPr sz="7200" b="1" cap="all" baseline="0">
+                <a:solidFill>
+                  <a:schemeClr val="tx1"/>
+                </a:solidFill>
+              </a:defRPr>
+            </a:lvl1pPr>
+          </a:lstStyle>
+          <a:p>
+            <a:r>
+              <a:rPr lang="en-US"/>
+              <a:t>Click to edit Master title style</a:t>
+            </a:r>
+            <a:endParaRPr lang="en-US" dirty="0"/>
+          </a:p>
+        </p:txBody>
+      </p:sp>
+      <p:sp>
+        <p:nvSpPr>
+          <p:cNvPr id="3" name="Subtitle 2"/>
+          <p:cNvSpPr>
+            <a:spLocks noGrp="1"/>
+          </p:cNvSpPr>
+          <p:nvPr>
+            <p:ph type="subTitle" idx="1"/>
+          </p:nvPr>
+        </p:nvSpPr>
+        <p:spPr>
+          <a:xfrm>
+            <a:off x="1709530" y="3869634"/>
+            <a:ext cx="8767860" cy="1388165"/>
+          </a:xfrm>
+        </p:spPr>
+        <p:txBody>
+          <a:bodyPr>
+            <a:normAutofit/>
+          </a:bodyPr>
+          <a:lstStyle>
+            <a:lvl1pPr marL="0" indent="0" algn="ctr">
+              <a:buNone/>
+              <a:defRPr sz="2200">
+                <a:solidFill>
+                  <a:schemeClr val="tx1"/>
+                </a:solidFill>
+              </a:defRPr>
+            </a:lvl1pPr>
+            <a:lvl2pPr marL="457200" indent="0" algn="ctr">
+              <a:buNone/>
+              <a:defRPr sz="2200"/>
+            </a:lvl2pPr>
+            <a:lvl3pPr marL="914400" indent="0" algn="ctr">
+              <a:buNone/>
+              <a:defRPr sz="2200"/>
+            </a:lvl3pPr>
+            <a:lvl4pPr marL="1371600" indent="0" algn="ctr">
+              <a:buNone/>
+              <a:defRPr sz="2000"/>
+            </a:lvl4pPr>
+            <a:lvl5pPr marL="1828800" indent="0" algn="ctr">
+              <a:buNone/>
+              <a:defRPr sz="2000"/>
+            </a:lvl5pPr>
+            <a:lvl6pPr marL="2286000" indent="0" algn="ctr">
+              <a:buNone/>
+              <a:defRPr sz="2000"/>
+            </a:lvl6pPr>
+            <a:lvl7pPr marL="2743200" indent="0" algn="ctr">
+              <a:buNone/>
+              <a:defRPr sz="2000"/>
+            </a:lvl7pPr>
+            <a:lvl8pPr marL="3200400" indent="0" algn="ctr">
+              <a:buNone/>
+              <a:defRPr sz="2000"/>
+            </a:lvl8pPr>
+            <a:lvl9pPr marL="3657600" indent="0" algn="ctr">
+              <a:buNone/>
+              <a:defRPr sz="2000"/>
+            </a:lvl9pPr>
+          </a:lstStyle>
+          <a:p>
+            <a:r>
+              <a:rPr lang="en-US"/>
+              <a:t>Click to edit Master subtitle style</a:t>
+            </a:r>
+            <a:endParaRPr lang="en-US" dirty="0"/>
+          </a:p>
+        </p:txBody>
+      </p:sp>
+      <p:sp>
+        <p:nvSpPr>
+          <p:cNvPr id="4" name="Date Placeholder 3"/>
+          <p:cNvSpPr>
+            <a:spLocks noGrp="1"/>
+          </p:cNvSpPr>
+          <p:nvPr>
+            <p:ph type="dt" sz="half" idx="10"/>
+          </p:nvPr>
+        </p:nvSpPr>
+        <p:spPr/>
+        <p:txBody>
+          <a:bodyPr/>
+          <a:lstStyle>
+            <a:lvl1pPr>
+              <a:defRPr>
+                <a:solidFill>
+                  <a:schemeClr val="tx1"/>
+                </a:solidFill>
+              </a:defRPr>
+            </a:lvl1pPr>
+          </a:lstStyle>
+          <a:p>
+            <a:fld id="{B61BEF0D-F0BB-DE4B-95CE-6DB70DBA9567}" type="datetimeFigureOut">
+              <a:rPr lang="en-US" smtClean="0">
+                <a:solidFill>
+                  <a:prstClr val="black"/>
+                </a:solidFill>
+              </a:rPr>
+              <a:pPr/>
+              <a:t>3/6/2017</a:t>
+            </a:fld>
+            <a:endParaRPr lang="en-US" dirty="0">
+              <a:solidFill>
+                <a:prstClr val="black"/>
+              </a:solidFill>
+            </a:endParaRPr>
+          </a:p>
+        </p:txBody>
+      </p:sp>
+      <p:sp>
+        <p:nvSpPr>
+          <p:cNvPr id="5" name="Footer Placeholder 4"/>
+          <p:cNvSpPr>
+            <a:spLocks noGrp="1"/>
+          </p:cNvSpPr>
+          <p:nvPr>
+            <p:ph type="ftr" sz="quarter" idx="11"/>
+          </p:nvPr>
+        </p:nvSpPr>
+        <p:spPr/>
+        <p:txBody>
+          <a:bodyPr/>
+          <a:lstStyle>
+            <a:lvl1pPr>
+              <a:defRPr>
+                <a:solidFill>
+                  <a:schemeClr val="tx1"/>
+                </a:solidFill>
+              </a:defRPr>
+            </a:lvl1pPr>
+          </a:lstStyle>
+          <a:p>
+            <a:endParaRPr lang="en-US" dirty="0">
+              <a:solidFill>
+                <a:prstClr val="black"/>
+              </a:solidFill>
+            </a:endParaRPr>
+          </a:p>
+        </p:txBody>
+      </p:sp>
+      <p:sp>
+        <p:nvSpPr>
+          <p:cNvPr id="6" name="Slide Number Placeholder 5"/>
+          <p:cNvSpPr>
+            <a:spLocks noGrp="1"/>
+          </p:cNvSpPr>
+          <p:nvPr>
+            <p:ph type="sldNum" sz="quarter" idx="12"/>
+          </p:nvPr>
+        </p:nvSpPr>
+        <p:spPr/>
+        <p:txBody>
+          <a:bodyPr/>
+          <a:lstStyle>
+            <a:lvl1pPr>
+              <a:defRPr>
+                <a:solidFill>
+                  <a:schemeClr val="tx1"/>
+                </a:solidFill>
+              </a:defRPr>
+            </a:lvl1pPr>
+          </a:lstStyle>
+          <a:p>
+            <a:fld id="{D57F1E4F-1CFF-5643-939E-217C01CDF565}" type="slidenum">
+              <a:rPr lang="en-US" smtClean="0">
+                <a:solidFill>
+                  <a:prstClr val="black"/>
+                </a:solidFill>
+              </a:rPr>
+              <a:pPr/>
+              <a:t>‹#›</a:t>
+            </a:fld>
+            <a:endParaRPr lang="en-US" dirty="0">
+              <a:solidFill>
+                <a:prstClr val="black"/>
+              </a:solidFill>
+            </a:endParaRPr>
+          </a:p>
+        </p:txBody>
+      </p:sp>
+      <p:cxnSp>
+        <p:nvCxnSpPr>
+          <p:cNvPr id="8" name="Straight Connector 7"/>
+          <p:cNvCxnSpPr/>
+          <p:nvPr/>
+        </p:nvCxnSpPr>
+        <p:spPr>
+          <a:xfrm>
+            <a:off x="1978660" y="3733800"/>
+            <a:ext cx="8229601" cy="0"/>
+          </a:xfrm>
+          <a:prstGeom prst="line">
+            <a:avLst/>
+          </a:prstGeom>
+          <a:ln>
+            <a:solidFill>
+              <a:schemeClr val="tx1"/>
+            </a:solidFill>
+          </a:ln>
+        </p:spPr>
+        <p:style>
+          <a:lnRef idx="1">
+            <a:schemeClr val="accent1"/>
+          </a:lnRef>
+          <a:fillRef idx="0">
+            <a:schemeClr val="accent1"/>
+          </a:fillRef>
+          <a:effectRef idx="0">
+            <a:schemeClr val="accent1"/>
+          </a:effectRef>
+          <a:fontRef idx="minor">
+            <a:schemeClr val="tx1"/>
+          </a:fontRef>
+        </p:style>
+      </p:cxnSp>
+    </p:spTree>
+    <p:extLst>
+      <p:ext uri="{BB962C8B-B14F-4D97-AF65-F5344CB8AC3E}">
+        <p14:creationId xmlns:p14="http://schemas.microsoft.com/office/powerpoint/2010/main" val="3587001648"/>
+      </p:ext>
+    </p:extLst>
+  </p:cSld>
+  <p:clrMapOvr>
+    <a:masterClrMapping/>
+  </p:clrMapOvr>
+</p:sldLayout>
+</file>
+
+<file path=ppt/slideLayouts/slideLayout13.xml><?xml version="1.0" encoding="utf-8"?>
+<p:sldLayout xmlns:a="http://schemas.openxmlformats.org/drawingml/2006/main" xmlns:r="http://schemas.openxmlformats.org/officeDocument/2006/relationships" xmlns:p="http://schemas.openxmlformats.org/presentationml/2006/main" type="obj" preserve="1">
+  <p:cSld name="Title and Content">
+    <p:spTree>
+      <p:nvGrpSpPr>
+        <p:cNvPr id="1" name=""/>
+        <p:cNvGrpSpPr/>
+        <p:nvPr/>
+      </p:nvGrpSpPr>
+      <p:grpSpPr>
+        <a:xfrm>
+          <a:off x="0" y="0"/>
+          <a:ext cx="0" cy="0"/>
+          <a:chOff x="0" y="0"/>
+          <a:chExt cx="0" cy="0"/>
+        </a:xfrm>
+      </p:grpSpPr>
+      <p:sp>
+        <p:nvSpPr>
+          <p:cNvPr id="2" name="Title 1"/>
+          <p:cNvSpPr>
+            <a:spLocks noGrp="1"/>
+          </p:cNvSpPr>
+          <p:nvPr>
+            <p:ph type="title"/>
+          </p:nvPr>
+        </p:nvSpPr>
+        <p:spPr/>
+        <p:txBody>
+          <a:bodyPr/>
+          <a:lstStyle/>
+          <a:p>
+            <a:r>
+              <a:rPr lang="en-US"/>
+              <a:t>Click to edit Master title style</a:t>
+            </a:r>
+            <a:endParaRPr lang="en-US" dirty="0"/>
+          </a:p>
+        </p:txBody>
+      </p:sp>
+      <p:sp>
+        <p:nvSpPr>
+          <p:cNvPr id="3" name="Content Placeholder 2"/>
+          <p:cNvSpPr>
+            <a:spLocks noGrp="1"/>
+          </p:cNvSpPr>
+          <p:nvPr>
+            <p:ph idx="1"/>
+          </p:nvPr>
+        </p:nvSpPr>
+        <p:spPr/>
+        <p:txBody>
+          <a:bodyPr/>
+          <a:lstStyle/>
+          <a:p>
+            <a:pPr lvl="0"/>
+            <a:r>
+              <a:rPr lang="en-US"/>
+              <a:t>Edit Master text styles</a:t>
+            </a:r>
+          </a:p>
+          <a:p>
+            <a:pPr lvl="1"/>
+            <a:r>
+              <a:rPr lang="en-US"/>
+              <a:t>Second level</a:t>
+            </a:r>
+          </a:p>
+          <a:p>
+            <a:pPr lvl="2"/>
+            <a:r>
+              <a:rPr lang="en-US"/>
+              <a:t>Third level</a:t>
+            </a:r>
+          </a:p>
+          <a:p>
+            <a:pPr lvl="3"/>
+            <a:r>
+              <a:rPr lang="en-US"/>
+              <a:t>Fourth level</a:t>
+            </a:r>
+          </a:p>
+          <a:p>
+            <a:pPr lvl="4"/>
+            <a:r>
+              <a:rPr lang="en-US"/>
+              <a:t>Fifth level</a:t>
+            </a:r>
+            <a:endParaRPr lang="en-US" dirty="0"/>
+          </a:p>
+        </p:txBody>
+      </p:sp>
+      <p:sp>
+        <p:nvSpPr>
+          <p:cNvPr id="4" name="Date Placeholder 3"/>
+          <p:cNvSpPr>
+            <a:spLocks noGrp="1"/>
+          </p:cNvSpPr>
+          <p:nvPr>
+            <p:ph type="dt" sz="half" idx="10"/>
+          </p:nvPr>
+        </p:nvSpPr>
+        <p:spPr/>
+        <p:txBody>
+          <a:bodyPr/>
+          <a:lstStyle/>
+          <a:p>
+            <a:fld id="{B61BEF0D-F0BB-DE4B-95CE-6DB70DBA9567}" type="datetimeFigureOut">
+              <a:rPr lang="en-US" smtClean="0">
+                <a:solidFill>
+                  <a:prstClr val="black"/>
+                </a:solidFill>
+              </a:rPr>
+              <a:pPr/>
+              <a:t>3/6/2017</a:t>
+            </a:fld>
+            <a:endParaRPr lang="en-US" dirty="0">
+              <a:solidFill>
+                <a:prstClr val="black"/>
+              </a:solidFill>
+            </a:endParaRPr>
+          </a:p>
+        </p:txBody>
+      </p:sp>
+      <p:sp>
+        <p:nvSpPr>
+          <p:cNvPr id="5" name="Footer Placeholder 4"/>
+          <p:cNvSpPr>
+            <a:spLocks noGrp="1"/>
+          </p:cNvSpPr>
+          <p:nvPr>
+            <p:ph type="ftr" sz="quarter" idx="11"/>
+          </p:nvPr>
+        </p:nvSpPr>
+        <p:spPr/>
+        <p:txBody>
+          <a:bodyPr/>
+          <a:lstStyle/>
+          <a:p>
+            <a:endParaRPr lang="en-US" dirty="0">
+              <a:solidFill>
+                <a:prstClr val="black"/>
+              </a:solidFill>
+            </a:endParaRPr>
+          </a:p>
+        </p:txBody>
+      </p:sp>
+      <p:sp>
+        <p:nvSpPr>
+          <p:cNvPr id="6" name="Slide Number Placeholder 5"/>
+          <p:cNvSpPr>
+            <a:spLocks noGrp="1"/>
+          </p:cNvSpPr>
+          <p:nvPr>
+            <p:ph type="sldNum" sz="quarter" idx="12"/>
+          </p:nvPr>
+        </p:nvSpPr>
+        <p:spPr/>
+        <p:txBody>
+          <a:bodyPr/>
+          <a:lstStyle/>
+          <a:p>
+            <a:fld id="{D57F1E4F-1CFF-5643-939E-217C01CDF565}" type="slidenum">
+              <a:rPr lang="en-US" smtClean="0">
+                <a:solidFill>
+                  <a:prstClr val="black"/>
+                </a:solidFill>
+              </a:rPr>
+              <a:pPr/>
+              <a:t>‹#›</a:t>
+            </a:fld>
+            <a:endParaRPr lang="en-US" dirty="0">
+              <a:solidFill>
+                <a:prstClr val="black"/>
+              </a:solidFill>
+            </a:endParaRPr>
+          </a:p>
+        </p:txBody>
+      </p:sp>
+    </p:spTree>
+    <p:extLst>
+      <p:ext uri="{BB962C8B-B14F-4D97-AF65-F5344CB8AC3E}">
+        <p14:creationId xmlns:p14="http://schemas.microsoft.com/office/powerpoint/2010/main" val="2176525448"/>
+      </p:ext>
+    </p:extLst>
+  </p:cSld>
+  <p:clrMapOvr>
+    <a:masterClrMapping/>
+  </p:clrMapOvr>
+</p:sldLayout>
+</file>
+
+<file path=ppt/slideLayouts/slideLayout14.xml><?xml version="1.0" encoding="utf-8"?>
+<p:sldLayout xmlns:a="http://schemas.openxmlformats.org/drawingml/2006/main" xmlns:r="http://schemas.openxmlformats.org/officeDocument/2006/relationships" xmlns:p="http://schemas.openxmlformats.org/presentationml/2006/main" type="secHead" preserve="1">
+  <p:cSld name="Section Header">
+    <p:spTree>
+      <p:nvGrpSpPr>
+        <p:cNvPr id="1" name=""/>
+        <p:cNvGrpSpPr/>
+        <p:nvPr/>
+      </p:nvGrpSpPr>
+      <p:grpSpPr>
+        <a:xfrm>
+          <a:off x="0" y="0"/>
+          <a:ext cx="0" cy="0"/>
+          <a:chOff x="0" y="0"/>
+          <a:chExt cx="0" cy="0"/>
+        </a:xfrm>
+      </p:grpSpPr>
+      <p:sp>
+        <p:nvSpPr>
+          <p:cNvPr id="2" name="Title 1"/>
+          <p:cNvSpPr>
+            <a:spLocks noGrp="1"/>
+          </p:cNvSpPr>
+          <p:nvPr>
+            <p:ph type="title"/>
+          </p:nvPr>
+        </p:nvSpPr>
+        <p:spPr>
+          <a:xfrm>
+            <a:off x="1106424" y="1173575"/>
+            <a:ext cx="9966960" cy="2926080"/>
+          </a:xfrm>
+        </p:spPr>
+        <p:txBody>
+          <a:bodyPr anchor="b">
+            <a:noAutofit/>
+          </a:bodyPr>
+          <a:lstStyle>
+            <a:lvl1pPr algn="ctr">
+              <a:lnSpc>
+                <a:spcPct val="85000"/>
+              </a:lnSpc>
+              <a:defRPr sz="7200" b="0" cap="all" baseline="0"/>
+            </a:lvl1pPr>
+          </a:lstStyle>
+          <a:p>
+            <a:r>
+              <a:rPr lang="en-US"/>
+              <a:t>Click to edit Master title style</a:t>
+            </a:r>
+            <a:endParaRPr lang="en-US" dirty="0"/>
+          </a:p>
+        </p:txBody>
+      </p:sp>
+      <p:sp>
+        <p:nvSpPr>
+          <p:cNvPr id="3" name="Text Placeholder 2"/>
+          <p:cNvSpPr>
+            <a:spLocks noGrp="1"/>
+          </p:cNvSpPr>
+          <p:nvPr>
+            <p:ph type="body" idx="1"/>
+          </p:nvPr>
+        </p:nvSpPr>
+        <p:spPr>
+          <a:xfrm>
+            <a:off x="1709928" y="4154520"/>
+            <a:ext cx="8769096" cy="1363806"/>
+          </a:xfrm>
+        </p:spPr>
+        <p:txBody>
+          <a:bodyPr anchor="t">
+            <a:normAutofit/>
+          </a:bodyPr>
+          <a:lstStyle>
+            <a:lvl1pPr marL="0" indent="0" algn="ctr">
+              <a:buNone/>
+              <a:defRPr sz="2200">
+                <a:solidFill>
+                  <a:schemeClr val="tx1"/>
+                </a:solidFill>
+              </a:defRPr>
+            </a:lvl1pPr>
+            <a:lvl2pPr marL="457200" indent="0">
+              <a:buNone/>
+              <a:defRPr sz="1800">
+                <a:solidFill>
+                  <a:schemeClr val="tx1">
+                    <a:tint val="75000"/>
+                  </a:schemeClr>
+                </a:solidFill>
+              </a:defRPr>
+            </a:lvl2pPr>
+            <a:lvl3pPr marL="914400" indent="0">
+              <a:buNone/>
+              <a:defRPr sz="1600">
+                <a:solidFill>
+                  <a:schemeClr val="tx1">
+                    <a:tint val="75000"/>
+                  </a:schemeClr>
+                </a:solidFill>
+              </a:defRPr>
+            </a:lvl3pPr>
+            <a:lvl4pPr marL="1371600" indent="0">
+              <a:buNone/>
+              <a:defRPr sz="1400">
+                <a:solidFill>
+                  <a:schemeClr val="tx1">
+                    <a:tint val="75000"/>
+                  </a:schemeClr>
+                </a:solidFill>
+              </a:defRPr>
+            </a:lvl4pPr>
+            <a:lvl5pPr marL="1828800" indent="0">
+              <a:buNone/>
+              <a:defRPr sz="1400">
+                <a:solidFill>
+                  <a:schemeClr val="tx1">
+                    <a:tint val="75000"/>
+                  </a:schemeClr>
+                </a:solidFill>
+              </a:defRPr>
+            </a:lvl5pPr>
+            <a:lvl6pPr marL="2286000" indent="0">
+              <a:buNone/>
+              <a:defRPr sz="1400">
+                <a:solidFill>
+                  <a:schemeClr val="tx1">
+                    <a:tint val="75000"/>
+                  </a:schemeClr>
+                </a:solidFill>
+              </a:defRPr>
+            </a:lvl6pPr>
+            <a:lvl7pPr marL="2743200" indent="0">
+              <a:buNone/>
+              <a:defRPr sz="1400">
+                <a:solidFill>
+                  <a:schemeClr val="tx1">
+                    <a:tint val="75000"/>
+                  </a:schemeClr>
+                </a:solidFill>
+              </a:defRPr>
+            </a:lvl7pPr>
+            <a:lvl8pPr marL="3200400" indent="0">
+              <a:buNone/>
+              <a:defRPr sz="1400">
+                <a:solidFill>
+                  <a:schemeClr val="tx1">
+                    <a:tint val="75000"/>
+                  </a:schemeClr>
+                </a:solidFill>
+              </a:defRPr>
+            </a:lvl8pPr>
+            <a:lvl9pPr marL="3657600" indent="0">
+              <a:buNone/>
+              <a:defRPr sz="1400">
+                <a:solidFill>
+                  <a:schemeClr val="tx1">
+                    <a:tint val="75000"/>
+                  </a:schemeClr>
+                </a:solidFill>
+              </a:defRPr>
+            </a:lvl9pPr>
+          </a:lstStyle>
+          <a:p>
+            <a:pPr lvl="0"/>
+            <a:r>
+              <a:rPr lang="en-US"/>
+              <a:t>Edit Master text styles</a:t>
+            </a:r>
+          </a:p>
+        </p:txBody>
+      </p:sp>
+      <p:sp>
+        <p:nvSpPr>
+          <p:cNvPr id="4" name="Date Placeholder 3"/>
+          <p:cNvSpPr>
+            <a:spLocks noGrp="1"/>
+          </p:cNvSpPr>
+          <p:nvPr>
+            <p:ph type="dt" sz="half" idx="10"/>
+          </p:nvPr>
+        </p:nvSpPr>
+        <p:spPr/>
+        <p:txBody>
+          <a:bodyPr/>
+          <a:lstStyle/>
+          <a:p>
+            <a:fld id="{B61BEF0D-F0BB-DE4B-95CE-6DB70DBA9567}" type="datetimeFigureOut">
+              <a:rPr lang="en-US" smtClean="0">
+                <a:solidFill>
+                  <a:prstClr val="black"/>
+                </a:solidFill>
+              </a:rPr>
+              <a:pPr/>
+              <a:t>3/6/2017</a:t>
+            </a:fld>
+            <a:endParaRPr lang="en-US" dirty="0">
+              <a:solidFill>
+                <a:prstClr val="black"/>
+              </a:solidFill>
+            </a:endParaRPr>
+          </a:p>
+        </p:txBody>
+      </p:sp>
+      <p:sp>
+        <p:nvSpPr>
+          <p:cNvPr id="5" name="Footer Placeholder 4"/>
+          <p:cNvSpPr>
+            <a:spLocks noGrp="1"/>
+          </p:cNvSpPr>
+          <p:nvPr>
+            <p:ph type="ftr" sz="quarter" idx="11"/>
+          </p:nvPr>
+        </p:nvSpPr>
+        <p:spPr/>
+        <p:txBody>
+          <a:bodyPr/>
+          <a:lstStyle/>
+          <a:p>
+            <a:endParaRPr lang="en-US" dirty="0">
+              <a:solidFill>
+                <a:prstClr val="black"/>
+              </a:solidFill>
+            </a:endParaRPr>
+          </a:p>
+        </p:txBody>
+      </p:sp>
+      <p:sp>
+        <p:nvSpPr>
+          <p:cNvPr id="6" name="Slide Number Placeholder 5"/>
+          <p:cNvSpPr>
+            <a:spLocks noGrp="1"/>
+          </p:cNvSpPr>
+          <p:nvPr>
+            <p:ph type="sldNum" sz="quarter" idx="12"/>
+          </p:nvPr>
+        </p:nvSpPr>
+        <p:spPr/>
+        <p:txBody>
+          <a:bodyPr/>
+          <a:lstStyle/>
+          <a:p>
+            <a:fld id="{D57F1E4F-1CFF-5643-939E-217C01CDF565}" type="slidenum">
+              <a:rPr lang="en-US" smtClean="0">
+                <a:solidFill>
+                  <a:prstClr val="black"/>
+                </a:solidFill>
+              </a:rPr>
+              <a:pPr/>
+              <a:t>‹#›</a:t>
+            </a:fld>
+            <a:endParaRPr lang="en-US" dirty="0">
+              <a:solidFill>
+                <a:prstClr val="black"/>
+              </a:solidFill>
+            </a:endParaRPr>
+          </a:p>
+        </p:txBody>
+      </p:sp>
+      <p:cxnSp>
+        <p:nvCxnSpPr>
+          <p:cNvPr id="7" name="Straight Connector 6"/>
+          <p:cNvCxnSpPr/>
+          <p:nvPr/>
+        </p:nvCxnSpPr>
+        <p:spPr>
+          <a:xfrm>
+            <a:off x="1981200" y="4020408"/>
+            <a:ext cx="8229601" cy="0"/>
+          </a:xfrm>
+          <a:prstGeom prst="line">
+            <a:avLst/>
+          </a:prstGeom>
+          <a:ln>
+            <a:solidFill>
+              <a:schemeClr val="tx1"/>
+            </a:solidFill>
+          </a:ln>
+        </p:spPr>
+        <p:style>
+          <a:lnRef idx="1">
+            <a:schemeClr val="accent1"/>
+          </a:lnRef>
+          <a:fillRef idx="0">
+            <a:schemeClr val="accent1"/>
+          </a:fillRef>
+          <a:effectRef idx="0">
+            <a:schemeClr val="accent1"/>
+          </a:effectRef>
+          <a:fontRef idx="minor">
+            <a:schemeClr val="tx1"/>
+          </a:fontRef>
+        </p:style>
+      </p:cxnSp>
+    </p:spTree>
+    <p:extLst>
+      <p:ext uri="{BB962C8B-B14F-4D97-AF65-F5344CB8AC3E}">
+        <p14:creationId xmlns:p14="http://schemas.microsoft.com/office/powerpoint/2010/main" val="911113559"/>
+      </p:ext>
+    </p:extLst>
+  </p:cSld>
+  <p:clrMapOvr>
+    <a:masterClrMapping/>
+  </p:clrMapOvr>
+</p:sldLayout>
+</file>
+
+<file path=ppt/slideLayouts/slideLayout15.xml><?xml version="1.0" encoding="utf-8"?>
+<p:sldLayout xmlns:a="http://schemas.openxmlformats.org/drawingml/2006/main" xmlns:r="http://schemas.openxmlformats.org/officeDocument/2006/relationships" xmlns:p="http://schemas.openxmlformats.org/presentationml/2006/main" type="twoObj" preserve="1">
+  <p:cSld name="Two Content">
+    <p:spTree>
+      <p:nvGrpSpPr>
+        <p:cNvPr id="1" name=""/>
+        <p:cNvGrpSpPr/>
+        <p:nvPr/>
+      </p:nvGrpSpPr>
+      <p:grpSpPr>
+        <a:xfrm>
+          <a:off x="0" y="0"/>
+          <a:ext cx="0" cy="0"/>
+          <a:chOff x="0" y="0"/>
+          <a:chExt cx="0" cy="0"/>
+        </a:xfrm>
+      </p:grpSpPr>
+      <p:sp>
+        <p:nvSpPr>
+          <p:cNvPr id="8" name="Title 7"/>
+          <p:cNvSpPr>
+            <a:spLocks noGrp="1"/>
+          </p:cNvSpPr>
+          <p:nvPr>
+            <p:ph type="title"/>
+          </p:nvPr>
+        </p:nvSpPr>
+        <p:spPr/>
+        <p:txBody>
+          <a:bodyPr/>
+          <a:lstStyle/>
+          <a:p>
+            <a:r>
+              <a:rPr lang="en-US"/>
+              <a:t>Click to edit Master title style</a:t>
+            </a:r>
+            <a:endParaRPr lang="en-US" dirty="0"/>
+          </a:p>
+        </p:txBody>
+      </p:sp>
+      <p:sp>
+        <p:nvSpPr>
+          <p:cNvPr id="3" name="Content Placeholder 2"/>
+          <p:cNvSpPr>
+            <a:spLocks noGrp="1"/>
+          </p:cNvSpPr>
+          <p:nvPr>
+            <p:ph sz="half" idx="1"/>
+          </p:nvPr>
+        </p:nvSpPr>
+        <p:spPr>
+          <a:xfrm>
+            <a:off x="1143000" y="2057399"/>
+            <a:ext cx="4754880" cy="4023360"/>
+          </a:xfrm>
+        </p:spPr>
+        <p:txBody>
+          <a:bodyPr/>
+          <a:lstStyle>
+            <a:lvl1pPr>
+              <a:defRPr sz="2200"/>
+            </a:lvl1pPr>
+            <a:lvl2pPr>
+              <a:defRPr sz="2000"/>
+            </a:lvl2pPr>
+            <a:lvl3pPr>
+              <a:defRPr sz="1800"/>
+            </a:lvl3pPr>
+            <a:lvl4pPr>
+              <a:defRPr sz="1600"/>
+            </a:lvl4pPr>
+            <a:lvl5pPr>
+              <a:defRPr sz="1600"/>
+            </a:lvl5pPr>
+            <a:lvl6pPr>
+              <a:defRPr sz="1600"/>
+            </a:lvl6pPr>
+            <a:lvl7pPr>
+              <a:defRPr sz="1600"/>
+            </a:lvl7pPr>
+            <a:lvl8pPr>
+              <a:defRPr sz="1600"/>
+            </a:lvl8pPr>
+            <a:lvl9pPr>
+              <a:defRPr sz="1600"/>
+            </a:lvl9pPr>
+          </a:lstStyle>
+          <a:p>
+            <a:pPr lvl="0"/>
+            <a:r>
+              <a:rPr lang="en-US"/>
+              <a:t>Edit Master text styles</a:t>
+            </a:r>
+          </a:p>
+          <a:p>
+            <a:pPr lvl="1"/>
+            <a:r>
+              <a:rPr lang="en-US"/>
+              <a:t>Second level</a:t>
+            </a:r>
+          </a:p>
+          <a:p>
+            <a:pPr lvl="2"/>
+            <a:r>
+              <a:rPr lang="en-US"/>
+              <a:t>Third level</a:t>
+            </a:r>
+          </a:p>
+          <a:p>
+            <a:pPr lvl="3"/>
+            <a:r>
+              <a:rPr lang="en-US"/>
+              <a:t>Fourth level</a:t>
+            </a:r>
+          </a:p>
+          <a:p>
+            <a:pPr lvl="4"/>
+            <a:r>
+              <a:rPr lang="en-US"/>
+              <a:t>Fifth level</a:t>
+            </a:r>
+            <a:endParaRPr lang="en-US" dirty="0"/>
+          </a:p>
+        </p:txBody>
+      </p:sp>
+      <p:sp>
+        <p:nvSpPr>
+          <p:cNvPr id="4" name="Content Placeholder 3"/>
+          <p:cNvSpPr>
+            <a:spLocks noGrp="1"/>
+          </p:cNvSpPr>
+          <p:nvPr>
+            <p:ph sz="half" idx="2"/>
+          </p:nvPr>
+        </p:nvSpPr>
+        <p:spPr>
+          <a:xfrm>
+            <a:off x="6267612" y="2057400"/>
+            <a:ext cx="4754880" cy="4023360"/>
+          </a:xfrm>
+        </p:spPr>
+        <p:txBody>
+          <a:bodyPr/>
+          <a:lstStyle>
+            <a:lvl1pPr>
+              <a:defRPr sz="2200"/>
+            </a:lvl1pPr>
+            <a:lvl2pPr>
+              <a:defRPr sz="2000"/>
+            </a:lvl2pPr>
+            <a:lvl3pPr>
+              <a:defRPr sz="1800"/>
+            </a:lvl3pPr>
+            <a:lvl4pPr>
+              <a:defRPr sz="1600"/>
+            </a:lvl4pPr>
+            <a:lvl5pPr>
+              <a:defRPr sz="1600"/>
+            </a:lvl5pPr>
+            <a:lvl6pPr>
+              <a:defRPr sz="1600"/>
+            </a:lvl6pPr>
+            <a:lvl7pPr>
+              <a:defRPr sz="1600"/>
+            </a:lvl7pPr>
+            <a:lvl8pPr>
+              <a:defRPr sz="1600"/>
+            </a:lvl8pPr>
+            <a:lvl9pPr>
+              <a:defRPr sz="1600"/>
+            </a:lvl9pPr>
+          </a:lstStyle>
+          <a:p>
+            <a:pPr lvl="0"/>
+            <a:r>
+              <a:rPr lang="en-US"/>
+              <a:t>Edit Master text styles</a:t>
+            </a:r>
+          </a:p>
+          <a:p>
+            <a:pPr lvl="1"/>
+            <a:r>
+              <a:rPr lang="en-US"/>
+              <a:t>Second level</a:t>
+            </a:r>
+          </a:p>
+          <a:p>
+            <a:pPr lvl="2"/>
+            <a:r>
+              <a:rPr lang="en-US"/>
+              <a:t>Third level</a:t>
+            </a:r>
+          </a:p>
+          <a:p>
+            <a:pPr lvl="3"/>
+            <a:r>
+              <a:rPr lang="en-US"/>
+              <a:t>Fourth level</a:t>
+            </a:r>
+          </a:p>
+          <a:p>
+            <a:pPr lvl="4"/>
+            <a:r>
+              <a:rPr lang="en-US"/>
+              <a:t>Fifth level</a:t>
+            </a:r>
+            <a:endParaRPr lang="en-US" dirty="0"/>
+          </a:p>
+        </p:txBody>
+      </p:sp>
+      <p:sp>
+        <p:nvSpPr>
+          <p:cNvPr id="5" name="Date Placeholder 4"/>
+          <p:cNvSpPr>
+            <a:spLocks noGrp="1"/>
+          </p:cNvSpPr>
+          <p:nvPr>
+            <p:ph type="dt" sz="half" idx="10"/>
+          </p:nvPr>
+        </p:nvSpPr>
+        <p:spPr/>
+        <p:txBody>
+          <a:bodyPr/>
+          <a:lstStyle/>
+          <a:p>
+            <a:fld id="{B61BEF0D-F0BB-DE4B-95CE-6DB70DBA9567}" type="datetimeFigureOut">
+              <a:rPr lang="en-US" smtClean="0">
+                <a:solidFill>
+                  <a:prstClr val="black"/>
+                </a:solidFill>
+              </a:rPr>
+              <a:pPr/>
+              <a:t>3/6/2017</a:t>
+            </a:fld>
+            <a:endParaRPr lang="en-US" dirty="0">
+              <a:solidFill>
+                <a:prstClr val="black"/>
+              </a:solidFill>
+            </a:endParaRPr>
+          </a:p>
+        </p:txBody>
+      </p:sp>
+      <p:sp>
+        <p:nvSpPr>
+          <p:cNvPr id="6" name="Footer Placeholder 5"/>
+          <p:cNvSpPr>
+            <a:spLocks noGrp="1"/>
+          </p:cNvSpPr>
+          <p:nvPr>
+            <p:ph type="ftr" sz="quarter" idx="11"/>
+          </p:nvPr>
+        </p:nvSpPr>
+        <p:spPr/>
+        <p:txBody>
+          <a:bodyPr/>
+          <a:lstStyle/>
+          <a:p>
+            <a:endParaRPr lang="en-US" dirty="0">
+              <a:solidFill>
+                <a:prstClr val="black"/>
+              </a:solidFill>
+            </a:endParaRPr>
+          </a:p>
+        </p:txBody>
+      </p:sp>
+      <p:sp>
+        <p:nvSpPr>
+          <p:cNvPr id="7" name="Slide Number Placeholder 6"/>
+          <p:cNvSpPr>
+            <a:spLocks noGrp="1"/>
+          </p:cNvSpPr>
+          <p:nvPr>
+            <p:ph type="sldNum" sz="quarter" idx="12"/>
+          </p:nvPr>
+        </p:nvSpPr>
+        <p:spPr/>
+        <p:txBody>
+          <a:bodyPr/>
+          <a:lstStyle/>
+          <a:p>
+            <a:fld id="{D57F1E4F-1CFF-5643-939E-217C01CDF565}" type="slidenum">
+              <a:rPr lang="en-US" smtClean="0">
+                <a:solidFill>
+                  <a:prstClr val="black"/>
+                </a:solidFill>
+              </a:rPr>
+              <a:pPr/>
+              <a:t>‹#›</a:t>
+            </a:fld>
+            <a:endParaRPr lang="en-US" dirty="0">
+              <a:solidFill>
+                <a:prstClr val="black"/>
+              </a:solidFill>
+            </a:endParaRPr>
+          </a:p>
+        </p:txBody>
+      </p:sp>
+    </p:spTree>
+    <p:extLst>
+      <p:ext uri="{BB962C8B-B14F-4D97-AF65-F5344CB8AC3E}">
+        <p14:creationId xmlns:p14="http://schemas.microsoft.com/office/powerpoint/2010/main" val="2081653939"/>
+      </p:ext>
+    </p:extLst>
+  </p:cSld>
+  <p:clrMapOvr>
+    <a:masterClrMapping/>
+  </p:clrMapOvr>
+</p:sldLayout>
+</file>
+
+<file path=ppt/slideLayouts/slideLayout16.xml><?xml version="1.0" encoding="utf-8"?>
+<p:sldLayout xmlns:a="http://schemas.openxmlformats.org/drawingml/2006/main" xmlns:r="http://schemas.openxmlformats.org/officeDocument/2006/relationships" xmlns:p="http://schemas.openxmlformats.org/presentationml/2006/main" type="twoTxTwoObj" preserve="1">
+  <p:cSld name="Comparison">
+    <p:spTree>
+      <p:nvGrpSpPr>
+        <p:cNvPr id="1" name=""/>
+        <p:cNvGrpSpPr/>
+        <p:nvPr/>
+      </p:nvGrpSpPr>
+      <p:grpSpPr>
+        <a:xfrm>
+          <a:off x="0" y="0"/>
+          <a:ext cx="0" cy="0"/>
+          <a:chOff x="0" y="0"/>
+          <a:chExt cx="0" cy="0"/>
+        </a:xfrm>
+      </p:grpSpPr>
+      <p:sp>
+        <p:nvSpPr>
+          <p:cNvPr id="10" name="Title 9"/>
+          <p:cNvSpPr>
+            <a:spLocks noGrp="1"/>
+          </p:cNvSpPr>
+          <p:nvPr>
+            <p:ph type="title"/>
+          </p:nvPr>
+        </p:nvSpPr>
+        <p:spPr/>
+        <p:txBody>
+          <a:bodyPr/>
+          <a:lstStyle/>
+          <a:p>
+            <a:r>
+              <a:rPr lang="en-US"/>
+              <a:t>Click to edit Master title style</a:t>
+            </a:r>
+            <a:endParaRPr lang="en-US" dirty="0"/>
+          </a:p>
+        </p:txBody>
+      </p:sp>
+      <p:sp>
+        <p:nvSpPr>
+          <p:cNvPr id="3" name="Text Placeholder 2"/>
+          <p:cNvSpPr>
+            <a:spLocks noGrp="1"/>
+          </p:cNvSpPr>
+          <p:nvPr>
+            <p:ph type="body" idx="1"/>
+          </p:nvPr>
+        </p:nvSpPr>
+        <p:spPr>
+          <a:xfrm>
+            <a:off x="1143000" y="2001511"/>
+            <a:ext cx="4754880" cy="777240"/>
+          </a:xfrm>
+        </p:spPr>
+        <p:txBody>
+          <a:bodyPr anchor="ctr"/>
+          <a:lstStyle>
+            <a:lvl1pPr marL="0" indent="0">
+              <a:spcBef>
+                <a:spcPts val="0"/>
+              </a:spcBef>
+              <a:buNone/>
+              <a:defRPr sz="2400" b="1"/>
+            </a:lvl1pPr>
+            <a:lvl2pPr marL="457200" indent="0">
+              <a:buNone/>
+              <a:defRPr sz="2000" b="1"/>
+            </a:lvl2pPr>
+            <a:lvl3pPr marL="914400" indent="0">
+              <a:buNone/>
+              <a:defRPr sz="1800" b="1"/>
+            </a:lvl3pPr>
+            <a:lvl4pPr marL="1371600" indent="0">
+              <a:buNone/>
+              <a:defRPr sz="1600" b="1"/>
+            </a:lvl4pPr>
+            <a:lvl5pPr marL="1828800" indent="0">
+              <a:buNone/>
+              <a:defRPr sz="1600" b="1"/>
+            </a:lvl5pPr>
+            <a:lvl6pPr marL="2286000" indent="0">
+              <a:buNone/>
+              <a:defRPr sz="1600" b="1"/>
+            </a:lvl6pPr>
+            <a:lvl7pPr marL="2743200" indent="0">
+              <a:buNone/>
+              <a:defRPr sz="1600" b="1"/>
+            </a:lvl7pPr>
+            <a:lvl8pPr marL="3200400" indent="0">
+              <a:buNone/>
+              <a:defRPr sz="1600" b="1"/>
+            </a:lvl8pPr>
+            <a:lvl9pPr marL="3657600" indent="0">
+              <a:buNone/>
+              <a:defRPr sz="1600" b="1"/>
+            </a:lvl9pPr>
+          </a:lstStyle>
+          <a:p>
+            <a:pPr lvl="0"/>
+            <a:r>
+              <a:rPr lang="en-US"/>
+              <a:t>Edit Master text styles</a:t>
+            </a:r>
+          </a:p>
+        </p:txBody>
+      </p:sp>
+      <p:sp>
+        <p:nvSpPr>
+          <p:cNvPr id="4" name="Content Placeholder 3"/>
+          <p:cNvSpPr>
+            <a:spLocks noGrp="1"/>
+          </p:cNvSpPr>
+          <p:nvPr>
+            <p:ph sz="half" idx="2"/>
+          </p:nvPr>
+        </p:nvSpPr>
+        <p:spPr>
+          <a:xfrm>
+            <a:off x="1143000" y="2721483"/>
+            <a:ext cx="4754880" cy="3383280"/>
+          </a:xfrm>
+        </p:spPr>
+        <p:txBody>
+          <a:bodyPr/>
+          <a:lstStyle>
+            <a:lvl1pPr>
+              <a:defRPr sz="2200"/>
+            </a:lvl1pPr>
+            <a:lvl2pPr>
+              <a:defRPr sz="2000"/>
+            </a:lvl2pPr>
+            <a:lvl3pPr>
+              <a:defRPr sz="1800"/>
+            </a:lvl3pPr>
+            <a:lvl4pPr>
+              <a:defRPr sz="1600"/>
+            </a:lvl4pPr>
+            <a:lvl5pPr>
+              <a:defRPr sz="1600"/>
+            </a:lvl5pPr>
+            <a:lvl6pPr>
+              <a:defRPr sz="1600"/>
+            </a:lvl6pPr>
+            <a:lvl7pPr>
+              <a:defRPr sz="1600"/>
+            </a:lvl7pPr>
+            <a:lvl8pPr>
+              <a:defRPr sz="1600"/>
+            </a:lvl8pPr>
+            <a:lvl9pPr>
+              <a:defRPr sz="1600"/>
+            </a:lvl9pPr>
+          </a:lstStyle>
+          <a:p>
+            <a:pPr lvl="0"/>
+            <a:r>
+              <a:rPr lang="en-US"/>
+              <a:t>Edit Master text styles</a:t>
+            </a:r>
+          </a:p>
+          <a:p>
+            <a:pPr lvl="1"/>
+            <a:r>
+              <a:rPr lang="en-US"/>
+              <a:t>Second level</a:t>
+            </a:r>
+          </a:p>
+          <a:p>
+            <a:pPr lvl="2"/>
+            <a:r>
+              <a:rPr lang="en-US"/>
+              <a:t>Third level</a:t>
+            </a:r>
+          </a:p>
+          <a:p>
+            <a:pPr lvl="3"/>
+            <a:r>
+              <a:rPr lang="en-US"/>
+              <a:t>Fourth level</a:t>
+            </a:r>
+          </a:p>
+          <a:p>
+            <a:pPr lvl="4"/>
+            <a:r>
+              <a:rPr lang="en-US"/>
+              <a:t>Fifth level</a:t>
+            </a:r>
+            <a:endParaRPr lang="en-US" dirty="0"/>
+          </a:p>
+        </p:txBody>
+      </p:sp>
+      <p:sp>
+        <p:nvSpPr>
+          <p:cNvPr id="5" name="Text Placeholder 4"/>
+          <p:cNvSpPr>
+            <a:spLocks noGrp="1"/>
+          </p:cNvSpPr>
+          <p:nvPr>
+            <p:ph type="body" sz="quarter" idx="3"/>
+          </p:nvPr>
+        </p:nvSpPr>
+        <p:spPr>
+          <a:xfrm>
+            <a:off x="6269173" y="1999032"/>
+            <a:ext cx="4754880" cy="777240"/>
+          </a:xfrm>
+        </p:spPr>
+        <p:txBody>
+          <a:bodyPr anchor="ctr"/>
+          <a:lstStyle>
+            <a:lvl1pPr marL="0" indent="0">
+              <a:spcBef>
+                <a:spcPts val="0"/>
+              </a:spcBef>
+              <a:buNone/>
+              <a:defRPr sz="2400" b="1"/>
+            </a:lvl1pPr>
+            <a:lvl2pPr marL="457200" indent="0">
+              <a:buNone/>
+              <a:defRPr sz="2000" b="1"/>
+            </a:lvl2pPr>
+            <a:lvl3pPr marL="914400" indent="0">
+              <a:buNone/>
+              <a:defRPr sz="1800" b="1"/>
+            </a:lvl3pPr>
+            <a:lvl4pPr marL="1371600" indent="0">
+              <a:buNone/>
+              <a:defRPr sz="1600" b="1"/>
+            </a:lvl4pPr>
+            <a:lvl5pPr marL="1828800" indent="0">
+              <a:buNone/>
+              <a:defRPr sz="1600" b="1"/>
+            </a:lvl5pPr>
+            <a:lvl6pPr marL="2286000" indent="0">
+              <a:buNone/>
+              <a:defRPr sz="1600" b="1"/>
+            </a:lvl6pPr>
+            <a:lvl7pPr marL="2743200" indent="0">
+              <a:buNone/>
+              <a:defRPr sz="1600" b="1"/>
+            </a:lvl7pPr>
+            <a:lvl8pPr marL="3200400" indent="0">
+              <a:buNone/>
+              <a:defRPr sz="1600" b="1"/>
+            </a:lvl8pPr>
+            <a:lvl9pPr marL="3657600" indent="0">
+              <a:buNone/>
+              <a:defRPr sz="1600" b="1"/>
+            </a:lvl9pPr>
+          </a:lstStyle>
+          <a:p>
+            <a:pPr lvl="0"/>
+            <a:r>
+              <a:rPr lang="en-US"/>
+              <a:t>Edit Master text styles</a:t>
+            </a:r>
+          </a:p>
+        </p:txBody>
+      </p:sp>
+      <p:sp>
+        <p:nvSpPr>
+          <p:cNvPr id="6" name="Content Placeholder 5"/>
+          <p:cNvSpPr>
+            <a:spLocks noGrp="1"/>
+          </p:cNvSpPr>
+          <p:nvPr>
+            <p:ph sz="quarter" idx="4"/>
+          </p:nvPr>
+        </p:nvSpPr>
+        <p:spPr>
+          <a:xfrm>
+            <a:off x="6269173" y="2719322"/>
+            <a:ext cx="4754880" cy="3383280"/>
+          </a:xfrm>
+        </p:spPr>
+        <p:txBody>
+          <a:bodyPr/>
+          <a:lstStyle>
+            <a:lvl1pPr>
+              <a:defRPr sz="2200"/>
+            </a:lvl1pPr>
+            <a:lvl2pPr>
+              <a:defRPr sz="2000"/>
+            </a:lvl2pPr>
+            <a:lvl3pPr>
+              <a:defRPr sz="1800"/>
+            </a:lvl3pPr>
+            <a:lvl4pPr>
+              <a:defRPr sz="1600"/>
+            </a:lvl4pPr>
+            <a:lvl5pPr>
+              <a:defRPr sz="1600"/>
+            </a:lvl5pPr>
+            <a:lvl6pPr>
+              <a:defRPr sz="1600"/>
+            </a:lvl6pPr>
+            <a:lvl7pPr>
+              <a:defRPr sz="1600"/>
+            </a:lvl7pPr>
+            <a:lvl8pPr>
+              <a:defRPr sz="1600"/>
+            </a:lvl8pPr>
+            <a:lvl9pPr>
+              <a:defRPr sz="1600"/>
+            </a:lvl9pPr>
+          </a:lstStyle>
+          <a:p>
+            <a:pPr lvl="0"/>
+            <a:r>
+              <a:rPr lang="en-US"/>
+              <a:t>Edit Master text styles</a:t>
+            </a:r>
+          </a:p>
+          <a:p>
+            <a:pPr lvl="1"/>
+            <a:r>
+              <a:rPr lang="en-US"/>
+              <a:t>Second level</a:t>
+            </a:r>
+          </a:p>
+          <a:p>
+            <a:pPr lvl="2"/>
+            <a:r>
+              <a:rPr lang="en-US"/>
+              <a:t>Third level</a:t>
+            </a:r>
+          </a:p>
+          <a:p>
+            <a:pPr lvl="3"/>
+            <a:r>
+              <a:rPr lang="en-US"/>
+              <a:t>Fourth level</a:t>
+            </a:r>
+          </a:p>
+          <a:p>
+            <a:pPr lvl="4"/>
+            <a:r>
+              <a:rPr lang="en-US"/>
+              <a:t>Fifth level</a:t>
+            </a:r>
+            <a:endParaRPr lang="en-US" dirty="0"/>
+          </a:p>
+        </p:txBody>
+      </p:sp>
+      <p:sp>
+        <p:nvSpPr>
+          <p:cNvPr id="7" name="Date Placeholder 6"/>
+          <p:cNvSpPr>
+            <a:spLocks noGrp="1"/>
+          </p:cNvSpPr>
+          <p:nvPr>
+            <p:ph type="dt" sz="half" idx="10"/>
+          </p:nvPr>
+        </p:nvSpPr>
+        <p:spPr/>
+        <p:txBody>
+          <a:bodyPr/>
+          <a:lstStyle/>
+          <a:p>
+            <a:fld id="{B61BEF0D-F0BB-DE4B-95CE-6DB70DBA9567}" type="datetimeFigureOut">
+              <a:rPr lang="en-US" smtClean="0">
+                <a:solidFill>
+                  <a:prstClr val="black"/>
+                </a:solidFill>
+              </a:rPr>
+              <a:pPr/>
+              <a:t>3/6/2017</a:t>
+            </a:fld>
+            <a:endParaRPr lang="en-US" dirty="0">
+              <a:solidFill>
+                <a:prstClr val="black"/>
+              </a:solidFill>
+            </a:endParaRPr>
+          </a:p>
+        </p:txBody>
+      </p:sp>
+      <p:sp>
+        <p:nvSpPr>
+          <p:cNvPr id="8" name="Footer Placeholder 7"/>
+          <p:cNvSpPr>
+            <a:spLocks noGrp="1"/>
+          </p:cNvSpPr>
+          <p:nvPr>
+            <p:ph type="ftr" sz="quarter" idx="11"/>
+          </p:nvPr>
+        </p:nvSpPr>
+        <p:spPr/>
+        <p:txBody>
+          <a:bodyPr/>
+          <a:lstStyle/>
+          <a:p>
+            <a:endParaRPr lang="en-US" dirty="0">
+              <a:solidFill>
+                <a:prstClr val="black"/>
+              </a:solidFill>
+            </a:endParaRPr>
+          </a:p>
+        </p:txBody>
+      </p:sp>
+      <p:sp>
+        <p:nvSpPr>
+          <p:cNvPr id="9" name="Slide Number Placeholder 8"/>
+          <p:cNvSpPr>
+            <a:spLocks noGrp="1"/>
+          </p:cNvSpPr>
+          <p:nvPr>
+            <p:ph type="sldNum" sz="quarter" idx="12"/>
+          </p:nvPr>
+        </p:nvSpPr>
+        <p:spPr/>
+        <p:txBody>
+          <a:bodyPr/>
+          <a:lstStyle/>
+          <a:p>
+            <a:fld id="{D57F1E4F-1CFF-5643-939E-217C01CDF565}" type="slidenum">
+              <a:rPr lang="en-US" smtClean="0">
+                <a:solidFill>
+                  <a:prstClr val="black"/>
+                </a:solidFill>
+              </a:rPr>
+              <a:pPr/>
+              <a:t>‹#›</a:t>
+            </a:fld>
+            <a:endParaRPr lang="en-US" dirty="0">
+              <a:solidFill>
+                <a:prstClr val="black"/>
+              </a:solidFill>
+            </a:endParaRPr>
+          </a:p>
+        </p:txBody>
+      </p:sp>
+    </p:spTree>
+    <p:extLst>
+      <p:ext uri="{BB962C8B-B14F-4D97-AF65-F5344CB8AC3E}">
+        <p14:creationId xmlns:p14="http://schemas.microsoft.com/office/powerpoint/2010/main" val="3187249228"/>
+      </p:ext>
+    </p:extLst>
+  </p:cSld>
+  <p:clrMapOvr>
+    <a:masterClrMapping/>
+  </p:clrMapOvr>
+</p:sldLayout>
+</file>
+
+<file path=ppt/slideLayouts/slideLayout17.xml><?xml version="1.0" encoding="utf-8"?>
+<p:sldLayout xmlns:a="http://schemas.openxmlformats.org/drawingml/2006/main" xmlns:r="http://schemas.openxmlformats.org/officeDocument/2006/relationships" xmlns:p="http://schemas.openxmlformats.org/presentationml/2006/main" type="titleOnly" preserve="1">
+  <p:cSld name="Title Only">
+    <p:spTree>
+      <p:nvGrpSpPr>
+        <p:cNvPr id="1" name=""/>
+        <p:cNvGrpSpPr/>
+        <p:nvPr/>
+      </p:nvGrpSpPr>
+      <p:grpSpPr>
+        <a:xfrm>
+          <a:off x="0" y="0"/>
+          <a:ext cx="0" cy="0"/>
+          <a:chOff x="0" y="0"/>
+          <a:chExt cx="0" cy="0"/>
+        </a:xfrm>
+      </p:grpSpPr>
+      <p:sp>
+        <p:nvSpPr>
+          <p:cNvPr id="2" name="Title 1"/>
+          <p:cNvSpPr>
+            <a:spLocks noGrp="1"/>
+          </p:cNvSpPr>
+          <p:nvPr>
+            <p:ph type="title"/>
+          </p:nvPr>
+        </p:nvSpPr>
+        <p:spPr/>
+        <p:txBody>
+          <a:bodyPr/>
+          <a:lstStyle/>
+          <a:p>
+            <a:r>
+              <a:rPr lang="en-US"/>
+              <a:t>Click to edit Master title style</a:t>
+            </a:r>
+            <a:endParaRPr lang="en-US" dirty="0"/>
+          </a:p>
+        </p:txBody>
+      </p:sp>
+      <p:sp>
+        <p:nvSpPr>
+          <p:cNvPr id="3" name="Date Placeholder 2"/>
+          <p:cNvSpPr>
+            <a:spLocks noGrp="1"/>
+          </p:cNvSpPr>
+          <p:nvPr>
+            <p:ph type="dt" sz="half" idx="10"/>
+          </p:nvPr>
+        </p:nvSpPr>
+        <p:spPr/>
+        <p:txBody>
+          <a:bodyPr/>
+          <a:lstStyle/>
+          <a:p>
+            <a:fld id="{B61BEF0D-F0BB-DE4B-95CE-6DB70DBA9567}" type="datetimeFigureOut">
+              <a:rPr lang="en-US" smtClean="0">
+                <a:solidFill>
+                  <a:prstClr val="black"/>
+                </a:solidFill>
+              </a:rPr>
+              <a:pPr/>
+              <a:t>3/6/2017</a:t>
+            </a:fld>
+            <a:endParaRPr lang="en-US" dirty="0">
+              <a:solidFill>
+                <a:prstClr val="black"/>
+              </a:solidFill>
+            </a:endParaRPr>
+          </a:p>
+        </p:txBody>
+      </p:sp>
+      <p:sp>
+        <p:nvSpPr>
+          <p:cNvPr id="4" name="Footer Placeholder 3"/>
+          <p:cNvSpPr>
+            <a:spLocks noGrp="1"/>
+          </p:cNvSpPr>
+          <p:nvPr>
+            <p:ph type="ftr" sz="quarter" idx="11"/>
+          </p:nvPr>
+        </p:nvSpPr>
+        <p:spPr/>
+        <p:txBody>
+          <a:bodyPr/>
+          <a:lstStyle/>
+          <a:p>
+            <a:endParaRPr lang="en-US" dirty="0">
+              <a:solidFill>
+                <a:prstClr val="black"/>
+              </a:solidFill>
+            </a:endParaRPr>
+          </a:p>
+        </p:txBody>
+      </p:sp>
+      <p:sp>
+        <p:nvSpPr>
+          <p:cNvPr id="5" name="Slide Number Placeholder 4"/>
+          <p:cNvSpPr>
+            <a:spLocks noGrp="1"/>
+          </p:cNvSpPr>
+          <p:nvPr>
+            <p:ph type="sldNum" sz="quarter" idx="12"/>
+          </p:nvPr>
+        </p:nvSpPr>
+        <p:spPr/>
+        <p:txBody>
+          <a:bodyPr/>
+          <a:lstStyle/>
+          <a:p>
+            <a:fld id="{D57F1E4F-1CFF-5643-939E-217C01CDF565}" type="slidenum">
+              <a:rPr lang="en-US" smtClean="0">
+                <a:solidFill>
+                  <a:prstClr val="black"/>
+                </a:solidFill>
+              </a:rPr>
+              <a:pPr/>
+              <a:t>‹#›</a:t>
+            </a:fld>
+            <a:endParaRPr lang="en-US" dirty="0">
+              <a:solidFill>
+                <a:prstClr val="black"/>
+              </a:solidFill>
+            </a:endParaRPr>
+          </a:p>
+        </p:txBody>
+      </p:sp>
+    </p:spTree>
+    <p:extLst>
+      <p:ext uri="{BB962C8B-B14F-4D97-AF65-F5344CB8AC3E}">
+        <p14:creationId xmlns:p14="http://schemas.microsoft.com/office/powerpoint/2010/main" val="1128712766"/>
+      </p:ext>
+    </p:extLst>
+  </p:cSld>
+  <p:clrMapOvr>
+    <a:masterClrMapping/>
+  </p:clrMapOvr>
+</p:sldLayout>
+</file>
+
+<file path=ppt/slideLayouts/slideLayout18.xml><?xml version="1.0" encoding="utf-8"?>
+<p:sldLayout xmlns:a="http://schemas.openxmlformats.org/drawingml/2006/main" xmlns:r="http://schemas.openxmlformats.org/officeDocument/2006/relationships" xmlns:p="http://schemas.openxmlformats.org/presentationml/2006/main" type="blank" preserve="1">
+  <p:cSld name="Blank">
+    <p:spTree>
+      <p:nvGrpSpPr>
+        <p:cNvPr id="1" name=""/>
+        <p:cNvGrpSpPr/>
+        <p:nvPr/>
+      </p:nvGrpSpPr>
+      <p:grpSpPr>
+        <a:xfrm>
+          <a:off x="0" y="0"/>
+          <a:ext cx="0" cy="0"/>
+          <a:chOff x="0" y="0"/>
+          <a:chExt cx="0" cy="0"/>
+        </a:xfrm>
+      </p:grpSpPr>
+      <p:sp>
+        <p:nvSpPr>
+          <p:cNvPr id="2" name="Date Placeholder 1"/>
+          <p:cNvSpPr>
+            <a:spLocks noGrp="1"/>
+          </p:cNvSpPr>
+          <p:nvPr>
+            <p:ph type="dt" sz="half" idx="10"/>
+          </p:nvPr>
+        </p:nvSpPr>
+        <p:spPr/>
+        <p:txBody>
+          <a:bodyPr/>
+          <a:lstStyle/>
+          <a:p>
+            <a:fld id="{B61BEF0D-F0BB-DE4B-95CE-6DB70DBA9567}" type="datetimeFigureOut">
+              <a:rPr lang="en-US" smtClean="0">
+                <a:solidFill>
+                  <a:prstClr val="black"/>
+                </a:solidFill>
+              </a:rPr>
+              <a:pPr/>
+              <a:t>3/6/2017</a:t>
+            </a:fld>
+            <a:endParaRPr lang="en-US" dirty="0">
+              <a:solidFill>
+                <a:prstClr val="black"/>
+              </a:solidFill>
+            </a:endParaRPr>
+          </a:p>
+        </p:txBody>
+      </p:sp>
+      <p:sp>
+        <p:nvSpPr>
+          <p:cNvPr id="3" name="Footer Placeholder 2"/>
+          <p:cNvSpPr>
+            <a:spLocks noGrp="1"/>
+          </p:cNvSpPr>
+          <p:nvPr>
+            <p:ph type="ftr" sz="quarter" idx="11"/>
+          </p:nvPr>
+        </p:nvSpPr>
+        <p:spPr/>
+        <p:txBody>
+          <a:bodyPr/>
+          <a:lstStyle/>
+          <a:p>
+            <a:endParaRPr lang="en-US" dirty="0">
+              <a:solidFill>
+                <a:prstClr val="black"/>
+              </a:solidFill>
+            </a:endParaRPr>
+          </a:p>
+        </p:txBody>
+      </p:sp>
+      <p:sp>
+        <p:nvSpPr>
+          <p:cNvPr id="4" name="Slide Number Placeholder 3"/>
+          <p:cNvSpPr>
+            <a:spLocks noGrp="1"/>
+          </p:cNvSpPr>
+          <p:nvPr>
+            <p:ph type="sldNum" sz="quarter" idx="12"/>
+          </p:nvPr>
+        </p:nvSpPr>
+        <p:spPr/>
+        <p:txBody>
+          <a:bodyPr/>
+          <a:lstStyle/>
+          <a:p>
+            <a:fld id="{D57F1E4F-1CFF-5643-939E-217C01CDF565}" type="slidenum">
+              <a:rPr lang="en-US" smtClean="0">
+                <a:solidFill>
+                  <a:prstClr val="black"/>
+                </a:solidFill>
+              </a:rPr>
+              <a:pPr/>
+              <a:t>‹#›</a:t>
+            </a:fld>
+            <a:endParaRPr lang="en-US" dirty="0">
+              <a:solidFill>
+                <a:prstClr val="black"/>
+              </a:solidFill>
+            </a:endParaRPr>
+          </a:p>
+        </p:txBody>
+      </p:sp>
+    </p:spTree>
+    <p:extLst>
+      <p:ext uri="{BB962C8B-B14F-4D97-AF65-F5344CB8AC3E}">
+        <p14:creationId xmlns:p14="http://schemas.microsoft.com/office/powerpoint/2010/main" val="2595694873"/>
+      </p:ext>
+    </p:extLst>
+  </p:cSld>
+  <p:clrMapOvr>
+    <a:masterClrMapping/>
+  </p:clrMapOvr>
+</p:sldLayout>
+</file>
+
+<file path=ppt/slideLayouts/slideLayout19.xml><?xml version="1.0" encoding="utf-8"?>
+<p:sldLayout xmlns:a="http://schemas.openxmlformats.org/drawingml/2006/main" xmlns:r="http://schemas.openxmlformats.org/officeDocument/2006/relationships" xmlns:p="http://schemas.openxmlformats.org/presentationml/2006/main" type="objTx" preserve="1">
+  <p:cSld name="Content with Caption">
+    <p:spTree>
+      <p:nvGrpSpPr>
+        <p:cNvPr id="1" name=""/>
+        <p:cNvGrpSpPr/>
+        <p:nvPr/>
+      </p:nvGrpSpPr>
+      <p:grpSpPr>
+        <a:xfrm>
+          <a:off x="0" y="0"/>
+          <a:ext cx="0" cy="0"/>
+          <a:chOff x="0" y="0"/>
+          <a:chExt cx="0" cy="0"/>
+        </a:xfrm>
+      </p:grpSpPr>
+      <p:sp>
+        <p:nvSpPr>
+          <p:cNvPr id="2" name="Title 1"/>
+          <p:cNvSpPr>
+            <a:spLocks noGrp="1"/>
+          </p:cNvSpPr>
+          <p:nvPr>
+            <p:ph type="title"/>
+          </p:nvPr>
+        </p:nvSpPr>
+        <p:spPr>
+          <a:xfrm>
+            <a:off x="1143000" y="1097280"/>
+            <a:ext cx="3931920" cy="1737360"/>
+          </a:xfrm>
+        </p:spPr>
+        <p:txBody>
+          <a:bodyPr anchor="b">
+            <a:noAutofit/>
+          </a:bodyPr>
+          <a:lstStyle>
+            <a:lvl1pPr>
+              <a:lnSpc>
+                <a:spcPct val="90000"/>
+              </a:lnSpc>
+              <a:defRPr sz="4000" b="0"/>
+            </a:lvl1pPr>
+          </a:lstStyle>
+          <a:p>
+            <a:r>
+              <a:rPr lang="en-US"/>
+              <a:t>Click to edit Master title style</a:t>
+            </a:r>
+            <a:endParaRPr lang="en-US" dirty="0"/>
+          </a:p>
+        </p:txBody>
+      </p:sp>
+      <p:sp>
+        <p:nvSpPr>
+          <p:cNvPr id="3" name="Content Placeholder 2"/>
+          <p:cNvSpPr>
+            <a:spLocks noGrp="1"/>
+          </p:cNvSpPr>
+          <p:nvPr>
+            <p:ph idx="1"/>
+          </p:nvPr>
+        </p:nvSpPr>
+        <p:spPr>
+          <a:xfrm>
+            <a:off x="5852159" y="1097280"/>
+            <a:ext cx="5212080" cy="4663440"/>
+          </a:xfrm>
+        </p:spPr>
+        <p:txBody>
+          <a:bodyPr/>
+          <a:lstStyle>
+            <a:lvl1pPr>
+              <a:defRPr sz="3200"/>
+            </a:lvl1pPr>
+            <a:lvl2pPr>
+              <a:defRPr sz="2800"/>
+            </a:lvl2pPr>
+            <a:lvl3pPr>
+              <a:defRPr sz="2400"/>
+            </a:lvl3pPr>
+            <a:lvl4pPr>
+              <a:defRPr sz="2000"/>
+            </a:lvl4pPr>
+            <a:lvl5pPr>
+              <a:defRPr sz="2000"/>
+            </a:lvl5pPr>
+            <a:lvl6pPr>
+              <a:defRPr sz="2000"/>
+            </a:lvl6pPr>
+            <a:lvl7pPr>
+              <a:defRPr sz="2000"/>
+            </a:lvl7pPr>
+            <a:lvl8pPr>
+              <a:defRPr sz="2000"/>
+            </a:lvl8pPr>
+            <a:lvl9pPr>
+              <a:defRPr sz="2000"/>
+            </a:lvl9pPr>
+          </a:lstStyle>
+          <a:p>
+            <a:pPr lvl="0"/>
+            <a:r>
+              <a:rPr lang="en-US"/>
+              <a:t>Edit Master text styles</a:t>
+            </a:r>
+          </a:p>
+          <a:p>
+            <a:pPr lvl="1"/>
+            <a:r>
+              <a:rPr lang="en-US"/>
+              <a:t>Second level</a:t>
+            </a:r>
+          </a:p>
+          <a:p>
+            <a:pPr lvl="2"/>
+            <a:r>
+              <a:rPr lang="en-US"/>
+              <a:t>Third level</a:t>
+            </a:r>
+          </a:p>
+          <a:p>
+            <a:pPr lvl="3"/>
+            <a:r>
+              <a:rPr lang="en-US"/>
+              <a:t>Fourth level</a:t>
+            </a:r>
+          </a:p>
+          <a:p>
+            <a:pPr lvl="4"/>
+            <a:r>
+              <a:rPr lang="en-US"/>
+              <a:t>Fifth level</a:t>
+            </a:r>
+            <a:endParaRPr lang="en-US" dirty="0"/>
+          </a:p>
+        </p:txBody>
+      </p:sp>
+      <p:sp>
+        <p:nvSpPr>
+          <p:cNvPr id="4" name="Text Placeholder 3"/>
+          <p:cNvSpPr>
+            <a:spLocks noGrp="1"/>
+          </p:cNvSpPr>
+          <p:nvPr>
+            <p:ph type="body" sz="half" idx="2"/>
+          </p:nvPr>
+        </p:nvSpPr>
+        <p:spPr>
+          <a:xfrm>
+            <a:off x="1143000" y="2834640"/>
+            <a:ext cx="3931920" cy="3017520"/>
+          </a:xfrm>
+        </p:spPr>
+        <p:txBody>
+          <a:bodyPr>
+            <a:normAutofit/>
+          </a:bodyPr>
+          <a:lstStyle>
+            <a:lvl1pPr marL="0" indent="0">
+              <a:lnSpc>
+                <a:spcPct val="100000"/>
+              </a:lnSpc>
+              <a:spcBef>
+                <a:spcPts val="1000"/>
+              </a:spcBef>
+              <a:buNone/>
+              <a:defRPr sz="1700"/>
+            </a:lvl1pPr>
+            <a:lvl2pPr marL="457200" indent="0">
+              <a:buNone/>
+              <a:defRPr sz="1200"/>
+            </a:lvl2pPr>
+            <a:lvl3pPr marL="914400" indent="0">
+              <a:buNone/>
+              <a:defRPr sz="1000"/>
+            </a:lvl3pPr>
+            <a:lvl4pPr marL="1371600" indent="0">
+              <a:buNone/>
+              <a:defRPr sz="900"/>
+            </a:lvl4pPr>
+            <a:lvl5pPr marL="1828800" indent="0">
+              <a:buNone/>
+              <a:defRPr sz="900"/>
+            </a:lvl5pPr>
+            <a:lvl6pPr marL="2286000" indent="0">
+              <a:buNone/>
+              <a:defRPr sz="900"/>
+            </a:lvl6pPr>
+            <a:lvl7pPr marL="2743200" indent="0">
+              <a:buNone/>
+              <a:defRPr sz="900"/>
+            </a:lvl7pPr>
+            <a:lvl8pPr marL="3200400" indent="0">
+              <a:buNone/>
+              <a:defRPr sz="900"/>
+            </a:lvl8pPr>
+            <a:lvl9pPr marL="3657600" indent="0">
+              <a:buNone/>
+              <a:defRPr sz="900"/>
+            </a:lvl9pPr>
+          </a:lstStyle>
+          <a:p>
+            <a:pPr lvl="0"/>
+            <a:r>
+              <a:rPr lang="en-US"/>
+              <a:t>Edit Master text styles</a:t>
+            </a:r>
+          </a:p>
+        </p:txBody>
+      </p:sp>
+      <p:sp>
+        <p:nvSpPr>
+          <p:cNvPr id="5" name="Date Placeholder 4"/>
+          <p:cNvSpPr>
+            <a:spLocks noGrp="1"/>
+          </p:cNvSpPr>
+          <p:nvPr>
+            <p:ph type="dt" sz="half" idx="10"/>
+          </p:nvPr>
+        </p:nvSpPr>
+        <p:spPr/>
+        <p:txBody>
+          <a:bodyPr/>
+          <a:lstStyle/>
+          <a:p>
+            <a:fld id="{B61BEF0D-F0BB-DE4B-95CE-6DB70DBA9567}" type="datetimeFigureOut">
+              <a:rPr lang="en-US" smtClean="0">
+                <a:solidFill>
+                  <a:prstClr val="black"/>
+                </a:solidFill>
+              </a:rPr>
+              <a:pPr/>
+              <a:t>3/6/2017</a:t>
+            </a:fld>
+            <a:endParaRPr lang="en-US" dirty="0">
+              <a:solidFill>
+                <a:prstClr val="black"/>
+              </a:solidFill>
+            </a:endParaRPr>
+          </a:p>
+        </p:txBody>
+      </p:sp>
+      <p:sp>
+        <p:nvSpPr>
+          <p:cNvPr id="6" name="Footer Placeholder 5"/>
+          <p:cNvSpPr>
+            <a:spLocks noGrp="1"/>
+          </p:cNvSpPr>
+          <p:nvPr>
+            <p:ph type="ftr" sz="quarter" idx="11"/>
+          </p:nvPr>
+        </p:nvSpPr>
+        <p:spPr/>
+        <p:txBody>
+          <a:bodyPr/>
+          <a:lstStyle/>
+          <a:p>
+            <a:endParaRPr lang="en-US" dirty="0">
+              <a:solidFill>
+                <a:prstClr val="black"/>
+              </a:solidFill>
+            </a:endParaRPr>
+          </a:p>
+        </p:txBody>
+      </p:sp>
+      <p:sp>
+        <p:nvSpPr>
+          <p:cNvPr id="7" name="Slide Number Placeholder 6"/>
+          <p:cNvSpPr>
+            <a:spLocks noGrp="1"/>
+          </p:cNvSpPr>
+          <p:nvPr>
+            <p:ph type="sldNum" sz="quarter" idx="12"/>
+          </p:nvPr>
+        </p:nvSpPr>
+        <p:spPr/>
+        <p:txBody>
+          <a:bodyPr/>
+          <a:lstStyle/>
+          <a:p>
+            <a:fld id="{D57F1E4F-1CFF-5643-939E-217C01CDF565}" type="slidenum">
+              <a:rPr lang="en-US" smtClean="0">
+                <a:solidFill>
+                  <a:prstClr val="black"/>
+                </a:solidFill>
+              </a:rPr>
+              <a:pPr/>
+              <a:t>‹#›</a:t>
+            </a:fld>
+            <a:endParaRPr lang="en-US" dirty="0">
+              <a:solidFill>
+                <a:prstClr val="black"/>
+              </a:solidFill>
+            </a:endParaRPr>
+          </a:p>
+        </p:txBody>
+      </p:sp>
+    </p:spTree>
+    <p:extLst>
+      <p:ext uri="{BB962C8B-B14F-4D97-AF65-F5344CB8AC3E}">
+        <p14:creationId xmlns:p14="http://schemas.microsoft.com/office/powerpoint/2010/main" val="1984713192"/>
+      </p:ext>
+    </p:extLst>
+  </p:cSld>
+  <p:clrMapOvr>
+    <a:masterClrMapping/>
+  </p:clrMapOvr>
+</p:sldLayout>
+</file>
+
 <file path=ppt/slideLayouts/slideLayout2.xml><?xml version="1.0" encoding="utf-8"?>
 <p:sldLayout xmlns:a="http://schemas.openxmlformats.org/drawingml/2006/main" xmlns:r="http://schemas.openxmlformats.org/officeDocument/2006/relationships" xmlns:p="http://schemas.openxmlformats.org/presentationml/2006/main" type="obj" preserve="1">
   <p:cSld name="Title and Content">
@@ -7553,6 +9965,694 @@
     <p:extLst>
       <p:ext uri="{BB962C8B-B14F-4D97-AF65-F5344CB8AC3E}">
         <p14:creationId xmlns:p14="http://schemas.microsoft.com/office/powerpoint/2010/main" val="3716675225"/>
+      </p:ext>
+    </p:extLst>
+  </p:cSld>
+  <p:clrMapOvr>
+    <a:masterClrMapping/>
+  </p:clrMapOvr>
+</p:sldLayout>
+</file>
+
+<file path=ppt/slideLayouts/slideLayout20.xml><?xml version="1.0" encoding="utf-8"?>
+<p:sldLayout xmlns:a="http://schemas.openxmlformats.org/drawingml/2006/main" xmlns:r="http://schemas.openxmlformats.org/officeDocument/2006/relationships" xmlns:p="http://schemas.openxmlformats.org/presentationml/2006/main" type="picTx" preserve="1">
+  <p:cSld name="Picture with Caption">
+    <p:spTree>
+      <p:nvGrpSpPr>
+        <p:cNvPr id="1" name=""/>
+        <p:cNvGrpSpPr/>
+        <p:nvPr/>
+      </p:nvGrpSpPr>
+      <p:grpSpPr>
+        <a:xfrm>
+          <a:off x="0" y="0"/>
+          <a:ext cx="0" cy="0"/>
+          <a:chOff x="0" y="0"/>
+          <a:chExt cx="0" cy="0"/>
+        </a:xfrm>
+      </p:grpSpPr>
+      <p:sp>
+        <p:nvSpPr>
+          <p:cNvPr id="2" name="Title 1"/>
+          <p:cNvSpPr>
+            <a:spLocks noGrp="1"/>
+          </p:cNvSpPr>
+          <p:nvPr>
+            <p:ph type="title"/>
+          </p:nvPr>
+        </p:nvSpPr>
+        <p:spPr>
+          <a:xfrm>
+            <a:off x="1143000" y="1097280"/>
+            <a:ext cx="3931920" cy="1737360"/>
+          </a:xfrm>
+        </p:spPr>
+        <p:txBody>
+          <a:bodyPr anchor="b">
+            <a:noAutofit/>
+          </a:bodyPr>
+          <a:lstStyle>
+            <a:lvl1pPr>
+              <a:lnSpc>
+                <a:spcPct val="90000"/>
+              </a:lnSpc>
+              <a:defRPr sz="4000" b="0"/>
+            </a:lvl1pPr>
+          </a:lstStyle>
+          <a:p>
+            <a:r>
+              <a:rPr lang="en-US"/>
+              <a:t>Click to edit Master title style</a:t>
+            </a:r>
+            <a:endParaRPr lang="en-US" dirty="0"/>
+          </a:p>
+        </p:txBody>
+      </p:sp>
+      <p:sp>
+        <p:nvSpPr>
+          <p:cNvPr id="3" name="Picture Placeholder 2"/>
+          <p:cNvSpPr>
+            <a:spLocks noGrp="1" noChangeAspect="1"/>
+          </p:cNvSpPr>
+          <p:nvPr>
+            <p:ph type="pic" idx="1"/>
+          </p:nvPr>
+        </p:nvSpPr>
+        <p:spPr>
+          <a:xfrm>
+            <a:off x="5413248" y="1069847"/>
+            <a:ext cx="6099048" cy="4800600"/>
+          </a:xfrm>
+        </p:spPr>
+        <p:txBody>
+          <a:bodyPr lIns="274320" tIns="182880" anchor="t">
+            <a:normAutofit/>
+          </a:bodyPr>
+          <a:lstStyle>
+            <a:lvl1pPr marL="0" indent="0">
+              <a:buNone/>
+              <a:defRPr sz="2800"/>
+            </a:lvl1pPr>
+            <a:lvl2pPr marL="457200" indent="0">
+              <a:buNone/>
+              <a:defRPr sz="2800"/>
+            </a:lvl2pPr>
+            <a:lvl3pPr marL="914400" indent="0">
+              <a:buNone/>
+              <a:defRPr sz="2400"/>
+            </a:lvl3pPr>
+            <a:lvl4pPr marL="1371600" indent="0">
+              <a:buNone/>
+              <a:defRPr sz="2000"/>
+            </a:lvl4pPr>
+            <a:lvl5pPr marL="1828800" indent="0">
+              <a:buNone/>
+              <a:defRPr sz="2000"/>
+            </a:lvl5pPr>
+            <a:lvl6pPr marL="2286000" indent="0">
+              <a:buNone/>
+              <a:defRPr sz="2000"/>
+            </a:lvl6pPr>
+            <a:lvl7pPr marL="2743200" indent="0">
+              <a:buNone/>
+              <a:defRPr sz="2000"/>
+            </a:lvl7pPr>
+            <a:lvl8pPr marL="3200400" indent="0">
+              <a:buNone/>
+              <a:defRPr sz="2000"/>
+            </a:lvl8pPr>
+            <a:lvl9pPr marL="3657600" indent="0">
+              <a:buNone/>
+              <a:defRPr sz="2000"/>
+            </a:lvl9pPr>
+          </a:lstStyle>
+          <a:p>
+            <a:r>
+              <a:rPr lang="en-US"/>
+              <a:t>Click icon to add picture</a:t>
+            </a:r>
+            <a:endParaRPr lang="en-US" dirty="0"/>
+          </a:p>
+        </p:txBody>
+      </p:sp>
+      <p:sp>
+        <p:nvSpPr>
+          <p:cNvPr id="4" name="Text Placeholder 3"/>
+          <p:cNvSpPr>
+            <a:spLocks noGrp="1"/>
+          </p:cNvSpPr>
+          <p:nvPr>
+            <p:ph type="body" sz="half" idx="2"/>
+          </p:nvPr>
+        </p:nvSpPr>
+        <p:spPr>
+          <a:xfrm>
+            <a:off x="1143000" y="2834640"/>
+            <a:ext cx="3931920" cy="2880360"/>
+          </a:xfrm>
+        </p:spPr>
+        <p:txBody>
+          <a:bodyPr>
+            <a:normAutofit/>
+          </a:bodyPr>
+          <a:lstStyle>
+            <a:lvl1pPr marL="0" indent="0">
+              <a:lnSpc>
+                <a:spcPct val="100000"/>
+              </a:lnSpc>
+              <a:spcBef>
+                <a:spcPts val="1000"/>
+              </a:spcBef>
+              <a:buNone/>
+              <a:defRPr sz="1700"/>
+            </a:lvl1pPr>
+            <a:lvl2pPr marL="457200" indent="0">
+              <a:buNone/>
+              <a:defRPr sz="1200"/>
+            </a:lvl2pPr>
+            <a:lvl3pPr marL="914400" indent="0">
+              <a:buNone/>
+              <a:defRPr sz="1000"/>
+            </a:lvl3pPr>
+            <a:lvl4pPr marL="1371600" indent="0">
+              <a:buNone/>
+              <a:defRPr sz="900"/>
+            </a:lvl4pPr>
+            <a:lvl5pPr marL="1828800" indent="0">
+              <a:buNone/>
+              <a:defRPr sz="900"/>
+            </a:lvl5pPr>
+            <a:lvl6pPr marL="2286000" indent="0">
+              <a:buNone/>
+              <a:defRPr sz="900"/>
+            </a:lvl6pPr>
+            <a:lvl7pPr marL="2743200" indent="0">
+              <a:buNone/>
+              <a:defRPr sz="900"/>
+            </a:lvl7pPr>
+            <a:lvl8pPr marL="3200400" indent="0">
+              <a:buNone/>
+              <a:defRPr sz="900"/>
+            </a:lvl8pPr>
+            <a:lvl9pPr marL="3657600" indent="0">
+              <a:buNone/>
+              <a:defRPr sz="900"/>
+            </a:lvl9pPr>
+          </a:lstStyle>
+          <a:p>
+            <a:pPr lvl="0"/>
+            <a:r>
+              <a:rPr lang="en-US"/>
+              <a:t>Edit Master text styles</a:t>
+            </a:r>
+          </a:p>
+        </p:txBody>
+      </p:sp>
+      <p:sp>
+        <p:nvSpPr>
+          <p:cNvPr id="5" name="Date Placeholder 4"/>
+          <p:cNvSpPr>
+            <a:spLocks noGrp="1"/>
+          </p:cNvSpPr>
+          <p:nvPr>
+            <p:ph type="dt" sz="half" idx="10"/>
+          </p:nvPr>
+        </p:nvSpPr>
+        <p:spPr/>
+        <p:txBody>
+          <a:bodyPr/>
+          <a:lstStyle/>
+          <a:p>
+            <a:fld id="{B61BEF0D-F0BB-DE4B-95CE-6DB70DBA9567}" type="datetimeFigureOut">
+              <a:rPr lang="en-US" smtClean="0">
+                <a:solidFill>
+                  <a:prstClr val="black"/>
+                </a:solidFill>
+              </a:rPr>
+              <a:pPr/>
+              <a:t>3/6/2017</a:t>
+            </a:fld>
+            <a:endParaRPr lang="en-US" dirty="0">
+              <a:solidFill>
+                <a:prstClr val="black"/>
+              </a:solidFill>
+            </a:endParaRPr>
+          </a:p>
+        </p:txBody>
+      </p:sp>
+      <p:sp>
+        <p:nvSpPr>
+          <p:cNvPr id="6" name="Footer Placeholder 5"/>
+          <p:cNvSpPr>
+            <a:spLocks noGrp="1"/>
+          </p:cNvSpPr>
+          <p:nvPr>
+            <p:ph type="ftr" sz="quarter" idx="11"/>
+          </p:nvPr>
+        </p:nvSpPr>
+        <p:spPr/>
+        <p:txBody>
+          <a:bodyPr/>
+          <a:lstStyle/>
+          <a:p>
+            <a:endParaRPr lang="en-US" dirty="0">
+              <a:solidFill>
+                <a:prstClr val="black"/>
+              </a:solidFill>
+            </a:endParaRPr>
+          </a:p>
+        </p:txBody>
+      </p:sp>
+      <p:sp>
+        <p:nvSpPr>
+          <p:cNvPr id="7" name="Slide Number Placeholder 6"/>
+          <p:cNvSpPr>
+            <a:spLocks noGrp="1"/>
+          </p:cNvSpPr>
+          <p:nvPr>
+            <p:ph type="sldNum" sz="quarter" idx="12"/>
+          </p:nvPr>
+        </p:nvSpPr>
+        <p:spPr/>
+        <p:txBody>
+          <a:bodyPr/>
+          <a:lstStyle/>
+          <a:p>
+            <a:fld id="{D57F1E4F-1CFF-5643-939E-217C01CDF565}" type="slidenum">
+              <a:rPr lang="en-US" smtClean="0">
+                <a:solidFill>
+                  <a:prstClr val="black"/>
+                </a:solidFill>
+              </a:rPr>
+              <a:pPr/>
+              <a:t>‹#›</a:t>
+            </a:fld>
+            <a:endParaRPr lang="en-US" dirty="0">
+              <a:solidFill>
+                <a:prstClr val="black"/>
+              </a:solidFill>
+            </a:endParaRPr>
+          </a:p>
+        </p:txBody>
+      </p:sp>
+    </p:spTree>
+    <p:extLst>
+      <p:ext uri="{BB962C8B-B14F-4D97-AF65-F5344CB8AC3E}">
+        <p14:creationId xmlns:p14="http://schemas.microsoft.com/office/powerpoint/2010/main" val="746076596"/>
+      </p:ext>
+    </p:extLst>
+  </p:cSld>
+  <p:clrMapOvr>
+    <a:masterClrMapping/>
+  </p:clrMapOvr>
+</p:sldLayout>
+</file>
+
+<file path=ppt/slideLayouts/slideLayout21.xml><?xml version="1.0" encoding="utf-8"?>
+<p:sldLayout xmlns:a="http://schemas.openxmlformats.org/drawingml/2006/main" xmlns:r="http://schemas.openxmlformats.org/officeDocument/2006/relationships" xmlns:p="http://schemas.openxmlformats.org/presentationml/2006/main" type="vertTx" preserve="1">
+  <p:cSld name="Title and Vertical Text">
+    <p:spTree>
+      <p:nvGrpSpPr>
+        <p:cNvPr id="1" name=""/>
+        <p:cNvGrpSpPr/>
+        <p:nvPr/>
+      </p:nvGrpSpPr>
+      <p:grpSpPr>
+        <a:xfrm>
+          <a:off x="0" y="0"/>
+          <a:ext cx="0" cy="0"/>
+          <a:chOff x="0" y="0"/>
+          <a:chExt cx="0" cy="0"/>
+        </a:xfrm>
+      </p:grpSpPr>
+      <p:sp>
+        <p:nvSpPr>
+          <p:cNvPr id="2" name="Title 1"/>
+          <p:cNvSpPr>
+            <a:spLocks noGrp="1"/>
+          </p:cNvSpPr>
+          <p:nvPr>
+            <p:ph type="title"/>
+          </p:nvPr>
+        </p:nvSpPr>
+        <p:spPr/>
+        <p:txBody>
+          <a:bodyPr/>
+          <a:lstStyle/>
+          <a:p>
+            <a:r>
+              <a:rPr lang="en-US"/>
+              <a:t>Click to edit Master title style</a:t>
+            </a:r>
+            <a:endParaRPr lang="en-US" dirty="0"/>
+          </a:p>
+        </p:txBody>
+      </p:sp>
+      <p:sp>
+        <p:nvSpPr>
+          <p:cNvPr id="3" name="Vertical Text Placeholder 2"/>
+          <p:cNvSpPr>
+            <a:spLocks noGrp="1"/>
+          </p:cNvSpPr>
+          <p:nvPr>
+            <p:ph type="body" orient="vert" idx="1"/>
+          </p:nvPr>
+        </p:nvSpPr>
+        <p:spPr/>
+        <p:txBody>
+          <a:bodyPr vert="eaVert"/>
+          <a:lstStyle/>
+          <a:p>
+            <a:pPr lvl="0"/>
+            <a:r>
+              <a:rPr lang="en-US"/>
+              <a:t>Edit Master text styles</a:t>
+            </a:r>
+          </a:p>
+          <a:p>
+            <a:pPr lvl="1"/>
+            <a:r>
+              <a:rPr lang="en-US"/>
+              <a:t>Second level</a:t>
+            </a:r>
+          </a:p>
+          <a:p>
+            <a:pPr lvl="2"/>
+            <a:r>
+              <a:rPr lang="en-US"/>
+              <a:t>Third level</a:t>
+            </a:r>
+          </a:p>
+          <a:p>
+            <a:pPr lvl="3"/>
+            <a:r>
+              <a:rPr lang="en-US"/>
+              <a:t>Fourth level</a:t>
+            </a:r>
+          </a:p>
+          <a:p>
+            <a:pPr lvl="4"/>
+            <a:r>
+              <a:rPr lang="en-US"/>
+              <a:t>Fifth level</a:t>
+            </a:r>
+            <a:endParaRPr lang="en-US" dirty="0"/>
+          </a:p>
+        </p:txBody>
+      </p:sp>
+      <p:sp>
+        <p:nvSpPr>
+          <p:cNvPr id="4" name="Date Placeholder 3"/>
+          <p:cNvSpPr>
+            <a:spLocks noGrp="1"/>
+          </p:cNvSpPr>
+          <p:nvPr>
+            <p:ph type="dt" sz="half" idx="10"/>
+          </p:nvPr>
+        </p:nvSpPr>
+        <p:spPr/>
+        <p:txBody>
+          <a:bodyPr/>
+          <a:lstStyle/>
+          <a:p>
+            <a:fld id="{B61BEF0D-F0BB-DE4B-95CE-6DB70DBA9567}" type="datetimeFigureOut">
+              <a:rPr lang="en-US" smtClean="0">
+                <a:solidFill>
+                  <a:prstClr val="black"/>
+                </a:solidFill>
+              </a:rPr>
+              <a:pPr/>
+              <a:t>3/6/2017</a:t>
+            </a:fld>
+            <a:endParaRPr lang="en-US" dirty="0">
+              <a:solidFill>
+                <a:prstClr val="black"/>
+              </a:solidFill>
+            </a:endParaRPr>
+          </a:p>
+        </p:txBody>
+      </p:sp>
+      <p:sp>
+        <p:nvSpPr>
+          <p:cNvPr id="5" name="Footer Placeholder 4"/>
+          <p:cNvSpPr>
+            <a:spLocks noGrp="1"/>
+          </p:cNvSpPr>
+          <p:nvPr>
+            <p:ph type="ftr" sz="quarter" idx="11"/>
+          </p:nvPr>
+        </p:nvSpPr>
+        <p:spPr/>
+        <p:txBody>
+          <a:bodyPr/>
+          <a:lstStyle/>
+          <a:p>
+            <a:endParaRPr lang="en-US" dirty="0">
+              <a:solidFill>
+                <a:prstClr val="black"/>
+              </a:solidFill>
+            </a:endParaRPr>
+          </a:p>
+        </p:txBody>
+      </p:sp>
+      <p:sp>
+        <p:nvSpPr>
+          <p:cNvPr id="6" name="Slide Number Placeholder 5"/>
+          <p:cNvSpPr>
+            <a:spLocks noGrp="1"/>
+          </p:cNvSpPr>
+          <p:nvPr>
+            <p:ph type="sldNum" sz="quarter" idx="12"/>
+          </p:nvPr>
+        </p:nvSpPr>
+        <p:spPr/>
+        <p:txBody>
+          <a:bodyPr/>
+          <a:lstStyle/>
+          <a:p>
+            <a:fld id="{D57F1E4F-1CFF-5643-939E-217C01CDF565}" type="slidenum">
+              <a:rPr lang="en-US" smtClean="0">
+                <a:solidFill>
+                  <a:prstClr val="black"/>
+                </a:solidFill>
+              </a:rPr>
+              <a:pPr/>
+              <a:t>‹#›</a:t>
+            </a:fld>
+            <a:endParaRPr lang="en-US" dirty="0">
+              <a:solidFill>
+                <a:prstClr val="black"/>
+              </a:solidFill>
+            </a:endParaRPr>
+          </a:p>
+        </p:txBody>
+      </p:sp>
+    </p:spTree>
+    <p:extLst>
+      <p:ext uri="{BB962C8B-B14F-4D97-AF65-F5344CB8AC3E}">
+        <p14:creationId xmlns:p14="http://schemas.microsoft.com/office/powerpoint/2010/main" val="701740818"/>
+      </p:ext>
+    </p:extLst>
+  </p:cSld>
+  <p:clrMapOvr>
+    <a:masterClrMapping/>
+  </p:clrMapOvr>
+</p:sldLayout>
+</file>
+
+<file path=ppt/slideLayouts/slideLayout22.xml><?xml version="1.0" encoding="utf-8"?>
+<p:sldLayout xmlns:a="http://schemas.openxmlformats.org/drawingml/2006/main" xmlns:r="http://schemas.openxmlformats.org/officeDocument/2006/relationships" xmlns:p="http://schemas.openxmlformats.org/presentationml/2006/main" type="vertTitleAndTx" preserve="1">
+  <p:cSld name="Vertical Title and Text">
+    <p:spTree>
+      <p:nvGrpSpPr>
+        <p:cNvPr id="1" name=""/>
+        <p:cNvGrpSpPr/>
+        <p:nvPr/>
+      </p:nvGrpSpPr>
+      <p:grpSpPr>
+        <a:xfrm>
+          <a:off x="0" y="0"/>
+          <a:ext cx="0" cy="0"/>
+          <a:chOff x="0" y="0"/>
+          <a:chExt cx="0" cy="0"/>
+        </a:xfrm>
+      </p:grpSpPr>
+      <p:sp>
+        <p:nvSpPr>
+          <p:cNvPr id="2" name="Vertical Title 1"/>
+          <p:cNvSpPr>
+            <a:spLocks noGrp="1"/>
+          </p:cNvSpPr>
+          <p:nvPr>
+            <p:ph type="title" orient="vert"/>
+          </p:nvPr>
+        </p:nvSpPr>
+        <p:spPr>
+          <a:xfrm>
+            <a:off x="8724900" y="762000"/>
+            <a:ext cx="2324100" cy="5410200"/>
+          </a:xfrm>
+        </p:spPr>
+        <p:txBody>
+          <a:bodyPr vert="eaVert"/>
+          <a:lstStyle/>
+          <a:p>
+            <a:r>
+              <a:rPr lang="en-US"/>
+              <a:t>Click to edit Master title style</a:t>
+            </a:r>
+            <a:endParaRPr lang="en-US" dirty="0"/>
+          </a:p>
+        </p:txBody>
+      </p:sp>
+      <p:sp>
+        <p:nvSpPr>
+          <p:cNvPr id="3" name="Vertical Text Placeholder 2"/>
+          <p:cNvSpPr>
+            <a:spLocks noGrp="1"/>
+          </p:cNvSpPr>
+          <p:nvPr>
+            <p:ph type="body" orient="vert" idx="1"/>
+          </p:nvPr>
+        </p:nvSpPr>
+        <p:spPr>
+          <a:xfrm>
+            <a:off x="1143000" y="762000"/>
+            <a:ext cx="7429500" cy="5410200"/>
+          </a:xfrm>
+        </p:spPr>
+        <p:txBody>
+          <a:bodyPr vert="eaVert"/>
+          <a:lstStyle/>
+          <a:p>
+            <a:pPr lvl="0"/>
+            <a:r>
+              <a:rPr lang="en-US"/>
+              <a:t>Edit Master text styles</a:t>
+            </a:r>
+          </a:p>
+          <a:p>
+            <a:pPr lvl="1"/>
+            <a:r>
+              <a:rPr lang="en-US"/>
+              <a:t>Second level</a:t>
+            </a:r>
+          </a:p>
+          <a:p>
+            <a:pPr lvl="2"/>
+            <a:r>
+              <a:rPr lang="en-US"/>
+              <a:t>Third level</a:t>
+            </a:r>
+          </a:p>
+          <a:p>
+            <a:pPr lvl="3"/>
+            <a:r>
+              <a:rPr lang="en-US"/>
+              <a:t>Fourth level</a:t>
+            </a:r>
+          </a:p>
+          <a:p>
+            <a:pPr lvl="4"/>
+            <a:r>
+              <a:rPr lang="en-US"/>
+              <a:t>Fifth level</a:t>
+            </a:r>
+            <a:endParaRPr lang="en-US" dirty="0"/>
+          </a:p>
+        </p:txBody>
+      </p:sp>
+      <p:sp>
+        <p:nvSpPr>
+          <p:cNvPr id="4" name="Date Placeholder 3"/>
+          <p:cNvSpPr>
+            <a:spLocks noGrp="1"/>
+          </p:cNvSpPr>
+          <p:nvPr>
+            <p:ph type="dt" sz="half" idx="10"/>
+          </p:nvPr>
+        </p:nvSpPr>
+        <p:spPr/>
+        <p:txBody>
+          <a:bodyPr/>
+          <a:lstStyle/>
+          <a:p>
+            <a:fld id="{B61BEF0D-F0BB-DE4B-95CE-6DB70DBA9567}" type="datetimeFigureOut">
+              <a:rPr lang="en-US" smtClean="0">
+                <a:solidFill>
+                  <a:prstClr val="black"/>
+                </a:solidFill>
+              </a:rPr>
+              <a:pPr/>
+              <a:t>3/6/2017</a:t>
+            </a:fld>
+            <a:endParaRPr lang="en-US" dirty="0">
+              <a:solidFill>
+                <a:prstClr val="black"/>
+              </a:solidFill>
+            </a:endParaRPr>
+          </a:p>
+        </p:txBody>
+      </p:sp>
+      <p:sp>
+        <p:nvSpPr>
+          <p:cNvPr id="5" name="Footer Placeholder 4"/>
+          <p:cNvSpPr>
+            <a:spLocks noGrp="1"/>
+          </p:cNvSpPr>
+          <p:nvPr>
+            <p:ph type="ftr" sz="quarter" idx="11"/>
+          </p:nvPr>
+        </p:nvSpPr>
+        <p:spPr/>
+        <p:txBody>
+          <a:bodyPr/>
+          <a:lstStyle/>
+          <a:p>
+            <a:endParaRPr lang="en-US" dirty="0">
+              <a:solidFill>
+                <a:prstClr val="black"/>
+              </a:solidFill>
+            </a:endParaRPr>
+          </a:p>
+        </p:txBody>
+      </p:sp>
+      <p:sp>
+        <p:nvSpPr>
+          <p:cNvPr id="6" name="Slide Number Placeholder 5"/>
+          <p:cNvSpPr>
+            <a:spLocks noGrp="1"/>
+          </p:cNvSpPr>
+          <p:nvPr>
+            <p:ph type="sldNum" sz="quarter" idx="12"/>
+          </p:nvPr>
+        </p:nvSpPr>
+        <p:spPr/>
+        <p:txBody>
+          <a:bodyPr/>
+          <a:lstStyle/>
+          <a:p>
+            <a:fld id="{D57F1E4F-1CFF-5643-939E-217C01CDF565}" type="slidenum">
+              <a:rPr lang="en-US" smtClean="0">
+                <a:solidFill>
+                  <a:prstClr val="black"/>
+                </a:solidFill>
+              </a:rPr>
+              <a:pPr/>
+              <a:t>‹#›</a:t>
+            </a:fld>
+            <a:endParaRPr lang="en-US" dirty="0">
+              <a:solidFill>
+                <a:prstClr val="black"/>
+              </a:solidFill>
+            </a:endParaRPr>
+          </a:p>
+        </p:txBody>
+      </p:sp>
+    </p:spTree>
+    <p:extLst>
+      <p:ext uri="{BB962C8B-B14F-4D97-AF65-F5344CB8AC3E}">
+        <p14:creationId xmlns:p14="http://schemas.microsoft.com/office/powerpoint/2010/main" val="1506697347"/>
       </p:ext>
     </p:extLst>
   </p:cSld>
@@ -9986,7 +13086,670 @@
   </p:txStyles>
   <p:extLst>
     <p:ext uri="{27BBF7A9-308A-43DC-89C8-2F10F3537804}">
-      <p15:sldGuideLst xmlns:p15="http://schemas.microsoft.com/office/powerpoint/2012/main"/>
+      <p15:sldGuideLst xmlns:p15="http://schemas.microsoft.com/office/powerpoint/2012/main" xmlns=""/>
+    </p:ext>
+  </p:extLst>
+</p:sldMaster>
+</file>
+
+<file path=ppt/slideMasters/slideMaster2.xml><?xml version="1.0" encoding="utf-8"?>
+<p:sldMaster xmlns:a="http://schemas.openxmlformats.org/drawingml/2006/main" xmlns:r="http://schemas.openxmlformats.org/officeDocument/2006/relationships" xmlns:p="http://schemas.openxmlformats.org/presentationml/2006/main">
+  <p:cSld>
+    <p:bg>
+      <p:bgRef idx="1001">
+        <a:schemeClr val="bg1"/>
+      </p:bgRef>
+    </p:bg>
+    <p:spTree>
+      <p:nvGrpSpPr>
+        <p:cNvPr id="1" name=""/>
+        <p:cNvGrpSpPr/>
+        <p:nvPr/>
+      </p:nvGrpSpPr>
+      <p:grpSpPr>
+        <a:xfrm>
+          <a:off x="0" y="0"/>
+          <a:ext cx="0" cy="0"/>
+          <a:chOff x="0" y="0"/>
+          <a:chExt cx="0" cy="0"/>
+        </a:xfrm>
+      </p:grpSpPr>
+      <p:sp>
+        <p:nvSpPr>
+          <p:cNvPr id="7" name="Rectangle 6"/>
+          <p:cNvSpPr>
+            <a:spLocks noChangeAspect="1"/>
+          </p:cNvSpPr>
+          <p:nvPr/>
+        </p:nvSpPr>
+        <p:spPr>
+          <a:xfrm>
+            <a:off x="231140" y="243840"/>
+            <a:ext cx="11724640" cy="6377939"/>
+          </a:xfrm>
+          <a:prstGeom prst="rect">
+            <a:avLst/>
+          </a:prstGeom>
+          <a:solidFill>
+            <a:schemeClr val="bg1"/>
+          </a:solidFill>
+          <a:ln w="12700">
+            <a:solidFill>
+              <a:schemeClr val="tx1"/>
+            </a:solidFill>
+          </a:ln>
+        </p:spPr>
+        <p:style>
+          <a:lnRef idx="2">
+            <a:schemeClr val="accent1">
+              <a:shade val="50000"/>
+            </a:schemeClr>
+          </a:lnRef>
+          <a:fillRef idx="1">
+            <a:schemeClr val="accent1"/>
+          </a:fillRef>
+          <a:effectRef idx="0">
+            <a:schemeClr val="accent1"/>
+          </a:effectRef>
+          <a:fontRef idx="minor">
+            <a:schemeClr val="lt1"/>
+          </a:fontRef>
+        </p:style>
+      </p:sp>
+      <p:sp>
+        <p:nvSpPr>
+          <p:cNvPr id="2" name="Title Placeholder 1"/>
+          <p:cNvSpPr>
+            <a:spLocks noGrp="1"/>
+          </p:cNvSpPr>
+          <p:nvPr>
+            <p:ph type="title"/>
+          </p:nvPr>
+        </p:nvSpPr>
+        <p:spPr>
+          <a:xfrm>
+            <a:off x="1143000" y="609600"/>
+            <a:ext cx="9875520" cy="1356360"/>
+          </a:xfrm>
+          <a:prstGeom prst="rect">
+            <a:avLst/>
+          </a:prstGeom>
+        </p:spPr>
+        <p:txBody>
+          <a:bodyPr vert="horz" lIns="91440" tIns="45720" rIns="91440" bIns="45720" rtlCol="0" anchor="ctr">
+            <a:normAutofit/>
+          </a:bodyPr>
+          <a:lstStyle/>
+          <a:p>
+            <a:r>
+              <a:rPr lang="en-US"/>
+              <a:t>Click to edit Master title style</a:t>
+            </a:r>
+            <a:endParaRPr lang="en-US" dirty="0"/>
+          </a:p>
+        </p:txBody>
+      </p:sp>
+      <p:sp>
+        <p:nvSpPr>
+          <p:cNvPr id="3" name="Text Placeholder 2"/>
+          <p:cNvSpPr>
+            <a:spLocks noGrp="1"/>
+          </p:cNvSpPr>
+          <p:nvPr>
+            <p:ph type="body" idx="1"/>
+          </p:nvPr>
+        </p:nvSpPr>
+        <p:spPr>
+          <a:xfrm>
+            <a:off x="1143000" y="2057400"/>
+            <a:ext cx="9872871" cy="4038600"/>
+          </a:xfrm>
+          <a:prstGeom prst="rect">
+            <a:avLst/>
+          </a:prstGeom>
+        </p:spPr>
+        <p:txBody>
+          <a:bodyPr vert="horz" lIns="91440" tIns="45720" rIns="91440" bIns="45720" rtlCol="0">
+            <a:normAutofit/>
+          </a:bodyPr>
+          <a:lstStyle/>
+          <a:p>
+            <a:pPr lvl="0"/>
+            <a:r>
+              <a:rPr lang="en-US"/>
+              <a:t>Edit Master text styles</a:t>
+            </a:r>
+          </a:p>
+          <a:p>
+            <a:pPr lvl="1"/>
+            <a:r>
+              <a:rPr lang="en-US"/>
+              <a:t>Second level</a:t>
+            </a:r>
+          </a:p>
+          <a:p>
+            <a:pPr lvl="2"/>
+            <a:r>
+              <a:rPr lang="en-US"/>
+              <a:t>Third level</a:t>
+            </a:r>
+          </a:p>
+          <a:p>
+            <a:pPr lvl="3"/>
+            <a:r>
+              <a:rPr lang="en-US"/>
+              <a:t>Fourth level</a:t>
+            </a:r>
+          </a:p>
+          <a:p>
+            <a:pPr lvl="4"/>
+            <a:r>
+              <a:rPr lang="en-US"/>
+              <a:t>Fifth level</a:t>
+            </a:r>
+            <a:endParaRPr lang="en-US" dirty="0"/>
+          </a:p>
+        </p:txBody>
+      </p:sp>
+      <p:sp>
+        <p:nvSpPr>
+          <p:cNvPr id="4" name="Date Placeholder 3"/>
+          <p:cNvSpPr>
+            <a:spLocks noGrp="1"/>
+          </p:cNvSpPr>
+          <p:nvPr>
+            <p:ph type="dt" sz="half" idx="2"/>
+          </p:nvPr>
+        </p:nvSpPr>
+        <p:spPr>
+          <a:xfrm>
+            <a:off x="1142996" y="6223828"/>
+            <a:ext cx="2329074" cy="365125"/>
+          </a:xfrm>
+          <a:prstGeom prst="rect">
+            <a:avLst/>
+          </a:prstGeom>
+        </p:spPr>
+        <p:txBody>
+          <a:bodyPr vert="horz" lIns="91440" tIns="45720" rIns="91440" bIns="45720" rtlCol="0" anchor="ctr"/>
+          <a:lstStyle>
+            <a:lvl1pPr algn="l">
+              <a:defRPr sz="1200">
+                <a:solidFill>
+                  <a:schemeClr val="tx1"/>
+                </a:solidFill>
+              </a:defRPr>
+            </a:lvl1pPr>
+          </a:lstStyle>
+          <a:p>
+            <a:fld id="{B61BEF0D-F0BB-DE4B-95CE-6DB70DBA9567}" type="datetimeFigureOut">
+              <a:rPr lang="en-US" smtClean="0">
+                <a:solidFill>
+                  <a:prstClr val="black"/>
+                </a:solidFill>
+              </a:rPr>
+              <a:pPr/>
+              <a:t>3/6/2017</a:t>
+            </a:fld>
+            <a:endParaRPr lang="en-US" dirty="0">
+              <a:solidFill>
+                <a:prstClr val="black"/>
+              </a:solidFill>
+            </a:endParaRPr>
+          </a:p>
+        </p:txBody>
+      </p:sp>
+      <p:sp>
+        <p:nvSpPr>
+          <p:cNvPr id="5" name="Footer Placeholder 4"/>
+          <p:cNvSpPr>
+            <a:spLocks noGrp="1"/>
+          </p:cNvSpPr>
+          <p:nvPr>
+            <p:ph type="ftr" sz="quarter" idx="3"/>
+          </p:nvPr>
+        </p:nvSpPr>
+        <p:spPr>
+          <a:xfrm>
+            <a:off x="3949148" y="6223828"/>
+            <a:ext cx="4717774" cy="365125"/>
+          </a:xfrm>
+          <a:prstGeom prst="rect">
+            <a:avLst/>
+          </a:prstGeom>
+        </p:spPr>
+        <p:txBody>
+          <a:bodyPr vert="horz" lIns="91440" tIns="45720" rIns="91440" bIns="45720" rtlCol="0" anchor="ctr"/>
+          <a:lstStyle>
+            <a:lvl1pPr algn="ctr">
+              <a:defRPr sz="1200">
+                <a:solidFill>
+                  <a:schemeClr val="tx1"/>
+                </a:solidFill>
+              </a:defRPr>
+            </a:lvl1pPr>
+          </a:lstStyle>
+          <a:p>
+            <a:endParaRPr lang="en-US" dirty="0">
+              <a:solidFill>
+                <a:prstClr val="black"/>
+              </a:solidFill>
+            </a:endParaRPr>
+          </a:p>
+        </p:txBody>
+      </p:sp>
+      <p:sp>
+        <p:nvSpPr>
+          <p:cNvPr id="6" name="Slide Number Placeholder 5"/>
+          <p:cNvSpPr>
+            <a:spLocks noGrp="1"/>
+          </p:cNvSpPr>
+          <p:nvPr>
+            <p:ph type="sldNum" sz="quarter" idx="4"/>
+          </p:nvPr>
+        </p:nvSpPr>
+        <p:spPr>
+          <a:xfrm>
+            <a:off x="9329530" y="6223828"/>
+            <a:ext cx="1706217" cy="365125"/>
+          </a:xfrm>
+          <a:prstGeom prst="rect">
+            <a:avLst/>
+          </a:prstGeom>
+        </p:spPr>
+        <p:txBody>
+          <a:bodyPr vert="horz" lIns="91440" tIns="45720" rIns="91440" bIns="45720" rtlCol="0" anchor="ctr"/>
+          <a:lstStyle>
+            <a:lvl1pPr algn="r">
+              <a:defRPr sz="1200">
+                <a:solidFill>
+                  <a:schemeClr val="tx1"/>
+                </a:solidFill>
+              </a:defRPr>
+            </a:lvl1pPr>
+          </a:lstStyle>
+          <a:p>
+            <a:fld id="{D57F1E4F-1CFF-5643-939E-217C01CDF565}" type="slidenum">
+              <a:rPr lang="en-US" smtClean="0">
+                <a:solidFill>
+                  <a:prstClr val="black"/>
+                </a:solidFill>
+              </a:rPr>
+              <a:pPr/>
+              <a:t>‹#›</a:t>
+            </a:fld>
+            <a:endParaRPr lang="en-US" dirty="0">
+              <a:solidFill>
+                <a:prstClr val="black"/>
+              </a:solidFill>
+            </a:endParaRPr>
+          </a:p>
+        </p:txBody>
+      </p:sp>
+    </p:spTree>
+    <p:extLst>
+      <p:ext uri="{BB962C8B-B14F-4D97-AF65-F5344CB8AC3E}">
+        <p14:creationId xmlns:p14="http://schemas.microsoft.com/office/powerpoint/2010/main" val="30175485"/>
+      </p:ext>
+    </p:extLst>
+  </p:cSld>
+  <p:clrMap bg1="lt1" tx1="dk1" bg2="lt2" tx2="dk2" accent1="accent1" accent2="accent2" accent3="accent3" accent4="accent4" accent5="accent5" accent6="accent6" hlink="hlink" folHlink="folHlink"/>
+  <p:sldLayoutIdLst>
+    <p:sldLayoutId id="2147483744" r:id="rId1"/>
+    <p:sldLayoutId id="2147483745" r:id="rId2"/>
+    <p:sldLayoutId id="2147483746" r:id="rId3"/>
+    <p:sldLayoutId id="2147483747" r:id="rId4"/>
+    <p:sldLayoutId id="2147483748" r:id="rId5"/>
+    <p:sldLayoutId id="2147483749" r:id="rId6"/>
+    <p:sldLayoutId id="2147483750" r:id="rId7"/>
+    <p:sldLayoutId id="2147483751" r:id="rId8"/>
+    <p:sldLayoutId id="2147483752" r:id="rId9"/>
+    <p:sldLayoutId id="2147483753" r:id="rId10"/>
+    <p:sldLayoutId id="2147483754" r:id="rId11"/>
+  </p:sldLayoutIdLst>
+  <p:txStyles>
+    <p:titleStyle>
+      <a:lvl1pPr algn="l" defTabSz="914400" rtl="0" eaLnBrk="1" latinLnBrk="0" hangingPunct="1">
+        <a:lnSpc>
+          <a:spcPct val="90000"/>
+        </a:lnSpc>
+        <a:spcBef>
+          <a:spcPct val="0"/>
+        </a:spcBef>
+        <a:buNone/>
+        <a:defRPr sz="4400" kern="1200">
+          <a:solidFill>
+            <a:schemeClr val="tx1"/>
+          </a:solidFill>
+          <a:latin typeface="+mj-lt"/>
+          <a:ea typeface="+mj-ea"/>
+          <a:cs typeface="+mj-cs"/>
+        </a:defRPr>
+      </a:lvl1pPr>
+    </p:titleStyle>
+    <p:bodyStyle>
+      <a:lvl1pPr marL="228600" indent="-182880" algn="l" defTabSz="914400" rtl="0" eaLnBrk="1" latinLnBrk="0" hangingPunct="1">
+        <a:lnSpc>
+          <a:spcPct val="90000"/>
+        </a:lnSpc>
+        <a:spcBef>
+          <a:spcPts val="1400"/>
+        </a:spcBef>
+        <a:buClr>
+          <a:schemeClr val="tx1"/>
+        </a:buClr>
+        <a:buSzPct val="80000"/>
+        <a:buFont typeface="Corbel" pitchFamily="34" charset="0"/>
+        <a:buChar char="•"/>
+        <a:defRPr sz="2200" kern="1200">
+          <a:solidFill>
+            <a:schemeClr val="tx1"/>
+          </a:solidFill>
+          <a:latin typeface="+mn-lt"/>
+          <a:ea typeface="+mn-ea"/>
+          <a:cs typeface="+mn-cs"/>
+        </a:defRPr>
+      </a:lvl1pPr>
+      <a:lvl2pPr marL="457200" indent="-182880" algn="l" defTabSz="914400" rtl="0" eaLnBrk="1" latinLnBrk="0" hangingPunct="1">
+        <a:lnSpc>
+          <a:spcPct val="90000"/>
+        </a:lnSpc>
+        <a:spcBef>
+          <a:spcPts val="200"/>
+        </a:spcBef>
+        <a:spcAft>
+          <a:spcPts val="400"/>
+        </a:spcAft>
+        <a:buClr>
+          <a:schemeClr val="tx1"/>
+        </a:buClr>
+        <a:buSzPct val="80000"/>
+        <a:buFont typeface="Corbel" pitchFamily="34" charset="0"/>
+        <a:buChar char="•"/>
+        <a:defRPr sz="2000" kern="1200">
+          <a:solidFill>
+            <a:schemeClr val="tx1"/>
+          </a:solidFill>
+          <a:latin typeface="+mn-lt"/>
+          <a:ea typeface="+mn-ea"/>
+          <a:cs typeface="+mn-cs"/>
+        </a:defRPr>
+      </a:lvl2pPr>
+      <a:lvl3pPr marL="731520" indent="-182880" algn="l" defTabSz="914400" rtl="0" eaLnBrk="1" latinLnBrk="0" hangingPunct="1">
+        <a:lnSpc>
+          <a:spcPct val="90000"/>
+        </a:lnSpc>
+        <a:spcBef>
+          <a:spcPts val="200"/>
+        </a:spcBef>
+        <a:spcAft>
+          <a:spcPts val="400"/>
+        </a:spcAft>
+        <a:buClr>
+          <a:schemeClr val="tx1"/>
+        </a:buClr>
+        <a:buSzPct val="80000"/>
+        <a:buFont typeface="Corbel" pitchFamily="34" charset="0"/>
+        <a:buChar char="•"/>
+        <a:defRPr sz="1800" kern="1200">
+          <a:solidFill>
+            <a:schemeClr val="tx1"/>
+          </a:solidFill>
+          <a:latin typeface="+mn-lt"/>
+          <a:ea typeface="+mn-ea"/>
+          <a:cs typeface="+mn-cs"/>
+        </a:defRPr>
+      </a:lvl3pPr>
+      <a:lvl4pPr marL="1005840" indent="-182880" algn="l" defTabSz="914400" rtl="0" eaLnBrk="1" latinLnBrk="0" hangingPunct="1">
+        <a:lnSpc>
+          <a:spcPct val="90000"/>
+        </a:lnSpc>
+        <a:spcBef>
+          <a:spcPts val="200"/>
+        </a:spcBef>
+        <a:spcAft>
+          <a:spcPts val="400"/>
+        </a:spcAft>
+        <a:buClr>
+          <a:schemeClr val="tx1"/>
+        </a:buClr>
+        <a:buSzPct val="80000"/>
+        <a:buFont typeface="Corbel" pitchFamily="34" charset="0"/>
+        <a:buChar char="•"/>
+        <a:defRPr sz="1600" kern="1200">
+          <a:solidFill>
+            <a:schemeClr val="tx1"/>
+          </a:solidFill>
+          <a:latin typeface="+mn-lt"/>
+          <a:ea typeface="+mn-ea"/>
+          <a:cs typeface="+mn-cs"/>
+        </a:defRPr>
+      </a:lvl4pPr>
+      <a:lvl5pPr marL="1280160" indent="-182880" algn="l" defTabSz="914400" rtl="0" eaLnBrk="1" latinLnBrk="0" hangingPunct="1">
+        <a:lnSpc>
+          <a:spcPct val="90000"/>
+        </a:lnSpc>
+        <a:spcBef>
+          <a:spcPts val="200"/>
+        </a:spcBef>
+        <a:spcAft>
+          <a:spcPts val="400"/>
+        </a:spcAft>
+        <a:buClr>
+          <a:schemeClr val="tx1"/>
+        </a:buClr>
+        <a:buSzPct val="80000"/>
+        <a:buFont typeface="Corbel" pitchFamily="34" charset="0"/>
+        <a:buChar char="•"/>
+        <a:defRPr sz="1600" kern="1200">
+          <a:solidFill>
+            <a:schemeClr val="tx1"/>
+          </a:solidFill>
+          <a:latin typeface="+mn-lt"/>
+          <a:ea typeface="+mn-ea"/>
+          <a:cs typeface="+mn-cs"/>
+        </a:defRPr>
+      </a:lvl5pPr>
+      <a:lvl6pPr marL="1600000" indent="-228600" algn="l" defTabSz="914400" rtl="0" eaLnBrk="1" latinLnBrk="0" hangingPunct="1">
+        <a:lnSpc>
+          <a:spcPct val="90000"/>
+        </a:lnSpc>
+        <a:spcBef>
+          <a:spcPts val="200"/>
+        </a:spcBef>
+        <a:spcAft>
+          <a:spcPts val="400"/>
+        </a:spcAft>
+        <a:buClr>
+          <a:schemeClr val="tx1"/>
+        </a:buClr>
+        <a:buSzPct val="80000"/>
+        <a:buFont typeface="Corbel" pitchFamily="34" charset="0"/>
+        <a:buChar char="•"/>
+        <a:defRPr sz="1600" kern="1200">
+          <a:solidFill>
+            <a:schemeClr val="tx1"/>
+          </a:solidFill>
+          <a:latin typeface="+mn-lt"/>
+          <a:ea typeface="+mn-ea"/>
+          <a:cs typeface="+mn-cs"/>
+        </a:defRPr>
+      </a:lvl6pPr>
+      <a:lvl7pPr marL="1900000" indent="-228600" algn="l" defTabSz="914400" rtl="0" eaLnBrk="1" latinLnBrk="0" hangingPunct="1">
+        <a:lnSpc>
+          <a:spcPct val="90000"/>
+        </a:lnSpc>
+        <a:spcBef>
+          <a:spcPts val="200"/>
+        </a:spcBef>
+        <a:spcAft>
+          <a:spcPts val="400"/>
+        </a:spcAft>
+        <a:buClr>
+          <a:schemeClr val="tx1"/>
+        </a:buClr>
+        <a:buSzPct val="80000"/>
+        <a:buFont typeface="Corbel" pitchFamily="34" charset="0"/>
+        <a:buChar char="•"/>
+        <a:defRPr sz="1600" kern="1200">
+          <a:solidFill>
+            <a:schemeClr val="tx1"/>
+          </a:solidFill>
+          <a:latin typeface="+mn-lt"/>
+          <a:ea typeface="+mn-ea"/>
+          <a:cs typeface="+mn-cs"/>
+        </a:defRPr>
+      </a:lvl7pPr>
+      <a:lvl8pPr marL="2200000" indent="-228600" algn="l" defTabSz="914400" rtl="0" eaLnBrk="1" latinLnBrk="0" hangingPunct="1">
+        <a:lnSpc>
+          <a:spcPct val="90000"/>
+        </a:lnSpc>
+        <a:spcBef>
+          <a:spcPts val="200"/>
+        </a:spcBef>
+        <a:spcAft>
+          <a:spcPts val="400"/>
+        </a:spcAft>
+        <a:buClr>
+          <a:schemeClr val="tx1"/>
+        </a:buClr>
+        <a:buSzPct val="80000"/>
+        <a:buFont typeface="Corbel" pitchFamily="34" charset="0"/>
+        <a:buChar char="•"/>
+        <a:defRPr sz="1600" kern="1200">
+          <a:solidFill>
+            <a:schemeClr val="tx1"/>
+          </a:solidFill>
+          <a:latin typeface="+mn-lt"/>
+          <a:ea typeface="+mn-ea"/>
+          <a:cs typeface="+mn-cs"/>
+        </a:defRPr>
+      </a:lvl8pPr>
+      <a:lvl9pPr marL="2500000" indent="-228600" algn="l" defTabSz="914400" rtl="0" eaLnBrk="1" latinLnBrk="0" hangingPunct="1">
+        <a:lnSpc>
+          <a:spcPct val="90000"/>
+        </a:lnSpc>
+        <a:spcBef>
+          <a:spcPts val="200"/>
+        </a:spcBef>
+        <a:spcAft>
+          <a:spcPts val="400"/>
+        </a:spcAft>
+        <a:buClr>
+          <a:schemeClr val="tx1"/>
+        </a:buClr>
+        <a:buSzPct val="80000"/>
+        <a:buFont typeface="Corbel" pitchFamily="34" charset="0"/>
+        <a:buChar char="•"/>
+        <a:defRPr sz="1600" kern="1200">
+          <a:solidFill>
+            <a:schemeClr val="tx1"/>
+          </a:solidFill>
+          <a:latin typeface="+mn-lt"/>
+          <a:ea typeface="+mn-ea"/>
+          <a:cs typeface="+mn-cs"/>
+        </a:defRPr>
+      </a:lvl9pPr>
+    </p:bodyStyle>
+    <p:otherStyle>
+      <a:defPPr>
+        <a:defRPr lang="en-US"/>
+      </a:defPPr>
+      <a:lvl1pPr marL="0" algn="l" defTabSz="914400" rtl="0" eaLnBrk="1" latinLnBrk="0" hangingPunct="1">
+        <a:defRPr sz="1800" kern="1200">
+          <a:solidFill>
+            <a:schemeClr val="tx1"/>
+          </a:solidFill>
+          <a:latin typeface="+mn-lt"/>
+          <a:ea typeface="+mn-ea"/>
+          <a:cs typeface="+mn-cs"/>
+        </a:defRPr>
+      </a:lvl1pPr>
+      <a:lvl2pPr marL="457200" algn="l" defTabSz="914400" rtl="0" eaLnBrk="1" latinLnBrk="0" hangingPunct="1">
+        <a:defRPr sz="1800" kern="1200">
+          <a:solidFill>
+            <a:schemeClr val="tx1"/>
+          </a:solidFill>
+          <a:latin typeface="+mn-lt"/>
+          <a:ea typeface="+mn-ea"/>
+          <a:cs typeface="+mn-cs"/>
+        </a:defRPr>
+      </a:lvl2pPr>
+      <a:lvl3pPr marL="914400" algn="l" defTabSz="914400" rtl="0" eaLnBrk="1" latinLnBrk="0" hangingPunct="1">
+        <a:defRPr sz="1800" kern="1200">
+          <a:solidFill>
+            <a:schemeClr val="tx1"/>
+          </a:solidFill>
+          <a:latin typeface="+mn-lt"/>
+          <a:ea typeface="+mn-ea"/>
+          <a:cs typeface="+mn-cs"/>
+        </a:defRPr>
+      </a:lvl3pPr>
+      <a:lvl4pPr marL="1371600" algn="l" defTabSz="914400" rtl="0" eaLnBrk="1" latinLnBrk="0" hangingPunct="1">
+        <a:defRPr sz="1800" kern="1200">
+          <a:solidFill>
+            <a:schemeClr val="tx1"/>
+          </a:solidFill>
+          <a:latin typeface="+mn-lt"/>
+          <a:ea typeface="+mn-ea"/>
+          <a:cs typeface="+mn-cs"/>
+        </a:defRPr>
+      </a:lvl4pPr>
+      <a:lvl5pPr marL="1828800" algn="l" defTabSz="914400" rtl="0" eaLnBrk="1" latinLnBrk="0" hangingPunct="1">
+        <a:defRPr sz="1800" kern="1200">
+          <a:solidFill>
+            <a:schemeClr val="tx1"/>
+          </a:solidFill>
+          <a:latin typeface="+mn-lt"/>
+          <a:ea typeface="+mn-ea"/>
+          <a:cs typeface="+mn-cs"/>
+        </a:defRPr>
+      </a:lvl5pPr>
+      <a:lvl6pPr marL="2286000" algn="l" defTabSz="914400" rtl="0" eaLnBrk="1" latinLnBrk="0" hangingPunct="1">
+        <a:defRPr sz="1800" kern="1200">
+          <a:solidFill>
+            <a:schemeClr val="tx1"/>
+          </a:solidFill>
+          <a:latin typeface="+mn-lt"/>
+          <a:ea typeface="+mn-ea"/>
+          <a:cs typeface="+mn-cs"/>
+        </a:defRPr>
+      </a:lvl6pPr>
+      <a:lvl7pPr marL="2743200" algn="l" defTabSz="914400" rtl="0" eaLnBrk="1" latinLnBrk="0" hangingPunct="1">
+        <a:defRPr sz="1800" kern="1200">
+          <a:solidFill>
+            <a:schemeClr val="tx1"/>
+          </a:solidFill>
+          <a:latin typeface="+mn-lt"/>
+          <a:ea typeface="+mn-ea"/>
+          <a:cs typeface="+mn-cs"/>
+        </a:defRPr>
+      </a:lvl7pPr>
+      <a:lvl8pPr marL="3200400" algn="l" defTabSz="914400" rtl="0" eaLnBrk="1" latinLnBrk="0" hangingPunct="1">
+        <a:defRPr sz="1800" kern="1200">
+          <a:solidFill>
+            <a:schemeClr val="tx1"/>
+          </a:solidFill>
+          <a:latin typeface="+mn-lt"/>
+          <a:ea typeface="+mn-ea"/>
+          <a:cs typeface="+mn-cs"/>
+        </a:defRPr>
+      </a:lvl8pPr>
+      <a:lvl9pPr marL="3657600" algn="l" defTabSz="914400" rtl="0" eaLnBrk="1" latinLnBrk="0" hangingPunct="1">
+        <a:defRPr sz="1800" kern="1200">
+          <a:solidFill>
+            <a:schemeClr val="tx1"/>
+          </a:solidFill>
+          <a:latin typeface="+mn-lt"/>
+          <a:ea typeface="+mn-ea"/>
+          <a:cs typeface="+mn-cs"/>
+        </a:defRPr>
+      </a:lvl9pPr>
+    </p:otherStyle>
+  </p:txStyles>
+  <p:extLst>
+    <p:ext uri="{27BBF7A9-308A-43DC-89C8-2F10F3537804}">
+      <p15:sldGuideLst xmlns="" xmlns:p15="http://schemas.microsoft.com/office/powerpoint/2012/main"/>
     </p:ext>
   </p:extLst>
 </p:sldMaster>
@@ -10831,6 +14594,13 @@
   <p:clrMapOvr>
     <a:masterClrMapping/>
   </p:clrMapOvr>
+  <p:timing>
+    <p:tnLst>
+      <p:par>
+        <p:cTn id="1" dur="indefinite" restart="never" nodeType="tmRoot"/>
+      </p:par>
+    </p:tnLst>
+  </p:timing>
 </p:sld>
 </file>
 
@@ -11570,8 +15340,12 @@
           <a:p>
             <a:r>
               <a:rPr lang="en-US" dirty="0"/>
-              <a:t>SCM Plan</a:t>
-            </a:r>
+              <a:t>Communication Plan</a:t>
+            </a:r>
+            <a:br>
+              <a:rPr lang="en-US" dirty="0"/>
+            </a:br>
+            <a:endParaRPr lang="en-US" sz="2800" dirty="0"/>
           </a:p>
         </p:txBody>
       </p:sp>
@@ -11587,59 +15361,64 @@
         </p:nvSpPr>
         <p:spPr/>
         <p:txBody>
-          <a:bodyPr/>
+          <a:bodyPr>
+            <a:normAutofit/>
+          </a:bodyPr>
           <a:lstStyle/>
           <a:p>
-            <a:r>
-              <a:rPr lang="en-US" b="1" u="sng" dirty="0"/>
-              <a:t>Slack: </a:t>
-            </a:r>
-          </a:p>
-          <a:p>
-            <a:pPr lvl="1"/>
+            <a:pPr marL="342900" indent="-342900"/>
             <a:r>
               <a:rPr lang="en-US" dirty="0"/>
-              <a:t>Notifications</a:t>
-            </a:r>
-          </a:p>
-          <a:p>
-            <a:pPr lvl="1"/>
-            <a:r>
-              <a:rPr lang="en-US" dirty="0" err="1"/>
-              <a:t>Meeting_minutes</a:t>
-            </a:r>
+              <a:t>Checking Slack </a:t>
+            </a:r>
+            <a:r>
+              <a:rPr lang="en-US" dirty="0" smtClean="0"/>
+              <a:t>once per day</a:t>
+            </a:r>
+            <a:endParaRPr lang="en-US" dirty="0"/>
+          </a:p>
+          <a:p>
+            <a:pPr marL="342900" indent="-342900"/>
             <a:r>
               <a:rPr lang="en-US" dirty="0"/>
-              <a:t> channel</a:t>
-            </a:r>
-            <a:endParaRPr lang="en-US" u="sng" dirty="0"/>
-          </a:p>
-          <a:p>
-            <a:r>
-              <a:rPr lang="en-US" b="1" u="sng" dirty="0"/>
-              <a:t>GitHub:</a:t>
-            </a:r>
-          </a:p>
-          <a:p>
-            <a:pPr lvl="1"/>
+              <a:t>Establish </a:t>
+            </a:r>
+            <a:r>
+              <a:rPr lang="en-US" dirty="0" smtClean="0"/>
+              <a:t>meetings</a:t>
+            </a:r>
+            <a:endParaRPr lang="en-US" dirty="0"/>
+          </a:p>
+          <a:p>
+            <a:pPr marL="342900" indent="-342900"/>
             <a:r>
               <a:rPr lang="en-US" dirty="0"/>
-              <a:t>Source code</a:t>
-            </a:r>
-          </a:p>
-          <a:p>
-            <a:pPr lvl="1"/>
+              <a:t>General Availability </a:t>
+            </a:r>
+            <a:r>
+              <a:rPr lang="en-US" dirty="0" smtClean="0"/>
+              <a:t>Doc</a:t>
+            </a:r>
+            <a:endParaRPr lang="en-US" dirty="0"/>
+          </a:p>
+          <a:p>
+            <a:pPr marL="342900" indent="-342900"/>
             <a:r>
               <a:rPr lang="en-US" dirty="0"/>
-              <a:t>Other artifacts</a:t>
-            </a:r>
+              <a:t>Exceptions </a:t>
+            </a:r>
+            <a:r>
+              <a:rPr lang="en-US" dirty="0" smtClean="0"/>
+              <a:t>Calendar</a:t>
+            </a:r>
+            <a:endParaRPr lang="en-US" dirty="0"/>
           </a:p>
         </p:txBody>
       </p:sp>
     </p:spTree>
     <p:extLst>
       <p:ext uri="{BB962C8B-B14F-4D97-AF65-F5344CB8AC3E}">
-        <p14:creationId xmlns:p14="http://schemas.microsoft.com/office/powerpoint/2010/main" val="830225128"/>
+        <p14:creationId xmlns:p14="http://schemas.microsoft.com/office/powerpoint/2010/main" val="2997919723"/>
       </p:ext>
     </p:extLst>
   </p:cSld>
@@ -11683,7 +15462,7 @@
           <a:p>
             <a:r>
               <a:rPr lang="en-US" dirty="0"/>
-              <a:t>What worked</a:t>
+              <a:t>SCM Plan</a:t>
             </a:r>
           </a:p>
         </p:txBody>
@@ -11704,44 +15483,47 @@
           <a:lstStyle/>
           <a:p>
             <a:r>
+              <a:rPr lang="en-US" b="1" u="sng" dirty="0"/>
+              <a:t>Slack: </a:t>
+            </a:r>
+          </a:p>
+          <a:p>
+            <a:pPr lvl="1"/>
+            <a:r>
               <a:rPr lang="en-US" dirty="0"/>
-              <a:t>Early start</a:t>
-            </a:r>
-          </a:p>
-          <a:p>
+              <a:t>Notifications</a:t>
+            </a:r>
+          </a:p>
+          <a:p>
+            <a:pPr lvl="1"/>
+            <a:r>
+              <a:rPr lang="en-US" dirty="0" err="1"/>
+              <a:t>Meeting_minutes</a:t>
+            </a:r>
             <a:r>
               <a:rPr lang="en-US" dirty="0"/>
-              <a:t>Establishing in-person meetings</a:t>
-            </a:r>
-          </a:p>
-          <a:p>
+              <a:t> channel</a:t>
+            </a:r>
+            <a:endParaRPr lang="en-US" u="sng" dirty="0"/>
+          </a:p>
+          <a:p>
+            <a:r>
+              <a:rPr lang="en-US" b="1" u="sng" dirty="0"/>
+              <a:t>GitHub:</a:t>
+            </a:r>
+          </a:p>
+          <a:p>
+            <a:pPr lvl="1"/>
             <a:r>
               <a:rPr lang="en-US" dirty="0"/>
-              <a:t>Selection of time tracking tool: Toggl</a:t>
-            </a:r>
-          </a:p>
-          <a:p>
+              <a:t>Source code</a:t>
+            </a:r>
+          </a:p>
+          <a:p>
+            <a:pPr lvl="1"/>
             <a:r>
               <a:rPr lang="en-US" dirty="0"/>
-              <a:t>Training for tools</a:t>
-            </a:r>
-          </a:p>
-          <a:p>
-            <a:r>
-              <a:rPr lang="en-US" dirty="0"/>
-              <a:t>Team communication </a:t>
-            </a:r>
-          </a:p>
-          <a:p>
-            <a:r>
-              <a:rPr lang="en-US" dirty="0"/>
-              <a:t>Risk management</a:t>
-            </a:r>
-          </a:p>
-          <a:p>
-            <a:r>
-              <a:rPr lang="en-US" dirty="0"/>
-              <a:t>Setting milestones for ourselves </a:t>
+              <a:t>Other artifacts</a:t>
             </a:r>
           </a:p>
         </p:txBody>
@@ -11749,13 +15531,20 @@
     </p:spTree>
     <p:extLst>
       <p:ext uri="{BB962C8B-B14F-4D97-AF65-F5344CB8AC3E}">
-        <p14:creationId xmlns:p14="http://schemas.microsoft.com/office/powerpoint/2010/main" val="1878087913"/>
+        <p14:creationId xmlns:p14="http://schemas.microsoft.com/office/powerpoint/2010/main" val="830225128"/>
       </p:ext>
     </p:extLst>
   </p:cSld>
   <p:clrMapOvr>
     <a:masterClrMapping/>
   </p:clrMapOvr>
+  <p:timing>
+    <p:tnLst>
+      <p:par>
+        <p:cTn id="1" dur="indefinite" restart="never" nodeType="tmRoot"/>
+      </p:par>
+    </p:tnLst>
+  </p:timing>
 </p:sld>
 </file>
 
@@ -11847,7 +15636,7 @@
           <a:p>
             <a:r>
               <a:rPr lang="en-US" dirty="0"/>
-              <a:t>What did not work</a:t>
+              <a:t>What worked</a:t>
             </a:r>
           </a:p>
         </p:txBody>
@@ -11869,52 +15658,64 @@
           <a:p>
             <a:r>
               <a:rPr lang="en-US" dirty="0"/>
-              <a:t>SPMP formatting and style</a:t>
+              <a:t>Early start</a:t>
             </a:r>
           </a:p>
           <a:p>
             <a:r>
               <a:rPr lang="en-US" dirty="0"/>
-              <a:t>Artifact review method</a:t>
-            </a:r>
-          </a:p>
-          <a:p>
-            <a:r>
-              <a:rPr lang="en-US" dirty="0" err="1"/>
-              <a:t>Wrike</a:t>
-            </a:r>
+              <a:t>Establishing in-person meetings</a:t>
+            </a:r>
+          </a:p>
+          <a:p>
             <a:r>
               <a:rPr lang="en-US" dirty="0"/>
-              <a:t> under-utilized</a:t>
+              <a:t>Selection of time tracking tool: Toggl</a:t>
             </a:r>
           </a:p>
           <a:p>
             <a:r>
               <a:rPr lang="en-US" dirty="0"/>
-              <a:t>Dependencies not established early </a:t>
+              <a:t>Training for tools</a:t>
             </a:r>
           </a:p>
           <a:p>
             <a:r>
               <a:rPr lang="en-US" dirty="0"/>
-              <a:t>Communication with PMs</a:t>
-            </a:r>
-          </a:p>
-          <a:p>
-            <a:endParaRPr lang="en-US" dirty="0"/>
+              <a:t>Team communication </a:t>
+            </a:r>
+          </a:p>
+          <a:p>
+            <a:r>
+              <a:rPr lang="en-US" dirty="0"/>
+              <a:t>Risk management</a:t>
+            </a:r>
+          </a:p>
+          <a:p>
+            <a:r>
+              <a:rPr lang="en-US" dirty="0"/>
+              <a:t>Setting milestones for ourselves </a:t>
+            </a:r>
           </a:p>
         </p:txBody>
       </p:sp>
     </p:spTree>
     <p:extLst>
       <p:ext uri="{BB962C8B-B14F-4D97-AF65-F5344CB8AC3E}">
-        <p14:creationId xmlns:p14="http://schemas.microsoft.com/office/powerpoint/2010/main" val="4030846354"/>
+        <p14:creationId xmlns:p14="http://schemas.microsoft.com/office/powerpoint/2010/main" val="1878087913"/>
       </p:ext>
     </p:extLst>
   </p:cSld>
   <p:clrMapOvr>
     <a:masterClrMapping/>
   </p:clrMapOvr>
+  <p:timing>
+    <p:tnLst>
+      <p:par>
+        <p:cTn id="1" dur="indefinite" restart="never" nodeType="tmRoot"/>
+      </p:par>
+    </p:tnLst>
+  </p:timing>
 </p:sld>
 </file>
 
@@ -11952,7 +15753,7 @@
           <a:p>
             <a:r>
               <a:rPr lang="en-US" dirty="0"/>
-              <a:t>Changes for Part 2</a:t>
+              <a:t>What did not work</a:t>
             </a:r>
           </a:p>
         </p:txBody>
@@ -11974,53 +15775,59 @@
           <a:p>
             <a:r>
               <a:rPr lang="en-US" dirty="0"/>
-              <a:t>Artifact format standards</a:t>
+              <a:t>SPMP formatting and style</a:t>
             </a:r>
           </a:p>
           <a:p>
             <a:r>
               <a:rPr lang="en-US" dirty="0"/>
-              <a:t>Establish artifact review method</a:t>
-            </a:r>
-          </a:p>
-          <a:p>
-            <a:r>
-              <a:rPr lang="en-US" dirty="0"/>
-              <a:t>Use </a:t>
-            </a:r>
+              <a:t>Artifact review method</a:t>
+            </a:r>
+          </a:p>
+          <a:p>
             <a:r>
               <a:rPr lang="en-US" dirty="0" err="1"/>
               <a:t>Wrike</a:t>
             </a:r>
             <a:r>
               <a:rPr lang="en-US" dirty="0"/>
-              <a:t> more</a:t>
+              <a:t> under-utilized</a:t>
             </a:r>
           </a:p>
           <a:p>
             <a:r>
               <a:rPr lang="en-US" dirty="0"/>
-              <a:t>Reorganize repository</a:t>
+              <a:t>Dependencies not established early </a:t>
             </a:r>
           </a:p>
           <a:p>
             <a:r>
               <a:rPr lang="en-US" dirty="0"/>
-              <a:t>Formalize PM communication</a:t>
-            </a:r>
+              <a:t>Communication with PMs</a:t>
+            </a:r>
+          </a:p>
+          <a:p>
+            <a:endParaRPr lang="en-US" dirty="0"/>
           </a:p>
         </p:txBody>
       </p:sp>
     </p:spTree>
     <p:extLst>
       <p:ext uri="{BB962C8B-B14F-4D97-AF65-F5344CB8AC3E}">
-        <p14:creationId xmlns:p14="http://schemas.microsoft.com/office/powerpoint/2010/main" val="2241271766"/>
+        <p14:creationId xmlns:p14="http://schemas.microsoft.com/office/powerpoint/2010/main" val="4030846354"/>
       </p:ext>
     </p:extLst>
   </p:cSld>
   <p:clrMapOvr>
     <a:masterClrMapping/>
   </p:clrMapOvr>
+  <p:timing>
+    <p:tnLst>
+      <p:par>
+        <p:cTn id="1" dur="indefinite" restart="never" nodeType="tmRoot"/>
+      </p:par>
+    </p:tnLst>
+  </p:timing>
 </p:sld>
 </file>
 
@@ -12053,6 +15860,119 @@
         </p:nvSpPr>
         <p:spPr/>
         <p:txBody>
+          <a:bodyPr/>
+          <a:lstStyle/>
+          <a:p>
+            <a:r>
+              <a:rPr lang="en-US" dirty="0"/>
+              <a:t>Changes for Part 2</a:t>
+            </a:r>
+          </a:p>
+        </p:txBody>
+      </p:sp>
+      <p:sp>
+        <p:nvSpPr>
+          <p:cNvPr id="3" name="Content Placeholder 2"/>
+          <p:cNvSpPr>
+            <a:spLocks noGrp="1"/>
+          </p:cNvSpPr>
+          <p:nvPr>
+            <p:ph idx="1"/>
+          </p:nvPr>
+        </p:nvSpPr>
+        <p:spPr/>
+        <p:txBody>
+          <a:bodyPr/>
+          <a:lstStyle/>
+          <a:p>
+            <a:r>
+              <a:rPr lang="en-US" dirty="0"/>
+              <a:t>Artifact format standards</a:t>
+            </a:r>
+          </a:p>
+          <a:p>
+            <a:r>
+              <a:rPr lang="en-US" dirty="0"/>
+              <a:t>Establish artifact review method</a:t>
+            </a:r>
+          </a:p>
+          <a:p>
+            <a:r>
+              <a:rPr lang="en-US" dirty="0"/>
+              <a:t>Use </a:t>
+            </a:r>
+            <a:r>
+              <a:rPr lang="en-US" dirty="0" err="1"/>
+              <a:t>Wrike</a:t>
+            </a:r>
+            <a:r>
+              <a:rPr lang="en-US" dirty="0"/>
+              <a:t> more</a:t>
+            </a:r>
+          </a:p>
+          <a:p>
+            <a:r>
+              <a:rPr lang="en-US" dirty="0"/>
+              <a:t>Reorganize repository</a:t>
+            </a:r>
+          </a:p>
+          <a:p>
+            <a:r>
+              <a:rPr lang="en-US" dirty="0"/>
+              <a:t>Formalize PM communication</a:t>
+            </a:r>
+          </a:p>
+        </p:txBody>
+      </p:sp>
+    </p:spTree>
+    <p:extLst>
+      <p:ext uri="{BB962C8B-B14F-4D97-AF65-F5344CB8AC3E}">
+        <p14:creationId xmlns:p14="http://schemas.microsoft.com/office/powerpoint/2010/main" val="2241271766"/>
+      </p:ext>
+    </p:extLst>
+  </p:cSld>
+  <p:clrMapOvr>
+    <a:masterClrMapping/>
+  </p:clrMapOvr>
+  <p:timing>
+    <p:tnLst>
+      <p:par>
+        <p:cTn id="1" dur="indefinite" restart="never" nodeType="tmRoot"/>
+      </p:par>
+    </p:tnLst>
+  </p:timing>
+</p:sld>
+</file>
+
+<file path=ppt/slides/slide23.xml><?xml version="1.0" encoding="utf-8"?>
+<p:sld xmlns:a="http://schemas.openxmlformats.org/drawingml/2006/main" xmlns:r="http://schemas.openxmlformats.org/officeDocument/2006/relationships" xmlns:p="http://schemas.openxmlformats.org/presentationml/2006/main">
+  <p:cSld>
+    <p:spTree>
+      <p:nvGrpSpPr>
+        <p:cNvPr id="1" name=""/>
+        <p:cNvGrpSpPr/>
+        <p:nvPr/>
+      </p:nvGrpSpPr>
+      <p:grpSpPr>
+        <a:xfrm>
+          <a:off x="0" y="0"/>
+          <a:ext cx="0" cy="0"/>
+          <a:chOff x="0" y="0"/>
+          <a:chExt cx="0" cy="0"/>
+        </a:xfrm>
+      </p:grpSpPr>
+      <p:sp>
+        <p:nvSpPr>
+          <p:cNvPr id="2" name="Title 1"/>
+          <p:cNvSpPr>
+            <a:spLocks noGrp="1"/>
+          </p:cNvSpPr>
+          <p:nvPr>
+            <p:ph type="title"/>
+          </p:nvPr>
+        </p:nvSpPr>
+        <p:spPr/>
+        <p:txBody>
           <a:bodyPr>
             <a:normAutofit fontScale="90000"/>
           </a:bodyPr>
@@ -12125,6 +16045,13 @@
   <p:clrMapOvr>
     <a:masterClrMapping/>
   </p:clrMapOvr>
+  <p:timing>
+    <p:tnLst>
+      <p:par>
+        <p:cTn id="1" dur="indefinite" restart="never" nodeType="tmRoot"/>
+      </p:par>
+    </p:tnLst>
+  </p:timing>
 </p:sld>
 </file>
 
@@ -12813,21 +16740,21 @@
                 <a:gridCol w="4063296">
                   <a:extLst>
                     <a:ext uri="{9D8B030D-6E8A-4147-A177-3AD203B41FA5}">
-                      <a16:colId xmlns:a16="http://schemas.microsoft.com/office/drawing/2014/main" val="1152663379"/>
+                      <a16:colId xmlns:a16="http://schemas.microsoft.com/office/drawing/2014/main" xmlns="" val="1152663379"/>
                     </a:ext>
                   </a:extLst>
                 </a:gridCol>
                 <a:gridCol w="4063296">
                   <a:extLst>
                     <a:ext uri="{9D8B030D-6E8A-4147-A177-3AD203B41FA5}">
-                      <a16:colId xmlns:a16="http://schemas.microsoft.com/office/drawing/2014/main" val="4093988358"/>
+                      <a16:colId xmlns:a16="http://schemas.microsoft.com/office/drawing/2014/main" xmlns="" val="4093988358"/>
                     </a:ext>
                   </a:extLst>
                 </a:gridCol>
                 <a:gridCol w="4063296">
                   <a:extLst>
                     <a:ext uri="{9D8B030D-6E8A-4147-A177-3AD203B41FA5}">
-                      <a16:colId xmlns:a16="http://schemas.microsoft.com/office/drawing/2014/main" val="3060563141"/>
+                      <a16:colId xmlns:a16="http://schemas.microsoft.com/office/drawing/2014/main" xmlns="" val="3060563141"/>
                     </a:ext>
                   </a:extLst>
                 </a:gridCol>
@@ -12899,7 +16826,7 @@
                 </a:tc>
                 <a:extLst>
                   <a:ext uri="{0D108BD9-81ED-4DB2-BD59-A6C34878D82A}">
-                    <a16:rowId xmlns:a16="http://schemas.microsoft.com/office/drawing/2014/main" val="915339384"/>
+                    <a16:rowId xmlns:a16="http://schemas.microsoft.com/office/drawing/2014/main" xmlns="" val="915339384"/>
                   </a:ext>
                 </a:extLst>
               </a:tr>
@@ -13011,7 +16938,7 @@
                 </a:tc>
                 <a:extLst>
                   <a:ext uri="{0D108BD9-81ED-4DB2-BD59-A6C34878D82A}">
-                    <a16:rowId xmlns:a16="http://schemas.microsoft.com/office/drawing/2014/main" val="818094390"/>
+                    <a16:rowId xmlns:a16="http://schemas.microsoft.com/office/drawing/2014/main" xmlns="" val="818094390"/>
                   </a:ext>
                 </a:extLst>
               </a:tr>
@@ -13152,7 +17079,7 @@
                 </a:tc>
                 <a:extLst>
                   <a:ext uri="{0D108BD9-81ED-4DB2-BD59-A6C34878D82A}">
-                    <a16:rowId xmlns:a16="http://schemas.microsoft.com/office/drawing/2014/main" val="3081298328"/>
+                    <a16:rowId xmlns:a16="http://schemas.microsoft.com/office/drawing/2014/main" xmlns="" val="3081298328"/>
                   </a:ext>
                 </a:extLst>
               </a:tr>
@@ -13243,7 +17170,7 @@
                 </a:tc>
                 <a:extLst>
                   <a:ext uri="{0D108BD9-81ED-4DB2-BD59-A6C34878D82A}">
-                    <a16:rowId xmlns:a16="http://schemas.microsoft.com/office/drawing/2014/main" val="2889210439"/>
+                    <a16:rowId xmlns:a16="http://schemas.microsoft.com/office/drawing/2014/main" xmlns="" val="2889210439"/>
                   </a:ext>
                 </a:extLst>
               </a:tr>
@@ -13326,7 +17253,7 @@
                 </a:tc>
                 <a:extLst>
                   <a:ext uri="{0D108BD9-81ED-4DB2-BD59-A6C34878D82A}">
-                    <a16:rowId xmlns:a16="http://schemas.microsoft.com/office/drawing/2014/main" val="594971708"/>
+                    <a16:rowId xmlns:a16="http://schemas.microsoft.com/office/drawing/2014/main" xmlns="" val="594971708"/>
                   </a:ext>
                 </a:extLst>
               </a:tr>
@@ -13466,7 +17393,7 @@
                 </a:tc>
                 <a:extLst>
                   <a:ext uri="{0D108BD9-81ED-4DB2-BD59-A6C34878D82A}">
-                    <a16:rowId xmlns:a16="http://schemas.microsoft.com/office/drawing/2014/main" val="2512481468"/>
+                    <a16:rowId xmlns:a16="http://schemas.microsoft.com/office/drawing/2014/main" xmlns="" val="2512481468"/>
                   </a:ext>
                 </a:extLst>
               </a:tr>
@@ -13558,7 +17485,7 @@
                 </a:tc>
                 <a:extLst>
                   <a:ext uri="{0D108BD9-81ED-4DB2-BD59-A6C34878D82A}">
-                    <a16:rowId xmlns:a16="http://schemas.microsoft.com/office/drawing/2014/main" val="100471134"/>
+                    <a16:rowId xmlns:a16="http://schemas.microsoft.com/office/drawing/2014/main" xmlns="" val="100471134"/>
                   </a:ext>
                 </a:extLst>
               </a:tr>
@@ -14181,13 +18108,250 @@
   <a:extraClrSchemeLst/>
   <a:extLst>
     <a:ext uri="{05A4C25C-085E-4340-85A3-A5531E510DB2}">
-      <thm15:themeFamily xmlns:thm15="http://schemas.microsoft.com/office/thememl/2012/main" name="Basis" id="{5665723A-49BA-4B57-8411-A56F8F207965}" vid="{ACC63D00-1EE0-4159-BF5A-6FF02000B710}"/>
+      <thm15:themeFamily xmlns:thm15="http://schemas.microsoft.com/office/thememl/2012/main" xmlns="" name="Basis" id="{5665723A-49BA-4B57-8411-A56F8F207965}" vid="{ACC63D00-1EE0-4159-BF5A-6FF02000B710}"/>
     </a:ext>
   </a:extLst>
 </a:theme>
 </file>
 
 <file path=ppt/theme/theme2.xml><?xml version="1.0" encoding="utf-8"?>
+<a:theme xmlns:a="http://schemas.openxmlformats.org/drawingml/2006/main" name="1_Basis">
+  <a:themeElements>
+    <a:clrScheme name="Office 2007-2010">
+      <a:dk1>
+        <a:sysClr val="windowText" lastClr="000000"/>
+      </a:dk1>
+      <a:lt1>
+        <a:sysClr val="window" lastClr="FFFFFF"/>
+      </a:lt1>
+      <a:dk2>
+        <a:srgbClr val="1F497D"/>
+      </a:dk2>
+      <a:lt2>
+        <a:srgbClr val="EEECE1"/>
+      </a:lt2>
+      <a:accent1>
+        <a:srgbClr val="4F81BD"/>
+      </a:accent1>
+      <a:accent2>
+        <a:srgbClr val="C0504D"/>
+      </a:accent2>
+      <a:accent3>
+        <a:srgbClr val="9BBB59"/>
+      </a:accent3>
+      <a:accent4>
+        <a:srgbClr val="8064A2"/>
+      </a:accent4>
+      <a:accent5>
+        <a:srgbClr val="4BACC6"/>
+      </a:accent5>
+      <a:accent6>
+        <a:srgbClr val="F79646"/>
+      </a:accent6>
+      <a:hlink>
+        <a:srgbClr val="0000FF"/>
+      </a:hlink>
+      <a:folHlink>
+        <a:srgbClr val="800080"/>
+      </a:folHlink>
+    </a:clrScheme>
+    <a:fontScheme name="Basis">
+      <a:majorFont>
+        <a:latin typeface="Corbel" panose="020B0503020204020204"/>
+        <a:ea typeface=""/>
+        <a:cs typeface=""/>
+        <a:font script="Jpan" typeface="ＭＳ ゴシック"/>
+        <a:font script="Hang" typeface="맑은 고딕"/>
+        <a:font script="Hans" typeface="宋体"/>
+        <a:font script="Hant" typeface="新細明體"/>
+        <a:font script="Arab" typeface="Tahoma"/>
+        <a:font script="Hebr" typeface="Gisha"/>
+        <a:font script="Thai" typeface="DilleniaUPC"/>
+        <a:font script="Ethi" typeface="Nyala"/>
+        <a:font script="Beng" typeface="Vrinda"/>
+        <a:font script="Gujr" typeface="Shruti"/>
+        <a:font script="Khmr" typeface="DaunPenh"/>
+        <a:font script="Knda" typeface="Tunga"/>
+        <a:font script="Guru" typeface="Raavi"/>
+        <a:font script="Cans" typeface="Euphemia"/>
+        <a:font script="Cher" typeface="Plantagenet Cherokee"/>
+        <a:font script="Yiii" typeface="Microsoft Yi Baiti"/>
+        <a:font script="Tibt" typeface="Microsoft Himalaya"/>
+        <a:font script="Thaa" typeface="MV Boli"/>
+        <a:font script="Deva" typeface="Mangal"/>
+        <a:font script="Telu" typeface="Gautami"/>
+        <a:font script="Taml" typeface="Latha"/>
+        <a:font script="Syrc" typeface="Estrangelo Edessa"/>
+        <a:font script="Orya" typeface="Kalinga"/>
+        <a:font script="Mlym" typeface="Kartika"/>
+        <a:font script="Laoo" typeface="DokChampa"/>
+        <a:font script="Sinh" typeface="Iskoola Pota"/>
+        <a:font script="Mong" typeface="Mongolian Baiti"/>
+        <a:font script="Viet" typeface="Tahoma"/>
+        <a:font script="Uigh" typeface="Microsoft Uighur"/>
+        <a:font script="Geor" typeface="Sylfaen"/>
+      </a:majorFont>
+      <a:minorFont>
+        <a:latin typeface="Corbel" panose="020B0503020204020204"/>
+        <a:ea typeface=""/>
+        <a:cs typeface=""/>
+        <a:font script="Jpan" typeface="ＭＳ ゴシック"/>
+        <a:font script="Hang" typeface="맑은 고딕"/>
+        <a:font script="Hans" typeface="宋体"/>
+        <a:font script="Hant" typeface="新細明體"/>
+        <a:font script="Arab" typeface="Tahoma"/>
+        <a:font script="Hebr" typeface="Gisha"/>
+        <a:font script="Thai" typeface="DilleniaUPC"/>
+        <a:font script="Ethi" typeface="Nyala"/>
+        <a:font script="Beng" typeface="Vrinda"/>
+        <a:font script="Gujr" typeface="Shruti"/>
+        <a:font script="Khmr" typeface="DaunPenh"/>
+        <a:font script="Knda" typeface="Tunga"/>
+        <a:font script="Guru" typeface="Raavi"/>
+        <a:font script="Cans" typeface="Euphemia"/>
+        <a:font script="Cher" typeface="Plantagenet Cherokee"/>
+        <a:font script="Yiii" typeface="Microsoft Yi Baiti"/>
+        <a:font script="Tibt" typeface="Microsoft Himalaya"/>
+        <a:font script="Thaa" typeface="MV Boli"/>
+        <a:font script="Deva" typeface="Mangal"/>
+        <a:font script="Telu" typeface="Gautami"/>
+        <a:font script="Taml" typeface="Latha"/>
+        <a:font script="Syrc" typeface="Estrangelo Edessa"/>
+        <a:font script="Orya" typeface="Kalinga"/>
+        <a:font script="Mlym" typeface="Kartika"/>
+        <a:font script="Laoo" typeface="DokChampa"/>
+        <a:font script="Sinh" typeface="Iskoola Pota"/>
+        <a:font script="Mong" typeface="Mongolian Baiti"/>
+        <a:font script="Viet" typeface="Verdana"/>
+        <a:font script="Uigh" typeface="Microsoft Uighur"/>
+        <a:font script="Geor" typeface="Sylfaen"/>
+      </a:minorFont>
+    </a:fontScheme>
+    <a:fmtScheme name="Basis">
+      <a:fillStyleLst>
+        <a:solidFill>
+          <a:schemeClr val="phClr"/>
+        </a:solidFill>
+        <a:solidFill>
+          <a:schemeClr val="phClr">
+            <a:tint val="55000"/>
+            <a:satMod val="130000"/>
+          </a:schemeClr>
+        </a:solidFill>
+        <a:gradFill rotWithShape="1">
+          <a:gsLst>
+            <a:gs pos="0">
+              <a:schemeClr val="phClr"/>
+            </a:gs>
+            <a:gs pos="90000">
+              <a:schemeClr val="phClr">
+                <a:shade val="100000"/>
+                <a:satMod val="105000"/>
+              </a:schemeClr>
+            </a:gs>
+            <a:gs pos="100000">
+              <a:schemeClr val="phClr">
+                <a:shade val="80000"/>
+                <a:satMod val="120000"/>
+              </a:schemeClr>
+            </a:gs>
+          </a:gsLst>
+          <a:path path="circle">
+            <a:fillToRect l="100000" t="100000" r="100000" b="100000"/>
+          </a:path>
+        </a:gradFill>
+      </a:fillStyleLst>
+      <a:lnStyleLst>
+        <a:ln w="10000" cap="flat" cmpd="sng" algn="ctr">
+          <a:solidFill>
+            <a:schemeClr val="phClr"/>
+          </a:solidFill>
+          <a:prstDash val="solid"/>
+        </a:ln>
+        <a:ln w="19050" cap="flat" cmpd="sng" algn="ctr">
+          <a:solidFill>
+            <a:schemeClr val="phClr"/>
+          </a:solidFill>
+          <a:prstDash val="solid"/>
+        </a:ln>
+        <a:ln w="53975" cap="flat" cmpd="dbl" algn="ctr">
+          <a:solidFill>
+            <a:schemeClr val="phClr"/>
+          </a:solidFill>
+          <a:prstDash val="solid"/>
+        </a:ln>
+      </a:lnStyleLst>
+      <a:effectStyleLst>
+        <a:effectStyle>
+          <a:effectLst/>
+        </a:effectStyle>
+        <a:effectStyle>
+          <a:effectLst>
+            <a:outerShdw blurRad="38100" dist="25400" dir="5400000" rotWithShape="0">
+              <a:srgbClr val="000000">
+                <a:alpha val="45000"/>
+              </a:srgbClr>
+            </a:outerShdw>
+          </a:effectLst>
+        </a:effectStyle>
+        <a:effectStyle>
+          <a:effectLst>
+            <a:outerShdw blurRad="38100" dist="25400" dir="5400000" rotWithShape="0">
+              <a:srgbClr val="000000">
+                <a:alpha val="45000"/>
+              </a:srgbClr>
+            </a:outerShdw>
+          </a:effectLst>
+          <a:scene3d>
+            <a:camera prst="orthographicFront">
+              <a:rot lat="0" lon="0" rev="0"/>
+            </a:camera>
+            <a:lightRig rig="brightRoom" dir="t"/>
+          </a:scene3d>
+          <a:sp3d extrusionH="12700" contourW="25400" prstMaterial="flat">
+            <a:bevelT w="63500" h="152400" prst="angle"/>
+            <a:contourClr>
+              <a:schemeClr val="phClr">
+                <a:shade val="27000"/>
+                <a:satMod val="120000"/>
+              </a:schemeClr>
+            </a:contourClr>
+          </a:sp3d>
+        </a:effectStyle>
+      </a:effectStyleLst>
+      <a:bgFillStyleLst>
+        <a:solidFill>
+          <a:schemeClr val="phClr"/>
+        </a:solidFill>
+        <a:solidFill>
+          <a:schemeClr val="phClr">
+            <a:tint val="95000"/>
+            <a:shade val="95000"/>
+            <a:satMod val="140000"/>
+          </a:schemeClr>
+        </a:solidFill>
+        <a:solidFill>
+          <a:schemeClr val="phClr">
+            <a:tint val="90000"/>
+            <a:shade val="85000"/>
+            <a:satMod val="160000"/>
+            <a:lumMod val="110000"/>
+          </a:schemeClr>
+        </a:solidFill>
+      </a:bgFillStyleLst>
+    </a:fmtScheme>
+  </a:themeElements>
+  <a:objectDefaults/>
+  <a:extraClrSchemeLst/>
+  <a:extLst>
+    <a:ext uri="{05A4C25C-085E-4340-85A3-A5531E510DB2}">
+      <thm15:themeFamily xmlns="" xmlns:thm15="http://schemas.microsoft.com/office/thememl/2012/main" name="Basis" id="{5665723A-49BA-4B57-8411-A56F8F207965}" vid="{ACC63D00-1EE0-4159-BF5A-6FF02000B710}"/>
+    </a:ext>
+  </a:extLst>
+</a:theme>
+</file>
+
+<file path=ppt/theme/theme3.xml><?xml version="1.0" encoding="utf-8"?>
 <a:theme xmlns:a="http://schemas.openxmlformats.org/drawingml/2006/main" name="Office Theme">
   <a:themeElements>
     <a:clrScheme name="Office">
@@ -14476,7 +18640,7 @@
   <a:extraClrSchemeLst/>
   <a:extLst>
     <a:ext uri="{05A4C25C-085E-4340-85A3-A5531E510DB2}">
-      <thm15:themeFamily xmlns:thm15="http://schemas.microsoft.com/office/thememl/2012/main" name="Office Theme" id="{62F939B6-93AF-4DB8-9C6B-D6C7DFDC589F}" vid="{4A3C46E8-61CC-4603-A589-7422A47A8E4A}"/>
+      <thm15:themeFamily xmlns:thm15="http://schemas.microsoft.com/office/thememl/2012/main" xmlns="" name="Office Theme" id="{62F939B6-93AF-4DB8-9C6B-D6C7DFDC589F}" vid="{4A3C46E8-61CC-4603-A589-7422A47A8E4A}"/>
     </a:ext>
   </a:extLst>
 </a:theme>

--- a/Work_In_Progress/CS/SPMP_Presentation_Erik_Modified.pptx
+++ b/Work_In_Progress/CS/SPMP_Presentation_Erik_Modified.pptx
@@ -6,7 +6,7 @@
     <p:sldMasterId id="2147483743" r:id="rId2"/>
   </p:sldMasterIdLst>
   <p:notesMasterIdLst>
-    <p:notesMasterId r:id="rId26"/>
+    <p:notesMasterId r:id="rId25"/>
   </p:notesMasterIdLst>
   <p:sldIdLst>
     <p:sldId id="256" r:id="rId3"/>
@@ -18,20 +18,19 @@
     <p:sldId id="275" r:id="rId9"/>
     <p:sldId id="277" r:id="rId10"/>
     <p:sldId id="264" r:id="rId11"/>
-    <p:sldId id="259" r:id="rId12"/>
-    <p:sldId id="281" r:id="rId13"/>
-    <p:sldId id="276" r:id="rId14"/>
-    <p:sldId id="278" r:id="rId15"/>
-    <p:sldId id="279" r:id="rId16"/>
-    <p:sldId id="280" r:id="rId17"/>
-    <p:sldId id="273" r:id="rId18"/>
-    <p:sldId id="274" r:id="rId19"/>
-    <p:sldId id="285" r:id="rId20"/>
-    <p:sldId id="282" r:id="rId21"/>
-    <p:sldId id="260" r:id="rId22"/>
-    <p:sldId id="261" r:id="rId23"/>
-    <p:sldId id="269" r:id="rId24"/>
-    <p:sldId id="283" r:id="rId25"/>
+    <p:sldId id="281" r:id="rId12"/>
+    <p:sldId id="276" r:id="rId13"/>
+    <p:sldId id="278" r:id="rId14"/>
+    <p:sldId id="279" r:id="rId15"/>
+    <p:sldId id="280" r:id="rId16"/>
+    <p:sldId id="273" r:id="rId17"/>
+    <p:sldId id="274" r:id="rId18"/>
+    <p:sldId id="285" r:id="rId19"/>
+    <p:sldId id="282" r:id="rId20"/>
+    <p:sldId id="260" r:id="rId21"/>
+    <p:sldId id="261" r:id="rId22"/>
+    <p:sldId id="269" r:id="rId23"/>
+    <p:sldId id="283" r:id="rId24"/>
   </p:sldIdLst>
   <p:sldSz cx="12192000" cy="6858000"/>
   <p:notesSz cx="6858000" cy="9144000"/>
@@ -132,7 +131,7 @@
   </p:defaultTextStyle>
   <p:extLst>
     <p:ext uri="{EFAFB233-063F-42B5-8137-9DF3F51BA10A}">
-      <p15:sldGuideLst xmlns:p15="http://schemas.microsoft.com/office/powerpoint/2012/main" xmlns="">
+      <p15:sldGuideLst xmlns="" xmlns:p15="http://schemas.microsoft.com/office/powerpoint/2012/main">
         <p15:guide id="1" orient="horz" pos="2160">
           <p15:clr>
             <a:srgbClr val="A4A3A4"/>
@@ -146,7 +145,7 @@
       </p15:sldGuideLst>
     </p:ext>
     <p:ext uri="{2D200454-40CA-4A62-9FC3-DE9A4176ACB9}">
-      <p15:notesGuideLst xmlns:p15="http://schemas.microsoft.com/office/powerpoint/2012/main" xmlns=""/>
+      <p15:notesGuideLst xmlns="" xmlns:p15="http://schemas.microsoft.com/office/powerpoint/2012/main"/>
     </p:ext>
   </p:extLst>
 </p:presentation>
@@ -632,69 +631,89 @@
           <a:bodyPr/>
           <a:lstStyle/>
           <a:p>
-            <a:r>
-              <a:rPr lang="en-US" dirty="0"/>
+            <a:pPr marL="0" marR="0" lvl="0" indent="0" algn="l" defTabSz="914400" rtl="0" eaLnBrk="1" fontAlgn="auto" latinLnBrk="0" hangingPunct="1">
+              <a:lnSpc>
+                <a:spcPct val="100000"/>
+              </a:lnSpc>
+              <a:spcBef>
+                <a:spcPts val="0"/>
+              </a:spcBef>
+              <a:spcAft>
+                <a:spcPts val="0"/>
+              </a:spcAft>
+              <a:buClrTx/>
+              <a:buSzTx/>
+              <a:buFontTx/>
+              <a:buNone/>
+              <a:tabLst/>
+              <a:defRPr/>
+            </a:pPr>
+            <a:r>
+              <a:rPr lang="en-US" sz="1200" b="1" u="sng" kern="1200" dirty="0">
+                <a:solidFill>
+                  <a:schemeClr val="tx1"/>
+                </a:solidFill>
+                <a:effectLst/>
+                <a:latin typeface="+mn-lt"/>
+                <a:ea typeface="+mn-ea"/>
+                <a:cs typeface="+mn-cs"/>
+              </a:rPr>
               <a:t>EJ</a:t>
             </a:r>
           </a:p>
           <a:p>
-            <a:r>
-              <a:rPr lang="en-US" dirty="0"/>
-              <a:t>Since these are the tools we will</a:t>
-            </a:r>
-            <a:r>
-              <a:rPr lang="en-US" baseline="0" dirty="0"/>
-              <a:t> be using throughout the entirety of the project we felt as though we need to justify them:</a:t>
-            </a:r>
-          </a:p>
-          <a:p>
-            <a:r>
-              <a:rPr lang="en-US" b="1" dirty="0"/>
-              <a:t>Slack</a:t>
-            </a:r>
-            <a:r>
-              <a:rPr lang="en-US" dirty="0"/>
-              <a:t>:  Free, previous experience, intuitive, better organization than a group text, log all conversation, mobile app </a:t>
-            </a:r>
-          </a:p>
-          <a:p>
-            <a:r>
-              <a:rPr lang="en-US" b="1" dirty="0" err="1"/>
-              <a:t>Wrike</a:t>
-            </a:r>
-            <a:r>
-              <a:rPr lang="en-US" dirty="0"/>
-              <a:t>: Free, previous experience, easy to assign tasks, keeps you notified, mobile app</a:t>
-            </a:r>
-          </a:p>
-          <a:p>
-            <a:r>
-              <a:rPr lang="en-US" b="1" dirty="0"/>
-              <a:t>Toggl</a:t>
-            </a:r>
-            <a:r>
-              <a:rPr lang="en-US" dirty="0"/>
-              <a:t>: Free, previous experience, mobile app, reports(team functionality depends on this), time collection for team.</a:t>
-            </a:r>
-          </a:p>
-          <a:p>
-            <a:r>
-              <a:rPr lang="en-US" b="1" dirty="0"/>
-              <a:t>GitHub</a:t>
-            </a:r>
-            <a:r>
-              <a:rPr lang="en-US" dirty="0"/>
-              <a:t>: Free, ubiquitous, mature, retention of historical versions of artifacts.</a:t>
-            </a:r>
-          </a:p>
-          <a:p>
-            <a:r>
-              <a:rPr lang="en-US" b="1" dirty="0"/>
-              <a:t>Microsoft Project</a:t>
-            </a:r>
-            <a:r>
-              <a:rPr lang="en-US" dirty="0"/>
-              <a:t>: Most accessible way to build task network diagram.</a:t>
+            <a:pPr marL="0" marR="0" lvl="0" indent="0" algn="l" defTabSz="914400" rtl="0" eaLnBrk="1" fontAlgn="auto" latinLnBrk="0" hangingPunct="1">
+              <a:lnSpc>
+                <a:spcPct val="100000"/>
+              </a:lnSpc>
+              <a:spcBef>
+                <a:spcPts val="0"/>
+              </a:spcBef>
+              <a:spcAft>
+                <a:spcPts val="0"/>
+              </a:spcAft>
+              <a:buClrTx/>
+              <a:buSzTx/>
+              <a:buFontTx/>
+              <a:buNone/>
+              <a:tabLst/>
+              <a:defRPr/>
+            </a:pPr>
+            <a:r>
+              <a:rPr lang="en-US" sz="1200" b="1" u="sng" kern="1200" dirty="0">
+                <a:solidFill>
+                  <a:schemeClr val="tx1"/>
+                </a:solidFill>
+                <a:effectLst/>
+                <a:latin typeface="+mn-lt"/>
+                <a:ea typeface="+mn-ea"/>
+                <a:cs typeface="+mn-cs"/>
+              </a:rPr>
+              <a:t>SPMP</a:t>
+            </a:r>
+            <a:r>
+              <a:rPr lang="en-US" sz="1200" b="1" u="sng" kern="1200" baseline="0" dirty="0">
+                <a:solidFill>
+                  <a:schemeClr val="tx1"/>
+                </a:solidFill>
+                <a:effectLst/>
+                <a:latin typeface="+mn-lt"/>
+                <a:ea typeface="+mn-ea"/>
+                <a:cs typeface="+mn-cs"/>
+              </a:rPr>
+              <a:t> Completion: </a:t>
+            </a:r>
+            <a:r>
+              <a:rPr lang="en-US" sz="1200" kern="1200" dirty="0">
+                <a:solidFill>
+                  <a:schemeClr val="tx1"/>
+                </a:solidFill>
+                <a:effectLst/>
+                <a:latin typeface="+mn-lt"/>
+                <a:ea typeface="+mn-ea"/>
+                <a:cs typeface="+mn-cs"/>
+              </a:rPr>
+              <a:t>Based on previous experience with similar but smaller templates from past Computer Science classes, we Estimate the SPMP will take approximately 60 Hours to complete.</a:t>
             </a:r>
           </a:p>
           <a:p>
@@ -728,7 +747,7 @@
     </p:spTree>
     <p:extLst>
       <p:ext uri="{BB962C8B-B14F-4D97-AF65-F5344CB8AC3E}">
-        <p14:creationId xmlns:p14="http://schemas.microsoft.com/office/powerpoint/2010/main" val="221181007"/>
+        <p14:creationId xmlns:p14="http://schemas.microsoft.com/office/powerpoint/2010/main" val="1918682050"/>
       </p:ext>
     </p:extLst>
   </p:cSld>
@@ -782,6 +801,224 @@
           <a:bodyPr/>
           <a:lstStyle/>
           <a:p>
+            <a:r>
+              <a:rPr lang="en-US" sz="1200" b="1" u="sng" kern="1200" dirty="0">
+                <a:solidFill>
+                  <a:schemeClr val="tx1"/>
+                </a:solidFill>
+                <a:effectLst/>
+                <a:latin typeface="+mn-lt"/>
+                <a:ea typeface="+mn-ea"/>
+                <a:cs typeface="+mn-cs"/>
+              </a:rPr>
+              <a:t>EJ</a:t>
+            </a:r>
+          </a:p>
+          <a:p>
+            <a:r>
+              <a:rPr lang="en-US" sz="1200" b="1" u="sng" kern="1200" dirty="0">
+                <a:solidFill>
+                  <a:schemeClr val="tx1"/>
+                </a:solidFill>
+                <a:effectLst/>
+                <a:latin typeface="+mn-lt"/>
+                <a:ea typeface="+mn-ea"/>
+                <a:cs typeface="+mn-cs"/>
+              </a:rPr>
+              <a:t>Initial</a:t>
+            </a:r>
+            <a:r>
+              <a:rPr lang="en-US" sz="1200" b="1" u="sng" kern="1200" baseline="0" dirty="0">
+                <a:solidFill>
+                  <a:schemeClr val="tx1"/>
+                </a:solidFill>
+                <a:effectLst/>
+                <a:latin typeface="+mn-lt"/>
+                <a:ea typeface="+mn-ea"/>
+                <a:cs typeface="+mn-cs"/>
+              </a:rPr>
+              <a:t> project Estimates: </a:t>
+            </a:r>
+            <a:endParaRPr lang="en-US" sz="1200" kern="1200" baseline="0" dirty="0">
+              <a:solidFill>
+                <a:schemeClr val="tx1"/>
+              </a:solidFill>
+              <a:effectLst/>
+              <a:latin typeface="+mn-lt"/>
+              <a:ea typeface="+mn-ea"/>
+              <a:cs typeface="+mn-cs"/>
+            </a:endParaRPr>
+          </a:p>
+          <a:p>
+            <a:pPr marL="171450" marR="0" lvl="0" indent="-171450" algn="l" defTabSz="914400" rtl="0" eaLnBrk="1" fontAlgn="auto" latinLnBrk="0" hangingPunct="1">
+              <a:lnSpc>
+                <a:spcPct val="100000"/>
+              </a:lnSpc>
+              <a:spcBef>
+                <a:spcPts val="0"/>
+              </a:spcBef>
+              <a:spcAft>
+                <a:spcPts val="0"/>
+              </a:spcAft>
+              <a:buClrTx/>
+              <a:buSzTx/>
+              <a:buFont typeface="Arial" panose="020B0604020202020204" pitchFamily="34" charset="0"/>
+              <a:buChar char="•"/>
+              <a:tabLst/>
+              <a:defRPr/>
+            </a:pPr>
+            <a:r>
+              <a:rPr lang="en-US" sz="1200" kern="1200" dirty="0">
+                <a:solidFill>
+                  <a:schemeClr val="tx1"/>
+                </a:solidFill>
+                <a:effectLst/>
+                <a:latin typeface="+mn-lt"/>
+                <a:ea typeface="+mn-ea"/>
+                <a:cs typeface="+mn-cs"/>
+              </a:rPr>
+              <a:t>As a basis for our Estimates we drew</a:t>
+            </a:r>
+            <a:r>
+              <a:rPr lang="en-US" sz="1200" kern="1200" baseline="0" dirty="0">
+                <a:solidFill>
+                  <a:schemeClr val="tx1"/>
+                </a:solidFill>
+                <a:effectLst/>
+                <a:latin typeface="+mn-lt"/>
+                <a:ea typeface="+mn-ea"/>
+                <a:cs typeface="+mn-cs"/>
+              </a:rPr>
+              <a:t> </a:t>
+            </a:r>
+            <a:r>
+              <a:rPr lang="en-US" sz="1200" kern="1200" dirty="0">
+                <a:solidFill>
+                  <a:schemeClr val="tx1"/>
+                </a:solidFill>
+                <a:effectLst/>
+                <a:latin typeface="+mn-lt"/>
+                <a:ea typeface="+mn-ea"/>
+                <a:cs typeface="+mn-cs"/>
+              </a:rPr>
+              <a:t>upon on Erik’s current work experience, a lines of code per hour formula, and sampling of previous projects. Sampling previous projects allowed</a:t>
+            </a:r>
+            <a:r>
+              <a:rPr lang="en-US" sz="1200" kern="1200" baseline="0" dirty="0">
+                <a:solidFill>
+                  <a:schemeClr val="tx1"/>
+                </a:solidFill>
+                <a:effectLst/>
+                <a:latin typeface="+mn-lt"/>
+                <a:ea typeface="+mn-ea"/>
+                <a:cs typeface="+mn-cs"/>
+              </a:rPr>
+              <a:t> </a:t>
+            </a:r>
+            <a:r>
+              <a:rPr lang="en-US" sz="1200" kern="1200" dirty="0">
+                <a:solidFill>
+                  <a:schemeClr val="tx1"/>
+                </a:solidFill>
+                <a:effectLst/>
+                <a:latin typeface="+mn-lt"/>
+                <a:ea typeface="+mn-ea"/>
+                <a:cs typeface="+mn-cs"/>
+              </a:rPr>
+              <a:t>us to determine which projects are significant enough to be included in the lines of code per hour formula. Erik’s current work experience will give us insight into how much time and effort it will actually take to complete the project. A lines of code per hour formula was applied to major programming projects from CIS 200 and up for each team member. </a:t>
+            </a:r>
+          </a:p>
+          <a:p>
+            <a:pPr lvl="0"/>
+            <a:r>
+              <a:rPr lang="en-US" sz="1200" kern="1200" dirty="0">
+                <a:solidFill>
+                  <a:schemeClr val="tx1"/>
+                </a:solidFill>
+                <a:effectLst/>
+                <a:latin typeface="+mn-lt"/>
+                <a:ea typeface="+mn-ea"/>
+                <a:cs typeface="+mn-cs"/>
+              </a:rPr>
+              <a:t>	</a:t>
+            </a:r>
+            <a:r>
+              <a:rPr lang="en-US" sz="1200" kern="1200" baseline="0" dirty="0">
+                <a:solidFill>
+                  <a:schemeClr val="tx1"/>
+                </a:solidFill>
+                <a:effectLst/>
+                <a:latin typeface="+mn-lt"/>
+                <a:ea typeface="+mn-ea"/>
+                <a:cs typeface="+mn-cs"/>
+              </a:rPr>
+              <a:t>              </a:t>
+            </a:r>
+          </a:p>
+          <a:p>
+            <a:pPr marL="628650" lvl="1" indent="-171450">
+              <a:buFont typeface="Arial" panose="020B0604020202020204" pitchFamily="34" charset="0"/>
+              <a:buChar char="•"/>
+            </a:pPr>
+            <a:r>
+              <a:rPr lang="en-US" sz="1200" b="1" u="sng" kern="1200" baseline="0" dirty="0">
+                <a:solidFill>
+                  <a:schemeClr val="tx1"/>
+                </a:solidFill>
+                <a:effectLst/>
+                <a:latin typeface="+mn-lt"/>
+                <a:ea typeface="+mn-ea"/>
+                <a:cs typeface="+mn-cs"/>
+              </a:rPr>
+              <a:t>Lines of code:</a:t>
+            </a:r>
+            <a:r>
+              <a:rPr lang="en-US" sz="1200" b="1" u="none" kern="1200" baseline="0" dirty="0">
+                <a:solidFill>
+                  <a:schemeClr val="tx1"/>
+                </a:solidFill>
+                <a:effectLst/>
+                <a:latin typeface="+mn-lt"/>
+                <a:ea typeface="+mn-ea"/>
+                <a:cs typeface="+mn-cs"/>
+              </a:rPr>
+              <a:t>  </a:t>
+            </a:r>
+            <a:r>
+              <a:rPr lang="en-US" sz="1200" kern="1200" dirty="0">
+                <a:solidFill>
+                  <a:schemeClr val="tx1"/>
+                </a:solidFill>
+                <a:effectLst/>
+                <a:latin typeface="+mn-lt"/>
+                <a:ea typeface="+mn-ea"/>
+                <a:cs typeface="+mn-cs"/>
+              </a:rPr>
+              <a:t>Based on prior experience with previous computer science projects, we Estimate this project to require 5000 lines of code. 5000 total lines divided by the team average of 49 lines of code per hour</a:t>
+            </a:r>
+            <a:r>
+              <a:rPr lang="en-US" sz="1200" kern="1200" baseline="0" dirty="0">
+                <a:solidFill>
+                  <a:schemeClr val="tx1"/>
+                </a:solidFill>
+                <a:effectLst/>
+                <a:latin typeface="+mn-lt"/>
+                <a:ea typeface="+mn-ea"/>
+                <a:cs typeface="+mn-cs"/>
+              </a:rPr>
+              <a:t> giving us102 hours</a:t>
+            </a:r>
+            <a:endParaRPr lang="en-US" sz="1200" kern="1200" dirty="0">
+              <a:solidFill>
+                <a:schemeClr val="tx1"/>
+              </a:solidFill>
+              <a:effectLst/>
+              <a:latin typeface="+mn-lt"/>
+              <a:ea typeface="+mn-ea"/>
+              <a:cs typeface="+mn-cs"/>
+            </a:endParaRPr>
+          </a:p>
+          <a:p>
             <a:pPr marL="0" marR="0" lvl="0" indent="0" algn="l" defTabSz="914400" rtl="0" eaLnBrk="1" fontAlgn="auto" latinLnBrk="0" hangingPunct="1">
               <a:lnSpc>
                 <a:spcPct val="100000"/>
@@ -794,26 +1031,23 @@
               </a:spcAft>
               <a:buClrTx/>
               <a:buSzTx/>
-              <a:buFontTx/>
+              <a:buFont typeface="Arial" panose="020B0604020202020204" pitchFamily="34" charset="0"/>
               <a:buNone/>
               <a:tabLst/>
               <a:defRPr/>
             </a:pPr>
-            <a:r>
-              <a:rPr lang="en-US" sz="1200" b="1" u="sng" kern="1200" dirty="0">
-                <a:solidFill>
-                  <a:schemeClr val="tx1"/>
-                </a:solidFill>
-                <a:effectLst/>
-                <a:latin typeface="+mn-lt"/>
-                <a:ea typeface="+mn-ea"/>
-                <a:cs typeface="+mn-cs"/>
-              </a:rPr>
-              <a:t>EJ</a:t>
-            </a:r>
-          </a:p>
-          <a:p>
-            <a:pPr marL="0" marR="0" lvl="0" indent="0" algn="l" defTabSz="914400" rtl="0" eaLnBrk="1" fontAlgn="auto" latinLnBrk="0" hangingPunct="1">
+            <a:endParaRPr lang="en-US" sz="1200" kern="1200" dirty="0">
+              <a:solidFill>
+                <a:schemeClr val="tx1"/>
+              </a:solidFill>
+              <a:effectLst/>
+              <a:latin typeface="+mn-lt"/>
+              <a:ea typeface="+mn-ea"/>
+              <a:cs typeface="+mn-cs"/>
+            </a:endParaRPr>
+          </a:p>
+          <a:p>
+            <a:pPr marL="628650" marR="0" lvl="1" indent="-171450" algn="l" defTabSz="914400" rtl="0" eaLnBrk="1" fontAlgn="auto" latinLnBrk="0" hangingPunct="1">
               <a:lnSpc>
                 <a:spcPct val="100000"/>
               </a:lnSpc>
@@ -825,10 +1059,177 @@
               </a:spcAft>
               <a:buClrTx/>
               <a:buSzTx/>
-              <a:buFontTx/>
-              <a:buNone/>
+              <a:buFont typeface="Arial" panose="020B0604020202020204" pitchFamily="34" charset="0"/>
+              <a:buChar char="•"/>
               <a:tabLst/>
               <a:defRPr/>
+            </a:pPr>
+            <a:r>
+              <a:rPr lang="en-US" sz="1200" b="1" u="sng" kern="1200" dirty="0">
+                <a:solidFill>
+                  <a:schemeClr val="tx1"/>
+                </a:solidFill>
+                <a:effectLst/>
+                <a:latin typeface="+mn-lt"/>
+                <a:ea typeface="+mn-ea"/>
+                <a:cs typeface="+mn-cs"/>
+              </a:rPr>
+              <a:t>Function Estimate: </a:t>
+            </a:r>
+            <a:r>
+              <a:rPr lang="en-US" sz="1200" b="0" u="none" kern="1200" dirty="0">
+                <a:solidFill>
+                  <a:schemeClr val="tx1"/>
+                </a:solidFill>
+                <a:effectLst/>
+                <a:latin typeface="+mn-lt"/>
+                <a:ea typeface="+mn-ea"/>
+                <a:cs typeface="+mn-cs"/>
+              </a:rPr>
+              <a:t> We c</a:t>
+            </a:r>
+            <a:r>
+              <a:rPr lang="en-US" sz="1200" kern="1200" dirty="0">
+                <a:solidFill>
+                  <a:schemeClr val="tx1"/>
+                </a:solidFill>
+                <a:effectLst/>
+                <a:latin typeface="+mn-lt"/>
+                <a:ea typeface="+mn-ea"/>
+                <a:cs typeface="+mn-cs"/>
+              </a:rPr>
+              <a:t>ounted the functions present in 1.3, the Major Software Functions, and</a:t>
+            </a:r>
+            <a:r>
+              <a:rPr lang="en-US" sz="1200" kern="1200" baseline="0" dirty="0">
+                <a:solidFill>
+                  <a:schemeClr val="tx1"/>
+                </a:solidFill>
+                <a:effectLst/>
+                <a:latin typeface="+mn-lt"/>
+                <a:ea typeface="+mn-ea"/>
+                <a:cs typeface="+mn-cs"/>
+              </a:rPr>
+              <a:t> used them for the </a:t>
+            </a:r>
+            <a:r>
+              <a:rPr lang="en-US" sz="1200" kern="1200" dirty="0">
+                <a:solidFill>
+                  <a:schemeClr val="tx1"/>
+                </a:solidFill>
+                <a:effectLst/>
+                <a:latin typeface="+mn-lt"/>
+                <a:ea typeface="+mn-ea"/>
+                <a:cs typeface="+mn-cs"/>
+              </a:rPr>
+              <a:t>function point estimation.  The lowest-level functionality in 1.3 is counted and added up. Totaling 18 functions </a:t>
+            </a:r>
+          </a:p>
+          <a:p>
+            <a:pPr marL="628650" marR="0" lvl="1" indent="-171450" algn="l" defTabSz="914400" rtl="0" eaLnBrk="1" fontAlgn="auto" latinLnBrk="0" hangingPunct="1">
+              <a:lnSpc>
+                <a:spcPct val="100000"/>
+              </a:lnSpc>
+              <a:spcBef>
+                <a:spcPts val="0"/>
+              </a:spcBef>
+              <a:spcAft>
+                <a:spcPts val="0"/>
+              </a:spcAft>
+              <a:buClrTx/>
+              <a:buSzTx/>
+              <a:buFont typeface="Arial" panose="020B0604020202020204" pitchFamily="34" charset="0"/>
+              <a:buChar char="•"/>
+              <a:tabLst/>
+              <a:defRPr/>
+            </a:pPr>
+            <a:endParaRPr lang="en-US" sz="1200" kern="1200" dirty="0">
+              <a:solidFill>
+                <a:schemeClr val="tx1"/>
+              </a:solidFill>
+              <a:effectLst/>
+              <a:latin typeface="+mn-lt"/>
+              <a:ea typeface="+mn-ea"/>
+              <a:cs typeface="+mn-cs"/>
+            </a:endParaRPr>
+          </a:p>
+          <a:p>
+            <a:pPr marL="628650" marR="0" lvl="1" indent="-171450" algn="l" defTabSz="914400" rtl="0" eaLnBrk="1" fontAlgn="auto" latinLnBrk="0" hangingPunct="1">
+              <a:lnSpc>
+                <a:spcPct val="100000"/>
+              </a:lnSpc>
+              <a:spcBef>
+                <a:spcPts val="0"/>
+              </a:spcBef>
+              <a:spcAft>
+                <a:spcPts val="0"/>
+              </a:spcAft>
+              <a:buClrTx/>
+              <a:buSzTx/>
+              <a:buFont typeface="Arial" panose="020B0604020202020204" pitchFamily="34" charset="0"/>
+              <a:buChar char="•"/>
+              <a:tabLst/>
+              <a:defRPr/>
+            </a:pPr>
+            <a:r>
+              <a:rPr lang="en-US" sz="1200" b="1" u="sng" kern="1200" dirty="0">
+                <a:solidFill>
+                  <a:schemeClr val="tx1"/>
+                </a:solidFill>
+                <a:effectLst/>
+                <a:latin typeface="+mn-lt"/>
+                <a:ea typeface="+mn-ea"/>
+                <a:cs typeface="+mn-cs"/>
+              </a:rPr>
+              <a:t>Task</a:t>
+            </a:r>
+            <a:r>
+              <a:rPr lang="en-US" sz="1200" b="1" u="sng" kern="1200" baseline="0" dirty="0">
+                <a:solidFill>
+                  <a:schemeClr val="tx1"/>
+                </a:solidFill>
+                <a:effectLst/>
+                <a:latin typeface="+mn-lt"/>
+                <a:ea typeface="+mn-ea"/>
+                <a:cs typeface="+mn-cs"/>
+              </a:rPr>
+              <a:t> Estimate:</a:t>
+            </a:r>
+            <a:r>
+              <a:rPr lang="en-US" sz="1200" b="0" u="none" kern="1200" baseline="0" dirty="0">
+                <a:solidFill>
+                  <a:schemeClr val="tx1"/>
+                </a:solidFill>
+                <a:effectLst/>
+                <a:latin typeface="+mn-lt"/>
+                <a:ea typeface="+mn-ea"/>
+                <a:cs typeface="+mn-cs"/>
+              </a:rPr>
+              <a:t>  Breaking down the project into high level tasks and estimating the time in which we believed it would take to complete each task. 46hours/person , total 184 hours</a:t>
+            </a:r>
+            <a:endParaRPr lang="en-US" b="1" u="sng" dirty="0">
+              <a:effectLst/>
+            </a:endParaRPr>
+          </a:p>
+          <a:p>
+            <a:pPr marL="0" lvl="0" indent="0">
+              <a:buFont typeface="Arial" panose="020B0604020202020204" pitchFamily="34" charset="0"/>
+              <a:buNone/>
+            </a:pPr>
+            <a:endParaRPr lang="en-US" sz="1200" kern="1200" dirty="0">
+              <a:solidFill>
+                <a:schemeClr val="tx1"/>
+              </a:solidFill>
+              <a:effectLst/>
+              <a:latin typeface="+mn-lt"/>
+              <a:ea typeface="+mn-ea"/>
+              <a:cs typeface="+mn-cs"/>
+            </a:endParaRPr>
+          </a:p>
+          <a:p>
+            <a:pPr marL="628650" lvl="1" indent="-171450">
+              <a:buFont typeface="Arial" panose="020B0604020202020204" pitchFamily="34" charset="0"/>
+              <a:buChar char="•"/>
             </a:pPr>
             <a:r>
               <a:rPr lang="en-US" sz="1200" b="1" u="sng" kern="1200" dirty="0">
@@ -864,11 +1265,19 @@
                 <a:ea typeface="+mn-ea"/>
                 <a:cs typeface="+mn-cs"/>
               </a:rPr>
-              <a:t>Based on previous experience with similar but smaller templates from past Computer Science classes, we Estimate the SPMP will take approximately 60 Hours to complete.</a:t>
-            </a:r>
-          </a:p>
-          <a:p>
-            <a:endParaRPr lang="en-US" dirty="0"/>
+              <a:t>Based on previous experience with similar but smaller templates from past Computer Science classes, we estimate the SPMP will take approximately 60 Hours to complete.</a:t>
+            </a:r>
+          </a:p>
+          <a:p>
+            <a:endParaRPr lang="en-US" sz="1200" kern="1200" dirty="0">
+              <a:solidFill>
+                <a:schemeClr val="tx1"/>
+              </a:solidFill>
+              <a:effectLst/>
+              <a:latin typeface="+mn-lt"/>
+              <a:ea typeface="+mn-ea"/>
+              <a:cs typeface="+mn-cs"/>
+            </a:endParaRPr>
           </a:p>
         </p:txBody>
       </p:sp>
@@ -898,7 +1307,7 @@
     </p:spTree>
     <p:extLst>
       <p:ext uri="{BB962C8B-B14F-4D97-AF65-F5344CB8AC3E}">
-        <p14:creationId xmlns:p14="http://schemas.microsoft.com/office/powerpoint/2010/main" val="1918682050"/>
+        <p14:creationId xmlns:p14="http://schemas.microsoft.com/office/powerpoint/2010/main" val="1248189161"/>
       </p:ext>
     </p:extLst>
   </p:cSld>
@@ -953,7 +1362,7 @@
           <a:lstStyle/>
           <a:p>
             <a:r>
-              <a:rPr lang="en-US" sz="1200" b="1" u="sng" kern="1200" dirty="0">
+              <a:rPr lang="en-US" sz="1200" b="0" u="none" kern="1200" baseline="0" dirty="0">
                 <a:solidFill>
                   <a:schemeClr val="tx1"/>
                 </a:solidFill>
@@ -966,31 +1375,7 @@
             </a:r>
           </a:p>
           <a:p>
-            <a:r>
-              <a:rPr lang="en-US" sz="1200" b="1" u="sng" kern="1200" dirty="0">
-                <a:solidFill>
-                  <a:schemeClr val="tx1"/>
-                </a:solidFill>
-                <a:effectLst/>
-                <a:latin typeface="+mn-lt"/>
-                <a:ea typeface="+mn-ea"/>
-                <a:cs typeface="+mn-cs"/>
-              </a:rPr>
-              <a:t>Initial</a:t>
-            </a:r>
-            <a:r>
-              <a:rPr lang="en-US" sz="1200" b="1" u="sng" kern="1200" baseline="0" dirty="0">
-                <a:solidFill>
-                  <a:schemeClr val="tx1"/>
-                </a:solidFill>
-                <a:effectLst/>
-                <a:latin typeface="+mn-lt"/>
-                <a:ea typeface="+mn-ea"/>
-                <a:cs typeface="+mn-cs"/>
-              </a:rPr>
-              <a:t> project Estimates: </a:t>
-            </a:r>
-            <a:endParaRPr lang="en-US" sz="1200" kern="1200" baseline="0" dirty="0">
+            <a:endParaRPr lang="en-US" sz="1200" b="0" u="none" kern="1200" baseline="0" dirty="0">
               <a:solidFill>
                 <a:schemeClr val="tx1"/>
               </a:solidFill>
@@ -1001,351 +1386,6 @@
             </a:endParaRPr>
           </a:p>
           <a:p>
-            <a:pPr marL="171450" marR="0" lvl="0" indent="-171450" algn="l" defTabSz="914400" rtl="0" eaLnBrk="1" fontAlgn="auto" latinLnBrk="0" hangingPunct="1">
-              <a:lnSpc>
-                <a:spcPct val="100000"/>
-              </a:lnSpc>
-              <a:spcBef>
-                <a:spcPts val="0"/>
-              </a:spcBef>
-              <a:spcAft>
-                <a:spcPts val="0"/>
-              </a:spcAft>
-              <a:buClrTx/>
-              <a:buSzTx/>
-              <a:buFont typeface="Arial" panose="020B0604020202020204" pitchFamily="34" charset="0"/>
-              <a:buChar char="•"/>
-              <a:tabLst/>
-              <a:defRPr/>
-            </a:pPr>
-            <a:r>
-              <a:rPr lang="en-US" sz="1200" kern="1200" dirty="0">
-                <a:solidFill>
-                  <a:schemeClr val="tx1"/>
-                </a:solidFill>
-                <a:effectLst/>
-                <a:latin typeface="+mn-lt"/>
-                <a:ea typeface="+mn-ea"/>
-                <a:cs typeface="+mn-cs"/>
-              </a:rPr>
-              <a:t>As a basis for our Estimates we drew</a:t>
-            </a:r>
-            <a:r>
-              <a:rPr lang="en-US" sz="1200" kern="1200" baseline="0" dirty="0">
-                <a:solidFill>
-                  <a:schemeClr val="tx1"/>
-                </a:solidFill>
-                <a:effectLst/>
-                <a:latin typeface="+mn-lt"/>
-                <a:ea typeface="+mn-ea"/>
-                <a:cs typeface="+mn-cs"/>
-              </a:rPr>
-              <a:t> </a:t>
-            </a:r>
-            <a:r>
-              <a:rPr lang="en-US" sz="1200" kern="1200" dirty="0">
-                <a:solidFill>
-                  <a:schemeClr val="tx1"/>
-                </a:solidFill>
-                <a:effectLst/>
-                <a:latin typeface="+mn-lt"/>
-                <a:ea typeface="+mn-ea"/>
-                <a:cs typeface="+mn-cs"/>
-              </a:rPr>
-              <a:t>upon on Erik’s current work experience, a lines of code per hour formula, and sampling of previous projects. Sampling previous projects allowed</a:t>
-            </a:r>
-            <a:r>
-              <a:rPr lang="en-US" sz="1200" kern="1200" baseline="0" dirty="0">
-                <a:solidFill>
-                  <a:schemeClr val="tx1"/>
-                </a:solidFill>
-                <a:effectLst/>
-                <a:latin typeface="+mn-lt"/>
-                <a:ea typeface="+mn-ea"/>
-                <a:cs typeface="+mn-cs"/>
-              </a:rPr>
-              <a:t> </a:t>
-            </a:r>
-            <a:r>
-              <a:rPr lang="en-US" sz="1200" kern="1200" dirty="0">
-                <a:solidFill>
-                  <a:schemeClr val="tx1"/>
-                </a:solidFill>
-                <a:effectLst/>
-                <a:latin typeface="+mn-lt"/>
-                <a:ea typeface="+mn-ea"/>
-                <a:cs typeface="+mn-cs"/>
-              </a:rPr>
-              <a:t>us to determine which projects are significant enough to be included in the lines of code per hour formula. Erik’s current work experience will give us insight into how much time and effort it will actually take to complete the project. A lines of code per hour formula was applied to major programming projects from CIS 200 and up for each team member. </a:t>
-            </a:r>
-          </a:p>
-          <a:p>
-            <a:pPr lvl="0"/>
-            <a:r>
-              <a:rPr lang="en-US" sz="1200" kern="1200" dirty="0">
-                <a:solidFill>
-                  <a:schemeClr val="tx1"/>
-                </a:solidFill>
-                <a:effectLst/>
-                <a:latin typeface="+mn-lt"/>
-                <a:ea typeface="+mn-ea"/>
-                <a:cs typeface="+mn-cs"/>
-              </a:rPr>
-              <a:t>	</a:t>
-            </a:r>
-            <a:r>
-              <a:rPr lang="en-US" sz="1200" kern="1200" baseline="0" dirty="0">
-                <a:solidFill>
-                  <a:schemeClr val="tx1"/>
-                </a:solidFill>
-                <a:effectLst/>
-                <a:latin typeface="+mn-lt"/>
-                <a:ea typeface="+mn-ea"/>
-                <a:cs typeface="+mn-cs"/>
-              </a:rPr>
-              <a:t>              </a:t>
-            </a:r>
-          </a:p>
-          <a:p>
-            <a:pPr marL="628650" lvl="1" indent="-171450">
-              <a:buFont typeface="Arial" panose="020B0604020202020204" pitchFamily="34" charset="0"/>
-              <a:buChar char="•"/>
-            </a:pPr>
-            <a:r>
-              <a:rPr lang="en-US" sz="1200" b="1" u="sng" kern="1200" baseline="0" dirty="0">
-                <a:solidFill>
-                  <a:schemeClr val="tx1"/>
-                </a:solidFill>
-                <a:effectLst/>
-                <a:latin typeface="+mn-lt"/>
-                <a:ea typeface="+mn-ea"/>
-                <a:cs typeface="+mn-cs"/>
-              </a:rPr>
-              <a:t>Lines of code:</a:t>
-            </a:r>
-            <a:r>
-              <a:rPr lang="en-US" sz="1200" b="1" u="none" kern="1200" baseline="0" dirty="0">
-                <a:solidFill>
-                  <a:schemeClr val="tx1"/>
-                </a:solidFill>
-                <a:effectLst/>
-                <a:latin typeface="+mn-lt"/>
-                <a:ea typeface="+mn-ea"/>
-                <a:cs typeface="+mn-cs"/>
-              </a:rPr>
-              <a:t>  </a:t>
-            </a:r>
-            <a:r>
-              <a:rPr lang="en-US" sz="1200" kern="1200" dirty="0">
-                <a:solidFill>
-                  <a:schemeClr val="tx1"/>
-                </a:solidFill>
-                <a:effectLst/>
-                <a:latin typeface="+mn-lt"/>
-                <a:ea typeface="+mn-ea"/>
-                <a:cs typeface="+mn-cs"/>
-              </a:rPr>
-              <a:t>Based on prior experience with previous computer science projects, we Estimate this project to require 5000 lines of code. 5000 total lines divided by the team average of 49 lines of code per hour</a:t>
-            </a:r>
-            <a:r>
-              <a:rPr lang="en-US" sz="1200" kern="1200" baseline="0" dirty="0">
-                <a:solidFill>
-                  <a:schemeClr val="tx1"/>
-                </a:solidFill>
-                <a:effectLst/>
-                <a:latin typeface="+mn-lt"/>
-                <a:ea typeface="+mn-ea"/>
-                <a:cs typeface="+mn-cs"/>
-              </a:rPr>
-              <a:t> giving us102 hours</a:t>
-            </a:r>
-            <a:endParaRPr lang="en-US" sz="1200" kern="1200" dirty="0">
-              <a:solidFill>
-                <a:schemeClr val="tx1"/>
-              </a:solidFill>
-              <a:effectLst/>
-              <a:latin typeface="+mn-lt"/>
-              <a:ea typeface="+mn-ea"/>
-              <a:cs typeface="+mn-cs"/>
-            </a:endParaRPr>
-          </a:p>
-          <a:p>
-            <a:pPr marL="0" marR="0" lvl="0" indent="0" algn="l" defTabSz="914400" rtl="0" eaLnBrk="1" fontAlgn="auto" latinLnBrk="0" hangingPunct="1">
-              <a:lnSpc>
-                <a:spcPct val="100000"/>
-              </a:lnSpc>
-              <a:spcBef>
-                <a:spcPts val="0"/>
-              </a:spcBef>
-              <a:spcAft>
-                <a:spcPts val="0"/>
-              </a:spcAft>
-              <a:buClrTx/>
-              <a:buSzTx/>
-              <a:buFont typeface="Arial" panose="020B0604020202020204" pitchFamily="34" charset="0"/>
-              <a:buNone/>
-              <a:tabLst/>
-              <a:defRPr/>
-            </a:pPr>
-            <a:endParaRPr lang="en-US" sz="1200" kern="1200" dirty="0">
-              <a:solidFill>
-                <a:schemeClr val="tx1"/>
-              </a:solidFill>
-              <a:effectLst/>
-              <a:latin typeface="+mn-lt"/>
-              <a:ea typeface="+mn-ea"/>
-              <a:cs typeface="+mn-cs"/>
-            </a:endParaRPr>
-          </a:p>
-          <a:p>
-            <a:pPr marL="628650" marR="0" lvl="1" indent="-171450" algn="l" defTabSz="914400" rtl="0" eaLnBrk="1" fontAlgn="auto" latinLnBrk="0" hangingPunct="1">
-              <a:lnSpc>
-                <a:spcPct val="100000"/>
-              </a:lnSpc>
-              <a:spcBef>
-                <a:spcPts val="0"/>
-              </a:spcBef>
-              <a:spcAft>
-                <a:spcPts val="0"/>
-              </a:spcAft>
-              <a:buClrTx/>
-              <a:buSzTx/>
-              <a:buFont typeface="Arial" panose="020B0604020202020204" pitchFamily="34" charset="0"/>
-              <a:buChar char="•"/>
-              <a:tabLst/>
-              <a:defRPr/>
-            </a:pPr>
-            <a:r>
-              <a:rPr lang="en-US" sz="1200" b="1" u="sng" kern="1200" dirty="0">
-                <a:solidFill>
-                  <a:schemeClr val="tx1"/>
-                </a:solidFill>
-                <a:effectLst/>
-                <a:latin typeface="+mn-lt"/>
-                <a:ea typeface="+mn-ea"/>
-                <a:cs typeface="+mn-cs"/>
-              </a:rPr>
-              <a:t>Function Estimate: </a:t>
-            </a:r>
-            <a:r>
-              <a:rPr lang="en-US" sz="1200" b="0" u="none" kern="1200" dirty="0">
-                <a:solidFill>
-                  <a:schemeClr val="tx1"/>
-                </a:solidFill>
-                <a:effectLst/>
-                <a:latin typeface="+mn-lt"/>
-                <a:ea typeface="+mn-ea"/>
-                <a:cs typeface="+mn-cs"/>
-              </a:rPr>
-              <a:t> We c</a:t>
-            </a:r>
-            <a:r>
-              <a:rPr lang="en-US" sz="1200" kern="1200" dirty="0">
-                <a:solidFill>
-                  <a:schemeClr val="tx1"/>
-                </a:solidFill>
-                <a:effectLst/>
-                <a:latin typeface="+mn-lt"/>
-                <a:ea typeface="+mn-ea"/>
-                <a:cs typeface="+mn-cs"/>
-              </a:rPr>
-              <a:t>ounted the functions present in 1.3, the Major Software Functions, and</a:t>
-            </a:r>
-            <a:r>
-              <a:rPr lang="en-US" sz="1200" kern="1200" baseline="0" dirty="0">
-                <a:solidFill>
-                  <a:schemeClr val="tx1"/>
-                </a:solidFill>
-                <a:effectLst/>
-                <a:latin typeface="+mn-lt"/>
-                <a:ea typeface="+mn-ea"/>
-                <a:cs typeface="+mn-cs"/>
-              </a:rPr>
-              <a:t> used them for the </a:t>
-            </a:r>
-            <a:r>
-              <a:rPr lang="en-US" sz="1200" kern="1200" dirty="0">
-                <a:solidFill>
-                  <a:schemeClr val="tx1"/>
-                </a:solidFill>
-                <a:effectLst/>
-                <a:latin typeface="+mn-lt"/>
-                <a:ea typeface="+mn-ea"/>
-                <a:cs typeface="+mn-cs"/>
-              </a:rPr>
-              <a:t>function point estimation.  The lowest-level functionality in 1.3 is counted and added up. Totaling 18 functions </a:t>
-            </a:r>
-          </a:p>
-          <a:p>
-            <a:pPr marL="628650" marR="0" lvl="1" indent="-171450" algn="l" defTabSz="914400" rtl="0" eaLnBrk="1" fontAlgn="auto" latinLnBrk="0" hangingPunct="1">
-              <a:lnSpc>
-                <a:spcPct val="100000"/>
-              </a:lnSpc>
-              <a:spcBef>
-                <a:spcPts val="0"/>
-              </a:spcBef>
-              <a:spcAft>
-                <a:spcPts val="0"/>
-              </a:spcAft>
-              <a:buClrTx/>
-              <a:buSzTx/>
-              <a:buFont typeface="Arial" panose="020B0604020202020204" pitchFamily="34" charset="0"/>
-              <a:buChar char="•"/>
-              <a:tabLst/>
-              <a:defRPr/>
-            </a:pPr>
-            <a:endParaRPr lang="en-US" sz="1200" kern="1200" dirty="0">
-              <a:solidFill>
-                <a:schemeClr val="tx1"/>
-              </a:solidFill>
-              <a:effectLst/>
-              <a:latin typeface="+mn-lt"/>
-              <a:ea typeface="+mn-ea"/>
-              <a:cs typeface="+mn-cs"/>
-            </a:endParaRPr>
-          </a:p>
-          <a:p>
-            <a:pPr marL="628650" marR="0" lvl="1" indent="-171450" algn="l" defTabSz="914400" rtl="0" eaLnBrk="1" fontAlgn="auto" latinLnBrk="0" hangingPunct="1">
-              <a:lnSpc>
-                <a:spcPct val="100000"/>
-              </a:lnSpc>
-              <a:spcBef>
-                <a:spcPts val="0"/>
-              </a:spcBef>
-              <a:spcAft>
-                <a:spcPts val="0"/>
-              </a:spcAft>
-              <a:buClrTx/>
-              <a:buSzTx/>
-              <a:buFont typeface="Arial" panose="020B0604020202020204" pitchFamily="34" charset="0"/>
-              <a:buChar char="•"/>
-              <a:tabLst/>
-              <a:defRPr/>
-            </a:pPr>
-            <a:r>
-              <a:rPr lang="en-US" sz="1200" b="1" u="sng" kern="1200" dirty="0">
-                <a:solidFill>
-                  <a:schemeClr val="tx1"/>
-                </a:solidFill>
-                <a:effectLst/>
-                <a:latin typeface="+mn-lt"/>
-                <a:ea typeface="+mn-ea"/>
-                <a:cs typeface="+mn-cs"/>
-              </a:rPr>
-              <a:t>Task</a:t>
-            </a:r>
-            <a:r>
-              <a:rPr lang="en-US" sz="1200" b="1" u="sng" kern="1200" baseline="0" dirty="0">
-                <a:solidFill>
-                  <a:schemeClr val="tx1"/>
-                </a:solidFill>
-                <a:effectLst/>
-                <a:latin typeface="+mn-lt"/>
-                <a:ea typeface="+mn-ea"/>
-                <a:cs typeface="+mn-cs"/>
-              </a:rPr>
-              <a:t> Estimate:</a:t>
-            </a:r>
             <a:r>
               <a:rPr lang="en-US" sz="1200" b="0" u="none" kern="1200" baseline="0" dirty="0">
                 <a:solidFill>
@@ -1356,18 +1396,18 @@
                 <a:ea typeface="+mn-ea"/>
                 <a:cs typeface="+mn-cs"/>
               </a:rPr>
-              <a:t>  Breaking down the project into high level tasks and estimating the time in which we believed it would take to complete each task. 46hours/person , total 184 hours</a:t>
-            </a:r>
-            <a:endParaRPr lang="en-US" b="1" u="sng" dirty="0">
-              <a:effectLst/>
-            </a:endParaRPr>
-          </a:p>
-          <a:p>
-            <a:pPr marL="0" lvl="0" indent="0">
-              <a:buFont typeface="Arial" panose="020B0604020202020204" pitchFamily="34" charset="0"/>
-              <a:buNone/>
-            </a:pPr>
-            <a:endParaRPr lang="en-US" sz="1200" kern="1200" dirty="0">
+              <a:t>Based on time-tracking in Toggl, and rounding any ‘partial hours’ up to full hours.</a:t>
+            </a:r>
+          </a:p>
+          <a:p>
+            <a:r>
+              <a:rPr lang="en-US" dirty="0"/>
+              <a:t/>
+            </a:r>
+            <a:br>
+              <a:rPr lang="en-US" dirty="0"/>
+            </a:br>
+            <a:endParaRPr lang="en-US" sz="1200" b="1" u="sng" kern="1200" dirty="0">
               <a:solidFill>
                 <a:schemeClr val="tx1"/>
               </a:solidFill>
@@ -1377,59 +1417,6 @@
               <a:cs typeface="+mn-cs"/>
             </a:endParaRPr>
           </a:p>
-          <a:p>
-            <a:pPr marL="628650" lvl="1" indent="-171450">
-              <a:buFont typeface="Arial" panose="020B0604020202020204" pitchFamily="34" charset="0"/>
-              <a:buChar char="•"/>
-            </a:pPr>
-            <a:r>
-              <a:rPr lang="en-US" sz="1200" b="1" u="sng" kern="1200" dirty="0">
-                <a:solidFill>
-                  <a:schemeClr val="tx1"/>
-                </a:solidFill>
-                <a:effectLst/>
-                <a:latin typeface="+mn-lt"/>
-                <a:ea typeface="+mn-ea"/>
-                <a:cs typeface="+mn-cs"/>
-              </a:rPr>
-              <a:t>SPMP</a:t>
-            </a:r>
-            <a:r>
-              <a:rPr lang="en-US" sz="1200" b="1" u="sng" kern="1200" baseline="0" dirty="0">
-                <a:solidFill>
-                  <a:schemeClr val="tx1"/>
-                </a:solidFill>
-                <a:effectLst/>
-                <a:latin typeface="+mn-lt"/>
-                <a:ea typeface="+mn-ea"/>
-                <a:cs typeface="+mn-cs"/>
-              </a:rPr>
-              <a:t> Completion: </a:t>
-            </a:r>
-            <a:r>
-              <a:rPr lang="en-US" sz="1200" kern="1200" dirty="0">
-                <a:solidFill>
-                  <a:schemeClr val="tx1"/>
-                </a:solidFill>
-                <a:effectLst/>
-                <a:latin typeface="+mn-lt"/>
-                <a:ea typeface="+mn-ea"/>
-                <a:cs typeface="+mn-cs"/>
-              </a:rPr>
-              <a:t>Based on previous experience with similar but smaller templates from past Computer Science classes, we estimate the SPMP will take approximately 60 Hours to complete.</a:t>
-            </a:r>
-          </a:p>
-          <a:p>
-            <a:endParaRPr lang="en-US" sz="1200" kern="1200" dirty="0">
-              <a:solidFill>
-                <a:schemeClr val="tx1"/>
-              </a:solidFill>
-              <a:effectLst/>
-              <a:latin typeface="+mn-lt"/>
-              <a:ea typeface="+mn-ea"/>
-              <a:cs typeface="+mn-cs"/>
-            </a:endParaRPr>
-          </a:p>
         </p:txBody>
       </p:sp>
       <p:sp>
@@ -1458,7 +1445,7 @@
     </p:spTree>
     <p:extLst>
       <p:ext uri="{BB962C8B-B14F-4D97-AF65-F5344CB8AC3E}">
-        <p14:creationId xmlns:p14="http://schemas.microsoft.com/office/powerpoint/2010/main" val="1248189161"/>
+        <p14:creationId xmlns:p14="http://schemas.microsoft.com/office/powerpoint/2010/main" val="860756360"/>
       </p:ext>
     </p:extLst>
   </p:cSld>
@@ -1513,60 +1500,148 @@
           <a:lstStyle/>
           <a:p>
             <a:r>
-              <a:rPr lang="en-US" sz="1200" b="0" u="none" kern="1200" baseline="0" dirty="0">
-                <a:solidFill>
-                  <a:schemeClr val="tx1"/>
-                </a:solidFill>
-                <a:effectLst/>
-                <a:latin typeface="+mn-lt"/>
-                <a:ea typeface="+mn-ea"/>
-                <a:cs typeface="+mn-cs"/>
-              </a:rPr>
+              <a:rPr lang="en-US" dirty="0"/>
               <a:t>EJ</a:t>
             </a:r>
           </a:p>
           <a:p>
-            <a:endParaRPr lang="en-US" sz="1200" b="0" u="none" kern="1200" baseline="0" dirty="0">
-              <a:solidFill>
-                <a:schemeClr val="tx1"/>
-              </a:solidFill>
-              <a:effectLst/>
-              <a:latin typeface="+mn-lt"/>
-              <a:ea typeface="+mn-ea"/>
-              <a:cs typeface="+mn-cs"/>
-            </a:endParaRPr>
-          </a:p>
-          <a:p>
-            <a:r>
-              <a:rPr lang="en-US" sz="1200" b="0" u="none" kern="1200" baseline="0" dirty="0">
-                <a:solidFill>
-                  <a:schemeClr val="tx1"/>
-                </a:solidFill>
-                <a:effectLst/>
-                <a:latin typeface="+mn-lt"/>
-                <a:ea typeface="+mn-ea"/>
-                <a:cs typeface="+mn-cs"/>
-              </a:rPr>
-              <a:t>Based on time-tracking in Toggl, and rounding any ‘partial hours’ up to full hours.</a:t>
-            </a:r>
-          </a:p>
-          <a:p>
+            <a:endParaRPr lang="en-US" dirty="0"/>
+          </a:p>
+          <a:p>
+            <a:pPr marL="0" marR="0" indent="0" algn="l" defTabSz="914400" rtl="0" eaLnBrk="1" fontAlgn="auto" latinLnBrk="0" hangingPunct="1">
+              <a:lnSpc>
+                <a:spcPct val="100000"/>
+              </a:lnSpc>
+              <a:spcBef>
+                <a:spcPts val="0"/>
+              </a:spcBef>
+              <a:spcAft>
+                <a:spcPts val="0"/>
+              </a:spcAft>
+              <a:buClrTx/>
+              <a:buSzTx/>
+              <a:buFontTx/>
+              <a:buNone/>
+              <a:tabLst/>
+              <a:defRPr/>
+            </a:pPr>
+            <a:r>
+              <a:rPr lang="en-US" b="1" dirty="0"/>
+              <a:t>Why switch? </a:t>
+            </a:r>
             <a:r>
               <a:rPr lang="en-US" dirty="0"/>
-              <a:t/>
-            </a:r>
-            <a:br>
+              <a:t>Switch to tasks estimate and tweak it based on findings and calculations based on findings from task one.</a:t>
+            </a:r>
+          </a:p>
+          <a:p>
+            <a:pPr marL="628650" marR="0" lvl="1" indent="-171450" algn="l" defTabSz="914400" rtl="0" eaLnBrk="1" fontAlgn="auto" latinLnBrk="0" hangingPunct="1">
+              <a:lnSpc>
+                <a:spcPct val="100000"/>
+              </a:lnSpc>
+              <a:spcBef>
+                <a:spcPts val="0"/>
+              </a:spcBef>
+              <a:spcAft>
+                <a:spcPts val="0"/>
+              </a:spcAft>
+              <a:buClrTx/>
+              <a:buSzTx/>
+              <a:buFont typeface="Arial" panose="020B0604020202020204" pitchFamily="34" charset="0"/>
+              <a:buChar char="•"/>
+              <a:tabLst/>
+              <a:defRPr/>
+            </a:pPr>
+            <a:r>
               <a:rPr lang="en-US" dirty="0"/>
-            </a:br>
-            <a:endParaRPr lang="en-US" sz="1200" b="1" u="sng" kern="1200" dirty="0">
-              <a:solidFill>
-                <a:schemeClr val="tx1"/>
-              </a:solidFill>
-              <a:effectLst/>
-              <a:latin typeface="+mn-lt"/>
-              <a:ea typeface="+mn-ea"/>
-              <a:cs typeface="+mn-cs"/>
-            </a:endParaRPr>
+              <a:t>Original</a:t>
+            </a:r>
+            <a:r>
+              <a:rPr lang="en-US" baseline="0" dirty="0"/>
+              <a:t> selection was strange heuristic based on average hours spent per day based on person-hours up until today</a:t>
+            </a:r>
+            <a:endParaRPr lang="en-US" dirty="0"/>
+          </a:p>
+          <a:p>
+            <a:pPr marL="628650" marR="0" lvl="1" indent="-171450" algn="l" defTabSz="914400" rtl="0" eaLnBrk="1" fontAlgn="auto" latinLnBrk="0" hangingPunct="1">
+              <a:lnSpc>
+                <a:spcPct val="100000"/>
+              </a:lnSpc>
+              <a:spcBef>
+                <a:spcPts val="0"/>
+              </a:spcBef>
+              <a:spcAft>
+                <a:spcPts val="0"/>
+              </a:spcAft>
+              <a:buClrTx/>
+              <a:buSzTx/>
+              <a:buFont typeface="Arial" panose="020B0604020202020204" pitchFamily="34" charset="0"/>
+              <a:buChar char="•"/>
+              <a:tabLst/>
+              <a:defRPr/>
+            </a:pPr>
+            <a:r>
+              <a:rPr lang="en-US" dirty="0"/>
+              <a:t>(vs</a:t>
+            </a:r>
+            <a:r>
+              <a:rPr lang="en-US" baseline="0" dirty="0"/>
+              <a:t> FPE) </a:t>
+            </a:r>
+            <a:r>
+              <a:rPr lang="en-US" dirty="0"/>
+              <a:t>Closest estimate to actual (function</a:t>
+            </a:r>
+            <a:r>
+              <a:rPr lang="en-US" baseline="0" dirty="0"/>
+              <a:t> point seems way off)</a:t>
+            </a:r>
+          </a:p>
+          <a:p>
+            <a:pPr marL="628650" marR="0" lvl="1" indent="-171450" algn="l" defTabSz="914400" rtl="0" eaLnBrk="1" fontAlgn="auto" latinLnBrk="0" hangingPunct="1">
+              <a:lnSpc>
+                <a:spcPct val="100000"/>
+              </a:lnSpc>
+              <a:spcBef>
+                <a:spcPts val="0"/>
+              </a:spcBef>
+              <a:spcAft>
+                <a:spcPts val="0"/>
+              </a:spcAft>
+              <a:buClrTx/>
+              <a:buSzTx/>
+              <a:buFont typeface="Arial" panose="020B0604020202020204" pitchFamily="34" charset="0"/>
+              <a:buChar char="•"/>
+              <a:tabLst/>
+              <a:defRPr/>
+            </a:pPr>
+            <a:r>
+              <a:rPr lang="en-US" baseline="0" dirty="0"/>
+              <a:t>(vs LOC) Able to estimate based on task difficulty vs. just an hours-per-day average, better estimates for individual pieces of project</a:t>
+            </a:r>
+          </a:p>
+          <a:p>
+            <a:pPr marL="628650" marR="0" lvl="1" indent="-171450" algn="l" defTabSz="914400" rtl="0" eaLnBrk="1" fontAlgn="auto" latinLnBrk="0" hangingPunct="1">
+              <a:lnSpc>
+                <a:spcPct val="100000"/>
+              </a:lnSpc>
+              <a:spcBef>
+                <a:spcPts val="0"/>
+              </a:spcBef>
+              <a:spcAft>
+                <a:spcPts val="0"/>
+              </a:spcAft>
+              <a:buClrTx/>
+              <a:buSzTx/>
+              <a:buFont typeface="Arial" panose="020B0604020202020204" pitchFamily="34" charset="0"/>
+              <a:buChar char="•"/>
+              <a:tabLst/>
+              <a:defRPr/>
+            </a:pPr>
+            <a:r>
+              <a:rPr lang="en-US" baseline="0" dirty="0"/>
+              <a:t>(vs Both) Tasks more adjustable based on new information</a:t>
+            </a:r>
           </a:p>
         </p:txBody>
       </p:sp>
@@ -1596,7 +1671,7 @@
     </p:spTree>
     <p:extLst>
       <p:ext uri="{BB962C8B-B14F-4D97-AF65-F5344CB8AC3E}">
-        <p14:creationId xmlns:p14="http://schemas.microsoft.com/office/powerpoint/2010/main" val="860756360"/>
+        <p14:creationId xmlns:p14="http://schemas.microsoft.com/office/powerpoint/2010/main" val="2526573166"/>
       </p:ext>
     </p:extLst>
   </p:cSld>
@@ -1651,148 +1726,118 @@
           <a:lstStyle/>
           <a:p>
             <a:r>
-              <a:rPr lang="en-US" dirty="0"/>
+              <a:rPr lang="en-US" sz="1200" b="1" i="0" u="sng" kern="1200" dirty="0">
+                <a:solidFill>
+                  <a:schemeClr val="tx1"/>
+                </a:solidFill>
+                <a:effectLst/>
+                <a:latin typeface="+mn-lt"/>
+                <a:ea typeface="+mn-ea"/>
+                <a:cs typeface="+mn-cs"/>
+              </a:rPr>
               <a:t>EJ</a:t>
             </a:r>
           </a:p>
           <a:p>
+            <a:endParaRPr lang="en-US" sz="1200" b="0" i="0" u="none" kern="1200" dirty="0">
+              <a:solidFill>
+                <a:schemeClr val="tx1"/>
+              </a:solidFill>
+              <a:effectLst/>
+              <a:latin typeface="+mn-lt"/>
+              <a:ea typeface="+mn-ea"/>
+              <a:cs typeface="+mn-cs"/>
+            </a:endParaRPr>
+          </a:p>
+          <a:p>
+            <a:r>
+              <a:rPr lang="en-US" sz="1200" b="1" i="0" u="none" kern="1200" dirty="0">
+                <a:solidFill>
+                  <a:schemeClr val="tx1"/>
+                </a:solidFill>
+                <a:effectLst/>
+                <a:latin typeface="+mn-lt"/>
+                <a:ea typeface="+mn-ea"/>
+                <a:cs typeface="+mn-cs"/>
+              </a:rPr>
+              <a:t>LOC</a:t>
+            </a:r>
+            <a:r>
+              <a:rPr lang="en-US" sz="1200" b="0" i="0" u="none" kern="1200" baseline="0" dirty="0">
+                <a:solidFill>
+                  <a:schemeClr val="tx1"/>
+                </a:solidFill>
+                <a:effectLst/>
+                <a:latin typeface="+mn-lt"/>
+                <a:ea typeface="+mn-ea"/>
+                <a:cs typeface="+mn-cs"/>
+              </a:rPr>
+              <a:t> – No real changes, still based on function decomposition diagram</a:t>
+            </a:r>
+          </a:p>
+          <a:p>
+            <a:r>
+              <a:rPr lang="en-US" sz="1200" b="1" i="0" u="none" kern="1200" baseline="0" dirty="0">
+                <a:solidFill>
+                  <a:schemeClr val="tx1"/>
+                </a:solidFill>
+                <a:effectLst/>
+                <a:latin typeface="+mn-lt"/>
+                <a:ea typeface="+mn-ea"/>
+                <a:cs typeface="+mn-cs"/>
+              </a:rPr>
+              <a:t>FPE</a:t>
+            </a:r>
+            <a:r>
+              <a:rPr lang="en-US" sz="1200" b="0" i="0" u="none" kern="1200" baseline="0" dirty="0">
+                <a:solidFill>
+                  <a:schemeClr val="tx1"/>
+                </a:solidFill>
+                <a:effectLst/>
+                <a:latin typeface="+mn-lt"/>
+                <a:ea typeface="+mn-ea"/>
+                <a:cs typeface="+mn-cs"/>
+              </a:rPr>
+              <a:t> – Changes based on knowledge gleaned from use case summary &amp; specs and more in-depth thought about program functionality</a:t>
+            </a:r>
+          </a:p>
+          <a:p>
+            <a:r>
+              <a:rPr lang="en-US" sz="1200" b="1" i="0" u="none" kern="1200" baseline="0" dirty="0">
+                <a:solidFill>
+                  <a:schemeClr val="tx1"/>
+                </a:solidFill>
+                <a:effectLst/>
+                <a:latin typeface="+mn-lt"/>
+                <a:ea typeface="+mn-ea"/>
+                <a:cs typeface="+mn-cs"/>
+              </a:rPr>
+              <a:t>Tasks</a:t>
+            </a:r>
+            <a:r>
+              <a:rPr lang="en-US" sz="1200" b="0" i="0" u="none" kern="1200" baseline="0" dirty="0">
+                <a:solidFill>
+                  <a:schemeClr val="tx1"/>
+                </a:solidFill>
+                <a:effectLst/>
+                <a:latin typeface="+mn-lt"/>
+                <a:ea typeface="+mn-ea"/>
+                <a:cs typeface="+mn-cs"/>
+              </a:rPr>
+              <a:t> – Changes based on knowledge gleaned from completion of phase 1 &amp; use case</a:t>
+            </a:r>
+            <a:endParaRPr lang="en-US" sz="1200" b="0" i="0" u="none" kern="1200" dirty="0">
+              <a:solidFill>
+                <a:schemeClr val="tx1"/>
+              </a:solidFill>
+              <a:effectLst/>
+              <a:latin typeface="+mn-lt"/>
+              <a:ea typeface="+mn-ea"/>
+              <a:cs typeface="+mn-cs"/>
+            </a:endParaRPr>
+          </a:p>
+          <a:p>
             <a:endParaRPr lang="en-US" dirty="0"/>
-          </a:p>
-          <a:p>
-            <a:pPr marL="0" marR="0" indent="0" algn="l" defTabSz="914400" rtl="0" eaLnBrk="1" fontAlgn="auto" latinLnBrk="0" hangingPunct="1">
-              <a:lnSpc>
-                <a:spcPct val="100000"/>
-              </a:lnSpc>
-              <a:spcBef>
-                <a:spcPts val="0"/>
-              </a:spcBef>
-              <a:spcAft>
-                <a:spcPts val="0"/>
-              </a:spcAft>
-              <a:buClrTx/>
-              <a:buSzTx/>
-              <a:buFontTx/>
-              <a:buNone/>
-              <a:tabLst/>
-              <a:defRPr/>
-            </a:pPr>
-            <a:r>
-              <a:rPr lang="en-US" b="1" dirty="0"/>
-              <a:t>Why switch? </a:t>
-            </a:r>
-            <a:r>
-              <a:rPr lang="en-US" dirty="0"/>
-              <a:t>Switch to tasks estimate and tweak it based on findings and calculations based on findings from task one.</a:t>
-            </a:r>
-          </a:p>
-          <a:p>
-            <a:pPr marL="628650" marR="0" lvl="1" indent="-171450" algn="l" defTabSz="914400" rtl="0" eaLnBrk="1" fontAlgn="auto" latinLnBrk="0" hangingPunct="1">
-              <a:lnSpc>
-                <a:spcPct val="100000"/>
-              </a:lnSpc>
-              <a:spcBef>
-                <a:spcPts val="0"/>
-              </a:spcBef>
-              <a:spcAft>
-                <a:spcPts val="0"/>
-              </a:spcAft>
-              <a:buClrTx/>
-              <a:buSzTx/>
-              <a:buFont typeface="Arial" panose="020B0604020202020204" pitchFamily="34" charset="0"/>
-              <a:buChar char="•"/>
-              <a:tabLst/>
-              <a:defRPr/>
-            </a:pPr>
-            <a:r>
-              <a:rPr lang="en-US" dirty="0"/>
-              <a:t>Original</a:t>
-            </a:r>
-            <a:r>
-              <a:rPr lang="en-US" baseline="0" dirty="0"/>
-              <a:t> selection was strange heuristic based on average hours spent per day based on person-hours up until today</a:t>
-            </a:r>
-            <a:endParaRPr lang="en-US" dirty="0"/>
-          </a:p>
-          <a:p>
-            <a:pPr marL="628650" marR="0" lvl="1" indent="-171450" algn="l" defTabSz="914400" rtl="0" eaLnBrk="1" fontAlgn="auto" latinLnBrk="0" hangingPunct="1">
-              <a:lnSpc>
-                <a:spcPct val="100000"/>
-              </a:lnSpc>
-              <a:spcBef>
-                <a:spcPts val="0"/>
-              </a:spcBef>
-              <a:spcAft>
-                <a:spcPts val="0"/>
-              </a:spcAft>
-              <a:buClrTx/>
-              <a:buSzTx/>
-              <a:buFont typeface="Arial" panose="020B0604020202020204" pitchFamily="34" charset="0"/>
-              <a:buChar char="•"/>
-              <a:tabLst/>
-              <a:defRPr/>
-            </a:pPr>
-            <a:r>
-              <a:rPr lang="en-US" dirty="0"/>
-              <a:t>(vs</a:t>
-            </a:r>
-            <a:r>
-              <a:rPr lang="en-US" baseline="0" dirty="0"/>
-              <a:t> FPE) </a:t>
-            </a:r>
-            <a:r>
-              <a:rPr lang="en-US" dirty="0"/>
-              <a:t>Closest estimate to actual (function</a:t>
-            </a:r>
-            <a:r>
-              <a:rPr lang="en-US" baseline="0" dirty="0"/>
-              <a:t> point seems way off)</a:t>
-            </a:r>
-          </a:p>
-          <a:p>
-            <a:pPr marL="628650" marR="0" lvl="1" indent="-171450" algn="l" defTabSz="914400" rtl="0" eaLnBrk="1" fontAlgn="auto" latinLnBrk="0" hangingPunct="1">
-              <a:lnSpc>
-                <a:spcPct val="100000"/>
-              </a:lnSpc>
-              <a:spcBef>
-                <a:spcPts val="0"/>
-              </a:spcBef>
-              <a:spcAft>
-                <a:spcPts val="0"/>
-              </a:spcAft>
-              <a:buClrTx/>
-              <a:buSzTx/>
-              <a:buFont typeface="Arial" panose="020B0604020202020204" pitchFamily="34" charset="0"/>
-              <a:buChar char="•"/>
-              <a:tabLst/>
-              <a:defRPr/>
-            </a:pPr>
-            <a:r>
-              <a:rPr lang="en-US" baseline="0" dirty="0"/>
-              <a:t>(vs LOC) Able to estimate based on task difficulty vs. just an hours-per-day average, better estimates for individual pieces of project</a:t>
-            </a:r>
-          </a:p>
-          <a:p>
-            <a:pPr marL="628650" marR="0" lvl="1" indent="-171450" algn="l" defTabSz="914400" rtl="0" eaLnBrk="1" fontAlgn="auto" latinLnBrk="0" hangingPunct="1">
-              <a:lnSpc>
-                <a:spcPct val="100000"/>
-              </a:lnSpc>
-              <a:spcBef>
-                <a:spcPts val="0"/>
-              </a:spcBef>
-              <a:spcAft>
-                <a:spcPts val="0"/>
-              </a:spcAft>
-              <a:buClrTx/>
-              <a:buSzTx/>
-              <a:buFont typeface="Arial" panose="020B0604020202020204" pitchFamily="34" charset="0"/>
-              <a:buChar char="•"/>
-              <a:tabLst/>
-              <a:defRPr/>
-            </a:pPr>
-            <a:r>
-              <a:rPr lang="en-US" baseline="0" dirty="0"/>
-              <a:t>(vs Both) Tasks more adjustable based on new information</a:t>
-            </a:r>
           </a:p>
         </p:txBody>
       </p:sp>
@@ -1822,7 +1867,7 @@
     </p:spTree>
     <p:extLst>
       <p:ext uri="{BB962C8B-B14F-4D97-AF65-F5344CB8AC3E}">
-        <p14:creationId xmlns:p14="http://schemas.microsoft.com/office/powerpoint/2010/main" val="2526573166"/>
+        <p14:creationId xmlns:p14="http://schemas.microsoft.com/office/powerpoint/2010/main" val="886688131"/>
       </p:ext>
     </p:extLst>
   </p:cSld>
@@ -1877,118 +1922,138 @@
           <a:lstStyle/>
           <a:p>
             <a:r>
-              <a:rPr lang="en-US" sz="1200" b="1" i="0" u="sng" kern="1200" dirty="0">
-                <a:solidFill>
-                  <a:schemeClr val="tx1"/>
-                </a:solidFill>
-                <a:effectLst/>
-                <a:latin typeface="+mn-lt"/>
-                <a:ea typeface="+mn-ea"/>
-                <a:cs typeface="+mn-cs"/>
-              </a:rPr>
-              <a:t>EJ</a:t>
-            </a:r>
-          </a:p>
-          <a:p>
-            <a:endParaRPr lang="en-US" sz="1200" b="0" i="0" u="none" kern="1200" dirty="0">
-              <a:solidFill>
-                <a:schemeClr val="tx1"/>
-              </a:solidFill>
-              <a:effectLst/>
-              <a:latin typeface="+mn-lt"/>
-              <a:ea typeface="+mn-ea"/>
-              <a:cs typeface="+mn-cs"/>
-            </a:endParaRPr>
-          </a:p>
-          <a:p>
-            <a:r>
-              <a:rPr lang="en-US" sz="1200" b="1" i="0" u="none" kern="1200" dirty="0">
-                <a:solidFill>
-                  <a:schemeClr val="tx1"/>
-                </a:solidFill>
-                <a:effectLst/>
-                <a:latin typeface="+mn-lt"/>
-                <a:ea typeface="+mn-ea"/>
-                <a:cs typeface="+mn-cs"/>
-              </a:rPr>
-              <a:t>LOC</a:t>
-            </a:r>
-            <a:r>
-              <a:rPr lang="en-US" sz="1200" b="0" i="0" u="none" kern="1200" baseline="0" dirty="0">
-                <a:solidFill>
-                  <a:schemeClr val="tx1"/>
-                </a:solidFill>
-                <a:effectLst/>
-                <a:latin typeface="+mn-lt"/>
-                <a:ea typeface="+mn-ea"/>
-                <a:cs typeface="+mn-cs"/>
-              </a:rPr>
-              <a:t> – No real changes, still based on function decomposition diagram</a:t>
-            </a:r>
-          </a:p>
-          <a:p>
-            <a:r>
-              <a:rPr lang="en-US" sz="1200" b="1" i="0" u="none" kern="1200" baseline="0" dirty="0">
-                <a:solidFill>
-                  <a:schemeClr val="tx1"/>
-                </a:solidFill>
-                <a:effectLst/>
-                <a:latin typeface="+mn-lt"/>
-                <a:ea typeface="+mn-ea"/>
-                <a:cs typeface="+mn-cs"/>
-              </a:rPr>
-              <a:t>FPE</a:t>
-            </a:r>
-            <a:r>
-              <a:rPr lang="en-US" sz="1200" b="0" i="0" u="none" kern="1200" baseline="0" dirty="0">
-                <a:solidFill>
-                  <a:schemeClr val="tx1"/>
-                </a:solidFill>
-                <a:effectLst/>
-                <a:latin typeface="+mn-lt"/>
-                <a:ea typeface="+mn-ea"/>
-                <a:cs typeface="+mn-cs"/>
-              </a:rPr>
-              <a:t> – Changes based on knowledge gleaned from use case summary &amp; specs and more in-depth thought about program functionality</a:t>
-            </a:r>
-          </a:p>
-          <a:p>
-            <a:r>
-              <a:rPr lang="en-US" sz="1200" b="1" i="0" u="none" kern="1200" baseline="0" dirty="0">
-                <a:solidFill>
-                  <a:schemeClr val="tx1"/>
-                </a:solidFill>
-                <a:effectLst/>
-                <a:latin typeface="+mn-lt"/>
-                <a:ea typeface="+mn-ea"/>
-                <a:cs typeface="+mn-cs"/>
-              </a:rPr>
+              <a:rPr lang="en-US" dirty="0"/>
+              <a:t>CS</a:t>
+            </a:r>
+          </a:p>
+          <a:p>
+            <a:r>
+              <a:rPr lang="en-US" dirty="0"/>
               <a:t>Tasks</a:t>
             </a:r>
             <a:r>
-              <a:rPr lang="en-US" sz="1200" b="0" i="0" u="none" kern="1200" baseline="0" dirty="0">
-                <a:solidFill>
-                  <a:schemeClr val="tx1"/>
-                </a:solidFill>
-                <a:effectLst/>
-                <a:latin typeface="+mn-lt"/>
-                <a:ea typeface="+mn-ea"/>
-                <a:cs typeface="+mn-cs"/>
-              </a:rPr>
-              <a:t> – Changes based on knowledge gleaned from completion of phase 1 &amp; use case</a:t>
-            </a:r>
-            <a:endParaRPr lang="en-US" sz="1200" b="0" i="0" u="none" kern="1200" dirty="0">
-              <a:solidFill>
-                <a:schemeClr val="tx1"/>
-              </a:solidFill>
-              <a:effectLst/>
-              <a:latin typeface="+mn-lt"/>
-              <a:ea typeface="+mn-ea"/>
-              <a:cs typeface="+mn-cs"/>
-            </a:endParaRPr>
-          </a:p>
-          <a:p>
-            <a:endParaRPr lang="en-US" dirty="0"/>
+              <a:rPr lang="en-US" baseline="0" dirty="0"/>
+              <a:t> that were easy will be tasks that took the less amount of time to complete based on reports from </a:t>
+            </a:r>
+            <a:r>
+              <a:rPr lang="en-US" baseline="0" dirty="0" err="1"/>
+              <a:t>toggl</a:t>
+            </a:r>
+            <a:r>
+              <a:rPr lang="en-US" baseline="0" dirty="0"/>
+              <a:t>:</a:t>
+            </a:r>
+          </a:p>
+          <a:p>
+            <a:endParaRPr lang="en-US" baseline="0" dirty="0"/>
+          </a:p>
+          <a:p>
+            <a:r>
+              <a:rPr lang="en-US" b="1" u="sng" baseline="0" dirty="0"/>
+              <a:t>1.2 Project Scope: </a:t>
+            </a:r>
+            <a:r>
+              <a:rPr lang="en-US" b="0" u="none" baseline="0" dirty="0"/>
+              <a:t>Laying out the team skillsets helped to identify exclusions such as using a flat-file system vs a database; INCLUSIONS AND EXCLUSIONS.</a:t>
+            </a:r>
+            <a:endParaRPr lang="en-US" b="1" u="sng" baseline="0" dirty="0"/>
+          </a:p>
+          <a:p>
+            <a:endParaRPr lang="en-US" baseline="0" dirty="0"/>
+          </a:p>
+          <a:p>
+            <a:r>
+              <a:rPr lang="en-US" b="1" u="sng" baseline="0" dirty="0"/>
+              <a:t>1.4 Performance/Behavior Constraints: </a:t>
+            </a:r>
+            <a:r>
+              <a:rPr lang="en-US" b="0" u="none" baseline="0" dirty="0"/>
+              <a:t>Thinking about reasonable expectations of functionality </a:t>
+            </a:r>
+          </a:p>
+          <a:p>
+            <a:endParaRPr lang="en-US" b="0" u="none" baseline="0" dirty="0"/>
+          </a:p>
+          <a:p>
+            <a:r>
+              <a:rPr lang="en-US" b="1" u="sng" baseline="0" dirty="0"/>
+              <a:t>1.5 Management and Technical Constraints:</a:t>
+            </a:r>
+            <a:r>
+              <a:rPr lang="en-US" b="0" u="none" baseline="0" dirty="0"/>
+              <a:t> </a:t>
+            </a:r>
+          </a:p>
+          <a:p>
+            <a:r>
+              <a:rPr lang="en-US" b="1" u="sng" baseline="0" dirty="0"/>
+              <a:t>Management constraints: </a:t>
+            </a:r>
+            <a:r>
+              <a:rPr lang="en-US" b="0" u="none" baseline="0" dirty="0"/>
+              <a:t>Constraints are based on individual schedules and exceptions to team members availability.</a:t>
+            </a:r>
+          </a:p>
+          <a:p>
+            <a:r>
+              <a:rPr lang="en-US" b="0" u="none" baseline="0" dirty="0"/>
+              <a:t>Compared to the technical </a:t>
+            </a:r>
+            <a:r>
+              <a:rPr lang="en-US" b="0" u="none" baseline="0" dirty="0" err="1"/>
+              <a:t>constaints</a:t>
+            </a:r>
+            <a:r>
+              <a:rPr lang="en-US" b="0" u="none" baseline="0" dirty="0"/>
+              <a:t> </a:t>
+            </a:r>
+          </a:p>
+          <a:p>
+            <a:r>
+              <a:rPr lang="en-US" b="1" u="sng" baseline="0" dirty="0"/>
+              <a:t>Technical constraints: </a:t>
+            </a:r>
+            <a:r>
+              <a:rPr lang="en-US" b="0" u="none" baseline="0" dirty="0"/>
+              <a:t>Knowing the kinds of language we will be programming in and based on team skillset.</a:t>
+            </a:r>
+          </a:p>
+          <a:p>
+            <a:endParaRPr lang="en-US" b="0" u="none" baseline="0" dirty="0"/>
+          </a:p>
+          <a:p>
+            <a:r>
+              <a:rPr lang="en-US" b="1" u="sng" baseline="0" dirty="0"/>
+              <a:t>2.1 Historical Data for Estimates: </a:t>
+            </a:r>
+            <a:r>
+              <a:rPr lang="en-US" b="0" u="none" baseline="0" dirty="0"/>
+              <a:t>Deciding what sources to use as historical data </a:t>
+            </a:r>
+            <a:r>
+              <a:rPr lang="en-US" b="0" u="none" baseline="0" dirty="0" err="1"/>
+              <a:t>i.e</a:t>
+            </a:r>
+            <a:r>
+              <a:rPr lang="en-US" b="0" u="none" baseline="0" dirty="0"/>
+              <a:t> Erik’s current job, programs that are from CIS 200 and up (excluding labs b/c we did not feel they were very representative of an individuals work)</a:t>
+            </a:r>
+          </a:p>
+          <a:p>
+            <a:endParaRPr lang="en-US" b="0" u="none" baseline="0" dirty="0"/>
+          </a:p>
+          <a:p>
+            <a:r>
+              <a:rPr lang="en-US" b="1" u="sng" baseline="0" dirty="0"/>
+              <a:t>4.1 Project task set: </a:t>
+            </a:r>
+            <a:r>
+              <a:rPr lang="en-US" b="0" u="none" baseline="0" dirty="0"/>
+              <a:t>A communication plan was already in action by the time the SPMP was assigned making it easier to decide what the next steps of action would be. </a:t>
+            </a:r>
+          </a:p>
+          <a:p>
+            <a:endParaRPr lang="en-US" b="0" u="none" baseline="0" dirty="0"/>
           </a:p>
         </p:txBody>
       </p:sp>
@@ -2018,7 +2083,7 @@
     </p:spTree>
     <p:extLst>
       <p:ext uri="{BB962C8B-B14F-4D97-AF65-F5344CB8AC3E}">
-        <p14:creationId xmlns:p14="http://schemas.microsoft.com/office/powerpoint/2010/main" val="886688131"/>
+        <p14:creationId xmlns:p14="http://schemas.microsoft.com/office/powerpoint/2010/main" val="3402795072"/>
       </p:ext>
     </p:extLst>
   </p:cSld>
@@ -2072,138 +2137,672 @@
           <a:bodyPr/>
           <a:lstStyle/>
           <a:p>
+            <a:pPr marL="0" marR="0" lvl="0" indent="0" algn="l" defTabSz="914400" rtl="0" eaLnBrk="1" fontAlgn="auto" latinLnBrk="0" hangingPunct="1">
+              <a:lnSpc>
+                <a:spcPct val="100000"/>
+              </a:lnSpc>
+              <a:spcBef>
+                <a:spcPts val="0"/>
+              </a:spcBef>
+              <a:spcAft>
+                <a:spcPts val="0"/>
+              </a:spcAft>
+              <a:buClrTx/>
+              <a:buSzTx/>
+              <a:buFontTx/>
+              <a:buNone/>
+              <a:tabLst/>
+              <a:defRPr/>
+            </a:pPr>
             <a:r>
               <a:rPr lang="en-US" dirty="0"/>
               <a:t>CS</a:t>
             </a:r>
           </a:p>
           <a:p>
+            <a:pPr marL="0" marR="0" lvl="0" indent="0" algn="l" defTabSz="914400" rtl="0" eaLnBrk="1" fontAlgn="auto" latinLnBrk="0" hangingPunct="1">
+              <a:lnSpc>
+                <a:spcPct val="100000"/>
+              </a:lnSpc>
+              <a:spcBef>
+                <a:spcPts val="0"/>
+              </a:spcBef>
+              <a:spcAft>
+                <a:spcPts val="0"/>
+              </a:spcAft>
+              <a:buClrTx/>
+              <a:buSzTx/>
+              <a:buFontTx/>
+              <a:buNone/>
+              <a:tabLst/>
+              <a:defRPr/>
+            </a:pPr>
             <a:r>
               <a:rPr lang="en-US" dirty="0"/>
               <a:t>Tasks</a:t>
             </a:r>
             <a:r>
               <a:rPr lang="en-US" baseline="0" dirty="0"/>
-              <a:t> that were easy will be tasks that took the less amount of time to complete based on reports from </a:t>
-            </a:r>
-            <a:r>
-              <a:rPr lang="en-US" baseline="0" dirty="0" err="1"/>
-              <a:t>toggl</a:t>
+              <a:t> that were hard will be tasks that took the less amount of time to complete based on reports from Toggl:</a:t>
+            </a:r>
+          </a:p>
+          <a:p>
+            <a:pPr marL="0" marR="0" lvl="0" indent="0" algn="l" defTabSz="914400" rtl="0" eaLnBrk="1" fontAlgn="auto" latinLnBrk="0" hangingPunct="1">
+              <a:lnSpc>
+                <a:spcPct val="100000"/>
+              </a:lnSpc>
+              <a:spcBef>
+                <a:spcPts val="0"/>
+              </a:spcBef>
+              <a:spcAft>
+                <a:spcPts val="0"/>
+              </a:spcAft>
+              <a:buClrTx/>
+              <a:buSzTx/>
+              <a:buFont typeface="Arial" panose="020B0604020202020204" pitchFamily="34" charset="0"/>
+              <a:buNone/>
+              <a:tabLst/>
+              <a:defRPr/>
+            </a:pPr>
+            <a:endParaRPr lang="en-US" b="1" u="sng" baseline="0" dirty="0"/>
+          </a:p>
+          <a:p>
+            <a:pPr marL="0" marR="0" lvl="0" indent="0" algn="l" defTabSz="914400" rtl="0" eaLnBrk="1" fontAlgn="auto" latinLnBrk="0" hangingPunct="1">
+              <a:lnSpc>
+                <a:spcPct val="100000"/>
+              </a:lnSpc>
+              <a:spcBef>
+                <a:spcPts val="0"/>
+              </a:spcBef>
+              <a:spcAft>
+                <a:spcPts val="0"/>
+              </a:spcAft>
+              <a:buClrTx/>
+              <a:buSzTx/>
+              <a:buFont typeface="Arial" panose="020B0604020202020204" pitchFamily="34" charset="0"/>
+              <a:buNone/>
+              <a:tabLst/>
+              <a:defRPr/>
+            </a:pPr>
+            <a:r>
+              <a:rPr lang="en-US" b="1" u="sng" baseline="0" dirty="0"/>
+              <a:t>1.3 Functional Decomposition</a:t>
+            </a:r>
+          </a:p>
+          <a:p>
+            <a:pPr marL="0" marR="0" lvl="0" indent="0" algn="l" defTabSz="914400" rtl="0" eaLnBrk="1" fontAlgn="auto" latinLnBrk="0" hangingPunct="1">
+              <a:lnSpc>
+                <a:spcPct val="100000"/>
+              </a:lnSpc>
+              <a:spcBef>
+                <a:spcPts val="0"/>
+              </a:spcBef>
+              <a:spcAft>
+                <a:spcPts val="0"/>
+              </a:spcAft>
+              <a:buClrTx/>
+              <a:buSzTx/>
+              <a:buFont typeface="Arial" panose="020B0604020202020204" pitchFamily="34" charset="0"/>
+              <a:buNone/>
+              <a:tabLst/>
+              <a:defRPr/>
+            </a:pPr>
+            <a:r>
+              <a:rPr lang="en-US" dirty="0"/>
+              <a:t>Defining the general functionality not the process. Thinking of</a:t>
             </a:r>
             <a:r>
               <a:rPr lang="en-US" baseline="0" dirty="0"/>
-              <a:t>:</a:t>
-            </a:r>
-          </a:p>
-          <a:p>
+              <a:t> it</a:t>
+            </a:r>
+            <a:r>
+              <a:rPr lang="en-US" dirty="0"/>
+              <a:t> at</a:t>
+            </a:r>
+            <a:r>
+              <a:rPr lang="en-US" baseline="0" dirty="0"/>
+              <a:t> a high enough level that did not discuss implementation details. This took some discussion to be able to grasp that concept. Also involved some emails to Steiner </a:t>
+            </a:r>
+          </a:p>
+          <a:p>
+            <a:pPr marL="0" marR="0" lvl="0" indent="0" algn="l" defTabSz="914400" rtl="0" eaLnBrk="1" fontAlgn="auto" latinLnBrk="0" hangingPunct="1">
+              <a:lnSpc>
+                <a:spcPct val="100000"/>
+              </a:lnSpc>
+              <a:spcBef>
+                <a:spcPts val="0"/>
+              </a:spcBef>
+              <a:spcAft>
+                <a:spcPts val="0"/>
+              </a:spcAft>
+              <a:buClrTx/>
+              <a:buSzTx/>
+              <a:buFont typeface="Arial" panose="020B0604020202020204" pitchFamily="34" charset="0"/>
+              <a:buNone/>
+              <a:tabLst/>
+              <a:defRPr/>
+            </a:pPr>
             <a:endParaRPr lang="en-US" baseline="0" dirty="0"/>
           </a:p>
           <a:p>
+            <a:pPr marL="0" marR="0" lvl="0" indent="0" algn="l" defTabSz="914400" rtl="0" eaLnBrk="1" fontAlgn="auto" latinLnBrk="0" hangingPunct="1">
+              <a:lnSpc>
+                <a:spcPct val="100000"/>
+              </a:lnSpc>
+              <a:spcBef>
+                <a:spcPts val="0"/>
+              </a:spcBef>
+              <a:spcAft>
+                <a:spcPts val="0"/>
+              </a:spcAft>
+              <a:buClrTx/>
+              <a:buSzTx/>
+              <a:buFont typeface="Arial" panose="020B0604020202020204" pitchFamily="34" charset="0"/>
+              <a:buNone/>
+              <a:tabLst/>
+              <a:defRPr/>
+            </a:pPr>
             <a:r>
               <a:rPr lang="en-US" b="1" u="sng" baseline="0" dirty="0"/>
-              <a:t>1.2 Project Scope: </a:t>
-            </a:r>
+              <a:t>2.3 </a:t>
+            </a:r>
+            <a:r>
+              <a:rPr lang="en-US" b="1" u="sng" dirty="0"/>
+              <a:t>Estimation Techniques Applied and Results</a:t>
+            </a:r>
+            <a:endParaRPr lang="en-US" b="1" u="sng" baseline="0" dirty="0"/>
+          </a:p>
+          <a:p>
+            <a:pPr marL="0" marR="0" lvl="0" indent="0" algn="l" defTabSz="914400" rtl="0" eaLnBrk="1" fontAlgn="auto" latinLnBrk="0" hangingPunct="1">
+              <a:lnSpc>
+                <a:spcPct val="100000"/>
+              </a:lnSpc>
+              <a:spcBef>
+                <a:spcPts val="0"/>
+              </a:spcBef>
+              <a:spcAft>
+                <a:spcPts val="0"/>
+              </a:spcAft>
+              <a:buClrTx/>
+              <a:buSzTx/>
+              <a:buFont typeface="Arial" panose="020B0604020202020204" pitchFamily="34" charset="0"/>
+              <a:buNone/>
+              <a:tabLst/>
+              <a:defRPr/>
+            </a:pPr>
             <a:r>
               <a:rPr lang="en-US" b="0" u="none" baseline="0" dirty="0"/>
-              <a:t>Laying out the team skillsets helped to identify exclusions such as using a flat-file system vs a database; INCLUSIONS AND EXCLUSIONS.</a:t>
-            </a:r>
-            <a:endParaRPr lang="en-US" b="1" u="sng" baseline="0" dirty="0"/>
-          </a:p>
-          <a:p>
+              <a:t>Lines of code: Deciding on the methodology. We spent time discussing which individual projects we would include in our individual LOC Estimates. Then how we would get our teams average LOC/hour from that. We determined a way to find estimates for each method but it turned out to be harder than anticipated.</a:t>
+            </a:r>
+          </a:p>
+          <a:p>
+            <a:pPr marL="0" marR="0" lvl="0" indent="0" algn="l" defTabSz="914400" rtl="0" eaLnBrk="1" fontAlgn="auto" latinLnBrk="0" hangingPunct="1">
+              <a:lnSpc>
+                <a:spcPct val="100000"/>
+              </a:lnSpc>
+              <a:spcBef>
+                <a:spcPts val="0"/>
+              </a:spcBef>
+              <a:spcAft>
+                <a:spcPts val="0"/>
+              </a:spcAft>
+              <a:buClrTx/>
+              <a:buSzTx/>
+              <a:buFont typeface="Arial" panose="020B0604020202020204" pitchFamily="34" charset="0"/>
+              <a:buNone/>
+              <a:tabLst/>
+              <a:defRPr/>
+            </a:pPr>
+            <a:endParaRPr lang="en-US" b="0" u="none" baseline="0" dirty="0"/>
+          </a:p>
+          <a:p>
+            <a:pPr marL="0" marR="0" lvl="0" indent="0" algn="l" defTabSz="914400" rtl="0" eaLnBrk="1" fontAlgn="auto" latinLnBrk="0" hangingPunct="1">
+              <a:lnSpc>
+                <a:spcPct val="100000"/>
+              </a:lnSpc>
+              <a:spcBef>
+                <a:spcPts val="0"/>
+              </a:spcBef>
+              <a:spcAft>
+                <a:spcPts val="0"/>
+              </a:spcAft>
+              <a:buClrTx/>
+              <a:buSzTx/>
+              <a:buFont typeface="Arial" panose="020B0604020202020204" pitchFamily="34" charset="0"/>
+              <a:buNone/>
+              <a:tabLst/>
+              <a:defRPr/>
+            </a:pPr>
+            <a:r>
+              <a:rPr lang="en-US" b="1" u="sng" baseline="0" dirty="0"/>
+              <a:t>2.4 Reconciled Estimate</a:t>
+            </a:r>
+          </a:p>
+          <a:p>
+            <a:pPr marL="0" marR="0" lvl="0" indent="0" algn="l" defTabSz="914400" rtl="0" eaLnBrk="1" fontAlgn="auto" latinLnBrk="0" hangingPunct="1">
+              <a:lnSpc>
+                <a:spcPct val="100000"/>
+              </a:lnSpc>
+              <a:spcBef>
+                <a:spcPts val="0"/>
+              </a:spcBef>
+              <a:spcAft>
+                <a:spcPts val="0"/>
+              </a:spcAft>
+              <a:buClrTx/>
+              <a:buSzTx/>
+              <a:buFont typeface="Arial" panose="020B0604020202020204" pitchFamily="34" charset="0"/>
+              <a:buNone/>
+              <a:tabLst/>
+              <a:defRPr/>
+            </a:pPr>
+            <a:r>
+              <a:rPr lang="en-US" b="0" u="none" baseline="0" dirty="0"/>
+              <a:t>Deciding on which estimate (LOC, FP, Task) would be the final estimation for how long we think the project would take. Then deciding not to use any of them because we did not feel they where representative of the time we feel it would take.</a:t>
+            </a:r>
+          </a:p>
+          <a:p>
+            <a:pPr marL="0" marR="0" lvl="0" indent="0" algn="l" defTabSz="914400" rtl="0" eaLnBrk="1" fontAlgn="auto" latinLnBrk="0" hangingPunct="1">
+              <a:lnSpc>
+                <a:spcPct val="100000"/>
+              </a:lnSpc>
+              <a:spcBef>
+                <a:spcPts val="0"/>
+              </a:spcBef>
+              <a:spcAft>
+                <a:spcPts val="0"/>
+              </a:spcAft>
+              <a:buClrTx/>
+              <a:buSzTx/>
+              <a:buFont typeface="Arial" panose="020B0604020202020204" pitchFamily="34" charset="0"/>
+              <a:buNone/>
+              <a:tabLst/>
+              <a:defRPr/>
+            </a:pPr>
+            <a:endParaRPr lang="en-US" b="0" u="none" baseline="0" dirty="0"/>
+          </a:p>
+          <a:p>
+            <a:pPr marL="0" marR="0" lvl="0" indent="0" algn="l" defTabSz="914400" rtl="0" eaLnBrk="1" fontAlgn="auto" latinLnBrk="0" hangingPunct="1">
+              <a:lnSpc>
+                <a:spcPct val="100000"/>
+              </a:lnSpc>
+              <a:spcBef>
+                <a:spcPts val="0"/>
+              </a:spcBef>
+              <a:spcAft>
+                <a:spcPts val="0"/>
+              </a:spcAft>
+              <a:buClrTx/>
+              <a:buSzTx/>
+              <a:buFont typeface="Arial" panose="020B0604020202020204" pitchFamily="34" charset="0"/>
+              <a:buNone/>
+              <a:tabLst/>
+              <a:defRPr/>
+            </a:pPr>
+            <a:endParaRPr lang="en-US" b="0" u="none" baseline="0" dirty="0"/>
+          </a:p>
+          <a:p>
+            <a:pPr marL="0" marR="0" lvl="0" indent="0" algn="l" defTabSz="914400" rtl="0" eaLnBrk="1" fontAlgn="auto" latinLnBrk="0" hangingPunct="1">
+              <a:lnSpc>
+                <a:spcPct val="100000"/>
+              </a:lnSpc>
+              <a:spcBef>
+                <a:spcPts val="0"/>
+              </a:spcBef>
+              <a:spcAft>
+                <a:spcPts val="0"/>
+              </a:spcAft>
+              <a:buClrTx/>
+              <a:buSzTx/>
+              <a:buFont typeface="Arial" panose="020B0604020202020204" pitchFamily="34" charset="0"/>
+              <a:buNone/>
+              <a:tabLst/>
+              <a:defRPr/>
+            </a:pPr>
+            <a:r>
+              <a:rPr lang="en-US" b="1" u="sng" baseline="0" dirty="0"/>
+              <a:t>3.0 Risk Mitigation</a:t>
+            </a:r>
+          </a:p>
+          <a:p>
+            <a:pPr marL="0" marR="0" lvl="0" indent="0" algn="l" defTabSz="914400" rtl="0" eaLnBrk="1" fontAlgn="auto" latinLnBrk="0" hangingPunct="1">
+              <a:lnSpc>
+                <a:spcPct val="100000"/>
+              </a:lnSpc>
+              <a:spcBef>
+                <a:spcPts val="0"/>
+              </a:spcBef>
+              <a:spcAft>
+                <a:spcPts val="0"/>
+              </a:spcAft>
+              <a:buClrTx/>
+              <a:buSzTx/>
+              <a:buFont typeface="Arial" panose="020B0604020202020204" pitchFamily="34" charset="0"/>
+              <a:buNone/>
+              <a:tabLst/>
+              <a:defRPr/>
+            </a:pPr>
+            <a:r>
+              <a:rPr lang="en-US" b="0" u="none" baseline="0" dirty="0"/>
+              <a:t>There were items that were not accounted for. Such as weather, mid-terms, and when people are sick. </a:t>
+            </a:r>
+          </a:p>
+          <a:p>
+            <a:pPr marL="0" marR="0" lvl="0" indent="0" algn="l" defTabSz="914400" rtl="0" eaLnBrk="1" fontAlgn="auto" latinLnBrk="0" hangingPunct="1">
+              <a:lnSpc>
+                <a:spcPct val="100000"/>
+              </a:lnSpc>
+              <a:spcBef>
+                <a:spcPts val="0"/>
+              </a:spcBef>
+              <a:spcAft>
+                <a:spcPts val="0"/>
+              </a:spcAft>
+              <a:buClrTx/>
+              <a:buSzTx/>
+              <a:buFont typeface="Arial" panose="020B0604020202020204" pitchFamily="34" charset="0"/>
+              <a:buNone/>
+              <a:tabLst/>
+              <a:defRPr/>
+            </a:pPr>
+            <a:r>
+              <a:rPr lang="en-US" b="0" u="none" baseline="0" dirty="0"/>
+              <a:t>Discussion of possible risks and how to mitigate those risks took about an 1 hour to come to agreed upon decisions. </a:t>
+            </a:r>
+          </a:p>
+          <a:p>
+            <a:pPr marL="0" marR="0" lvl="0" indent="0" algn="l" defTabSz="914400" rtl="0" eaLnBrk="1" fontAlgn="auto" latinLnBrk="0" hangingPunct="1">
+              <a:lnSpc>
+                <a:spcPct val="100000"/>
+              </a:lnSpc>
+              <a:spcBef>
+                <a:spcPts val="0"/>
+              </a:spcBef>
+              <a:spcAft>
+                <a:spcPts val="0"/>
+              </a:spcAft>
+              <a:buClrTx/>
+              <a:buSzTx/>
+              <a:buFont typeface="Arial" panose="020B0604020202020204" pitchFamily="34" charset="0"/>
+              <a:buNone/>
+              <a:tabLst/>
+              <a:defRPr/>
+            </a:pPr>
+            <a:endParaRPr lang="en-US" b="0" u="none" baseline="0" dirty="0"/>
+          </a:p>
+          <a:p>
+            <a:pPr marL="0" marR="0" lvl="0" indent="0" algn="l" defTabSz="914400" rtl="0" eaLnBrk="1" fontAlgn="auto" latinLnBrk="0" hangingPunct="1">
+              <a:lnSpc>
+                <a:spcPct val="100000"/>
+              </a:lnSpc>
+              <a:spcBef>
+                <a:spcPts val="0"/>
+              </a:spcBef>
+              <a:spcAft>
+                <a:spcPts val="0"/>
+              </a:spcAft>
+              <a:buClrTx/>
+              <a:buSzTx/>
+              <a:buFont typeface="Arial" panose="020B0604020202020204" pitchFamily="34" charset="0"/>
+              <a:buNone/>
+              <a:tabLst/>
+              <a:defRPr/>
+            </a:pPr>
+            <a:endParaRPr lang="en-US" b="0" u="none" baseline="0" dirty="0"/>
+          </a:p>
+          <a:p>
+            <a:pPr marL="0" marR="0" lvl="0" indent="0" algn="l" defTabSz="914400" rtl="0" eaLnBrk="1" fontAlgn="auto" latinLnBrk="0" hangingPunct="1">
+              <a:lnSpc>
+                <a:spcPct val="100000"/>
+              </a:lnSpc>
+              <a:spcBef>
+                <a:spcPts val="0"/>
+              </a:spcBef>
+              <a:spcAft>
+                <a:spcPts val="0"/>
+              </a:spcAft>
+              <a:buClrTx/>
+              <a:buSzTx/>
+              <a:buFont typeface="Arial" panose="020B0604020202020204" pitchFamily="34" charset="0"/>
+              <a:buNone/>
+              <a:tabLst/>
+              <a:defRPr/>
+            </a:pPr>
+            <a:r>
+              <a:rPr lang="en-US" b="1" u="sng" baseline="0" dirty="0"/>
+              <a:t>4.2 Task Network Diagram</a:t>
+            </a:r>
+            <a:endParaRPr lang="en-US" b="0" u="none" baseline="0" dirty="0"/>
+          </a:p>
+          <a:p>
+            <a:pPr marL="0" marR="0" lvl="0" indent="0" algn="l" defTabSz="914400" rtl="0" eaLnBrk="1" fontAlgn="auto" latinLnBrk="0" hangingPunct="1">
+              <a:lnSpc>
+                <a:spcPct val="100000"/>
+              </a:lnSpc>
+              <a:spcBef>
+                <a:spcPts val="0"/>
+              </a:spcBef>
+              <a:spcAft>
+                <a:spcPts val="0"/>
+              </a:spcAft>
+              <a:buClrTx/>
+              <a:buSzTx/>
+              <a:buFont typeface="Arial" panose="020B0604020202020204" pitchFamily="34" charset="0"/>
+              <a:buNone/>
+              <a:tabLst/>
+              <a:defRPr/>
+            </a:pPr>
+            <a:r>
+              <a:rPr lang="en-US" b="0" u="none" baseline="0" dirty="0"/>
+              <a:t>Deciding if </a:t>
+            </a:r>
+            <a:r>
+              <a:rPr lang="en-US" b="0" u="none" baseline="0" dirty="0" err="1"/>
+              <a:t>wrike</a:t>
+            </a:r>
+            <a:r>
+              <a:rPr lang="en-US" b="0" u="none" baseline="0" dirty="0"/>
+              <a:t> would be the best tool to display the TND. Upon further discussion and investigation of </a:t>
+            </a:r>
+            <a:r>
+              <a:rPr lang="en-US" b="0" u="none" baseline="0" dirty="0" err="1"/>
+              <a:t>wrike</a:t>
+            </a:r>
+            <a:r>
+              <a:rPr lang="en-US" b="0" u="none" baseline="0" dirty="0"/>
+              <a:t> it was decided we would assign task to team members through </a:t>
+            </a:r>
+            <a:r>
+              <a:rPr lang="en-US" b="0" u="none" baseline="0" dirty="0" err="1"/>
+              <a:t>wrike</a:t>
+            </a:r>
+            <a:r>
+              <a:rPr lang="en-US" b="0" u="none" baseline="0" dirty="0"/>
+              <a:t> but we will copy that same data into Microsoft Project in order to be able to display the TND and Timeline chart. Doing so was tedious and took a large amount of time. Our PM’s provided us with a Product key in order to get access to </a:t>
+            </a:r>
+            <a:r>
+              <a:rPr lang="en-US" b="0" u="none" baseline="0" dirty="0" err="1"/>
+              <a:t>Ms</a:t>
+            </a:r>
+            <a:r>
+              <a:rPr lang="en-US" b="0" u="none" baseline="0" dirty="0"/>
+              <a:t> Project</a:t>
+            </a:r>
+          </a:p>
+          <a:p>
+            <a:pPr marL="0" marR="0" lvl="0" indent="0" algn="l" defTabSz="914400" rtl="0" eaLnBrk="1" fontAlgn="auto" latinLnBrk="0" hangingPunct="1">
+              <a:lnSpc>
+                <a:spcPct val="100000"/>
+              </a:lnSpc>
+              <a:spcBef>
+                <a:spcPts val="0"/>
+              </a:spcBef>
+              <a:spcAft>
+                <a:spcPts val="0"/>
+              </a:spcAft>
+              <a:buClrTx/>
+              <a:buSzTx/>
+              <a:buFont typeface="Arial" panose="020B0604020202020204" pitchFamily="34" charset="0"/>
+              <a:buNone/>
+              <a:tabLst/>
+              <a:defRPr/>
+            </a:pPr>
+            <a:endParaRPr lang="en-US" b="0" u="none" baseline="0" dirty="0"/>
+          </a:p>
+          <a:p>
+            <a:pPr marL="0" marR="0" lvl="0" indent="0" algn="l" defTabSz="914400" rtl="0" eaLnBrk="1" fontAlgn="auto" latinLnBrk="0" hangingPunct="1">
+              <a:lnSpc>
+                <a:spcPct val="100000"/>
+              </a:lnSpc>
+              <a:spcBef>
+                <a:spcPts val="0"/>
+              </a:spcBef>
+              <a:spcAft>
+                <a:spcPts val="0"/>
+              </a:spcAft>
+              <a:buClrTx/>
+              <a:buSzTx/>
+              <a:buFont typeface="Arial" panose="020B0604020202020204" pitchFamily="34" charset="0"/>
+              <a:buNone/>
+              <a:tabLst/>
+              <a:defRPr/>
+            </a:pPr>
+            <a:r>
+              <a:rPr lang="en-US" b="1" u="sng" baseline="0" dirty="0"/>
+              <a:t>6.1 SQA</a:t>
+            </a:r>
+          </a:p>
+          <a:p>
+            <a:pPr marL="0" marR="0" lvl="0" indent="0" algn="l" defTabSz="914400" rtl="0" eaLnBrk="1" fontAlgn="auto" latinLnBrk="0" hangingPunct="1">
+              <a:lnSpc>
+                <a:spcPct val="100000"/>
+              </a:lnSpc>
+              <a:spcBef>
+                <a:spcPts val="0"/>
+              </a:spcBef>
+              <a:spcAft>
+                <a:spcPts val="0"/>
+              </a:spcAft>
+              <a:buClrTx/>
+              <a:buSzTx/>
+              <a:buFont typeface="Arial" panose="020B0604020202020204" pitchFamily="34" charset="0"/>
+              <a:buNone/>
+              <a:tabLst/>
+              <a:defRPr/>
+            </a:pPr>
+            <a:r>
+              <a:rPr lang="en-US" b="0" u="none" baseline="0" dirty="0"/>
+              <a:t>Because it was the last section of the SPMP, this required a lot of reviewing and cross checking across all other documents to make sure the contents within it were accurate and valid. Traceability. </a:t>
+            </a:r>
+          </a:p>
+          <a:p>
+            <a:pPr marL="0" marR="0" lvl="0" indent="0" algn="l" defTabSz="914400" rtl="0" eaLnBrk="1" fontAlgn="auto" latinLnBrk="0" hangingPunct="1">
+              <a:lnSpc>
+                <a:spcPct val="100000"/>
+              </a:lnSpc>
+              <a:spcBef>
+                <a:spcPts val="0"/>
+              </a:spcBef>
+              <a:spcAft>
+                <a:spcPts val="0"/>
+              </a:spcAft>
+              <a:buClrTx/>
+              <a:buSzTx/>
+              <a:buFont typeface="Arial" panose="020B0604020202020204" pitchFamily="34" charset="0"/>
+              <a:buNone/>
+              <a:tabLst/>
+              <a:defRPr/>
+            </a:pPr>
+            <a:endParaRPr lang="en-US" b="0" u="none" baseline="0" dirty="0"/>
+          </a:p>
+          <a:p>
+            <a:pPr marL="0" marR="0" lvl="0" indent="0" algn="l" defTabSz="914400" rtl="0" eaLnBrk="1" fontAlgn="auto" latinLnBrk="0" hangingPunct="1">
+              <a:lnSpc>
+                <a:spcPct val="100000"/>
+              </a:lnSpc>
+              <a:spcBef>
+                <a:spcPts val="0"/>
+              </a:spcBef>
+              <a:spcAft>
+                <a:spcPts val="0"/>
+              </a:spcAft>
+              <a:buClrTx/>
+              <a:buSzTx/>
+              <a:buFontTx/>
+              <a:buNone/>
+              <a:tabLst/>
+              <a:defRPr/>
+            </a:pPr>
             <a:endParaRPr lang="en-US" baseline="0" dirty="0"/>
           </a:p>
           <a:p>
-            <a:r>
-              <a:rPr lang="en-US" b="1" u="sng" baseline="0" dirty="0"/>
-              <a:t>1.4 Performance/Behavior Constraints: </a:t>
+            <a:pPr marL="0" marR="0" lvl="0" indent="0" algn="l" defTabSz="914400" rtl="0" eaLnBrk="1" fontAlgn="auto" latinLnBrk="0" hangingPunct="1">
+              <a:lnSpc>
+                <a:spcPct val="100000"/>
+              </a:lnSpc>
+              <a:spcBef>
+                <a:spcPts val="0"/>
+              </a:spcBef>
+              <a:spcAft>
+                <a:spcPts val="0"/>
+              </a:spcAft>
+              <a:buClrTx/>
+              <a:buSzTx/>
+              <a:buFontTx/>
+              <a:buNone/>
+              <a:tabLst/>
+              <a:defRPr/>
+            </a:pPr>
+            <a:r>
+              <a:rPr lang="en-US" b="1" u="sng" dirty="0"/>
+              <a:t>Document merging and formatting </a:t>
+            </a:r>
+          </a:p>
+          <a:p>
+            <a:pPr marL="0" marR="0" lvl="0" indent="0" algn="l" defTabSz="914400" rtl="0" eaLnBrk="1" fontAlgn="auto" latinLnBrk="0" hangingPunct="1">
+              <a:lnSpc>
+                <a:spcPct val="100000"/>
+              </a:lnSpc>
+              <a:spcBef>
+                <a:spcPts val="0"/>
+              </a:spcBef>
+              <a:spcAft>
+                <a:spcPts val="0"/>
+              </a:spcAft>
+              <a:buClrTx/>
+              <a:buSzTx/>
+              <a:buFont typeface="Arial" panose="020B0604020202020204" pitchFamily="34" charset="0"/>
+              <a:buNone/>
+              <a:tabLst/>
+              <a:defRPr/>
+            </a:pPr>
+            <a:r>
+              <a:rPr lang="en-US" b="0" u="none" dirty="0"/>
+              <a:t>There</a:t>
             </a:r>
             <a:r>
               <a:rPr lang="en-US" b="0" u="none" baseline="0" dirty="0"/>
-              <a:t>Thinking about reasonable expectations of functionality </a:t>
-            </a:r>
-          </a:p>
-          <a:p>
-            <a:endParaRPr lang="en-US" b="0" u="none" baseline="0" dirty="0"/>
-          </a:p>
-          <a:p>
-            <a:r>
-              <a:rPr lang="en-US" b="1" u="sng" baseline="0" dirty="0"/>
-              <a:t>1.5 Management and Technical Constraints:</a:t>
-            </a:r>
-            <a:r>
-              <a:rPr lang="en-US" b="0" u="none" baseline="0" dirty="0"/>
-              <a:t> </a:t>
-            </a:r>
-          </a:p>
-          <a:p>
-            <a:r>
-              <a:rPr lang="en-US" b="1" u="sng" baseline="0" dirty="0"/>
-              <a:t>Management constraints: </a:t>
-            </a:r>
-            <a:r>
-              <a:rPr lang="en-US" b="0" u="none" baseline="0" dirty="0"/>
-              <a:t>Constraints are based on individual schedules and exceptions to team members availability.</a:t>
-            </a:r>
-          </a:p>
-          <a:p>
-            <a:r>
-              <a:rPr lang="en-US" b="0" u="none" baseline="0" dirty="0"/>
-              <a:t>Compared to the technical </a:t>
-            </a:r>
-            <a:r>
-              <a:rPr lang="en-US" b="0" u="none" baseline="0" dirty="0" err="1"/>
-              <a:t>constaints</a:t>
-            </a:r>
-            <a:r>
-              <a:rPr lang="en-US" b="0" u="none" baseline="0" dirty="0"/>
-              <a:t> </a:t>
-            </a:r>
-          </a:p>
-          <a:p>
-            <a:r>
-              <a:rPr lang="en-US" b="1" u="sng" baseline="0" dirty="0"/>
-              <a:t>Technical constraints: </a:t>
-            </a:r>
-            <a:r>
-              <a:rPr lang="en-US" b="0" u="none" baseline="0" dirty="0"/>
-              <a:t>Knowing the kinds of language we will be programming in and based on team skillset.</a:t>
-            </a:r>
-          </a:p>
-          <a:p>
-            <a:endParaRPr lang="en-US" b="0" u="none" baseline="0" dirty="0"/>
-          </a:p>
-          <a:p>
-            <a:r>
-              <a:rPr lang="en-US" b="1" u="sng" baseline="0" dirty="0"/>
-              <a:t>2.1 Historical Data for Estimates: </a:t>
-            </a:r>
-            <a:r>
-              <a:rPr lang="en-US" b="0" u="none" baseline="0" dirty="0"/>
-              <a:t>Deciding what sources to use as historical data </a:t>
-            </a:r>
-            <a:r>
-              <a:rPr lang="en-US" b="0" u="none" baseline="0" dirty="0" err="1"/>
-              <a:t>i.e</a:t>
-            </a:r>
-            <a:r>
-              <a:rPr lang="en-US" b="0" u="none" baseline="0" dirty="0"/>
-              <a:t> Erik’s current job, programs that are from CIS 200 and up (excluding labs b/c we did not feel they were very representative of an individuals work)</a:t>
-            </a:r>
-          </a:p>
-          <a:p>
-            <a:endParaRPr lang="en-US" b="0" u="none" baseline="0" dirty="0"/>
-          </a:p>
-          <a:p>
-            <a:r>
-              <a:rPr lang="en-US" b="1" u="sng" baseline="0" dirty="0"/>
-              <a:t>4.1 Project task set: </a:t>
-            </a:r>
-            <a:r>
-              <a:rPr lang="en-US" b="0" u="none" baseline="0" dirty="0"/>
-              <a:t>A communication plan was already in action by the time the SPMP was assigned making it easier to decide what the next steps of action would be. </a:t>
-            </a:r>
-          </a:p>
-          <a:p>
+              <a:t> was no style template or discussed format of how the final SPMP would look. So everyone end up using different formats, fonts and bullet points making it harder and a waste of time when we had to put all the documents together.</a:t>
+            </a:r>
+          </a:p>
+          <a:p>
+            <a:pPr marL="0" marR="0" lvl="0" indent="0" algn="l" defTabSz="914400" rtl="0" eaLnBrk="1" fontAlgn="auto" latinLnBrk="0" hangingPunct="1">
+              <a:lnSpc>
+                <a:spcPct val="100000"/>
+              </a:lnSpc>
+              <a:spcBef>
+                <a:spcPts val="0"/>
+              </a:spcBef>
+              <a:spcAft>
+                <a:spcPts val="0"/>
+              </a:spcAft>
+              <a:buClrTx/>
+              <a:buSzTx/>
+              <a:buFont typeface="Arial" panose="020B0604020202020204" pitchFamily="34" charset="0"/>
+              <a:buNone/>
+              <a:tabLst/>
+              <a:defRPr/>
+            </a:pPr>
             <a:endParaRPr lang="en-US" b="0" u="none" baseline="0" dirty="0"/>
           </a:p>
         </p:txBody>
@@ -2234,7 +2833,7 @@
     </p:spTree>
     <p:extLst>
       <p:ext uri="{BB962C8B-B14F-4D97-AF65-F5344CB8AC3E}">
-        <p14:creationId xmlns:p14="http://schemas.microsoft.com/office/powerpoint/2010/main" val="3402795072"/>
+        <p14:creationId xmlns:p14="http://schemas.microsoft.com/office/powerpoint/2010/main" val="3573805196"/>
       </p:ext>
     </p:extLst>
   </p:cSld>
@@ -2288,673 +2887,165 @@
           <a:bodyPr/>
           <a:lstStyle/>
           <a:p>
-            <a:pPr marL="0" marR="0" lvl="0" indent="0" algn="l" defTabSz="914400" rtl="0" eaLnBrk="1" fontAlgn="auto" latinLnBrk="0" hangingPunct="1">
-              <a:lnSpc>
-                <a:spcPct val="100000"/>
-              </a:lnSpc>
-              <a:spcBef>
-                <a:spcPts val="0"/>
-              </a:spcBef>
-              <a:spcAft>
-                <a:spcPts val="0"/>
-              </a:spcAft>
-              <a:buClrTx/>
-              <a:buSzTx/>
-              <a:buFontTx/>
-              <a:buNone/>
-              <a:tabLst/>
-              <a:defRPr/>
+            <a:pPr marL="0" indent="0">
+              <a:buNone/>
+            </a:pPr>
+            <a:r>
+              <a:rPr lang="en-US" b="1" u="sng" dirty="0"/>
+              <a:t>CS</a:t>
+            </a:r>
+          </a:p>
+          <a:p>
+            <a:pPr marL="0" indent="0">
+              <a:buNone/>
+            </a:pPr>
+            <a:r>
+              <a:rPr lang="en-US" b="1" u="sng" dirty="0"/>
+              <a:t>Checking Slack once a day:</a:t>
+            </a:r>
+          </a:p>
+          <a:p>
+            <a:pPr marL="628650" lvl="1" indent="-171450">
+              <a:buFont typeface="Arial" panose="020B0604020202020204" pitchFamily="34" charset="0"/>
+              <a:buChar char="•"/>
             </a:pPr>
             <a:r>
               <a:rPr lang="en-US" dirty="0"/>
-              <a:t>CS</a:t>
-            </a:r>
-          </a:p>
-          <a:p>
-            <a:pPr marL="0" marR="0" lvl="0" indent="0" algn="l" defTabSz="914400" rtl="0" eaLnBrk="1" fontAlgn="auto" latinLnBrk="0" hangingPunct="1">
-              <a:lnSpc>
-                <a:spcPct val="100000"/>
-              </a:lnSpc>
-              <a:spcBef>
-                <a:spcPts val="0"/>
-              </a:spcBef>
-              <a:spcAft>
-                <a:spcPts val="0"/>
-              </a:spcAft>
-              <a:buClrTx/>
-              <a:buSzTx/>
-              <a:buFontTx/>
-              <a:buNone/>
-              <a:tabLst/>
-              <a:defRPr/>
-            </a:pPr>
+              <a:t>Requiring Team members to check Slack at least once per day to stay up to date with project discussions.</a:t>
+            </a:r>
+          </a:p>
+          <a:p>
+            <a:pPr marL="0" indent="0">
+              <a:buNone/>
+            </a:pPr>
+            <a:r>
+              <a:rPr lang="en-US" b="1" u="sng" dirty="0"/>
+              <a:t>Establish meeting dates: </a:t>
+            </a:r>
             <a:r>
               <a:rPr lang="en-US" dirty="0"/>
-              <a:t>Tasks</a:t>
-            </a:r>
-            <a:r>
-              <a:rPr lang="en-US" baseline="0" dirty="0"/>
-              <a:t> that were hard will be tasks that took the less amount of time to complete based on reports from Toggl:</a:t>
-            </a:r>
-          </a:p>
-          <a:p>
-            <a:pPr marL="0" marR="0" lvl="0" indent="0" algn="l" defTabSz="914400" rtl="0" eaLnBrk="1" fontAlgn="auto" latinLnBrk="0" hangingPunct="1">
-              <a:lnSpc>
-                <a:spcPct val="100000"/>
-              </a:lnSpc>
-              <a:spcBef>
-                <a:spcPts val="0"/>
-              </a:spcBef>
-              <a:spcAft>
-                <a:spcPts val="0"/>
-              </a:spcAft>
-              <a:buClrTx/>
-              <a:buSzTx/>
+              <a:t>Recurring in-person meetings on Sundays</a:t>
+            </a:r>
+          </a:p>
+          <a:p>
+            <a:pPr marL="628650" lvl="1" indent="-171450">
               <a:buFont typeface="Arial" panose="020B0604020202020204" pitchFamily="34" charset="0"/>
-              <a:buNone/>
-              <a:tabLst/>
-              <a:defRPr/>
-            </a:pPr>
-            <a:endParaRPr lang="en-US" b="1" u="sng" baseline="0" dirty="0"/>
-          </a:p>
-          <a:p>
-            <a:pPr marL="0" marR="0" lvl="0" indent="0" algn="l" defTabSz="914400" rtl="0" eaLnBrk="1" fontAlgn="auto" latinLnBrk="0" hangingPunct="1">
-              <a:lnSpc>
-                <a:spcPct val="100000"/>
-              </a:lnSpc>
-              <a:spcBef>
-                <a:spcPts val="0"/>
-              </a:spcBef>
-              <a:spcAft>
-                <a:spcPts val="0"/>
-              </a:spcAft>
-              <a:buClrTx/>
-              <a:buSzTx/>
+              <a:buChar char="•"/>
+            </a:pPr>
+            <a:r>
+              <a:rPr lang="en-US" dirty="0"/>
+              <a:t>Slack channel “</a:t>
+            </a:r>
+            <a:r>
+              <a:rPr lang="en-US" dirty="0" err="1"/>
+              <a:t>meeting_minutes</a:t>
+            </a:r>
+            <a:r>
+              <a:rPr lang="en-US" dirty="0"/>
+              <a:t>” contained an overview of the discussions from in-person meetings.</a:t>
+            </a:r>
+          </a:p>
+          <a:p>
+            <a:pPr marL="0" indent="0">
+              <a:buNone/>
+            </a:pPr>
+            <a:r>
+              <a:rPr lang="en-US" b="1" u="sng" dirty="0"/>
+              <a:t>General Availability Doc</a:t>
+            </a:r>
+            <a:r>
+              <a:rPr lang="en-US" dirty="0"/>
+              <a:t>:</a:t>
+            </a:r>
+          </a:p>
+          <a:p>
+            <a:pPr marL="628650" lvl="1" indent="-171450">
               <a:buFont typeface="Arial" panose="020B0604020202020204" pitchFamily="34" charset="0"/>
-              <a:buNone/>
-              <a:tabLst/>
-              <a:defRPr/>
-            </a:pPr>
-            <a:r>
-              <a:rPr lang="en-US" b="1" u="sng" baseline="0" dirty="0"/>
-              <a:t>1.3 Functional Decomposition</a:t>
-            </a:r>
-          </a:p>
-          <a:p>
-            <a:pPr marL="0" marR="0" lvl="0" indent="0" algn="l" defTabSz="914400" rtl="0" eaLnBrk="1" fontAlgn="auto" latinLnBrk="0" hangingPunct="1">
-              <a:lnSpc>
-                <a:spcPct val="100000"/>
-              </a:lnSpc>
-              <a:spcBef>
-                <a:spcPts val="0"/>
-              </a:spcBef>
-              <a:spcAft>
-                <a:spcPts val="0"/>
-              </a:spcAft>
-              <a:buClrTx/>
-              <a:buSzTx/>
+              <a:buChar char="•"/>
+            </a:pPr>
+            <a:r>
+              <a:rPr lang="en-US" dirty="0"/>
+              <a:t>Requiring team members to fill in their general availability during the week.</a:t>
+            </a:r>
+          </a:p>
+          <a:p>
+            <a:pPr marL="0" indent="0">
+              <a:buNone/>
+            </a:pPr>
+            <a:r>
+              <a:rPr lang="en-US" b="1" u="sng" dirty="0"/>
+              <a:t>Exceptions Calendar:</a:t>
+            </a:r>
+          </a:p>
+          <a:p>
+            <a:pPr marL="628650" lvl="1" indent="-171450">
               <a:buFont typeface="Arial" panose="020B0604020202020204" pitchFamily="34" charset="0"/>
-              <a:buNone/>
-              <a:tabLst/>
-              <a:defRPr/>
+              <a:buChar char="•"/>
             </a:pPr>
             <a:r>
               <a:rPr lang="en-US" dirty="0"/>
-              <a:t>Defining the general functionality not the process. Thinking of</a:t>
-            </a:r>
-            <a:r>
-              <a:rPr lang="en-US" baseline="0" dirty="0"/>
-              <a:t> it</a:t>
+              <a:t>If team member had </a:t>
+            </a:r>
+            <a:r>
+              <a:rPr lang="en-US" dirty="0" smtClean="0"/>
+              <a:t>no changes </a:t>
             </a:r>
             <a:r>
               <a:rPr lang="en-US" dirty="0"/>
-              <a:t> at</a:t>
-            </a:r>
-            <a:r>
-              <a:rPr lang="en-US" baseline="0" dirty="0"/>
-              <a:t> a high enough level that did not discuss implementation details. This took some discussion to be able to grasp that concept. Also involved some emails to Steiner </a:t>
-            </a:r>
-          </a:p>
-          <a:p>
-            <a:pPr marL="0" marR="0" lvl="0" indent="0" algn="l" defTabSz="914400" rtl="0" eaLnBrk="1" fontAlgn="auto" latinLnBrk="0" hangingPunct="1">
-              <a:lnSpc>
-                <a:spcPct val="100000"/>
-              </a:lnSpc>
-              <a:spcBef>
-                <a:spcPts val="0"/>
-              </a:spcBef>
-              <a:spcAft>
-                <a:spcPts val="0"/>
-              </a:spcAft>
-              <a:buClrTx/>
-              <a:buSzTx/>
-              <a:buFont typeface="Arial" panose="020B0604020202020204" pitchFamily="34" charset="0"/>
-              <a:buNone/>
-              <a:tabLst/>
-              <a:defRPr/>
-            </a:pPr>
-            <a:endParaRPr lang="en-US" baseline="0" dirty="0"/>
-          </a:p>
-          <a:p>
-            <a:pPr marL="0" marR="0" lvl="0" indent="0" algn="l" defTabSz="914400" rtl="0" eaLnBrk="1" fontAlgn="auto" latinLnBrk="0" hangingPunct="1">
-              <a:lnSpc>
-                <a:spcPct val="100000"/>
-              </a:lnSpc>
-              <a:spcBef>
-                <a:spcPts val="0"/>
-              </a:spcBef>
-              <a:spcAft>
-                <a:spcPts val="0"/>
-              </a:spcAft>
-              <a:buClrTx/>
-              <a:buSzTx/>
-              <a:buFont typeface="Arial" panose="020B0604020202020204" pitchFamily="34" charset="0"/>
-              <a:buNone/>
-              <a:tabLst/>
-              <a:defRPr/>
-            </a:pPr>
-            <a:r>
-              <a:rPr lang="en-US" b="1" u="sng" baseline="0" dirty="0"/>
-              <a:t>2.3 </a:t>
-            </a:r>
-            <a:r>
-              <a:rPr lang="en-US" b="1" u="sng" dirty="0"/>
-              <a:t>Estimation Techniques Applied and Results</a:t>
-            </a:r>
-            <a:endParaRPr lang="en-US" b="1" u="sng" baseline="0" dirty="0"/>
-          </a:p>
-          <a:p>
-            <a:pPr marL="0" marR="0" lvl="0" indent="0" algn="l" defTabSz="914400" rtl="0" eaLnBrk="1" fontAlgn="auto" latinLnBrk="0" hangingPunct="1">
-              <a:lnSpc>
-                <a:spcPct val="100000"/>
-              </a:lnSpc>
-              <a:spcBef>
-                <a:spcPts val="0"/>
-              </a:spcBef>
-              <a:spcAft>
-                <a:spcPts val="0"/>
-              </a:spcAft>
-              <a:buClrTx/>
-              <a:buSzTx/>
-              <a:buFont typeface="Arial" panose="020B0604020202020204" pitchFamily="34" charset="0"/>
-              <a:buNone/>
-              <a:tabLst/>
-              <a:defRPr/>
-            </a:pPr>
-            <a:r>
-              <a:rPr lang="en-US" b="0" u="none" baseline="0" dirty="0"/>
-              <a:t>Lines of code: Deciding on the methodology. We spent time discussing which individual projects we would include in our individual LOC Estimates. Then how we would get our teams average LOC/hour from that. We determined a way to find estimates for each method but it turned out to be harder than anticipated.</a:t>
-            </a:r>
-          </a:p>
-          <a:p>
-            <a:pPr marL="0" marR="0" lvl="0" indent="0" algn="l" defTabSz="914400" rtl="0" eaLnBrk="1" fontAlgn="auto" latinLnBrk="0" hangingPunct="1">
-              <a:lnSpc>
-                <a:spcPct val="100000"/>
-              </a:lnSpc>
-              <a:spcBef>
-                <a:spcPts val="0"/>
-              </a:spcBef>
-              <a:spcAft>
-                <a:spcPts val="0"/>
-              </a:spcAft>
-              <a:buClrTx/>
-              <a:buSzTx/>
-              <a:buFont typeface="Arial" panose="020B0604020202020204" pitchFamily="34" charset="0"/>
-              <a:buNone/>
-              <a:tabLst/>
-              <a:defRPr/>
-            </a:pPr>
-            <a:endParaRPr lang="en-US" b="0" u="none" baseline="0" dirty="0"/>
-          </a:p>
-          <a:p>
-            <a:pPr marL="0" marR="0" lvl="0" indent="0" algn="l" defTabSz="914400" rtl="0" eaLnBrk="1" fontAlgn="auto" latinLnBrk="0" hangingPunct="1">
-              <a:lnSpc>
-                <a:spcPct val="100000"/>
-              </a:lnSpc>
-              <a:spcBef>
-                <a:spcPts val="0"/>
-              </a:spcBef>
-              <a:spcAft>
-                <a:spcPts val="0"/>
-              </a:spcAft>
-              <a:buClrTx/>
-              <a:buSzTx/>
-              <a:buFont typeface="Arial" panose="020B0604020202020204" pitchFamily="34" charset="0"/>
-              <a:buNone/>
-              <a:tabLst/>
-              <a:defRPr/>
-            </a:pPr>
-            <a:r>
-              <a:rPr lang="en-US" b="1" u="sng" baseline="0" dirty="0"/>
-              <a:t>2.4 Reconciled Estimate</a:t>
-            </a:r>
-          </a:p>
-          <a:p>
-            <a:pPr marL="0" marR="0" lvl="0" indent="0" algn="l" defTabSz="914400" rtl="0" eaLnBrk="1" fontAlgn="auto" latinLnBrk="0" hangingPunct="1">
-              <a:lnSpc>
-                <a:spcPct val="100000"/>
-              </a:lnSpc>
-              <a:spcBef>
-                <a:spcPts val="0"/>
-              </a:spcBef>
-              <a:spcAft>
-                <a:spcPts val="0"/>
-              </a:spcAft>
-              <a:buClrTx/>
-              <a:buSzTx/>
-              <a:buFont typeface="Arial" panose="020B0604020202020204" pitchFamily="34" charset="0"/>
-              <a:buNone/>
-              <a:tabLst/>
-              <a:defRPr/>
-            </a:pPr>
-            <a:r>
-              <a:rPr lang="en-US" b="0" u="none" baseline="0" dirty="0"/>
-              <a:t>Deciding on which estimate (LOC, FP, Task) would be the final estimation for how long we think the project would take. Then deciding not to use any of them because we did not feel they where representative of the time we feel it would take.</a:t>
-            </a:r>
-          </a:p>
-          <a:p>
-            <a:pPr marL="0" marR="0" lvl="0" indent="0" algn="l" defTabSz="914400" rtl="0" eaLnBrk="1" fontAlgn="auto" latinLnBrk="0" hangingPunct="1">
-              <a:lnSpc>
-                <a:spcPct val="100000"/>
-              </a:lnSpc>
-              <a:spcBef>
-                <a:spcPts val="0"/>
-              </a:spcBef>
-              <a:spcAft>
-                <a:spcPts val="0"/>
-              </a:spcAft>
-              <a:buClrTx/>
-              <a:buSzTx/>
-              <a:buFont typeface="Arial" panose="020B0604020202020204" pitchFamily="34" charset="0"/>
-              <a:buNone/>
-              <a:tabLst/>
-              <a:defRPr/>
-            </a:pPr>
-            <a:endParaRPr lang="en-US" b="0" u="none" baseline="0" dirty="0"/>
-          </a:p>
-          <a:p>
-            <a:pPr marL="0" marR="0" lvl="0" indent="0" algn="l" defTabSz="914400" rtl="0" eaLnBrk="1" fontAlgn="auto" latinLnBrk="0" hangingPunct="1">
-              <a:lnSpc>
-                <a:spcPct val="100000"/>
-              </a:lnSpc>
-              <a:spcBef>
-                <a:spcPts val="0"/>
-              </a:spcBef>
-              <a:spcAft>
-                <a:spcPts val="0"/>
-              </a:spcAft>
-              <a:buClrTx/>
-              <a:buSzTx/>
-              <a:buFont typeface="Arial" panose="020B0604020202020204" pitchFamily="34" charset="0"/>
-              <a:buNone/>
-              <a:tabLst/>
-              <a:defRPr/>
-            </a:pPr>
-            <a:endParaRPr lang="en-US" b="0" u="none" baseline="0" dirty="0"/>
-          </a:p>
-          <a:p>
-            <a:pPr marL="0" marR="0" lvl="0" indent="0" algn="l" defTabSz="914400" rtl="0" eaLnBrk="1" fontAlgn="auto" latinLnBrk="0" hangingPunct="1">
-              <a:lnSpc>
-                <a:spcPct val="100000"/>
-              </a:lnSpc>
-              <a:spcBef>
-                <a:spcPts val="0"/>
-              </a:spcBef>
-              <a:spcAft>
-                <a:spcPts val="0"/>
-              </a:spcAft>
-              <a:buClrTx/>
-              <a:buSzTx/>
-              <a:buFont typeface="Arial" panose="020B0604020202020204" pitchFamily="34" charset="0"/>
-              <a:buNone/>
-              <a:tabLst/>
-              <a:defRPr/>
-            </a:pPr>
-            <a:r>
-              <a:rPr lang="en-US" b="1" u="sng" baseline="0" dirty="0"/>
-              <a:t>3.0 Risk Mitigation</a:t>
-            </a:r>
-          </a:p>
-          <a:p>
-            <a:pPr marL="0" marR="0" lvl="0" indent="0" algn="l" defTabSz="914400" rtl="0" eaLnBrk="1" fontAlgn="auto" latinLnBrk="0" hangingPunct="1">
-              <a:lnSpc>
-                <a:spcPct val="100000"/>
-              </a:lnSpc>
-              <a:spcBef>
-                <a:spcPts val="0"/>
-              </a:spcBef>
-              <a:spcAft>
-                <a:spcPts val="0"/>
-              </a:spcAft>
-              <a:buClrTx/>
-              <a:buSzTx/>
-              <a:buFont typeface="Arial" panose="020B0604020202020204" pitchFamily="34" charset="0"/>
-              <a:buNone/>
-              <a:tabLst/>
-              <a:defRPr/>
-            </a:pPr>
-            <a:r>
-              <a:rPr lang="en-US" b="0" u="none" baseline="0" dirty="0"/>
-              <a:t>There were items that were not accounted for. Such as weather, mid-terms, and when people are sick. </a:t>
-            </a:r>
-          </a:p>
-          <a:p>
-            <a:pPr marL="0" marR="0" lvl="0" indent="0" algn="l" defTabSz="914400" rtl="0" eaLnBrk="1" fontAlgn="auto" latinLnBrk="0" hangingPunct="1">
-              <a:lnSpc>
-                <a:spcPct val="100000"/>
-              </a:lnSpc>
-              <a:spcBef>
-                <a:spcPts val="0"/>
-              </a:spcBef>
-              <a:spcAft>
-                <a:spcPts val="0"/>
-              </a:spcAft>
-              <a:buClrTx/>
-              <a:buSzTx/>
-              <a:buFont typeface="Arial" panose="020B0604020202020204" pitchFamily="34" charset="0"/>
-              <a:buNone/>
-              <a:tabLst/>
-              <a:defRPr/>
-            </a:pPr>
-            <a:r>
-              <a:rPr lang="en-US" b="0" u="none" baseline="0" dirty="0"/>
-              <a:t>Discussion of possible risks and how to mitigate those risks took about an 1 hour to come to agreed upon decisions. </a:t>
-            </a:r>
-          </a:p>
-          <a:p>
-            <a:pPr marL="0" marR="0" lvl="0" indent="0" algn="l" defTabSz="914400" rtl="0" eaLnBrk="1" fontAlgn="auto" latinLnBrk="0" hangingPunct="1">
-              <a:lnSpc>
-                <a:spcPct val="100000"/>
-              </a:lnSpc>
-              <a:spcBef>
-                <a:spcPts val="0"/>
-              </a:spcBef>
-              <a:spcAft>
-                <a:spcPts val="0"/>
-              </a:spcAft>
-              <a:buClrTx/>
-              <a:buSzTx/>
-              <a:buFont typeface="Arial" panose="020B0604020202020204" pitchFamily="34" charset="0"/>
-              <a:buNone/>
-              <a:tabLst/>
-              <a:defRPr/>
-            </a:pPr>
-            <a:endParaRPr lang="en-US" b="0" u="none" baseline="0" dirty="0"/>
-          </a:p>
-          <a:p>
-            <a:pPr marL="0" marR="0" lvl="0" indent="0" algn="l" defTabSz="914400" rtl="0" eaLnBrk="1" fontAlgn="auto" latinLnBrk="0" hangingPunct="1">
-              <a:lnSpc>
-                <a:spcPct val="100000"/>
-              </a:lnSpc>
-              <a:spcBef>
-                <a:spcPts val="0"/>
-              </a:spcBef>
-              <a:spcAft>
-                <a:spcPts val="0"/>
-              </a:spcAft>
-              <a:buClrTx/>
-              <a:buSzTx/>
-              <a:buFont typeface="Arial" panose="020B0604020202020204" pitchFamily="34" charset="0"/>
-              <a:buNone/>
-              <a:tabLst/>
-              <a:defRPr/>
-            </a:pPr>
-            <a:endParaRPr lang="en-US" b="0" u="none" baseline="0" dirty="0"/>
-          </a:p>
-          <a:p>
-            <a:pPr marL="0" marR="0" lvl="0" indent="0" algn="l" defTabSz="914400" rtl="0" eaLnBrk="1" fontAlgn="auto" latinLnBrk="0" hangingPunct="1">
-              <a:lnSpc>
-                <a:spcPct val="100000"/>
-              </a:lnSpc>
-              <a:spcBef>
-                <a:spcPts val="0"/>
-              </a:spcBef>
-              <a:spcAft>
-                <a:spcPts val="0"/>
-              </a:spcAft>
-              <a:buClrTx/>
-              <a:buSzTx/>
-              <a:buFont typeface="Arial" panose="020B0604020202020204" pitchFamily="34" charset="0"/>
-              <a:buNone/>
-              <a:tabLst/>
-              <a:defRPr/>
-            </a:pPr>
-            <a:r>
-              <a:rPr lang="en-US" b="1" u="sng" baseline="0" dirty="0"/>
-              <a:t>4.2 Task Network Diagram</a:t>
-            </a:r>
-            <a:endParaRPr lang="en-US" b="0" u="none" baseline="0" dirty="0"/>
-          </a:p>
-          <a:p>
-            <a:pPr marL="0" marR="0" lvl="0" indent="0" algn="l" defTabSz="914400" rtl="0" eaLnBrk="1" fontAlgn="auto" latinLnBrk="0" hangingPunct="1">
-              <a:lnSpc>
-                <a:spcPct val="100000"/>
-              </a:lnSpc>
-              <a:spcBef>
-                <a:spcPts val="0"/>
-              </a:spcBef>
-              <a:spcAft>
-                <a:spcPts val="0"/>
-              </a:spcAft>
-              <a:buClrTx/>
-              <a:buSzTx/>
-              <a:buFont typeface="Arial" panose="020B0604020202020204" pitchFamily="34" charset="0"/>
-              <a:buNone/>
-              <a:tabLst/>
-              <a:defRPr/>
-            </a:pPr>
-            <a:r>
-              <a:rPr lang="en-US" b="0" u="none" baseline="0" dirty="0"/>
-              <a:t>Deciding if </a:t>
-            </a:r>
-            <a:r>
-              <a:rPr lang="en-US" b="0" u="none" baseline="0" dirty="0" err="1"/>
-              <a:t>wrike</a:t>
-            </a:r>
-            <a:r>
-              <a:rPr lang="en-US" b="0" u="none" baseline="0" dirty="0"/>
-              <a:t> would be the best tool to display the TND. Upon further discussion and investigation of </a:t>
-            </a:r>
-            <a:r>
-              <a:rPr lang="en-US" b="0" u="none" baseline="0" dirty="0" err="1"/>
-              <a:t>wrike</a:t>
-            </a:r>
-            <a:r>
-              <a:rPr lang="en-US" b="0" u="none" baseline="0" dirty="0"/>
-              <a:t> it was decided we would assign task to team members through </a:t>
-            </a:r>
-            <a:r>
-              <a:rPr lang="en-US" b="0" u="none" baseline="0" dirty="0" err="1"/>
-              <a:t>wrike</a:t>
-            </a:r>
-            <a:r>
-              <a:rPr lang="en-US" b="0" u="none" baseline="0" dirty="0"/>
-              <a:t> but we will copy that same data into Microsoft Project in order to be able to display the TND and Timeline chart. Doing so was tedious and took a large amount of time. Our PM’s provided us with a Product key in order to get access to </a:t>
-            </a:r>
-            <a:r>
-              <a:rPr lang="en-US" b="0" u="none" baseline="0" dirty="0" err="1"/>
-              <a:t>Ms</a:t>
-            </a:r>
-            <a:r>
-              <a:rPr lang="en-US" b="0" u="none" baseline="0" dirty="0"/>
-              <a:t> Project</a:t>
-            </a:r>
-          </a:p>
-          <a:p>
-            <a:pPr marL="0" marR="0" lvl="0" indent="0" algn="l" defTabSz="914400" rtl="0" eaLnBrk="1" fontAlgn="auto" latinLnBrk="0" hangingPunct="1">
-              <a:lnSpc>
-                <a:spcPct val="100000"/>
-              </a:lnSpc>
-              <a:spcBef>
-                <a:spcPts val="0"/>
-              </a:spcBef>
-              <a:spcAft>
-                <a:spcPts val="0"/>
-              </a:spcAft>
-              <a:buClrTx/>
-              <a:buSzTx/>
-              <a:buFont typeface="Arial" panose="020B0604020202020204" pitchFamily="34" charset="0"/>
-              <a:buNone/>
-              <a:tabLst/>
-              <a:defRPr/>
-            </a:pPr>
-            <a:endParaRPr lang="en-US" b="0" u="none" baseline="0" dirty="0"/>
-          </a:p>
-          <a:p>
-            <a:pPr marL="0" marR="0" lvl="0" indent="0" algn="l" defTabSz="914400" rtl="0" eaLnBrk="1" fontAlgn="auto" latinLnBrk="0" hangingPunct="1">
-              <a:lnSpc>
-                <a:spcPct val="100000"/>
-              </a:lnSpc>
-              <a:spcBef>
-                <a:spcPts val="0"/>
-              </a:spcBef>
-              <a:spcAft>
-                <a:spcPts val="0"/>
-              </a:spcAft>
-              <a:buClrTx/>
-              <a:buSzTx/>
-              <a:buFont typeface="Arial" panose="020B0604020202020204" pitchFamily="34" charset="0"/>
-              <a:buNone/>
-              <a:tabLst/>
-              <a:defRPr/>
-            </a:pPr>
-            <a:r>
-              <a:rPr lang="en-US" b="1" u="sng" baseline="0" dirty="0"/>
-              <a:t>6.1 SQA</a:t>
-            </a:r>
-          </a:p>
-          <a:p>
-            <a:pPr marL="0" marR="0" lvl="0" indent="0" algn="l" defTabSz="914400" rtl="0" eaLnBrk="1" fontAlgn="auto" latinLnBrk="0" hangingPunct="1">
-              <a:lnSpc>
-                <a:spcPct val="100000"/>
-              </a:lnSpc>
-              <a:spcBef>
-                <a:spcPts val="0"/>
-              </a:spcBef>
-              <a:spcAft>
-                <a:spcPts val="0"/>
-              </a:spcAft>
-              <a:buClrTx/>
-              <a:buSzTx/>
-              <a:buFont typeface="Arial" panose="020B0604020202020204" pitchFamily="34" charset="0"/>
-              <a:buNone/>
-              <a:tabLst/>
-              <a:defRPr/>
-            </a:pPr>
-            <a:r>
-              <a:rPr lang="en-US" b="0" u="none" baseline="0" dirty="0"/>
-              <a:t>Because it was the last section of the SPMP, this required a lot of reviewing and cross checking across all other documents to make sure the contents within it were accurate and valid. Traceability. </a:t>
-            </a:r>
-          </a:p>
-          <a:p>
-            <a:pPr marL="0" marR="0" lvl="0" indent="0" algn="l" defTabSz="914400" rtl="0" eaLnBrk="1" fontAlgn="auto" latinLnBrk="0" hangingPunct="1">
-              <a:lnSpc>
-                <a:spcPct val="100000"/>
-              </a:lnSpc>
-              <a:spcBef>
-                <a:spcPts val="0"/>
-              </a:spcBef>
-              <a:spcAft>
-                <a:spcPts val="0"/>
-              </a:spcAft>
-              <a:buClrTx/>
-              <a:buSzTx/>
-              <a:buFont typeface="Arial" panose="020B0604020202020204" pitchFamily="34" charset="0"/>
-              <a:buNone/>
-              <a:tabLst/>
-              <a:defRPr/>
-            </a:pPr>
-            <a:endParaRPr lang="en-US" b="0" u="none" baseline="0" dirty="0"/>
-          </a:p>
-          <a:p>
-            <a:pPr marL="0" marR="0" lvl="0" indent="0" algn="l" defTabSz="914400" rtl="0" eaLnBrk="1" fontAlgn="auto" latinLnBrk="0" hangingPunct="1">
-              <a:lnSpc>
-                <a:spcPct val="100000"/>
-              </a:lnSpc>
-              <a:spcBef>
-                <a:spcPts val="0"/>
-              </a:spcBef>
-              <a:spcAft>
-                <a:spcPts val="0"/>
-              </a:spcAft>
-              <a:buClrTx/>
-              <a:buSzTx/>
-              <a:buFontTx/>
-              <a:buNone/>
-              <a:tabLst/>
-              <a:defRPr/>
-            </a:pPr>
-            <a:endParaRPr lang="en-US" baseline="0" dirty="0"/>
-          </a:p>
-          <a:p>
-            <a:pPr marL="0" marR="0" lvl="0" indent="0" algn="l" defTabSz="914400" rtl="0" eaLnBrk="1" fontAlgn="auto" latinLnBrk="0" hangingPunct="1">
-              <a:lnSpc>
-                <a:spcPct val="100000"/>
-              </a:lnSpc>
-              <a:spcBef>
-                <a:spcPts val="0"/>
-              </a:spcBef>
-              <a:spcAft>
-                <a:spcPts val="0"/>
-              </a:spcAft>
-              <a:buClrTx/>
-              <a:buSzTx/>
-              <a:buFontTx/>
-              <a:buNone/>
-              <a:tabLst/>
-              <a:defRPr/>
-            </a:pPr>
-            <a:r>
-              <a:rPr lang="en-US" b="1" u="sng" dirty="0"/>
-              <a:t>Document merging and formatting </a:t>
-            </a:r>
-          </a:p>
-          <a:p>
-            <a:pPr marL="0" marR="0" lvl="0" indent="0" algn="l" defTabSz="914400" rtl="0" eaLnBrk="1" fontAlgn="auto" latinLnBrk="0" hangingPunct="1">
-              <a:lnSpc>
-                <a:spcPct val="100000"/>
-              </a:lnSpc>
-              <a:spcBef>
-                <a:spcPts val="0"/>
-              </a:spcBef>
-              <a:spcAft>
-                <a:spcPts val="0"/>
-              </a:spcAft>
-              <a:buClrTx/>
-              <a:buSzTx/>
-              <a:buFont typeface="Arial" panose="020B0604020202020204" pitchFamily="34" charset="0"/>
-              <a:buNone/>
-              <a:tabLst/>
-              <a:defRPr/>
-            </a:pPr>
-            <a:r>
-              <a:rPr lang="en-US" b="0" u="none" dirty="0"/>
-              <a:t>There</a:t>
-            </a:r>
-            <a:r>
-              <a:rPr lang="en-US" b="0" u="none" baseline="0" dirty="0"/>
-              <a:t> was no style template or discussed format of how the final SPMP would look. So everyone end up using different formats, fonts and bullet points making it harder and a waste of time when we had to put all the documents together.</a:t>
-            </a:r>
-          </a:p>
-          <a:p>
-            <a:pPr marL="0" marR="0" lvl="0" indent="0" algn="l" defTabSz="914400" rtl="0" eaLnBrk="1" fontAlgn="auto" latinLnBrk="0" hangingPunct="1">
-              <a:lnSpc>
-                <a:spcPct val="100000"/>
-              </a:lnSpc>
-              <a:spcBef>
-                <a:spcPts val="0"/>
-              </a:spcBef>
-              <a:spcAft>
-                <a:spcPts val="0"/>
-              </a:spcAft>
-              <a:buClrTx/>
-              <a:buSzTx/>
-              <a:buFont typeface="Arial" panose="020B0604020202020204" pitchFamily="34" charset="0"/>
-              <a:buNone/>
-              <a:tabLst/>
-              <a:defRPr/>
-            </a:pPr>
-            <a:endParaRPr lang="en-US" b="0" u="none" baseline="0" dirty="0"/>
+              <a:t>to their general availability </a:t>
+            </a:r>
+            <a:r>
+              <a:rPr lang="en-US" dirty="0" smtClean="0"/>
+              <a:t>but </a:t>
+            </a:r>
+            <a:r>
+              <a:rPr lang="en-US" dirty="0"/>
+              <a:t>were </a:t>
+            </a:r>
+            <a:r>
+              <a:rPr lang="en-US" dirty="0" smtClean="0"/>
+              <a:t>unavailable </a:t>
+            </a:r>
+            <a:r>
+              <a:rPr lang="en-US" dirty="0"/>
+              <a:t>on a specific </a:t>
+            </a:r>
+            <a:r>
+              <a:rPr lang="en-US" dirty="0" smtClean="0"/>
+              <a:t>day</a:t>
+            </a:r>
+            <a:r>
+              <a:rPr lang="en-US" dirty="0"/>
+              <a:t>, they </a:t>
+            </a:r>
+            <a:r>
+              <a:rPr lang="en-US" dirty="0" smtClean="0"/>
+              <a:t>were</a:t>
+            </a:r>
+            <a:r>
+              <a:rPr lang="en-US" baseline="0" dirty="0" smtClean="0"/>
+              <a:t> required</a:t>
+            </a:r>
+            <a:r>
+              <a:rPr lang="en-US" dirty="0" smtClean="0"/>
+              <a:t> </a:t>
+            </a:r>
+            <a:r>
+              <a:rPr lang="en-US" dirty="0"/>
+              <a:t>to report it to this </a:t>
+            </a:r>
+            <a:r>
+              <a:rPr lang="en-US" dirty="0" smtClean="0"/>
+              <a:t>calendar</a:t>
+            </a:r>
+            <a:r>
+              <a:rPr lang="en-US" baseline="0" dirty="0" smtClean="0"/>
+              <a:t> by Sunday at 7 PM.</a:t>
+            </a:r>
+            <a:endParaRPr lang="en-US" dirty="0"/>
+          </a:p>
+          <a:p>
+            <a:endParaRPr lang="en-US" dirty="0"/>
           </a:p>
         </p:txBody>
       </p:sp>
@@ -2974,17 +3065,26 @@
           <a:lstStyle/>
           <a:p>
             <a:fld id="{B621E0F3-BCE5-4552-9E75-AD4D9ACB2A2B}" type="slidenum">
-              <a:rPr lang="en-US" smtClean="0"/>
+              <a:rPr lang="en-US" smtClean="0">
+                <a:solidFill>
+                  <a:prstClr val="black"/>
+                </a:solidFill>
+              </a:rPr>
+              <a:pPr/>
               <a:t>17</a:t>
             </a:fld>
-            <a:endParaRPr lang="en-US"/>
+            <a:endParaRPr lang="en-US">
+              <a:solidFill>
+                <a:prstClr val="black"/>
+              </a:solidFill>
+            </a:endParaRPr>
           </a:p>
         </p:txBody>
       </p:sp>
     </p:spTree>
     <p:extLst>
       <p:ext uri="{BB962C8B-B14F-4D97-AF65-F5344CB8AC3E}">
-        <p14:creationId xmlns:p14="http://schemas.microsoft.com/office/powerpoint/2010/main" val="3573805196"/>
+        <p14:creationId xmlns:p14="http://schemas.microsoft.com/office/powerpoint/2010/main" val="3316633356"/>
       </p:ext>
     </p:extLst>
   </p:cSld>
@@ -3038,8 +3138,22 @@
           <a:bodyPr/>
           <a:lstStyle/>
           <a:p>
-            <a:pPr marL="0" indent="0">
-              <a:buNone/>
+            <a:pPr marL="0" marR="0" lvl="0" indent="0" algn="l" defTabSz="914400" rtl="0" eaLnBrk="1" fontAlgn="auto" latinLnBrk="0" hangingPunct="1">
+              <a:lnSpc>
+                <a:spcPct val="100000"/>
+              </a:lnSpc>
+              <a:spcBef>
+                <a:spcPts val="0"/>
+              </a:spcBef>
+              <a:spcAft>
+                <a:spcPts val="0"/>
+              </a:spcAft>
+              <a:buClrTx/>
+              <a:buSzTx/>
+              <a:buFontTx/>
+              <a:buNone/>
+              <a:tabLst/>
+              <a:defRPr/>
             </a:pPr>
             <a:r>
               <a:rPr lang="en-US" b="1" u="sng" dirty="0"/>
@@ -3047,45 +3161,88 @@
             </a:r>
           </a:p>
           <a:p>
-            <a:pPr marL="0" indent="0">
-              <a:buNone/>
+            <a:pPr marL="0" marR="0" lvl="0" indent="0" algn="l" defTabSz="914400" rtl="0" eaLnBrk="1" fontAlgn="auto" latinLnBrk="0" hangingPunct="1">
+              <a:lnSpc>
+                <a:spcPct val="100000"/>
+              </a:lnSpc>
+              <a:spcBef>
+                <a:spcPts val="0"/>
+              </a:spcBef>
+              <a:spcAft>
+                <a:spcPts val="0"/>
+              </a:spcAft>
+              <a:buClrTx/>
+              <a:buSzTx/>
+              <a:buFontTx/>
+              <a:buNone/>
+              <a:tabLst/>
+              <a:defRPr/>
             </a:pPr>
             <a:r>
               <a:rPr lang="en-US" b="1" u="sng" dirty="0"/>
-              <a:t>Checking Slack once a day:</a:t>
-            </a:r>
-          </a:p>
-          <a:p>
-            <a:pPr marL="628650" lvl="1" indent="-171450">
+              <a:t>Slack:</a:t>
+            </a:r>
+            <a:r>
+              <a:rPr lang="en-US" b="1" u="sng" baseline="0" dirty="0"/>
+              <a:t> </a:t>
+            </a:r>
+          </a:p>
+          <a:p>
+            <a:pPr marL="171450" marR="0" lvl="0" indent="-171450" algn="l" defTabSz="914400" rtl="0" eaLnBrk="1" fontAlgn="auto" latinLnBrk="0" hangingPunct="1">
+              <a:lnSpc>
+                <a:spcPct val="100000"/>
+              </a:lnSpc>
+              <a:spcBef>
+                <a:spcPts val="0"/>
+              </a:spcBef>
+              <a:spcAft>
+                <a:spcPts val="0"/>
+              </a:spcAft>
+              <a:buClrTx/>
+              <a:buSzTx/>
               <a:buFont typeface="Arial" panose="020B0604020202020204" pitchFamily="34" charset="0"/>
               <a:buChar char="•"/>
-            </a:pPr>
+              <a:tabLst/>
+              <a:defRPr/>
+            </a:pPr>
+            <a:r>
+              <a:rPr lang="en-US" b="1" u="none" dirty="0"/>
+              <a:t>Notification</a:t>
+            </a:r>
             <a:r>
               <a:rPr lang="en-US" dirty="0"/>
-              <a:t>Requiring Team members to check Slack at least once per day to stay up to date with project discussions.</a:t>
-            </a:r>
-          </a:p>
-          <a:p>
-            <a:pPr marL="0" indent="0">
-              <a:buNone/>
-            </a:pPr>
-            <a:r>
-              <a:rPr lang="en-US" b="1" u="sng" dirty="0"/>
-              <a:t>Establish meeting dates: </a:t>
-            </a:r>
-            <a:r>
-              <a:rPr lang="en-US" dirty="0"/>
-              <a:t>Recurring in-person meetings on Sundays</a:t>
-            </a:r>
-          </a:p>
-          <a:p>
-            <a:pPr marL="628650" lvl="1" indent="-171450">
+              <a:t> of a change to the repository of either non-source  code or source code files must be communicated to the other team members through Slack.  </a:t>
+            </a:r>
+          </a:p>
+          <a:p>
+            <a:pPr marL="171450" marR="0" lvl="0" indent="-171450" algn="l" defTabSz="914400" rtl="0" eaLnBrk="1" fontAlgn="auto" latinLnBrk="0" hangingPunct="1">
+              <a:lnSpc>
+                <a:spcPct val="100000"/>
+              </a:lnSpc>
+              <a:spcBef>
+                <a:spcPts val="0"/>
+              </a:spcBef>
+              <a:spcAft>
+                <a:spcPts val="0"/>
+              </a:spcAft>
+              <a:buClrTx/>
+              <a:buSzTx/>
               <a:buFont typeface="Arial" panose="020B0604020202020204" pitchFamily="34" charset="0"/>
               <a:buChar char="•"/>
-            </a:pPr>
+              <a:tabLst/>
+              <a:defRPr/>
+            </a:pPr>
+            <a:r>
+              <a:rPr lang="en-US" b="1" dirty="0" err="1"/>
+              <a:t>Meeting_minutes</a:t>
+            </a:r>
+            <a:r>
+              <a:rPr lang="en-US" b="1" dirty="0"/>
+              <a:t> channel: </a:t>
+            </a:r>
             <a:r>
               <a:rPr lang="en-US" dirty="0"/>
-              <a:t>Slack channel “</a:t>
+              <a:t>Any changes discussed during in person meetings will be transcribed into </a:t>
             </a:r>
             <a:r>
               <a:rPr lang="en-US" dirty="0" err="1"/>
@@ -3093,109 +3250,198 @@
             </a:r>
             <a:r>
               <a:rPr lang="en-US" dirty="0"/>
-              <a:t>” contained an overview of the discussions from in-person meetings.</a:t>
-            </a:r>
-          </a:p>
-          <a:p>
-            <a:pPr marL="0" indent="0">
-              <a:buNone/>
-            </a:pPr>
+              <a:t> and posted onto Slack.</a:t>
+            </a:r>
+          </a:p>
+          <a:p>
+            <a:pPr marL="0" marR="0" lvl="0" indent="0" algn="l" defTabSz="914400" rtl="0" eaLnBrk="1" fontAlgn="auto" latinLnBrk="0" hangingPunct="1">
+              <a:lnSpc>
+                <a:spcPct val="100000"/>
+              </a:lnSpc>
+              <a:spcBef>
+                <a:spcPts val="0"/>
+              </a:spcBef>
+              <a:spcAft>
+                <a:spcPts val="0"/>
+              </a:spcAft>
+              <a:buClrTx/>
+              <a:buSzTx/>
+              <a:buFontTx/>
+              <a:buNone/>
+              <a:tabLst/>
+              <a:defRPr/>
+            </a:pPr>
+            <a:endParaRPr lang="en-US" dirty="0"/>
+          </a:p>
+          <a:p>
+            <a:pPr marL="0" marR="0" lvl="0" indent="0" algn="l" defTabSz="914400" rtl="0" eaLnBrk="1" fontAlgn="auto" latinLnBrk="0" hangingPunct="1">
+              <a:lnSpc>
+                <a:spcPct val="100000"/>
+              </a:lnSpc>
+              <a:spcBef>
+                <a:spcPts val="0"/>
+              </a:spcBef>
+              <a:spcAft>
+                <a:spcPts val="0"/>
+              </a:spcAft>
+              <a:buClrTx/>
+              <a:buSzTx/>
+              <a:buFontTx/>
+              <a:buNone/>
+              <a:tabLst/>
+              <a:defRPr/>
+            </a:pPr>
+            <a:r>
+              <a:rPr lang="en-US" b="1" u="sng" dirty="0" err="1"/>
+              <a:t>Github</a:t>
+            </a:r>
             <a:r>
               <a:rPr lang="en-US" b="1" u="sng" dirty="0"/>
-              <a:t>General Availability Doc</a:t>
-            </a:r>
-            <a:r>
-              <a:rPr lang="en-US" dirty="0"/>
               <a:t>:</a:t>
             </a:r>
           </a:p>
           <a:p>
-            <a:pPr marL="628650" lvl="1" indent="-171450">
+            <a:pPr marL="171450" marR="0" lvl="0" indent="-171450" algn="l" defTabSz="914400" rtl="0" eaLnBrk="1" fontAlgn="auto" latinLnBrk="0" hangingPunct="1">
+              <a:lnSpc>
+                <a:spcPct val="100000"/>
+              </a:lnSpc>
+              <a:spcBef>
+                <a:spcPts val="0"/>
+              </a:spcBef>
+              <a:spcAft>
+                <a:spcPts val="0"/>
+              </a:spcAft>
+              <a:buClrTx/>
+              <a:buSzTx/>
               <a:buFont typeface="Arial" panose="020B0604020202020204" pitchFamily="34" charset="0"/>
               <a:buChar char="•"/>
-            </a:pPr>
-            <a:r>
-              <a:rPr lang="en-US" dirty="0"/>
-              <a:t>Requiring team members to fill in their general availability during the week.</a:t>
-            </a:r>
-          </a:p>
-          <a:p>
-            <a:pPr marL="0" indent="0">
-              <a:buNone/>
+              <a:tabLst/>
+              <a:defRPr/>
             </a:pPr>
             <a:r>
               <a:rPr lang="en-US" b="1" u="sng" dirty="0"/>
-              <a:t>Exceptions Calendar:</a:t>
-            </a:r>
-          </a:p>
-          <a:p>
-            <a:pPr marL="628650" lvl="1" indent="-171450">
+              <a:t>Source</a:t>
+            </a:r>
+            <a:r>
+              <a:rPr lang="en-US" b="1" u="sng" baseline="0" dirty="0"/>
+              <a:t> code: </a:t>
+            </a:r>
+          </a:p>
+          <a:p>
+            <a:pPr marL="0" marR="0" lvl="0" indent="0" algn="l" defTabSz="914400" rtl="0" eaLnBrk="1" fontAlgn="auto" latinLnBrk="0" hangingPunct="1">
+              <a:lnSpc>
+                <a:spcPct val="100000"/>
+              </a:lnSpc>
+              <a:spcBef>
+                <a:spcPts val="0"/>
+              </a:spcBef>
+              <a:spcAft>
+                <a:spcPts val="0"/>
+              </a:spcAft>
+              <a:buClrTx/>
+              <a:buSzTx/>
+              <a:buFont typeface="Arial" panose="020B0604020202020204" pitchFamily="34" charset="0"/>
+              <a:buNone/>
+              <a:tabLst/>
+              <a:defRPr/>
+            </a:pPr>
+            <a:r>
+              <a:rPr lang="en-US" b="0" u="none" baseline="0" dirty="0"/>
+              <a:t>W</a:t>
+            </a:r>
+            <a:r>
+              <a:rPr lang="en-US" baseline="0" dirty="0"/>
+              <a:t>ill require one administrator (Cindy or Erik) review in order to commit to master branch. When uploading new source code files it will be uploaded to a separate protected branch.  In this separate branch team members will be able to upload changed files without having to worry about affecting the master branch. The master branch will act as the baseline for all artifacts. Protected branches by default require at least one review before committing to the master.</a:t>
+            </a:r>
+          </a:p>
+          <a:p>
+            <a:pPr marL="171450" marR="0" lvl="0" indent="-171450" algn="l" defTabSz="914400" rtl="0" eaLnBrk="1" fontAlgn="auto" latinLnBrk="0" hangingPunct="1">
+              <a:lnSpc>
+                <a:spcPct val="100000"/>
+              </a:lnSpc>
+              <a:spcBef>
+                <a:spcPts val="0"/>
+              </a:spcBef>
+              <a:spcAft>
+                <a:spcPts val="0"/>
+              </a:spcAft>
+              <a:buClrTx/>
+              <a:buSzTx/>
               <a:buFont typeface="Arial" panose="020B0604020202020204" pitchFamily="34" charset="0"/>
               <a:buChar char="•"/>
-            </a:pPr>
-            <a:r>
-              <a:rPr lang="en-US" dirty="0"/>
-              <a:t>If team member had </a:t>
-            </a:r>
-            <a:r>
-              <a:rPr lang="en-US" dirty="0" smtClean="0"/>
-              <a:t>no changes </a:t>
-            </a:r>
-            <a:r>
-              <a:rPr lang="en-US" dirty="0"/>
-              <a:t>to their general availability </a:t>
-            </a:r>
-            <a:r>
-              <a:rPr lang="en-US" dirty="0" smtClean="0"/>
-              <a:t>but </a:t>
-            </a:r>
-            <a:r>
-              <a:rPr lang="en-US" dirty="0"/>
-              <a:t>were </a:t>
-            </a:r>
-            <a:r>
-              <a:rPr lang="en-US" dirty="0" smtClean="0"/>
-              <a:t>unavailable </a:t>
-            </a:r>
-            <a:r>
-              <a:rPr lang="en-US" dirty="0"/>
-              <a:t>on a specific </a:t>
-            </a:r>
-            <a:r>
-              <a:rPr lang="en-US" dirty="0" smtClean="0"/>
-              <a:t>day</a:t>
-            </a:r>
-            <a:r>
-              <a:rPr lang="en-US" dirty="0"/>
-              <a:t>, they </a:t>
-            </a:r>
-            <a:r>
-              <a:rPr lang="en-US" dirty="0" smtClean="0"/>
-              <a:t>were</a:t>
-            </a:r>
-            <a:r>
-              <a:rPr lang="en-US" baseline="0" dirty="0" smtClean="0"/>
-              <a:t> required</a:t>
-            </a:r>
-            <a:r>
-              <a:rPr lang="en-US" dirty="0" smtClean="0"/>
-              <a:t> </a:t>
-            </a:r>
-            <a:r>
-              <a:rPr lang="en-US" dirty="0"/>
-              <a:t>to report it to this </a:t>
-            </a:r>
-            <a:r>
-              <a:rPr lang="en-US" dirty="0" smtClean="0"/>
-              <a:t>calendar</a:t>
-            </a:r>
-            <a:r>
-              <a:rPr lang="en-US" baseline="0" dirty="0" smtClean="0"/>
-              <a:t> by Sunday at 7 PM.</a:t>
-            </a:r>
-            <a:endParaRPr lang="en-US" dirty="0"/>
-          </a:p>
-          <a:p>
+              <a:tabLst/>
+              <a:defRPr/>
+            </a:pPr>
+            <a:endParaRPr lang="en-US" baseline="0" dirty="0"/>
+          </a:p>
+          <a:p>
+            <a:pPr marL="171450" marR="0" lvl="0" indent="-171450" algn="l" defTabSz="914400" rtl="0" eaLnBrk="1" fontAlgn="auto" latinLnBrk="0" hangingPunct="1">
+              <a:lnSpc>
+                <a:spcPct val="100000"/>
+              </a:lnSpc>
+              <a:spcBef>
+                <a:spcPts val="0"/>
+              </a:spcBef>
+              <a:spcAft>
+                <a:spcPts val="0"/>
+              </a:spcAft>
+              <a:buClrTx/>
+              <a:buSzTx/>
+              <a:buFont typeface="Arial" panose="020B0604020202020204" pitchFamily="34" charset="0"/>
+              <a:buChar char="•"/>
+              <a:tabLst/>
+              <a:defRPr/>
+            </a:pPr>
+            <a:r>
+              <a:rPr lang="en-US" b="1" u="sng" baseline="0" dirty="0"/>
+              <a:t>Other artifacts: </a:t>
+            </a:r>
+          </a:p>
+          <a:p>
+            <a:pPr marL="0" marR="0" lvl="0" indent="0" algn="l" defTabSz="914400" rtl="0" eaLnBrk="1" fontAlgn="auto" latinLnBrk="0" hangingPunct="1">
+              <a:lnSpc>
+                <a:spcPct val="100000"/>
+              </a:lnSpc>
+              <a:spcBef>
+                <a:spcPts val="0"/>
+              </a:spcBef>
+              <a:spcAft>
+                <a:spcPts val="0"/>
+              </a:spcAft>
+              <a:buClrTx/>
+              <a:buSzTx/>
+              <a:buFont typeface="Arial" panose="020B0604020202020204" pitchFamily="34" charset="0"/>
+              <a:buNone/>
+              <a:tabLst/>
+              <a:defRPr/>
+            </a:pPr>
+            <a:r>
+              <a:rPr lang="en-US" b="0" u="none" baseline="0" dirty="0"/>
+              <a:t>Files that are non-source code can be uploaded directly to the master branch without review during part 1 of SPMP. Files that are still in progress will have an _ in the title.  Those without a “_” will be assumed to be 100% complete.</a:t>
+            </a:r>
+          </a:p>
+          <a:p>
+            <a:pPr marL="171450" marR="0" lvl="0" indent="-171450" algn="l" defTabSz="914400" rtl="0" eaLnBrk="1" fontAlgn="auto" latinLnBrk="0" hangingPunct="1">
+              <a:lnSpc>
+                <a:spcPct val="100000"/>
+              </a:lnSpc>
+              <a:spcBef>
+                <a:spcPts val="0"/>
+              </a:spcBef>
+              <a:spcAft>
+                <a:spcPts val="0"/>
+              </a:spcAft>
+              <a:buClrTx/>
+              <a:buSzTx/>
+              <a:buFont typeface="Arial" panose="020B0604020202020204" pitchFamily="34" charset="0"/>
+              <a:buChar char="•"/>
+              <a:tabLst/>
+              <a:defRPr/>
+            </a:pPr>
+            <a:r>
+              <a:rPr lang="en-US" b="0" u="none" baseline="0" dirty="0"/>
+              <a:t>As far as the non-source code part, that method has been working and we did notify each other on slack whenever there was a new file uploaded. There were problems such as the formatting, that were brought to our attention because of this, but the method it’s self is a good starting place </a:t>
+            </a:r>
             <a:endParaRPr lang="en-US" dirty="0"/>
           </a:p>
         </p:txBody>
@@ -3216,26 +3462,17 @@
           <a:lstStyle/>
           <a:p>
             <a:fld id="{B621E0F3-BCE5-4552-9E75-AD4D9ACB2A2B}" type="slidenum">
-              <a:rPr lang="en-US" smtClean="0">
-                <a:solidFill>
-                  <a:prstClr val="black"/>
-                </a:solidFill>
-              </a:rPr>
-              <a:pPr/>
+              <a:rPr lang="en-US" smtClean="0"/>
               <a:t>18</a:t>
             </a:fld>
-            <a:endParaRPr lang="en-US">
-              <a:solidFill>
-                <a:prstClr val="black"/>
-              </a:solidFill>
-            </a:endParaRPr>
+            <a:endParaRPr lang="en-US"/>
           </a:p>
         </p:txBody>
       </p:sp>
     </p:spTree>
     <p:extLst>
       <p:ext uri="{BB962C8B-B14F-4D97-AF65-F5344CB8AC3E}">
-        <p14:creationId xmlns:p14="http://schemas.microsoft.com/office/powerpoint/2010/main" val="3316633356"/>
+        <p14:creationId xmlns:p14="http://schemas.microsoft.com/office/powerpoint/2010/main" val="2185845843"/>
       </p:ext>
     </p:extLst>
   </p:cSld>
@@ -3289,6 +3526,107 @@
           <a:bodyPr/>
           <a:lstStyle/>
           <a:p>
+            <a:r>
+              <a:rPr lang="en-US" b="1" u="sng" dirty="0"/>
+              <a:t>CS</a:t>
+            </a:r>
+          </a:p>
+          <a:p>
+            <a:r>
+              <a:rPr lang="en-US" b="1" u="sng" dirty="0"/>
+              <a:t>Early</a:t>
+            </a:r>
+            <a:r>
+              <a:rPr lang="en-US" b="1" u="sng" baseline="0" dirty="0"/>
+              <a:t> start:  </a:t>
+            </a:r>
+          </a:p>
+          <a:p>
+            <a:pPr marL="171450" indent="-171450">
+              <a:buFont typeface="Arial" panose="020B0604020202020204" pitchFamily="34" charset="0"/>
+              <a:buChar char="•"/>
+            </a:pPr>
+            <a:r>
+              <a:rPr lang="en-US" baseline="0" dirty="0"/>
+              <a:t>Before the we chose teams, </a:t>
+            </a:r>
+            <a:r>
+              <a:rPr lang="en-US" baseline="0" dirty="0" err="1"/>
+              <a:t>Durwin</a:t>
+            </a:r>
+            <a:r>
+              <a:rPr lang="en-US" baseline="0" dirty="0"/>
+              <a:t> and Erik had discussed tools. We also had a small meeting the same day teams were chosen and had meetings since then.</a:t>
+            </a:r>
+          </a:p>
+          <a:p>
+            <a:pPr marL="171450" indent="-171450">
+              <a:buFont typeface="Arial" panose="020B0604020202020204" pitchFamily="34" charset="0"/>
+              <a:buChar char="•"/>
+            </a:pPr>
+            <a:r>
+              <a:rPr lang="en-US" baseline="0" dirty="0"/>
+              <a:t>Through these meetings we were able to minimize the time spent deciding on a meeting location and  on the methods of communication before the SPMP was assigned.</a:t>
+            </a:r>
+          </a:p>
+          <a:p>
+            <a:endParaRPr lang="en-US" baseline="0" dirty="0"/>
+          </a:p>
+          <a:p>
+            <a:r>
+              <a:rPr lang="en-US" b="1" u="sng" baseline="0" dirty="0"/>
+              <a:t>Establishing in-person meetings: </a:t>
+            </a:r>
+          </a:p>
+          <a:p>
+            <a:pPr marL="171450" indent="-171450">
+              <a:buFont typeface="Arial" panose="020B0604020202020204" pitchFamily="34" charset="0"/>
+              <a:buChar char="•"/>
+            </a:pPr>
+            <a:r>
+              <a:rPr lang="en-US" baseline="0" dirty="0"/>
+              <a:t>Setting up required in-person meetings allowed us to discuss tools, skillsets and assign any tasks we knew we could expect on the SPMP</a:t>
+            </a:r>
+          </a:p>
+          <a:p>
+            <a:r>
+              <a:rPr lang="en-US" baseline="0" dirty="0"/>
+              <a:t>		     </a:t>
+            </a:r>
+            <a:endParaRPr lang="en-US" dirty="0"/>
+          </a:p>
+          <a:p>
+            <a:r>
+              <a:rPr lang="en-US" b="1" u="sng" dirty="0"/>
+              <a:t>Selection</a:t>
+            </a:r>
+            <a:r>
+              <a:rPr lang="en-US" b="1" u="sng" baseline="0" dirty="0"/>
+              <a:t> of time tracking tool: </a:t>
+            </a:r>
+          </a:p>
+          <a:p>
+            <a:pPr marL="171450" indent="-171450">
+              <a:buFont typeface="Arial" panose="020B0604020202020204" pitchFamily="34" charset="0"/>
+              <a:buChar char="•"/>
+            </a:pPr>
+            <a:r>
+              <a:rPr lang="en-US" b="0" u="none" baseline="0" dirty="0"/>
+              <a:t>H</a:t>
+            </a:r>
+            <a:r>
+              <a:rPr lang="en-US" dirty="0"/>
+              <a:t>elped</a:t>
+            </a:r>
+            <a:r>
+              <a:rPr lang="en-US" baseline="0" dirty="0"/>
+              <a:t> with determining the Estimates. Using the reports generated in Toggl, we were able to see which tasks were taking up the most time and effort and individual times. We were able to assign tasks based on each persons individual time.</a:t>
+            </a:r>
+          </a:p>
+          <a:p>
+            <a:endParaRPr lang="en-US" baseline="0" dirty="0"/>
+          </a:p>
+          <a:p>
             <a:pPr marL="0" marR="0" lvl="0" indent="0" algn="l" defTabSz="914400" rtl="0" eaLnBrk="1" fontAlgn="auto" latinLnBrk="0" hangingPunct="1">
               <a:lnSpc>
                 <a:spcPct val="100000"/>
@@ -3307,35 +3645,8 @@
               <a:defRPr/>
             </a:pPr>
             <a:r>
-              <a:rPr lang="en-US" b="1" u="sng" dirty="0"/>
-              <a:t>CS</a:t>
-            </a:r>
-          </a:p>
-          <a:p>
-            <a:pPr marL="0" marR="0" lvl="0" indent="0" algn="l" defTabSz="914400" rtl="0" eaLnBrk="1" fontAlgn="auto" latinLnBrk="0" hangingPunct="1">
-              <a:lnSpc>
-                <a:spcPct val="100000"/>
-              </a:lnSpc>
-              <a:spcBef>
-                <a:spcPts val="0"/>
-              </a:spcBef>
-              <a:spcAft>
-                <a:spcPts val="0"/>
-              </a:spcAft>
-              <a:buClrTx/>
-              <a:buSzTx/>
-              <a:buFontTx/>
-              <a:buNone/>
-              <a:tabLst/>
-              <a:defRPr/>
-            </a:pPr>
-            <a:r>
-              <a:rPr lang="en-US" b="1" u="sng" dirty="0"/>
-              <a:t>Slack:</a:t>
-            </a:r>
-            <a:r>
               <a:rPr lang="en-US" b="1" u="sng" baseline="0" dirty="0"/>
-              <a:t> </a:t>
+              <a:t>Training tools: </a:t>
             </a:r>
           </a:p>
           <a:p>
@@ -3357,243 +3668,114 @@
               <a:defRPr/>
             </a:pPr>
             <a:r>
-              <a:rPr lang="en-US" b="1" u="none" dirty="0"/>
-              <a:t>Notification</a:t>
-            </a:r>
-            <a:r>
-              <a:rPr lang="en-US" dirty="0"/>
-              <a:t> of a change to the repository of either non-source  code or source code files must be communicated to the other team members through Slack.  </a:t>
-            </a:r>
-          </a:p>
-          <a:p>
-            <a:pPr marL="171450" marR="0" lvl="0" indent="-171450" algn="l" defTabSz="914400" rtl="0" eaLnBrk="1" fontAlgn="auto" latinLnBrk="0" hangingPunct="1">
-              <a:lnSpc>
-                <a:spcPct val="100000"/>
-              </a:lnSpc>
-              <a:spcBef>
-                <a:spcPts val="0"/>
-              </a:spcBef>
-              <a:spcAft>
-                <a:spcPts val="0"/>
-              </a:spcAft>
-              <a:buClrTx/>
-              <a:buSzTx/>
+              <a:rPr lang="en-US" baseline="0" dirty="0"/>
+              <a:t>Checking out the tools and tracking task time. Since only one team member had prior experience with a majority of the tools, it was necessary that the other team members became acquainted with the tools and understood the terminology that came with each one </a:t>
+            </a:r>
+            <a:r>
+              <a:rPr lang="en-US" baseline="0" dirty="0" err="1"/>
+              <a:t>i.e</a:t>
+            </a:r>
+            <a:r>
+              <a:rPr lang="en-US" baseline="0" dirty="0"/>
+              <a:t> committing to master on GitHub</a:t>
+            </a:r>
+          </a:p>
+          <a:p>
+            <a:endParaRPr lang="en-US" baseline="0" dirty="0"/>
+          </a:p>
+          <a:p>
+            <a:r>
+              <a:rPr lang="en-US" b="1" u="sng" baseline="0" dirty="0"/>
+              <a:t>Team communication: </a:t>
+            </a:r>
+          </a:p>
+          <a:p>
+            <a:pPr marL="171450" indent="-171450">
               <a:buFont typeface="Arial" panose="020B0604020202020204" pitchFamily="34" charset="0"/>
               <a:buChar char="•"/>
-              <a:tabLst/>
-              <a:defRPr/>
-            </a:pPr>
-            <a:r>
-              <a:rPr lang="en-US" b="1" dirty="0" err="1"/>
-              <a:t>Meeting_minutes</a:t>
-            </a:r>
-            <a:r>
-              <a:rPr lang="en-US" b="1" dirty="0"/>
-              <a:t> channel: </a:t>
-            </a:r>
-            <a:r>
-              <a:rPr lang="en-US" dirty="0"/>
-              <a:t>Any changes discussed during in person meetings will be transcribed into </a:t>
-            </a:r>
-            <a:r>
-              <a:rPr lang="en-US" dirty="0" err="1"/>
-              <a:t>meeting_minutes</a:t>
-            </a:r>
-            <a:r>
-              <a:rPr lang="en-US" dirty="0"/>
-              <a:t> and posted onto Slack.</a:t>
-            </a:r>
-          </a:p>
-          <a:p>
-            <a:pPr marL="0" marR="0" lvl="0" indent="0" algn="l" defTabSz="914400" rtl="0" eaLnBrk="1" fontAlgn="auto" latinLnBrk="0" hangingPunct="1">
-              <a:lnSpc>
-                <a:spcPct val="100000"/>
-              </a:lnSpc>
-              <a:spcBef>
-                <a:spcPts val="0"/>
-              </a:spcBef>
-              <a:spcAft>
-                <a:spcPts val="0"/>
-              </a:spcAft>
-              <a:buClrTx/>
-              <a:buSzTx/>
-              <a:buFontTx/>
-              <a:buNone/>
-              <a:tabLst/>
-              <a:defRPr/>
-            </a:pPr>
-            <a:endParaRPr lang="en-US" dirty="0"/>
-          </a:p>
-          <a:p>
-            <a:pPr marL="0" marR="0" lvl="0" indent="0" algn="l" defTabSz="914400" rtl="0" eaLnBrk="1" fontAlgn="auto" latinLnBrk="0" hangingPunct="1">
-              <a:lnSpc>
-                <a:spcPct val="100000"/>
-              </a:lnSpc>
-              <a:spcBef>
-                <a:spcPts val="0"/>
-              </a:spcBef>
-              <a:spcAft>
-                <a:spcPts val="0"/>
-              </a:spcAft>
-              <a:buClrTx/>
-              <a:buSzTx/>
-              <a:buFontTx/>
-              <a:buNone/>
-              <a:tabLst/>
-              <a:defRPr/>
-            </a:pPr>
-            <a:r>
-              <a:rPr lang="en-US" b="1" u="sng" dirty="0" err="1"/>
-              <a:t>Github</a:t>
-            </a:r>
-            <a:r>
-              <a:rPr lang="en-US" b="1" u="sng" dirty="0"/>
-              <a:t>:</a:t>
-            </a:r>
-          </a:p>
-          <a:p>
-            <a:pPr marL="171450" marR="0" lvl="0" indent="-171450" algn="l" defTabSz="914400" rtl="0" eaLnBrk="1" fontAlgn="auto" latinLnBrk="0" hangingPunct="1">
-              <a:lnSpc>
-                <a:spcPct val="100000"/>
-              </a:lnSpc>
-              <a:spcBef>
-                <a:spcPts val="0"/>
-              </a:spcBef>
-              <a:spcAft>
-                <a:spcPts val="0"/>
-              </a:spcAft>
-              <a:buClrTx/>
-              <a:buSzTx/>
+            </a:pPr>
+            <a:r>
+              <a:rPr lang="en-US" baseline="0" dirty="0"/>
+              <a:t>All team members were required to sign off on meeting minutes and check slack at least once per day. Whenever a team member had questions or concerns regarding the SPMP, those questions or concerns were always heard and discussed or answered by either another team member, Project Manager or Steiner </a:t>
+            </a:r>
+          </a:p>
+          <a:p>
+            <a:endParaRPr lang="en-US" baseline="0" dirty="0"/>
+          </a:p>
+          <a:p>
+            <a:r>
+              <a:rPr lang="en-US" b="1" u="sng" baseline="0" dirty="0"/>
+              <a:t>Risk Mitigation: </a:t>
+            </a:r>
+          </a:p>
+          <a:p>
+            <a:pPr marL="171450" indent="-171450">
               <a:buFont typeface="Arial" panose="020B0604020202020204" pitchFamily="34" charset="0"/>
               <a:buChar char="•"/>
-              <a:tabLst/>
-              <a:defRPr/>
-            </a:pPr>
-            <a:r>
-              <a:rPr lang="en-US" b="1" u="sng" dirty="0"/>
-              <a:t>Source</a:t>
-            </a:r>
+            </a:pPr>
+            <a:r>
+              <a:rPr lang="en-US" baseline="0" dirty="0"/>
+              <a:t>When our primary meeting location (the library ) was not open or closed early. Our risk mitigation plan was put into action and told us to met at our secondary meeting location, </a:t>
+            </a:r>
+            <a:r>
+              <a:rPr lang="en-US" baseline="0" dirty="0" err="1"/>
+              <a:t>biggby</a:t>
+            </a:r>
+            <a:r>
+              <a:rPr lang="en-US" baseline="0" dirty="0"/>
+              <a:t>. The </a:t>
+            </a:r>
+            <a:r>
+              <a:rPr lang="en-US" baseline="0" dirty="0" err="1"/>
+              <a:t>biggby</a:t>
+            </a:r>
+            <a:r>
+              <a:rPr lang="en-US" baseline="0" dirty="0"/>
+              <a:t> we chose was the midpoint from where all team members live so it was the obvious choice.</a:t>
+            </a:r>
+          </a:p>
+          <a:p>
+            <a:pPr marL="0" indent="0">
+              <a:buFont typeface="Arial" panose="020B0604020202020204" pitchFamily="34" charset="0"/>
+              <a:buNone/>
+            </a:pPr>
+            <a:endParaRPr lang="en-US" baseline="0" dirty="0"/>
+          </a:p>
+          <a:p>
+            <a:pPr marL="0" indent="0">
+              <a:buFont typeface="Arial" panose="020B0604020202020204" pitchFamily="34" charset="0"/>
+              <a:buNone/>
+            </a:pPr>
             <a:r>
               <a:rPr lang="en-US" b="1" u="sng" baseline="0" dirty="0"/>
-              <a:t> code: </a:t>
-            </a:r>
-          </a:p>
-          <a:p>
-            <a:pPr marL="0" marR="0" lvl="0" indent="0" algn="l" defTabSz="914400" rtl="0" eaLnBrk="1" fontAlgn="auto" latinLnBrk="0" hangingPunct="1">
-              <a:lnSpc>
-                <a:spcPct val="100000"/>
-              </a:lnSpc>
-              <a:spcBef>
-                <a:spcPts val="0"/>
-              </a:spcBef>
-              <a:spcAft>
-                <a:spcPts val="0"/>
-              </a:spcAft>
-              <a:buClrTx/>
-              <a:buSzTx/>
-              <a:buFont typeface="Arial" panose="020B0604020202020204" pitchFamily="34" charset="0"/>
-              <a:buNone/>
-              <a:tabLst/>
-              <a:defRPr/>
-            </a:pPr>
-            <a:r>
-              <a:rPr lang="en-US" b="0" u="none" baseline="0" dirty="0"/>
-              <a:t>W</a:t>
-            </a:r>
-            <a:r>
-              <a:rPr lang="en-US" baseline="0" dirty="0"/>
-              <a:t>ill require one administrator (Cindy or Erik) review in order to commit to master branch. When uploading new source code files it will be uploaded to a separate protected branch.  In this separate branch team members will be able to upload changed files without having to worry about affecting the master branch. The master branch will act as the baseline for all artifacts. Protected branches by default require at least one review before committing to the master.</a:t>
-            </a:r>
-          </a:p>
-          <a:p>
-            <a:pPr marL="171450" marR="0" lvl="0" indent="-171450" algn="l" defTabSz="914400" rtl="0" eaLnBrk="1" fontAlgn="auto" latinLnBrk="0" hangingPunct="1">
-              <a:lnSpc>
-                <a:spcPct val="100000"/>
-              </a:lnSpc>
-              <a:spcBef>
-                <a:spcPts val="0"/>
-              </a:spcBef>
-              <a:spcAft>
-                <a:spcPts val="0"/>
-              </a:spcAft>
-              <a:buClrTx/>
-              <a:buSzTx/>
+              <a:t>Setting milestones for ourselves</a:t>
+            </a:r>
+          </a:p>
+          <a:p>
+            <a:pPr marL="171450" indent="-171450">
               <a:buFont typeface="Arial" panose="020B0604020202020204" pitchFamily="34" charset="0"/>
               <a:buChar char="•"/>
-              <a:tabLst/>
-              <a:defRPr/>
-            </a:pPr>
+            </a:pPr>
+            <a:r>
+              <a:rPr lang="en-US" b="0" u="none" baseline="0" dirty="0"/>
+              <a:t>Motivated us to start working but we all started working on assigned task the night before our “self-set” milestone </a:t>
+            </a:r>
+          </a:p>
+          <a:p>
+            <a:pPr marL="1371600" lvl="3" indent="0">
+              <a:buFont typeface="Arial" panose="020B0604020202020204" pitchFamily="34" charset="0"/>
+              <a:buNone/>
+            </a:pPr>
+            <a:r>
+              <a:rPr lang="en-US" b="0" u="none" baseline="0" dirty="0"/>
+              <a:t>This last point will transition into the next slide </a:t>
+            </a:r>
+          </a:p>
+          <a:p>
             <a:endParaRPr lang="en-US" baseline="0" dirty="0"/>
           </a:p>
           <a:p>
-            <a:pPr marL="171450" marR="0" lvl="0" indent="-171450" algn="l" defTabSz="914400" rtl="0" eaLnBrk="1" fontAlgn="auto" latinLnBrk="0" hangingPunct="1">
-              <a:lnSpc>
-                <a:spcPct val="100000"/>
-              </a:lnSpc>
-              <a:spcBef>
-                <a:spcPts val="0"/>
-              </a:spcBef>
-              <a:spcAft>
-                <a:spcPts val="0"/>
-              </a:spcAft>
-              <a:buClrTx/>
-              <a:buSzTx/>
-              <a:buFont typeface="Arial" panose="020B0604020202020204" pitchFamily="34" charset="0"/>
-              <a:buChar char="•"/>
-              <a:tabLst/>
-              <a:defRPr/>
-            </a:pPr>
-            <a:r>
-              <a:rPr lang="en-US" b="1" u="sng" baseline="0" dirty="0"/>
-              <a:t>Other artifacts: </a:t>
-            </a:r>
-          </a:p>
-          <a:p>
-            <a:pPr marL="0" marR="0" lvl="0" indent="0" algn="l" defTabSz="914400" rtl="0" eaLnBrk="1" fontAlgn="auto" latinLnBrk="0" hangingPunct="1">
-              <a:lnSpc>
-                <a:spcPct val="100000"/>
-              </a:lnSpc>
-              <a:spcBef>
-                <a:spcPts val="0"/>
-              </a:spcBef>
-              <a:spcAft>
-                <a:spcPts val="0"/>
-              </a:spcAft>
-              <a:buClrTx/>
-              <a:buSzTx/>
-              <a:buFont typeface="Arial" panose="020B0604020202020204" pitchFamily="34" charset="0"/>
-              <a:buNone/>
-              <a:tabLst/>
-              <a:defRPr/>
-            </a:pPr>
-            <a:r>
-              <a:rPr lang="en-US" b="0" u="none" baseline="0" dirty="0"/>
-              <a:t>Files that are non-source code can be uploaded directly to the master branch without review during part 1 of SPMP. Files that are still in progress will have an _ in the title.  Those without a “_” will be assumed to be 100% complete.</a:t>
-            </a:r>
-          </a:p>
-          <a:p>
-            <a:pPr marL="171450" marR="0" lvl="0" indent="-171450" algn="l" defTabSz="914400" rtl="0" eaLnBrk="1" fontAlgn="auto" latinLnBrk="0" hangingPunct="1">
-              <a:lnSpc>
-                <a:spcPct val="100000"/>
-              </a:lnSpc>
-              <a:spcBef>
-                <a:spcPts val="0"/>
-              </a:spcBef>
-              <a:spcAft>
-                <a:spcPts val="0"/>
-              </a:spcAft>
-              <a:buClrTx/>
-              <a:buSzTx/>
-              <a:buFont typeface="Arial" panose="020B0604020202020204" pitchFamily="34" charset="0"/>
-              <a:buChar char="•"/>
-              <a:tabLst/>
-              <a:defRPr/>
-            </a:pPr>
-            <a:r>
-              <a:rPr lang="en-US" b="0" u="none" baseline="0" dirty="0"/>
-              <a:t>As far as the non-source code part, that method has been working and we did notify each other on slack whenever there was a new file uploaded. There were problems such as the formatting, that were brought to our attention because of this, but the method it’s self is a good starting place </a:t>
-            </a:r>
-            <a:endParaRPr lang="en-US" dirty="0"/>
+            <a:endParaRPr lang="en-US" baseline="0" dirty="0"/>
           </a:p>
         </p:txBody>
       </p:sp>
@@ -3623,7 +3805,7 @@
     </p:spTree>
     <p:extLst>
       <p:ext uri="{BB962C8B-B14F-4D97-AF65-F5344CB8AC3E}">
-        <p14:creationId xmlns:p14="http://schemas.microsoft.com/office/powerpoint/2010/main" val="2185845843"/>
+        <p14:creationId xmlns:p14="http://schemas.microsoft.com/office/powerpoint/2010/main" val="1228246"/>
       </p:ext>
     </p:extLst>
   </p:cSld>
@@ -3817,107 +3999,6 @@
           <a:bodyPr/>
           <a:lstStyle/>
           <a:p>
-            <a:r>
-              <a:rPr lang="en-US" b="1" u="sng" dirty="0"/>
-              <a:t>CS</a:t>
-            </a:r>
-          </a:p>
-          <a:p>
-            <a:r>
-              <a:rPr lang="en-US" b="1" u="sng" dirty="0"/>
-              <a:t>Early</a:t>
-            </a:r>
-            <a:r>
-              <a:rPr lang="en-US" b="1" u="sng" baseline="0" dirty="0"/>
-              <a:t> start:  </a:t>
-            </a:r>
-          </a:p>
-          <a:p>
-            <a:pPr marL="171450" indent="-171450">
-              <a:buFont typeface="Arial" panose="020B0604020202020204" pitchFamily="34" charset="0"/>
-              <a:buChar char="•"/>
-            </a:pPr>
-            <a:r>
-              <a:rPr lang="en-US" baseline="0" dirty="0"/>
-              <a:t>Before the we chose teams, </a:t>
-            </a:r>
-            <a:r>
-              <a:rPr lang="en-US" baseline="0" dirty="0" err="1"/>
-              <a:t>Durwin</a:t>
-            </a:r>
-            <a:r>
-              <a:rPr lang="en-US" baseline="0" dirty="0"/>
-              <a:t> and Erik had discussed tools. We also had a small meeting the same day teams were chosen and had meetings since then.</a:t>
-            </a:r>
-          </a:p>
-          <a:p>
-            <a:pPr marL="171450" indent="-171450">
-              <a:buFont typeface="Arial" panose="020B0604020202020204" pitchFamily="34" charset="0"/>
-              <a:buChar char="•"/>
-            </a:pPr>
-            <a:r>
-              <a:rPr lang="en-US" baseline="0" dirty="0"/>
-              <a:t>Through these meetings we were able to minimize the time spent deciding on a meeting location and  on the methods of communication before the SPMP was assigned.</a:t>
-            </a:r>
-          </a:p>
-          <a:p>
-            <a:endParaRPr lang="en-US" baseline="0" dirty="0"/>
-          </a:p>
-          <a:p>
-            <a:r>
-              <a:rPr lang="en-US" b="1" u="sng" baseline="0" dirty="0"/>
-              <a:t>Establishing in-person meetings: </a:t>
-            </a:r>
-          </a:p>
-          <a:p>
-            <a:pPr marL="171450" indent="-171450">
-              <a:buFont typeface="Arial" panose="020B0604020202020204" pitchFamily="34" charset="0"/>
-              <a:buChar char="•"/>
-            </a:pPr>
-            <a:r>
-              <a:rPr lang="en-US" baseline="0" dirty="0"/>
-              <a:t>Setting up required in-person meetings allowed us to discuss tools, skillsets and assign any tasks we knew we could expect on the SPMP</a:t>
-            </a:r>
-          </a:p>
-          <a:p>
-            <a:r>
-              <a:rPr lang="en-US" baseline="0" dirty="0"/>
-              <a:t>		     </a:t>
-            </a:r>
-            <a:endParaRPr lang="en-US" dirty="0"/>
-          </a:p>
-          <a:p>
-            <a:r>
-              <a:rPr lang="en-US" b="1" u="sng" dirty="0"/>
-              <a:t>Selection</a:t>
-            </a:r>
-            <a:r>
-              <a:rPr lang="en-US" b="1" u="sng" baseline="0" dirty="0"/>
-              <a:t> of time tracking tool: </a:t>
-            </a:r>
-          </a:p>
-          <a:p>
-            <a:pPr marL="171450" indent="-171450">
-              <a:buFont typeface="Arial" panose="020B0604020202020204" pitchFamily="34" charset="0"/>
-              <a:buChar char="•"/>
-            </a:pPr>
-            <a:r>
-              <a:rPr lang="en-US" b="0" u="none" baseline="0" dirty="0"/>
-              <a:t>H</a:t>
-            </a:r>
-            <a:r>
-              <a:rPr lang="en-US" dirty="0"/>
-              <a:t>elped</a:t>
-            </a:r>
-            <a:r>
-              <a:rPr lang="en-US" baseline="0" dirty="0"/>
-              <a:t> with determining the Estimates. Using the reports generated in Toggl, we were able to see which tasks were taking up the most time and effort and individual times. We were able to assign tasks based on each persons individual time.</a:t>
-            </a:r>
-          </a:p>
-          <a:p>
-            <a:endParaRPr lang="en-US" baseline="0" dirty="0"/>
-          </a:p>
-          <a:p>
             <a:pPr marL="0" marR="0" lvl="0" indent="0" algn="l" defTabSz="914400" rtl="0" eaLnBrk="1" fontAlgn="auto" latinLnBrk="0" hangingPunct="1">
               <a:lnSpc>
                 <a:spcPct val="100000"/>
@@ -3936,12 +4017,12 @@
               <a:defRPr/>
             </a:pPr>
             <a:r>
-              <a:rPr lang="en-US" b="1" u="sng" baseline="0" dirty="0"/>
-              <a:t>Training tools: </a:t>
-            </a:r>
-          </a:p>
-          <a:p>
-            <a:pPr marL="171450" marR="0" lvl="0" indent="-171450" algn="l" defTabSz="914400" rtl="0" eaLnBrk="1" fontAlgn="auto" latinLnBrk="0" hangingPunct="1">
+              <a:rPr lang="en-US" b="0" u="none" dirty="0"/>
+              <a:t>CS</a:t>
+            </a:r>
+          </a:p>
+          <a:p>
+            <a:pPr marL="0" marR="0" lvl="0" indent="0" algn="l" defTabSz="914400" rtl="0" eaLnBrk="1" fontAlgn="auto" latinLnBrk="0" hangingPunct="1">
               <a:lnSpc>
                 <a:spcPct val="100000"/>
               </a:lnSpc>
@@ -3953,120 +4034,382 @@
               </a:spcAft>
               <a:buClrTx/>
               <a:buSzTx/>
-              <a:buFont typeface="Arial" panose="020B0604020202020204" pitchFamily="34" charset="0"/>
-              <a:buChar char="•"/>
+              <a:buFontTx/>
+              <a:buNone/>
               <a:tabLst/>
               <a:defRPr/>
             </a:pPr>
+            <a:endParaRPr lang="en-US" b="1" u="sng" dirty="0"/>
+          </a:p>
+          <a:p>
+            <a:pPr marL="0" marR="0" lvl="0" indent="0" algn="l" defTabSz="914400" rtl="0" eaLnBrk="1" fontAlgn="auto" latinLnBrk="0" hangingPunct="1">
+              <a:lnSpc>
+                <a:spcPct val="100000"/>
+              </a:lnSpc>
+              <a:spcBef>
+                <a:spcPts val="0"/>
+              </a:spcBef>
+              <a:spcAft>
+                <a:spcPts val="0"/>
+              </a:spcAft>
+              <a:buClrTx/>
+              <a:buSzTx/>
+              <a:buFontTx/>
+              <a:buNone/>
+              <a:tabLst/>
+              <a:defRPr/>
+            </a:pPr>
+            <a:r>
+              <a:rPr lang="en-US" b="1" u="sng" dirty="0"/>
+              <a:t>SPMP Formatting and Style</a:t>
+            </a:r>
+          </a:p>
+          <a:p>
+            <a:pPr marL="0" marR="0" lvl="0" indent="0" algn="l" defTabSz="914400" rtl="0" eaLnBrk="1" fontAlgn="auto" latinLnBrk="0" hangingPunct="1">
+              <a:lnSpc>
+                <a:spcPct val="100000"/>
+              </a:lnSpc>
+              <a:spcBef>
+                <a:spcPts val="0"/>
+              </a:spcBef>
+              <a:spcAft>
+                <a:spcPts val="0"/>
+              </a:spcAft>
+              <a:buClrTx/>
+              <a:buSzTx/>
+              <a:buFontTx/>
+              <a:buNone/>
+              <a:tabLst/>
+              <a:defRPr/>
+            </a:pPr>
+            <a:r>
+              <a:rPr lang="en-US" b="0" u="none" baseline="0" dirty="0"/>
+              <a:t>Not deciding on a format style earlier.</a:t>
+            </a:r>
+          </a:p>
+          <a:p>
+            <a:pPr marL="0" marR="0" lvl="0" indent="0" algn="l" defTabSz="914400" rtl="0" eaLnBrk="1" fontAlgn="auto" latinLnBrk="0" hangingPunct="1">
+              <a:lnSpc>
+                <a:spcPct val="100000"/>
+              </a:lnSpc>
+              <a:spcBef>
+                <a:spcPts val="0"/>
+              </a:spcBef>
+              <a:spcAft>
+                <a:spcPts val="0"/>
+              </a:spcAft>
+              <a:buClrTx/>
+              <a:buSzTx/>
+              <a:buFontTx/>
+              <a:buNone/>
+              <a:tabLst/>
+              <a:defRPr/>
+            </a:pPr>
+            <a:endParaRPr lang="en-US" b="1" u="sng" dirty="0"/>
+          </a:p>
+          <a:p>
+            <a:pPr marL="0" marR="0" lvl="0" indent="0" algn="l" defTabSz="914400" rtl="0" eaLnBrk="1" fontAlgn="auto" latinLnBrk="0" hangingPunct="1">
+              <a:lnSpc>
+                <a:spcPct val="100000"/>
+              </a:lnSpc>
+              <a:spcBef>
+                <a:spcPts val="0"/>
+              </a:spcBef>
+              <a:spcAft>
+                <a:spcPts val="0"/>
+              </a:spcAft>
+              <a:buClrTx/>
+              <a:buSzTx/>
+              <a:buFontTx/>
+              <a:buNone/>
+              <a:tabLst/>
+              <a:defRPr/>
+            </a:pPr>
+            <a:r>
+              <a:rPr lang="en-US" b="1" u="sng" dirty="0"/>
+              <a:t>Artifact Review Method</a:t>
+            </a:r>
+          </a:p>
+          <a:p>
+            <a:pPr marL="0" marR="0" lvl="0" indent="0" algn="l" defTabSz="914400" rtl="0" eaLnBrk="1" fontAlgn="auto" latinLnBrk="0" hangingPunct="1">
+              <a:lnSpc>
+                <a:spcPct val="100000"/>
+              </a:lnSpc>
+              <a:spcBef>
+                <a:spcPts val="0"/>
+              </a:spcBef>
+              <a:spcAft>
+                <a:spcPts val="0"/>
+              </a:spcAft>
+              <a:buClrTx/>
+              <a:buSzTx/>
+              <a:buFontTx/>
+              <a:buNone/>
+              <a:tabLst/>
+              <a:defRPr/>
+            </a:pPr>
+            <a:r>
+              <a:rPr lang="en-US" b="0" u="none" dirty="0"/>
+              <a:t>Asking other team member</a:t>
+            </a:r>
+            <a:r>
+              <a:rPr lang="en-US" b="0" u="none" baseline="0" dirty="0"/>
+              <a:t>s to review things but not knowing which document to review first based on dependencies and priority</a:t>
+            </a:r>
+          </a:p>
+          <a:p>
+            <a:pPr marL="0" marR="0" lvl="0" indent="0" algn="l" defTabSz="914400" rtl="0" eaLnBrk="1" fontAlgn="auto" latinLnBrk="0" hangingPunct="1">
+              <a:lnSpc>
+                <a:spcPct val="100000"/>
+              </a:lnSpc>
+              <a:spcBef>
+                <a:spcPts val="0"/>
+              </a:spcBef>
+              <a:spcAft>
+                <a:spcPts val="0"/>
+              </a:spcAft>
+              <a:buClrTx/>
+              <a:buSzTx/>
+              <a:buFontTx/>
+              <a:buNone/>
+              <a:tabLst/>
+              <a:defRPr/>
+            </a:pPr>
+            <a:endParaRPr lang="en-US" b="0" u="none" baseline="0" dirty="0"/>
+          </a:p>
+          <a:p>
+            <a:pPr marL="0" marR="0" lvl="0" indent="0" algn="l" defTabSz="914400" rtl="0" eaLnBrk="1" fontAlgn="auto" latinLnBrk="0" hangingPunct="1">
+              <a:lnSpc>
+                <a:spcPct val="100000"/>
+              </a:lnSpc>
+              <a:spcBef>
+                <a:spcPts val="0"/>
+              </a:spcBef>
+              <a:spcAft>
+                <a:spcPts val="0"/>
+              </a:spcAft>
+              <a:buClrTx/>
+              <a:buSzTx/>
+              <a:buFontTx/>
+              <a:buNone/>
+              <a:tabLst/>
+              <a:defRPr/>
+            </a:pPr>
+            <a:r>
+              <a:rPr lang="en-US" b="1" u="sng" baseline="0" dirty="0" err="1"/>
+              <a:t>Wrike</a:t>
+            </a:r>
+            <a:r>
+              <a:rPr lang="en-US" b="1" u="sng" baseline="0" dirty="0"/>
+              <a:t> under-utilized</a:t>
+            </a:r>
+          </a:p>
+          <a:p>
+            <a:pPr marL="0" marR="0" lvl="0" indent="0" algn="l" defTabSz="914400" rtl="0" eaLnBrk="1" fontAlgn="auto" latinLnBrk="0" hangingPunct="1">
+              <a:lnSpc>
+                <a:spcPct val="100000"/>
+              </a:lnSpc>
+              <a:spcBef>
+                <a:spcPts val="0"/>
+              </a:spcBef>
+              <a:spcAft>
+                <a:spcPts val="0"/>
+              </a:spcAft>
+              <a:buClrTx/>
+              <a:buSzTx/>
+              <a:buFontTx/>
+              <a:buNone/>
+              <a:tabLst/>
+              <a:defRPr/>
+            </a:pPr>
+            <a:r>
+              <a:rPr lang="en-US" b="0" u="none" baseline="0" dirty="0"/>
+              <a:t>We intended to use Wrike as a replacement tool for Microsoft Project because not all team member were accessible to it. The point of Wrike was to assign tasks to team members. For the first half of the project, that functionality of Wrike was not utilized because instead team members would just check meeting minutes (where assigned tasks were also mentioned because tasks were usually assigned during in-person meetings) Wrike only contained the SPMP tasks but not the little tasks in between such as sending emails, uploading </a:t>
+            </a:r>
+            <a:r>
+              <a:rPr lang="en-US" b="0" u="none" baseline="0" dirty="0" err="1"/>
+              <a:t>meeting_minutes</a:t>
+            </a:r>
+            <a:r>
+              <a:rPr lang="en-US" b="0" u="none" baseline="0" dirty="0"/>
+              <a:t> or progress reports.</a:t>
+            </a:r>
+          </a:p>
+          <a:p>
+            <a:pPr marL="0" marR="0" lvl="0" indent="0" algn="l" defTabSz="914400" rtl="0" eaLnBrk="1" fontAlgn="auto" latinLnBrk="0" hangingPunct="1">
+              <a:lnSpc>
+                <a:spcPct val="100000"/>
+              </a:lnSpc>
+              <a:spcBef>
+                <a:spcPts val="0"/>
+              </a:spcBef>
+              <a:spcAft>
+                <a:spcPts val="0"/>
+              </a:spcAft>
+              <a:buClrTx/>
+              <a:buSzTx/>
+              <a:buFontTx/>
+              <a:buNone/>
+              <a:tabLst/>
+              <a:defRPr/>
+            </a:pPr>
+            <a:endParaRPr lang="en-US" b="0" u="none" baseline="0" dirty="0"/>
+          </a:p>
+          <a:p>
+            <a:pPr marL="0" marR="0" lvl="0" indent="0" algn="l" defTabSz="914400" rtl="0" eaLnBrk="1" fontAlgn="auto" latinLnBrk="0" hangingPunct="1">
+              <a:lnSpc>
+                <a:spcPct val="100000"/>
+              </a:lnSpc>
+              <a:spcBef>
+                <a:spcPts val="0"/>
+              </a:spcBef>
+              <a:spcAft>
+                <a:spcPts val="0"/>
+              </a:spcAft>
+              <a:buClrTx/>
+              <a:buSzTx/>
+              <a:buFontTx/>
+              <a:buNone/>
+              <a:tabLst/>
+              <a:defRPr/>
+            </a:pPr>
+            <a:r>
+              <a:rPr lang="en-US" b="1" u="sng" dirty="0"/>
+              <a:t>Dependencies not established early</a:t>
+            </a:r>
+          </a:p>
+          <a:p>
+            <a:pPr marL="0" marR="0" lvl="0" indent="0" algn="l" defTabSz="914400" rtl="0" eaLnBrk="1" fontAlgn="auto" latinLnBrk="0" hangingPunct="1">
+              <a:lnSpc>
+                <a:spcPct val="100000"/>
+              </a:lnSpc>
+              <a:spcBef>
+                <a:spcPts val="0"/>
+              </a:spcBef>
+              <a:spcAft>
+                <a:spcPts val="0"/>
+              </a:spcAft>
+              <a:buClrTx/>
+              <a:buSzTx/>
+              <a:buFontTx/>
+              <a:buNone/>
+              <a:tabLst/>
+              <a:defRPr/>
+            </a:pPr>
+            <a:r>
+              <a:rPr lang="en-US" b="0" u="none" dirty="0"/>
+              <a:t>Not properly</a:t>
+            </a:r>
+            <a:r>
+              <a:rPr lang="en-US" b="0" u="none" baseline="0" dirty="0"/>
+              <a:t> checking the dependency of one task to another, put other people behind and cased a shift in work load for one person.</a:t>
+            </a:r>
+          </a:p>
+          <a:p>
+            <a:pPr marL="0" marR="0" lvl="0" indent="0" algn="l" defTabSz="914400" rtl="0" eaLnBrk="1" fontAlgn="auto" latinLnBrk="0" hangingPunct="1">
+              <a:lnSpc>
+                <a:spcPct val="100000"/>
+              </a:lnSpc>
+              <a:spcBef>
+                <a:spcPts val="0"/>
+              </a:spcBef>
+              <a:spcAft>
+                <a:spcPts val="0"/>
+              </a:spcAft>
+              <a:buClrTx/>
+              <a:buSzTx/>
+              <a:buFontTx/>
+              <a:buNone/>
+              <a:tabLst/>
+              <a:defRPr/>
+            </a:pPr>
+            <a:endParaRPr lang="en-US" b="0" u="none" baseline="0" dirty="0"/>
+          </a:p>
+          <a:p>
+            <a:pPr marL="0" marR="0" lvl="0" indent="0" algn="l" defTabSz="914400" rtl="0" eaLnBrk="1" fontAlgn="auto" latinLnBrk="0" hangingPunct="1">
+              <a:lnSpc>
+                <a:spcPct val="100000"/>
+              </a:lnSpc>
+              <a:spcBef>
+                <a:spcPts val="0"/>
+              </a:spcBef>
+              <a:spcAft>
+                <a:spcPts val="0"/>
+              </a:spcAft>
+              <a:buClrTx/>
+              <a:buSzTx/>
+              <a:buFontTx/>
+              <a:buNone/>
+              <a:tabLst/>
+              <a:defRPr/>
+            </a:pPr>
+            <a:r>
+              <a:rPr lang="en-US" b="1" u="sng" baseline="0" dirty="0"/>
+              <a:t>Communication With Project Managers</a:t>
+            </a:r>
+          </a:p>
+          <a:p>
+            <a:pPr marL="0" marR="0" lvl="0" indent="0" algn="l" defTabSz="914400" rtl="0" eaLnBrk="1" fontAlgn="auto" latinLnBrk="0" hangingPunct="1">
+              <a:lnSpc>
+                <a:spcPct val="100000"/>
+              </a:lnSpc>
+              <a:spcBef>
+                <a:spcPts val="0"/>
+              </a:spcBef>
+              <a:spcAft>
+                <a:spcPts val="0"/>
+              </a:spcAft>
+              <a:buClrTx/>
+              <a:buSzTx/>
+              <a:buFontTx/>
+              <a:buNone/>
+              <a:tabLst/>
+              <a:defRPr/>
+            </a:pPr>
+            <a:r>
+              <a:rPr lang="en-US" b="0" u="none" baseline="0" dirty="0"/>
+              <a:t>We added them onto our groups on Slack, Wrike, and GitHub. We did not add them to the general availability or exception calendar. But we asked them if they would be able to join us for our weekly Sunday meetings and they said that for the most part yes. At the end of Part1 we realized that the c</a:t>
+            </a:r>
+            <a:r>
+              <a:rPr lang="en-US" dirty="0"/>
+              <a:t>ommunication process was</a:t>
+            </a:r>
             <a:r>
               <a:rPr lang="en-US" baseline="0" dirty="0"/>
-              <a:t>Checking out the tools and tracking task time. Since only one team member had prior experience with a majority of the tools, it was necessary that the other team members became acquainted with the tools and understood the terminology that came with each one </a:t>
-            </a:r>
-            <a:r>
-              <a:rPr lang="en-US" baseline="0" dirty="0" err="1"/>
-              <a:t>i.e</a:t>
+              <a:t> not w</a:t>
+            </a:r>
+            <a:r>
+              <a:rPr lang="en-US" dirty="0"/>
+              <a:t>ell defined.</a:t>
             </a:r>
             <a:r>
               <a:rPr lang="en-US" baseline="0" dirty="0"/>
-              <a:t> committing to master on GitHub</a:t>
-            </a:r>
-          </a:p>
-          <a:p>
-            <a:endParaRPr lang="en-US" baseline="0" dirty="0"/>
-          </a:p>
-          <a:p>
-            <a:r>
-              <a:rPr lang="en-US" b="1" u="sng" baseline="0" dirty="0"/>
-              <a:t>Team communication: </a:t>
-            </a:r>
-          </a:p>
-          <a:p>
-            <a:pPr marL="171450" indent="-171450">
-              <a:buFont typeface="Arial" panose="020B0604020202020204" pitchFamily="34" charset="0"/>
-              <a:buChar char="•"/>
-            </a:pPr>
-            <a:r>
-              <a:rPr lang="en-US" baseline="0" dirty="0"/>
-              <a:t>All team members were required to sign off on meeting minutes and check slack at least once per day. Whenever a team member had questions or concerns regarding the SPMP, those questions or concerns were always heard and discussed or answered by either another team member, Project Manager or Steiner </a:t>
-            </a:r>
-          </a:p>
-          <a:p>
-            <a:endParaRPr lang="en-US" baseline="0" dirty="0"/>
-          </a:p>
-          <a:p>
-            <a:r>
-              <a:rPr lang="en-US" b="1" u="sng" baseline="0" dirty="0"/>
-              <a:t>Risk Mitigation: </a:t>
-            </a:r>
-          </a:p>
-          <a:p>
-            <a:pPr marL="171450" indent="-171450">
-              <a:buFont typeface="Arial" panose="020B0604020202020204" pitchFamily="34" charset="0"/>
-              <a:buChar char="•"/>
-            </a:pPr>
-            <a:r>
-              <a:rPr lang="en-US" baseline="0" dirty="0"/>
-              <a:t>When our primary meeting location (the library ) was not open or closed early. Our risk mitigation plan was put into action and told us to met at our secondary meeting location, </a:t>
-            </a:r>
-            <a:r>
-              <a:rPr lang="en-US" baseline="0" dirty="0" err="1"/>
-              <a:t>biggby</a:t>
-            </a:r>
-            <a:r>
-              <a:rPr lang="en-US" baseline="0" dirty="0"/>
-              <a:t>. The </a:t>
-            </a:r>
-            <a:r>
-              <a:rPr lang="en-US" baseline="0" dirty="0" err="1"/>
-              <a:t>biggby</a:t>
-            </a:r>
-            <a:r>
-              <a:rPr lang="en-US" baseline="0" dirty="0"/>
-              <a:t> we chose was the midpoint from where all team members live so it was the obvious choice.</a:t>
-            </a:r>
-          </a:p>
-          <a:p>
-            <a:pPr marL="0" indent="0">
-              <a:buFont typeface="Arial" panose="020B0604020202020204" pitchFamily="34" charset="0"/>
-              <a:buNone/>
-            </a:pPr>
-            <a:endParaRPr lang="en-US" baseline="0" dirty="0"/>
-          </a:p>
-          <a:p>
-            <a:pPr marL="0" indent="0">
-              <a:buFont typeface="Arial" panose="020B0604020202020204" pitchFamily="34" charset="0"/>
-              <a:buNone/>
-            </a:pPr>
-            <a:r>
-              <a:rPr lang="en-US" b="1" u="sng" baseline="0" dirty="0"/>
-              <a:t>Setting milestones for ourselves</a:t>
-            </a:r>
-          </a:p>
-          <a:p>
-            <a:pPr marL="171450" indent="-171450">
-              <a:buFont typeface="Arial" panose="020B0604020202020204" pitchFamily="34" charset="0"/>
-              <a:buChar char="•"/>
-            </a:pPr>
-            <a:r>
-              <a:rPr lang="en-US" b="0" u="none" baseline="0" dirty="0"/>
-              <a:t>Motivated us to start working but we all started working on assigned task the night before our “self-set” milestone </a:t>
-            </a:r>
-          </a:p>
-          <a:p>
-            <a:pPr marL="1371600" lvl="3" indent="0">
-              <a:buFont typeface="Arial" panose="020B0604020202020204" pitchFamily="34" charset="0"/>
-              <a:buNone/>
-            </a:pPr>
-            <a:r>
-              <a:rPr lang="en-US" b="0" u="none" baseline="0" dirty="0"/>
-              <a:t>This last point will transition into the next slide </a:t>
-            </a:r>
-          </a:p>
-          <a:p>
-            <a:endParaRPr lang="en-US" baseline="0" dirty="0"/>
-          </a:p>
-          <a:p>
-            <a:endParaRPr lang="en-US" baseline="0" dirty="0"/>
+              <a:t> We did not assign specific tasks to them and they did not know when or which parts of the SPMP to check first, they also were not told where to leave comments and feedback which in turn could be the reason why we felt we did not received adequate feedback.</a:t>
+            </a:r>
+            <a:endParaRPr lang="en-US" b="0" u="none" dirty="0"/>
+          </a:p>
+          <a:p>
+            <a:pPr marL="0" marR="0" lvl="0" indent="0" algn="l" defTabSz="914400" rtl="0" eaLnBrk="1" fontAlgn="auto" latinLnBrk="0" hangingPunct="1">
+              <a:lnSpc>
+                <a:spcPct val="100000"/>
+              </a:lnSpc>
+              <a:spcBef>
+                <a:spcPts val="0"/>
+              </a:spcBef>
+              <a:spcAft>
+                <a:spcPts val="0"/>
+              </a:spcAft>
+              <a:buClrTx/>
+              <a:buSzTx/>
+              <a:buFontTx/>
+              <a:buNone/>
+              <a:tabLst/>
+              <a:defRPr/>
+            </a:pPr>
+            <a:endParaRPr lang="en-US" b="0" u="none" dirty="0"/>
+          </a:p>
+          <a:p>
+            <a:endParaRPr lang="en-US" b="1" dirty="0"/>
           </a:p>
         </p:txBody>
       </p:sp>
@@ -4096,7 +4439,7 @@
     </p:spTree>
     <p:extLst>
       <p:ext uri="{BB962C8B-B14F-4D97-AF65-F5344CB8AC3E}">
-        <p14:creationId xmlns:p14="http://schemas.microsoft.com/office/powerpoint/2010/main" val="1228246"/>
+        <p14:creationId xmlns:p14="http://schemas.microsoft.com/office/powerpoint/2010/main" val="3678601128"/>
       </p:ext>
     </p:extLst>
   </p:cSld>
@@ -4150,417 +4493,177 @@
           <a:bodyPr/>
           <a:lstStyle/>
           <a:p>
-            <a:pPr marL="0" marR="0" lvl="0" indent="0" algn="l" defTabSz="914400" rtl="0" eaLnBrk="1" fontAlgn="auto" latinLnBrk="0" hangingPunct="1">
-              <a:lnSpc>
-                <a:spcPct val="100000"/>
-              </a:lnSpc>
-              <a:spcBef>
-                <a:spcPts val="0"/>
-              </a:spcBef>
-              <a:spcAft>
-                <a:spcPts val="0"/>
-              </a:spcAft>
-              <a:buClrTx/>
-              <a:buSzTx/>
-              <a:buFontTx/>
-              <a:buNone/>
-              <a:tabLst/>
-              <a:defRPr/>
-            </a:pPr>
             <a:r>
               <a:rPr lang="en-US" b="0" u="none" dirty="0"/>
               <a:t>CS</a:t>
             </a:r>
           </a:p>
           <a:p>
-            <a:pPr marL="0" marR="0" lvl="0" indent="0" algn="l" defTabSz="914400" rtl="0" eaLnBrk="1" fontAlgn="auto" latinLnBrk="0" hangingPunct="1">
-              <a:lnSpc>
-                <a:spcPct val="100000"/>
-              </a:lnSpc>
-              <a:spcBef>
-                <a:spcPts val="0"/>
-              </a:spcBef>
-              <a:spcAft>
-                <a:spcPts val="0"/>
-              </a:spcAft>
-              <a:buClrTx/>
-              <a:buSzTx/>
-              <a:buFontTx/>
-              <a:buNone/>
-              <a:tabLst/>
-              <a:defRPr/>
-            </a:pPr>
             <a:endParaRPr lang="en-US" b="1" u="sng" dirty="0"/>
           </a:p>
           <a:p>
-            <a:pPr marL="0" marR="0" lvl="0" indent="0" algn="l" defTabSz="914400" rtl="0" eaLnBrk="1" fontAlgn="auto" latinLnBrk="0" hangingPunct="1">
-              <a:lnSpc>
-                <a:spcPct val="100000"/>
-              </a:lnSpc>
-              <a:spcBef>
-                <a:spcPts val="0"/>
-              </a:spcBef>
-              <a:spcAft>
-                <a:spcPts val="0"/>
-              </a:spcAft>
-              <a:buClrTx/>
-              <a:buSzTx/>
-              <a:buFontTx/>
-              <a:buNone/>
-              <a:tabLst/>
-              <a:defRPr/>
-            </a:pPr>
             <a:r>
               <a:rPr lang="en-US" b="1" u="sng" dirty="0"/>
-              <a:t>SPMP Formatting and Style</a:t>
-            </a:r>
-          </a:p>
-          <a:p>
-            <a:pPr marL="0" marR="0" lvl="0" indent="0" algn="l" defTabSz="914400" rtl="0" eaLnBrk="1" fontAlgn="auto" latinLnBrk="0" hangingPunct="1">
-              <a:lnSpc>
-                <a:spcPct val="100000"/>
-              </a:lnSpc>
-              <a:spcBef>
-                <a:spcPts val="0"/>
-              </a:spcBef>
-              <a:spcAft>
-                <a:spcPts val="0"/>
-              </a:spcAft>
-              <a:buClrTx/>
-              <a:buSzTx/>
-              <a:buFontTx/>
-              <a:buNone/>
-              <a:tabLst/>
-              <a:defRPr/>
-            </a:pPr>
+              <a:t>Artifact format standards</a:t>
+            </a:r>
+            <a:endParaRPr lang="en-US" b="0" u="none" baseline="0" dirty="0"/>
+          </a:p>
+          <a:p>
+            <a:r>
+              <a:rPr lang="en-US" b="0" u="none" dirty="0"/>
+              <a:t>Deciding</a:t>
+            </a:r>
             <a:r>
               <a:rPr lang="en-US" b="0" u="none" baseline="0" dirty="0"/>
-              <a:t>Not deciding on a format style earlier.</a:t>
-            </a:r>
-          </a:p>
-          <a:p>
-            <a:pPr marL="0" marR="0" lvl="0" indent="0" algn="l" defTabSz="914400" rtl="0" eaLnBrk="1" fontAlgn="auto" latinLnBrk="0" hangingPunct="1">
-              <a:lnSpc>
-                <a:spcPct val="100000"/>
-              </a:lnSpc>
-              <a:spcBef>
-                <a:spcPts val="0"/>
-              </a:spcBef>
-              <a:spcAft>
-                <a:spcPts val="0"/>
-              </a:spcAft>
-              <a:buClrTx/>
-              <a:buSzTx/>
-              <a:buFontTx/>
-              <a:buNone/>
-              <a:tabLst/>
-              <a:defRPr/>
-            </a:pPr>
-            <a:endParaRPr lang="en-US" b="1" u="sng" dirty="0"/>
-          </a:p>
-          <a:p>
-            <a:pPr marL="0" marR="0" lvl="0" indent="0" algn="l" defTabSz="914400" rtl="0" eaLnBrk="1" fontAlgn="auto" latinLnBrk="0" hangingPunct="1">
-              <a:lnSpc>
-                <a:spcPct val="100000"/>
-              </a:lnSpc>
-              <a:spcBef>
-                <a:spcPts val="0"/>
-              </a:spcBef>
-              <a:spcAft>
-                <a:spcPts val="0"/>
-              </a:spcAft>
-              <a:buClrTx/>
-              <a:buSzTx/>
-              <a:buFontTx/>
-              <a:buNone/>
-              <a:tabLst/>
-              <a:defRPr/>
-            </a:pPr>
+              <a:t> on a format for documents i.e. what type of bullet points are we going to use, layout of page. (Style guide)</a:t>
+            </a:r>
+          </a:p>
+          <a:p>
+            <a:endParaRPr lang="en-US" b="0" u="none" baseline="0" dirty="0"/>
+          </a:p>
+          <a:p>
             <a:r>
               <a:rPr lang="en-US" b="1" u="sng" dirty="0"/>
-              <a:t>Artifact Review Method</a:t>
-            </a:r>
-          </a:p>
-          <a:p>
-            <a:pPr marL="0" marR="0" lvl="0" indent="0" algn="l" defTabSz="914400" rtl="0" eaLnBrk="1" fontAlgn="auto" latinLnBrk="0" hangingPunct="1">
-              <a:lnSpc>
-                <a:spcPct val="100000"/>
-              </a:lnSpc>
-              <a:spcBef>
-                <a:spcPts val="0"/>
-              </a:spcBef>
-              <a:spcAft>
-                <a:spcPts val="0"/>
-              </a:spcAft>
-              <a:buClrTx/>
-              <a:buSzTx/>
-              <a:buFontTx/>
-              <a:buNone/>
-              <a:tabLst/>
-              <a:defRPr/>
-            </a:pPr>
-            <a:r>
-              <a:rPr lang="en-US" b="0" u="none" dirty="0"/>
-              <a:t>Asking other team member</a:t>
-            </a:r>
+              <a:t>Establish artifact review</a:t>
+            </a:r>
+            <a:r>
+              <a:rPr lang="en-US" b="1" u="sng" baseline="0" dirty="0"/>
+              <a:t> method</a:t>
+            </a:r>
+          </a:p>
+          <a:p>
             <a:r>
               <a:rPr lang="en-US" b="0" u="none" baseline="0" dirty="0"/>
-              <a:t>s to review things but not knowing which document to review first based on dependencies and priority</a:t>
-            </a:r>
-          </a:p>
-          <a:p>
-            <a:pPr marL="0" marR="0" lvl="0" indent="0" algn="l" defTabSz="914400" rtl="0" eaLnBrk="1" fontAlgn="auto" latinLnBrk="0" hangingPunct="1">
-              <a:lnSpc>
-                <a:spcPct val="100000"/>
-              </a:lnSpc>
-              <a:spcBef>
-                <a:spcPts val="0"/>
-              </a:spcBef>
-              <a:spcAft>
-                <a:spcPts val="0"/>
-              </a:spcAft>
-              <a:buClrTx/>
-              <a:buSzTx/>
-              <a:buFontTx/>
-              <a:buNone/>
-              <a:tabLst/>
-              <a:defRPr/>
-            </a:pPr>
+              <a:t>The team has voted on using the “review” functionality on Microsoft Word to provide critiques on documents of other team members. To avoid overwriting the original, team members must make sure to save their document that contains critiques to a different name. If the document has a major dependency then the document should be reviewed first by the successor and the Project Managers.</a:t>
+            </a:r>
+          </a:p>
+          <a:p>
             <a:endParaRPr lang="en-US" b="0" u="none" baseline="0" dirty="0"/>
           </a:p>
           <a:p>
-            <a:pPr marL="0" marR="0" lvl="0" indent="0" algn="l" defTabSz="914400" rtl="0" eaLnBrk="1" fontAlgn="auto" latinLnBrk="0" hangingPunct="1">
-              <a:lnSpc>
-                <a:spcPct val="100000"/>
-              </a:lnSpc>
-              <a:spcBef>
-                <a:spcPts val="0"/>
-              </a:spcBef>
-              <a:spcAft>
-                <a:spcPts val="0"/>
-              </a:spcAft>
-              <a:buClrTx/>
-              <a:buSzTx/>
-              <a:buFontTx/>
-              <a:buNone/>
-              <a:tabLst/>
-              <a:defRPr/>
-            </a:pPr>
+            <a:r>
+              <a:rPr lang="en-US" b="1" u="sng" baseline="0" dirty="0"/>
+              <a:t>Use </a:t>
+            </a:r>
             <a:r>
               <a:rPr lang="en-US" b="1" u="sng" baseline="0" dirty="0" err="1"/>
               <a:t>Wrike</a:t>
             </a:r>
             <a:r>
               <a:rPr lang="en-US" b="1" u="sng" baseline="0" dirty="0"/>
-              <a:t> under-utilized</a:t>
-            </a:r>
-          </a:p>
-          <a:p>
-            <a:pPr marL="0" marR="0" lvl="0" indent="0" algn="l" defTabSz="914400" rtl="0" eaLnBrk="1" fontAlgn="auto" latinLnBrk="0" hangingPunct="1">
-              <a:lnSpc>
-                <a:spcPct val="100000"/>
-              </a:lnSpc>
-              <a:spcBef>
-                <a:spcPts val="0"/>
-              </a:spcBef>
-              <a:spcAft>
-                <a:spcPts val="0"/>
-              </a:spcAft>
-              <a:buClrTx/>
-              <a:buSzTx/>
-              <a:buFontTx/>
-              <a:buNone/>
-              <a:tabLst/>
-              <a:defRPr/>
-            </a:pPr>
+              <a:t> More</a:t>
+            </a:r>
+          </a:p>
+          <a:p>
             <a:r>
               <a:rPr lang="en-US" b="0" u="none" baseline="0" dirty="0"/>
-              <a:t>We intended to use Wrike as a replacement tool for Microsoft Project because not all team member were accessible to it. The point of Wrike was to assign tasks to team members. For the first half of the project, that functionality of Wrike was not utilized because instead team members would just check meeting minutes (where assigned tasks were also mentioned because tasks were usually assigned during in-person meetings) Wrike only contained the SPMP tasks but not the little tasks in between such as sending emails, uploading </a:t>
+              <a:t>Assign tasks for every task that was assigned during in-person meetings. Add in due dates and approximate time due. Set tasks as completed once they are completed. </a:t>
+            </a:r>
+            <a:endParaRPr lang="en-US" b="0" u="none" dirty="0"/>
+          </a:p>
+          <a:p>
+            <a:endParaRPr lang="en-US" b="0" u="none" baseline="0" dirty="0"/>
+          </a:p>
+          <a:p>
+            <a:r>
+              <a:rPr lang="en-US" b="1" u="sng" baseline="0" dirty="0"/>
+              <a:t>Reorganize repository </a:t>
+            </a:r>
+          </a:p>
+          <a:p>
+            <a:pPr marL="171450" indent="-171450">
+              <a:buFont typeface="Arial" panose="020B0604020202020204" pitchFamily="34" charset="0"/>
+              <a:buChar char="•"/>
+            </a:pPr>
+            <a:r>
+              <a:rPr lang="en-US" b="0" u="none" baseline="0" dirty="0"/>
+              <a:t>Moved all documents dealing with Phase 1 into Phase_1 folder</a:t>
+            </a:r>
+          </a:p>
+          <a:p>
+            <a:pPr marL="171450" indent="-171450">
+              <a:buFont typeface="Arial" panose="020B0604020202020204" pitchFamily="34" charset="0"/>
+              <a:buChar char="•"/>
+            </a:pPr>
+            <a:r>
+              <a:rPr lang="en-US" b="0" u="none" baseline="0" dirty="0"/>
+              <a:t>Created a folder "Phase 1" inside Documentation for Phase 1 items </a:t>
+            </a:r>
+          </a:p>
+          <a:p>
+            <a:pPr marL="171450" indent="-171450">
+              <a:buFont typeface="Arial" panose="020B0604020202020204" pitchFamily="34" charset="0"/>
+              <a:buChar char="•"/>
+            </a:pPr>
+            <a:r>
+              <a:rPr lang="en-US" b="0" u="none" baseline="0" dirty="0"/>
+              <a:t>Within Phase 1, moved individual components of the SPMP to </a:t>
             </a:r>
             <a:r>
               <a:rPr lang="en-US" b="0" u="none" baseline="0" dirty="0" err="1"/>
-              <a:t>meeting_minutes</a:t>
+              <a:t>Individual_Components</a:t>
             </a:r>
             <a:r>
               <a:rPr lang="en-US" b="0" u="none" baseline="0" dirty="0"/>
-              <a:t> or progress reports.</a:t>
-            </a:r>
-          </a:p>
-          <a:p>
-            <a:pPr marL="0" marR="0" lvl="0" indent="0" algn="l" defTabSz="914400" rtl="0" eaLnBrk="1" fontAlgn="auto" latinLnBrk="0" hangingPunct="1">
-              <a:lnSpc>
-                <a:spcPct val="100000"/>
-              </a:lnSpc>
-              <a:spcBef>
-                <a:spcPts val="0"/>
-              </a:spcBef>
-              <a:spcAft>
-                <a:spcPts val="0"/>
-              </a:spcAft>
-              <a:buClrTx/>
-              <a:buSzTx/>
-              <a:buFontTx/>
-              <a:buNone/>
-              <a:tabLst/>
-              <a:defRPr/>
-            </a:pPr>
+              <a:t> and left the SPMP directly inside Phase_1 </a:t>
+            </a:r>
+          </a:p>
+          <a:p>
+            <a:pPr marL="171450" indent="-171450">
+              <a:buFont typeface="Arial" panose="020B0604020202020204" pitchFamily="34" charset="0"/>
+              <a:buChar char="•"/>
+            </a:pPr>
+            <a:r>
+              <a:rPr lang="en-US" b="0" u="none" baseline="0" dirty="0"/>
+              <a:t>Created "</a:t>
+            </a:r>
+            <a:r>
+              <a:rPr lang="en-US" b="0" u="none" baseline="0" dirty="0" err="1"/>
+              <a:t>Work_In_Progress</a:t>
+            </a:r>
+            <a:r>
+              <a:rPr lang="en-US" b="0" u="none" baseline="0" dirty="0"/>
+              <a:t>" folder to be used for documentation and source you are presently working on</a:t>
+            </a:r>
+          </a:p>
+          <a:p>
+            <a:pPr marL="171450" indent="-171450">
+              <a:buFont typeface="Arial" panose="020B0604020202020204" pitchFamily="34" charset="0"/>
+              <a:buChar char="•"/>
+            </a:pPr>
+            <a:r>
+              <a:rPr lang="en-US" b="0" u="none" baseline="0" dirty="0"/>
+              <a:t>Created a folder for each team member by their initials inside "</a:t>
+            </a:r>
+            <a:r>
+              <a:rPr lang="en-US" b="0" u="none" baseline="0" dirty="0" err="1"/>
+              <a:t>Work_In_Progress</a:t>
+            </a:r>
+            <a:r>
+              <a:rPr lang="en-US" b="0" u="none" baseline="0" dirty="0"/>
+              <a:t>"</a:t>
+            </a:r>
+          </a:p>
+          <a:p>
+            <a:endParaRPr lang="en-US" b="0" u="sng" dirty="0"/>
+          </a:p>
+          <a:p>
             <a:endParaRPr lang="en-US" b="0" u="none" baseline="0" dirty="0"/>
           </a:p>
           <a:p>
-            <a:pPr marL="0" marR="0" lvl="0" indent="0" algn="l" defTabSz="914400" rtl="0" eaLnBrk="1" fontAlgn="auto" latinLnBrk="0" hangingPunct="1">
-              <a:lnSpc>
-                <a:spcPct val="100000"/>
-              </a:lnSpc>
-              <a:spcBef>
-                <a:spcPts val="0"/>
-              </a:spcBef>
-              <a:spcAft>
-                <a:spcPts val="0"/>
-              </a:spcAft>
-              <a:buClrTx/>
-              <a:buSzTx/>
-              <a:buFontTx/>
-              <a:buNone/>
-              <a:tabLst/>
-              <a:defRPr/>
-            </a:pPr>
-            <a:r>
-              <a:rPr lang="en-US" b="1" u="sng" dirty="0"/>
-              <a:t>Dependencies not established early</a:t>
-            </a:r>
-          </a:p>
-          <a:p>
-            <a:pPr marL="0" marR="0" lvl="0" indent="0" algn="l" defTabSz="914400" rtl="0" eaLnBrk="1" fontAlgn="auto" latinLnBrk="0" hangingPunct="1">
-              <a:lnSpc>
-                <a:spcPct val="100000"/>
-              </a:lnSpc>
-              <a:spcBef>
-                <a:spcPts val="0"/>
-              </a:spcBef>
-              <a:spcAft>
-                <a:spcPts val="0"/>
-              </a:spcAft>
-              <a:buClrTx/>
-              <a:buSzTx/>
-              <a:buFontTx/>
-              <a:buNone/>
-              <a:tabLst/>
-              <a:defRPr/>
-            </a:pPr>
-            <a:r>
-              <a:rPr lang="en-US" b="0" u="none" dirty="0"/>
-              <a:t>Not properly</a:t>
-            </a:r>
+            <a:r>
+              <a:rPr lang="en-US" b="1" u="sng" baseline="0" dirty="0"/>
+              <a:t>Formalize PM communication</a:t>
+            </a:r>
+          </a:p>
+          <a:p>
             <a:r>
               <a:rPr lang="en-US" b="0" u="none" baseline="0" dirty="0"/>
-              <a:t> checking the dependency of one task to another, put other people behind and cased a shift in work load for one person.</a:t>
-            </a:r>
-          </a:p>
-          <a:p>
-            <a:pPr marL="0" marR="0" lvl="0" indent="0" algn="l" defTabSz="914400" rtl="0" eaLnBrk="1" fontAlgn="auto" latinLnBrk="0" hangingPunct="1">
-              <a:lnSpc>
-                <a:spcPct val="100000"/>
-              </a:lnSpc>
-              <a:spcBef>
-                <a:spcPts val="0"/>
-              </a:spcBef>
-              <a:spcAft>
-                <a:spcPts val="0"/>
-              </a:spcAft>
-              <a:buClrTx/>
-              <a:buSzTx/>
-              <a:buFontTx/>
-              <a:buNone/>
-              <a:tabLst/>
-              <a:defRPr/>
-            </a:pPr>
+              <a:t>Assign the Project Managers task on Wrike. Sending reminder messages about the tasks they were assigned. Add them to the general availability sheet to be aware of when they are free. Also include them in the Expectation Calendar so they can add in days they know they will not be available. </a:t>
+            </a:r>
+          </a:p>
+          <a:p>
             <a:endParaRPr lang="en-US" b="0" u="none" baseline="0" dirty="0"/>
-          </a:p>
-          <a:p>
-            <a:pPr marL="0" marR="0" lvl="0" indent="0" algn="l" defTabSz="914400" rtl="0" eaLnBrk="1" fontAlgn="auto" latinLnBrk="0" hangingPunct="1">
-              <a:lnSpc>
-                <a:spcPct val="100000"/>
-              </a:lnSpc>
-              <a:spcBef>
-                <a:spcPts val="0"/>
-              </a:spcBef>
-              <a:spcAft>
-                <a:spcPts val="0"/>
-              </a:spcAft>
-              <a:buClrTx/>
-              <a:buSzTx/>
-              <a:buFontTx/>
-              <a:buNone/>
-              <a:tabLst/>
-              <a:defRPr/>
-            </a:pPr>
-            <a:r>
-              <a:rPr lang="en-US" b="1" u="sng" baseline="0" dirty="0"/>
-              <a:t>Communication With Project Managers</a:t>
-            </a:r>
-          </a:p>
-          <a:p>
-            <a:pPr marL="0" marR="0" lvl="0" indent="0" algn="l" defTabSz="914400" rtl="0" eaLnBrk="1" fontAlgn="auto" latinLnBrk="0" hangingPunct="1">
-              <a:lnSpc>
-                <a:spcPct val="100000"/>
-              </a:lnSpc>
-              <a:spcBef>
-                <a:spcPts val="0"/>
-              </a:spcBef>
-              <a:spcAft>
-                <a:spcPts val="0"/>
-              </a:spcAft>
-              <a:buClrTx/>
-              <a:buSzTx/>
-              <a:buFontTx/>
-              <a:buNone/>
-              <a:tabLst/>
-              <a:defRPr/>
-            </a:pPr>
-            <a:r>
-              <a:rPr lang="en-US" b="0" u="none" baseline="0" dirty="0"/>
-              <a:t>We added them onto our groups on Slack, Wrike, and GitHub. We did not add them to the general availability or exception calendar. But we asked them if they would be able to join us for our weekly Sunday meetings and they said that for the most part yes. At the end of Part1 we realized that the c</a:t>
-            </a:r>
-            <a:r>
-              <a:rPr lang="en-US" dirty="0"/>
-              <a:t>ommunication process was</a:t>
-            </a:r>
-            <a:r>
-              <a:rPr lang="en-US" baseline="0" dirty="0"/>
-              <a:t> not w</a:t>
-            </a:r>
-            <a:r>
-              <a:rPr lang="en-US" dirty="0"/>
-              <a:t>ell defined.</a:t>
-            </a:r>
-            <a:r>
-              <a:rPr lang="en-US" baseline="0" dirty="0"/>
-              <a:t> We did not assign specific tasks to them and they did not know when or which parts of the SPMP to check first, they also were not told where to leave comments and feedback which in turn could be the reason why we felt we did not received adequate feedback.</a:t>
-            </a:r>
-            <a:endParaRPr lang="en-US" b="0" u="none" dirty="0"/>
-          </a:p>
-          <a:p>
-            <a:pPr marL="0" marR="0" lvl="0" indent="0" algn="l" defTabSz="914400" rtl="0" eaLnBrk="1" fontAlgn="auto" latinLnBrk="0" hangingPunct="1">
-              <a:lnSpc>
-                <a:spcPct val="100000"/>
-              </a:lnSpc>
-              <a:spcBef>
-                <a:spcPts val="0"/>
-              </a:spcBef>
-              <a:spcAft>
-                <a:spcPts val="0"/>
-              </a:spcAft>
-              <a:buClrTx/>
-              <a:buSzTx/>
-              <a:buFontTx/>
-              <a:buNone/>
-              <a:tabLst/>
-              <a:defRPr/>
-            </a:pPr>
-            <a:endParaRPr lang="en-US" b="0" u="none" dirty="0"/>
-          </a:p>
-          <a:p>
-            <a:endParaRPr lang="en-US" b="1" dirty="0"/>
           </a:p>
         </p:txBody>
       </p:sp>
@@ -4590,7 +4693,7 @@
     </p:spTree>
     <p:extLst>
       <p:ext uri="{BB962C8B-B14F-4D97-AF65-F5344CB8AC3E}">
-        <p14:creationId xmlns:p14="http://schemas.microsoft.com/office/powerpoint/2010/main" val="3678601128"/>
+        <p14:creationId xmlns:p14="http://schemas.microsoft.com/office/powerpoint/2010/main" val="3815410767"/>
       </p:ext>
     </p:extLst>
   </p:cSld>
@@ -4645,260 +4748,6 @@
           <a:lstStyle/>
           <a:p>
             <a:r>
-              <a:rPr lang="en-US" b="0" u="none" dirty="0"/>
-              <a:t>CS</a:t>
-            </a:r>
-          </a:p>
-          <a:p>
-            <a:endParaRPr lang="en-US" b="1" u="sng" dirty="0"/>
-          </a:p>
-          <a:p>
-            <a:r>
-              <a:rPr lang="en-US" b="1" u="sng" dirty="0"/>
-              <a:t>Artifact format standards</a:t>
-            </a:r>
-            <a:endParaRPr lang="en-US" b="0" u="none" baseline="0" dirty="0"/>
-          </a:p>
-          <a:p>
-            <a:r>
-              <a:rPr lang="en-US" b="0" u="none" dirty="0"/>
-              <a:t>Deciding</a:t>
-            </a:r>
-            <a:r>
-              <a:rPr lang="en-US" b="0" u="none" baseline="0" dirty="0"/>
-              <a:t> on a format for documents i.e. what type of bullet points are we going to use, layout of page. (Style guide)</a:t>
-            </a:r>
-          </a:p>
-          <a:p>
-            <a:endParaRPr lang="en-US" b="0" u="none" baseline="0" dirty="0"/>
-          </a:p>
-          <a:p>
-            <a:r>
-              <a:rPr lang="en-US" b="1" u="sng" dirty="0"/>
-              <a:t>Establish artifact review</a:t>
-            </a:r>
-            <a:r>
-              <a:rPr lang="en-US" b="1" u="sng" baseline="0" dirty="0"/>
-              <a:t> method</a:t>
-            </a:r>
-          </a:p>
-          <a:p>
-            <a:r>
-              <a:rPr lang="en-US" b="0" u="none" baseline="0" dirty="0"/>
-              <a:t>The team has voted on using the “review” functionality on Microsoft Word to provide critiques on documents of other team members. To avoid overwriting the original, team members must make sure to save their document that contains critiques to a different name. If the document has a major dependency then the document should be reviewed first by the successor and the Project Managers.</a:t>
-            </a:r>
-          </a:p>
-          <a:p>
-            <a:endParaRPr lang="en-US" b="0" u="none" baseline="0" dirty="0"/>
-          </a:p>
-          <a:p>
-            <a:r>
-              <a:rPr lang="en-US" b="1" u="sng" baseline="0" dirty="0"/>
-              <a:t>Use </a:t>
-            </a:r>
-            <a:r>
-              <a:rPr lang="en-US" b="1" u="sng" baseline="0" dirty="0" err="1"/>
-              <a:t>Wrike</a:t>
-            </a:r>
-            <a:r>
-              <a:rPr lang="en-US" b="1" u="sng" baseline="0" dirty="0"/>
-              <a:t> More</a:t>
-            </a:r>
-          </a:p>
-          <a:p>
-            <a:r>
-              <a:rPr lang="en-US" b="0" u="none" baseline="0" dirty="0"/>
-              <a:t>Assign tasks for every task that was assigned during in-person meetings. Add in due dates and approximate time due. Set tasks as completed once they are completed. </a:t>
-            </a:r>
-            <a:endParaRPr lang="en-US" b="0" u="none" dirty="0"/>
-          </a:p>
-          <a:p>
-            <a:endParaRPr lang="en-US" b="0" u="none" baseline="0" dirty="0"/>
-          </a:p>
-          <a:p>
-            <a:r>
-              <a:rPr lang="en-US" b="1" u="sng" baseline="0" dirty="0"/>
-              <a:t>Reorganize repository </a:t>
-            </a:r>
-          </a:p>
-          <a:p>
-            <a:pPr marL="171450" indent="-171450">
-              <a:buFont typeface="Arial" panose="020B0604020202020204" pitchFamily="34" charset="0"/>
-              <a:buChar char="•"/>
-            </a:pPr>
-            <a:r>
-              <a:rPr lang="en-US" b="0" u="none" baseline="0" dirty="0"/>
-              <a:t>Moved all documents dealing with Phase 1 into Phase_1 folder</a:t>
-            </a:r>
-          </a:p>
-          <a:p>
-            <a:pPr marL="171450" indent="-171450">
-              <a:buFont typeface="Arial" panose="020B0604020202020204" pitchFamily="34" charset="0"/>
-              <a:buChar char="•"/>
-            </a:pPr>
-            <a:r>
-              <a:rPr lang="en-US" b="0" u="none" baseline="0" dirty="0"/>
-              <a:t>Created a folder "Phase 1" inside Documentation for Phase 1 items </a:t>
-            </a:r>
-          </a:p>
-          <a:p>
-            <a:pPr marL="171450" indent="-171450">
-              <a:buFont typeface="Arial" panose="020B0604020202020204" pitchFamily="34" charset="0"/>
-              <a:buChar char="•"/>
-            </a:pPr>
-            <a:r>
-              <a:rPr lang="en-US" b="0" u="none" baseline="0" dirty="0"/>
-              <a:t>Within Phase 1, moved individual components of the SPMP to </a:t>
-            </a:r>
-            <a:r>
-              <a:rPr lang="en-US" b="0" u="none" baseline="0" dirty="0" err="1"/>
-              <a:t>Individual_Components</a:t>
-            </a:r>
-            <a:r>
-              <a:rPr lang="en-US" b="0" u="none" baseline="0" dirty="0"/>
-              <a:t> and left the SPMP directly inside Phase_1 </a:t>
-            </a:r>
-          </a:p>
-          <a:p>
-            <a:pPr marL="171450" indent="-171450">
-              <a:buFont typeface="Arial" panose="020B0604020202020204" pitchFamily="34" charset="0"/>
-              <a:buChar char="•"/>
-            </a:pPr>
-            <a:r>
-              <a:rPr lang="en-US" b="0" u="none" baseline="0" dirty="0"/>
-              <a:t>Created "</a:t>
-            </a:r>
-            <a:r>
-              <a:rPr lang="en-US" b="0" u="none" baseline="0" dirty="0" err="1"/>
-              <a:t>Work_In_Progress</a:t>
-            </a:r>
-            <a:r>
-              <a:rPr lang="en-US" b="0" u="none" baseline="0" dirty="0"/>
-              <a:t>" folder to be used for documentation and source you are presently working on</a:t>
-            </a:r>
-          </a:p>
-          <a:p>
-            <a:pPr marL="171450" indent="-171450">
-              <a:buFont typeface="Arial" panose="020B0604020202020204" pitchFamily="34" charset="0"/>
-              <a:buChar char="•"/>
-            </a:pPr>
-            <a:r>
-              <a:rPr lang="en-US" b="0" u="none" baseline="0" dirty="0"/>
-              <a:t>Created a folder for each team member by their initials inside "</a:t>
-            </a:r>
-            <a:r>
-              <a:rPr lang="en-US" b="0" u="none" baseline="0" dirty="0" err="1"/>
-              <a:t>Work_In_Progress</a:t>
-            </a:r>
-            <a:r>
-              <a:rPr lang="en-US" b="0" u="none" baseline="0" dirty="0"/>
-              <a:t>"</a:t>
-            </a:r>
-          </a:p>
-          <a:p>
-            <a:endParaRPr lang="en-US" b="0" u="sng" dirty="0"/>
-          </a:p>
-          <a:p>
-            <a:endParaRPr lang="en-US" b="0" u="none" baseline="0" dirty="0"/>
-          </a:p>
-          <a:p>
-            <a:r>
-              <a:rPr lang="en-US" b="1" u="sng" baseline="0" dirty="0"/>
-              <a:t>Formalize PM communication</a:t>
-            </a:r>
-          </a:p>
-          <a:p>
-            <a:r>
-              <a:rPr lang="en-US" b="0" u="none" baseline="0" dirty="0"/>
-              <a:t>Assign the Project Managers task on Wrike. Sending reminder messages about the tasks they were assigned. Add them to the general availability sheet to be aware of when they are free. Also include them in the Expectation Calendar so they can add in days they know they will not be available. </a:t>
-            </a:r>
-          </a:p>
-          <a:p>
-            <a:endParaRPr lang="en-US" b="0" u="none" baseline="0" dirty="0"/>
-          </a:p>
-        </p:txBody>
-      </p:sp>
-      <p:sp>
-        <p:nvSpPr>
-          <p:cNvPr id="4" name="Slide Number Placeholder 3"/>
-          <p:cNvSpPr>
-            <a:spLocks noGrp="1"/>
-          </p:cNvSpPr>
-          <p:nvPr>
-            <p:ph type="sldNum" sz="quarter" idx="10"/>
-          </p:nvPr>
-        </p:nvSpPr>
-        <p:spPr/>
-        <p:txBody>
-          <a:bodyPr/>
-          <a:lstStyle/>
-          <a:p>
-            <a:fld id="{B621E0F3-BCE5-4552-9E75-AD4D9ACB2A2B}" type="slidenum">
-              <a:rPr lang="en-US" smtClean="0"/>
-              <a:t>22</a:t>
-            </a:fld>
-            <a:endParaRPr lang="en-US"/>
-          </a:p>
-        </p:txBody>
-      </p:sp>
-    </p:spTree>
-    <p:extLst>
-      <p:ext uri="{BB962C8B-B14F-4D97-AF65-F5344CB8AC3E}">
-        <p14:creationId xmlns:p14="http://schemas.microsoft.com/office/powerpoint/2010/main" val="3815410767"/>
-      </p:ext>
-    </p:extLst>
-  </p:cSld>
-  <p:clrMapOvr>
-    <a:masterClrMapping/>
-  </p:clrMapOvr>
-</p:notes>
-</file>
-
-<file path=ppt/notesSlides/notesSlide23.xml><?xml version="1.0" encoding="utf-8"?>
-<p:notes xmlns:a="http://schemas.openxmlformats.org/drawingml/2006/main" xmlns:r="http://schemas.openxmlformats.org/officeDocument/2006/relationships" xmlns:p="http://schemas.openxmlformats.org/presentationml/2006/main">
-  <p:cSld>
-    <p:spTree>
-      <p:nvGrpSpPr>
-        <p:cNvPr id="1" name=""/>
-        <p:cNvGrpSpPr/>
-        <p:nvPr/>
-      </p:nvGrpSpPr>
-      <p:grpSpPr>
-        <a:xfrm>
-          <a:off x="0" y="0"/>
-          <a:ext cx="0" cy="0"/>
-          <a:chOff x="0" y="0"/>
-          <a:chExt cx="0" cy="0"/>
-        </a:xfrm>
-      </p:grpSpPr>
-      <p:sp>
-        <p:nvSpPr>
-          <p:cNvPr id="2" name="Slide Image Placeholder 1"/>
-          <p:cNvSpPr>
-            <a:spLocks noGrp="1" noRot="1" noChangeAspect="1"/>
-          </p:cNvSpPr>
-          <p:nvPr>
-            <p:ph type="sldImg"/>
-          </p:nvPr>
-        </p:nvSpPr>
-        <p:spPr/>
-      </p:sp>
-      <p:sp>
-        <p:nvSpPr>
-          <p:cNvPr id="3" name="Notes Placeholder 2"/>
-          <p:cNvSpPr>
-            <a:spLocks noGrp="1"/>
-          </p:cNvSpPr>
-          <p:nvPr>
-            <p:ph type="body" idx="1"/>
-          </p:nvPr>
-        </p:nvSpPr>
-        <p:spPr/>
-        <p:txBody>
-          <a:bodyPr/>
-          <a:lstStyle/>
-          <a:p>
-            <a:r>
               <a:rPr lang="en-US" dirty="0"/>
               <a:t>CS &amp; EJ</a:t>
             </a:r>
@@ -5035,7 +4884,7 @@
           <a:p>
             <a:fld id="{B621E0F3-BCE5-4552-9E75-AD4D9ACB2A2B}" type="slidenum">
               <a:rPr lang="en-US" smtClean="0"/>
-              <a:t>23</a:t>
+              <a:t>22</a:t>
             </a:fld>
             <a:endParaRPr lang="en-US"/>
           </a:p>
@@ -13086,7 +12935,7 @@
   </p:txStyles>
   <p:extLst>
     <p:ext uri="{27BBF7A9-308A-43DC-89C8-2F10F3537804}">
-      <p15:sldGuideLst xmlns:p15="http://schemas.microsoft.com/office/powerpoint/2012/main" xmlns=""/>
+      <p15:sldGuideLst xmlns="" xmlns:p15="http://schemas.microsoft.com/office/powerpoint/2012/main"/>
     </p:ext>
   </p:extLst>
 </p:sldMaster>
@@ -13749,7 +13598,7 @@
   </p:txStyles>
   <p:extLst>
     <p:ext uri="{27BBF7A9-308A-43DC-89C8-2F10F3537804}">
-      <p15:sldGuideLst xmlns="" xmlns:p15="http://schemas.microsoft.com/office/powerpoint/2012/main"/>
+      <p15:sldGuideLst xmlns:p15="http://schemas.microsoft.com/office/powerpoint/2012/main" xmlns=""/>
     </p:ext>
   </p:extLst>
 </p:sldMaster>
@@ -13916,14 +13765,14 @@
           <a:p>
             <a:r>
               <a:rPr lang="en-US" dirty="0"/>
-              <a:t>Technology We Plan to Use</a:t>
+              <a:t>Estimates</a:t>
             </a:r>
             <a:br>
               <a:rPr lang="en-US" dirty="0"/>
             </a:br>
             <a:r>
               <a:rPr lang="en-US" sz="2800" dirty="0"/>
-              <a:t>Why these tools?</a:t>
+              <a:t>Part 1 Estimate</a:t>
             </a:r>
           </a:p>
         </p:txBody>
@@ -13940,47 +13789,23 @@
         </p:nvSpPr>
         <p:spPr/>
         <p:txBody>
-          <a:bodyPr>
-            <a:normAutofit/>
-          </a:bodyPr>
+          <a:bodyPr/>
           <a:lstStyle/>
           <a:p>
             <a:r>
               <a:rPr lang="en-US" dirty="0"/>
-              <a:t>Slack</a:t>
-            </a:r>
-          </a:p>
-          <a:p>
-            <a:r>
-              <a:rPr lang="en-US" dirty="0" err="1"/>
-              <a:t>Wrike</a:t>
-            </a:r>
+              <a:t>SPMP completion Estimate: 60 Hours</a:t>
+            </a:r>
+          </a:p>
+          <a:p>
             <a:endParaRPr lang="en-US" dirty="0"/>
-          </a:p>
-          <a:p>
-            <a:r>
-              <a:rPr lang="en-US" dirty="0"/>
-              <a:t>Toggl</a:t>
-            </a:r>
-          </a:p>
-          <a:p>
-            <a:r>
-              <a:rPr lang="en-US" dirty="0"/>
-              <a:t>GitHub</a:t>
-            </a:r>
-          </a:p>
-          <a:p>
-            <a:r>
-              <a:rPr lang="en-US" dirty="0"/>
-              <a:t>Microsoft Project</a:t>
-            </a:r>
           </a:p>
         </p:txBody>
       </p:sp>
     </p:spTree>
     <p:extLst>
       <p:ext uri="{BB962C8B-B14F-4D97-AF65-F5344CB8AC3E}">
-        <p14:creationId xmlns:p14="http://schemas.microsoft.com/office/powerpoint/2010/main" val="1833733067"/>
+        <p14:creationId xmlns:p14="http://schemas.microsoft.com/office/powerpoint/2010/main" val="1864266370"/>
       </p:ext>
     </p:extLst>
   </p:cSld>
@@ -14024,14 +13849,14 @@
           <a:p>
             <a:r>
               <a:rPr lang="en-US" dirty="0"/>
-              <a:t>Estimates</a:t>
+              <a:t>Estimates </a:t>
             </a:r>
             <a:br>
               <a:rPr lang="en-US" dirty="0"/>
             </a:br>
             <a:r>
               <a:rPr lang="en-US" sz="2800" dirty="0"/>
-              <a:t>Part 1 Estimate</a:t>
+              <a:t>Overall Project Initial Estimate</a:t>
             </a:r>
           </a:p>
         </p:txBody>
@@ -14048,15 +13873,60 @@
         </p:nvSpPr>
         <p:spPr/>
         <p:txBody>
-          <a:bodyPr/>
+          <a:bodyPr>
+            <a:normAutofit/>
+          </a:bodyPr>
           <a:lstStyle/>
           <a:p>
+            <a:pPr marL="45720" indent="0">
+              <a:buNone/>
+            </a:pPr>
+            <a:r>
+              <a:rPr lang="en-US" dirty="0"/>
+              <a:t>Overall Project initial</a:t>
+            </a:r>
+          </a:p>
+          <a:p>
+            <a:pPr lvl="1"/>
+            <a:r>
+              <a:rPr lang="en-US" dirty="0"/>
+              <a:t>Lines of code: 5000 lines of code, 102 Hours </a:t>
+            </a:r>
+          </a:p>
+          <a:p>
+            <a:pPr lvl="1"/>
+            <a:r>
+              <a:rPr lang="en-US" dirty="0"/>
+              <a:t>Function Estimate: 18 functions </a:t>
+            </a:r>
+          </a:p>
+          <a:p>
+            <a:pPr lvl="1"/>
+            <a:r>
+              <a:rPr lang="en-US" dirty="0"/>
+              <a:t>Task Estimate: 46 Hours per person, 184 Hours total</a:t>
+            </a:r>
+          </a:p>
+          <a:p>
+            <a:pPr lvl="1"/>
             <a:r>
               <a:rPr lang="en-US" dirty="0"/>
               <a:t>SPMP completion Estimate: 60 Hours</a:t>
             </a:r>
           </a:p>
           <a:p>
+            <a:pPr marL="45720" indent="0">
+              <a:buNone/>
+            </a:pPr>
+            <a:r>
+              <a:rPr lang="en-US" dirty="0"/>
+              <a:t>Total Overall Project time Estimate: 162 Hours</a:t>
+            </a:r>
+          </a:p>
+          <a:p>
+            <a:pPr marL="274320" lvl="1" indent="0">
+              <a:buNone/>
+            </a:pPr>
             <a:endParaRPr lang="en-US" dirty="0"/>
           </a:p>
         </p:txBody>
@@ -14064,7 +13934,7 @@
     </p:spTree>
     <p:extLst>
       <p:ext uri="{BB962C8B-B14F-4D97-AF65-F5344CB8AC3E}">
-        <p14:creationId xmlns:p14="http://schemas.microsoft.com/office/powerpoint/2010/main" val="1864266370"/>
+        <p14:creationId xmlns:p14="http://schemas.microsoft.com/office/powerpoint/2010/main" val="2167422120"/>
       </p:ext>
     </p:extLst>
   </p:cSld>
@@ -14115,7 +13985,7 @@
             </a:br>
             <a:r>
               <a:rPr lang="en-US" sz="2800" dirty="0"/>
-              <a:t>Overall Project Initial Estimate</a:t>
+              <a:t>Actual Part 1  Time Spent</a:t>
             </a:r>
           </a:p>
         </p:txBody>
@@ -14137,50 +14007,19 @@
           </a:bodyPr>
           <a:lstStyle/>
           <a:p>
+            <a:pPr marL="274320" lvl="1" indent="0">
+              <a:buNone/>
+            </a:pPr>
+            <a:r>
+              <a:rPr lang="en-US" dirty="0"/>
+              <a:t>Person-Hours spent so far: 116 Hours</a:t>
+            </a:r>
+          </a:p>
+          <a:p>
             <a:pPr marL="45720" indent="0">
               <a:buNone/>
             </a:pPr>
-            <a:r>
-              <a:rPr lang="en-US" dirty="0"/>
-              <a:t>Overall Project initial</a:t>
-            </a:r>
-          </a:p>
-          <a:p>
-            <a:pPr lvl="1"/>
-            <a:r>
-              <a:rPr lang="en-US" dirty="0"/>
-              <a:t>Lines of code: 5000 lines of code, 102 Hours </a:t>
-            </a:r>
-          </a:p>
-          <a:p>
-            <a:pPr lvl="1"/>
-            <a:r>
-              <a:rPr lang="en-US" dirty="0"/>
-              <a:t>Function Estimate: 18 functions </a:t>
-            </a:r>
-          </a:p>
-          <a:p>
-            <a:pPr lvl="1"/>
-            <a:r>
-              <a:rPr lang="en-US" dirty="0"/>
-              <a:t>Task Estimate: 46 Hours per person, 184 Hours total</a:t>
-            </a:r>
-          </a:p>
-          <a:p>
-            <a:pPr lvl="1"/>
-            <a:r>
-              <a:rPr lang="en-US" dirty="0"/>
-              <a:t>SPMP completion Estimate: 60 Hours</a:t>
-            </a:r>
-          </a:p>
-          <a:p>
-            <a:pPr marL="45720" indent="0">
-              <a:buNone/>
-            </a:pPr>
-            <a:r>
-              <a:rPr lang="en-US" dirty="0"/>
-              <a:t>Total Overall Project time Estimate: 162 Hours</a:t>
-            </a:r>
+            <a:endParaRPr lang="en-US" dirty="0"/>
           </a:p>
           <a:p>
             <a:pPr marL="274320" lvl="1" indent="0">
@@ -14193,7 +14032,7 @@
     </p:spTree>
     <p:extLst>
       <p:ext uri="{BB962C8B-B14F-4D97-AF65-F5344CB8AC3E}">
-        <p14:creationId xmlns:p14="http://schemas.microsoft.com/office/powerpoint/2010/main" val="2167422120"/>
+        <p14:creationId xmlns:p14="http://schemas.microsoft.com/office/powerpoint/2010/main" val="659889106"/>
       </p:ext>
     </p:extLst>
   </p:cSld>
@@ -14237,14 +14076,14 @@
           <a:p>
             <a:r>
               <a:rPr lang="en-US" dirty="0"/>
-              <a:t>Estimates </a:t>
+              <a:t>Estimates</a:t>
             </a:r>
             <a:br>
               <a:rPr lang="en-US" dirty="0"/>
             </a:br>
             <a:r>
               <a:rPr lang="en-US" sz="2800" dirty="0"/>
-              <a:t>Actual Part 1  Time Spent</a:t>
+              <a:t>Part 2 Estimate</a:t>
             </a:r>
           </a:p>
         </p:txBody>
@@ -14261,37 +14100,35 @@
         </p:nvSpPr>
         <p:spPr/>
         <p:txBody>
-          <a:bodyPr>
-            <a:normAutofit/>
-          </a:bodyPr>
+          <a:bodyPr/>
           <a:lstStyle/>
           <a:p>
-            <a:pPr marL="274320" lvl="1" indent="0">
-              <a:buNone/>
-            </a:pPr>
             <a:r>
               <a:rPr lang="en-US" dirty="0"/>
-              <a:t>Person-Hours spent so far: 116 Hours</a:t>
-            </a:r>
-          </a:p>
-          <a:p>
-            <a:pPr marL="45720" indent="0">
-              <a:buNone/>
-            </a:pPr>
+              <a:t>New Estimation Method:  Tasks</a:t>
+            </a:r>
+          </a:p>
+          <a:p>
+            <a:r>
+              <a:rPr lang="en-US" dirty="0"/>
+              <a:t>Part 2 Estimate (Tasks):  238 Hours</a:t>
+            </a:r>
+          </a:p>
+          <a:p>
             <a:endParaRPr lang="en-US" dirty="0"/>
           </a:p>
           <a:p>
-            <a:pPr marL="274320" lvl="1" indent="0">
-              <a:buNone/>
-            </a:pPr>
-            <a:endParaRPr lang="en-US" dirty="0"/>
+            <a:r>
+              <a:rPr lang="en-US" dirty="0"/>
+              <a:t>Why switch?</a:t>
+            </a:r>
           </a:p>
         </p:txBody>
       </p:sp>
     </p:spTree>
     <p:extLst>
       <p:ext uri="{BB962C8B-B14F-4D97-AF65-F5344CB8AC3E}">
-        <p14:creationId xmlns:p14="http://schemas.microsoft.com/office/powerpoint/2010/main" val="659889106"/>
+        <p14:creationId xmlns:p14="http://schemas.microsoft.com/office/powerpoint/2010/main" val="3381177137"/>
       </p:ext>
     </p:extLst>
   </p:cSld>
@@ -14342,7 +14179,7 @@
             </a:br>
             <a:r>
               <a:rPr lang="en-US" sz="2800" dirty="0"/>
-              <a:t>Part 2 Estimate</a:t>
+              <a:t>New Overall Project Estimate </a:t>
             </a:r>
           </a:p>
         </p:txBody>
@@ -14364,22 +14201,19 @@
           <a:p>
             <a:r>
               <a:rPr lang="en-US" dirty="0"/>
-              <a:t>New Estimation Method:  Tasks</a:t>
+              <a:t>Overall Estimate (LOC):  116 Hours (no change)</a:t>
             </a:r>
           </a:p>
           <a:p>
             <a:r>
               <a:rPr lang="en-US" dirty="0"/>
-              <a:t>Part 2 Estimate (Tasks):  238 Hours</a:t>
-            </a:r>
-          </a:p>
-          <a:p>
-            <a:endParaRPr lang="en-US" dirty="0"/>
-          </a:p>
-          <a:p>
-            <a:r>
-              <a:rPr lang="en-US" dirty="0"/>
-              <a:t>Why switch?</a:t>
+              <a:t>Overall Estimate (FPE):  808 Hours</a:t>
+            </a:r>
+          </a:p>
+          <a:p>
+            <a:r>
+              <a:rPr lang="en-US" b="1" dirty="0"/>
+              <a:t>Overall Estimate (Tasks):  538 Hours</a:t>
             </a:r>
           </a:p>
         </p:txBody>
@@ -14387,7 +14221,7 @@
     </p:spTree>
     <p:extLst>
       <p:ext uri="{BB962C8B-B14F-4D97-AF65-F5344CB8AC3E}">
-        <p14:creationId xmlns:p14="http://schemas.microsoft.com/office/powerpoint/2010/main" val="3381177137"/>
+        <p14:creationId xmlns:p14="http://schemas.microsoft.com/office/powerpoint/2010/main" val="3895379939"/>
       </p:ext>
     </p:extLst>
   </p:cSld>
@@ -14431,99 +14265,6 @@
           <a:p>
             <a:r>
               <a:rPr lang="en-US" dirty="0"/>
-              <a:t>Estimates</a:t>
-            </a:r>
-            <a:br>
-              <a:rPr lang="en-US" dirty="0"/>
-            </a:br>
-            <a:r>
-              <a:rPr lang="en-US" sz="2800" dirty="0"/>
-              <a:t>New Overall Project Estimate </a:t>
-            </a:r>
-          </a:p>
-        </p:txBody>
-      </p:sp>
-      <p:sp>
-        <p:nvSpPr>
-          <p:cNvPr id="3" name="Content Placeholder 2"/>
-          <p:cNvSpPr>
-            <a:spLocks noGrp="1"/>
-          </p:cNvSpPr>
-          <p:nvPr>
-            <p:ph idx="1"/>
-          </p:nvPr>
-        </p:nvSpPr>
-        <p:spPr/>
-        <p:txBody>
-          <a:bodyPr/>
-          <a:lstStyle/>
-          <a:p>
-            <a:r>
-              <a:rPr lang="en-US" dirty="0"/>
-              <a:t>Overall Estimate (LOC):  116 Hours (no change)</a:t>
-            </a:r>
-          </a:p>
-          <a:p>
-            <a:r>
-              <a:rPr lang="en-US" dirty="0"/>
-              <a:t>Overall Estimate (FPE):  808 Hours</a:t>
-            </a:r>
-          </a:p>
-          <a:p>
-            <a:r>
-              <a:rPr lang="en-US" b="1" dirty="0"/>
-              <a:t>Overall Estimate (Tasks):  538 Hours</a:t>
-            </a:r>
-          </a:p>
-        </p:txBody>
-      </p:sp>
-    </p:spTree>
-    <p:extLst>
-      <p:ext uri="{BB962C8B-B14F-4D97-AF65-F5344CB8AC3E}">
-        <p14:creationId xmlns:p14="http://schemas.microsoft.com/office/powerpoint/2010/main" val="3895379939"/>
-      </p:ext>
-    </p:extLst>
-  </p:cSld>
-  <p:clrMapOvr>
-    <a:masterClrMapping/>
-  </p:clrMapOvr>
-</p:sld>
-</file>
-
-<file path=ppt/slides/slide16.xml><?xml version="1.0" encoding="utf-8"?>
-<p:sld xmlns:a="http://schemas.openxmlformats.org/drawingml/2006/main" xmlns:r="http://schemas.openxmlformats.org/officeDocument/2006/relationships" xmlns:p="http://schemas.openxmlformats.org/presentationml/2006/main">
-  <p:cSld>
-    <p:spTree>
-      <p:nvGrpSpPr>
-        <p:cNvPr id="1" name=""/>
-        <p:cNvGrpSpPr/>
-        <p:nvPr/>
-      </p:nvGrpSpPr>
-      <p:grpSpPr>
-        <a:xfrm>
-          <a:off x="0" y="0"/>
-          <a:ext cx="0" cy="0"/>
-          <a:chOff x="0" y="0"/>
-          <a:chExt cx="0" cy="0"/>
-        </a:xfrm>
-      </p:grpSpPr>
-      <p:sp>
-        <p:nvSpPr>
-          <p:cNvPr id="2" name="Title 1"/>
-          <p:cNvSpPr>
-            <a:spLocks noGrp="1"/>
-          </p:cNvSpPr>
-          <p:nvPr>
-            <p:ph type="title"/>
-          </p:nvPr>
-        </p:nvSpPr>
-        <p:spPr/>
-        <p:txBody>
-          <a:bodyPr/>
-          <a:lstStyle/>
-          <a:p>
-            <a:r>
-              <a:rPr lang="en-US" dirty="0"/>
               <a:t>SPMP</a:t>
             </a:r>
             <a:br>
@@ -14604,7 +14345,7 @@
 </p:sld>
 </file>
 
-<file path=ppt/slides/slide17.xml><?xml version="1.0" encoding="utf-8"?>
+<file path=ppt/slides/slide16.xml><?xml version="1.0" encoding="utf-8"?>
 <p:sld xmlns:a="http://schemas.openxmlformats.org/drawingml/2006/main" xmlns:r="http://schemas.openxmlformats.org/officeDocument/2006/relationships" xmlns:p="http://schemas.openxmlformats.org/presentationml/2006/main">
   <p:cSld>
     <p:spTree>
@@ -15306,6 +15047,128 @@
 </p:sld>
 </file>
 
+<file path=ppt/slides/slide17.xml><?xml version="1.0" encoding="utf-8"?>
+<p:sld xmlns:a="http://schemas.openxmlformats.org/drawingml/2006/main" xmlns:r="http://schemas.openxmlformats.org/officeDocument/2006/relationships" xmlns:p="http://schemas.openxmlformats.org/presentationml/2006/main">
+  <p:cSld>
+    <p:spTree>
+      <p:nvGrpSpPr>
+        <p:cNvPr id="1" name=""/>
+        <p:cNvGrpSpPr/>
+        <p:nvPr/>
+      </p:nvGrpSpPr>
+      <p:grpSpPr>
+        <a:xfrm>
+          <a:off x="0" y="0"/>
+          <a:ext cx="0" cy="0"/>
+          <a:chOff x="0" y="0"/>
+          <a:chExt cx="0" cy="0"/>
+        </a:xfrm>
+      </p:grpSpPr>
+      <p:sp>
+        <p:nvSpPr>
+          <p:cNvPr id="2" name="Title 1"/>
+          <p:cNvSpPr>
+            <a:spLocks noGrp="1"/>
+          </p:cNvSpPr>
+          <p:nvPr>
+            <p:ph type="title"/>
+          </p:nvPr>
+        </p:nvSpPr>
+        <p:spPr/>
+        <p:txBody>
+          <a:bodyPr/>
+          <a:lstStyle/>
+          <a:p>
+            <a:r>
+              <a:rPr lang="en-US" dirty="0"/>
+              <a:t>Communication Plan</a:t>
+            </a:r>
+            <a:br>
+              <a:rPr lang="en-US" dirty="0"/>
+            </a:br>
+            <a:endParaRPr lang="en-US" sz="2800" dirty="0"/>
+          </a:p>
+        </p:txBody>
+      </p:sp>
+      <p:sp>
+        <p:nvSpPr>
+          <p:cNvPr id="3" name="Content Placeholder 2"/>
+          <p:cNvSpPr>
+            <a:spLocks noGrp="1"/>
+          </p:cNvSpPr>
+          <p:nvPr>
+            <p:ph idx="1"/>
+          </p:nvPr>
+        </p:nvSpPr>
+        <p:spPr/>
+        <p:txBody>
+          <a:bodyPr>
+            <a:normAutofit/>
+          </a:bodyPr>
+          <a:lstStyle/>
+          <a:p>
+            <a:pPr marL="342900" indent="-342900"/>
+            <a:r>
+              <a:rPr lang="en-US" dirty="0"/>
+              <a:t>Checking Slack </a:t>
+            </a:r>
+            <a:r>
+              <a:rPr lang="en-US" dirty="0" smtClean="0"/>
+              <a:t>once per day</a:t>
+            </a:r>
+            <a:endParaRPr lang="en-US" dirty="0"/>
+          </a:p>
+          <a:p>
+            <a:pPr marL="342900" indent="-342900"/>
+            <a:r>
+              <a:rPr lang="en-US" dirty="0"/>
+              <a:t>Establish </a:t>
+            </a:r>
+            <a:r>
+              <a:rPr lang="en-US" dirty="0" smtClean="0"/>
+              <a:t>meetings</a:t>
+            </a:r>
+            <a:endParaRPr lang="en-US" dirty="0"/>
+          </a:p>
+          <a:p>
+            <a:pPr marL="342900" indent="-342900"/>
+            <a:r>
+              <a:rPr lang="en-US" dirty="0"/>
+              <a:t>General Availability </a:t>
+            </a:r>
+            <a:r>
+              <a:rPr lang="en-US" dirty="0" smtClean="0"/>
+              <a:t>Doc</a:t>
+            </a:r>
+            <a:endParaRPr lang="en-US" dirty="0"/>
+          </a:p>
+          <a:p>
+            <a:pPr marL="342900" indent="-342900"/>
+            <a:r>
+              <a:rPr lang="en-US" dirty="0"/>
+              <a:t>Exceptions </a:t>
+            </a:r>
+            <a:r>
+              <a:rPr lang="en-US" dirty="0" smtClean="0"/>
+              <a:t>Calendar</a:t>
+            </a:r>
+            <a:endParaRPr lang="en-US" dirty="0"/>
+          </a:p>
+        </p:txBody>
+      </p:sp>
+    </p:spTree>
+    <p:extLst>
+      <p:ext uri="{BB962C8B-B14F-4D97-AF65-F5344CB8AC3E}">
+        <p14:creationId xmlns:p14="http://schemas.microsoft.com/office/powerpoint/2010/main" val="2997919723"/>
+      </p:ext>
+    </p:extLst>
+  </p:cSld>
+  <p:clrMapOvr>
+    <a:masterClrMapping/>
+  </p:clrMapOvr>
+</p:sld>
+</file>
+
 <file path=ppt/slides/slide18.xml><?xml version="1.0" encoding="utf-8"?>
 <p:sld xmlns:a="http://schemas.openxmlformats.org/drawingml/2006/main" xmlns:r="http://schemas.openxmlformats.org/officeDocument/2006/relationships" xmlns:p="http://schemas.openxmlformats.org/presentationml/2006/main">
   <p:cSld>
@@ -15340,91 +15203,89 @@
           <a:p>
             <a:r>
               <a:rPr lang="en-US" dirty="0"/>
-              <a:t>Communication Plan</a:t>
-            </a:r>
-            <a:br>
+              <a:t>SCM Plan</a:t>
+            </a:r>
+          </a:p>
+        </p:txBody>
+      </p:sp>
+      <p:sp>
+        <p:nvSpPr>
+          <p:cNvPr id="3" name="Content Placeholder 2"/>
+          <p:cNvSpPr>
+            <a:spLocks noGrp="1"/>
+          </p:cNvSpPr>
+          <p:nvPr>
+            <p:ph idx="1"/>
+          </p:nvPr>
+        </p:nvSpPr>
+        <p:spPr/>
+        <p:txBody>
+          <a:bodyPr/>
+          <a:lstStyle/>
+          <a:p>
+            <a:r>
+              <a:rPr lang="en-US" b="1" u="sng" dirty="0"/>
+              <a:t>Slack: </a:t>
+            </a:r>
+          </a:p>
+          <a:p>
+            <a:pPr lvl="1"/>
+            <a:r>
               <a:rPr lang="en-US" dirty="0"/>
-            </a:br>
-            <a:endParaRPr lang="en-US" sz="2800" dirty="0"/>
-          </a:p>
-        </p:txBody>
-      </p:sp>
-      <p:sp>
-        <p:nvSpPr>
-          <p:cNvPr id="3" name="Content Placeholder 2"/>
-          <p:cNvSpPr>
-            <a:spLocks noGrp="1"/>
-          </p:cNvSpPr>
-          <p:nvPr>
-            <p:ph idx="1"/>
-          </p:nvPr>
-        </p:nvSpPr>
-        <p:spPr/>
-        <p:txBody>
-          <a:bodyPr>
-            <a:normAutofit/>
-          </a:bodyPr>
-          <a:lstStyle/>
-          <a:p>
-            <a:pPr marL="342900" indent="-342900"/>
+              <a:t>Notifications</a:t>
+            </a:r>
+          </a:p>
+          <a:p>
+            <a:pPr lvl="1"/>
+            <a:r>
+              <a:rPr lang="en-US" dirty="0" err="1"/>
+              <a:t>Meeting_minutes</a:t>
+            </a:r>
             <a:r>
               <a:rPr lang="en-US" dirty="0"/>
-              <a:t>Checking Slack </a:t>
-            </a:r>
-            <a:r>
-              <a:rPr lang="en-US" dirty="0" smtClean="0"/>
-              <a:t>once per day</a:t>
-            </a:r>
-            <a:endParaRPr lang="en-US" dirty="0"/>
-          </a:p>
-          <a:p>
-            <a:pPr marL="342900" indent="-342900"/>
+              <a:t> channel</a:t>
+            </a:r>
+            <a:endParaRPr lang="en-US" u="sng" dirty="0"/>
+          </a:p>
+          <a:p>
+            <a:r>
+              <a:rPr lang="en-US" b="1" u="sng" dirty="0"/>
+              <a:t>GitHub:</a:t>
+            </a:r>
+          </a:p>
+          <a:p>
+            <a:pPr lvl="1"/>
             <a:r>
               <a:rPr lang="en-US" dirty="0"/>
-              <a:t>Establish </a:t>
-            </a:r>
-            <a:r>
-              <a:rPr lang="en-US" dirty="0" smtClean="0"/>
-              <a:t>meetings</a:t>
-            </a:r>
-            <a:endParaRPr lang="en-US" dirty="0"/>
-          </a:p>
-          <a:p>
-            <a:pPr marL="342900" indent="-342900"/>
+              <a:t>Source code</a:t>
+            </a:r>
+          </a:p>
+          <a:p>
+            <a:pPr lvl="1"/>
             <a:r>
               <a:rPr lang="en-US" dirty="0"/>
-              <a:t>General Availability </a:t>
-            </a:r>
-            <a:r>
-              <a:rPr lang="en-US" dirty="0" smtClean="0"/>
-              <a:t>Doc</a:t>
-            </a:r>
-            <a:endParaRPr lang="en-US" dirty="0"/>
-          </a:p>
-          <a:p>
-            <a:pPr marL="342900" indent="-342900"/>
-            <a:r>
-              <a:rPr lang="en-US" dirty="0"/>
-              <a:t>Exceptions </a:t>
-            </a:r>
-            <a:r>
-              <a:rPr lang="en-US" dirty="0" smtClean="0"/>
-              <a:t>Calendar</a:t>
-            </a:r>
-            <a:endParaRPr lang="en-US" dirty="0"/>
+              <a:t>Other artifacts</a:t>
+            </a:r>
           </a:p>
         </p:txBody>
       </p:sp>
     </p:spTree>
     <p:extLst>
       <p:ext uri="{BB962C8B-B14F-4D97-AF65-F5344CB8AC3E}">
-        <p14:creationId xmlns:p14="http://schemas.microsoft.com/office/powerpoint/2010/main" val="2997919723"/>
+        <p14:creationId xmlns:p14="http://schemas.microsoft.com/office/powerpoint/2010/main" val="830225128"/>
       </p:ext>
     </p:extLst>
   </p:cSld>
   <p:clrMapOvr>
     <a:masterClrMapping/>
   </p:clrMapOvr>
+  <p:timing>
+    <p:tnLst>
+      <p:par>
+        <p:cTn id="1" dur="indefinite" restart="never" nodeType="tmRoot"/>
+      </p:par>
+    </p:tnLst>
+  </p:timing>
 </p:sld>
 </file>
 
@@ -15462,7 +15323,7 @@
           <a:p>
             <a:r>
               <a:rPr lang="en-US" dirty="0"/>
-              <a:t>SCM Plan</a:t>
+              <a:t>What worked</a:t>
             </a:r>
           </a:p>
         </p:txBody>
@@ -15483,47 +15344,44 @@
           <a:lstStyle/>
           <a:p>
             <a:r>
-              <a:rPr lang="en-US" b="1" u="sng" dirty="0"/>
-              <a:t>Slack: </a:t>
-            </a:r>
-          </a:p>
-          <a:p>
-            <a:pPr lvl="1"/>
-            <a:r>
               <a:rPr lang="en-US" dirty="0"/>
-              <a:t>Notifications</a:t>
-            </a:r>
-          </a:p>
-          <a:p>
-            <a:pPr lvl="1"/>
-            <a:r>
-              <a:rPr lang="en-US" dirty="0" err="1"/>
-              <a:t>Meeting_minutes</a:t>
-            </a:r>
+              <a:t>Early start</a:t>
+            </a:r>
+          </a:p>
+          <a:p>
             <a:r>
               <a:rPr lang="en-US" dirty="0"/>
-              <a:t> channel</a:t>
-            </a:r>
-            <a:endParaRPr lang="en-US" u="sng" dirty="0"/>
-          </a:p>
-          <a:p>
-            <a:r>
-              <a:rPr lang="en-US" b="1" u="sng" dirty="0"/>
-              <a:t>GitHub:</a:t>
-            </a:r>
-          </a:p>
-          <a:p>
-            <a:pPr lvl="1"/>
+              <a:t>Establishing in-person meetings</a:t>
+            </a:r>
+          </a:p>
+          <a:p>
             <a:r>
               <a:rPr lang="en-US" dirty="0"/>
-              <a:t>Source code</a:t>
-            </a:r>
-          </a:p>
-          <a:p>
-            <a:pPr lvl="1"/>
+              <a:t>Selection of time tracking tool: Toggl</a:t>
+            </a:r>
+          </a:p>
+          <a:p>
             <a:r>
               <a:rPr lang="en-US" dirty="0"/>
-              <a:t>Other artifacts</a:t>
+              <a:t>Training for tools</a:t>
+            </a:r>
+          </a:p>
+          <a:p>
+            <a:r>
+              <a:rPr lang="en-US" dirty="0"/>
+              <a:t>Team communication </a:t>
+            </a:r>
+          </a:p>
+          <a:p>
+            <a:r>
+              <a:rPr lang="en-US" dirty="0"/>
+              <a:t>Risk management</a:t>
+            </a:r>
+          </a:p>
+          <a:p>
+            <a:r>
+              <a:rPr lang="en-US" dirty="0"/>
+              <a:t>Setting milestones for ourselves </a:t>
             </a:r>
           </a:p>
         </p:txBody>
@@ -15531,7 +15389,7 @@
     </p:spTree>
     <p:extLst>
       <p:ext uri="{BB962C8B-B14F-4D97-AF65-F5344CB8AC3E}">
-        <p14:creationId xmlns:p14="http://schemas.microsoft.com/office/powerpoint/2010/main" val="830225128"/>
+        <p14:creationId xmlns:p14="http://schemas.microsoft.com/office/powerpoint/2010/main" val="1878087913"/>
       </p:ext>
     </p:extLst>
   </p:cSld>
@@ -15636,7 +15494,7 @@
           <a:p>
             <a:r>
               <a:rPr lang="en-US" dirty="0"/>
-              <a:t>What worked</a:t>
+              <a:t>What did not work</a:t>
             </a:r>
           </a:p>
         </p:txBody>
@@ -15658,51 +15516,46 @@
           <a:p>
             <a:r>
               <a:rPr lang="en-US" dirty="0"/>
-              <a:t>Early start</a:t>
+              <a:t>SPMP formatting and style</a:t>
             </a:r>
           </a:p>
           <a:p>
             <a:r>
               <a:rPr lang="en-US" dirty="0"/>
-              <a:t>Establishing in-person meetings</a:t>
-            </a:r>
-          </a:p>
-          <a:p>
+              <a:t>Artifact review method</a:t>
+            </a:r>
+          </a:p>
+          <a:p>
+            <a:r>
+              <a:rPr lang="en-US" dirty="0" err="1"/>
+              <a:t>Wrike</a:t>
+            </a:r>
             <a:r>
               <a:rPr lang="en-US" dirty="0"/>
-              <a:t>Selection of time tracking tool: Toggl</a:t>
+              <a:t> under-utilized</a:t>
             </a:r>
           </a:p>
           <a:p>
             <a:r>
               <a:rPr lang="en-US" dirty="0"/>
-              <a:t>Training for tools</a:t>
+              <a:t>Dependencies not established early </a:t>
             </a:r>
           </a:p>
           <a:p>
             <a:r>
               <a:rPr lang="en-US" dirty="0"/>
-              <a:t>Team communication </a:t>
-            </a:r>
-          </a:p>
-          <a:p>
-            <a:r>
-              <a:rPr lang="en-US" dirty="0"/>
-              <a:t>Risk management</a:t>
-            </a:r>
-          </a:p>
-          <a:p>
-            <a:r>
-              <a:rPr lang="en-US" dirty="0"/>
-              <a:t>Setting milestones for ourselves </a:t>
-            </a:r>
+              <a:t>Communication with PMs</a:t>
+            </a:r>
+          </a:p>
+          <a:p>
+            <a:endParaRPr lang="en-US" dirty="0"/>
           </a:p>
         </p:txBody>
       </p:sp>
     </p:spTree>
     <p:extLst>
       <p:ext uri="{BB962C8B-B14F-4D97-AF65-F5344CB8AC3E}">
-        <p14:creationId xmlns:p14="http://schemas.microsoft.com/office/powerpoint/2010/main" val="1878087913"/>
+        <p14:creationId xmlns:p14="http://schemas.microsoft.com/office/powerpoint/2010/main" val="4030846354"/>
       </p:ext>
     </p:extLst>
   </p:cSld>
@@ -15753,118 +15606,6 @@
           <a:p>
             <a:r>
               <a:rPr lang="en-US" dirty="0"/>
-              <a:t>What did not work</a:t>
-            </a:r>
-          </a:p>
-        </p:txBody>
-      </p:sp>
-      <p:sp>
-        <p:nvSpPr>
-          <p:cNvPr id="3" name="Content Placeholder 2"/>
-          <p:cNvSpPr>
-            <a:spLocks noGrp="1"/>
-          </p:cNvSpPr>
-          <p:nvPr>
-            <p:ph idx="1"/>
-          </p:nvPr>
-        </p:nvSpPr>
-        <p:spPr/>
-        <p:txBody>
-          <a:bodyPr/>
-          <a:lstStyle/>
-          <a:p>
-            <a:r>
-              <a:rPr lang="en-US" dirty="0"/>
-              <a:t>SPMP formatting and style</a:t>
-            </a:r>
-          </a:p>
-          <a:p>
-            <a:r>
-              <a:rPr lang="en-US" dirty="0"/>
-              <a:t>Artifact review method</a:t>
-            </a:r>
-          </a:p>
-          <a:p>
-            <a:r>
-              <a:rPr lang="en-US" dirty="0" err="1"/>
-              <a:t>Wrike</a:t>
-            </a:r>
-            <a:r>
-              <a:rPr lang="en-US" dirty="0"/>
-              <a:t> under-utilized</a:t>
-            </a:r>
-          </a:p>
-          <a:p>
-            <a:r>
-              <a:rPr lang="en-US" dirty="0"/>
-              <a:t>Dependencies not established early </a:t>
-            </a:r>
-          </a:p>
-          <a:p>
-            <a:r>
-              <a:rPr lang="en-US" dirty="0"/>
-              <a:t>Communication with PMs</a:t>
-            </a:r>
-          </a:p>
-          <a:p>
-            <a:endParaRPr lang="en-US" dirty="0"/>
-          </a:p>
-        </p:txBody>
-      </p:sp>
-    </p:spTree>
-    <p:extLst>
-      <p:ext uri="{BB962C8B-B14F-4D97-AF65-F5344CB8AC3E}">
-        <p14:creationId xmlns:p14="http://schemas.microsoft.com/office/powerpoint/2010/main" val="4030846354"/>
-      </p:ext>
-    </p:extLst>
-  </p:cSld>
-  <p:clrMapOvr>
-    <a:masterClrMapping/>
-  </p:clrMapOvr>
-  <p:timing>
-    <p:tnLst>
-      <p:par>
-        <p:cTn id="1" dur="indefinite" restart="never" nodeType="tmRoot"/>
-      </p:par>
-    </p:tnLst>
-  </p:timing>
-</p:sld>
-</file>
-
-<file path=ppt/slides/slide22.xml><?xml version="1.0" encoding="utf-8"?>
-<p:sld xmlns:a="http://schemas.openxmlformats.org/drawingml/2006/main" xmlns:r="http://schemas.openxmlformats.org/officeDocument/2006/relationships" xmlns:p="http://schemas.openxmlformats.org/presentationml/2006/main">
-  <p:cSld>
-    <p:spTree>
-      <p:nvGrpSpPr>
-        <p:cNvPr id="1" name=""/>
-        <p:cNvGrpSpPr/>
-        <p:nvPr/>
-      </p:nvGrpSpPr>
-      <p:grpSpPr>
-        <a:xfrm>
-          <a:off x="0" y="0"/>
-          <a:ext cx="0" cy="0"/>
-          <a:chOff x="0" y="0"/>
-          <a:chExt cx="0" cy="0"/>
-        </a:xfrm>
-      </p:grpSpPr>
-      <p:sp>
-        <p:nvSpPr>
-          <p:cNvPr id="2" name="Title 1"/>
-          <p:cNvSpPr>
-            <a:spLocks noGrp="1"/>
-          </p:cNvSpPr>
-          <p:nvPr>
-            <p:ph type="title"/>
-          </p:nvPr>
-        </p:nvSpPr>
-        <p:spPr/>
-        <p:txBody>
-          <a:bodyPr/>
-          <a:lstStyle/>
-          <a:p>
-            <a:r>
-              <a:rPr lang="en-US" dirty="0"/>
               <a:t>Changes for Part 2</a:t>
             </a:r>
           </a:p>
@@ -15944,7 +15685,7 @@
 </p:sld>
 </file>
 
-<file path=ppt/slides/slide23.xml><?xml version="1.0" encoding="utf-8"?>
+<file path=ppt/slides/slide22.xml><?xml version="1.0" encoding="utf-8"?>
 <p:sld xmlns:a="http://schemas.openxmlformats.org/drawingml/2006/main" xmlns:r="http://schemas.openxmlformats.org/officeDocument/2006/relationships" xmlns:p="http://schemas.openxmlformats.org/presentationml/2006/main">
   <p:cSld>
     <p:spTree>
@@ -16740,21 +16481,21 @@
                 <a:gridCol w="4063296">
                   <a:extLst>
                     <a:ext uri="{9D8B030D-6E8A-4147-A177-3AD203B41FA5}">
-                      <a16:colId xmlns:a16="http://schemas.microsoft.com/office/drawing/2014/main" xmlns="" val="1152663379"/>
+                      <a16:colId xmlns="" xmlns:a16="http://schemas.microsoft.com/office/drawing/2014/main" val="1152663379"/>
                     </a:ext>
                   </a:extLst>
                 </a:gridCol>
                 <a:gridCol w="4063296">
                   <a:extLst>
                     <a:ext uri="{9D8B030D-6E8A-4147-A177-3AD203B41FA5}">
-                      <a16:colId xmlns:a16="http://schemas.microsoft.com/office/drawing/2014/main" xmlns="" val="4093988358"/>
+                      <a16:colId xmlns="" xmlns:a16="http://schemas.microsoft.com/office/drawing/2014/main" val="4093988358"/>
                     </a:ext>
                   </a:extLst>
                 </a:gridCol>
                 <a:gridCol w="4063296">
                   <a:extLst>
                     <a:ext uri="{9D8B030D-6E8A-4147-A177-3AD203B41FA5}">
-                      <a16:colId xmlns:a16="http://schemas.microsoft.com/office/drawing/2014/main" xmlns="" val="3060563141"/>
+                      <a16:colId xmlns="" xmlns:a16="http://schemas.microsoft.com/office/drawing/2014/main" val="3060563141"/>
                     </a:ext>
                   </a:extLst>
                 </a:gridCol>
@@ -16826,7 +16567,7 @@
                 </a:tc>
                 <a:extLst>
                   <a:ext uri="{0D108BD9-81ED-4DB2-BD59-A6C34878D82A}">
-                    <a16:rowId xmlns:a16="http://schemas.microsoft.com/office/drawing/2014/main" xmlns="" val="915339384"/>
+                    <a16:rowId xmlns="" xmlns:a16="http://schemas.microsoft.com/office/drawing/2014/main" val="915339384"/>
                   </a:ext>
                 </a:extLst>
               </a:tr>
@@ -16938,7 +16679,7 @@
                 </a:tc>
                 <a:extLst>
                   <a:ext uri="{0D108BD9-81ED-4DB2-BD59-A6C34878D82A}">
-                    <a16:rowId xmlns:a16="http://schemas.microsoft.com/office/drawing/2014/main" xmlns="" val="818094390"/>
+                    <a16:rowId xmlns="" xmlns:a16="http://schemas.microsoft.com/office/drawing/2014/main" val="818094390"/>
                   </a:ext>
                 </a:extLst>
               </a:tr>
@@ -17079,7 +16820,7 @@
                 </a:tc>
                 <a:extLst>
                   <a:ext uri="{0D108BD9-81ED-4DB2-BD59-A6C34878D82A}">
-                    <a16:rowId xmlns:a16="http://schemas.microsoft.com/office/drawing/2014/main" xmlns="" val="3081298328"/>
+                    <a16:rowId xmlns="" xmlns:a16="http://schemas.microsoft.com/office/drawing/2014/main" val="3081298328"/>
                   </a:ext>
                 </a:extLst>
               </a:tr>
@@ -17170,7 +16911,7 @@
                 </a:tc>
                 <a:extLst>
                   <a:ext uri="{0D108BD9-81ED-4DB2-BD59-A6C34878D82A}">
-                    <a16:rowId xmlns:a16="http://schemas.microsoft.com/office/drawing/2014/main" xmlns="" val="2889210439"/>
+                    <a16:rowId xmlns="" xmlns:a16="http://schemas.microsoft.com/office/drawing/2014/main" val="2889210439"/>
                   </a:ext>
                 </a:extLst>
               </a:tr>
@@ -17253,7 +16994,7 @@
                 </a:tc>
                 <a:extLst>
                   <a:ext uri="{0D108BD9-81ED-4DB2-BD59-A6C34878D82A}">
-                    <a16:rowId xmlns:a16="http://schemas.microsoft.com/office/drawing/2014/main" xmlns="" val="594971708"/>
+                    <a16:rowId xmlns="" xmlns:a16="http://schemas.microsoft.com/office/drawing/2014/main" val="594971708"/>
                   </a:ext>
                 </a:extLst>
               </a:tr>
@@ -17393,7 +17134,7 @@
                 </a:tc>
                 <a:extLst>
                   <a:ext uri="{0D108BD9-81ED-4DB2-BD59-A6C34878D82A}">
-                    <a16:rowId xmlns:a16="http://schemas.microsoft.com/office/drawing/2014/main" xmlns="" val="2512481468"/>
+                    <a16:rowId xmlns="" xmlns:a16="http://schemas.microsoft.com/office/drawing/2014/main" val="2512481468"/>
                   </a:ext>
                 </a:extLst>
               </a:tr>
@@ -17485,7 +17226,7 @@
                 </a:tc>
                 <a:extLst>
                   <a:ext uri="{0D108BD9-81ED-4DB2-BD59-A6C34878D82A}">
-                    <a16:rowId xmlns:a16="http://schemas.microsoft.com/office/drawing/2014/main" xmlns="" val="100471134"/>
+                    <a16:rowId xmlns="" xmlns:a16="http://schemas.microsoft.com/office/drawing/2014/main" val="100471134"/>
                   </a:ext>
                 </a:extLst>
               </a:tr>
@@ -18108,7 +17849,7 @@
   <a:extraClrSchemeLst/>
   <a:extLst>
     <a:ext uri="{05A4C25C-085E-4340-85A3-A5531E510DB2}">
-      <thm15:themeFamily xmlns:thm15="http://schemas.microsoft.com/office/thememl/2012/main" xmlns="" name="Basis" id="{5665723A-49BA-4B57-8411-A56F8F207965}" vid="{ACC63D00-1EE0-4159-BF5A-6FF02000B710}"/>
+      <thm15:themeFamily xmlns="" xmlns:thm15="http://schemas.microsoft.com/office/thememl/2012/main" name="Basis" id="{5665723A-49BA-4B57-8411-A56F8F207965}" vid="{ACC63D00-1EE0-4159-BF5A-6FF02000B710}"/>
     </a:ext>
   </a:extLst>
 </a:theme>
@@ -18345,7 +18086,7 @@
   <a:extraClrSchemeLst/>
   <a:extLst>
     <a:ext uri="{05A4C25C-085E-4340-85A3-A5531E510DB2}">
-      <thm15:themeFamily xmlns="" xmlns:thm15="http://schemas.microsoft.com/office/thememl/2012/main" name="Basis" id="{5665723A-49BA-4B57-8411-A56F8F207965}" vid="{ACC63D00-1EE0-4159-BF5A-6FF02000B710}"/>
+      <thm15:themeFamily xmlns:thm15="http://schemas.microsoft.com/office/thememl/2012/main" xmlns="" name="Basis" id="{5665723A-49BA-4B57-8411-A56F8F207965}" vid="{ACC63D00-1EE0-4159-BF5A-6FF02000B710}"/>
     </a:ext>
   </a:extLst>
 </a:theme>
@@ -18640,7 +18381,7 @@
   <a:extraClrSchemeLst/>
   <a:extLst>
     <a:ext uri="{05A4C25C-085E-4340-85A3-A5531E510DB2}">
-      <thm15:themeFamily xmlns:thm15="http://schemas.microsoft.com/office/thememl/2012/main" xmlns="" name="Office Theme" id="{62F939B6-93AF-4DB8-9C6B-D6C7DFDC589F}" vid="{4A3C46E8-61CC-4603-A589-7422A47A8E4A}"/>
+      <thm15:themeFamily xmlns="" xmlns:thm15="http://schemas.microsoft.com/office/thememl/2012/main" name="Office Theme" id="{62F939B6-93AF-4DB8-9C6B-D6C7DFDC589F}" vid="{4A3C46E8-61CC-4603-A589-7422A47A8E4A}"/>
     </a:ext>
   </a:extLst>
 </a:theme>
